--- a/SEMESTER 1/Modélisation avec Python/M- Pandas/Presentation/Pandas.pptx
+++ b/SEMESTER 1/Modélisation avec Python/M- Pandas/Presentation/Pandas.pptx
@@ -5,7 +5,7 @@
     <p:sldMasterId id="2147483674" r:id="rId1"/>
   </p:sldMasterIdLst>
   <p:notesMasterIdLst>
-    <p:notesMasterId r:id="rId23"/>
+    <p:notesMasterId r:id="rId35"/>
   </p:notesMasterIdLst>
   <p:sldIdLst>
     <p:sldId id="308" r:id="rId2"/>
@@ -29,6 +29,18 @@
     <p:sldId id="328" r:id="rId20"/>
     <p:sldId id="329" r:id="rId21"/>
     <p:sldId id="330" r:id="rId22"/>
+    <p:sldId id="331" r:id="rId23"/>
+    <p:sldId id="332" r:id="rId24"/>
+    <p:sldId id="333" r:id="rId25"/>
+    <p:sldId id="334" r:id="rId26"/>
+    <p:sldId id="335" r:id="rId27"/>
+    <p:sldId id="336" r:id="rId28"/>
+    <p:sldId id="337" r:id="rId29"/>
+    <p:sldId id="338" r:id="rId30"/>
+    <p:sldId id="339" r:id="rId31"/>
+    <p:sldId id="340" r:id="rId32"/>
+    <p:sldId id="341" r:id="rId33"/>
+    <p:sldId id="319" r:id="rId34"/>
   </p:sldIdLst>
   <p:sldSz cx="9144000" cy="5143500" type="screen16x9"/>
   <p:notesSz cx="6858000" cy="9144000"/>
@@ -2216,6 +2228,878 @@
 </p:notes>
 </file>
 
+<file path=ppt/notesSlides/notesSlide22.xml><?xml version="1.0" encoding="utf-8"?>
+<p:notes xmlns:a="http://schemas.openxmlformats.org/drawingml/2006/main" xmlns:r="http://schemas.openxmlformats.org/officeDocument/2006/relationships" xmlns:p="http://schemas.openxmlformats.org/presentationml/2006/main" showMasterSp="0" showMasterPhAnim="0">
+  <p:cSld>
+    <p:spTree>
+      <p:nvGrpSpPr>
+        <p:cNvPr id="1" name="Shape 503"/>
+        <p:cNvGrpSpPr/>
+        <p:nvPr/>
+      </p:nvGrpSpPr>
+      <p:grpSpPr>
+        <a:xfrm>
+          <a:off x="0" y="0"/>
+          <a:ext cx="0" cy="0"/>
+          <a:chOff x="0" y="0"/>
+          <a:chExt cx="0" cy="0"/>
+        </a:xfrm>
+      </p:grpSpPr>
+      <p:sp>
+        <p:nvSpPr>
+          <p:cNvPr id="504" name="Google Shape;504;gdd09e57de2_0_36:notes"/>
+          <p:cNvSpPr>
+            <a:spLocks noGrp="1" noRot="1" noChangeAspect="1"/>
+          </p:cNvSpPr>
+          <p:nvPr>
+            <p:ph type="sldImg" idx="2"/>
+          </p:nvPr>
+        </p:nvSpPr>
+        <p:spPr>
+          <a:xfrm>
+            <a:off x="381000" y="685800"/>
+            <a:ext cx="6096000" cy="3429000"/>
+          </a:xfrm>
+          <a:custGeom>
+            <a:avLst/>
+            <a:gdLst/>
+            <a:ahLst/>
+            <a:cxnLst/>
+            <a:rect l="l" t="t" r="r" b="b"/>
+            <a:pathLst>
+              <a:path w="120000" h="120000" extrusionOk="0">
+                <a:moveTo>
+                  <a:pt x="0" y="0"/>
+                </a:moveTo>
+                <a:lnTo>
+                  <a:pt x="120000" y="0"/>
+                </a:lnTo>
+                <a:lnTo>
+                  <a:pt x="120000" y="120000"/>
+                </a:lnTo>
+                <a:lnTo>
+                  <a:pt x="0" y="120000"/>
+                </a:lnTo>
+                <a:close/>
+              </a:path>
+            </a:pathLst>
+          </a:custGeom>
+        </p:spPr>
+      </p:sp>
+      <p:sp>
+        <p:nvSpPr>
+          <p:cNvPr id="505" name="Google Shape;505;gdd09e57de2_0_36:notes"/>
+          <p:cNvSpPr txBox="1">
+            <a:spLocks noGrp="1"/>
+          </p:cNvSpPr>
+          <p:nvPr>
+            <p:ph type="body" idx="1"/>
+          </p:nvPr>
+        </p:nvSpPr>
+        <p:spPr>
+          <a:xfrm>
+            <a:off x="685800" y="4343400"/>
+            <a:ext cx="5486400" cy="4114800"/>
+          </a:xfrm>
+          <a:prstGeom prst="rect">
+            <a:avLst/>
+          </a:prstGeom>
+        </p:spPr>
+        <p:txBody>
+          <a:bodyPr spcFirstLastPara="1" wrap="square" lIns="91425" tIns="91425" rIns="91425" bIns="91425" anchor="t" anchorCtr="0">
+            <a:noAutofit/>
+          </a:bodyPr>
+          <a:lstStyle/>
+          <a:p>
+            <a:pPr marL="0" lvl="0" indent="0" algn="l" rtl="0">
+              <a:spcBef>
+                <a:spcPts val="0"/>
+              </a:spcBef>
+              <a:spcAft>
+                <a:spcPts val="0"/>
+              </a:spcAft>
+              <a:buNone/>
+            </a:pPr>
+            <a:endParaRPr/>
+          </a:p>
+        </p:txBody>
+      </p:sp>
+    </p:spTree>
+    <p:extLst>
+      <p:ext uri="{BB962C8B-B14F-4D97-AF65-F5344CB8AC3E}">
+        <p14:creationId xmlns:p14="http://schemas.microsoft.com/office/powerpoint/2010/main" val="3836409569"/>
+      </p:ext>
+    </p:extLst>
+  </p:cSld>
+  <p:clrMapOvr>
+    <a:masterClrMapping/>
+  </p:clrMapOvr>
+</p:notes>
+</file>
+
+<file path=ppt/notesSlides/notesSlide23.xml><?xml version="1.0" encoding="utf-8"?>
+<p:notes xmlns:a="http://schemas.openxmlformats.org/drawingml/2006/main" xmlns:r="http://schemas.openxmlformats.org/officeDocument/2006/relationships" xmlns:p="http://schemas.openxmlformats.org/presentationml/2006/main" showMasterSp="0" showMasterPhAnim="0">
+  <p:cSld>
+    <p:spTree>
+      <p:nvGrpSpPr>
+        <p:cNvPr id="1" name="Shape 942"/>
+        <p:cNvGrpSpPr/>
+        <p:nvPr/>
+      </p:nvGrpSpPr>
+      <p:grpSpPr>
+        <a:xfrm>
+          <a:off x="0" y="0"/>
+          <a:ext cx="0" cy="0"/>
+          <a:chOff x="0" y="0"/>
+          <a:chExt cx="0" cy="0"/>
+        </a:xfrm>
+      </p:grpSpPr>
+      <p:sp>
+        <p:nvSpPr>
+          <p:cNvPr id="943" name="Google Shape;943;gbd6c00e730_0_21:notes"/>
+          <p:cNvSpPr>
+            <a:spLocks noGrp="1" noRot="1" noChangeAspect="1"/>
+          </p:cNvSpPr>
+          <p:nvPr>
+            <p:ph type="sldImg" idx="2"/>
+          </p:nvPr>
+        </p:nvSpPr>
+        <p:spPr>
+          <a:xfrm>
+            <a:off x="381000" y="685800"/>
+            <a:ext cx="6096000" cy="3429000"/>
+          </a:xfrm>
+          <a:custGeom>
+            <a:avLst/>
+            <a:gdLst/>
+            <a:ahLst/>
+            <a:cxnLst/>
+            <a:rect l="l" t="t" r="r" b="b"/>
+            <a:pathLst>
+              <a:path w="120000" h="120000" extrusionOk="0">
+                <a:moveTo>
+                  <a:pt x="0" y="0"/>
+                </a:moveTo>
+                <a:lnTo>
+                  <a:pt x="120000" y="0"/>
+                </a:lnTo>
+                <a:lnTo>
+                  <a:pt x="120000" y="120000"/>
+                </a:lnTo>
+                <a:lnTo>
+                  <a:pt x="0" y="120000"/>
+                </a:lnTo>
+                <a:close/>
+              </a:path>
+            </a:pathLst>
+          </a:custGeom>
+        </p:spPr>
+      </p:sp>
+      <p:sp>
+        <p:nvSpPr>
+          <p:cNvPr id="944" name="Google Shape;944;gbd6c00e730_0_21:notes"/>
+          <p:cNvSpPr txBox="1">
+            <a:spLocks noGrp="1"/>
+          </p:cNvSpPr>
+          <p:nvPr>
+            <p:ph type="body" idx="1"/>
+          </p:nvPr>
+        </p:nvSpPr>
+        <p:spPr>
+          <a:xfrm>
+            <a:off x="685800" y="4343400"/>
+            <a:ext cx="5486400" cy="4114800"/>
+          </a:xfrm>
+          <a:prstGeom prst="rect">
+            <a:avLst/>
+          </a:prstGeom>
+        </p:spPr>
+        <p:txBody>
+          <a:bodyPr spcFirstLastPara="1" wrap="square" lIns="91425" tIns="91425" rIns="91425" bIns="91425" anchor="t" anchorCtr="0">
+            <a:noAutofit/>
+          </a:bodyPr>
+          <a:lstStyle/>
+          <a:p>
+            <a:pPr marL="0" lvl="0" indent="0" algn="l" rtl="0">
+              <a:spcBef>
+                <a:spcPts val="0"/>
+              </a:spcBef>
+              <a:spcAft>
+                <a:spcPts val="0"/>
+              </a:spcAft>
+              <a:buNone/>
+            </a:pPr>
+            <a:endParaRPr/>
+          </a:p>
+        </p:txBody>
+      </p:sp>
+    </p:spTree>
+    <p:extLst>
+      <p:ext uri="{BB962C8B-B14F-4D97-AF65-F5344CB8AC3E}">
+        <p14:creationId xmlns:p14="http://schemas.microsoft.com/office/powerpoint/2010/main" val="749575077"/>
+      </p:ext>
+    </p:extLst>
+  </p:cSld>
+  <p:clrMapOvr>
+    <a:masterClrMapping/>
+  </p:clrMapOvr>
+</p:notes>
+</file>
+
+<file path=ppt/notesSlides/notesSlide24.xml><?xml version="1.0" encoding="utf-8"?>
+<p:notes xmlns:a="http://schemas.openxmlformats.org/drawingml/2006/main" xmlns:r="http://schemas.openxmlformats.org/officeDocument/2006/relationships" xmlns:p="http://schemas.openxmlformats.org/presentationml/2006/main" showMasterSp="0" showMasterPhAnim="0">
+  <p:cSld>
+    <p:spTree>
+      <p:nvGrpSpPr>
+        <p:cNvPr id="1" name="Shape 942"/>
+        <p:cNvGrpSpPr/>
+        <p:nvPr/>
+      </p:nvGrpSpPr>
+      <p:grpSpPr>
+        <a:xfrm>
+          <a:off x="0" y="0"/>
+          <a:ext cx="0" cy="0"/>
+          <a:chOff x="0" y="0"/>
+          <a:chExt cx="0" cy="0"/>
+        </a:xfrm>
+      </p:grpSpPr>
+      <p:sp>
+        <p:nvSpPr>
+          <p:cNvPr id="943" name="Google Shape;943;gbd6c00e730_0_21:notes"/>
+          <p:cNvSpPr>
+            <a:spLocks noGrp="1" noRot="1" noChangeAspect="1"/>
+          </p:cNvSpPr>
+          <p:nvPr>
+            <p:ph type="sldImg" idx="2"/>
+          </p:nvPr>
+        </p:nvSpPr>
+        <p:spPr>
+          <a:xfrm>
+            <a:off x="381000" y="685800"/>
+            <a:ext cx="6096000" cy="3429000"/>
+          </a:xfrm>
+          <a:custGeom>
+            <a:avLst/>
+            <a:gdLst/>
+            <a:ahLst/>
+            <a:cxnLst/>
+            <a:rect l="l" t="t" r="r" b="b"/>
+            <a:pathLst>
+              <a:path w="120000" h="120000" extrusionOk="0">
+                <a:moveTo>
+                  <a:pt x="0" y="0"/>
+                </a:moveTo>
+                <a:lnTo>
+                  <a:pt x="120000" y="0"/>
+                </a:lnTo>
+                <a:lnTo>
+                  <a:pt x="120000" y="120000"/>
+                </a:lnTo>
+                <a:lnTo>
+                  <a:pt x="0" y="120000"/>
+                </a:lnTo>
+                <a:close/>
+              </a:path>
+            </a:pathLst>
+          </a:custGeom>
+        </p:spPr>
+      </p:sp>
+      <p:sp>
+        <p:nvSpPr>
+          <p:cNvPr id="944" name="Google Shape;944;gbd6c00e730_0_21:notes"/>
+          <p:cNvSpPr txBox="1">
+            <a:spLocks noGrp="1"/>
+          </p:cNvSpPr>
+          <p:nvPr>
+            <p:ph type="body" idx="1"/>
+          </p:nvPr>
+        </p:nvSpPr>
+        <p:spPr>
+          <a:xfrm>
+            <a:off x="685800" y="4343400"/>
+            <a:ext cx="5486400" cy="4114800"/>
+          </a:xfrm>
+          <a:prstGeom prst="rect">
+            <a:avLst/>
+          </a:prstGeom>
+        </p:spPr>
+        <p:txBody>
+          <a:bodyPr spcFirstLastPara="1" wrap="square" lIns="91425" tIns="91425" rIns="91425" bIns="91425" anchor="t" anchorCtr="0">
+            <a:noAutofit/>
+          </a:bodyPr>
+          <a:lstStyle/>
+          <a:p>
+            <a:pPr marL="0" lvl="0" indent="0" algn="l" rtl="0">
+              <a:spcBef>
+                <a:spcPts val="0"/>
+              </a:spcBef>
+              <a:spcAft>
+                <a:spcPts val="0"/>
+              </a:spcAft>
+              <a:buNone/>
+            </a:pPr>
+            <a:endParaRPr/>
+          </a:p>
+        </p:txBody>
+      </p:sp>
+    </p:spTree>
+    <p:extLst>
+      <p:ext uri="{BB962C8B-B14F-4D97-AF65-F5344CB8AC3E}">
+        <p14:creationId xmlns:p14="http://schemas.microsoft.com/office/powerpoint/2010/main" val="1891502231"/>
+      </p:ext>
+    </p:extLst>
+  </p:cSld>
+  <p:clrMapOvr>
+    <a:masterClrMapping/>
+  </p:clrMapOvr>
+</p:notes>
+</file>
+
+<file path=ppt/notesSlides/notesSlide25.xml><?xml version="1.0" encoding="utf-8"?>
+<p:notes xmlns:a="http://schemas.openxmlformats.org/drawingml/2006/main" xmlns:r="http://schemas.openxmlformats.org/officeDocument/2006/relationships" xmlns:p="http://schemas.openxmlformats.org/presentationml/2006/main" showMasterSp="0" showMasterPhAnim="0">
+  <p:cSld>
+    <p:spTree>
+      <p:nvGrpSpPr>
+        <p:cNvPr id="1" name="Shape 942"/>
+        <p:cNvGrpSpPr/>
+        <p:nvPr/>
+      </p:nvGrpSpPr>
+      <p:grpSpPr>
+        <a:xfrm>
+          <a:off x="0" y="0"/>
+          <a:ext cx="0" cy="0"/>
+          <a:chOff x="0" y="0"/>
+          <a:chExt cx="0" cy="0"/>
+        </a:xfrm>
+      </p:grpSpPr>
+      <p:sp>
+        <p:nvSpPr>
+          <p:cNvPr id="943" name="Google Shape;943;gbd6c00e730_0_21:notes"/>
+          <p:cNvSpPr>
+            <a:spLocks noGrp="1" noRot="1" noChangeAspect="1"/>
+          </p:cNvSpPr>
+          <p:nvPr>
+            <p:ph type="sldImg" idx="2"/>
+          </p:nvPr>
+        </p:nvSpPr>
+        <p:spPr>
+          <a:xfrm>
+            <a:off x="381000" y="685800"/>
+            <a:ext cx="6096000" cy="3429000"/>
+          </a:xfrm>
+          <a:custGeom>
+            <a:avLst/>
+            <a:gdLst/>
+            <a:ahLst/>
+            <a:cxnLst/>
+            <a:rect l="l" t="t" r="r" b="b"/>
+            <a:pathLst>
+              <a:path w="120000" h="120000" extrusionOk="0">
+                <a:moveTo>
+                  <a:pt x="0" y="0"/>
+                </a:moveTo>
+                <a:lnTo>
+                  <a:pt x="120000" y="0"/>
+                </a:lnTo>
+                <a:lnTo>
+                  <a:pt x="120000" y="120000"/>
+                </a:lnTo>
+                <a:lnTo>
+                  <a:pt x="0" y="120000"/>
+                </a:lnTo>
+                <a:close/>
+              </a:path>
+            </a:pathLst>
+          </a:custGeom>
+        </p:spPr>
+      </p:sp>
+      <p:sp>
+        <p:nvSpPr>
+          <p:cNvPr id="944" name="Google Shape;944;gbd6c00e730_0_21:notes"/>
+          <p:cNvSpPr txBox="1">
+            <a:spLocks noGrp="1"/>
+          </p:cNvSpPr>
+          <p:nvPr>
+            <p:ph type="body" idx="1"/>
+          </p:nvPr>
+        </p:nvSpPr>
+        <p:spPr>
+          <a:xfrm>
+            <a:off x="685800" y="4343400"/>
+            <a:ext cx="5486400" cy="4114800"/>
+          </a:xfrm>
+          <a:prstGeom prst="rect">
+            <a:avLst/>
+          </a:prstGeom>
+        </p:spPr>
+        <p:txBody>
+          <a:bodyPr spcFirstLastPara="1" wrap="square" lIns="91425" tIns="91425" rIns="91425" bIns="91425" anchor="t" anchorCtr="0">
+            <a:noAutofit/>
+          </a:bodyPr>
+          <a:lstStyle/>
+          <a:p>
+            <a:pPr marL="0" lvl="0" indent="0" algn="l" rtl="0">
+              <a:spcBef>
+                <a:spcPts val="0"/>
+              </a:spcBef>
+              <a:spcAft>
+                <a:spcPts val="0"/>
+              </a:spcAft>
+              <a:buNone/>
+            </a:pPr>
+            <a:endParaRPr/>
+          </a:p>
+        </p:txBody>
+      </p:sp>
+    </p:spTree>
+    <p:extLst>
+      <p:ext uri="{BB962C8B-B14F-4D97-AF65-F5344CB8AC3E}">
+        <p14:creationId xmlns:p14="http://schemas.microsoft.com/office/powerpoint/2010/main" val="3740299686"/>
+      </p:ext>
+    </p:extLst>
+  </p:cSld>
+  <p:clrMapOvr>
+    <a:masterClrMapping/>
+  </p:clrMapOvr>
+</p:notes>
+</file>
+
+<file path=ppt/notesSlides/notesSlide26.xml><?xml version="1.0" encoding="utf-8"?>
+<p:notes xmlns:a="http://schemas.openxmlformats.org/drawingml/2006/main" xmlns:r="http://schemas.openxmlformats.org/officeDocument/2006/relationships" xmlns:p="http://schemas.openxmlformats.org/presentationml/2006/main" showMasterSp="0" showMasterPhAnim="0">
+  <p:cSld>
+    <p:spTree>
+      <p:nvGrpSpPr>
+        <p:cNvPr id="1" name="Shape 942"/>
+        <p:cNvGrpSpPr/>
+        <p:nvPr/>
+      </p:nvGrpSpPr>
+      <p:grpSpPr>
+        <a:xfrm>
+          <a:off x="0" y="0"/>
+          <a:ext cx="0" cy="0"/>
+          <a:chOff x="0" y="0"/>
+          <a:chExt cx="0" cy="0"/>
+        </a:xfrm>
+      </p:grpSpPr>
+      <p:sp>
+        <p:nvSpPr>
+          <p:cNvPr id="943" name="Google Shape;943;gbd6c00e730_0_21:notes"/>
+          <p:cNvSpPr>
+            <a:spLocks noGrp="1" noRot="1" noChangeAspect="1"/>
+          </p:cNvSpPr>
+          <p:nvPr>
+            <p:ph type="sldImg" idx="2"/>
+          </p:nvPr>
+        </p:nvSpPr>
+        <p:spPr>
+          <a:xfrm>
+            <a:off x="381000" y="685800"/>
+            <a:ext cx="6096000" cy="3429000"/>
+          </a:xfrm>
+          <a:custGeom>
+            <a:avLst/>
+            <a:gdLst/>
+            <a:ahLst/>
+            <a:cxnLst/>
+            <a:rect l="l" t="t" r="r" b="b"/>
+            <a:pathLst>
+              <a:path w="120000" h="120000" extrusionOk="0">
+                <a:moveTo>
+                  <a:pt x="0" y="0"/>
+                </a:moveTo>
+                <a:lnTo>
+                  <a:pt x="120000" y="0"/>
+                </a:lnTo>
+                <a:lnTo>
+                  <a:pt x="120000" y="120000"/>
+                </a:lnTo>
+                <a:lnTo>
+                  <a:pt x="0" y="120000"/>
+                </a:lnTo>
+                <a:close/>
+              </a:path>
+            </a:pathLst>
+          </a:custGeom>
+        </p:spPr>
+      </p:sp>
+      <p:sp>
+        <p:nvSpPr>
+          <p:cNvPr id="944" name="Google Shape;944;gbd6c00e730_0_21:notes"/>
+          <p:cNvSpPr txBox="1">
+            <a:spLocks noGrp="1"/>
+          </p:cNvSpPr>
+          <p:nvPr>
+            <p:ph type="body" idx="1"/>
+          </p:nvPr>
+        </p:nvSpPr>
+        <p:spPr>
+          <a:xfrm>
+            <a:off x="685800" y="4343400"/>
+            <a:ext cx="5486400" cy="4114800"/>
+          </a:xfrm>
+          <a:prstGeom prst="rect">
+            <a:avLst/>
+          </a:prstGeom>
+        </p:spPr>
+        <p:txBody>
+          <a:bodyPr spcFirstLastPara="1" wrap="square" lIns="91425" tIns="91425" rIns="91425" bIns="91425" anchor="t" anchorCtr="0">
+            <a:noAutofit/>
+          </a:bodyPr>
+          <a:lstStyle/>
+          <a:p>
+            <a:pPr marL="0" lvl="0" indent="0" algn="l" rtl="0">
+              <a:spcBef>
+                <a:spcPts val="0"/>
+              </a:spcBef>
+              <a:spcAft>
+                <a:spcPts val="0"/>
+              </a:spcAft>
+              <a:buNone/>
+            </a:pPr>
+            <a:endParaRPr/>
+          </a:p>
+        </p:txBody>
+      </p:sp>
+    </p:spTree>
+    <p:extLst>
+      <p:ext uri="{BB962C8B-B14F-4D97-AF65-F5344CB8AC3E}">
+        <p14:creationId xmlns:p14="http://schemas.microsoft.com/office/powerpoint/2010/main" val="2920059875"/>
+      </p:ext>
+    </p:extLst>
+  </p:cSld>
+  <p:clrMapOvr>
+    <a:masterClrMapping/>
+  </p:clrMapOvr>
+</p:notes>
+</file>
+
+<file path=ppt/notesSlides/notesSlide27.xml><?xml version="1.0" encoding="utf-8"?>
+<p:notes xmlns:a="http://schemas.openxmlformats.org/drawingml/2006/main" xmlns:r="http://schemas.openxmlformats.org/officeDocument/2006/relationships" xmlns:p="http://schemas.openxmlformats.org/presentationml/2006/main" showMasterSp="0" showMasterPhAnim="0">
+  <p:cSld>
+    <p:spTree>
+      <p:nvGrpSpPr>
+        <p:cNvPr id="1" name="Shape 942"/>
+        <p:cNvGrpSpPr/>
+        <p:nvPr/>
+      </p:nvGrpSpPr>
+      <p:grpSpPr>
+        <a:xfrm>
+          <a:off x="0" y="0"/>
+          <a:ext cx="0" cy="0"/>
+          <a:chOff x="0" y="0"/>
+          <a:chExt cx="0" cy="0"/>
+        </a:xfrm>
+      </p:grpSpPr>
+      <p:sp>
+        <p:nvSpPr>
+          <p:cNvPr id="943" name="Google Shape;943;gbd6c00e730_0_21:notes"/>
+          <p:cNvSpPr>
+            <a:spLocks noGrp="1" noRot="1" noChangeAspect="1"/>
+          </p:cNvSpPr>
+          <p:nvPr>
+            <p:ph type="sldImg" idx="2"/>
+          </p:nvPr>
+        </p:nvSpPr>
+        <p:spPr>
+          <a:xfrm>
+            <a:off x="381000" y="685800"/>
+            <a:ext cx="6096000" cy="3429000"/>
+          </a:xfrm>
+          <a:custGeom>
+            <a:avLst/>
+            <a:gdLst/>
+            <a:ahLst/>
+            <a:cxnLst/>
+            <a:rect l="l" t="t" r="r" b="b"/>
+            <a:pathLst>
+              <a:path w="120000" h="120000" extrusionOk="0">
+                <a:moveTo>
+                  <a:pt x="0" y="0"/>
+                </a:moveTo>
+                <a:lnTo>
+                  <a:pt x="120000" y="0"/>
+                </a:lnTo>
+                <a:lnTo>
+                  <a:pt x="120000" y="120000"/>
+                </a:lnTo>
+                <a:lnTo>
+                  <a:pt x="0" y="120000"/>
+                </a:lnTo>
+                <a:close/>
+              </a:path>
+            </a:pathLst>
+          </a:custGeom>
+        </p:spPr>
+      </p:sp>
+      <p:sp>
+        <p:nvSpPr>
+          <p:cNvPr id="944" name="Google Shape;944;gbd6c00e730_0_21:notes"/>
+          <p:cNvSpPr txBox="1">
+            <a:spLocks noGrp="1"/>
+          </p:cNvSpPr>
+          <p:nvPr>
+            <p:ph type="body" idx="1"/>
+          </p:nvPr>
+        </p:nvSpPr>
+        <p:spPr>
+          <a:xfrm>
+            <a:off x="685800" y="4343400"/>
+            <a:ext cx="5486400" cy="4114800"/>
+          </a:xfrm>
+          <a:prstGeom prst="rect">
+            <a:avLst/>
+          </a:prstGeom>
+        </p:spPr>
+        <p:txBody>
+          <a:bodyPr spcFirstLastPara="1" wrap="square" lIns="91425" tIns="91425" rIns="91425" bIns="91425" anchor="t" anchorCtr="0">
+            <a:noAutofit/>
+          </a:bodyPr>
+          <a:lstStyle/>
+          <a:p>
+            <a:pPr marL="0" lvl="0" indent="0" algn="l" rtl="0">
+              <a:spcBef>
+                <a:spcPts val="0"/>
+              </a:spcBef>
+              <a:spcAft>
+                <a:spcPts val="0"/>
+              </a:spcAft>
+              <a:buNone/>
+            </a:pPr>
+            <a:endParaRPr/>
+          </a:p>
+        </p:txBody>
+      </p:sp>
+    </p:spTree>
+    <p:extLst>
+      <p:ext uri="{BB962C8B-B14F-4D97-AF65-F5344CB8AC3E}">
+        <p14:creationId xmlns:p14="http://schemas.microsoft.com/office/powerpoint/2010/main" val="3252588786"/>
+      </p:ext>
+    </p:extLst>
+  </p:cSld>
+  <p:clrMapOvr>
+    <a:masterClrMapping/>
+  </p:clrMapOvr>
+</p:notes>
+</file>
+
+<file path=ppt/notesSlides/notesSlide28.xml><?xml version="1.0" encoding="utf-8"?>
+<p:notes xmlns:a="http://schemas.openxmlformats.org/drawingml/2006/main" xmlns:r="http://schemas.openxmlformats.org/officeDocument/2006/relationships" xmlns:p="http://schemas.openxmlformats.org/presentationml/2006/main" showMasterSp="0" showMasterPhAnim="0">
+  <p:cSld>
+    <p:spTree>
+      <p:nvGrpSpPr>
+        <p:cNvPr id="1" name="Shape 942"/>
+        <p:cNvGrpSpPr/>
+        <p:nvPr/>
+      </p:nvGrpSpPr>
+      <p:grpSpPr>
+        <a:xfrm>
+          <a:off x="0" y="0"/>
+          <a:ext cx="0" cy="0"/>
+          <a:chOff x="0" y="0"/>
+          <a:chExt cx="0" cy="0"/>
+        </a:xfrm>
+      </p:grpSpPr>
+      <p:sp>
+        <p:nvSpPr>
+          <p:cNvPr id="943" name="Google Shape;943;gbd6c00e730_0_21:notes"/>
+          <p:cNvSpPr>
+            <a:spLocks noGrp="1" noRot="1" noChangeAspect="1"/>
+          </p:cNvSpPr>
+          <p:nvPr>
+            <p:ph type="sldImg" idx="2"/>
+          </p:nvPr>
+        </p:nvSpPr>
+        <p:spPr>
+          <a:xfrm>
+            <a:off x="381000" y="685800"/>
+            <a:ext cx="6096000" cy="3429000"/>
+          </a:xfrm>
+          <a:custGeom>
+            <a:avLst/>
+            <a:gdLst/>
+            <a:ahLst/>
+            <a:cxnLst/>
+            <a:rect l="l" t="t" r="r" b="b"/>
+            <a:pathLst>
+              <a:path w="120000" h="120000" extrusionOk="0">
+                <a:moveTo>
+                  <a:pt x="0" y="0"/>
+                </a:moveTo>
+                <a:lnTo>
+                  <a:pt x="120000" y="0"/>
+                </a:lnTo>
+                <a:lnTo>
+                  <a:pt x="120000" y="120000"/>
+                </a:lnTo>
+                <a:lnTo>
+                  <a:pt x="0" y="120000"/>
+                </a:lnTo>
+                <a:close/>
+              </a:path>
+            </a:pathLst>
+          </a:custGeom>
+        </p:spPr>
+      </p:sp>
+      <p:sp>
+        <p:nvSpPr>
+          <p:cNvPr id="944" name="Google Shape;944;gbd6c00e730_0_21:notes"/>
+          <p:cNvSpPr txBox="1">
+            <a:spLocks noGrp="1"/>
+          </p:cNvSpPr>
+          <p:nvPr>
+            <p:ph type="body" idx="1"/>
+          </p:nvPr>
+        </p:nvSpPr>
+        <p:spPr>
+          <a:xfrm>
+            <a:off x="685800" y="4343400"/>
+            <a:ext cx="5486400" cy="4114800"/>
+          </a:xfrm>
+          <a:prstGeom prst="rect">
+            <a:avLst/>
+          </a:prstGeom>
+        </p:spPr>
+        <p:txBody>
+          <a:bodyPr spcFirstLastPara="1" wrap="square" lIns="91425" tIns="91425" rIns="91425" bIns="91425" anchor="t" anchorCtr="0">
+            <a:noAutofit/>
+          </a:bodyPr>
+          <a:lstStyle/>
+          <a:p>
+            <a:pPr marL="0" lvl="0" indent="0" algn="l" rtl="0">
+              <a:spcBef>
+                <a:spcPts val="0"/>
+              </a:spcBef>
+              <a:spcAft>
+                <a:spcPts val="0"/>
+              </a:spcAft>
+              <a:buNone/>
+            </a:pPr>
+            <a:endParaRPr/>
+          </a:p>
+        </p:txBody>
+      </p:sp>
+    </p:spTree>
+    <p:extLst>
+      <p:ext uri="{BB962C8B-B14F-4D97-AF65-F5344CB8AC3E}">
+        <p14:creationId xmlns:p14="http://schemas.microsoft.com/office/powerpoint/2010/main" val="3255468556"/>
+      </p:ext>
+    </p:extLst>
+  </p:cSld>
+  <p:clrMapOvr>
+    <a:masterClrMapping/>
+  </p:clrMapOvr>
+</p:notes>
+</file>
+
+<file path=ppt/notesSlides/notesSlide29.xml><?xml version="1.0" encoding="utf-8"?>
+<p:notes xmlns:a="http://schemas.openxmlformats.org/drawingml/2006/main" xmlns:r="http://schemas.openxmlformats.org/officeDocument/2006/relationships" xmlns:p="http://schemas.openxmlformats.org/presentationml/2006/main" showMasterSp="0" showMasterPhAnim="0">
+  <p:cSld>
+    <p:spTree>
+      <p:nvGrpSpPr>
+        <p:cNvPr id="1" name="Shape 942"/>
+        <p:cNvGrpSpPr/>
+        <p:nvPr/>
+      </p:nvGrpSpPr>
+      <p:grpSpPr>
+        <a:xfrm>
+          <a:off x="0" y="0"/>
+          <a:ext cx="0" cy="0"/>
+          <a:chOff x="0" y="0"/>
+          <a:chExt cx="0" cy="0"/>
+        </a:xfrm>
+      </p:grpSpPr>
+      <p:sp>
+        <p:nvSpPr>
+          <p:cNvPr id="943" name="Google Shape;943;gbd6c00e730_0_21:notes"/>
+          <p:cNvSpPr>
+            <a:spLocks noGrp="1" noRot="1" noChangeAspect="1"/>
+          </p:cNvSpPr>
+          <p:nvPr>
+            <p:ph type="sldImg" idx="2"/>
+          </p:nvPr>
+        </p:nvSpPr>
+        <p:spPr>
+          <a:xfrm>
+            <a:off x="381000" y="685800"/>
+            <a:ext cx="6096000" cy="3429000"/>
+          </a:xfrm>
+          <a:custGeom>
+            <a:avLst/>
+            <a:gdLst/>
+            <a:ahLst/>
+            <a:cxnLst/>
+            <a:rect l="l" t="t" r="r" b="b"/>
+            <a:pathLst>
+              <a:path w="120000" h="120000" extrusionOk="0">
+                <a:moveTo>
+                  <a:pt x="0" y="0"/>
+                </a:moveTo>
+                <a:lnTo>
+                  <a:pt x="120000" y="0"/>
+                </a:lnTo>
+                <a:lnTo>
+                  <a:pt x="120000" y="120000"/>
+                </a:lnTo>
+                <a:lnTo>
+                  <a:pt x="0" y="120000"/>
+                </a:lnTo>
+                <a:close/>
+              </a:path>
+            </a:pathLst>
+          </a:custGeom>
+        </p:spPr>
+      </p:sp>
+      <p:sp>
+        <p:nvSpPr>
+          <p:cNvPr id="944" name="Google Shape;944;gbd6c00e730_0_21:notes"/>
+          <p:cNvSpPr txBox="1">
+            <a:spLocks noGrp="1"/>
+          </p:cNvSpPr>
+          <p:nvPr>
+            <p:ph type="body" idx="1"/>
+          </p:nvPr>
+        </p:nvSpPr>
+        <p:spPr>
+          <a:xfrm>
+            <a:off x="685800" y="4343400"/>
+            <a:ext cx="5486400" cy="4114800"/>
+          </a:xfrm>
+          <a:prstGeom prst="rect">
+            <a:avLst/>
+          </a:prstGeom>
+        </p:spPr>
+        <p:txBody>
+          <a:bodyPr spcFirstLastPara="1" wrap="square" lIns="91425" tIns="91425" rIns="91425" bIns="91425" anchor="t" anchorCtr="0">
+            <a:noAutofit/>
+          </a:bodyPr>
+          <a:lstStyle/>
+          <a:p>
+            <a:pPr marL="0" lvl="0" indent="0" algn="l" rtl="0">
+              <a:spcBef>
+                <a:spcPts val="0"/>
+              </a:spcBef>
+              <a:spcAft>
+                <a:spcPts val="0"/>
+              </a:spcAft>
+              <a:buNone/>
+            </a:pPr>
+            <a:endParaRPr/>
+          </a:p>
+        </p:txBody>
+      </p:sp>
+    </p:spTree>
+    <p:extLst>
+      <p:ext uri="{BB962C8B-B14F-4D97-AF65-F5344CB8AC3E}">
+        <p14:creationId xmlns:p14="http://schemas.microsoft.com/office/powerpoint/2010/main" val="3472950532"/>
+      </p:ext>
+    </p:extLst>
+  </p:cSld>
+  <p:clrMapOvr>
+    <a:masterClrMapping/>
+  </p:clrMapOvr>
+</p:notes>
+</file>
+
 <file path=ppt/notesSlides/notesSlide3.xml><?xml version="1.0" encoding="utf-8"?>
 <p:notes xmlns:a="http://schemas.openxmlformats.org/drawingml/2006/main" xmlns:r="http://schemas.openxmlformats.org/officeDocument/2006/relationships" xmlns:p="http://schemas.openxmlformats.org/presentationml/2006/main" showMasterSp="0" showMasterPhAnim="0">
   <p:cSld>
@@ -2316,6 +3200,442 @@
     <p:extLst>
       <p:ext uri="{BB962C8B-B14F-4D97-AF65-F5344CB8AC3E}">
         <p14:creationId xmlns:p14="http://schemas.microsoft.com/office/powerpoint/2010/main" val="2953688681"/>
+      </p:ext>
+    </p:extLst>
+  </p:cSld>
+  <p:clrMapOvr>
+    <a:masterClrMapping/>
+  </p:clrMapOvr>
+</p:notes>
+</file>
+
+<file path=ppt/notesSlides/notesSlide30.xml><?xml version="1.0" encoding="utf-8"?>
+<p:notes xmlns:a="http://schemas.openxmlformats.org/drawingml/2006/main" xmlns:r="http://schemas.openxmlformats.org/officeDocument/2006/relationships" xmlns:p="http://schemas.openxmlformats.org/presentationml/2006/main" showMasterSp="0" showMasterPhAnim="0">
+  <p:cSld>
+    <p:spTree>
+      <p:nvGrpSpPr>
+        <p:cNvPr id="1" name="Shape 503"/>
+        <p:cNvGrpSpPr/>
+        <p:nvPr/>
+      </p:nvGrpSpPr>
+      <p:grpSpPr>
+        <a:xfrm>
+          <a:off x="0" y="0"/>
+          <a:ext cx="0" cy="0"/>
+          <a:chOff x="0" y="0"/>
+          <a:chExt cx="0" cy="0"/>
+        </a:xfrm>
+      </p:grpSpPr>
+      <p:sp>
+        <p:nvSpPr>
+          <p:cNvPr id="504" name="Google Shape;504;gdd09e57de2_0_36:notes"/>
+          <p:cNvSpPr>
+            <a:spLocks noGrp="1" noRot="1" noChangeAspect="1"/>
+          </p:cNvSpPr>
+          <p:nvPr>
+            <p:ph type="sldImg" idx="2"/>
+          </p:nvPr>
+        </p:nvSpPr>
+        <p:spPr>
+          <a:xfrm>
+            <a:off x="381000" y="685800"/>
+            <a:ext cx="6096000" cy="3429000"/>
+          </a:xfrm>
+          <a:custGeom>
+            <a:avLst/>
+            <a:gdLst/>
+            <a:ahLst/>
+            <a:cxnLst/>
+            <a:rect l="l" t="t" r="r" b="b"/>
+            <a:pathLst>
+              <a:path w="120000" h="120000" extrusionOk="0">
+                <a:moveTo>
+                  <a:pt x="0" y="0"/>
+                </a:moveTo>
+                <a:lnTo>
+                  <a:pt x="120000" y="0"/>
+                </a:lnTo>
+                <a:lnTo>
+                  <a:pt x="120000" y="120000"/>
+                </a:lnTo>
+                <a:lnTo>
+                  <a:pt x="0" y="120000"/>
+                </a:lnTo>
+                <a:close/>
+              </a:path>
+            </a:pathLst>
+          </a:custGeom>
+        </p:spPr>
+      </p:sp>
+      <p:sp>
+        <p:nvSpPr>
+          <p:cNvPr id="505" name="Google Shape;505;gdd09e57de2_0_36:notes"/>
+          <p:cNvSpPr txBox="1">
+            <a:spLocks noGrp="1"/>
+          </p:cNvSpPr>
+          <p:nvPr>
+            <p:ph type="body" idx="1"/>
+          </p:nvPr>
+        </p:nvSpPr>
+        <p:spPr>
+          <a:xfrm>
+            <a:off x="685800" y="4343400"/>
+            <a:ext cx="5486400" cy="4114800"/>
+          </a:xfrm>
+          <a:prstGeom prst="rect">
+            <a:avLst/>
+          </a:prstGeom>
+        </p:spPr>
+        <p:txBody>
+          <a:bodyPr spcFirstLastPara="1" wrap="square" lIns="91425" tIns="91425" rIns="91425" bIns="91425" anchor="t" anchorCtr="0">
+            <a:noAutofit/>
+          </a:bodyPr>
+          <a:lstStyle/>
+          <a:p>
+            <a:pPr marL="0" lvl="0" indent="0" algn="l" rtl="0">
+              <a:spcBef>
+                <a:spcPts val="0"/>
+              </a:spcBef>
+              <a:spcAft>
+                <a:spcPts val="0"/>
+              </a:spcAft>
+              <a:buNone/>
+            </a:pPr>
+            <a:endParaRPr/>
+          </a:p>
+        </p:txBody>
+      </p:sp>
+    </p:spTree>
+    <p:extLst>
+      <p:ext uri="{BB962C8B-B14F-4D97-AF65-F5344CB8AC3E}">
+        <p14:creationId xmlns:p14="http://schemas.microsoft.com/office/powerpoint/2010/main" val="1743048967"/>
+      </p:ext>
+    </p:extLst>
+  </p:cSld>
+  <p:clrMapOvr>
+    <a:masterClrMapping/>
+  </p:clrMapOvr>
+</p:notes>
+</file>
+
+<file path=ppt/notesSlides/notesSlide31.xml><?xml version="1.0" encoding="utf-8"?>
+<p:notes xmlns:a="http://schemas.openxmlformats.org/drawingml/2006/main" xmlns:r="http://schemas.openxmlformats.org/officeDocument/2006/relationships" xmlns:p="http://schemas.openxmlformats.org/presentationml/2006/main" showMasterSp="0" showMasterPhAnim="0">
+  <p:cSld>
+    <p:spTree>
+      <p:nvGrpSpPr>
+        <p:cNvPr id="1" name="Shape 515"/>
+        <p:cNvGrpSpPr/>
+        <p:nvPr/>
+      </p:nvGrpSpPr>
+      <p:grpSpPr>
+        <a:xfrm>
+          <a:off x="0" y="0"/>
+          <a:ext cx="0" cy="0"/>
+          <a:chOff x="0" y="0"/>
+          <a:chExt cx="0" cy="0"/>
+        </a:xfrm>
+      </p:grpSpPr>
+      <p:sp>
+        <p:nvSpPr>
+          <p:cNvPr id="516" name="Google Shape;516;gbd6c00e730_0_89:notes"/>
+          <p:cNvSpPr>
+            <a:spLocks noGrp="1" noRot="1" noChangeAspect="1"/>
+          </p:cNvSpPr>
+          <p:nvPr>
+            <p:ph type="sldImg" idx="2"/>
+          </p:nvPr>
+        </p:nvSpPr>
+        <p:spPr>
+          <a:xfrm>
+            <a:off x="381000" y="685800"/>
+            <a:ext cx="6096000" cy="3429000"/>
+          </a:xfrm>
+          <a:custGeom>
+            <a:avLst/>
+            <a:gdLst/>
+            <a:ahLst/>
+            <a:cxnLst/>
+            <a:rect l="l" t="t" r="r" b="b"/>
+            <a:pathLst>
+              <a:path w="120000" h="120000" extrusionOk="0">
+                <a:moveTo>
+                  <a:pt x="0" y="0"/>
+                </a:moveTo>
+                <a:lnTo>
+                  <a:pt x="120000" y="0"/>
+                </a:lnTo>
+                <a:lnTo>
+                  <a:pt x="120000" y="120000"/>
+                </a:lnTo>
+                <a:lnTo>
+                  <a:pt x="0" y="120000"/>
+                </a:lnTo>
+                <a:close/>
+              </a:path>
+            </a:pathLst>
+          </a:custGeom>
+        </p:spPr>
+      </p:sp>
+      <p:sp>
+        <p:nvSpPr>
+          <p:cNvPr id="517" name="Google Shape;517;gbd6c00e730_0_89:notes"/>
+          <p:cNvSpPr txBox="1">
+            <a:spLocks noGrp="1"/>
+          </p:cNvSpPr>
+          <p:nvPr>
+            <p:ph type="body" idx="1"/>
+          </p:nvPr>
+        </p:nvSpPr>
+        <p:spPr>
+          <a:xfrm>
+            <a:off x="685800" y="4343400"/>
+            <a:ext cx="5486400" cy="4114800"/>
+          </a:xfrm>
+          <a:prstGeom prst="rect">
+            <a:avLst/>
+          </a:prstGeom>
+        </p:spPr>
+        <p:txBody>
+          <a:bodyPr spcFirstLastPara="1" wrap="square" lIns="91425" tIns="91425" rIns="91425" bIns="91425" anchor="t" anchorCtr="0">
+            <a:noAutofit/>
+          </a:bodyPr>
+          <a:lstStyle/>
+          <a:p>
+            <a:pPr marL="0" lvl="0" indent="0" algn="l" rtl="0">
+              <a:spcBef>
+                <a:spcPts val="0"/>
+              </a:spcBef>
+              <a:spcAft>
+                <a:spcPts val="0"/>
+              </a:spcAft>
+              <a:buNone/>
+            </a:pPr>
+            <a:endParaRPr/>
+          </a:p>
+        </p:txBody>
+      </p:sp>
+    </p:spTree>
+    <p:extLst>
+      <p:ext uri="{BB962C8B-B14F-4D97-AF65-F5344CB8AC3E}">
+        <p14:creationId xmlns:p14="http://schemas.microsoft.com/office/powerpoint/2010/main" val="2440865573"/>
+      </p:ext>
+    </p:extLst>
+  </p:cSld>
+  <p:clrMapOvr>
+    <a:masterClrMapping/>
+  </p:clrMapOvr>
+</p:notes>
+</file>
+
+<file path=ppt/notesSlides/notesSlide32.xml><?xml version="1.0" encoding="utf-8"?>
+<p:notes xmlns:a="http://schemas.openxmlformats.org/drawingml/2006/main" xmlns:r="http://schemas.openxmlformats.org/officeDocument/2006/relationships" xmlns:p="http://schemas.openxmlformats.org/presentationml/2006/main" showMasterSp="0" showMasterPhAnim="0">
+  <p:cSld>
+    <p:spTree>
+      <p:nvGrpSpPr>
+        <p:cNvPr id="1" name="Shape 515"/>
+        <p:cNvGrpSpPr/>
+        <p:nvPr/>
+      </p:nvGrpSpPr>
+      <p:grpSpPr>
+        <a:xfrm>
+          <a:off x="0" y="0"/>
+          <a:ext cx="0" cy="0"/>
+          <a:chOff x="0" y="0"/>
+          <a:chExt cx="0" cy="0"/>
+        </a:xfrm>
+      </p:grpSpPr>
+      <p:sp>
+        <p:nvSpPr>
+          <p:cNvPr id="516" name="Google Shape;516;gbd6c00e730_0_89:notes"/>
+          <p:cNvSpPr>
+            <a:spLocks noGrp="1" noRot="1" noChangeAspect="1"/>
+          </p:cNvSpPr>
+          <p:nvPr>
+            <p:ph type="sldImg" idx="2"/>
+          </p:nvPr>
+        </p:nvSpPr>
+        <p:spPr>
+          <a:xfrm>
+            <a:off x="381000" y="685800"/>
+            <a:ext cx="6096000" cy="3429000"/>
+          </a:xfrm>
+          <a:custGeom>
+            <a:avLst/>
+            <a:gdLst/>
+            <a:ahLst/>
+            <a:cxnLst/>
+            <a:rect l="l" t="t" r="r" b="b"/>
+            <a:pathLst>
+              <a:path w="120000" h="120000" extrusionOk="0">
+                <a:moveTo>
+                  <a:pt x="0" y="0"/>
+                </a:moveTo>
+                <a:lnTo>
+                  <a:pt x="120000" y="0"/>
+                </a:lnTo>
+                <a:lnTo>
+                  <a:pt x="120000" y="120000"/>
+                </a:lnTo>
+                <a:lnTo>
+                  <a:pt x="0" y="120000"/>
+                </a:lnTo>
+                <a:close/>
+              </a:path>
+            </a:pathLst>
+          </a:custGeom>
+        </p:spPr>
+      </p:sp>
+      <p:sp>
+        <p:nvSpPr>
+          <p:cNvPr id="517" name="Google Shape;517;gbd6c00e730_0_89:notes"/>
+          <p:cNvSpPr txBox="1">
+            <a:spLocks noGrp="1"/>
+          </p:cNvSpPr>
+          <p:nvPr>
+            <p:ph type="body" idx="1"/>
+          </p:nvPr>
+        </p:nvSpPr>
+        <p:spPr>
+          <a:xfrm>
+            <a:off x="685800" y="4343400"/>
+            <a:ext cx="5486400" cy="4114800"/>
+          </a:xfrm>
+          <a:prstGeom prst="rect">
+            <a:avLst/>
+          </a:prstGeom>
+        </p:spPr>
+        <p:txBody>
+          <a:bodyPr spcFirstLastPara="1" wrap="square" lIns="91425" tIns="91425" rIns="91425" bIns="91425" anchor="t" anchorCtr="0">
+            <a:noAutofit/>
+          </a:bodyPr>
+          <a:lstStyle/>
+          <a:p>
+            <a:pPr marL="0" lvl="0" indent="0" algn="l" rtl="0">
+              <a:spcBef>
+                <a:spcPts val="0"/>
+              </a:spcBef>
+              <a:spcAft>
+                <a:spcPts val="0"/>
+              </a:spcAft>
+              <a:buNone/>
+            </a:pPr>
+            <a:endParaRPr/>
+          </a:p>
+        </p:txBody>
+      </p:sp>
+    </p:spTree>
+    <p:extLst>
+      <p:ext uri="{BB962C8B-B14F-4D97-AF65-F5344CB8AC3E}">
+        <p14:creationId xmlns:p14="http://schemas.microsoft.com/office/powerpoint/2010/main" val="318396688"/>
+      </p:ext>
+    </p:extLst>
+  </p:cSld>
+  <p:clrMapOvr>
+    <a:masterClrMapping/>
+  </p:clrMapOvr>
+</p:notes>
+</file>
+
+<file path=ppt/notesSlides/notesSlide33.xml><?xml version="1.0" encoding="utf-8"?>
+<p:notes xmlns:a="http://schemas.openxmlformats.org/drawingml/2006/main" xmlns:r="http://schemas.openxmlformats.org/officeDocument/2006/relationships" xmlns:p="http://schemas.openxmlformats.org/presentationml/2006/main" showMasterSp="0" showMasterPhAnim="0">
+  <p:cSld>
+    <p:spTree>
+      <p:nvGrpSpPr>
+        <p:cNvPr id="1" name="Shape 613"/>
+        <p:cNvGrpSpPr/>
+        <p:nvPr/>
+      </p:nvGrpSpPr>
+      <p:grpSpPr>
+        <a:xfrm>
+          <a:off x="0" y="0"/>
+          <a:ext cx="0" cy="0"/>
+          <a:chOff x="0" y="0"/>
+          <a:chExt cx="0" cy="0"/>
+        </a:xfrm>
+      </p:grpSpPr>
+      <p:sp>
+        <p:nvSpPr>
+          <p:cNvPr id="614" name="Google Shape;614;gdd09e57de2_3_619:notes"/>
+          <p:cNvSpPr>
+            <a:spLocks noGrp="1" noRot="1" noChangeAspect="1"/>
+          </p:cNvSpPr>
+          <p:nvPr>
+            <p:ph type="sldImg" idx="2"/>
+          </p:nvPr>
+        </p:nvSpPr>
+        <p:spPr>
+          <a:xfrm>
+            <a:off x="381000" y="685800"/>
+            <a:ext cx="6096000" cy="3429000"/>
+          </a:xfrm>
+          <a:custGeom>
+            <a:avLst/>
+            <a:gdLst/>
+            <a:ahLst/>
+            <a:cxnLst/>
+            <a:rect l="l" t="t" r="r" b="b"/>
+            <a:pathLst>
+              <a:path w="120000" h="120000" extrusionOk="0">
+                <a:moveTo>
+                  <a:pt x="0" y="0"/>
+                </a:moveTo>
+                <a:lnTo>
+                  <a:pt x="120000" y="0"/>
+                </a:lnTo>
+                <a:lnTo>
+                  <a:pt x="120000" y="120000"/>
+                </a:lnTo>
+                <a:lnTo>
+                  <a:pt x="0" y="120000"/>
+                </a:lnTo>
+                <a:close/>
+              </a:path>
+            </a:pathLst>
+          </a:custGeom>
+        </p:spPr>
+      </p:sp>
+      <p:sp>
+        <p:nvSpPr>
+          <p:cNvPr id="615" name="Google Shape;615;gdd09e57de2_3_619:notes"/>
+          <p:cNvSpPr txBox="1">
+            <a:spLocks noGrp="1"/>
+          </p:cNvSpPr>
+          <p:nvPr>
+            <p:ph type="body" idx="1"/>
+          </p:nvPr>
+        </p:nvSpPr>
+        <p:spPr>
+          <a:xfrm>
+            <a:off x="685800" y="4343400"/>
+            <a:ext cx="5486400" cy="4114800"/>
+          </a:xfrm>
+          <a:prstGeom prst="rect">
+            <a:avLst/>
+          </a:prstGeom>
+        </p:spPr>
+        <p:txBody>
+          <a:bodyPr spcFirstLastPara="1" wrap="square" lIns="91425" tIns="91425" rIns="91425" bIns="91425" anchor="t" anchorCtr="0">
+            <a:noAutofit/>
+          </a:bodyPr>
+          <a:lstStyle/>
+          <a:p>
+            <a:pPr marL="0" lvl="0" indent="0" algn="l" rtl="0">
+              <a:spcBef>
+                <a:spcPts val="0"/>
+              </a:spcBef>
+              <a:spcAft>
+                <a:spcPts val="0"/>
+              </a:spcAft>
+              <a:buNone/>
+            </a:pPr>
+            <a:endParaRPr/>
+          </a:p>
+        </p:txBody>
+      </p:sp>
+    </p:spTree>
+    <p:extLst>
+      <p:ext uri="{BB962C8B-B14F-4D97-AF65-F5344CB8AC3E}">
+        <p14:creationId xmlns:p14="http://schemas.microsoft.com/office/powerpoint/2010/main" val="3132111807"/>
       </p:ext>
     </p:extLst>
   </p:cSld>
@@ -24271,6 +25591,3665 @@
 </p:sld>
 </file>
 
+<file path=ppt/slides/slide22.xml><?xml version="1.0" encoding="utf-8"?>
+<p:sld xmlns:a="http://schemas.openxmlformats.org/drawingml/2006/main" xmlns:r="http://schemas.openxmlformats.org/officeDocument/2006/relationships" xmlns:p="http://schemas.openxmlformats.org/presentationml/2006/main">
+  <p:cSld>
+    <p:spTree>
+      <p:nvGrpSpPr>
+        <p:cNvPr id="1" name="Shape 506"/>
+        <p:cNvGrpSpPr/>
+        <p:nvPr/>
+      </p:nvGrpSpPr>
+      <p:grpSpPr>
+        <a:xfrm>
+          <a:off x="0" y="0"/>
+          <a:ext cx="0" cy="0"/>
+          <a:chOff x="0" y="0"/>
+          <a:chExt cx="0" cy="0"/>
+        </a:xfrm>
+      </p:grpSpPr>
+      <p:pic>
+        <p:nvPicPr>
+          <p:cNvPr id="507" name="Google Shape;507;p35"/>
+          <p:cNvPicPr preferRelativeResize="0"/>
+          <p:nvPr/>
+        </p:nvPicPr>
+        <p:blipFill rotWithShape="1">
+          <a:blip r:embed="rId3">
+            <a:alphaModFix amt="72000"/>
+          </a:blip>
+          <a:srcRect l="18989" t="2061" r="1291" b="2070"/>
+          <a:stretch/>
+        </p:blipFill>
+        <p:spPr>
+          <a:xfrm>
+            <a:off x="4532825" y="1483952"/>
+            <a:ext cx="3569400" cy="2829600"/>
+          </a:xfrm>
+          <a:prstGeom prst="roundRect">
+            <a:avLst>
+              <a:gd name="adj" fmla="val 4744"/>
+            </a:avLst>
+          </a:prstGeom>
+          <a:noFill/>
+          <a:ln w="28575" cap="flat" cmpd="sng">
+            <a:solidFill>
+              <a:schemeClr val="dk1"/>
+            </a:solidFill>
+            <a:prstDash val="solid"/>
+            <a:round/>
+            <a:headEnd type="none" w="sm" len="sm"/>
+            <a:tailEnd type="none" w="sm" len="sm"/>
+          </a:ln>
+        </p:spPr>
+      </p:pic>
+      <p:grpSp>
+        <p:nvGrpSpPr>
+          <p:cNvPr id="508" name="Google Shape;508;p35"/>
+          <p:cNvGrpSpPr/>
+          <p:nvPr/>
+        </p:nvGrpSpPr>
+        <p:grpSpPr>
+          <a:xfrm>
+            <a:off x="462238" y="1118895"/>
+            <a:ext cx="1547936" cy="1172018"/>
+            <a:chOff x="1556995" y="948473"/>
+            <a:chExt cx="1797000" cy="1360597"/>
+          </a:xfrm>
+        </p:grpSpPr>
+        <p:sp>
+          <p:nvSpPr>
+            <p:cNvPr id="509" name="Google Shape;509;p35"/>
+            <p:cNvSpPr/>
+            <p:nvPr/>
+          </p:nvSpPr>
+          <p:spPr>
+            <a:xfrm>
+              <a:off x="1556995" y="948473"/>
+              <a:ext cx="851400" cy="996300"/>
+            </a:xfrm>
+            <a:prstGeom prst="roundRect">
+              <a:avLst>
+                <a:gd name="adj" fmla="val 6278"/>
+              </a:avLst>
+            </a:prstGeom>
+            <a:solidFill>
+              <a:srgbClr val="F6F2E3"/>
+            </a:solidFill>
+            <a:ln w="28575" cap="flat" cmpd="sng">
+              <a:solidFill>
+                <a:schemeClr val="dk1"/>
+              </a:solidFill>
+              <a:prstDash val="solid"/>
+              <a:round/>
+              <a:headEnd type="none" w="sm" len="sm"/>
+              <a:tailEnd type="none" w="sm" len="sm"/>
+            </a:ln>
+          </p:spPr>
+          <p:txBody>
+            <a:bodyPr spcFirstLastPara="1" wrap="square" lIns="91425" tIns="91425" rIns="91425" bIns="91425" anchor="ctr" anchorCtr="0">
+              <a:noAutofit/>
+            </a:bodyPr>
+            <a:lstStyle/>
+            <a:p>
+              <a:pPr marL="0" lvl="0" indent="0" algn="l" rtl="0">
+                <a:spcBef>
+                  <a:spcPts val="0"/>
+                </a:spcBef>
+                <a:spcAft>
+                  <a:spcPts val="0"/>
+                </a:spcAft>
+                <a:buNone/>
+              </a:pPr>
+              <a:endParaRPr/>
+            </a:p>
+          </p:txBody>
+        </p:sp>
+        <p:sp>
+          <p:nvSpPr>
+            <p:cNvPr id="510" name="Google Shape;510;p35"/>
+            <p:cNvSpPr/>
+            <p:nvPr/>
+          </p:nvSpPr>
+          <p:spPr>
+            <a:xfrm>
+              <a:off x="1556995" y="1147170"/>
+              <a:ext cx="1797000" cy="1161900"/>
+            </a:xfrm>
+            <a:prstGeom prst="roundRect">
+              <a:avLst>
+                <a:gd name="adj" fmla="val 5762"/>
+              </a:avLst>
+            </a:prstGeom>
+            <a:solidFill>
+              <a:srgbClr val="F6F2E3"/>
+            </a:solidFill>
+            <a:ln w="28575" cap="flat" cmpd="sng">
+              <a:solidFill>
+                <a:schemeClr val="dk1"/>
+              </a:solidFill>
+              <a:prstDash val="solid"/>
+              <a:round/>
+              <a:headEnd type="none" w="sm" len="sm"/>
+              <a:tailEnd type="none" w="sm" len="sm"/>
+            </a:ln>
+            <a:effectLst>
+              <a:outerShdw dist="57150" dir="2940000" algn="bl" rotWithShape="0">
+                <a:schemeClr val="dk1"/>
+              </a:outerShdw>
+            </a:effectLst>
+          </p:spPr>
+          <p:txBody>
+            <a:bodyPr spcFirstLastPara="1" wrap="square" lIns="91425" tIns="91425" rIns="91425" bIns="91425" anchor="ctr" anchorCtr="0">
+              <a:noAutofit/>
+            </a:bodyPr>
+            <a:lstStyle/>
+            <a:p>
+              <a:pPr marL="0" lvl="0" indent="0" algn="l" rtl="0">
+                <a:spcBef>
+                  <a:spcPts val="0"/>
+                </a:spcBef>
+                <a:spcAft>
+                  <a:spcPts val="0"/>
+                </a:spcAft>
+                <a:buNone/>
+              </a:pPr>
+              <a:endParaRPr/>
+            </a:p>
+          </p:txBody>
+        </p:sp>
+      </p:grpSp>
+      <p:sp>
+        <p:nvSpPr>
+          <p:cNvPr id="511" name="Google Shape;511;p35"/>
+          <p:cNvSpPr txBox="1">
+            <a:spLocks noGrp="1"/>
+          </p:cNvSpPr>
+          <p:nvPr>
+            <p:ph type="title" idx="2"/>
+          </p:nvPr>
+        </p:nvSpPr>
+        <p:spPr>
+          <a:xfrm>
+            <a:off x="403125" y="1384975"/>
+            <a:ext cx="1666200" cy="841800"/>
+          </a:xfrm>
+          <a:prstGeom prst="rect">
+            <a:avLst/>
+          </a:prstGeom>
+        </p:spPr>
+        <p:txBody>
+          <a:bodyPr spcFirstLastPara="1" wrap="square" lIns="91425" tIns="91425" rIns="91425" bIns="91425" anchor="ctr" anchorCtr="0">
+            <a:noAutofit/>
+          </a:bodyPr>
+          <a:lstStyle/>
+          <a:p>
+            <a:pPr marL="0" lvl="0" indent="0" algn="ctr" rtl="0">
+              <a:spcBef>
+                <a:spcPts val="0"/>
+              </a:spcBef>
+              <a:spcAft>
+                <a:spcPts val="0"/>
+              </a:spcAft>
+              <a:buNone/>
+            </a:pPr>
+            <a:r>
+              <a:rPr lang="en" dirty="0"/>
+              <a:t>04</a:t>
+            </a:r>
+            <a:endParaRPr dirty="0"/>
+          </a:p>
+        </p:txBody>
+      </p:sp>
+      <p:sp>
+        <p:nvSpPr>
+          <p:cNvPr id="512" name="Google Shape;512;p35"/>
+          <p:cNvSpPr/>
+          <p:nvPr/>
+        </p:nvSpPr>
+        <p:spPr>
+          <a:xfrm>
+            <a:off x="818706" y="2537937"/>
+            <a:ext cx="3418510" cy="1486668"/>
+          </a:xfrm>
+          <a:prstGeom prst="roundRect">
+            <a:avLst>
+              <a:gd name="adj" fmla="val 6740"/>
+            </a:avLst>
+          </a:prstGeom>
+          <a:solidFill>
+            <a:schemeClr val="lt2"/>
+          </a:solidFill>
+          <a:ln w="28575" cap="flat" cmpd="sng">
+            <a:solidFill>
+              <a:schemeClr val="dk1"/>
+            </a:solidFill>
+            <a:prstDash val="solid"/>
+            <a:round/>
+            <a:headEnd type="none" w="sm" len="sm"/>
+            <a:tailEnd type="none" w="sm" len="sm"/>
+          </a:ln>
+          <a:effectLst>
+            <a:outerShdw dist="85725" dir="3960000" algn="bl" rotWithShape="0">
+              <a:schemeClr val="dk1"/>
+            </a:outerShdw>
+          </a:effectLst>
+        </p:spPr>
+        <p:txBody>
+          <a:bodyPr spcFirstLastPara="1" wrap="square" lIns="91425" tIns="91425" rIns="91425" bIns="91425" anchor="ctr" anchorCtr="0">
+            <a:noAutofit/>
+          </a:bodyPr>
+          <a:lstStyle/>
+          <a:p>
+            <a:pPr marL="0" lvl="0" indent="0" algn="l" rtl="0">
+              <a:spcBef>
+                <a:spcPts val="0"/>
+              </a:spcBef>
+              <a:spcAft>
+                <a:spcPts val="0"/>
+              </a:spcAft>
+              <a:buNone/>
+            </a:pPr>
+            <a:endParaRPr/>
+          </a:p>
+        </p:txBody>
+      </p:sp>
+      <p:sp>
+        <p:nvSpPr>
+          <p:cNvPr id="513" name="Google Shape;513;p35"/>
+          <p:cNvSpPr txBox="1">
+            <a:spLocks noGrp="1"/>
+          </p:cNvSpPr>
+          <p:nvPr>
+            <p:ph type="title"/>
+          </p:nvPr>
+        </p:nvSpPr>
+        <p:spPr>
+          <a:xfrm>
+            <a:off x="781348" y="2629380"/>
+            <a:ext cx="3455868" cy="1069500"/>
+          </a:xfrm>
+          <a:prstGeom prst="rect">
+            <a:avLst/>
+          </a:prstGeom>
+        </p:spPr>
+        <p:txBody>
+          <a:bodyPr spcFirstLastPara="1" wrap="square" lIns="91425" tIns="91425" rIns="91425" bIns="91425" anchor="ctr" anchorCtr="0">
+            <a:noAutofit/>
+          </a:bodyPr>
+          <a:lstStyle/>
+          <a:p>
+            <a:pPr marL="0" lvl="0" indent="0" algn="ctr" rtl="0">
+              <a:spcBef>
+                <a:spcPts val="0"/>
+              </a:spcBef>
+              <a:spcAft>
+                <a:spcPts val="0"/>
+              </a:spcAft>
+              <a:buNone/>
+            </a:pPr>
+            <a:br>
+              <a:rPr lang="fr-FR" sz="2400" dirty="0"/>
+            </a:br>
+            <a:r>
+              <a:rPr lang="fr-FR" sz="2400" dirty="0"/>
+              <a:t>Créer un </a:t>
+            </a:r>
+            <a:r>
+              <a:rPr lang="fr-FR" sz="2400" dirty="0" err="1"/>
+              <a:t>DataFrame</a:t>
+            </a:r>
+            <a:r>
+              <a:rPr lang="fr-FR" sz="2400" dirty="0"/>
+              <a:t> à partir de différentes sources</a:t>
+            </a:r>
+          </a:p>
+        </p:txBody>
+      </p:sp>
+    </p:spTree>
+    <p:extLst>
+      <p:ext uri="{BB962C8B-B14F-4D97-AF65-F5344CB8AC3E}">
+        <p14:creationId xmlns:p14="http://schemas.microsoft.com/office/powerpoint/2010/main" val="454248378"/>
+      </p:ext>
+    </p:extLst>
+  </p:cSld>
+  <p:clrMapOvr>
+    <a:masterClrMapping/>
+  </p:clrMapOvr>
+</p:sld>
+</file>
+
+<file path=ppt/slides/slide23.xml><?xml version="1.0" encoding="utf-8"?>
+<p:sld xmlns:a="http://schemas.openxmlformats.org/drawingml/2006/main" xmlns:r="http://schemas.openxmlformats.org/officeDocument/2006/relationships" xmlns:p="http://schemas.openxmlformats.org/presentationml/2006/main">
+  <p:cSld>
+    <p:spTree>
+      <p:nvGrpSpPr>
+        <p:cNvPr id="1" name="Shape 945"/>
+        <p:cNvGrpSpPr/>
+        <p:nvPr/>
+      </p:nvGrpSpPr>
+      <p:grpSpPr>
+        <a:xfrm>
+          <a:off x="0" y="0"/>
+          <a:ext cx="0" cy="0"/>
+          <a:chOff x="0" y="0"/>
+          <a:chExt cx="0" cy="0"/>
+        </a:xfrm>
+      </p:grpSpPr>
+      <p:sp>
+        <p:nvSpPr>
+          <p:cNvPr id="947" name="Google Shape;947;p54"/>
+          <p:cNvSpPr txBox="1">
+            <a:spLocks noGrp="1"/>
+          </p:cNvSpPr>
+          <p:nvPr>
+            <p:ph type="body" idx="1"/>
+          </p:nvPr>
+        </p:nvSpPr>
+        <p:spPr>
+          <a:xfrm>
+            <a:off x="664535" y="1496144"/>
+            <a:ext cx="7814929" cy="2958898"/>
+          </a:xfrm>
+          <a:prstGeom prst="rect">
+            <a:avLst/>
+          </a:prstGeom>
+        </p:spPr>
+        <p:txBody>
+          <a:bodyPr spcFirstLastPara="1" wrap="square" lIns="91425" tIns="182875" rIns="0" bIns="91425" anchor="t" anchorCtr="0">
+            <a:noAutofit/>
+          </a:bodyPr>
+          <a:lstStyle/>
+          <a:p>
+            <a:pPr marL="0" lvl="0" indent="0" algn="l" rtl="0">
+              <a:lnSpc>
+                <a:spcPct val="100000"/>
+              </a:lnSpc>
+              <a:spcBef>
+                <a:spcPts val="0"/>
+              </a:spcBef>
+              <a:spcAft>
+                <a:spcPts val="0"/>
+              </a:spcAft>
+              <a:buNone/>
+            </a:pPr>
+            <a:r>
+              <a:rPr lang="fr-FR" sz="2000" b="0" i="0" dirty="0">
+                <a:solidFill>
+                  <a:srgbClr val="374151"/>
+                </a:solidFill>
+                <a:effectLst/>
+                <a:latin typeface="Söhne"/>
+              </a:rPr>
+              <a:t>Dans cette section, nous explorerons différentes méthodes pour créer un </a:t>
+            </a:r>
+            <a:r>
+              <a:rPr lang="fr-FR" sz="2000" b="0" i="0" dirty="0" err="1">
+                <a:solidFill>
+                  <a:srgbClr val="374151"/>
+                </a:solidFill>
+                <a:effectLst/>
+                <a:latin typeface="Söhne"/>
+              </a:rPr>
+              <a:t>DataFrame</a:t>
+            </a:r>
+            <a:r>
+              <a:rPr lang="fr-FR" sz="2000" b="0" i="0" dirty="0">
+                <a:solidFill>
+                  <a:srgbClr val="374151"/>
+                </a:solidFill>
+                <a:effectLst/>
+                <a:latin typeface="Söhne"/>
+              </a:rPr>
+              <a:t>, une structure de données tabulaire, en utilisant la bibliothèque Pandas en Python. Les sources incluent </a:t>
+            </a:r>
+          </a:p>
+          <a:p>
+            <a:pPr marL="342900" indent="-342900"/>
+            <a:r>
+              <a:rPr lang="fr-FR" sz="2000" dirty="0">
+                <a:solidFill>
+                  <a:srgbClr val="374151"/>
+                </a:solidFill>
+                <a:latin typeface="Söhne"/>
+              </a:rPr>
+              <a:t>L</a:t>
+            </a:r>
+            <a:r>
+              <a:rPr lang="fr-FR" sz="2000" b="0" i="0" dirty="0">
+                <a:solidFill>
+                  <a:srgbClr val="374151"/>
+                </a:solidFill>
+                <a:effectLst/>
+                <a:latin typeface="Söhne"/>
+              </a:rPr>
+              <a:t>istes</a:t>
+            </a:r>
+          </a:p>
+          <a:p>
+            <a:pPr marL="342900" indent="-342900"/>
+            <a:r>
+              <a:rPr lang="fr-FR" sz="2000" b="0" i="0" dirty="0">
+                <a:solidFill>
+                  <a:srgbClr val="374151"/>
+                </a:solidFill>
+                <a:effectLst/>
+                <a:latin typeface="Söhne"/>
+              </a:rPr>
+              <a:t>Les dictionnaires</a:t>
+            </a:r>
+          </a:p>
+          <a:p>
+            <a:pPr marL="342900" indent="-342900"/>
+            <a:r>
+              <a:rPr lang="fr-FR" sz="2000" b="0" i="0" dirty="0" err="1">
+                <a:solidFill>
+                  <a:srgbClr val="374151"/>
+                </a:solidFill>
+                <a:effectLst/>
+                <a:latin typeface="Söhne"/>
+              </a:rPr>
+              <a:t>Arrays</a:t>
+            </a:r>
+            <a:r>
+              <a:rPr lang="fr-FR" sz="2000" b="0" i="0" dirty="0">
+                <a:solidFill>
+                  <a:srgbClr val="374151"/>
+                </a:solidFill>
+                <a:effectLst/>
+                <a:latin typeface="Söhne"/>
+              </a:rPr>
+              <a:t> </a:t>
+            </a:r>
+            <a:r>
+              <a:rPr lang="fr-FR" sz="2000" b="0" i="0" dirty="0" err="1">
+                <a:solidFill>
+                  <a:srgbClr val="374151"/>
+                </a:solidFill>
+                <a:effectLst/>
+                <a:latin typeface="Söhne"/>
+              </a:rPr>
+              <a:t>NumPy</a:t>
+            </a:r>
+            <a:endParaRPr lang="fr-FR" sz="2000" dirty="0">
+              <a:solidFill>
+                <a:srgbClr val="374151"/>
+              </a:solidFill>
+              <a:latin typeface="Söhne"/>
+            </a:endParaRPr>
+          </a:p>
+          <a:p>
+            <a:pPr marL="342900" indent="-342900"/>
+            <a:r>
+              <a:rPr lang="fr-FR" sz="2000" b="0" i="0" dirty="0">
+                <a:solidFill>
+                  <a:srgbClr val="374151"/>
+                </a:solidFill>
+                <a:effectLst/>
+                <a:latin typeface="Söhne"/>
+              </a:rPr>
+              <a:t>Fichiers CSV </a:t>
+            </a:r>
+          </a:p>
+          <a:p>
+            <a:pPr marL="342900" indent="-342900"/>
+            <a:r>
+              <a:rPr lang="fr-FR" sz="2000" dirty="0">
+                <a:solidFill>
+                  <a:srgbClr val="374151"/>
+                </a:solidFill>
+                <a:latin typeface="Söhne"/>
+              </a:rPr>
+              <a:t>Fichiers </a:t>
+            </a:r>
+            <a:r>
+              <a:rPr lang="fr-FR" sz="2000" b="0" i="0" dirty="0">
+                <a:solidFill>
+                  <a:srgbClr val="374151"/>
+                </a:solidFill>
+                <a:effectLst/>
+                <a:latin typeface="Söhne"/>
+              </a:rPr>
+              <a:t>JSON</a:t>
+            </a:r>
+          </a:p>
+          <a:p>
+            <a:pPr marL="342900" indent="-342900"/>
+            <a:r>
+              <a:rPr lang="fr-FR" sz="2000" b="0" i="0" dirty="0">
+                <a:solidFill>
+                  <a:srgbClr val="374151"/>
+                </a:solidFill>
+                <a:effectLst/>
+                <a:latin typeface="Söhne"/>
+              </a:rPr>
+              <a:t>Des bases de données</a:t>
+            </a:r>
+            <a:endParaRPr lang="fr-FR" sz="1600" dirty="0">
+              <a:sym typeface="Varela Round"/>
+            </a:endParaRPr>
+          </a:p>
+        </p:txBody>
+      </p:sp>
+      <p:sp>
+        <p:nvSpPr>
+          <p:cNvPr id="7" name="Google Shape;946;p54">
+            <a:extLst>
+              <a:ext uri="{FF2B5EF4-FFF2-40B4-BE49-F238E27FC236}">
+                <a16:creationId xmlns:a16="http://schemas.microsoft.com/office/drawing/2014/main" id="{32FCF576-D072-76B0-16AF-46AF98856AB8}"/>
+              </a:ext>
+            </a:extLst>
+          </p:cNvPr>
+          <p:cNvSpPr/>
+          <p:nvPr/>
+        </p:nvSpPr>
+        <p:spPr>
+          <a:xfrm>
+            <a:off x="3094822" y="582474"/>
+            <a:ext cx="2476639" cy="735963"/>
+          </a:xfrm>
+          <a:prstGeom prst="roundRect">
+            <a:avLst>
+              <a:gd name="adj" fmla="val 6740"/>
+            </a:avLst>
+          </a:prstGeom>
+          <a:solidFill>
+            <a:schemeClr val="lt2"/>
+          </a:solidFill>
+          <a:ln w="28575" cap="flat" cmpd="sng">
+            <a:solidFill>
+              <a:schemeClr val="dk1"/>
+            </a:solidFill>
+            <a:prstDash val="solid"/>
+            <a:round/>
+            <a:headEnd type="none" w="sm" len="sm"/>
+            <a:tailEnd type="none" w="sm" len="sm"/>
+          </a:ln>
+          <a:effectLst>
+            <a:outerShdw dist="85725" dir="3960000" algn="bl" rotWithShape="0">
+              <a:schemeClr val="dk1"/>
+            </a:outerShdw>
+          </a:effectLst>
+        </p:spPr>
+        <p:txBody>
+          <a:bodyPr spcFirstLastPara="1" wrap="square" lIns="91425" tIns="91425" rIns="91425" bIns="91425" anchor="ctr" anchorCtr="0">
+            <a:noAutofit/>
+          </a:bodyPr>
+          <a:lstStyle/>
+          <a:p>
+            <a:pPr marL="0" lvl="0" indent="0" algn="l" rtl="0">
+              <a:spcBef>
+                <a:spcPts val="0"/>
+              </a:spcBef>
+              <a:spcAft>
+                <a:spcPts val="0"/>
+              </a:spcAft>
+              <a:buNone/>
+            </a:pPr>
+            <a:endParaRPr/>
+          </a:p>
+        </p:txBody>
+      </p:sp>
+      <p:sp>
+        <p:nvSpPr>
+          <p:cNvPr id="8" name="Google Shape;948;p54">
+            <a:extLst>
+              <a:ext uri="{FF2B5EF4-FFF2-40B4-BE49-F238E27FC236}">
+                <a16:creationId xmlns:a16="http://schemas.microsoft.com/office/drawing/2014/main" id="{84C74B68-B822-7701-D63F-0AA4D63644E2}"/>
+              </a:ext>
+            </a:extLst>
+          </p:cNvPr>
+          <p:cNvSpPr txBox="1">
+            <a:spLocks/>
+          </p:cNvSpPr>
+          <p:nvPr/>
+        </p:nvSpPr>
+        <p:spPr>
+          <a:xfrm>
+            <a:off x="3212084" y="404767"/>
+            <a:ext cx="2242114" cy="816163"/>
+          </a:xfrm>
+          <a:prstGeom prst="rect">
+            <a:avLst/>
+          </a:prstGeom>
+          <a:noFill/>
+          <a:ln>
+            <a:noFill/>
+          </a:ln>
+        </p:spPr>
+        <p:txBody>
+          <a:bodyPr spcFirstLastPara="1" wrap="square" lIns="91425" tIns="91425" rIns="91425" bIns="91425" anchor="b" anchorCtr="0">
+            <a:noAutofit/>
+          </a:bodyPr>
+          <a:lstStyle>
+            <a:defPPr marR="0" lvl="0" algn="l" rtl="0">
+              <a:lnSpc>
+                <a:spcPct val="100000"/>
+              </a:lnSpc>
+              <a:spcBef>
+                <a:spcPts val="0"/>
+              </a:spcBef>
+              <a:spcAft>
+                <a:spcPts val="0"/>
+              </a:spcAft>
+            </a:defPPr>
+            <a:lvl1pPr marR="0" lvl="0" algn="ctr" rtl="0">
+              <a:lnSpc>
+                <a:spcPct val="100000"/>
+              </a:lnSpc>
+              <a:spcBef>
+                <a:spcPts val="0"/>
+              </a:spcBef>
+              <a:spcAft>
+                <a:spcPts val="0"/>
+              </a:spcAft>
+              <a:buClr>
+                <a:schemeClr val="dk1"/>
+              </a:buClr>
+              <a:buSzPts val="3000"/>
+              <a:buFont typeface="Varela Round"/>
+              <a:buNone/>
+              <a:defRPr sz="3000" b="1" i="0" u="none" strike="noStrike" cap="none">
+                <a:solidFill>
+                  <a:schemeClr val="dk1"/>
+                </a:solidFill>
+                <a:latin typeface="Varela Round"/>
+                <a:ea typeface="Varela Round"/>
+                <a:cs typeface="Varela Round"/>
+                <a:sym typeface="Varela Round"/>
+              </a:defRPr>
+            </a:lvl1pPr>
+            <a:lvl2pPr marR="0" lvl="1" algn="l" rtl="0">
+              <a:lnSpc>
+                <a:spcPct val="100000"/>
+              </a:lnSpc>
+              <a:spcBef>
+                <a:spcPts val="0"/>
+              </a:spcBef>
+              <a:spcAft>
+                <a:spcPts val="0"/>
+              </a:spcAft>
+              <a:buClr>
+                <a:schemeClr val="dk1"/>
+              </a:buClr>
+              <a:buSzPts val="3000"/>
+              <a:buFont typeface="Bebas Neue"/>
+              <a:buNone/>
+              <a:defRPr sz="3000" b="0" i="0" u="none" strike="noStrike" cap="none">
+                <a:solidFill>
+                  <a:schemeClr val="dk1"/>
+                </a:solidFill>
+                <a:latin typeface="Bebas Neue"/>
+                <a:ea typeface="Bebas Neue"/>
+                <a:cs typeface="Bebas Neue"/>
+                <a:sym typeface="Bebas Neue"/>
+              </a:defRPr>
+            </a:lvl2pPr>
+            <a:lvl3pPr marR="0" lvl="2" algn="l" rtl="0">
+              <a:lnSpc>
+                <a:spcPct val="100000"/>
+              </a:lnSpc>
+              <a:spcBef>
+                <a:spcPts val="0"/>
+              </a:spcBef>
+              <a:spcAft>
+                <a:spcPts val="0"/>
+              </a:spcAft>
+              <a:buClr>
+                <a:schemeClr val="dk1"/>
+              </a:buClr>
+              <a:buSzPts val="3000"/>
+              <a:buFont typeface="Bebas Neue"/>
+              <a:buNone/>
+              <a:defRPr sz="3000" b="0" i="0" u="none" strike="noStrike" cap="none">
+                <a:solidFill>
+                  <a:schemeClr val="dk1"/>
+                </a:solidFill>
+                <a:latin typeface="Bebas Neue"/>
+                <a:ea typeface="Bebas Neue"/>
+                <a:cs typeface="Bebas Neue"/>
+                <a:sym typeface="Bebas Neue"/>
+              </a:defRPr>
+            </a:lvl3pPr>
+            <a:lvl4pPr marR="0" lvl="3" algn="l" rtl="0">
+              <a:lnSpc>
+                <a:spcPct val="100000"/>
+              </a:lnSpc>
+              <a:spcBef>
+                <a:spcPts val="0"/>
+              </a:spcBef>
+              <a:spcAft>
+                <a:spcPts val="0"/>
+              </a:spcAft>
+              <a:buClr>
+                <a:schemeClr val="dk1"/>
+              </a:buClr>
+              <a:buSzPts val="3000"/>
+              <a:buFont typeface="Bebas Neue"/>
+              <a:buNone/>
+              <a:defRPr sz="3000" b="0" i="0" u="none" strike="noStrike" cap="none">
+                <a:solidFill>
+                  <a:schemeClr val="dk1"/>
+                </a:solidFill>
+                <a:latin typeface="Bebas Neue"/>
+                <a:ea typeface="Bebas Neue"/>
+                <a:cs typeface="Bebas Neue"/>
+                <a:sym typeface="Bebas Neue"/>
+              </a:defRPr>
+            </a:lvl4pPr>
+            <a:lvl5pPr marR="0" lvl="4" algn="l" rtl="0">
+              <a:lnSpc>
+                <a:spcPct val="100000"/>
+              </a:lnSpc>
+              <a:spcBef>
+                <a:spcPts val="0"/>
+              </a:spcBef>
+              <a:spcAft>
+                <a:spcPts val="0"/>
+              </a:spcAft>
+              <a:buClr>
+                <a:schemeClr val="dk1"/>
+              </a:buClr>
+              <a:buSzPts val="3000"/>
+              <a:buFont typeface="Bebas Neue"/>
+              <a:buNone/>
+              <a:defRPr sz="3000" b="0" i="0" u="none" strike="noStrike" cap="none">
+                <a:solidFill>
+                  <a:schemeClr val="dk1"/>
+                </a:solidFill>
+                <a:latin typeface="Bebas Neue"/>
+                <a:ea typeface="Bebas Neue"/>
+                <a:cs typeface="Bebas Neue"/>
+                <a:sym typeface="Bebas Neue"/>
+              </a:defRPr>
+            </a:lvl5pPr>
+            <a:lvl6pPr marR="0" lvl="5" algn="l" rtl="0">
+              <a:lnSpc>
+                <a:spcPct val="100000"/>
+              </a:lnSpc>
+              <a:spcBef>
+                <a:spcPts val="0"/>
+              </a:spcBef>
+              <a:spcAft>
+                <a:spcPts val="0"/>
+              </a:spcAft>
+              <a:buClr>
+                <a:schemeClr val="dk1"/>
+              </a:buClr>
+              <a:buSzPts val="3000"/>
+              <a:buFont typeface="Bebas Neue"/>
+              <a:buNone/>
+              <a:defRPr sz="3000" b="0" i="0" u="none" strike="noStrike" cap="none">
+                <a:solidFill>
+                  <a:schemeClr val="dk1"/>
+                </a:solidFill>
+                <a:latin typeface="Bebas Neue"/>
+                <a:ea typeface="Bebas Neue"/>
+                <a:cs typeface="Bebas Neue"/>
+                <a:sym typeface="Bebas Neue"/>
+              </a:defRPr>
+            </a:lvl6pPr>
+            <a:lvl7pPr marR="0" lvl="6" algn="l" rtl="0">
+              <a:lnSpc>
+                <a:spcPct val="100000"/>
+              </a:lnSpc>
+              <a:spcBef>
+                <a:spcPts val="0"/>
+              </a:spcBef>
+              <a:spcAft>
+                <a:spcPts val="0"/>
+              </a:spcAft>
+              <a:buClr>
+                <a:schemeClr val="dk1"/>
+              </a:buClr>
+              <a:buSzPts val="3000"/>
+              <a:buFont typeface="Bebas Neue"/>
+              <a:buNone/>
+              <a:defRPr sz="3000" b="0" i="0" u="none" strike="noStrike" cap="none">
+                <a:solidFill>
+                  <a:schemeClr val="dk1"/>
+                </a:solidFill>
+                <a:latin typeface="Bebas Neue"/>
+                <a:ea typeface="Bebas Neue"/>
+                <a:cs typeface="Bebas Neue"/>
+                <a:sym typeface="Bebas Neue"/>
+              </a:defRPr>
+            </a:lvl7pPr>
+            <a:lvl8pPr marR="0" lvl="7" algn="l" rtl="0">
+              <a:lnSpc>
+                <a:spcPct val="100000"/>
+              </a:lnSpc>
+              <a:spcBef>
+                <a:spcPts val="0"/>
+              </a:spcBef>
+              <a:spcAft>
+                <a:spcPts val="0"/>
+              </a:spcAft>
+              <a:buClr>
+                <a:schemeClr val="dk1"/>
+              </a:buClr>
+              <a:buSzPts val="3000"/>
+              <a:buFont typeface="Bebas Neue"/>
+              <a:buNone/>
+              <a:defRPr sz="3000" b="0" i="0" u="none" strike="noStrike" cap="none">
+                <a:solidFill>
+                  <a:schemeClr val="dk1"/>
+                </a:solidFill>
+                <a:latin typeface="Bebas Neue"/>
+                <a:ea typeface="Bebas Neue"/>
+                <a:cs typeface="Bebas Neue"/>
+                <a:sym typeface="Bebas Neue"/>
+              </a:defRPr>
+            </a:lvl8pPr>
+            <a:lvl9pPr marR="0" lvl="8" algn="l" rtl="0">
+              <a:lnSpc>
+                <a:spcPct val="100000"/>
+              </a:lnSpc>
+              <a:spcBef>
+                <a:spcPts val="0"/>
+              </a:spcBef>
+              <a:spcAft>
+                <a:spcPts val="0"/>
+              </a:spcAft>
+              <a:buClr>
+                <a:schemeClr val="dk1"/>
+              </a:buClr>
+              <a:buSzPts val="3000"/>
+              <a:buFont typeface="Bebas Neue"/>
+              <a:buNone/>
+              <a:defRPr sz="3000" b="0" i="0" u="none" strike="noStrike" cap="none">
+                <a:solidFill>
+                  <a:schemeClr val="dk1"/>
+                </a:solidFill>
+                <a:latin typeface="Bebas Neue"/>
+                <a:ea typeface="Bebas Neue"/>
+                <a:cs typeface="Bebas Neue"/>
+                <a:sym typeface="Bebas Neue"/>
+              </a:defRPr>
+            </a:lvl9pPr>
+          </a:lstStyle>
+          <a:p>
+            <a:r>
+              <a:rPr lang="fr-FR" sz="2400" b="1" i="0" dirty="0">
+                <a:effectLst/>
+                <a:latin typeface="Söhne"/>
+              </a:rPr>
+              <a:t>INTRODUCTION</a:t>
+            </a:r>
+            <a:endParaRPr lang="fr-FR" sz="2400" dirty="0"/>
+          </a:p>
+        </p:txBody>
+      </p:sp>
+    </p:spTree>
+    <p:extLst>
+      <p:ext uri="{BB962C8B-B14F-4D97-AF65-F5344CB8AC3E}">
+        <p14:creationId xmlns:p14="http://schemas.microsoft.com/office/powerpoint/2010/main" val="4085894127"/>
+      </p:ext>
+    </p:extLst>
+  </p:cSld>
+  <p:clrMapOvr>
+    <a:masterClrMapping/>
+  </p:clrMapOvr>
+</p:sld>
+</file>
+
+<file path=ppt/slides/slide24.xml><?xml version="1.0" encoding="utf-8"?>
+<p:sld xmlns:a="http://schemas.openxmlformats.org/drawingml/2006/main" xmlns:r="http://schemas.openxmlformats.org/officeDocument/2006/relationships" xmlns:p="http://schemas.openxmlformats.org/presentationml/2006/main">
+  <p:cSld>
+    <p:spTree>
+      <p:nvGrpSpPr>
+        <p:cNvPr id="1" name="Shape 945"/>
+        <p:cNvGrpSpPr/>
+        <p:nvPr/>
+      </p:nvGrpSpPr>
+      <p:grpSpPr>
+        <a:xfrm>
+          <a:off x="0" y="0"/>
+          <a:ext cx="0" cy="0"/>
+          <a:chOff x="0" y="0"/>
+          <a:chExt cx="0" cy="0"/>
+        </a:xfrm>
+      </p:grpSpPr>
+      <p:sp>
+        <p:nvSpPr>
+          <p:cNvPr id="7" name="Google Shape;946;p54">
+            <a:extLst>
+              <a:ext uri="{FF2B5EF4-FFF2-40B4-BE49-F238E27FC236}">
+                <a16:creationId xmlns:a16="http://schemas.microsoft.com/office/drawing/2014/main" id="{32FCF576-D072-76B0-16AF-46AF98856AB8}"/>
+              </a:ext>
+            </a:extLst>
+          </p:cNvPr>
+          <p:cNvSpPr/>
+          <p:nvPr/>
+        </p:nvSpPr>
+        <p:spPr>
+          <a:xfrm>
+            <a:off x="3094822" y="582474"/>
+            <a:ext cx="2476639" cy="735963"/>
+          </a:xfrm>
+          <a:prstGeom prst="roundRect">
+            <a:avLst>
+              <a:gd name="adj" fmla="val 6740"/>
+            </a:avLst>
+          </a:prstGeom>
+          <a:solidFill>
+            <a:schemeClr val="lt2"/>
+          </a:solidFill>
+          <a:ln w="28575" cap="flat" cmpd="sng">
+            <a:solidFill>
+              <a:schemeClr val="dk1"/>
+            </a:solidFill>
+            <a:prstDash val="solid"/>
+            <a:round/>
+            <a:headEnd type="none" w="sm" len="sm"/>
+            <a:tailEnd type="none" w="sm" len="sm"/>
+          </a:ln>
+          <a:effectLst>
+            <a:outerShdw dist="85725" dir="3960000" algn="bl" rotWithShape="0">
+              <a:schemeClr val="dk1"/>
+            </a:outerShdw>
+          </a:effectLst>
+        </p:spPr>
+        <p:txBody>
+          <a:bodyPr spcFirstLastPara="1" wrap="square" lIns="91425" tIns="91425" rIns="91425" bIns="91425" anchor="ctr" anchorCtr="0">
+            <a:noAutofit/>
+          </a:bodyPr>
+          <a:lstStyle/>
+          <a:p>
+            <a:pPr marL="0" lvl="0" indent="0" algn="l" rtl="0">
+              <a:spcBef>
+                <a:spcPts val="0"/>
+              </a:spcBef>
+              <a:spcAft>
+                <a:spcPts val="0"/>
+              </a:spcAft>
+              <a:buNone/>
+            </a:pPr>
+            <a:endParaRPr/>
+          </a:p>
+        </p:txBody>
+      </p:sp>
+      <p:sp>
+        <p:nvSpPr>
+          <p:cNvPr id="8" name="Google Shape;948;p54">
+            <a:extLst>
+              <a:ext uri="{FF2B5EF4-FFF2-40B4-BE49-F238E27FC236}">
+                <a16:creationId xmlns:a16="http://schemas.microsoft.com/office/drawing/2014/main" id="{84C74B68-B822-7701-D63F-0AA4D63644E2}"/>
+              </a:ext>
+            </a:extLst>
+          </p:cNvPr>
+          <p:cNvSpPr txBox="1">
+            <a:spLocks/>
+          </p:cNvSpPr>
+          <p:nvPr/>
+        </p:nvSpPr>
+        <p:spPr>
+          <a:xfrm>
+            <a:off x="3212084" y="542373"/>
+            <a:ext cx="2242114" cy="816163"/>
+          </a:xfrm>
+          <a:prstGeom prst="rect">
+            <a:avLst/>
+          </a:prstGeom>
+          <a:noFill/>
+          <a:ln>
+            <a:noFill/>
+          </a:ln>
+        </p:spPr>
+        <p:txBody>
+          <a:bodyPr spcFirstLastPara="1" wrap="square" lIns="91425" tIns="91425" rIns="91425" bIns="91425" anchor="b" anchorCtr="0">
+            <a:noAutofit/>
+          </a:bodyPr>
+          <a:lstStyle>
+            <a:defPPr marR="0" lvl="0" algn="l" rtl="0">
+              <a:lnSpc>
+                <a:spcPct val="100000"/>
+              </a:lnSpc>
+              <a:spcBef>
+                <a:spcPts val="0"/>
+              </a:spcBef>
+              <a:spcAft>
+                <a:spcPts val="0"/>
+              </a:spcAft>
+            </a:defPPr>
+            <a:lvl1pPr marR="0" lvl="0" algn="ctr" rtl="0">
+              <a:lnSpc>
+                <a:spcPct val="100000"/>
+              </a:lnSpc>
+              <a:spcBef>
+                <a:spcPts val="0"/>
+              </a:spcBef>
+              <a:spcAft>
+                <a:spcPts val="0"/>
+              </a:spcAft>
+              <a:buClr>
+                <a:schemeClr val="dk1"/>
+              </a:buClr>
+              <a:buSzPts val="3000"/>
+              <a:buFont typeface="Varela Round"/>
+              <a:buNone/>
+              <a:defRPr sz="3000" b="1" i="0" u="none" strike="noStrike" cap="none">
+                <a:solidFill>
+                  <a:schemeClr val="dk1"/>
+                </a:solidFill>
+                <a:latin typeface="Varela Round"/>
+                <a:ea typeface="Varela Round"/>
+                <a:cs typeface="Varela Round"/>
+                <a:sym typeface="Varela Round"/>
+              </a:defRPr>
+            </a:lvl1pPr>
+            <a:lvl2pPr marR="0" lvl="1" algn="l" rtl="0">
+              <a:lnSpc>
+                <a:spcPct val="100000"/>
+              </a:lnSpc>
+              <a:spcBef>
+                <a:spcPts val="0"/>
+              </a:spcBef>
+              <a:spcAft>
+                <a:spcPts val="0"/>
+              </a:spcAft>
+              <a:buClr>
+                <a:schemeClr val="dk1"/>
+              </a:buClr>
+              <a:buSzPts val="3000"/>
+              <a:buFont typeface="Bebas Neue"/>
+              <a:buNone/>
+              <a:defRPr sz="3000" b="0" i="0" u="none" strike="noStrike" cap="none">
+                <a:solidFill>
+                  <a:schemeClr val="dk1"/>
+                </a:solidFill>
+                <a:latin typeface="Bebas Neue"/>
+                <a:ea typeface="Bebas Neue"/>
+                <a:cs typeface="Bebas Neue"/>
+                <a:sym typeface="Bebas Neue"/>
+              </a:defRPr>
+            </a:lvl2pPr>
+            <a:lvl3pPr marR="0" lvl="2" algn="l" rtl="0">
+              <a:lnSpc>
+                <a:spcPct val="100000"/>
+              </a:lnSpc>
+              <a:spcBef>
+                <a:spcPts val="0"/>
+              </a:spcBef>
+              <a:spcAft>
+                <a:spcPts val="0"/>
+              </a:spcAft>
+              <a:buClr>
+                <a:schemeClr val="dk1"/>
+              </a:buClr>
+              <a:buSzPts val="3000"/>
+              <a:buFont typeface="Bebas Neue"/>
+              <a:buNone/>
+              <a:defRPr sz="3000" b="0" i="0" u="none" strike="noStrike" cap="none">
+                <a:solidFill>
+                  <a:schemeClr val="dk1"/>
+                </a:solidFill>
+                <a:latin typeface="Bebas Neue"/>
+                <a:ea typeface="Bebas Neue"/>
+                <a:cs typeface="Bebas Neue"/>
+                <a:sym typeface="Bebas Neue"/>
+              </a:defRPr>
+            </a:lvl3pPr>
+            <a:lvl4pPr marR="0" lvl="3" algn="l" rtl="0">
+              <a:lnSpc>
+                <a:spcPct val="100000"/>
+              </a:lnSpc>
+              <a:spcBef>
+                <a:spcPts val="0"/>
+              </a:spcBef>
+              <a:spcAft>
+                <a:spcPts val="0"/>
+              </a:spcAft>
+              <a:buClr>
+                <a:schemeClr val="dk1"/>
+              </a:buClr>
+              <a:buSzPts val="3000"/>
+              <a:buFont typeface="Bebas Neue"/>
+              <a:buNone/>
+              <a:defRPr sz="3000" b="0" i="0" u="none" strike="noStrike" cap="none">
+                <a:solidFill>
+                  <a:schemeClr val="dk1"/>
+                </a:solidFill>
+                <a:latin typeface="Bebas Neue"/>
+                <a:ea typeface="Bebas Neue"/>
+                <a:cs typeface="Bebas Neue"/>
+                <a:sym typeface="Bebas Neue"/>
+              </a:defRPr>
+            </a:lvl4pPr>
+            <a:lvl5pPr marR="0" lvl="4" algn="l" rtl="0">
+              <a:lnSpc>
+                <a:spcPct val="100000"/>
+              </a:lnSpc>
+              <a:spcBef>
+                <a:spcPts val="0"/>
+              </a:spcBef>
+              <a:spcAft>
+                <a:spcPts val="0"/>
+              </a:spcAft>
+              <a:buClr>
+                <a:schemeClr val="dk1"/>
+              </a:buClr>
+              <a:buSzPts val="3000"/>
+              <a:buFont typeface="Bebas Neue"/>
+              <a:buNone/>
+              <a:defRPr sz="3000" b="0" i="0" u="none" strike="noStrike" cap="none">
+                <a:solidFill>
+                  <a:schemeClr val="dk1"/>
+                </a:solidFill>
+                <a:latin typeface="Bebas Neue"/>
+                <a:ea typeface="Bebas Neue"/>
+                <a:cs typeface="Bebas Neue"/>
+                <a:sym typeface="Bebas Neue"/>
+              </a:defRPr>
+            </a:lvl5pPr>
+            <a:lvl6pPr marR="0" lvl="5" algn="l" rtl="0">
+              <a:lnSpc>
+                <a:spcPct val="100000"/>
+              </a:lnSpc>
+              <a:spcBef>
+                <a:spcPts val="0"/>
+              </a:spcBef>
+              <a:spcAft>
+                <a:spcPts val="0"/>
+              </a:spcAft>
+              <a:buClr>
+                <a:schemeClr val="dk1"/>
+              </a:buClr>
+              <a:buSzPts val="3000"/>
+              <a:buFont typeface="Bebas Neue"/>
+              <a:buNone/>
+              <a:defRPr sz="3000" b="0" i="0" u="none" strike="noStrike" cap="none">
+                <a:solidFill>
+                  <a:schemeClr val="dk1"/>
+                </a:solidFill>
+                <a:latin typeface="Bebas Neue"/>
+                <a:ea typeface="Bebas Neue"/>
+                <a:cs typeface="Bebas Neue"/>
+                <a:sym typeface="Bebas Neue"/>
+              </a:defRPr>
+            </a:lvl6pPr>
+            <a:lvl7pPr marR="0" lvl="6" algn="l" rtl="0">
+              <a:lnSpc>
+                <a:spcPct val="100000"/>
+              </a:lnSpc>
+              <a:spcBef>
+                <a:spcPts val="0"/>
+              </a:spcBef>
+              <a:spcAft>
+                <a:spcPts val="0"/>
+              </a:spcAft>
+              <a:buClr>
+                <a:schemeClr val="dk1"/>
+              </a:buClr>
+              <a:buSzPts val="3000"/>
+              <a:buFont typeface="Bebas Neue"/>
+              <a:buNone/>
+              <a:defRPr sz="3000" b="0" i="0" u="none" strike="noStrike" cap="none">
+                <a:solidFill>
+                  <a:schemeClr val="dk1"/>
+                </a:solidFill>
+                <a:latin typeface="Bebas Neue"/>
+                <a:ea typeface="Bebas Neue"/>
+                <a:cs typeface="Bebas Neue"/>
+                <a:sym typeface="Bebas Neue"/>
+              </a:defRPr>
+            </a:lvl7pPr>
+            <a:lvl8pPr marR="0" lvl="7" algn="l" rtl="0">
+              <a:lnSpc>
+                <a:spcPct val="100000"/>
+              </a:lnSpc>
+              <a:spcBef>
+                <a:spcPts val="0"/>
+              </a:spcBef>
+              <a:spcAft>
+                <a:spcPts val="0"/>
+              </a:spcAft>
+              <a:buClr>
+                <a:schemeClr val="dk1"/>
+              </a:buClr>
+              <a:buSzPts val="3000"/>
+              <a:buFont typeface="Bebas Neue"/>
+              <a:buNone/>
+              <a:defRPr sz="3000" b="0" i="0" u="none" strike="noStrike" cap="none">
+                <a:solidFill>
+                  <a:schemeClr val="dk1"/>
+                </a:solidFill>
+                <a:latin typeface="Bebas Neue"/>
+                <a:ea typeface="Bebas Neue"/>
+                <a:cs typeface="Bebas Neue"/>
+                <a:sym typeface="Bebas Neue"/>
+              </a:defRPr>
+            </a:lvl8pPr>
+            <a:lvl9pPr marR="0" lvl="8" algn="l" rtl="0">
+              <a:lnSpc>
+                <a:spcPct val="100000"/>
+              </a:lnSpc>
+              <a:spcBef>
+                <a:spcPts val="0"/>
+              </a:spcBef>
+              <a:spcAft>
+                <a:spcPts val="0"/>
+              </a:spcAft>
+              <a:buClr>
+                <a:schemeClr val="dk1"/>
+              </a:buClr>
+              <a:buSzPts val="3000"/>
+              <a:buFont typeface="Bebas Neue"/>
+              <a:buNone/>
+              <a:defRPr sz="3000" b="0" i="0" u="none" strike="noStrike" cap="none">
+                <a:solidFill>
+                  <a:schemeClr val="dk1"/>
+                </a:solidFill>
+                <a:latin typeface="Bebas Neue"/>
+                <a:ea typeface="Bebas Neue"/>
+                <a:cs typeface="Bebas Neue"/>
+                <a:sym typeface="Bebas Neue"/>
+              </a:defRPr>
+            </a:lvl9pPr>
+          </a:lstStyle>
+          <a:p>
+            <a:r>
+              <a:rPr lang="fr-FR" sz="2000" b="1" i="0" dirty="0">
+                <a:effectLst/>
+                <a:latin typeface="Söhne"/>
+              </a:rPr>
+              <a:t>À partir d'une liste de listes</a:t>
+            </a:r>
+            <a:endParaRPr lang="fr-FR" sz="2000" dirty="0"/>
+          </a:p>
+        </p:txBody>
+      </p:sp>
+      <p:pic>
+        <p:nvPicPr>
+          <p:cNvPr id="3" name="Image 2">
+            <a:extLst>
+              <a:ext uri="{FF2B5EF4-FFF2-40B4-BE49-F238E27FC236}">
+                <a16:creationId xmlns:a16="http://schemas.microsoft.com/office/drawing/2014/main" id="{BD7180B3-082C-6FAB-64FD-A5967936D56E}"/>
+              </a:ext>
+            </a:extLst>
+          </p:cNvPr>
+          <p:cNvPicPr>
+            <a:picLocks noChangeAspect="1"/>
+          </p:cNvPicPr>
+          <p:nvPr/>
+        </p:nvPicPr>
+        <p:blipFill>
+          <a:blip r:embed="rId3"/>
+          <a:stretch>
+            <a:fillRect/>
+          </a:stretch>
+        </p:blipFill>
+        <p:spPr>
+          <a:xfrm>
+            <a:off x="1661378" y="1751501"/>
+            <a:ext cx="5343525" cy="971550"/>
+          </a:xfrm>
+          <a:prstGeom prst="rect">
+            <a:avLst/>
+          </a:prstGeom>
+        </p:spPr>
+      </p:pic>
+      <p:pic>
+        <p:nvPicPr>
+          <p:cNvPr id="5" name="Image 4">
+            <a:extLst>
+              <a:ext uri="{FF2B5EF4-FFF2-40B4-BE49-F238E27FC236}">
+                <a16:creationId xmlns:a16="http://schemas.microsoft.com/office/drawing/2014/main" id="{C46A14E6-799B-8167-E3E3-AAB6BC5E65C6}"/>
+              </a:ext>
+            </a:extLst>
+          </p:cNvPr>
+          <p:cNvPicPr>
+            <a:picLocks noChangeAspect="1"/>
+          </p:cNvPicPr>
+          <p:nvPr/>
+        </p:nvPicPr>
+        <p:blipFill>
+          <a:blip r:embed="rId4"/>
+          <a:stretch>
+            <a:fillRect/>
+          </a:stretch>
+        </p:blipFill>
+        <p:spPr>
+          <a:xfrm>
+            <a:off x="3833077" y="3556922"/>
+            <a:ext cx="1000125" cy="1047750"/>
+          </a:xfrm>
+          <a:prstGeom prst="rect">
+            <a:avLst/>
+          </a:prstGeom>
+        </p:spPr>
+      </p:pic>
+      <p:sp>
+        <p:nvSpPr>
+          <p:cNvPr id="6" name="Flèche : bas 5">
+            <a:extLst>
+              <a:ext uri="{FF2B5EF4-FFF2-40B4-BE49-F238E27FC236}">
+                <a16:creationId xmlns:a16="http://schemas.microsoft.com/office/drawing/2014/main" id="{E0480AC5-6E2F-537E-3F0A-09582C8696B2}"/>
+              </a:ext>
+            </a:extLst>
+          </p:cNvPr>
+          <p:cNvSpPr/>
+          <p:nvPr/>
+        </p:nvSpPr>
+        <p:spPr>
+          <a:xfrm>
+            <a:off x="4082902" y="2828260"/>
+            <a:ext cx="489098" cy="584791"/>
+          </a:xfrm>
+          <a:prstGeom prst="downArrow">
+            <a:avLst/>
+          </a:prstGeom>
+          <a:solidFill>
+            <a:schemeClr val="dk1"/>
+          </a:solidFill>
+          <a:ln>
+            <a:noFill/>
+          </a:ln>
+        </p:spPr>
+        <p:style>
+          <a:lnRef idx="0">
+            <a:scrgbClr r="0" g="0" b="0"/>
+          </a:lnRef>
+          <a:fillRef idx="0">
+            <a:scrgbClr r="0" g="0" b="0"/>
+          </a:fillRef>
+          <a:effectRef idx="0">
+            <a:scrgbClr r="0" g="0" b="0"/>
+          </a:effectRef>
+          <a:fontRef idx="minor">
+            <a:schemeClr val="lt1"/>
+          </a:fontRef>
+        </p:style>
+        <p:txBody>
+          <a:bodyPr rtlCol="0" anchor="ctr"/>
+          <a:lstStyle/>
+          <a:p>
+            <a:pPr algn="ctr"/>
+            <a:endParaRPr lang="fr-FR">
+              <a:ln w="0"/>
+              <a:solidFill>
+                <a:schemeClr val="tx1"/>
+              </a:solidFill>
+              <a:effectLst>
+                <a:outerShdw blurRad="38100" dist="19050" dir="2700000" algn="tl" rotWithShape="0">
+                  <a:schemeClr val="dk1">
+                    <a:alpha val="40000"/>
+                  </a:schemeClr>
+                </a:outerShdw>
+              </a:effectLst>
+            </a:endParaRPr>
+          </a:p>
+        </p:txBody>
+      </p:sp>
+    </p:spTree>
+    <p:extLst>
+      <p:ext uri="{BB962C8B-B14F-4D97-AF65-F5344CB8AC3E}">
+        <p14:creationId xmlns:p14="http://schemas.microsoft.com/office/powerpoint/2010/main" val="70914524"/>
+      </p:ext>
+    </p:extLst>
+  </p:cSld>
+  <p:clrMapOvr>
+    <a:masterClrMapping/>
+  </p:clrMapOvr>
+</p:sld>
+</file>
+
+<file path=ppt/slides/slide25.xml><?xml version="1.0" encoding="utf-8"?>
+<p:sld xmlns:a="http://schemas.openxmlformats.org/drawingml/2006/main" xmlns:r="http://schemas.openxmlformats.org/officeDocument/2006/relationships" xmlns:p="http://schemas.openxmlformats.org/presentationml/2006/main">
+  <p:cSld>
+    <p:spTree>
+      <p:nvGrpSpPr>
+        <p:cNvPr id="1" name="Shape 945"/>
+        <p:cNvGrpSpPr/>
+        <p:nvPr/>
+      </p:nvGrpSpPr>
+      <p:grpSpPr>
+        <a:xfrm>
+          <a:off x="0" y="0"/>
+          <a:ext cx="0" cy="0"/>
+          <a:chOff x="0" y="0"/>
+          <a:chExt cx="0" cy="0"/>
+        </a:xfrm>
+      </p:grpSpPr>
+      <p:sp>
+        <p:nvSpPr>
+          <p:cNvPr id="7" name="Google Shape;946;p54">
+            <a:extLst>
+              <a:ext uri="{FF2B5EF4-FFF2-40B4-BE49-F238E27FC236}">
+                <a16:creationId xmlns:a16="http://schemas.microsoft.com/office/drawing/2014/main" id="{32FCF576-D072-76B0-16AF-46AF98856AB8}"/>
+              </a:ext>
+            </a:extLst>
+          </p:cNvPr>
+          <p:cNvSpPr/>
+          <p:nvPr/>
+        </p:nvSpPr>
+        <p:spPr>
+          <a:xfrm>
+            <a:off x="3094822" y="582474"/>
+            <a:ext cx="2476639" cy="735963"/>
+          </a:xfrm>
+          <a:prstGeom prst="roundRect">
+            <a:avLst>
+              <a:gd name="adj" fmla="val 6740"/>
+            </a:avLst>
+          </a:prstGeom>
+          <a:solidFill>
+            <a:schemeClr val="lt2"/>
+          </a:solidFill>
+          <a:ln w="28575" cap="flat" cmpd="sng">
+            <a:solidFill>
+              <a:schemeClr val="dk1"/>
+            </a:solidFill>
+            <a:prstDash val="solid"/>
+            <a:round/>
+            <a:headEnd type="none" w="sm" len="sm"/>
+            <a:tailEnd type="none" w="sm" len="sm"/>
+          </a:ln>
+          <a:effectLst>
+            <a:outerShdw dist="85725" dir="3960000" algn="bl" rotWithShape="0">
+              <a:schemeClr val="dk1"/>
+            </a:outerShdw>
+          </a:effectLst>
+        </p:spPr>
+        <p:txBody>
+          <a:bodyPr spcFirstLastPara="1" wrap="square" lIns="91425" tIns="91425" rIns="91425" bIns="91425" anchor="ctr" anchorCtr="0">
+            <a:noAutofit/>
+          </a:bodyPr>
+          <a:lstStyle/>
+          <a:p>
+            <a:pPr marL="0" lvl="0" indent="0" algn="l" rtl="0">
+              <a:spcBef>
+                <a:spcPts val="0"/>
+              </a:spcBef>
+              <a:spcAft>
+                <a:spcPts val="0"/>
+              </a:spcAft>
+              <a:buNone/>
+            </a:pPr>
+            <a:endParaRPr/>
+          </a:p>
+        </p:txBody>
+      </p:sp>
+      <p:sp>
+        <p:nvSpPr>
+          <p:cNvPr id="8" name="Google Shape;948;p54">
+            <a:extLst>
+              <a:ext uri="{FF2B5EF4-FFF2-40B4-BE49-F238E27FC236}">
+                <a16:creationId xmlns:a16="http://schemas.microsoft.com/office/drawing/2014/main" id="{84C74B68-B822-7701-D63F-0AA4D63644E2}"/>
+              </a:ext>
+            </a:extLst>
+          </p:cNvPr>
+          <p:cNvSpPr txBox="1">
+            <a:spLocks/>
+          </p:cNvSpPr>
+          <p:nvPr/>
+        </p:nvSpPr>
+        <p:spPr>
+          <a:xfrm>
+            <a:off x="3009015" y="542373"/>
+            <a:ext cx="2711301" cy="816163"/>
+          </a:xfrm>
+          <a:prstGeom prst="rect">
+            <a:avLst/>
+          </a:prstGeom>
+          <a:noFill/>
+          <a:ln>
+            <a:noFill/>
+          </a:ln>
+        </p:spPr>
+        <p:txBody>
+          <a:bodyPr spcFirstLastPara="1" wrap="square" lIns="91425" tIns="91425" rIns="91425" bIns="91425" anchor="b" anchorCtr="0">
+            <a:noAutofit/>
+          </a:bodyPr>
+          <a:lstStyle>
+            <a:defPPr marR="0" lvl="0" algn="l" rtl="0">
+              <a:lnSpc>
+                <a:spcPct val="100000"/>
+              </a:lnSpc>
+              <a:spcBef>
+                <a:spcPts val="0"/>
+              </a:spcBef>
+              <a:spcAft>
+                <a:spcPts val="0"/>
+              </a:spcAft>
+            </a:defPPr>
+            <a:lvl1pPr marR="0" lvl="0" algn="ctr" rtl="0">
+              <a:lnSpc>
+                <a:spcPct val="100000"/>
+              </a:lnSpc>
+              <a:spcBef>
+                <a:spcPts val="0"/>
+              </a:spcBef>
+              <a:spcAft>
+                <a:spcPts val="0"/>
+              </a:spcAft>
+              <a:buClr>
+                <a:schemeClr val="dk1"/>
+              </a:buClr>
+              <a:buSzPts val="3000"/>
+              <a:buFont typeface="Varela Round"/>
+              <a:buNone/>
+              <a:defRPr sz="3000" b="1" i="0" u="none" strike="noStrike" cap="none">
+                <a:solidFill>
+                  <a:schemeClr val="dk1"/>
+                </a:solidFill>
+                <a:latin typeface="Varela Round"/>
+                <a:ea typeface="Varela Round"/>
+                <a:cs typeface="Varela Round"/>
+                <a:sym typeface="Varela Round"/>
+              </a:defRPr>
+            </a:lvl1pPr>
+            <a:lvl2pPr marR="0" lvl="1" algn="l" rtl="0">
+              <a:lnSpc>
+                <a:spcPct val="100000"/>
+              </a:lnSpc>
+              <a:spcBef>
+                <a:spcPts val="0"/>
+              </a:spcBef>
+              <a:spcAft>
+                <a:spcPts val="0"/>
+              </a:spcAft>
+              <a:buClr>
+                <a:schemeClr val="dk1"/>
+              </a:buClr>
+              <a:buSzPts val="3000"/>
+              <a:buFont typeface="Bebas Neue"/>
+              <a:buNone/>
+              <a:defRPr sz="3000" b="0" i="0" u="none" strike="noStrike" cap="none">
+                <a:solidFill>
+                  <a:schemeClr val="dk1"/>
+                </a:solidFill>
+                <a:latin typeface="Bebas Neue"/>
+                <a:ea typeface="Bebas Neue"/>
+                <a:cs typeface="Bebas Neue"/>
+                <a:sym typeface="Bebas Neue"/>
+              </a:defRPr>
+            </a:lvl2pPr>
+            <a:lvl3pPr marR="0" lvl="2" algn="l" rtl="0">
+              <a:lnSpc>
+                <a:spcPct val="100000"/>
+              </a:lnSpc>
+              <a:spcBef>
+                <a:spcPts val="0"/>
+              </a:spcBef>
+              <a:spcAft>
+                <a:spcPts val="0"/>
+              </a:spcAft>
+              <a:buClr>
+                <a:schemeClr val="dk1"/>
+              </a:buClr>
+              <a:buSzPts val="3000"/>
+              <a:buFont typeface="Bebas Neue"/>
+              <a:buNone/>
+              <a:defRPr sz="3000" b="0" i="0" u="none" strike="noStrike" cap="none">
+                <a:solidFill>
+                  <a:schemeClr val="dk1"/>
+                </a:solidFill>
+                <a:latin typeface="Bebas Neue"/>
+                <a:ea typeface="Bebas Neue"/>
+                <a:cs typeface="Bebas Neue"/>
+                <a:sym typeface="Bebas Neue"/>
+              </a:defRPr>
+            </a:lvl3pPr>
+            <a:lvl4pPr marR="0" lvl="3" algn="l" rtl="0">
+              <a:lnSpc>
+                <a:spcPct val="100000"/>
+              </a:lnSpc>
+              <a:spcBef>
+                <a:spcPts val="0"/>
+              </a:spcBef>
+              <a:spcAft>
+                <a:spcPts val="0"/>
+              </a:spcAft>
+              <a:buClr>
+                <a:schemeClr val="dk1"/>
+              </a:buClr>
+              <a:buSzPts val="3000"/>
+              <a:buFont typeface="Bebas Neue"/>
+              <a:buNone/>
+              <a:defRPr sz="3000" b="0" i="0" u="none" strike="noStrike" cap="none">
+                <a:solidFill>
+                  <a:schemeClr val="dk1"/>
+                </a:solidFill>
+                <a:latin typeface="Bebas Neue"/>
+                <a:ea typeface="Bebas Neue"/>
+                <a:cs typeface="Bebas Neue"/>
+                <a:sym typeface="Bebas Neue"/>
+              </a:defRPr>
+            </a:lvl4pPr>
+            <a:lvl5pPr marR="0" lvl="4" algn="l" rtl="0">
+              <a:lnSpc>
+                <a:spcPct val="100000"/>
+              </a:lnSpc>
+              <a:spcBef>
+                <a:spcPts val="0"/>
+              </a:spcBef>
+              <a:spcAft>
+                <a:spcPts val="0"/>
+              </a:spcAft>
+              <a:buClr>
+                <a:schemeClr val="dk1"/>
+              </a:buClr>
+              <a:buSzPts val="3000"/>
+              <a:buFont typeface="Bebas Neue"/>
+              <a:buNone/>
+              <a:defRPr sz="3000" b="0" i="0" u="none" strike="noStrike" cap="none">
+                <a:solidFill>
+                  <a:schemeClr val="dk1"/>
+                </a:solidFill>
+                <a:latin typeface="Bebas Neue"/>
+                <a:ea typeface="Bebas Neue"/>
+                <a:cs typeface="Bebas Neue"/>
+                <a:sym typeface="Bebas Neue"/>
+              </a:defRPr>
+            </a:lvl5pPr>
+            <a:lvl6pPr marR="0" lvl="5" algn="l" rtl="0">
+              <a:lnSpc>
+                <a:spcPct val="100000"/>
+              </a:lnSpc>
+              <a:spcBef>
+                <a:spcPts val="0"/>
+              </a:spcBef>
+              <a:spcAft>
+                <a:spcPts val="0"/>
+              </a:spcAft>
+              <a:buClr>
+                <a:schemeClr val="dk1"/>
+              </a:buClr>
+              <a:buSzPts val="3000"/>
+              <a:buFont typeface="Bebas Neue"/>
+              <a:buNone/>
+              <a:defRPr sz="3000" b="0" i="0" u="none" strike="noStrike" cap="none">
+                <a:solidFill>
+                  <a:schemeClr val="dk1"/>
+                </a:solidFill>
+                <a:latin typeface="Bebas Neue"/>
+                <a:ea typeface="Bebas Neue"/>
+                <a:cs typeface="Bebas Neue"/>
+                <a:sym typeface="Bebas Neue"/>
+              </a:defRPr>
+            </a:lvl6pPr>
+            <a:lvl7pPr marR="0" lvl="6" algn="l" rtl="0">
+              <a:lnSpc>
+                <a:spcPct val="100000"/>
+              </a:lnSpc>
+              <a:spcBef>
+                <a:spcPts val="0"/>
+              </a:spcBef>
+              <a:spcAft>
+                <a:spcPts val="0"/>
+              </a:spcAft>
+              <a:buClr>
+                <a:schemeClr val="dk1"/>
+              </a:buClr>
+              <a:buSzPts val="3000"/>
+              <a:buFont typeface="Bebas Neue"/>
+              <a:buNone/>
+              <a:defRPr sz="3000" b="0" i="0" u="none" strike="noStrike" cap="none">
+                <a:solidFill>
+                  <a:schemeClr val="dk1"/>
+                </a:solidFill>
+                <a:latin typeface="Bebas Neue"/>
+                <a:ea typeface="Bebas Neue"/>
+                <a:cs typeface="Bebas Neue"/>
+                <a:sym typeface="Bebas Neue"/>
+              </a:defRPr>
+            </a:lvl7pPr>
+            <a:lvl8pPr marR="0" lvl="7" algn="l" rtl="0">
+              <a:lnSpc>
+                <a:spcPct val="100000"/>
+              </a:lnSpc>
+              <a:spcBef>
+                <a:spcPts val="0"/>
+              </a:spcBef>
+              <a:spcAft>
+                <a:spcPts val="0"/>
+              </a:spcAft>
+              <a:buClr>
+                <a:schemeClr val="dk1"/>
+              </a:buClr>
+              <a:buSzPts val="3000"/>
+              <a:buFont typeface="Bebas Neue"/>
+              <a:buNone/>
+              <a:defRPr sz="3000" b="0" i="0" u="none" strike="noStrike" cap="none">
+                <a:solidFill>
+                  <a:schemeClr val="dk1"/>
+                </a:solidFill>
+                <a:latin typeface="Bebas Neue"/>
+                <a:ea typeface="Bebas Neue"/>
+                <a:cs typeface="Bebas Neue"/>
+                <a:sym typeface="Bebas Neue"/>
+              </a:defRPr>
+            </a:lvl8pPr>
+            <a:lvl9pPr marR="0" lvl="8" algn="l" rtl="0">
+              <a:lnSpc>
+                <a:spcPct val="100000"/>
+              </a:lnSpc>
+              <a:spcBef>
+                <a:spcPts val="0"/>
+              </a:spcBef>
+              <a:spcAft>
+                <a:spcPts val="0"/>
+              </a:spcAft>
+              <a:buClr>
+                <a:schemeClr val="dk1"/>
+              </a:buClr>
+              <a:buSzPts val="3000"/>
+              <a:buFont typeface="Bebas Neue"/>
+              <a:buNone/>
+              <a:defRPr sz="3000" b="0" i="0" u="none" strike="noStrike" cap="none">
+                <a:solidFill>
+                  <a:schemeClr val="dk1"/>
+                </a:solidFill>
+                <a:latin typeface="Bebas Neue"/>
+                <a:ea typeface="Bebas Neue"/>
+                <a:cs typeface="Bebas Neue"/>
+                <a:sym typeface="Bebas Neue"/>
+              </a:defRPr>
+            </a:lvl9pPr>
+          </a:lstStyle>
+          <a:p>
+            <a:r>
+              <a:rPr lang="fr-FR" sz="2000" b="1" i="0" dirty="0">
+                <a:effectLst/>
+                <a:latin typeface="Söhne"/>
+              </a:rPr>
+              <a:t>À partir d’un dictionnaire de listes</a:t>
+            </a:r>
+            <a:endParaRPr lang="fr-FR" sz="2000" dirty="0"/>
+          </a:p>
+        </p:txBody>
+      </p:sp>
+      <p:pic>
+        <p:nvPicPr>
+          <p:cNvPr id="5" name="Image 4">
+            <a:extLst>
+              <a:ext uri="{FF2B5EF4-FFF2-40B4-BE49-F238E27FC236}">
+                <a16:creationId xmlns:a16="http://schemas.microsoft.com/office/drawing/2014/main" id="{C46A14E6-799B-8167-E3E3-AAB6BC5E65C6}"/>
+              </a:ext>
+            </a:extLst>
+          </p:cNvPr>
+          <p:cNvPicPr>
+            <a:picLocks noChangeAspect="1"/>
+          </p:cNvPicPr>
+          <p:nvPr/>
+        </p:nvPicPr>
+        <p:blipFill>
+          <a:blip r:embed="rId3"/>
+          <a:stretch>
+            <a:fillRect/>
+          </a:stretch>
+        </p:blipFill>
+        <p:spPr>
+          <a:xfrm>
+            <a:off x="3833077" y="3556922"/>
+            <a:ext cx="1000125" cy="1047750"/>
+          </a:xfrm>
+          <a:prstGeom prst="rect">
+            <a:avLst/>
+          </a:prstGeom>
+        </p:spPr>
+      </p:pic>
+      <p:sp>
+        <p:nvSpPr>
+          <p:cNvPr id="6" name="Flèche : bas 5">
+            <a:extLst>
+              <a:ext uri="{FF2B5EF4-FFF2-40B4-BE49-F238E27FC236}">
+                <a16:creationId xmlns:a16="http://schemas.microsoft.com/office/drawing/2014/main" id="{E0480AC5-6E2F-537E-3F0A-09582C8696B2}"/>
+              </a:ext>
+            </a:extLst>
+          </p:cNvPr>
+          <p:cNvSpPr/>
+          <p:nvPr/>
+        </p:nvSpPr>
+        <p:spPr>
+          <a:xfrm>
+            <a:off x="4082902" y="2828260"/>
+            <a:ext cx="489098" cy="584791"/>
+          </a:xfrm>
+          <a:prstGeom prst="downArrow">
+            <a:avLst/>
+          </a:prstGeom>
+          <a:solidFill>
+            <a:schemeClr val="dk1"/>
+          </a:solidFill>
+          <a:ln>
+            <a:noFill/>
+          </a:ln>
+        </p:spPr>
+        <p:style>
+          <a:lnRef idx="0">
+            <a:scrgbClr r="0" g="0" b="0"/>
+          </a:lnRef>
+          <a:fillRef idx="0">
+            <a:scrgbClr r="0" g="0" b="0"/>
+          </a:fillRef>
+          <a:effectRef idx="0">
+            <a:scrgbClr r="0" g="0" b="0"/>
+          </a:effectRef>
+          <a:fontRef idx="minor">
+            <a:schemeClr val="lt1"/>
+          </a:fontRef>
+        </p:style>
+        <p:txBody>
+          <a:bodyPr rtlCol="0" anchor="ctr"/>
+          <a:lstStyle/>
+          <a:p>
+            <a:pPr algn="ctr"/>
+            <a:endParaRPr lang="fr-FR">
+              <a:ln w="0"/>
+              <a:solidFill>
+                <a:schemeClr val="tx1"/>
+              </a:solidFill>
+              <a:effectLst>
+                <a:outerShdw blurRad="38100" dist="19050" dir="2700000" algn="tl" rotWithShape="0">
+                  <a:schemeClr val="dk1">
+                    <a:alpha val="40000"/>
+                  </a:schemeClr>
+                </a:outerShdw>
+              </a:effectLst>
+            </a:endParaRPr>
+          </a:p>
+        </p:txBody>
+      </p:sp>
+      <p:pic>
+        <p:nvPicPr>
+          <p:cNvPr id="10" name="Image 9">
+            <a:extLst>
+              <a:ext uri="{FF2B5EF4-FFF2-40B4-BE49-F238E27FC236}">
+                <a16:creationId xmlns:a16="http://schemas.microsoft.com/office/drawing/2014/main" id="{356D40EA-2722-E559-2781-EB95406EC21F}"/>
+              </a:ext>
+            </a:extLst>
+          </p:cNvPr>
+          <p:cNvPicPr>
+            <a:picLocks noChangeAspect="1"/>
+          </p:cNvPicPr>
+          <p:nvPr/>
+        </p:nvPicPr>
+        <p:blipFill>
+          <a:blip r:embed="rId4"/>
+          <a:stretch>
+            <a:fillRect/>
+          </a:stretch>
+        </p:blipFill>
+        <p:spPr>
+          <a:xfrm>
+            <a:off x="2198613" y="1600200"/>
+            <a:ext cx="4257675" cy="971550"/>
+          </a:xfrm>
+          <a:prstGeom prst="rect">
+            <a:avLst/>
+          </a:prstGeom>
+        </p:spPr>
+      </p:pic>
+    </p:spTree>
+    <p:extLst>
+      <p:ext uri="{BB962C8B-B14F-4D97-AF65-F5344CB8AC3E}">
+        <p14:creationId xmlns:p14="http://schemas.microsoft.com/office/powerpoint/2010/main" val="1617195656"/>
+      </p:ext>
+    </p:extLst>
+  </p:cSld>
+  <p:clrMapOvr>
+    <a:masterClrMapping/>
+  </p:clrMapOvr>
+</p:sld>
+</file>
+
+<file path=ppt/slides/slide26.xml><?xml version="1.0" encoding="utf-8"?>
+<p:sld xmlns:a="http://schemas.openxmlformats.org/drawingml/2006/main" xmlns:r="http://schemas.openxmlformats.org/officeDocument/2006/relationships" xmlns:p="http://schemas.openxmlformats.org/presentationml/2006/main">
+  <p:cSld>
+    <p:spTree>
+      <p:nvGrpSpPr>
+        <p:cNvPr id="1" name="Shape 945"/>
+        <p:cNvGrpSpPr/>
+        <p:nvPr/>
+      </p:nvGrpSpPr>
+      <p:grpSpPr>
+        <a:xfrm>
+          <a:off x="0" y="0"/>
+          <a:ext cx="0" cy="0"/>
+          <a:chOff x="0" y="0"/>
+          <a:chExt cx="0" cy="0"/>
+        </a:xfrm>
+      </p:grpSpPr>
+      <p:sp>
+        <p:nvSpPr>
+          <p:cNvPr id="7" name="Google Shape;946;p54">
+            <a:extLst>
+              <a:ext uri="{FF2B5EF4-FFF2-40B4-BE49-F238E27FC236}">
+                <a16:creationId xmlns:a16="http://schemas.microsoft.com/office/drawing/2014/main" id="{32FCF576-D072-76B0-16AF-46AF98856AB8}"/>
+              </a:ext>
+            </a:extLst>
+          </p:cNvPr>
+          <p:cNvSpPr/>
+          <p:nvPr/>
+        </p:nvSpPr>
+        <p:spPr>
+          <a:xfrm>
+            <a:off x="3094822" y="582474"/>
+            <a:ext cx="2476639" cy="735963"/>
+          </a:xfrm>
+          <a:prstGeom prst="roundRect">
+            <a:avLst>
+              <a:gd name="adj" fmla="val 6740"/>
+            </a:avLst>
+          </a:prstGeom>
+          <a:solidFill>
+            <a:schemeClr val="lt2"/>
+          </a:solidFill>
+          <a:ln w="28575" cap="flat" cmpd="sng">
+            <a:solidFill>
+              <a:schemeClr val="dk1"/>
+            </a:solidFill>
+            <a:prstDash val="solid"/>
+            <a:round/>
+            <a:headEnd type="none" w="sm" len="sm"/>
+            <a:tailEnd type="none" w="sm" len="sm"/>
+          </a:ln>
+          <a:effectLst>
+            <a:outerShdw dist="85725" dir="3960000" algn="bl" rotWithShape="0">
+              <a:schemeClr val="dk1"/>
+            </a:outerShdw>
+          </a:effectLst>
+        </p:spPr>
+        <p:txBody>
+          <a:bodyPr spcFirstLastPara="1" wrap="square" lIns="91425" tIns="91425" rIns="91425" bIns="91425" anchor="ctr" anchorCtr="0">
+            <a:noAutofit/>
+          </a:bodyPr>
+          <a:lstStyle/>
+          <a:p>
+            <a:pPr marL="0" lvl="0" indent="0" algn="l" rtl="0">
+              <a:spcBef>
+                <a:spcPts val="0"/>
+              </a:spcBef>
+              <a:spcAft>
+                <a:spcPts val="0"/>
+              </a:spcAft>
+              <a:buNone/>
+            </a:pPr>
+            <a:endParaRPr/>
+          </a:p>
+        </p:txBody>
+      </p:sp>
+      <p:sp>
+        <p:nvSpPr>
+          <p:cNvPr id="8" name="Google Shape;948;p54">
+            <a:extLst>
+              <a:ext uri="{FF2B5EF4-FFF2-40B4-BE49-F238E27FC236}">
+                <a16:creationId xmlns:a16="http://schemas.microsoft.com/office/drawing/2014/main" id="{84C74B68-B822-7701-D63F-0AA4D63644E2}"/>
+              </a:ext>
+            </a:extLst>
+          </p:cNvPr>
+          <p:cNvSpPr txBox="1">
+            <a:spLocks/>
+          </p:cNvSpPr>
+          <p:nvPr/>
+        </p:nvSpPr>
+        <p:spPr>
+          <a:xfrm>
+            <a:off x="3212084" y="542373"/>
+            <a:ext cx="2242114" cy="816163"/>
+          </a:xfrm>
+          <a:prstGeom prst="rect">
+            <a:avLst/>
+          </a:prstGeom>
+          <a:noFill/>
+          <a:ln>
+            <a:noFill/>
+          </a:ln>
+        </p:spPr>
+        <p:txBody>
+          <a:bodyPr spcFirstLastPara="1" wrap="square" lIns="91425" tIns="91425" rIns="91425" bIns="91425" anchor="b" anchorCtr="0">
+            <a:noAutofit/>
+          </a:bodyPr>
+          <a:lstStyle>
+            <a:defPPr marR="0" lvl="0" algn="l" rtl="0">
+              <a:lnSpc>
+                <a:spcPct val="100000"/>
+              </a:lnSpc>
+              <a:spcBef>
+                <a:spcPts val="0"/>
+              </a:spcBef>
+              <a:spcAft>
+                <a:spcPts val="0"/>
+              </a:spcAft>
+            </a:defPPr>
+            <a:lvl1pPr marR="0" lvl="0" algn="ctr" rtl="0">
+              <a:lnSpc>
+                <a:spcPct val="100000"/>
+              </a:lnSpc>
+              <a:spcBef>
+                <a:spcPts val="0"/>
+              </a:spcBef>
+              <a:spcAft>
+                <a:spcPts val="0"/>
+              </a:spcAft>
+              <a:buClr>
+                <a:schemeClr val="dk1"/>
+              </a:buClr>
+              <a:buSzPts val="3000"/>
+              <a:buFont typeface="Varela Round"/>
+              <a:buNone/>
+              <a:defRPr sz="3000" b="1" i="0" u="none" strike="noStrike" cap="none">
+                <a:solidFill>
+                  <a:schemeClr val="dk1"/>
+                </a:solidFill>
+                <a:latin typeface="Varela Round"/>
+                <a:ea typeface="Varela Round"/>
+                <a:cs typeface="Varela Round"/>
+                <a:sym typeface="Varela Round"/>
+              </a:defRPr>
+            </a:lvl1pPr>
+            <a:lvl2pPr marR="0" lvl="1" algn="l" rtl="0">
+              <a:lnSpc>
+                <a:spcPct val="100000"/>
+              </a:lnSpc>
+              <a:spcBef>
+                <a:spcPts val="0"/>
+              </a:spcBef>
+              <a:spcAft>
+                <a:spcPts val="0"/>
+              </a:spcAft>
+              <a:buClr>
+                <a:schemeClr val="dk1"/>
+              </a:buClr>
+              <a:buSzPts val="3000"/>
+              <a:buFont typeface="Bebas Neue"/>
+              <a:buNone/>
+              <a:defRPr sz="3000" b="0" i="0" u="none" strike="noStrike" cap="none">
+                <a:solidFill>
+                  <a:schemeClr val="dk1"/>
+                </a:solidFill>
+                <a:latin typeface="Bebas Neue"/>
+                <a:ea typeface="Bebas Neue"/>
+                <a:cs typeface="Bebas Neue"/>
+                <a:sym typeface="Bebas Neue"/>
+              </a:defRPr>
+            </a:lvl2pPr>
+            <a:lvl3pPr marR="0" lvl="2" algn="l" rtl="0">
+              <a:lnSpc>
+                <a:spcPct val="100000"/>
+              </a:lnSpc>
+              <a:spcBef>
+                <a:spcPts val="0"/>
+              </a:spcBef>
+              <a:spcAft>
+                <a:spcPts val="0"/>
+              </a:spcAft>
+              <a:buClr>
+                <a:schemeClr val="dk1"/>
+              </a:buClr>
+              <a:buSzPts val="3000"/>
+              <a:buFont typeface="Bebas Neue"/>
+              <a:buNone/>
+              <a:defRPr sz="3000" b="0" i="0" u="none" strike="noStrike" cap="none">
+                <a:solidFill>
+                  <a:schemeClr val="dk1"/>
+                </a:solidFill>
+                <a:latin typeface="Bebas Neue"/>
+                <a:ea typeface="Bebas Neue"/>
+                <a:cs typeface="Bebas Neue"/>
+                <a:sym typeface="Bebas Neue"/>
+              </a:defRPr>
+            </a:lvl3pPr>
+            <a:lvl4pPr marR="0" lvl="3" algn="l" rtl="0">
+              <a:lnSpc>
+                <a:spcPct val="100000"/>
+              </a:lnSpc>
+              <a:spcBef>
+                <a:spcPts val="0"/>
+              </a:spcBef>
+              <a:spcAft>
+                <a:spcPts val="0"/>
+              </a:spcAft>
+              <a:buClr>
+                <a:schemeClr val="dk1"/>
+              </a:buClr>
+              <a:buSzPts val="3000"/>
+              <a:buFont typeface="Bebas Neue"/>
+              <a:buNone/>
+              <a:defRPr sz="3000" b="0" i="0" u="none" strike="noStrike" cap="none">
+                <a:solidFill>
+                  <a:schemeClr val="dk1"/>
+                </a:solidFill>
+                <a:latin typeface="Bebas Neue"/>
+                <a:ea typeface="Bebas Neue"/>
+                <a:cs typeface="Bebas Neue"/>
+                <a:sym typeface="Bebas Neue"/>
+              </a:defRPr>
+            </a:lvl4pPr>
+            <a:lvl5pPr marR="0" lvl="4" algn="l" rtl="0">
+              <a:lnSpc>
+                <a:spcPct val="100000"/>
+              </a:lnSpc>
+              <a:spcBef>
+                <a:spcPts val="0"/>
+              </a:spcBef>
+              <a:spcAft>
+                <a:spcPts val="0"/>
+              </a:spcAft>
+              <a:buClr>
+                <a:schemeClr val="dk1"/>
+              </a:buClr>
+              <a:buSzPts val="3000"/>
+              <a:buFont typeface="Bebas Neue"/>
+              <a:buNone/>
+              <a:defRPr sz="3000" b="0" i="0" u="none" strike="noStrike" cap="none">
+                <a:solidFill>
+                  <a:schemeClr val="dk1"/>
+                </a:solidFill>
+                <a:latin typeface="Bebas Neue"/>
+                <a:ea typeface="Bebas Neue"/>
+                <a:cs typeface="Bebas Neue"/>
+                <a:sym typeface="Bebas Neue"/>
+              </a:defRPr>
+            </a:lvl5pPr>
+            <a:lvl6pPr marR="0" lvl="5" algn="l" rtl="0">
+              <a:lnSpc>
+                <a:spcPct val="100000"/>
+              </a:lnSpc>
+              <a:spcBef>
+                <a:spcPts val="0"/>
+              </a:spcBef>
+              <a:spcAft>
+                <a:spcPts val="0"/>
+              </a:spcAft>
+              <a:buClr>
+                <a:schemeClr val="dk1"/>
+              </a:buClr>
+              <a:buSzPts val="3000"/>
+              <a:buFont typeface="Bebas Neue"/>
+              <a:buNone/>
+              <a:defRPr sz="3000" b="0" i="0" u="none" strike="noStrike" cap="none">
+                <a:solidFill>
+                  <a:schemeClr val="dk1"/>
+                </a:solidFill>
+                <a:latin typeface="Bebas Neue"/>
+                <a:ea typeface="Bebas Neue"/>
+                <a:cs typeface="Bebas Neue"/>
+                <a:sym typeface="Bebas Neue"/>
+              </a:defRPr>
+            </a:lvl6pPr>
+            <a:lvl7pPr marR="0" lvl="6" algn="l" rtl="0">
+              <a:lnSpc>
+                <a:spcPct val="100000"/>
+              </a:lnSpc>
+              <a:spcBef>
+                <a:spcPts val="0"/>
+              </a:spcBef>
+              <a:spcAft>
+                <a:spcPts val="0"/>
+              </a:spcAft>
+              <a:buClr>
+                <a:schemeClr val="dk1"/>
+              </a:buClr>
+              <a:buSzPts val="3000"/>
+              <a:buFont typeface="Bebas Neue"/>
+              <a:buNone/>
+              <a:defRPr sz="3000" b="0" i="0" u="none" strike="noStrike" cap="none">
+                <a:solidFill>
+                  <a:schemeClr val="dk1"/>
+                </a:solidFill>
+                <a:latin typeface="Bebas Neue"/>
+                <a:ea typeface="Bebas Neue"/>
+                <a:cs typeface="Bebas Neue"/>
+                <a:sym typeface="Bebas Neue"/>
+              </a:defRPr>
+            </a:lvl7pPr>
+            <a:lvl8pPr marR="0" lvl="7" algn="l" rtl="0">
+              <a:lnSpc>
+                <a:spcPct val="100000"/>
+              </a:lnSpc>
+              <a:spcBef>
+                <a:spcPts val="0"/>
+              </a:spcBef>
+              <a:spcAft>
+                <a:spcPts val="0"/>
+              </a:spcAft>
+              <a:buClr>
+                <a:schemeClr val="dk1"/>
+              </a:buClr>
+              <a:buSzPts val="3000"/>
+              <a:buFont typeface="Bebas Neue"/>
+              <a:buNone/>
+              <a:defRPr sz="3000" b="0" i="0" u="none" strike="noStrike" cap="none">
+                <a:solidFill>
+                  <a:schemeClr val="dk1"/>
+                </a:solidFill>
+                <a:latin typeface="Bebas Neue"/>
+                <a:ea typeface="Bebas Neue"/>
+                <a:cs typeface="Bebas Neue"/>
+                <a:sym typeface="Bebas Neue"/>
+              </a:defRPr>
+            </a:lvl8pPr>
+            <a:lvl9pPr marR="0" lvl="8" algn="l" rtl="0">
+              <a:lnSpc>
+                <a:spcPct val="100000"/>
+              </a:lnSpc>
+              <a:spcBef>
+                <a:spcPts val="0"/>
+              </a:spcBef>
+              <a:spcAft>
+                <a:spcPts val="0"/>
+              </a:spcAft>
+              <a:buClr>
+                <a:schemeClr val="dk1"/>
+              </a:buClr>
+              <a:buSzPts val="3000"/>
+              <a:buFont typeface="Bebas Neue"/>
+              <a:buNone/>
+              <a:defRPr sz="3000" b="0" i="0" u="none" strike="noStrike" cap="none">
+                <a:solidFill>
+                  <a:schemeClr val="dk1"/>
+                </a:solidFill>
+                <a:latin typeface="Bebas Neue"/>
+                <a:ea typeface="Bebas Neue"/>
+                <a:cs typeface="Bebas Neue"/>
+                <a:sym typeface="Bebas Neue"/>
+              </a:defRPr>
+            </a:lvl9pPr>
+          </a:lstStyle>
+          <a:p>
+            <a:r>
+              <a:rPr lang="fr-FR" sz="2000" b="1" i="0" dirty="0">
+                <a:effectLst/>
+                <a:latin typeface="Söhne"/>
+              </a:rPr>
+              <a:t>À partir d’un </a:t>
+            </a:r>
+            <a:r>
+              <a:rPr lang="fr-FR" sz="2000" b="1" i="0" dirty="0" err="1">
+                <a:effectLst/>
+                <a:latin typeface="Söhne"/>
+              </a:rPr>
+              <a:t>array</a:t>
+            </a:r>
+            <a:r>
+              <a:rPr lang="fr-FR" sz="2000" b="1" i="0" dirty="0">
+                <a:effectLst/>
+                <a:latin typeface="Söhne"/>
+              </a:rPr>
+              <a:t> </a:t>
+            </a:r>
+            <a:r>
+              <a:rPr lang="fr-FR" sz="2000" b="1" i="0" dirty="0" err="1">
+                <a:effectLst/>
+                <a:latin typeface="Söhne"/>
+              </a:rPr>
+              <a:t>NumPy</a:t>
+            </a:r>
+            <a:r>
+              <a:rPr lang="fr-FR" sz="2000" b="1" i="0" dirty="0">
+                <a:effectLst/>
+                <a:latin typeface="Söhne"/>
+              </a:rPr>
+              <a:t> :</a:t>
+            </a:r>
+            <a:endParaRPr lang="fr-FR" sz="2000" dirty="0"/>
+          </a:p>
+        </p:txBody>
+      </p:sp>
+      <p:pic>
+        <p:nvPicPr>
+          <p:cNvPr id="5" name="Image 4">
+            <a:extLst>
+              <a:ext uri="{FF2B5EF4-FFF2-40B4-BE49-F238E27FC236}">
+                <a16:creationId xmlns:a16="http://schemas.microsoft.com/office/drawing/2014/main" id="{C46A14E6-799B-8167-E3E3-AAB6BC5E65C6}"/>
+              </a:ext>
+            </a:extLst>
+          </p:cNvPr>
+          <p:cNvPicPr>
+            <a:picLocks noChangeAspect="1"/>
+          </p:cNvPicPr>
+          <p:nvPr/>
+        </p:nvPicPr>
+        <p:blipFill>
+          <a:blip r:embed="rId3"/>
+          <a:stretch>
+            <a:fillRect/>
+          </a:stretch>
+        </p:blipFill>
+        <p:spPr>
+          <a:xfrm>
+            <a:off x="3833077" y="3556922"/>
+            <a:ext cx="1000125" cy="1047750"/>
+          </a:xfrm>
+          <a:prstGeom prst="rect">
+            <a:avLst/>
+          </a:prstGeom>
+        </p:spPr>
+      </p:pic>
+      <p:sp>
+        <p:nvSpPr>
+          <p:cNvPr id="6" name="Flèche : bas 5">
+            <a:extLst>
+              <a:ext uri="{FF2B5EF4-FFF2-40B4-BE49-F238E27FC236}">
+                <a16:creationId xmlns:a16="http://schemas.microsoft.com/office/drawing/2014/main" id="{E0480AC5-6E2F-537E-3F0A-09582C8696B2}"/>
+              </a:ext>
+            </a:extLst>
+          </p:cNvPr>
+          <p:cNvSpPr/>
+          <p:nvPr/>
+        </p:nvSpPr>
+        <p:spPr>
+          <a:xfrm>
+            <a:off x="4082902" y="2828260"/>
+            <a:ext cx="489098" cy="584791"/>
+          </a:xfrm>
+          <a:prstGeom prst="downArrow">
+            <a:avLst/>
+          </a:prstGeom>
+          <a:solidFill>
+            <a:schemeClr val="dk1"/>
+          </a:solidFill>
+          <a:ln>
+            <a:noFill/>
+          </a:ln>
+        </p:spPr>
+        <p:style>
+          <a:lnRef idx="0">
+            <a:scrgbClr r="0" g="0" b="0"/>
+          </a:lnRef>
+          <a:fillRef idx="0">
+            <a:scrgbClr r="0" g="0" b="0"/>
+          </a:fillRef>
+          <a:effectRef idx="0">
+            <a:scrgbClr r="0" g="0" b="0"/>
+          </a:effectRef>
+          <a:fontRef idx="minor">
+            <a:schemeClr val="lt1"/>
+          </a:fontRef>
+        </p:style>
+        <p:txBody>
+          <a:bodyPr rtlCol="0" anchor="ctr"/>
+          <a:lstStyle/>
+          <a:p>
+            <a:pPr algn="ctr"/>
+            <a:endParaRPr lang="fr-FR">
+              <a:ln w="0"/>
+              <a:solidFill>
+                <a:schemeClr val="tx1"/>
+              </a:solidFill>
+              <a:effectLst>
+                <a:outerShdw blurRad="38100" dist="19050" dir="2700000" algn="tl" rotWithShape="0">
+                  <a:schemeClr val="dk1">
+                    <a:alpha val="40000"/>
+                  </a:schemeClr>
+                </a:outerShdw>
+              </a:effectLst>
+            </a:endParaRPr>
+          </a:p>
+        </p:txBody>
+      </p:sp>
+      <p:pic>
+        <p:nvPicPr>
+          <p:cNvPr id="4" name="Image 3">
+            <a:extLst>
+              <a:ext uri="{FF2B5EF4-FFF2-40B4-BE49-F238E27FC236}">
+                <a16:creationId xmlns:a16="http://schemas.microsoft.com/office/drawing/2014/main" id="{360FFC7E-400F-0694-CE2F-761F11BD6F51}"/>
+              </a:ext>
+            </a:extLst>
+          </p:cNvPr>
+          <p:cNvPicPr>
+            <a:picLocks noChangeAspect="1"/>
+          </p:cNvPicPr>
+          <p:nvPr/>
+        </p:nvPicPr>
+        <p:blipFill>
+          <a:blip r:embed="rId4"/>
+          <a:stretch>
+            <a:fillRect/>
+          </a:stretch>
+        </p:blipFill>
+        <p:spPr>
+          <a:xfrm>
+            <a:off x="1885950" y="1502407"/>
+            <a:ext cx="5372100" cy="1209675"/>
+          </a:xfrm>
+          <a:prstGeom prst="rect">
+            <a:avLst/>
+          </a:prstGeom>
+        </p:spPr>
+      </p:pic>
+    </p:spTree>
+    <p:extLst>
+      <p:ext uri="{BB962C8B-B14F-4D97-AF65-F5344CB8AC3E}">
+        <p14:creationId xmlns:p14="http://schemas.microsoft.com/office/powerpoint/2010/main" val="3993493339"/>
+      </p:ext>
+    </p:extLst>
+  </p:cSld>
+  <p:clrMapOvr>
+    <a:masterClrMapping/>
+  </p:clrMapOvr>
+</p:sld>
+</file>
+
+<file path=ppt/slides/slide27.xml><?xml version="1.0" encoding="utf-8"?>
+<p:sld xmlns:a="http://schemas.openxmlformats.org/drawingml/2006/main" xmlns:r="http://schemas.openxmlformats.org/officeDocument/2006/relationships" xmlns:p="http://schemas.openxmlformats.org/presentationml/2006/main">
+  <p:cSld>
+    <p:spTree>
+      <p:nvGrpSpPr>
+        <p:cNvPr id="1" name="Shape 945"/>
+        <p:cNvGrpSpPr/>
+        <p:nvPr/>
+      </p:nvGrpSpPr>
+      <p:grpSpPr>
+        <a:xfrm>
+          <a:off x="0" y="0"/>
+          <a:ext cx="0" cy="0"/>
+          <a:chOff x="0" y="0"/>
+          <a:chExt cx="0" cy="0"/>
+        </a:xfrm>
+      </p:grpSpPr>
+      <p:sp>
+        <p:nvSpPr>
+          <p:cNvPr id="7" name="Google Shape;946;p54">
+            <a:extLst>
+              <a:ext uri="{FF2B5EF4-FFF2-40B4-BE49-F238E27FC236}">
+                <a16:creationId xmlns:a16="http://schemas.microsoft.com/office/drawing/2014/main" id="{32FCF576-D072-76B0-16AF-46AF98856AB8}"/>
+              </a:ext>
+            </a:extLst>
+          </p:cNvPr>
+          <p:cNvSpPr/>
+          <p:nvPr/>
+        </p:nvSpPr>
+        <p:spPr>
+          <a:xfrm>
+            <a:off x="3094822" y="582474"/>
+            <a:ext cx="2476639" cy="735963"/>
+          </a:xfrm>
+          <a:prstGeom prst="roundRect">
+            <a:avLst>
+              <a:gd name="adj" fmla="val 6740"/>
+            </a:avLst>
+          </a:prstGeom>
+          <a:solidFill>
+            <a:schemeClr val="lt2"/>
+          </a:solidFill>
+          <a:ln w="28575" cap="flat" cmpd="sng">
+            <a:solidFill>
+              <a:schemeClr val="dk1"/>
+            </a:solidFill>
+            <a:prstDash val="solid"/>
+            <a:round/>
+            <a:headEnd type="none" w="sm" len="sm"/>
+            <a:tailEnd type="none" w="sm" len="sm"/>
+          </a:ln>
+          <a:effectLst>
+            <a:outerShdw dist="85725" dir="3960000" algn="bl" rotWithShape="0">
+              <a:schemeClr val="dk1"/>
+            </a:outerShdw>
+          </a:effectLst>
+        </p:spPr>
+        <p:txBody>
+          <a:bodyPr spcFirstLastPara="1" wrap="square" lIns="91425" tIns="91425" rIns="91425" bIns="91425" anchor="ctr" anchorCtr="0">
+            <a:noAutofit/>
+          </a:bodyPr>
+          <a:lstStyle/>
+          <a:p>
+            <a:pPr marL="0" lvl="0" indent="0" algn="l" rtl="0">
+              <a:spcBef>
+                <a:spcPts val="0"/>
+              </a:spcBef>
+              <a:spcAft>
+                <a:spcPts val="0"/>
+              </a:spcAft>
+              <a:buNone/>
+            </a:pPr>
+            <a:endParaRPr/>
+          </a:p>
+        </p:txBody>
+      </p:sp>
+      <p:sp>
+        <p:nvSpPr>
+          <p:cNvPr id="8" name="Google Shape;948;p54">
+            <a:extLst>
+              <a:ext uri="{FF2B5EF4-FFF2-40B4-BE49-F238E27FC236}">
+                <a16:creationId xmlns:a16="http://schemas.microsoft.com/office/drawing/2014/main" id="{84C74B68-B822-7701-D63F-0AA4D63644E2}"/>
+              </a:ext>
+            </a:extLst>
+          </p:cNvPr>
+          <p:cNvSpPr txBox="1">
+            <a:spLocks/>
+          </p:cNvSpPr>
+          <p:nvPr/>
+        </p:nvSpPr>
+        <p:spPr>
+          <a:xfrm>
+            <a:off x="3212084" y="542373"/>
+            <a:ext cx="2242114" cy="816163"/>
+          </a:xfrm>
+          <a:prstGeom prst="rect">
+            <a:avLst/>
+          </a:prstGeom>
+          <a:noFill/>
+          <a:ln>
+            <a:noFill/>
+          </a:ln>
+        </p:spPr>
+        <p:txBody>
+          <a:bodyPr spcFirstLastPara="1" wrap="square" lIns="91425" tIns="91425" rIns="91425" bIns="91425" anchor="b" anchorCtr="0">
+            <a:noAutofit/>
+          </a:bodyPr>
+          <a:lstStyle>
+            <a:defPPr marR="0" lvl="0" algn="l" rtl="0">
+              <a:lnSpc>
+                <a:spcPct val="100000"/>
+              </a:lnSpc>
+              <a:spcBef>
+                <a:spcPts val="0"/>
+              </a:spcBef>
+              <a:spcAft>
+                <a:spcPts val="0"/>
+              </a:spcAft>
+            </a:defPPr>
+            <a:lvl1pPr marR="0" lvl="0" algn="ctr" rtl="0">
+              <a:lnSpc>
+                <a:spcPct val="100000"/>
+              </a:lnSpc>
+              <a:spcBef>
+                <a:spcPts val="0"/>
+              </a:spcBef>
+              <a:spcAft>
+                <a:spcPts val="0"/>
+              </a:spcAft>
+              <a:buClr>
+                <a:schemeClr val="dk1"/>
+              </a:buClr>
+              <a:buSzPts val="3000"/>
+              <a:buFont typeface="Varela Round"/>
+              <a:buNone/>
+              <a:defRPr sz="3000" b="1" i="0" u="none" strike="noStrike" cap="none">
+                <a:solidFill>
+                  <a:schemeClr val="dk1"/>
+                </a:solidFill>
+                <a:latin typeface="Varela Round"/>
+                <a:ea typeface="Varela Round"/>
+                <a:cs typeface="Varela Round"/>
+                <a:sym typeface="Varela Round"/>
+              </a:defRPr>
+            </a:lvl1pPr>
+            <a:lvl2pPr marR="0" lvl="1" algn="l" rtl="0">
+              <a:lnSpc>
+                <a:spcPct val="100000"/>
+              </a:lnSpc>
+              <a:spcBef>
+                <a:spcPts val="0"/>
+              </a:spcBef>
+              <a:spcAft>
+                <a:spcPts val="0"/>
+              </a:spcAft>
+              <a:buClr>
+                <a:schemeClr val="dk1"/>
+              </a:buClr>
+              <a:buSzPts val="3000"/>
+              <a:buFont typeface="Bebas Neue"/>
+              <a:buNone/>
+              <a:defRPr sz="3000" b="0" i="0" u="none" strike="noStrike" cap="none">
+                <a:solidFill>
+                  <a:schemeClr val="dk1"/>
+                </a:solidFill>
+                <a:latin typeface="Bebas Neue"/>
+                <a:ea typeface="Bebas Neue"/>
+                <a:cs typeface="Bebas Neue"/>
+                <a:sym typeface="Bebas Neue"/>
+              </a:defRPr>
+            </a:lvl2pPr>
+            <a:lvl3pPr marR="0" lvl="2" algn="l" rtl="0">
+              <a:lnSpc>
+                <a:spcPct val="100000"/>
+              </a:lnSpc>
+              <a:spcBef>
+                <a:spcPts val="0"/>
+              </a:spcBef>
+              <a:spcAft>
+                <a:spcPts val="0"/>
+              </a:spcAft>
+              <a:buClr>
+                <a:schemeClr val="dk1"/>
+              </a:buClr>
+              <a:buSzPts val="3000"/>
+              <a:buFont typeface="Bebas Neue"/>
+              <a:buNone/>
+              <a:defRPr sz="3000" b="0" i="0" u="none" strike="noStrike" cap="none">
+                <a:solidFill>
+                  <a:schemeClr val="dk1"/>
+                </a:solidFill>
+                <a:latin typeface="Bebas Neue"/>
+                <a:ea typeface="Bebas Neue"/>
+                <a:cs typeface="Bebas Neue"/>
+                <a:sym typeface="Bebas Neue"/>
+              </a:defRPr>
+            </a:lvl3pPr>
+            <a:lvl4pPr marR="0" lvl="3" algn="l" rtl="0">
+              <a:lnSpc>
+                <a:spcPct val="100000"/>
+              </a:lnSpc>
+              <a:spcBef>
+                <a:spcPts val="0"/>
+              </a:spcBef>
+              <a:spcAft>
+                <a:spcPts val="0"/>
+              </a:spcAft>
+              <a:buClr>
+                <a:schemeClr val="dk1"/>
+              </a:buClr>
+              <a:buSzPts val="3000"/>
+              <a:buFont typeface="Bebas Neue"/>
+              <a:buNone/>
+              <a:defRPr sz="3000" b="0" i="0" u="none" strike="noStrike" cap="none">
+                <a:solidFill>
+                  <a:schemeClr val="dk1"/>
+                </a:solidFill>
+                <a:latin typeface="Bebas Neue"/>
+                <a:ea typeface="Bebas Neue"/>
+                <a:cs typeface="Bebas Neue"/>
+                <a:sym typeface="Bebas Neue"/>
+              </a:defRPr>
+            </a:lvl4pPr>
+            <a:lvl5pPr marR="0" lvl="4" algn="l" rtl="0">
+              <a:lnSpc>
+                <a:spcPct val="100000"/>
+              </a:lnSpc>
+              <a:spcBef>
+                <a:spcPts val="0"/>
+              </a:spcBef>
+              <a:spcAft>
+                <a:spcPts val="0"/>
+              </a:spcAft>
+              <a:buClr>
+                <a:schemeClr val="dk1"/>
+              </a:buClr>
+              <a:buSzPts val="3000"/>
+              <a:buFont typeface="Bebas Neue"/>
+              <a:buNone/>
+              <a:defRPr sz="3000" b="0" i="0" u="none" strike="noStrike" cap="none">
+                <a:solidFill>
+                  <a:schemeClr val="dk1"/>
+                </a:solidFill>
+                <a:latin typeface="Bebas Neue"/>
+                <a:ea typeface="Bebas Neue"/>
+                <a:cs typeface="Bebas Neue"/>
+                <a:sym typeface="Bebas Neue"/>
+              </a:defRPr>
+            </a:lvl5pPr>
+            <a:lvl6pPr marR="0" lvl="5" algn="l" rtl="0">
+              <a:lnSpc>
+                <a:spcPct val="100000"/>
+              </a:lnSpc>
+              <a:spcBef>
+                <a:spcPts val="0"/>
+              </a:spcBef>
+              <a:spcAft>
+                <a:spcPts val="0"/>
+              </a:spcAft>
+              <a:buClr>
+                <a:schemeClr val="dk1"/>
+              </a:buClr>
+              <a:buSzPts val="3000"/>
+              <a:buFont typeface="Bebas Neue"/>
+              <a:buNone/>
+              <a:defRPr sz="3000" b="0" i="0" u="none" strike="noStrike" cap="none">
+                <a:solidFill>
+                  <a:schemeClr val="dk1"/>
+                </a:solidFill>
+                <a:latin typeface="Bebas Neue"/>
+                <a:ea typeface="Bebas Neue"/>
+                <a:cs typeface="Bebas Neue"/>
+                <a:sym typeface="Bebas Neue"/>
+              </a:defRPr>
+            </a:lvl6pPr>
+            <a:lvl7pPr marR="0" lvl="6" algn="l" rtl="0">
+              <a:lnSpc>
+                <a:spcPct val="100000"/>
+              </a:lnSpc>
+              <a:spcBef>
+                <a:spcPts val="0"/>
+              </a:spcBef>
+              <a:spcAft>
+                <a:spcPts val="0"/>
+              </a:spcAft>
+              <a:buClr>
+                <a:schemeClr val="dk1"/>
+              </a:buClr>
+              <a:buSzPts val="3000"/>
+              <a:buFont typeface="Bebas Neue"/>
+              <a:buNone/>
+              <a:defRPr sz="3000" b="0" i="0" u="none" strike="noStrike" cap="none">
+                <a:solidFill>
+                  <a:schemeClr val="dk1"/>
+                </a:solidFill>
+                <a:latin typeface="Bebas Neue"/>
+                <a:ea typeface="Bebas Neue"/>
+                <a:cs typeface="Bebas Neue"/>
+                <a:sym typeface="Bebas Neue"/>
+              </a:defRPr>
+            </a:lvl7pPr>
+            <a:lvl8pPr marR="0" lvl="7" algn="l" rtl="0">
+              <a:lnSpc>
+                <a:spcPct val="100000"/>
+              </a:lnSpc>
+              <a:spcBef>
+                <a:spcPts val="0"/>
+              </a:spcBef>
+              <a:spcAft>
+                <a:spcPts val="0"/>
+              </a:spcAft>
+              <a:buClr>
+                <a:schemeClr val="dk1"/>
+              </a:buClr>
+              <a:buSzPts val="3000"/>
+              <a:buFont typeface="Bebas Neue"/>
+              <a:buNone/>
+              <a:defRPr sz="3000" b="0" i="0" u="none" strike="noStrike" cap="none">
+                <a:solidFill>
+                  <a:schemeClr val="dk1"/>
+                </a:solidFill>
+                <a:latin typeface="Bebas Neue"/>
+                <a:ea typeface="Bebas Neue"/>
+                <a:cs typeface="Bebas Neue"/>
+                <a:sym typeface="Bebas Neue"/>
+              </a:defRPr>
+            </a:lvl8pPr>
+            <a:lvl9pPr marR="0" lvl="8" algn="l" rtl="0">
+              <a:lnSpc>
+                <a:spcPct val="100000"/>
+              </a:lnSpc>
+              <a:spcBef>
+                <a:spcPts val="0"/>
+              </a:spcBef>
+              <a:spcAft>
+                <a:spcPts val="0"/>
+              </a:spcAft>
+              <a:buClr>
+                <a:schemeClr val="dk1"/>
+              </a:buClr>
+              <a:buSzPts val="3000"/>
+              <a:buFont typeface="Bebas Neue"/>
+              <a:buNone/>
+              <a:defRPr sz="3000" b="0" i="0" u="none" strike="noStrike" cap="none">
+                <a:solidFill>
+                  <a:schemeClr val="dk1"/>
+                </a:solidFill>
+                <a:latin typeface="Bebas Neue"/>
+                <a:ea typeface="Bebas Neue"/>
+                <a:cs typeface="Bebas Neue"/>
+                <a:sym typeface="Bebas Neue"/>
+              </a:defRPr>
+            </a:lvl9pPr>
+          </a:lstStyle>
+          <a:p>
+            <a:r>
+              <a:rPr lang="fr-FR" sz="2000" b="1" i="0" dirty="0">
+                <a:effectLst/>
+                <a:latin typeface="Söhne"/>
+              </a:rPr>
+              <a:t>À partir d’un fichier CSV </a:t>
+            </a:r>
+            <a:endParaRPr lang="fr-FR" sz="2000" dirty="0"/>
+          </a:p>
+        </p:txBody>
+      </p:sp>
+      <p:pic>
+        <p:nvPicPr>
+          <p:cNvPr id="10" name="Image 9">
+            <a:extLst>
+              <a:ext uri="{FF2B5EF4-FFF2-40B4-BE49-F238E27FC236}">
+                <a16:creationId xmlns:a16="http://schemas.microsoft.com/office/drawing/2014/main" id="{723129E0-0C89-CFBF-B27A-DCE2298C1BBF}"/>
+              </a:ext>
+            </a:extLst>
+          </p:cNvPr>
+          <p:cNvPicPr>
+            <a:picLocks noChangeAspect="1"/>
+          </p:cNvPicPr>
+          <p:nvPr/>
+        </p:nvPicPr>
+        <p:blipFill>
+          <a:blip r:embed="rId3"/>
+          <a:stretch>
+            <a:fillRect/>
+          </a:stretch>
+        </p:blipFill>
+        <p:spPr>
+          <a:xfrm>
+            <a:off x="1940909" y="1724580"/>
+            <a:ext cx="5262181" cy="2286443"/>
+          </a:xfrm>
+          <a:prstGeom prst="rect">
+            <a:avLst/>
+          </a:prstGeom>
+        </p:spPr>
+      </p:pic>
+    </p:spTree>
+    <p:extLst>
+      <p:ext uri="{BB962C8B-B14F-4D97-AF65-F5344CB8AC3E}">
+        <p14:creationId xmlns:p14="http://schemas.microsoft.com/office/powerpoint/2010/main" val="3431732216"/>
+      </p:ext>
+    </p:extLst>
+  </p:cSld>
+  <p:clrMapOvr>
+    <a:masterClrMapping/>
+  </p:clrMapOvr>
+</p:sld>
+</file>
+
+<file path=ppt/slides/slide28.xml><?xml version="1.0" encoding="utf-8"?>
+<p:sld xmlns:a="http://schemas.openxmlformats.org/drawingml/2006/main" xmlns:r="http://schemas.openxmlformats.org/officeDocument/2006/relationships" xmlns:p="http://schemas.openxmlformats.org/presentationml/2006/main">
+  <p:cSld>
+    <p:spTree>
+      <p:nvGrpSpPr>
+        <p:cNvPr id="1" name="Shape 945"/>
+        <p:cNvGrpSpPr/>
+        <p:nvPr/>
+      </p:nvGrpSpPr>
+      <p:grpSpPr>
+        <a:xfrm>
+          <a:off x="0" y="0"/>
+          <a:ext cx="0" cy="0"/>
+          <a:chOff x="0" y="0"/>
+          <a:chExt cx="0" cy="0"/>
+        </a:xfrm>
+      </p:grpSpPr>
+      <p:sp>
+        <p:nvSpPr>
+          <p:cNvPr id="7" name="Google Shape;946;p54">
+            <a:extLst>
+              <a:ext uri="{FF2B5EF4-FFF2-40B4-BE49-F238E27FC236}">
+                <a16:creationId xmlns:a16="http://schemas.microsoft.com/office/drawing/2014/main" id="{32FCF576-D072-76B0-16AF-46AF98856AB8}"/>
+              </a:ext>
+            </a:extLst>
+          </p:cNvPr>
+          <p:cNvSpPr/>
+          <p:nvPr/>
+        </p:nvSpPr>
+        <p:spPr>
+          <a:xfrm>
+            <a:off x="3094822" y="582474"/>
+            <a:ext cx="2476639" cy="735963"/>
+          </a:xfrm>
+          <a:prstGeom prst="roundRect">
+            <a:avLst>
+              <a:gd name="adj" fmla="val 6740"/>
+            </a:avLst>
+          </a:prstGeom>
+          <a:solidFill>
+            <a:schemeClr val="lt2"/>
+          </a:solidFill>
+          <a:ln w="28575" cap="flat" cmpd="sng">
+            <a:solidFill>
+              <a:schemeClr val="dk1"/>
+            </a:solidFill>
+            <a:prstDash val="solid"/>
+            <a:round/>
+            <a:headEnd type="none" w="sm" len="sm"/>
+            <a:tailEnd type="none" w="sm" len="sm"/>
+          </a:ln>
+          <a:effectLst>
+            <a:outerShdw dist="85725" dir="3960000" algn="bl" rotWithShape="0">
+              <a:schemeClr val="dk1"/>
+            </a:outerShdw>
+          </a:effectLst>
+        </p:spPr>
+        <p:txBody>
+          <a:bodyPr spcFirstLastPara="1" wrap="square" lIns="91425" tIns="91425" rIns="91425" bIns="91425" anchor="ctr" anchorCtr="0">
+            <a:noAutofit/>
+          </a:bodyPr>
+          <a:lstStyle/>
+          <a:p>
+            <a:pPr marL="0" lvl="0" indent="0" algn="l" rtl="0">
+              <a:spcBef>
+                <a:spcPts val="0"/>
+              </a:spcBef>
+              <a:spcAft>
+                <a:spcPts val="0"/>
+              </a:spcAft>
+              <a:buNone/>
+            </a:pPr>
+            <a:endParaRPr/>
+          </a:p>
+        </p:txBody>
+      </p:sp>
+      <p:sp>
+        <p:nvSpPr>
+          <p:cNvPr id="8" name="Google Shape;948;p54">
+            <a:extLst>
+              <a:ext uri="{FF2B5EF4-FFF2-40B4-BE49-F238E27FC236}">
+                <a16:creationId xmlns:a16="http://schemas.microsoft.com/office/drawing/2014/main" id="{84C74B68-B822-7701-D63F-0AA4D63644E2}"/>
+              </a:ext>
+            </a:extLst>
+          </p:cNvPr>
+          <p:cNvSpPr txBox="1">
+            <a:spLocks/>
+          </p:cNvSpPr>
+          <p:nvPr/>
+        </p:nvSpPr>
+        <p:spPr>
+          <a:xfrm>
+            <a:off x="3212084" y="542373"/>
+            <a:ext cx="2242114" cy="816163"/>
+          </a:xfrm>
+          <a:prstGeom prst="rect">
+            <a:avLst/>
+          </a:prstGeom>
+          <a:noFill/>
+          <a:ln>
+            <a:noFill/>
+          </a:ln>
+        </p:spPr>
+        <p:txBody>
+          <a:bodyPr spcFirstLastPara="1" wrap="square" lIns="91425" tIns="91425" rIns="91425" bIns="91425" anchor="b" anchorCtr="0">
+            <a:noAutofit/>
+          </a:bodyPr>
+          <a:lstStyle>
+            <a:defPPr marR="0" lvl="0" algn="l" rtl="0">
+              <a:lnSpc>
+                <a:spcPct val="100000"/>
+              </a:lnSpc>
+              <a:spcBef>
+                <a:spcPts val="0"/>
+              </a:spcBef>
+              <a:spcAft>
+                <a:spcPts val="0"/>
+              </a:spcAft>
+            </a:defPPr>
+            <a:lvl1pPr marR="0" lvl="0" algn="ctr" rtl="0">
+              <a:lnSpc>
+                <a:spcPct val="100000"/>
+              </a:lnSpc>
+              <a:spcBef>
+                <a:spcPts val="0"/>
+              </a:spcBef>
+              <a:spcAft>
+                <a:spcPts val="0"/>
+              </a:spcAft>
+              <a:buClr>
+                <a:schemeClr val="dk1"/>
+              </a:buClr>
+              <a:buSzPts val="3000"/>
+              <a:buFont typeface="Varela Round"/>
+              <a:buNone/>
+              <a:defRPr sz="3000" b="1" i="0" u="none" strike="noStrike" cap="none">
+                <a:solidFill>
+                  <a:schemeClr val="dk1"/>
+                </a:solidFill>
+                <a:latin typeface="Varela Round"/>
+                <a:ea typeface="Varela Round"/>
+                <a:cs typeface="Varela Round"/>
+                <a:sym typeface="Varela Round"/>
+              </a:defRPr>
+            </a:lvl1pPr>
+            <a:lvl2pPr marR="0" lvl="1" algn="l" rtl="0">
+              <a:lnSpc>
+                <a:spcPct val="100000"/>
+              </a:lnSpc>
+              <a:spcBef>
+                <a:spcPts val="0"/>
+              </a:spcBef>
+              <a:spcAft>
+                <a:spcPts val="0"/>
+              </a:spcAft>
+              <a:buClr>
+                <a:schemeClr val="dk1"/>
+              </a:buClr>
+              <a:buSzPts val="3000"/>
+              <a:buFont typeface="Bebas Neue"/>
+              <a:buNone/>
+              <a:defRPr sz="3000" b="0" i="0" u="none" strike="noStrike" cap="none">
+                <a:solidFill>
+                  <a:schemeClr val="dk1"/>
+                </a:solidFill>
+                <a:latin typeface="Bebas Neue"/>
+                <a:ea typeface="Bebas Neue"/>
+                <a:cs typeface="Bebas Neue"/>
+                <a:sym typeface="Bebas Neue"/>
+              </a:defRPr>
+            </a:lvl2pPr>
+            <a:lvl3pPr marR="0" lvl="2" algn="l" rtl="0">
+              <a:lnSpc>
+                <a:spcPct val="100000"/>
+              </a:lnSpc>
+              <a:spcBef>
+                <a:spcPts val="0"/>
+              </a:spcBef>
+              <a:spcAft>
+                <a:spcPts val="0"/>
+              </a:spcAft>
+              <a:buClr>
+                <a:schemeClr val="dk1"/>
+              </a:buClr>
+              <a:buSzPts val="3000"/>
+              <a:buFont typeface="Bebas Neue"/>
+              <a:buNone/>
+              <a:defRPr sz="3000" b="0" i="0" u="none" strike="noStrike" cap="none">
+                <a:solidFill>
+                  <a:schemeClr val="dk1"/>
+                </a:solidFill>
+                <a:latin typeface="Bebas Neue"/>
+                <a:ea typeface="Bebas Neue"/>
+                <a:cs typeface="Bebas Neue"/>
+                <a:sym typeface="Bebas Neue"/>
+              </a:defRPr>
+            </a:lvl3pPr>
+            <a:lvl4pPr marR="0" lvl="3" algn="l" rtl="0">
+              <a:lnSpc>
+                <a:spcPct val="100000"/>
+              </a:lnSpc>
+              <a:spcBef>
+                <a:spcPts val="0"/>
+              </a:spcBef>
+              <a:spcAft>
+                <a:spcPts val="0"/>
+              </a:spcAft>
+              <a:buClr>
+                <a:schemeClr val="dk1"/>
+              </a:buClr>
+              <a:buSzPts val="3000"/>
+              <a:buFont typeface="Bebas Neue"/>
+              <a:buNone/>
+              <a:defRPr sz="3000" b="0" i="0" u="none" strike="noStrike" cap="none">
+                <a:solidFill>
+                  <a:schemeClr val="dk1"/>
+                </a:solidFill>
+                <a:latin typeface="Bebas Neue"/>
+                <a:ea typeface="Bebas Neue"/>
+                <a:cs typeface="Bebas Neue"/>
+                <a:sym typeface="Bebas Neue"/>
+              </a:defRPr>
+            </a:lvl4pPr>
+            <a:lvl5pPr marR="0" lvl="4" algn="l" rtl="0">
+              <a:lnSpc>
+                <a:spcPct val="100000"/>
+              </a:lnSpc>
+              <a:spcBef>
+                <a:spcPts val="0"/>
+              </a:spcBef>
+              <a:spcAft>
+                <a:spcPts val="0"/>
+              </a:spcAft>
+              <a:buClr>
+                <a:schemeClr val="dk1"/>
+              </a:buClr>
+              <a:buSzPts val="3000"/>
+              <a:buFont typeface="Bebas Neue"/>
+              <a:buNone/>
+              <a:defRPr sz="3000" b="0" i="0" u="none" strike="noStrike" cap="none">
+                <a:solidFill>
+                  <a:schemeClr val="dk1"/>
+                </a:solidFill>
+                <a:latin typeface="Bebas Neue"/>
+                <a:ea typeface="Bebas Neue"/>
+                <a:cs typeface="Bebas Neue"/>
+                <a:sym typeface="Bebas Neue"/>
+              </a:defRPr>
+            </a:lvl5pPr>
+            <a:lvl6pPr marR="0" lvl="5" algn="l" rtl="0">
+              <a:lnSpc>
+                <a:spcPct val="100000"/>
+              </a:lnSpc>
+              <a:spcBef>
+                <a:spcPts val="0"/>
+              </a:spcBef>
+              <a:spcAft>
+                <a:spcPts val="0"/>
+              </a:spcAft>
+              <a:buClr>
+                <a:schemeClr val="dk1"/>
+              </a:buClr>
+              <a:buSzPts val="3000"/>
+              <a:buFont typeface="Bebas Neue"/>
+              <a:buNone/>
+              <a:defRPr sz="3000" b="0" i="0" u="none" strike="noStrike" cap="none">
+                <a:solidFill>
+                  <a:schemeClr val="dk1"/>
+                </a:solidFill>
+                <a:latin typeface="Bebas Neue"/>
+                <a:ea typeface="Bebas Neue"/>
+                <a:cs typeface="Bebas Neue"/>
+                <a:sym typeface="Bebas Neue"/>
+              </a:defRPr>
+            </a:lvl6pPr>
+            <a:lvl7pPr marR="0" lvl="6" algn="l" rtl="0">
+              <a:lnSpc>
+                <a:spcPct val="100000"/>
+              </a:lnSpc>
+              <a:spcBef>
+                <a:spcPts val="0"/>
+              </a:spcBef>
+              <a:spcAft>
+                <a:spcPts val="0"/>
+              </a:spcAft>
+              <a:buClr>
+                <a:schemeClr val="dk1"/>
+              </a:buClr>
+              <a:buSzPts val="3000"/>
+              <a:buFont typeface="Bebas Neue"/>
+              <a:buNone/>
+              <a:defRPr sz="3000" b="0" i="0" u="none" strike="noStrike" cap="none">
+                <a:solidFill>
+                  <a:schemeClr val="dk1"/>
+                </a:solidFill>
+                <a:latin typeface="Bebas Neue"/>
+                <a:ea typeface="Bebas Neue"/>
+                <a:cs typeface="Bebas Neue"/>
+                <a:sym typeface="Bebas Neue"/>
+              </a:defRPr>
+            </a:lvl7pPr>
+            <a:lvl8pPr marR="0" lvl="7" algn="l" rtl="0">
+              <a:lnSpc>
+                <a:spcPct val="100000"/>
+              </a:lnSpc>
+              <a:spcBef>
+                <a:spcPts val="0"/>
+              </a:spcBef>
+              <a:spcAft>
+                <a:spcPts val="0"/>
+              </a:spcAft>
+              <a:buClr>
+                <a:schemeClr val="dk1"/>
+              </a:buClr>
+              <a:buSzPts val="3000"/>
+              <a:buFont typeface="Bebas Neue"/>
+              <a:buNone/>
+              <a:defRPr sz="3000" b="0" i="0" u="none" strike="noStrike" cap="none">
+                <a:solidFill>
+                  <a:schemeClr val="dk1"/>
+                </a:solidFill>
+                <a:latin typeface="Bebas Neue"/>
+                <a:ea typeface="Bebas Neue"/>
+                <a:cs typeface="Bebas Neue"/>
+                <a:sym typeface="Bebas Neue"/>
+              </a:defRPr>
+            </a:lvl8pPr>
+            <a:lvl9pPr marR="0" lvl="8" algn="l" rtl="0">
+              <a:lnSpc>
+                <a:spcPct val="100000"/>
+              </a:lnSpc>
+              <a:spcBef>
+                <a:spcPts val="0"/>
+              </a:spcBef>
+              <a:spcAft>
+                <a:spcPts val="0"/>
+              </a:spcAft>
+              <a:buClr>
+                <a:schemeClr val="dk1"/>
+              </a:buClr>
+              <a:buSzPts val="3000"/>
+              <a:buFont typeface="Bebas Neue"/>
+              <a:buNone/>
+              <a:defRPr sz="3000" b="0" i="0" u="none" strike="noStrike" cap="none">
+                <a:solidFill>
+                  <a:schemeClr val="dk1"/>
+                </a:solidFill>
+                <a:latin typeface="Bebas Neue"/>
+                <a:ea typeface="Bebas Neue"/>
+                <a:cs typeface="Bebas Neue"/>
+                <a:sym typeface="Bebas Neue"/>
+              </a:defRPr>
+            </a:lvl9pPr>
+          </a:lstStyle>
+          <a:p>
+            <a:r>
+              <a:rPr lang="fr-FR" sz="2000" b="1" i="0" dirty="0">
+                <a:effectLst/>
+                <a:latin typeface="Söhne"/>
+              </a:rPr>
+              <a:t>À partir d’un fichier JSON </a:t>
+            </a:r>
+            <a:endParaRPr lang="fr-FR" sz="2000" dirty="0"/>
+          </a:p>
+        </p:txBody>
+      </p:sp>
+      <p:pic>
+        <p:nvPicPr>
+          <p:cNvPr id="10" name="Image 9">
+            <a:extLst>
+              <a:ext uri="{FF2B5EF4-FFF2-40B4-BE49-F238E27FC236}">
+                <a16:creationId xmlns:a16="http://schemas.microsoft.com/office/drawing/2014/main" id="{723129E0-0C89-CFBF-B27A-DCE2298C1BBF}"/>
+              </a:ext>
+            </a:extLst>
+          </p:cNvPr>
+          <p:cNvPicPr>
+            <a:picLocks noChangeAspect="1"/>
+          </p:cNvPicPr>
+          <p:nvPr/>
+        </p:nvPicPr>
+        <p:blipFill>
+          <a:blip r:embed="rId3"/>
+          <a:stretch>
+            <a:fillRect/>
+          </a:stretch>
+        </p:blipFill>
+        <p:spPr>
+          <a:xfrm>
+            <a:off x="1940909" y="1724580"/>
+            <a:ext cx="5262181" cy="2286443"/>
+          </a:xfrm>
+          <a:prstGeom prst="rect">
+            <a:avLst/>
+          </a:prstGeom>
+        </p:spPr>
+      </p:pic>
+    </p:spTree>
+    <p:extLst>
+      <p:ext uri="{BB962C8B-B14F-4D97-AF65-F5344CB8AC3E}">
+        <p14:creationId xmlns:p14="http://schemas.microsoft.com/office/powerpoint/2010/main" val="1742330945"/>
+      </p:ext>
+    </p:extLst>
+  </p:cSld>
+  <p:clrMapOvr>
+    <a:masterClrMapping/>
+  </p:clrMapOvr>
+</p:sld>
+</file>
+
+<file path=ppt/slides/slide29.xml><?xml version="1.0" encoding="utf-8"?>
+<p:sld xmlns:a="http://schemas.openxmlformats.org/drawingml/2006/main" xmlns:r="http://schemas.openxmlformats.org/officeDocument/2006/relationships" xmlns:p="http://schemas.openxmlformats.org/presentationml/2006/main">
+  <p:cSld>
+    <p:spTree>
+      <p:nvGrpSpPr>
+        <p:cNvPr id="1" name="Shape 945"/>
+        <p:cNvGrpSpPr/>
+        <p:nvPr/>
+      </p:nvGrpSpPr>
+      <p:grpSpPr>
+        <a:xfrm>
+          <a:off x="0" y="0"/>
+          <a:ext cx="0" cy="0"/>
+          <a:chOff x="0" y="0"/>
+          <a:chExt cx="0" cy="0"/>
+        </a:xfrm>
+      </p:grpSpPr>
+      <p:sp>
+        <p:nvSpPr>
+          <p:cNvPr id="7" name="Google Shape;946;p54">
+            <a:extLst>
+              <a:ext uri="{FF2B5EF4-FFF2-40B4-BE49-F238E27FC236}">
+                <a16:creationId xmlns:a16="http://schemas.microsoft.com/office/drawing/2014/main" id="{32FCF576-D072-76B0-16AF-46AF98856AB8}"/>
+              </a:ext>
+            </a:extLst>
+          </p:cNvPr>
+          <p:cNvSpPr/>
+          <p:nvPr/>
+        </p:nvSpPr>
+        <p:spPr>
+          <a:xfrm>
+            <a:off x="3094822" y="582474"/>
+            <a:ext cx="2476639" cy="735963"/>
+          </a:xfrm>
+          <a:prstGeom prst="roundRect">
+            <a:avLst>
+              <a:gd name="adj" fmla="val 6740"/>
+            </a:avLst>
+          </a:prstGeom>
+          <a:solidFill>
+            <a:schemeClr val="lt2"/>
+          </a:solidFill>
+          <a:ln w="28575" cap="flat" cmpd="sng">
+            <a:solidFill>
+              <a:schemeClr val="dk1"/>
+            </a:solidFill>
+            <a:prstDash val="solid"/>
+            <a:round/>
+            <a:headEnd type="none" w="sm" len="sm"/>
+            <a:tailEnd type="none" w="sm" len="sm"/>
+          </a:ln>
+          <a:effectLst>
+            <a:outerShdw dist="85725" dir="3960000" algn="bl" rotWithShape="0">
+              <a:schemeClr val="dk1"/>
+            </a:outerShdw>
+          </a:effectLst>
+        </p:spPr>
+        <p:txBody>
+          <a:bodyPr spcFirstLastPara="1" wrap="square" lIns="91425" tIns="91425" rIns="91425" bIns="91425" anchor="ctr" anchorCtr="0">
+            <a:noAutofit/>
+          </a:bodyPr>
+          <a:lstStyle/>
+          <a:p>
+            <a:pPr marL="0" lvl="0" indent="0" algn="l" rtl="0">
+              <a:spcBef>
+                <a:spcPts val="0"/>
+              </a:spcBef>
+              <a:spcAft>
+                <a:spcPts val="0"/>
+              </a:spcAft>
+              <a:buNone/>
+            </a:pPr>
+            <a:endParaRPr/>
+          </a:p>
+        </p:txBody>
+      </p:sp>
+      <p:sp>
+        <p:nvSpPr>
+          <p:cNvPr id="8" name="Google Shape;948;p54">
+            <a:extLst>
+              <a:ext uri="{FF2B5EF4-FFF2-40B4-BE49-F238E27FC236}">
+                <a16:creationId xmlns:a16="http://schemas.microsoft.com/office/drawing/2014/main" id="{84C74B68-B822-7701-D63F-0AA4D63644E2}"/>
+              </a:ext>
+            </a:extLst>
+          </p:cNvPr>
+          <p:cNvSpPr txBox="1">
+            <a:spLocks/>
+          </p:cNvSpPr>
+          <p:nvPr/>
+        </p:nvSpPr>
+        <p:spPr>
+          <a:xfrm>
+            <a:off x="3212084" y="542373"/>
+            <a:ext cx="2242114" cy="816163"/>
+          </a:xfrm>
+          <a:prstGeom prst="rect">
+            <a:avLst/>
+          </a:prstGeom>
+          <a:noFill/>
+          <a:ln>
+            <a:noFill/>
+          </a:ln>
+        </p:spPr>
+        <p:txBody>
+          <a:bodyPr spcFirstLastPara="1" wrap="square" lIns="91425" tIns="91425" rIns="91425" bIns="91425" anchor="b" anchorCtr="0">
+            <a:noAutofit/>
+          </a:bodyPr>
+          <a:lstStyle>
+            <a:defPPr marR="0" lvl="0" algn="l" rtl="0">
+              <a:lnSpc>
+                <a:spcPct val="100000"/>
+              </a:lnSpc>
+              <a:spcBef>
+                <a:spcPts val="0"/>
+              </a:spcBef>
+              <a:spcAft>
+                <a:spcPts val="0"/>
+              </a:spcAft>
+            </a:defPPr>
+            <a:lvl1pPr marR="0" lvl="0" algn="ctr" rtl="0">
+              <a:lnSpc>
+                <a:spcPct val="100000"/>
+              </a:lnSpc>
+              <a:spcBef>
+                <a:spcPts val="0"/>
+              </a:spcBef>
+              <a:spcAft>
+                <a:spcPts val="0"/>
+              </a:spcAft>
+              <a:buClr>
+                <a:schemeClr val="dk1"/>
+              </a:buClr>
+              <a:buSzPts val="3000"/>
+              <a:buFont typeface="Varela Round"/>
+              <a:buNone/>
+              <a:defRPr sz="3000" b="1" i="0" u="none" strike="noStrike" cap="none">
+                <a:solidFill>
+                  <a:schemeClr val="dk1"/>
+                </a:solidFill>
+                <a:latin typeface="Varela Round"/>
+                <a:ea typeface="Varela Round"/>
+                <a:cs typeface="Varela Round"/>
+                <a:sym typeface="Varela Round"/>
+              </a:defRPr>
+            </a:lvl1pPr>
+            <a:lvl2pPr marR="0" lvl="1" algn="l" rtl="0">
+              <a:lnSpc>
+                <a:spcPct val="100000"/>
+              </a:lnSpc>
+              <a:spcBef>
+                <a:spcPts val="0"/>
+              </a:spcBef>
+              <a:spcAft>
+                <a:spcPts val="0"/>
+              </a:spcAft>
+              <a:buClr>
+                <a:schemeClr val="dk1"/>
+              </a:buClr>
+              <a:buSzPts val="3000"/>
+              <a:buFont typeface="Bebas Neue"/>
+              <a:buNone/>
+              <a:defRPr sz="3000" b="0" i="0" u="none" strike="noStrike" cap="none">
+                <a:solidFill>
+                  <a:schemeClr val="dk1"/>
+                </a:solidFill>
+                <a:latin typeface="Bebas Neue"/>
+                <a:ea typeface="Bebas Neue"/>
+                <a:cs typeface="Bebas Neue"/>
+                <a:sym typeface="Bebas Neue"/>
+              </a:defRPr>
+            </a:lvl2pPr>
+            <a:lvl3pPr marR="0" lvl="2" algn="l" rtl="0">
+              <a:lnSpc>
+                <a:spcPct val="100000"/>
+              </a:lnSpc>
+              <a:spcBef>
+                <a:spcPts val="0"/>
+              </a:spcBef>
+              <a:spcAft>
+                <a:spcPts val="0"/>
+              </a:spcAft>
+              <a:buClr>
+                <a:schemeClr val="dk1"/>
+              </a:buClr>
+              <a:buSzPts val="3000"/>
+              <a:buFont typeface="Bebas Neue"/>
+              <a:buNone/>
+              <a:defRPr sz="3000" b="0" i="0" u="none" strike="noStrike" cap="none">
+                <a:solidFill>
+                  <a:schemeClr val="dk1"/>
+                </a:solidFill>
+                <a:latin typeface="Bebas Neue"/>
+                <a:ea typeface="Bebas Neue"/>
+                <a:cs typeface="Bebas Neue"/>
+                <a:sym typeface="Bebas Neue"/>
+              </a:defRPr>
+            </a:lvl3pPr>
+            <a:lvl4pPr marR="0" lvl="3" algn="l" rtl="0">
+              <a:lnSpc>
+                <a:spcPct val="100000"/>
+              </a:lnSpc>
+              <a:spcBef>
+                <a:spcPts val="0"/>
+              </a:spcBef>
+              <a:spcAft>
+                <a:spcPts val="0"/>
+              </a:spcAft>
+              <a:buClr>
+                <a:schemeClr val="dk1"/>
+              </a:buClr>
+              <a:buSzPts val="3000"/>
+              <a:buFont typeface="Bebas Neue"/>
+              <a:buNone/>
+              <a:defRPr sz="3000" b="0" i="0" u="none" strike="noStrike" cap="none">
+                <a:solidFill>
+                  <a:schemeClr val="dk1"/>
+                </a:solidFill>
+                <a:latin typeface="Bebas Neue"/>
+                <a:ea typeface="Bebas Neue"/>
+                <a:cs typeface="Bebas Neue"/>
+                <a:sym typeface="Bebas Neue"/>
+              </a:defRPr>
+            </a:lvl4pPr>
+            <a:lvl5pPr marR="0" lvl="4" algn="l" rtl="0">
+              <a:lnSpc>
+                <a:spcPct val="100000"/>
+              </a:lnSpc>
+              <a:spcBef>
+                <a:spcPts val="0"/>
+              </a:spcBef>
+              <a:spcAft>
+                <a:spcPts val="0"/>
+              </a:spcAft>
+              <a:buClr>
+                <a:schemeClr val="dk1"/>
+              </a:buClr>
+              <a:buSzPts val="3000"/>
+              <a:buFont typeface="Bebas Neue"/>
+              <a:buNone/>
+              <a:defRPr sz="3000" b="0" i="0" u="none" strike="noStrike" cap="none">
+                <a:solidFill>
+                  <a:schemeClr val="dk1"/>
+                </a:solidFill>
+                <a:latin typeface="Bebas Neue"/>
+                <a:ea typeface="Bebas Neue"/>
+                <a:cs typeface="Bebas Neue"/>
+                <a:sym typeface="Bebas Neue"/>
+              </a:defRPr>
+            </a:lvl5pPr>
+            <a:lvl6pPr marR="0" lvl="5" algn="l" rtl="0">
+              <a:lnSpc>
+                <a:spcPct val="100000"/>
+              </a:lnSpc>
+              <a:spcBef>
+                <a:spcPts val="0"/>
+              </a:spcBef>
+              <a:spcAft>
+                <a:spcPts val="0"/>
+              </a:spcAft>
+              <a:buClr>
+                <a:schemeClr val="dk1"/>
+              </a:buClr>
+              <a:buSzPts val="3000"/>
+              <a:buFont typeface="Bebas Neue"/>
+              <a:buNone/>
+              <a:defRPr sz="3000" b="0" i="0" u="none" strike="noStrike" cap="none">
+                <a:solidFill>
+                  <a:schemeClr val="dk1"/>
+                </a:solidFill>
+                <a:latin typeface="Bebas Neue"/>
+                <a:ea typeface="Bebas Neue"/>
+                <a:cs typeface="Bebas Neue"/>
+                <a:sym typeface="Bebas Neue"/>
+              </a:defRPr>
+            </a:lvl6pPr>
+            <a:lvl7pPr marR="0" lvl="6" algn="l" rtl="0">
+              <a:lnSpc>
+                <a:spcPct val="100000"/>
+              </a:lnSpc>
+              <a:spcBef>
+                <a:spcPts val="0"/>
+              </a:spcBef>
+              <a:spcAft>
+                <a:spcPts val="0"/>
+              </a:spcAft>
+              <a:buClr>
+                <a:schemeClr val="dk1"/>
+              </a:buClr>
+              <a:buSzPts val="3000"/>
+              <a:buFont typeface="Bebas Neue"/>
+              <a:buNone/>
+              <a:defRPr sz="3000" b="0" i="0" u="none" strike="noStrike" cap="none">
+                <a:solidFill>
+                  <a:schemeClr val="dk1"/>
+                </a:solidFill>
+                <a:latin typeface="Bebas Neue"/>
+                <a:ea typeface="Bebas Neue"/>
+                <a:cs typeface="Bebas Neue"/>
+                <a:sym typeface="Bebas Neue"/>
+              </a:defRPr>
+            </a:lvl7pPr>
+            <a:lvl8pPr marR="0" lvl="7" algn="l" rtl="0">
+              <a:lnSpc>
+                <a:spcPct val="100000"/>
+              </a:lnSpc>
+              <a:spcBef>
+                <a:spcPts val="0"/>
+              </a:spcBef>
+              <a:spcAft>
+                <a:spcPts val="0"/>
+              </a:spcAft>
+              <a:buClr>
+                <a:schemeClr val="dk1"/>
+              </a:buClr>
+              <a:buSzPts val="3000"/>
+              <a:buFont typeface="Bebas Neue"/>
+              <a:buNone/>
+              <a:defRPr sz="3000" b="0" i="0" u="none" strike="noStrike" cap="none">
+                <a:solidFill>
+                  <a:schemeClr val="dk1"/>
+                </a:solidFill>
+                <a:latin typeface="Bebas Neue"/>
+                <a:ea typeface="Bebas Neue"/>
+                <a:cs typeface="Bebas Neue"/>
+                <a:sym typeface="Bebas Neue"/>
+              </a:defRPr>
+            </a:lvl8pPr>
+            <a:lvl9pPr marR="0" lvl="8" algn="l" rtl="0">
+              <a:lnSpc>
+                <a:spcPct val="100000"/>
+              </a:lnSpc>
+              <a:spcBef>
+                <a:spcPts val="0"/>
+              </a:spcBef>
+              <a:spcAft>
+                <a:spcPts val="0"/>
+              </a:spcAft>
+              <a:buClr>
+                <a:schemeClr val="dk1"/>
+              </a:buClr>
+              <a:buSzPts val="3000"/>
+              <a:buFont typeface="Bebas Neue"/>
+              <a:buNone/>
+              <a:defRPr sz="3000" b="0" i="0" u="none" strike="noStrike" cap="none">
+                <a:solidFill>
+                  <a:schemeClr val="dk1"/>
+                </a:solidFill>
+                <a:latin typeface="Bebas Neue"/>
+                <a:ea typeface="Bebas Neue"/>
+                <a:cs typeface="Bebas Neue"/>
+                <a:sym typeface="Bebas Neue"/>
+              </a:defRPr>
+            </a:lvl9pPr>
+          </a:lstStyle>
+          <a:p>
+            <a:r>
+              <a:rPr lang="fr-FR" sz="2000" b="1" i="0" dirty="0">
+                <a:effectLst/>
+                <a:latin typeface="Söhne"/>
+              </a:rPr>
+              <a:t>À partir d’une base de données </a:t>
+            </a:r>
+            <a:endParaRPr lang="fr-FR" sz="2000" dirty="0"/>
+          </a:p>
+        </p:txBody>
+      </p:sp>
+      <p:pic>
+        <p:nvPicPr>
+          <p:cNvPr id="5" name="Image 4">
+            <a:extLst>
+              <a:ext uri="{FF2B5EF4-FFF2-40B4-BE49-F238E27FC236}">
+                <a16:creationId xmlns:a16="http://schemas.microsoft.com/office/drawing/2014/main" id="{810CBA48-61D8-81DB-783A-D244B291F003}"/>
+              </a:ext>
+            </a:extLst>
+          </p:cNvPr>
+          <p:cNvPicPr>
+            <a:picLocks noChangeAspect="1"/>
+          </p:cNvPicPr>
+          <p:nvPr/>
+        </p:nvPicPr>
+        <p:blipFill rotWithShape="1">
+          <a:blip r:embed="rId3"/>
+          <a:srcRect l="2456" t="5172" r="3422"/>
+          <a:stretch/>
+        </p:blipFill>
+        <p:spPr>
+          <a:xfrm>
+            <a:off x="1956390" y="1998921"/>
+            <a:ext cx="5178057" cy="2434512"/>
+          </a:xfrm>
+          <a:prstGeom prst="rect">
+            <a:avLst/>
+          </a:prstGeom>
+        </p:spPr>
+      </p:pic>
+    </p:spTree>
+    <p:extLst>
+      <p:ext uri="{BB962C8B-B14F-4D97-AF65-F5344CB8AC3E}">
+        <p14:creationId xmlns:p14="http://schemas.microsoft.com/office/powerpoint/2010/main" val="2879894137"/>
+      </p:ext>
+    </p:extLst>
+  </p:cSld>
+  <p:clrMapOvr>
+    <a:masterClrMapping/>
+  </p:clrMapOvr>
+</p:sld>
+</file>
+
 <file path=ppt/slides/slide3.xml><?xml version="1.0" encoding="utf-8"?>
 <p:sld xmlns:a="http://schemas.openxmlformats.org/drawingml/2006/main" xmlns:r="http://schemas.openxmlformats.org/officeDocument/2006/relationships" xmlns:p="http://schemas.openxmlformats.org/presentationml/2006/main">
   <p:cSld>
@@ -24965,6 +29944,3717 @@
     <p:extLst>
       <p:ext uri="{BB962C8B-B14F-4D97-AF65-F5344CB8AC3E}">
         <p14:creationId xmlns:p14="http://schemas.microsoft.com/office/powerpoint/2010/main" val="2064259915"/>
+      </p:ext>
+    </p:extLst>
+  </p:cSld>
+  <p:clrMapOvr>
+    <a:masterClrMapping/>
+  </p:clrMapOvr>
+</p:sld>
+</file>
+
+<file path=ppt/slides/slide30.xml><?xml version="1.0" encoding="utf-8"?>
+<p:sld xmlns:a="http://schemas.openxmlformats.org/drawingml/2006/main" xmlns:r="http://schemas.openxmlformats.org/officeDocument/2006/relationships" xmlns:p="http://schemas.openxmlformats.org/presentationml/2006/main">
+  <p:cSld>
+    <p:spTree>
+      <p:nvGrpSpPr>
+        <p:cNvPr id="1" name="Shape 506"/>
+        <p:cNvGrpSpPr/>
+        <p:nvPr/>
+      </p:nvGrpSpPr>
+      <p:grpSpPr>
+        <a:xfrm>
+          <a:off x="0" y="0"/>
+          <a:ext cx="0" cy="0"/>
+          <a:chOff x="0" y="0"/>
+          <a:chExt cx="0" cy="0"/>
+        </a:xfrm>
+      </p:grpSpPr>
+      <p:pic>
+        <p:nvPicPr>
+          <p:cNvPr id="507" name="Google Shape;507;p35"/>
+          <p:cNvPicPr preferRelativeResize="0"/>
+          <p:nvPr/>
+        </p:nvPicPr>
+        <p:blipFill rotWithShape="1">
+          <a:blip r:embed="rId3">
+            <a:alphaModFix amt="72000"/>
+          </a:blip>
+          <a:srcRect l="18989" t="2061" r="1291" b="2070"/>
+          <a:stretch/>
+        </p:blipFill>
+        <p:spPr>
+          <a:xfrm>
+            <a:off x="4532825" y="1483952"/>
+            <a:ext cx="3569400" cy="2829600"/>
+          </a:xfrm>
+          <a:prstGeom prst="roundRect">
+            <a:avLst>
+              <a:gd name="adj" fmla="val 4744"/>
+            </a:avLst>
+          </a:prstGeom>
+          <a:noFill/>
+          <a:ln w="28575" cap="flat" cmpd="sng">
+            <a:solidFill>
+              <a:schemeClr val="dk1"/>
+            </a:solidFill>
+            <a:prstDash val="solid"/>
+            <a:round/>
+            <a:headEnd type="none" w="sm" len="sm"/>
+            <a:tailEnd type="none" w="sm" len="sm"/>
+          </a:ln>
+        </p:spPr>
+      </p:pic>
+      <p:grpSp>
+        <p:nvGrpSpPr>
+          <p:cNvPr id="508" name="Google Shape;508;p35"/>
+          <p:cNvGrpSpPr/>
+          <p:nvPr/>
+        </p:nvGrpSpPr>
+        <p:grpSpPr>
+          <a:xfrm>
+            <a:off x="462238" y="1118895"/>
+            <a:ext cx="1547936" cy="1172018"/>
+            <a:chOff x="1556995" y="948473"/>
+            <a:chExt cx="1797000" cy="1360597"/>
+          </a:xfrm>
+        </p:grpSpPr>
+        <p:sp>
+          <p:nvSpPr>
+            <p:cNvPr id="509" name="Google Shape;509;p35"/>
+            <p:cNvSpPr/>
+            <p:nvPr/>
+          </p:nvSpPr>
+          <p:spPr>
+            <a:xfrm>
+              <a:off x="1556995" y="948473"/>
+              <a:ext cx="851400" cy="996300"/>
+            </a:xfrm>
+            <a:prstGeom prst="roundRect">
+              <a:avLst>
+                <a:gd name="adj" fmla="val 6278"/>
+              </a:avLst>
+            </a:prstGeom>
+            <a:solidFill>
+              <a:srgbClr val="F6F2E3"/>
+            </a:solidFill>
+            <a:ln w="28575" cap="flat" cmpd="sng">
+              <a:solidFill>
+                <a:schemeClr val="dk1"/>
+              </a:solidFill>
+              <a:prstDash val="solid"/>
+              <a:round/>
+              <a:headEnd type="none" w="sm" len="sm"/>
+              <a:tailEnd type="none" w="sm" len="sm"/>
+            </a:ln>
+          </p:spPr>
+          <p:txBody>
+            <a:bodyPr spcFirstLastPara="1" wrap="square" lIns="91425" tIns="91425" rIns="91425" bIns="91425" anchor="ctr" anchorCtr="0">
+              <a:noAutofit/>
+            </a:bodyPr>
+            <a:lstStyle/>
+            <a:p>
+              <a:pPr marL="0" lvl="0" indent="0" algn="l" rtl="0">
+                <a:spcBef>
+                  <a:spcPts val="0"/>
+                </a:spcBef>
+                <a:spcAft>
+                  <a:spcPts val="0"/>
+                </a:spcAft>
+                <a:buNone/>
+              </a:pPr>
+              <a:endParaRPr/>
+            </a:p>
+          </p:txBody>
+        </p:sp>
+        <p:sp>
+          <p:nvSpPr>
+            <p:cNvPr id="510" name="Google Shape;510;p35"/>
+            <p:cNvSpPr/>
+            <p:nvPr/>
+          </p:nvSpPr>
+          <p:spPr>
+            <a:xfrm>
+              <a:off x="1556995" y="1147170"/>
+              <a:ext cx="1797000" cy="1161900"/>
+            </a:xfrm>
+            <a:prstGeom prst="roundRect">
+              <a:avLst>
+                <a:gd name="adj" fmla="val 5762"/>
+              </a:avLst>
+            </a:prstGeom>
+            <a:solidFill>
+              <a:srgbClr val="F6F2E3"/>
+            </a:solidFill>
+            <a:ln w="28575" cap="flat" cmpd="sng">
+              <a:solidFill>
+                <a:schemeClr val="dk1"/>
+              </a:solidFill>
+              <a:prstDash val="solid"/>
+              <a:round/>
+              <a:headEnd type="none" w="sm" len="sm"/>
+              <a:tailEnd type="none" w="sm" len="sm"/>
+            </a:ln>
+            <a:effectLst>
+              <a:outerShdw dist="57150" dir="2940000" algn="bl" rotWithShape="0">
+                <a:schemeClr val="dk1"/>
+              </a:outerShdw>
+            </a:effectLst>
+          </p:spPr>
+          <p:txBody>
+            <a:bodyPr spcFirstLastPara="1" wrap="square" lIns="91425" tIns="91425" rIns="91425" bIns="91425" anchor="ctr" anchorCtr="0">
+              <a:noAutofit/>
+            </a:bodyPr>
+            <a:lstStyle/>
+            <a:p>
+              <a:pPr marL="0" lvl="0" indent="0" algn="l" rtl="0">
+                <a:spcBef>
+                  <a:spcPts val="0"/>
+                </a:spcBef>
+                <a:spcAft>
+                  <a:spcPts val="0"/>
+                </a:spcAft>
+                <a:buNone/>
+              </a:pPr>
+              <a:endParaRPr/>
+            </a:p>
+          </p:txBody>
+        </p:sp>
+      </p:grpSp>
+      <p:sp>
+        <p:nvSpPr>
+          <p:cNvPr id="511" name="Google Shape;511;p35"/>
+          <p:cNvSpPr txBox="1">
+            <a:spLocks noGrp="1"/>
+          </p:cNvSpPr>
+          <p:nvPr>
+            <p:ph type="title" idx="2"/>
+          </p:nvPr>
+        </p:nvSpPr>
+        <p:spPr>
+          <a:xfrm>
+            <a:off x="403125" y="1384975"/>
+            <a:ext cx="1666200" cy="841800"/>
+          </a:xfrm>
+          <a:prstGeom prst="rect">
+            <a:avLst/>
+          </a:prstGeom>
+        </p:spPr>
+        <p:txBody>
+          <a:bodyPr spcFirstLastPara="1" wrap="square" lIns="91425" tIns="91425" rIns="91425" bIns="91425" anchor="ctr" anchorCtr="0">
+            <a:noAutofit/>
+          </a:bodyPr>
+          <a:lstStyle/>
+          <a:p>
+            <a:pPr marL="0" lvl="0" indent="0" algn="ctr" rtl="0">
+              <a:spcBef>
+                <a:spcPts val="0"/>
+              </a:spcBef>
+              <a:spcAft>
+                <a:spcPts val="0"/>
+              </a:spcAft>
+              <a:buNone/>
+            </a:pPr>
+            <a:r>
+              <a:rPr lang="en" dirty="0"/>
+              <a:t>05</a:t>
+            </a:r>
+            <a:endParaRPr dirty="0"/>
+          </a:p>
+        </p:txBody>
+      </p:sp>
+      <p:sp>
+        <p:nvSpPr>
+          <p:cNvPr id="512" name="Google Shape;512;p35"/>
+          <p:cNvSpPr/>
+          <p:nvPr/>
+        </p:nvSpPr>
+        <p:spPr>
+          <a:xfrm>
+            <a:off x="818706" y="2537937"/>
+            <a:ext cx="3418510" cy="1289784"/>
+          </a:xfrm>
+          <a:prstGeom prst="roundRect">
+            <a:avLst>
+              <a:gd name="adj" fmla="val 6740"/>
+            </a:avLst>
+          </a:prstGeom>
+          <a:solidFill>
+            <a:schemeClr val="lt2"/>
+          </a:solidFill>
+          <a:ln w="28575" cap="flat" cmpd="sng">
+            <a:solidFill>
+              <a:schemeClr val="dk1"/>
+            </a:solidFill>
+            <a:prstDash val="solid"/>
+            <a:round/>
+            <a:headEnd type="none" w="sm" len="sm"/>
+            <a:tailEnd type="none" w="sm" len="sm"/>
+          </a:ln>
+          <a:effectLst>
+            <a:outerShdw dist="85725" dir="3960000" algn="bl" rotWithShape="0">
+              <a:schemeClr val="dk1"/>
+            </a:outerShdw>
+          </a:effectLst>
+        </p:spPr>
+        <p:txBody>
+          <a:bodyPr spcFirstLastPara="1" wrap="square" lIns="91425" tIns="91425" rIns="91425" bIns="91425" anchor="ctr" anchorCtr="0">
+            <a:noAutofit/>
+          </a:bodyPr>
+          <a:lstStyle/>
+          <a:p>
+            <a:pPr marL="0" lvl="0" indent="0" algn="l" rtl="0">
+              <a:spcBef>
+                <a:spcPts val="0"/>
+              </a:spcBef>
+              <a:spcAft>
+                <a:spcPts val="0"/>
+              </a:spcAft>
+              <a:buNone/>
+            </a:pPr>
+            <a:endParaRPr/>
+          </a:p>
+        </p:txBody>
+      </p:sp>
+      <p:sp>
+        <p:nvSpPr>
+          <p:cNvPr id="513" name="Google Shape;513;p35"/>
+          <p:cNvSpPr txBox="1">
+            <a:spLocks noGrp="1"/>
+          </p:cNvSpPr>
+          <p:nvPr>
+            <p:ph type="title"/>
+          </p:nvPr>
+        </p:nvSpPr>
+        <p:spPr>
+          <a:xfrm>
+            <a:off x="781348" y="2629380"/>
+            <a:ext cx="3455868" cy="1069500"/>
+          </a:xfrm>
+          <a:prstGeom prst="rect">
+            <a:avLst/>
+          </a:prstGeom>
+        </p:spPr>
+        <p:txBody>
+          <a:bodyPr spcFirstLastPara="1" wrap="square" lIns="91425" tIns="91425" rIns="91425" bIns="91425" anchor="ctr" anchorCtr="0">
+            <a:noAutofit/>
+          </a:bodyPr>
+          <a:lstStyle/>
+          <a:p>
+            <a:pPr marL="0" lvl="0" indent="0" algn="ctr" rtl="0">
+              <a:spcBef>
+                <a:spcPts val="0"/>
+              </a:spcBef>
+              <a:spcAft>
+                <a:spcPts val="0"/>
+              </a:spcAft>
+              <a:buNone/>
+            </a:pPr>
+            <a:r>
+              <a:rPr lang="fr-FR" sz="2400" dirty="0"/>
+              <a:t>Explorer et transformer un </a:t>
+            </a:r>
+            <a:r>
+              <a:rPr lang="fr-FR" sz="2400" dirty="0" err="1"/>
+              <a:t>DataFrame</a:t>
+            </a:r>
+            <a:endParaRPr lang="fr-FR" sz="2400" dirty="0"/>
+          </a:p>
+        </p:txBody>
+      </p:sp>
+    </p:spTree>
+    <p:extLst>
+      <p:ext uri="{BB962C8B-B14F-4D97-AF65-F5344CB8AC3E}">
+        <p14:creationId xmlns:p14="http://schemas.microsoft.com/office/powerpoint/2010/main" val="3329714360"/>
+      </p:ext>
+    </p:extLst>
+  </p:cSld>
+  <p:clrMapOvr>
+    <a:masterClrMapping/>
+  </p:clrMapOvr>
+</p:sld>
+</file>
+
+<file path=ppt/slides/slide31.xml><?xml version="1.0" encoding="utf-8"?>
+<p:sld xmlns:a="http://schemas.openxmlformats.org/drawingml/2006/main" xmlns:r="http://schemas.openxmlformats.org/officeDocument/2006/relationships" xmlns:p="http://schemas.openxmlformats.org/presentationml/2006/main">
+  <p:cSld>
+    <p:spTree>
+      <p:nvGrpSpPr>
+        <p:cNvPr id="1" name="Shape 518"/>
+        <p:cNvGrpSpPr/>
+        <p:nvPr/>
+      </p:nvGrpSpPr>
+      <p:grpSpPr>
+        <a:xfrm>
+          <a:off x="0" y="0"/>
+          <a:ext cx="0" cy="0"/>
+          <a:chOff x="0" y="0"/>
+          <a:chExt cx="0" cy="0"/>
+        </a:xfrm>
+      </p:grpSpPr>
+      <p:sp>
+        <p:nvSpPr>
+          <p:cNvPr id="519" name="Google Shape;519;p36"/>
+          <p:cNvSpPr txBox="1">
+            <a:spLocks noGrp="1"/>
+          </p:cNvSpPr>
+          <p:nvPr>
+            <p:ph type="title"/>
+          </p:nvPr>
+        </p:nvSpPr>
+        <p:spPr>
+          <a:xfrm>
+            <a:off x="1612360" y="1004176"/>
+            <a:ext cx="5919280" cy="1634400"/>
+          </a:xfrm>
+          <a:prstGeom prst="rect">
+            <a:avLst/>
+          </a:prstGeom>
+        </p:spPr>
+        <p:txBody>
+          <a:bodyPr spcFirstLastPara="1" wrap="square" lIns="91425" tIns="91425" rIns="91425" bIns="91425" anchor="ctr" anchorCtr="0">
+            <a:noAutofit/>
+          </a:bodyPr>
+          <a:lstStyle/>
+          <a:p>
+            <a:pPr marL="0" lvl="0" indent="0" algn="ctr" rtl="0">
+              <a:spcBef>
+                <a:spcPts val="0"/>
+              </a:spcBef>
+              <a:spcAft>
+                <a:spcPts val="0"/>
+              </a:spcAft>
+              <a:buNone/>
+            </a:pPr>
+            <a:r>
+              <a:rPr lang="fr-FR" dirty="0"/>
+              <a:t>O</a:t>
+            </a:r>
+            <a:r>
+              <a:rPr lang="en" dirty="0"/>
+              <a:t>bjectif</a:t>
+            </a:r>
+            <a:endParaRPr dirty="0"/>
+          </a:p>
+        </p:txBody>
+      </p:sp>
+      <p:sp>
+        <p:nvSpPr>
+          <p:cNvPr id="520" name="Google Shape;520;p36"/>
+          <p:cNvSpPr txBox="1">
+            <a:spLocks noGrp="1"/>
+          </p:cNvSpPr>
+          <p:nvPr>
+            <p:ph type="subTitle" idx="1"/>
+          </p:nvPr>
+        </p:nvSpPr>
+        <p:spPr>
+          <a:xfrm>
+            <a:off x="1877550" y="2571750"/>
+            <a:ext cx="5388900" cy="1559700"/>
+          </a:xfrm>
+          <a:prstGeom prst="rect">
+            <a:avLst/>
+          </a:prstGeom>
+        </p:spPr>
+        <p:txBody>
+          <a:bodyPr spcFirstLastPara="1" wrap="square" lIns="91425" tIns="91425" rIns="91425" bIns="91425" anchor="ctr" anchorCtr="0">
+            <a:noAutofit/>
+          </a:bodyPr>
+          <a:lstStyle/>
+          <a:p>
+            <a:pPr marL="0" lvl="0" indent="0" algn="ctr" rtl="0">
+              <a:spcBef>
+                <a:spcPts val="0"/>
+              </a:spcBef>
+              <a:spcAft>
+                <a:spcPts val="0"/>
+              </a:spcAft>
+              <a:buNone/>
+            </a:pPr>
+            <a:r>
+              <a:rPr lang="fr-FR" sz="1800" dirty="0"/>
+              <a:t>Explorer et transformer un </a:t>
+            </a:r>
+            <a:r>
+              <a:rPr lang="fr-FR" sz="1800" dirty="0" err="1"/>
+              <a:t>DataFrame</a:t>
+            </a:r>
+            <a:r>
+              <a:rPr lang="fr-FR" sz="1800" dirty="0"/>
+              <a:t> avec Pandas, une bibliothèque Python pour l'analyse et la manipulation de données.</a:t>
+            </a:r>
+            <a:endParaRPr lang="en-US" sz="1800" dirty="0"/>
+          </a:p>
+        </p:txBody>
+      </p:sp>
+    </p:spTree>
+    <p:extLst>
+      <p:ext uri="{BB962C8B-B14F-4D97-AF65-F5344CB8AC3E}">
+        <p14:creationId xmlns:p14="http://schemas.microsoft.com/office/powerpoint/2010/main" val="3487251991"/>
+      </p:ext>
+    </p:extLst>
+  </p:cSld>
+  <p:clrMapOvr>
+    <a:masterClrMapping/>
+  </p:clrMapOvr>
+</p:sld>
+</file>
+
+<file path=ppt/slides/slide32.xml><?xml version="1.0" encoding="utf-8"?>
+<p:sld xmlns:a="http://schemas.openxmlformats.org/drawingml/2006/main" xmlns:r="http://schemas.openxmlformats.org/officeDocument/2006/relationships" xmlns:p="http://schemas.openxmlformats.org/presentationml/2006/main">
+  <p:cSld>
+    <p:spTree>
+      <p:nvGrpSpPr>
+        <p:cNvPr id="1" name="Shape 518"/>
+        <p:cNvGrpSpPr/>
+        <p:nvPr/>
+      </p:nvGrpSpPr>
+      <p:grpSpPr>
+        <a:xfrm>
+          <a:off x="0" y="0"/>
+          <a:ext cx="0" cy="0"/>
+          <a:chOff x="0" y="0"/>
+          <a:chExt cx="0" cy="0"/>
+        </a:xfrm>
+      </p:grpSpPr>
+      <p:sp>
+        <p:nvSpPr>
+          <p:cNvPr id="519" name="Google Shape;519;p36"/>
+          <p:cNvSpPr txBox="1">
+            <a:spLocks noGrp="1"/>
+          </p:cNvSpPr>
+          <p:nvPr>
+            <p:ph type="title"/>
+          </p:nvPr>
+        </p:nvSpPr>
+        <p:spPr>
+          <a:xfrm>
+            <a:off x="1612360" y="336282"/>
+            <a:ext cx="5919280" cy="675768"/>
+          </a:xfrm>
+          <a:prstGeom prst="rect">
+            <a:avLst/>
+          </a:prstGeom>
+        </p:spPr>
+        <p:txBody>
+          <a:bodyPr spcFirstLastPara="1" wrap="square" lIns="91425" tIns="91425" rIns="91425" bIns="91425" anchor="ctr" anchorCtr="0">
+            <a:noAutofit/>
+          </a:bodyPr>
+          <a:lstStyle/>
+          <a:p>
+            <a:pPr marL="0" lvl="0" indent="0" algn="ctr" rtl="0">
+              <a:spcBef>
+                <a:spcPts val="0"/>
+              </a:spcBef>
+              <a:spcAft>
+                <a:spcPts val="0"/>
+              </a:spcAft>
+              <a:buNone/>
+            </a:pPr>
+            <a:r>
+              <a:rPr lang="en-US" sz="4000" dirty="0"/>
+              <a:t>Notre </a:t>
+            </a:r>
+            <a:r>
+              <a:rPr lang="en-US" sz="4000" dirty="0" err="1"/>
+              <a:t>DataFrame</a:t>
+            </a:r>
+            <a:endParaRPr sz="4000" dirty="0"/>
+          </a:p>
+        </p:txBody>
+      </p:sp>
+      <p:pic>
+        <p:nvPicPr>
+          <p:cNvPr id="5" name="Image 4">
+            <a:extLst>
+              <a:ext uri="{FF2B5EF4-FFF2-40B4-BE49-F238E27FC236}">
+                <a16:creationId xmlns:a16="http://schemas.microsoft.com/office/drawing/2014/main" id="{AC1841C3-46B6-D869-9F26-51A540676E39}"/>
+              </a:ext>
+            </a:extLst>
+          </p:cNvPr>
+          <p:cNvPicPr>
+            <a:picLocks noChangeAspect="1"/>
+          </p:cNvPicPr>
+          <p:nvPr/>
+        </p:nvPicPr>
+        <p:blipFill>
+          <a:blip r:embed="rId3"/>
+          <a:stretch>
+            <a:fillRect/>
+          </a:stretch>
+        </p:blipFill>
+        <p:spPr>
+          <a:xfrm>
+            <a:off x="1645445" y="1156622"/>
+            <a:ext cx="5853109" cy="2617936"/>
+          </a:xfrm>
+          <a:prstGeom prst="rect">
+            <a:avLst/>
+          </a:prstGeom>
+        </p:spPr>
+      </p:pic>
+    </p:spTree>
+    <p:extLst>
+      <p:ext uri="{BB962C8B-B14F-4D97-AF65-F5344CB8AC3E}">
+        <p14:creationId xmlns:p14="http://schemas.microsoft.com/office/powerpoint/2010/main" val="3644242596"/>
+      </p:ext>
+    </p:extLst>
+  </p:cSld>
+  <p:clrMapOvr>
+    <a:masterClrMapping/>
+  </p:clrMapOvr>
+</p:sld>
+</file>
+
+<file path=ppt/slides/slide33.xml><?xml version="1.0" encoding="utf-8"?>
+<p:sld xmlns:a="http://schemas.openxmlformats.org/drawingml/2006/main" xmlns:r="http://schemas.openxmlformats.org/officeDocument/2006/relationships" xmlns:p="http://schemas.openxmlformats.org/presentationml/2006/main">
+  <p:cSld>
+    <p:spTree>
+      <p:nvGrpSpPr>
+        <p:cNvPr id="1" name="Shape 616"/>
+        <p:cNvGrpSpPr/>
+        <p:nvPr/>
+      </p:nvGrpSpPr>
+      <p:grpSpPr>
+        <a:xfrm>
+          <a:off x="0" y="0"/>
+          <a:ext cx="0" cy="0"/>
+          <a:chOff x="0" y="0"/>
+          <a:chExt cx="0" cy="0"/>
+        </a:xfrm>
+      </p:grpSpPr>
+      <p:sp>
+        <p:nvSpPr>
+          <p:cNvPr id="617" name="Google Shape;617;p42"/>
+          <p:cNvSpPr txBox="1">
+            <a:spLocks noGrp="1"/>
+          </p:cNvSpPr>
+          <p:nvPr>
+            <p:ph type="title"/>
+          </p:nvPr>
+        </p:nvSpPr>
+        <p:spPr>
+          <a:xfrm>
+            <a:off x="720025" y="529923"/>
+            <a:ext cx="7704000" cy="484800"/>
+          </a:xfrm>
+          <a:prstGeom prst="rect">
+            <a:avLst/>
+          </a:prstGeom>
+        </p:spPr>
+        <p:txBody>
+          <a:bodyPr spcFirstLastPara="1" wrap="square" lIns="91425" tIns="91425" rIns="91425" bIns="91425" anchor="b" anchorCtr="0">
+            <a:noAutofit/>
+          </a:bodyPr>
+          <a:lstStyle/>
+          <a:p>
+            <a:pPr marL="0" lvl="0" indent="0" algn="ctr" rtl="0">
+              <a:spcBef>
+                <a:spcPts val="0"/>
+              </a:spcBef>
+              <a:spcAft>
+                <a:spcPts val="0"/>
+              </a:spcAft>
+              <a:buNone/>
+            </a:pPr>
+            <a:r>
+              <a:rPr lang="fr-FR" sz="2000" dirty="0"/>
+              <a:t>Accéder a des colonnes et des lignes</a:t>
+            </a:r>
+          </a:p>
+        </p:txBody>
+      </p:sp>
+      <p:grpSp>
+        <p:nvGrpSpPr>
+          <p:cNvPr id="618" name="Google Shape;618;p42"/>
+          <p:cNvGrpSpPr/>
+          <p:nvPr/>
+        </p:nvGrpSpPr>
+        <p:grpSpPr>
+          <a:xfrm>
+            <a:off x="468096" y="1415643"/>
+            <a:ext cx="911100" cy="689641"/>
+            <a:chOff x="1217362" y="1846472"/>
+            <a:chExt cx="911100" cy="689641"/>
+          </a:xfrm>
+        </p:grpSpPr>
+        <p:sp>
+          <p:nvSpPr>
+            <p:cNvPr id="619" name="Google Shape;619;p42"/>
+            <p:cNvSpPr/>
+            <p:nvPr/>
+          </p:nvSpPr>
+          <p:spPr>
+            <a:xfrm>
+              <a:off x="1217362" y="1846472"/>
+              <a:ext cx="431700" cy="505200"/>
+            </a:xfrm>
+            <a:prstGeom prst="roundRect">
+              <a:avLst>
+                <a:gd name="adj" fmla="val 6278"/>
+              </a:avLst>
+            </a:prstGeom>
+            <a:solidFill>
+              <a:schemeClr val="lt2"/>
+            </a:solidFill>
+            <a:ln w="28575" cap="flat" cmpd="sng">
+              <a:solidFill>
+                <a:schemeClr val="dk1"/>
+              </a:solidFill>
+              <a:prstDash val="solid"/>
+              <a:round/>
+              <a:headEnd type="none" w="sm" len="sm"/>
+              <a:tailEnd type="none" w="sm" len="sm"/>
+            </a:ln>
+            <a:effectLst>
+              <a:outerShdw blurRad="57150" dist="19050" dir="5400000" algn="bl" rotWithShape="0">
+                <a:schemeClr val="dk1">
+                  <a:alpha val="50000"/>
+                </a:schemeClr>
+              </a:outerShdw>
+            </a:effectLst>
+          </p:spPr>
+          <p:txBody>
+            <a:bodyPr spcFirstLastPara="1" wrap="square" lIns="91425" tIns="91425" rIns="91425" bIns="91425" anchor="ctr" anchorCtr="0">
+              <a:noAutofit/>
+            </a:bodyPr>
+            <a:lstStyle/>
+            <a:p>
+              <a:pPr marL="0" lvl="0" indent="0" algn="l" rtl="0">
+                <a:spcBef>
+                  <a:spcPts val="0"/>
+                </a:spcBef>
+                <a:spcAft>
+                  <a:spcPts val="0"/>
+                </a:spcAft>
+                <a:buNone/>
+              </a:pPr>
+              <a:endParaRPr/>
+            </a:p>
+          </p:txBody>
+        </p:sp>
+        <p:sp>
+          <p:nvSpPr>
+            <p:cNvPr id="620" name="Google Shape;620;p42"/>
+            <p:cNvSpPr/>
+            <p:nvPr/>
+          </p:nvSpPr>
+          <p:spPr>
+            <a:xfrm>
+              <a:off x="1217362" y="1947213"/>
+              <a:ext cx="911100" cy="588900"/>
+            </a:xfrm>
+            <a:prstGeom prst="roundRect">
+              <a:avLst>
+                <a:gd name="adj" fmla="val 5762"/>
+              </a:avLst>
+            </a:prstGeom>
+            <a:solidFill>
+              <a:schemeClr val="lt2"/>
+            </a:solidFill>
+            <a:ln w="28575" cap="flat" cmpd="sng">
+              <a:solidFill>
+                <a:schemeClr val="dk1"/>
+              </a:solidFill>
+              <a:prstDash val="solid"/>
+              <a:round/>
+              <a:headEnd type="none" w="sm" len="sm"/>
+              <a:tailEnd type="none" w="sm" len="sm"/>
+            </a:ln>
+            <a:effectLst>
+              <a:outerShdw dist="57150" dir="2940000" algn="bl" rotWithShape="0">
+                <a:schemeClr val="dk1"/>
+              </a:outerShdw>
+            </a:effectLst>
+          </p:spPr>
+          <p:txBody>
+            <a:bodyPr spcFirstLastPara="1" wrap="square" lIns="91425" tIns="91425" rIns="91425" bIns="91425" anchor="ctr" anchorCtr="0">
+              <a:noAutofit/>
+            </a:bodyPr>
+            <a:lstStyle/>
+            <a:p>
+              <a:pPr marL="0" lvl="0" indent="0" algn="l" rtl="0">
+                <a:spcBef>
+                  <a:spcPts val="0"/>
+                </a:spcBef>
+                <a:spcAft>
+                  <a:spcPts val="0"/>
+                </a:spcAft>
+                <a:buNone/>
+              </a:pPr>
+              <a:endParaRPr/>
+            </a:p>
+          </p:txBody>
+        </p:sp>
+      </p:grpSp>
+      <p:sp>
+        <p:nvSpPr>
+          <p:cNvPr id="621" name="Google Shape;621;p42"/>
+          <p:cNvSpPr txBox="1"/>
+          <p:nvPr/>
+        </p:nvSpPr>
+        <p:spPr>
+          <a:xfrm>
+            <a:off x="1464004" y="1392214"/>
+            <a:ext cx="2317475" cy="484800"/>
+          </a:xfrm>
+          <a:prstGeom prst="rect">
+            <a:avLst/>
+          </a:prstGeom>
+          <a:noFill/>
+          <a:ln>
+            <a:noFill/>
+          </a:ln>
+        </p:spPr>
+        <p:txBody>
+          <a:bodyPr spcFirstLastPara="1" wrap="square" lIns="91425" tIns="91425" rIns="91425" bIns="91425" anchor="ctr" anchorCtr="0">
+            <a:noAutofit/>
+          </a:bodyPr>
+          <a:lstStyle/>
+          <a:p>
+            <a:pPr marL="285750" lvl="2" indent="-285750">
+              <a:buFont typeface="Arial" panose="020B0604020202020204" pitchFamily="34" charset="0"/>
+              <a:buChar char="•"/>
+            </a:pPr>
+            <a:r>
+              <a:rPr lang="en-US" b="1" dirty="0" err="1">
+                <a:solidFill>
+                  <a:schemeClr val="dk2"/>
+                </a:solidFill>
+                <a:latin typeface="Lato"/>
+                <a:ea typeface="Lato"/>
+                <a:cs typeface="Lato"/>
+                <a:sym typeface="Lato"/>
+              </a:rPr>
+              <a:t>Accéder</a:t>
+            </a:r>
+            <a:r>
+              <a:rPr lang="en-US" b="1" dirty="0">
+                <a:solidFill>
+                  <a:schemeClr val="dk2"/>
+                </a:solidFill>
+                <a:latin typeface="Lato"/>
+                <a:ea typeface="Lato"/>
+                <a:cs typeface="Lato"/>
+                <a:sym typeface="Lato"/>
+              </a:rPr>
+              <a:t> à </a:t>
+            </a:r>
+            <a:r>
+              <a:rPr lang="en-US" b="1" dirty="0" err="1">
+                <a:solidFill>
+                  <a:schemeClr val="dk2"/>
+                </a:solidFill>
+                <a:latin typeface="Lato"/>
+                <a:ea typeface="Lato"/>
+                <a:cs typeface="Lato"/>
+                <a:sym typeface="Lato"/>
+              </a:rPr>
+              <a:t>une</a:t>
+            </a:r>
+            <a:r>
+              <a:rPr lang="en-US" b="1" dirty="0">
+                <a:solidFill>
+                  <a:schemeClr val="dk2"/>
+                </a:solidFill>
+                <a:latin typeface="Lato"/>
+                <a:ea typeface="Lato"/>
+                <a:cs typeface="Lato"/>
+                <a:sym typeface="Lato"/>
+              </a:rPr>
+              <a:t> </a:t>
+            </a:r>
+            <a:r>
+              <a:rPr lang="en-US" b="1" dirty="0" err="1">
+                <a:solidFill>
+                  <a:schemeClr val="dk2"/>
+                </a:solidFill>
+                <a:latin typeface="Lato"/>
+                <a:ea typeface="Lato"/>
+                <a:cs typeface="Lato"/>
+                <a:sym typeface="Lato"/>
+              </a:rPr>
+              <a:t>colonne</a:t>
+            </a:r>
+            <a:r>
+              <a:rPr lang="en-US" b="1" dirty="0">
+                <a:solidFill>
+                  <a:schemeClr val="dk2"/>
+                </a:solidFill>
+                <a:latin typeface="Lato"/>
+                <a:ea typeface="Lato"/>
+                <a:cs typeface="Lato"/>
+                <a:sym typeface="Lato"/>
+              </a:rPr>
+              <a:t>:</a:t>
+            </a:r>
+          </a:p>
+        </p:txBody>
+      </p:sp>
+      <p:grpSp>
+        <p:nvGrpSpPr>
+          <p:cNvPr id="642" name="Google Shape;642;p42"/>
+          <p:cNvGrpSpPr/>
+          <p:nvPr/>
+        </p:nvGrpSpPr>
+        <p:grpSpPr>
+          <a:xfrm>
+            <a:off x="721764" y="1576838"/>
+            <a:ext cx="355049" cy="355049"/>
+            <a:chOff x="1487200" y="4993750"/>
+            <a:chExt cx="483125" cy="483125"/>
+          </a:xfrm>
+        </p:grpSpPr>
+        <p:sp>
+          <p:nvSpPr>
+            <p:cNvPr id="643" name="Google Shape;643;p42"/>
+            <p:cNvSpPr/>
+            <p:nvPr/>
+          </p:nvSpPr>
+          <p:spPr>
+            <a:xfrm>
+              <a:off x="1487200" y="4993750"/>
+              <a:ext cx="483125" cy="483125"/>
+            </a:xfrm>
+            <a:custGeom>
+              <a:avLst/>
+              <a:gdLst/>
+              <a:ahLst/>
+              <a:cxnLst/>
+              <a:rect l="l" t="t" r="r" b="b"/>
+              <a:pathLst>
+                <a:path w="19325" h="19325" extrusionOk="0">
+                  <a:moveTo>
+                    <a:pt x="9662" y="1133"/>
+                  </a:moveTo>
+                  <a:cubicBezTo>
+                    <a:pt x="11824" y="1133"/>
+                    <a:pt x="13983" y="1975"/>
+                    <a:pt x="15668" y="3657"/>
+                  </a:cubicBezTo>
+                  <a:cubicBezTo>
+                    <a:pt x="19035" y="7027"/>
+                    <a:pt x="19035" y="12302"/>
+                    <a:pt x="15668" y="15668"/>
+                  </a:cubicBezTo>
+                  <a:cubicBezTo>
+                    <a:pt x="13983" y="17352"/>
+                    <a:pt x="11822" y="18193"/>
+                    <a:pt x="9661" y="18193"/>
+                  </a:cubicBezTo>
+                  <a:cubicBezTo>
+                    <a:pt x="7500" y="18193"/>
+                    <a:pt x="5340" y="17352"/>
+                    <a:pt x="3657" y="15668"/>
+                  </a:cubicBezTo>
+                  <a:cubicBezTo>
+                    <a:pt x="290" y="12302"/>
+                    <a:pt x="290" y="7024"/>
+                    <a:pt x="3657" y="3657"/>
+                  </a:cubicBezTo>
+                  <a:cubicBezTo>
+                    <a:pt x="5342" y="1975"/>
+                    <a:pt x="7500" y="1133"/>
+                    <a:pt x="9662" y="1133"/>
+                  </a:cubicBezTo>
+                  <a:close/>
+                  <a:moveTo>
+                    <a:pt x="9662" y="1"/>
+                  </a:moveTo>
+                  <a:cubicBezTo>
+                    <a:pt x="7117" y="1"/>
+                    <a:pt x="4698" y="1015"/>
+                    <a:pt x="2857" y="2857"/>
+                  </a:cubicBezTo>
+                  <a:cubicBezTo>
+                    <a:pt x="1015" y="4699"/>
+                    <a:pt x="0" y="7117"/>
+                    <a:pt x="0" y="9663"/>
+                  </a:cubicBezTo>
+                  <a:cubicBezTo>
+                    <a:pt x="0" y="12208"/>
+                    <a:pt x="1015" y="14627"/>
+                    <a:pt x="2857" y="16469"/>
+                  </a:cubicBezTo>
+                  <a:cubicBezTo>
+                    <a:pt x="4698" y="18310"/>
+                    <a:pt x="7117" y="19325"/>
+                    <a:pt x="9662" y="19325"/>
+                  </a:cubicBezTo>
+                  <a:cubicBezTo>
+                    <a:pt x="12208" y="19325"/>
+                    <a:pt x="14626" y="18310"/>
+                    <a:pt x="16468" y="16469"/>
+                  </a:cubicBezTo>
+                  <a:cubicBezTo>
+                    <a:pt x="18310" y="14627"/>
+                    <a:pt x="19325" y="12208"/>
+                    <a:pt x="19325" y="9663"/>
+                  </a:cubicBezTo>
+                  <a:cubicBezTo>
+                    <a:pt x="19325" y="7117"/>
+                    <a:pt x="18310" y="4699"/>
+                    <a:pt x="16468" y="2857"/>
+                  </a:cubicBezTo>
+                  <a:cubicBezTo>
+                    <a:pt x="14626" y="1015"/>
+                    <a:pt x="12208" y="1"/>
+                    <a:pt x="9662" y="1"/>
+                  </a:cubicBezTo>
+                  <a:close/>
+                </a:path>
+              </a:pathLst>
+            </a:custGeom>
+            <a:solidFill>
+              <a:schemeClr val="dk1"/>
+            </a:solidFill>
+            <a:ln>
+              <a:noFill/>
+            </a:ln>
+          </p:spPr>
+          <p:txBody>
+            <a:bodyPr spcFirstLastPara="1" wrap="square" lIns="91425" tIns="91425" rIns="91425" bIns="91425" anchor="ctr" anchorCtr="0">
+              <a:noAutofit/>
+            </a:bodyPr>
+            <a:lstStyle/>
+            <a:p>
+              <a:pPr marL="0" lvl="0" indent="0" algn="l" rtl="0">
+                <a:spcBef>
+                  <a:spcPts val="0"/>
+                </a:spcBef>
+                <a:spcAft>
+                  <a:spcPts val="0"/>
+                </a:spcAft>
+                <a:buNone/>
+              </a:pPr>
+              <a:endParaRPr>
+                <a:solidFill>
+                  <a:srgbClr val="435D74"/>
+                </a:solidFill>
+              </a:endParaRPr>
+            </a:p>
+          </p:txBody>
+        </p:sp>
+        <p:sp>
+          <p:nvSpPr>
+            <p:cNvPr id="644" name="Google Shape;644;p42"/>
+            <p:cNvSpPr/>
+            <p:nvPr/>
+          </p:nvSpPr>
+          <p:spPr>
+            <a:xfrm>
+              <a:off x="1602600" y="5143950"/>
+              <a:ext cx="250350" cy="182725"/>
+            </a:xfrm>
+            <a:custGeom>
+              <a:avLst/>
+              <a:gdLst/>
+              <a:ahLst/>
+              <a:cxnLst/>
+              <a:rect l="l" t="t" r="r" b="b"/>
+              <a:pathLst>
+                <a:path w="10014" h="7309" extrusionOk="0">
+                  <a:moveTo>
+                    <a:pt x="8149" y="1134"/>
+                  </a:moveTo>
+                  <a:cubicBezTo>
+                    <a:pt x="8294" y="1134"/>
+                    <a:pt x="8439" y="1189"/>
+                    <a:pt x="8549" y="1300"/>
+                  </a:cubicBezTo>
+                  <a:cubicBezTo>
+                    <a:pt x="8769" y="1520"/>
+                    <a:pt x="8769" y="1879"/>
+                    <a:pt x="8549" y="2100"/>
+                  </a:cubicBezTo>
+                  <a:lnTo>
+                    <a:pt x="4639" y="6007"/>
+                  </a:lnTo>
+                  <a:cubicBezTo>
+                    <a:pt x="4527" y="6120"/>
+                    <a:pt x="4377" y="6177"/>
+                    <a:pt x="4227" y="6177"/>
+                  </a:cubicBezTo>
+                  <a:cubicBezTo>
+                    <a:pt x="4081" y="6177"/>
+                    <a:pt x="3937" y="6123"/>
+                    <a:pt x="3830" y="6016"/>
+                  </a:cubicBezTo>
+                  <a:lnTo>
+                    <a:pt x="1547" y="3748"/>
+                  </a:lnTo>
+                  <a:cubicBezTo>
+                    <a:pt x="1296" y="3534"/>
+                    <a:pt x="1281" y="3151"/>
+                    <a:pt x="1514" y="2918"/>
+                  </a:cubicBezTo>
+                  <a:cubicBezTo>
+                    <a:pt x="1626" y="2806"/>
+                    <a:pt x="1771" y="2750"/>
+                    <a:pt x="1916" y="2750"/>
+                  </a:cubicBezTo>
+                  <a:cubicBezTo>
+                    <a:pt x="2074" y="2750"/>
+                    <a:pt x="2232" y="2817"/>
+                    <a:pt x="2344" y="2948"/>
+                  </a:cubicBezTo>
+                  <a:lnTo>
+                    <a:pt x="3784" y="4388"/>
+                  </a:lnTo>
+                  <a:cubicBezTo>
+                    <a:pt x="3793" y="4401"/>
+                    <a:pt x="3805" y="4410"/>
+                    <a:pt x="3817" y="4419"/>
+                  </a:cubicBezTo>
+                  <a:cubicBezTo>
+                    <a:pt x="3817" y="4422"/>
+                    <a:pt x="3820" y="4422"/>
+                    <a:pt x="3823" y="4425"/>
+                  </a:cubicBezTo>
+                  <a:cubicBezTo>
+                    <a:pt x="3934" y="4535"/>
+                    <a:pt x="4078" y="4590"/>
+                    <a:pt x="4222" y="4590"/>
+                  </a:cubicBezTo>
+                  <a:cubicBezTo>
+                    <a:pt x="4367" y="4590"/>
+                    <a:pt x="4512" y="4535"/>
+                    <a:pt x="4624" y="4425"/>
+                  </a:cubicBezTo>
+                  <a:lnTo>
+                    <a:pt x="7749" y="1300"/>
+                  </a:lnTo>
+                  <a:cubicBezTo>
+                    <a:pt x="7859" y="1189"/>
+                    <a:pt x="8004" y="1134"/>
+                    <a:pt x="8149" y="1134"/>
+                  </a:cubicBezTo>
+                  <a:close/>
+                  <a:moveTo>
+                    <a:pt x="8146" y="1"/>
+                  </a:moveTo>
+                  <a:cubicBezTo>
+                    <a:pt x="7712" y="1"/>
+                    <a:pt x="7279" y="166"/>
+                    <a:pt x="6949" y="496"/>
+                  </a:cubicBezTo>
+                  <a:lnTo>
+                    <a:pt x="6946" y="496"/>
+                  </a:lnTo>
+                  <a:lnTo>
+                    <a:pt x="4219" y="3223"/>
+                  </a:lnTo>
+                  <a:lnTo>
+                    <a:pt x="3144" y="2148"/>
+                  </a:lnTo>
+                  <a:cubicBezTo>
+                    <a:pt x="2808" y="1779"/>
+                    <a:pt x="2348" y="1594"/>
+                    <a:pt x="1887" y="1594"/>
+                  </a:cubicBezTo>
+                  <a:cubicBezTo>
+                    <a:pt x="1453" y="1594"/>
+                    <a:pt x="1019" y="1758"/>
+                    <a:pt x="686" y="2091"/>
+                  </a:cubicBezTo>
+                  <a:cubicBezTo>
+                    <a:pt x="1" y="2776"/>
+                    <a:pt x="28" y="3896"/>
+                    <a:pt x="747" y="4549"/>
+                  </a:cubicBezTo>
+                  <a:lnTo>
+                    <a:pt x="3029" y="6819"/>
+                  </a:lnTo>
+                  <a:cubicBezTo>
+                    <a:pt x="3344" y="7131"/>
+                    <a:pt x="3768" y="7308"/>
+                    <a:pt x="4214" y="7308"/>
+                  </a:cubicBezTo>
+                  <a:cubicBezTo>
+                    <a:pt x="4218" y="7308"/>
+                    <a:pt x="4221" y="7308"/>
+                    <a:pt x="4225" y="7308"/>
+                  </a:cubicBezTo>
+                  <a:cubicBezTo>
+                    <a:pt x="4678" y="7308"/>
+                    <a:pt x="5116" y="7127"/>
+                    <a:pt x="5439" y="6807"/>
+                  </a:cubicBezTo>
+                  <a:lnTo>
+                    <a:pt x="9349" y="2900"/>
+                  </a:lnTo>
+                  <a:cubicBezTo>
+                    <a:pt x="10013" y="2236"/>
+                    <a:pt x="10013" y="1161"/>
+                    <a:pt x="9349" y="499"/>
+                  </a:cubicBezTo>
+                  <a:cubicBezTo>
+                    <a:pt x="9017" y="167"/>
+                    <a:pt x="8581" y="1"/>
+                    <a:pt x="8146" y="1"/>
+                  </a:cubicBezTo>
+                  <a:close/>
+                </a:path>
+              </a:pathLst>
+            </a:custGeom>
+            <a:solidFill>
+              <a:schemeClr val="dk1"/>
+            </a:solidFill>
+            <a:ln>
+              <a:noFill/>
+            </a:ln>
+          </p:spPr>
+          <p:txBody>
+            <a:bodyPr spcFirstLastPara="1" wrap="square" lIns="91425" tIns="91425" rIns="91425" bIns="91425" anchor="ctr" anchorCtr="0">
+              <a:noAutofit/>
+            </a:bodyPr>
+            <a:lstStyle/>
+            <a:p>
+              <a:pPr marL="0" lvl="0" indent="0" algn="l" rtl="0">
+                <a:spcBef>
+                  <a:spcPts val="0"/>
+                </a:spcBef>
+                <a:spcAft>
+                  <a:spcPts val="0"/>
+                </a:spcAft>
+                <a:buNone/>
+              </a:pPr>
+              <a:endParaRPr>
+                <a:solidFill>
+                  <a:srgbClr val="435D74"/>
+                </a:solidFill>
+              </a:endParaRPr>
+            </a:p>
+          </p:txBody>
+        </p:sp>
+      </p:grpSp>
+      <p:pic>
+        <p:nvPicPr>
+          <p:cNvPr id="3" name="Image 2">
+            <a:extLst>
+              <a:ext uri="{FF2B5EF4-FFF2-40B4-BE49-F238E27FC236}">
+                <a16:creationId xmlns:a16="http://schemas.microsoft.com/office/drawing/2014/main" id="{80C13026-2023-CD70-5910-F2EB1CE5B293}"/>
+              </a:ext>
+            </a:extLst>
+          </p:cNvPr>
+          <p:cNvPicPr>
+            <a:picLocks noChangeAspect="1"/>
+          </p:cNvPicPr>
+          <p:nvPr/>
+        </p:nvPicPr>
+        <p:blipFill rotWithShape="1">
+          <a:blip r:embed="rId3"/>
+          <a:srcRect l="1949" t="10403" r="5080" b="1"/>
+          <a:stretch/>
+        </p:blipFill>
+        <p:spPr>
+          <a:xfrm>
+            <a:off x="1494327" y="1846665"/>
+            <a:ext cx="2996236" cy="294451"/>
+          </a:xfrm>
+          <a:prstGeom prst="rect">
+            <a:avLst/>
+          </a:prstGeom>
+        </p:spPr>
+      </p:pic>
+      <p:grpSp>
+        <p:nvGrpSpPr>
+          <p:cNvPr id="12" name="Google Shape;618;p42">
+            <a:extLst>
+              <a:ext uri="{FF2B5EF4-FFF2-40B4-BE49-F238E27FC236}">
+                <a16:creationId xmlns:a16="http://schemas.microsoft.com/office/drawing/2014/main" id="{57CE7DB3-61A7-3DAC-448B-E7245C58E455}"/>
+              </a:ext>
+            </a:extLst>
+          </p:cNvPr>
+          <p:cNvGrpSpPr/>
+          <p:nvPr/>
+        </p:nvGrpSpPr>
+        <p:grpSpPr>
+          <a:xfrm>
+            <a:off x="468096" y="2422504"/>
+            <a:ext cx="911100" cy="689641"/>
+            <a:chOff x="1217362" y="1846472"/>
+            <a:chExt cx="911100" cy="689641"/>
+          </a:xfrm>
+        </p:grpSpPr>
+        <p:sp>
+          <p:nvSpPr>
+            <p:cNvPr id="13" name="Google Shape;619;p42">
+              <a:extLst>
+                <a:ext uri="{FF2B5EF4-FFF2-40B4-BE49-F238E27FC236}">
+                  <a16:creationId xmlns:a16="http://schemas.microsoft.com/office/drawing/2014/main" id="{51375549-1A9B-CF34-604B-A5C15A30548C}"/>
+                </a:ext>
+              </a:extLst>
+            </p:cNvPr>
+            <p:cNvSpPr/>
+            <p:nvPr/>
+          </p:nvSpPr>
+          <p:spPr>
+            <a:xfrm>
+              <a:off x="1217362" y="1846472"/>
+              <a:ext cx="431700" cy="505200"/>
+            </a:xfrm>
+            <a:prstGeom prst="roundRect">
+              <a:avLst>
+                <a:gd name="adj" fmla="val 6278"/>
+              </a:avLst>
+            </a:prstGeom>
+            <a:solidFill>
+              <a:schemeClr val="lt2"/>
+            </a:solidFill>
+            <a:ln w="28575" cap="flat" cmpd="sng">
+              <a:solidFill>
+                <a:schemeClr val="dk1"/>
+              </a:solidFill>
+              <a:prstDash val="solid"/>
+              <a:round/>
+              <a:headEnd type="none" w="sm" len="sm"/>
+              <a:tailEnd type="none" w="sm" len="sm"/>
+            </a:ln>
+            <a:effectLst>
+              <a:outerShdw blurRad="57150" dist="19050" dir="5400000" algn="bl" rotWithShape="0">
+                <a:schemeClr val="dk1">
+                  <a:alpha val="50000"/>
+                </a:schemeClr>
+              </a:outerShdw>
+            </a:effectLst>
+          </p:spPr>
+          <p:txBody>
+            <a:bodyPr spcFirstLastPara="1" wrap="square" lIns="91425" tIns="91425" rIns="91425" bIns="91425" anchor="ctr" anchorCtr="0">
+              <a:noAutofit/>
+            </a:bodyPr>
+            <a:lstStyle/>
+            <a:p>
+              <a:pPr marL="0" lvl="0" indent="0" algn="l" rtl="0">
+                <a:spcBef>
+                  <a:spcPts val="0"/>
+                </a:spcBef>
+                <a:spcAft>
+                  <a:spcPts val="0"/>
+                </a:spcAft>
+                <a:buNone/>
+              </a:pPr>
+              <a:endParaRPr/>
+            </a:p>
+          </p:txBody>
+        </p:sp>
+        <p:sp>
+          <p:nvSpPr>
+            <p:cNvPr id="14" name="Google Shape;620;p42">
+              <a:extLst>
+                <a:ext uri="{FF2B5EF4-FFF2-40B4-BE49-F238E27FC236}">
+                  <a16:creationId xmlns:a16="http://schemas.microsoft.com/office/drawing/2014/main" id="{AF474D41-A384-9942-BBD1-A6626C73DF11}"/>
+                </a:ext>
+              </a:extLst>
+            </p:cNvPr>
+            <p:cNvSpPr/>
+            <p:nvPr/>
+          </p:nvSpPr>
+          <p:spPr>
+            <a:xfrm>
+              <a:off x="1217362" y="1947213"/>
+              <a:ext cx="911100" cy="588900"/>
+            </a:xfrm>
+            <a:prstGeom prst="roundRect">
+              <a:avLst>
+                <a:gd name="adj" fmla="val 5762"/>
+              </a:avLst>
+            </a:prstGeom>
+            <a:solidFill>
+              <a:schemeClr val="lt2"/>
+            </a:solidFill>
+            <a:ln w="28575" cap="flat" cmpd="sng">
+              <a:solidFill>
+                <a:schemeClr val="dk1"/>
+              </a:solidFill>
+              <a:prstDash val="solid"/>
+              <a:round/>
+              <a:headEnd type="none" w="sm" len="sm"/>
+              <a:tailEnd type="none" w="sm" len="sm"/>
+            </a:ln>
+            <a:effectLst>
+              <a:outerShdw dist="57150" dir="2940000" algn="bl" rotWithShape="0">
+                <a:schemeClr val="dk1"/>
+              </a:outerShdw>
+            </a:effectLst>
+          </p:spPr>
+          <p:txBody>
+            <a:bodyPr spcFirstLastPara="1" wrap="square" lIns="91425" tIns="91425" rIns="91425" bIns="91425" anchor="ctr" anchorCtr="0">
+              <a:noAutofit/>
+            </a:bodyPr>
+            <a:lstStyle/>
+            <a:p>
+              <a:pPr marL="0" lvl="0" indent="0" algn="l" rtl="0">
+                <a:spcBef>
+                  <a:spcPts val="0"/>
+                </a:spcBef>
+                <a:spcAft>
+                  <a:spcPts val="0"/>
+                </a:spcAft>
+                <a:buNone/>
+              </a:pPr>
+              <a:endParaRPr/>
+            </a:p>
+          </p:txBody>
+        </p:sp>
+      </p:grpSp>
+      <p:sp>
+        <p:nvSpPr>
+          <p:cNvPr id="15" name="Google Shape;621;p42">
+            <a:extLst>
+              <a:ext uri="{FF2B5EF4-FFF2-40B4-BE49-F238E27FC236}">
+                <a16:creationId xmlns:a16="http://schemas.microsoft.com/office/drawing/2014/main" id="{30E80BF8-DB11-DE82-D386-465CC30B39AF}"/>
+              </a:ext>
+            </a:extLst>
+          </p:cNvPr>
+          <p:cNvSpPr txBox="1"/>
+          <p:nvPr/>
+        </p:nvSpPr>
+        <p:spPr>
+          <a:xfrm>
+            <a:off x="1464004" y="2399075"/>
+            <a:ext cx="3003127" cy="484800"/>
+          </a:xfrm>
+          <a:prstGeom prst="rect">
+            <a:avLst/>
+          </a:prstGeom>
+          <a:noFill/>
+          <a:ln>
+            <a:noFill/>
+          </a:ln>
+        </p:spPr>
+        <p:txBody>
+          <a:bodyPr spcFirstLastPara="1" wrap="square" lIns="91425" tIns="91425" rIns="91425" bIns="91425" anchor="ctr" anchorCtr="0">
+            <a:noAutofit/>
+          </a:bodyPr>
+          <a:lstStyle/>
+          <a:p>
+            <a:pPr marL="285750" lvl="2" indent="-285750">
+              <a:buFont typeface="Arial" panose="020B0604020202020204" pitchFamily="34" charset="0"/>
+              <a:buChar char="•"/>
+            </a:pPr>
+            <a:r>
+              <a:rPr lang="en-US" b="1" dirty="0" err="1">
+                <a:solidFill>
+                  <a:schemeClr val="dk2"/>
+                </a:solidFill>
+                <a:latin typeface="Lato"/>
+                <a:ea typeface="Lato"/>
+                <a:cs typeface="Lato"/>
+                <a:sym typeface="Lato"/>
+              </a:rPr>
+              <a:t>Accéder</a:t>
+            </a:r>
+            <a:r>
+              <a:rPr lang="en-US" b="1" dirty="0">
+                <a:solidFill>
+                  <a:schemeClr val="dk2"/>
+                </a:solidFill>
+                <a:latin typeface="Lato"/>
+                <a:ea typeface="Lato"/>
+                <a:cs typeface="Lato"/>
+                <a:sym typeface="Lato"/>
+              </a:rPr>
+              <a:t> à </a:t>
+            </a:r>
+            <a:r>
+              <a:rPr lang="en-US" b="1" dirty="0" err="1">
+                <a:solidFill>
+                  <a:schemeClr val="dk2"/>
+                </a:solidFill>
+                <a:latin typeface="Lato"/>
+                <a:ea typeface="Lato"/>
+                <a:cs typeface="Lato"/>
+                <a:sym typeface="Lato"/>
+              </a:rPr>
+              <a:t>plusieurs</a:t>
+            </a:r>
+            <a:r>
+              <a:rPr lang="en-US" b="1" dirty="0">
+                <a:solidFill>
+                  <a:schemeClr val="dk2"/>
+                </a:solidFill>
+                <a:latin typeface="Lato"/>
+                <a:ea typeface="Lato"/>
+                <a:cs typeface="Lato"/>
+                <a:sym typeface="Lato"/>
+              </a:rPr>
+              <a:t> </a:t>
+            </a:r>
+            <a:r>
+              <a:rPr lang="en-US" b="1" dirty="0" err="1">
+                <a:solidFill>
+                  <a:schemeClr val="dk2"/>
+                </a:solidFill>
+                <a:latin typeface="Lato"/>
+                <a:ea typeface="Lato"/>
+                <a:cs typeface="Lato"/>
+                <a:sym typeface="Lato"/>
+              </a:rPr>
+              <a:t>colonnes</a:t>
+            </a:r>
+            <a:r>
+              <a:rPr lang="en-US" b="1" dirty="0">
+                <a:solidFill>
+                  <a:schemeClr val="dk2"/>
+                </a:solidFill>
+                <a:latin typeface="Lato"/>
+                <a:ea typeface="Lato"/>
+                <a:cs typeface="Lato"/>
+                <a:sym typeface="Lato"/>
+              </a:rPr>
+              <a:t>:</a:t>
+            </a:r>
+          </a:p>
+        </p:txBody>
+      </p:sp>
+      <p:grpSp>
+        <p:nvGrpSpPr>
+          <p:cNvPr id="16" name="Google Shape;642;p42">
+            <a:extLst>
+              <a:ext uri="{FF2B5EF4-FFF2-40B4-BE49-F238E27FC236}">
+                <a16:creationId xmlns:a16="http://schemas.microsoft.com/office/drawing/2014/main" id="{F834251F-1273-C76F-A410-9393E25EA549}"/>
+              </a:ext>
+            </a:extLst>
+          </p:cNvPr>
+          <p:cNvGrpSpPr/>
+          <p:nvPr/>
+        </p:nvGrpSpPr>
+        <p:grpSpPr>
+          <a:xfrm>
+            <a:off x="741511" y="2550567"/>
+            <a:ext cx="355049" cy="355049"/>
+            <a:chOff x="1487200" y="4993750"/>
+            <a:chExt cx="483125" cy="483125"/>
+          </a:xfrm>
+        </p:grpSpPr>
+        <p:sp>
+          <p:nvSpPr>
+            <p:cNvPr id="17" name="Google Shape;643;p42">
+              <a:extLst>
+                <a:ext uri="{FF2B5EF4-FFF2-40B4-BE49-F238E27FC236}">
+                  <a16:creationId xmlns:a16="http://schemas.microsoft.com/office/drawing/2014/main" id="{DEADADD7-FF7F-26B5-77C1-6352EF539221}"/>
+                </a:ext>
+              </a:extLst>
+            </p:cNvPr>
+            <p:cNvSpPr/>
+            <p:nvPr/>
+          </p:nvSpPr>
+          <p:spPr>
+            <a:xfrm>
+              <a:off x="1487200" y="4993750"/>
+              <a:ext cx="483125" cy="483125"/>
+            </a:xfrm>
+            <a:custGeom>
+              <a:avLst/>
+              <a:gdLst/>
+              <a:ahLst/>
+              <a:cxnLst/>
+              <a:rect l="l" t="t" r="r" b="b"/>
+              <a:pathLst>
+                <a:path w="19325" h="19325" extrusionOk="0">
+                  <a:moveTo>
+                    <a:pt x="9662" y="1133"/>
+                  </a:moveTo>
+                  <a:cubicBezTo>
+                    <a:pt x="11824" y="1133"/>
+                    <a:pt x="13983" y="1975"/>
+                    <a:pt x="15668" y="3657"/>
+                  </a:cubicBezTo>
+                  <a:cubicBezTo>
+                    <a:pt x="19035" y="7027"/>
+                    <a:pt x="19035" y="12302"/>
+                    <a:pt x="15668" y="15668"/>
+                  </a:cubicBezTo>
+                  <a:cubicBezTo>
+                    <a:pt x="13983" y="17352"/>
+                    <a:pt x="11822" y="18193"/>
+                    <a:pt x="9661" y="18193"/>
+                  </a:cubicBezTo>
+                  <a:cubicBezTo>
+                    <a:pt x="7500" y="18193"/>
+                    <a:pt x="5340" y="17352"/>
+                    <a:pt x="3657" y="15668"/>
+                  </a:cubicBezTo>
+                  <a:cubicBezTo>
+                    <a:pt x="290" y="12302"/>
+                    <a:pt x="290" y="7024"/>
+                    <a:pt x="3657" y="3657"/>
+                  </a:cubicBezTo>
+                  <a:cubicBezTo>
+                    <a:pt x="5342" y="1975"/>
+                    <a:pt x="7500" y="1133"/>
+                    <a:pt x="9662" y="1133"/>
+                  </a:cubicBezTo>
+                  <a:close/>
+                  <a:moveTo>
+                    <a:pt x="9662" y="1"/>
+                  </a:moveTo>
+                  <a:cubicBezTo>
+                    <a:pt x="7117" y="1"/>
+                    <a:pt x="4698" y="1015"/>
+                    <a:pt x="2857" y="2857"/>
+                  </a:cubicBezTo>
+                  <a:cubicBezTo>
+                    <a:pt x="1015" y="4699"/>
+                    <a:pt x="0" y="7117"/>
+                    <a:pt x="0" y="9663"/>
+                  </a:cubicBezTo>
+                  <a:cubicBezTo>
+                    <a:pt x="0" y="12208"/>
+                    <a:pt x="1015" y="14627"/>
+                    <a:pt x="2857" y="16469"/>
+                  </a:cubicBezTo>
+                  <a:cubicBezTo>
+                    <a:pt x="4698" y="18310"/>
+                    <a:pt x="7117" y="19325"/>
+                    <a:pt x="9662" y="19325"/>
+                  </a:cubicBezTo>
+                  <a:cubicBezTo>
+                    <a:pt x="12208" y="19325"/>
+                    <a:pt x="14626" y="18310"/>
+                    <a:pt x="16468" y="16469"/>
+                  </a:cubicBezTo>
+                  <a:cubicBezTo>
+                    <a:pt x="18310" y="14627"/>
+                    <a:pt x="19325" y="12208"/>
+                    <a:pt x="19325" y="9663"/>
+                  </a:cubicBezTo>
+                  <a:cubicBezTo>
+                    <a:pt x="19325" y="7117"/>
+                    <a:pt x="18310" y="4699"/>
+                    <a:pt x="16468" y="2857"/>
+                  </a:cubicBezTo>
+                  <a:cubicBezTo>
+                    <a:pt x="14626" y="1015"/>
+                    <a:pt x="12208" y="1"/>
+                    <a:pt x="9662" y="1"/>
+                  </a:cubicBezTo>
+                  <a:close/>
+                </a:path>
+              </a:pathLst>
+            </a:custGeom>
+            <a:solidFill>
+              <a:schemeClr val="dk1"/>
+            </a:solidFill>
+            <a:ln>
+              <a:noFill/>
+            </a:ln>
+          </p:spPr>
+          <p:txBody>
+            <a:bodyPr spcFirstLastPara="1" wrap="square" lIns="91425" tIns="91425" rIns="91425" bIns="91425" anchor="ctr" anchorCtr="0">
+              <a:noAutofit/>
+            </a:bodyPr>
+            <a:lstStyle/>
+            <a:p>
+              <a:pPr marL="0" lvl="0" indent="0" algn="l" rtl="0">
+                <a:spcBef>
+                  <a:spcPts val="0"/>
+                </a:spcBef>
+                <a:spcAft>
+                  <a:spcPts val="0"/>
+                </a:spcAft>
+                <a:buNone/>
+              </a:pPr>
+              <a:endParaRPr>
+                <a:solidFill>
+                  <a:srgbClr val="435D74"/>
+                </a:solidFill>
+              </a:endParaRPr>
+            </a:p>
+          </p:txBody>
+        </p:sp>
+        <p:sp>
+          <p:nvSpPr>
+            <p:cNvPr id="18" name="Google Shape;644;p42">
+              <a:extLst>
+                <a:ext uri="{FF2B5EF4-FFF2-40B4-BE49-F238E27FC236}">
+                  <a16:creationId xmlns:a16="http://schemas.microsoft.com/office/drawing/2014/main" id="{3F98BAD0-A348-2ABF-0D37-BF6B4F7D2C1E}"/>
+                </a:ext>
+              </a:extLst>
+            </p:cNvPr>
+            <p:cNvSpPr/>
+            <p:nvPr/>
+          </p:nvSpPr>
+          <p:spPr>
+            <a:xfrm>
+              <a:off x="1602600" y="5143950"/>
+              <a:ext cx="250350" cy="182725"/>
+            </a:xfrm>
+            <a:custGeom>
+              <a:avLst/>
+              <a:gdLst/>
+              <a:ahLst/>
+              <a:cxnLst/>
+              <a:rect l="l" t="t" r="r" b="b"/>
+              <a:pathLst>
+                <a:path w="10014" h="7309" extrusionOk="0">
+                  <a:moveTo>
+                    <a:pt x="8149" y="1134"/>
+                  </a:moveTo>
+                  <a:cubicBezTo>
+                    <a:pt x="8294" y="1134"/>
+                    <a:pt x="8439" y="1189"/>
+                    <a:pt x="8549" y="1300"/>
+                  </a:cubicBezTo>
+                  <a:cubicBezTo>
+                    <a:pt x="8769" y="1520"/>
+                    <a:pt x="8769" y="1879"/>
+                    <a:pt x="8549" y="2100"/>
+                  </a:cubicBezTo>
+                  <a:lnTo>
+                    <a:pt x="4639" y="6007"/>
+                  </a:lnTo>
+                  <a:cubicBezTo>
+                    <a:pt x="4527" y="6120"/>
+                    <a:pt x="4377" y="6177"/>
+                    <a:pt x="4227" y="6177"/>
+                  </a:cubicBezTo>
+                  <a:cubicBezTo>
+                    <a:pt x="4081" y="6177"/>
+                    <a:pt x="3937" y="6123"/>
+                    <a:pt x="3830" y="6016"/>
+                  </a:cubicBezTo>
+                  <a:lnTo>
+                    <a:pt x="1547" y="3748"/>
+                  </a:lnTo>
+                  <a:cubicBezTo>
+                    <a:pt x="1296" y="3534"/>
+                    <a:pt x="1281" y="3151"/>
+                    <a:pt x="1514" y="2918"/>
+                  </a:cubicBezTo>
+                  <a:cubicBezTo>
+                    <a:pt x="1626" y="2806"/>
+                    <a:pt x="1771" y="2750"/>
+                    <a:pt x="1916" y="2750"/>
+                  </a:cubicBezTo>
+                  <a:cubicBezTo>
+                    <a:pt x="2074" y="2750"/>
+                    <a:pt x="2232" y="2817"/>
+                    <a:pt x="2344" y="2948"/>
+                  </a:cubicBezTo>
+                  <a:lnTo>
+                    <a:pt x="3784" y="4388"/>
+                  </a:lnTo>
+                  <a:cubicBezTo>
+                    <a:pt x="3793" y="4401"/>
+                    <a:pt x="3805" y="4410"/>
+                    <a:pt x="3817" y="4419"/>
+                  </a:cubicBezTo>
+                  <a:cubicBezTo>
+                    <a:pt x="3817" y="4422"/>
+                    <a:pt x="3820" y="4422"/>
+                    <a:pt x="3823" y="4425"/>
+                  </a:cubicBezTo>
+                  <a:cubicBezTo>
+                    <a:pt x="3934" y="4535"/>
+                    <a:pt x="4078" y="4590"/>
+                    <a:pt x="4222" y="4590"/>
+                  </a:cubicBezTo>
+                  <a:cubicBezTo>
+                    <a:pt x="4367" y="4590"/>
+                    <a:pt x="4512" y="4535"/>
+                    <a:pt x="4624" y="4425"/>
+                  </a:cubicBezTo>
+                  <a:lnTo>
+                    <a:pt x="7749" y="1300"/>
+                  </a:lnTo>
+                  <a:cubicBezTo>
+                    <a:pt x="7859" y="1189"/>
+                    <a:pt x="8004" y="1134"/>
+                    <a:pt x="8149" y="1134"/>
+                  </a:cubicBezTo>
+                  <a:close/>
+                  <a:moveTo>
+                    <a:pt x="8146" y="1"/>
+                  </a:moveTo>
+                  <a:cubicBezTo>
+                    <a:pt x="7712" y="1"/>
+                    <a:pt x="7279" y="166"/>
+                    <a:pt x="6949" y="496"/>
+                  </a:cubicBezTo>
+                  <a:lnTo>
+                    <a:pt x="6946" y="496"/>
+                  </a:lnTo>
+                  <a:lnTo>
+                    <a:pt x="4219" y="3223"/>
+                  </a:lnTo>
+                  <a:lnTo>
+                    <a:pt x="3144" y="2148"/>
+                  </a:lnTo>
+                  <a:cubicBezTo>
+                    <a:pt x="2808" y="1779"/>
+                    <a:pt x="2348" y="1594"/>
+                    <a:pt x="1887" y="1594"/>
+                  </a:cubicBezTo>
+                  <a:cubicBezTo>
+                    <a:pt x="1453" y="1594"/>
+                    <a:pt x="1019" y="1758"/>
+                    <a:pt x="686" y="2091"/>
+                  </a:cubicBezTo>
+                  <a:cubicBezTo>
+                    <a:pt x="1" y="2776"/>
+                    <a:pt x="28" y="3896"/>
+                    <a:pt x="747" y="4549"/>
+                  </a:cubicBezTo>
+                  <a:lnTo>
+                    <a:pt x="3029" y="6819"/>
+                  </a:lnTo>
+                  <a:cubicBezTo>
+                    <a:pt x="3344" y="7131"/>
+                    <a:pt x="3768" y="7308"/>
+                    <a:pt x="4214" y="7308"/>
+                  </a:cubicBezTo>
+                  <a:cubicBezTo>
+                    <a:pt x="4218" y="7308"/>
+                    <a:pt x="4221" y="7308"/>
+                    <a:pt x="4225" y="7308"/>
+                  </a:cubicBezTo>
+                  <a:cubicBezTo>
+                    <a:pt x="4678" y="7308"/>
+                    <a:pt x="5116" y="7127"/>
+                    <a:pt x="5439" y="6807"/>
+                  </a:cubicBezTo>
+                  <a:lnTo>
+                    <a:pt x="9349" y="2900"/>
+                  </a:lnTo>
+                  <a:cubicBezTo>
+                    <a:pt x="10013" y="2236"/>
+                    <a:pt x="10013" y="1161"/>
+                    <a:pt x="9349" y="499"/>
+                  </a:cubicBezTo>
+                  <a:cubicBezTo>
+                    <a:pt x="9017" y="167"/>
+                    <a:pt x="8581" y="1"/>
+                    <a:pt x="8146" y="1"/>
+                  </a:cubicBezTo>
+                  <a:close/>
+                </a:path>
+              </a:pathLst>
+            </a:custGeom>
+            <a:solidFill>
+              <a:schemeClr val="dk1"/>
+            </a:solidFill>
+            <a:ln>
+              <a:noFill/>
+            </a:ln>
+          </p:spPr>
+          <p:txBody>
+            <a:bodyPr spcFirstLastPara="1" wrap="square" lIns="91425" tIns="91425" rIns="91425" bIns="91425" anchor="ctr" anchorCtr="0">
+              <a:noAutofit/>
+            </a:bodyPr>
+            <a:lstStyle/>
+            <a:p>
+              <a:pPr marL="0" lvl="0" indent="0" algn="l" rtl="0">
+                <a:spcBef>
+                  <a:spcPts val="0"/>
+                </a:spcBef>
+                <a:spcAft>
+                  <a:spcPts val="0"/>
+                </a:spcAft>
+                <a:buNone/>
+              </a:pPr>
+              <a:endParaRPr>
+                <a:solidFill>
+                  <a:srgbClr val="435D74"/>
+                </a:solidFill>
+              </a:endParaRPr>
+            </a:p>
+          </p:txBody>
+        </p:sp>
+      </p:grpSp>
+      <p:grpSp>
+        <p:nvGrpSpPr>
+          <p:cNvPr id="20" name="Google Shape;618;p42">
+            <a:extLst>
+              <a:ext uri="{FF2B5EF4-FFF2-40B4-BE49-F238E27FC236}">
+                <a16:creationId xmlns:a16="http://schemas.microsoft.com/office/drawing/2014/main" id="{BCC48E53-0549-F551-5BC3-A7F3DF0487FE}"/>
+              </a:ext>
+            </a:extLst>
+          </p:cNvPr>
+          <p:cNvGrpSpPr/>
+          <p:nvPr/>
+        </p:nvGrpSpPr>
+        <p:grpSpPr>
+          <a:xfrm>
+            <a:off x="468096" y="3549900"/>
+            <a:ext cx="911100" cy="689641"/>
+            <a:chOff x="1217362" y="1846472"/>
+            <a:chExt cx="911100" cy="689641"/>
+          </a:xfrm>
+        </p:grpSpPr>
+        <p:sp>
+          <p:nvSpPr>
+            <p:cNvPr id="21" name="Google Shape;619;p42">
+              <a:extLst>
+                <a:ext uri="{FF2B5EF4-FFF2-40B4-BE49-F238E27FC236}">
+                  <a16:creationId xmlns:a16="http://schemas.microsoft.com/office/drawing/2014/main" id="{B80ED362-779E-1371-F266-BA28F4D312B5}"/>
+                </a:ext>
+              </a:extLst>
+            </p:cNvPr>
+            <p:cNvSpPr/>
+            <p:nvPr/>
+          </p:nvSpPr>
+          <p:spPr>
+            <a:xfrm>
+              <a:off x="1217362" y="1846472"/>
+              <a:ext cx="431700" cy="505200"/>
+            </a:xfrm>
+            <a:prstGeom prst="roundRect">
+              <a:avLst>
+                <a:gd name="adj" fmla="val 6278"/>
+              </a:avLst>
+            </a:prstGeom>
+            <a:solidFill>
+              <a:schemeClr val="lt2"/>
+            </a:solidFill>
+            <a:ln w="28575" cap="flat" cmpd="sng">
+              <a:solidFill>
+                <a:schemeClr val="dk1"/>
+              </a:solidFill>
+              <a:prstDash val="solid"/>
+              <a:round/>
+              <a:headEnd type="none" w="sm" len="sm"/>
+              <a:tailEnd type="none" w="sm" len="sm"/>
+            </a:ln>
+            <a:effectLst>
+              <a:outerShdw blurRad="57150" dist="19050" dir="5400000" algn="bl" rotWithShape="0">
+                <a:schemeClr val="dk1">
+                  <a:alpha val="50000"/>
+                </a:schemeClr>
+              </a:outerShdw>
+            </a:effectLst>
+          </p:spPr>
+          <p:txBody>
+            <a:bodyPr spcFirstLastPara="1" wrap="square" lIns="91425" tIns="91425" rIns="91425" bIns="91425" anchor="ctr" anchorCtr="0">
+              <a:noAutofit/>
+            </a:bodyPr>
+            <a:lstStyle/>
+            <a:p>
+              <a:pPr marL="0" lvl="0" indent="0" algn="l" rtl="0">
+                <a:spcBef>
+                  <a:spcPts val="0"/>
+                </a:spcBef>
+                <a:spcAft>
+                  <a:spcPts val="0"/>
+                </a:spcAft>
+                <a:buNone/>
+              </a:pPr>
+              <a:endParaRPr/>
+            </a:p>
+          </p:txBody>
+        </p:sp>
+        <p:sp>
+          <p:nvSpPr>
+            <p:cNvPr id="22" name="Google Shape;620;p42">
+              <a:extLst>
+                <a:ext uri="{FF2B5EF4-FFF2-40B4-BE49-F238E27FC236}">
+                  <a16:creationId xmlns:a16="http://schemas.microsoft.com/office/drawing/2014/main" id="{CA7ECE5F-447E-3952-798C-82C620DFB7C1}"/>
+                </a:ext>
+              </a:extLst>
+            </p:cNvPr>
+            <p:cNvSpPr/>
+            <p:nvPr/>
+          </p:nvSpPr>
+          <p:spPr>
+            <a:xfrm>
+              <a:off x="1217362" y="1947213"/>
+              <a:ext cx="911100" cy="588900"/>
+            </a:xfrm>
+            <a:prstGeom prst="roundRect">
+              <a:avLst>
+                <a:gd name="adj" fmla="val 5762"/>
+              </a:avLst>
+            </a:prstGeom>
+            <a:solidFill>
+              <a:schemeClr val="lt2"/>
+            </a:solidFill>
+            <a:ln w="28575" cap="flat" cmpd="sng">
+              <a:solidFill>
+                <a:schemeClr val="dk1"/>
+              </a:solidFill>
+              <a:prstDash val="solid"/>
+              <a:round/>
+              <a:headEnd type="none" w="sm" len="sm"/>
+              <a:tailEnd type="none" w="sm" len="sm"/>
+            </a:ln>
+            <a:effectLst>
+              <a:outerShdw dist="57150" dir="2940000" algn="bl" rotWithShape="0">
+                <a:schemeClr val="dk1"/>
+              </a:outerShdw>
+            </a:effectLst>
+          </p:spPr>
+          <p:txBody>
+            <a:bodyPr spcFirstLastPara="1" wrap="square" lIns="91425" tIns="91425" rIns="91425" bIns="91425" anchor="ctr" anchorCtr="0">
+              <a:noAutofit/>
+            </a:bodyPr>
+            <a:lstStyle/>
+            <a:p>
+              <a:pPr marL="0" lvl="0" indent="0" algn="l" rtl="0">
+                <a:spcBef>
+                  <a:spcPts val="0"/>
+                </a:spcBef>
+                <a:spcAft>
+                  <a:spcPts val="0"/>
+                </a:spcAft>
+                <a:buNone/>
+              </a:pPr>
+              <a:endParaRPr/>
+            </a:p>
+          </p:txBody>
+        </p:sp>
+      </p:grpSp>
+      <p:sp>
+        <p:nvSpPr>
+          <p:cNvPr id="23" name="Google Shape;621;p42">
+            <a:extLst>
+              <a:ext uri="{FF2B5EF4-FFF2-40B4-BE49-F238E27FC236}">
+                <a16:creationId xmlns:a16="http://schemas.microsoft.com/office/drawing/2014/main" id="{13FDDF6D-8B94-14EF-9E53-9D35F8324F6D}"/>
+              </a:ext>
+            </a:extLst>
+          </p:cNvPr>
+          <p:cNvSpPr txBox="1"/>
+          <p:nvPr/>
+        </p:nvSpPr>
+        <p:spPr>
+          <a:xfrm>
+            <a:off x="1464004" y="3526471"/>
+            <a:ext cx="2317475" cy="484800"/>
+          </a:xfrm>
+          <a:prstGeom prst="rect">
+            <a:avLst/>
+          </a:prstGeom>
+          <a:noFill/>
+          <a:ln>
+            <a:noFill/>
+          </a:ln>
+        </p:spPr>
+        <p:txBody>
+          <a:bodyPr spcFirstLastPara="1" wrap="square" lIns="91425" tIns="91425" rIns="91425" bIns="91425" anchor="ctr" anchorCtr="0">
+            <a:noAutofit/>
+          </a:bodyPr>
+          <a:lstStyle/>
+          <a:p>
+            <a:pPr marL="285750" lvl="2" indent="-285750">
+              <a:buFont typeface="Arial" panose="020B0604020202020204" pitchFamily="34" charset="0"/>
+              <a:buChar char="•"/>
+            </a:pPr>
+            <a:r>
+              <a:rPr lang="en-US" b="1" dirty="0" err="1">
+                <a:solidFill>
+                  <a:schemeClr val="dk2"/>
+                </a:solidFill>
+                <a:latin typeface="Lato"/>
+                <a:ea typeface="Lato"/>
+                <a:cs typeface="Lato"/>
+                <a:sym typeface="Lato"/>
+              </a:rPr>
+              <a:t>Accéder</a:t>
+            </a:r>
+            <a:r>
+              <a:rPr lang="en-US" b="1" dirty="0">
+                <a:solidFill>
+                  <a:schemeClr val="dk2"/>
+                </a:solidFill>
+                <a:latin typeface="Lato"/>
+                <a:ea typeface="Lato"/>
+                <a:cs typeface="Lato"/>
+                <a:sym typeface="Lato"/>
+              </a:rPr>
+              <a:t> à </a:t>
+            </a:r>
+            <a:r>
+              <a:rPr lang="en-US" b="1" dirty="0" err="1">
+                <a:solidFill>
+                  <a:schemeClr val="dk2"/>
+                </a:solidFill>
+                <a:latin typeface="Lato"/>
+                <a:ea typeface="Lato"/>
+                <a:cs typeface="Lato"/>
+                <a:sym typeface="Lato"/>
+              </a:rPr>
+              <a:t>une</a:t>
+            </a:r>
+            <a:r>
+              <a:rPr lang="en-US" b="1" dirty="0">
+                <a:solidFill>
+                  <a:schemeClr val="dk2"/>
+                </a:solidFill>
+                <a:latin typeface="Lato"/>
+                <a:ea typeface="Lato"/>
+                <a:cs typeface="Lato"/>
+                <a:sym typeface="Lato"/>
+              </a:rPr>
+              <a:t> </a:t>
+            </a:r>
+            <a:r>
+              <a:rPr lang="en-US" b="1" dirty="0" err="1">
+                <a:solidFill>
+                  <a:schemeClr val="dk2"/>
+                </a:solidFill>
+                <a:latin typeface="Lato"/>
+                <a:ea typeface="Lato"/>
+                <a:cs typeface="Lato"/>
+                <a:sym typeface="Lato"/>
+              </a:rPr>
+              <a:t>ligne</a:t>
+            </a:r>
+            <a:r>
+              <a:rPr lang="en-US" b="1" dirty="0">
+                <a:solidFill>
+                  <a:schemeClr val="dk2"/>
+                </a:solidFill>
+                <a:latin typeface="Lato"/>
+                <a:ea typeface="Lato"/>
+                <a:cs typeface="Lato"/>
+                <a:sym typeface="Lato"/>
+              </a:rPr>
+              <a:t>:</a:t>
+            </a:r>
+          </a:p>
+        </p:txBody>
+      </p:sp>
+      <p:grpSp>
+        <p:nvGrpSpPr>
+          <p:cNvPr id="24" name="Google Shape;642;p42">
+            <a:extLst>
+              <a:ext uri="{FF2B5EF4-FFF2-40B4-BE49-F238E27FC236}">
+                <a16:creationId xmlns:a16="http://schemas.microsoft.com/office/drawing/2014/main" id="{C3C17A64-E858-E69A-1610-8E66EA8E4C6E}"/>
+              </a:ext>
+            </a:extLst>
+          </p:cNvPr>
+          <p:cNvGrpSpPr/>
+          <p:nvPr/>
+        </p:nvGrpSpPr>
+        <p:grpSpPr>
+          <a:xfrm>
+            <a:off x="741511" y="3677963"/>
+            <a:ext cx="355049" cy="355049"/>
+            <a:chOff x="1487200" y="4993750"/>
+            <a:chExt cx="483125" cy="483125"/>
+          </a:xfrm>
+        </p:grpSpPr>
+        <p:sp>
+          <p:nvSpPr>
+            <p:cNvPr id="25" name="Google Shape;643;p42">
+              <a:extLst>
+                <a:ext uri="{FF2B5EF4-FFF2-40B4-BE49-F238E27FC236}">
+                  <a16:creationId xmlns:a16="http://schemas.microsoft.com/office/drawing/2014/main" id="{50BDADA8-BA51-C08D-82E9-C45F30BA710A}"/>
+                </a:ext>
+              </a:extLst>
+            </p:cNvPr>
+            <p:cNvSpPr/>
+            <p:nvPr/>
+          </p:nvSpPr>
+          <p:spPr>
+            <a:xfrm>
+              <a:off x="1487200" y="4993750"/>
+              <a:ext cx="483125" cy="483125"/>
+            </a:xfrm>
+            <a:custGeom>
+              <a:avLst/>
+              <a:gdLst/>
+              <a:ahLst/>
+              <a:cxnLst/>
+              <a:rect l="l" t="t" r="r" b="b"/>
+              <a:pathLst>
+                <a:path w="19325" h="19325" extrusionOk="0">
+                  <a:moveTo>
+                    <a:pt x="9662" y="1133"/>
+                  </a:moveTo>
+                  <a:cubicBezTo>
+                    <a:pt x="11824" y="1133"/>
+                    <a:pt x="13983" y="1975"/>
+                    <a:pt x="15668" y="3657"/>
+                  </a:cubicBezTo>
+                  <a:cubicBezTo>
+                    <a:pt x="19035" y="7027"/>
+                    <a:pt x="19035" y="12302"/>
+                    <a:pt x="15668" y="15668"/>
+                  </a:cubicBezTo>
+                  <a:cubicBezTo>
+                    <a:pt x="13983" y="17352"/>
+                    <a:pt x="11822" y="18193"/>
+                    <a:pt x="9661" y="18193"/>
+                  </a:cubicBezTo>
+                  <a:cubicBezTo>
+                    <a:pt x="7500" y="18193"/>
+                    <a:pt x="5340" y="17352"/>
+                    <a:pt x="3657" y="15668"/>
+                  </a:cubicBezTo>
+                  <a:cubicBezTo>
+                    <a:pt x="290" y="12302"/>
+                    <a:pt x="290" y="7024"/>
+                    <a:pt x="3657" y="3657"/>
+                  </a:cubicBezTo>
+                  <a:cubicBezTo>
+                    <a:pt x="5342" y="1975"/>
+                    <a:pt x="7500" y="1133"/>
+                    <a:pt x="9662" y="1133"/>
+                  </a:cubicBezTo>
+                  <a:close/>
+                  <a:moveTo>
+                    <a:pt x="9662" y="1"/>
+                  </a:moveTo>
+                  <a:cubicBezTo>
+                    <a:pt x="7117" y="1"/>
+                    <a:pt x="4698" y="1015"/>
+                    <a:pt x="2857" y="2857"/>
+                  </a:cubicBezTo>
+                  <a:cubicBezTo>
+                    <a:pt x="1015" y="4699"/>
+                    <a:pt x="0" y="7117"/>
+                    <a:pt x="0" y="9663"/>
+                  </a:cubicBezTo>
+                  <a:cubicBezTo>
+                    <a:pt x="0" y="12208"/>
+                    <a:pt x="1015" y="14627"/>
+                    <a:pt x="2857" y="16469"/>
+                  </a:cubicBezTo>
+                  <a:cubicBezTo>
+                    <a:pt x="4698" y="18310"/>
+                    <a:pt x="7117" y="19325"/>
+                    <a:pt x="9662" y="19325"/>
+                  </a:cubicBezTo>
+                  <a:cubicBezTo>
+                    <a:pt x="12208" y="19325"/>
+                    <a:pt x="14626" y="18310"/>
+                    <a:pt x="16468" y="16469"/>
+                  </a:cubicBezTo>
+                  <a:cubicBezTo>
+                    <a:pt x="18310" y="14627"/>
+                    <a:pt x="19325" y="12208"/>
+                    <a:pt x="19325" y="9663"/>
+                  </a:cubicBezTo>
+                  <a:cubicBezTo>
+                    <a:pt x="19325" y="7117"/>
+                    <a:pt x="18310" y="4699"/>
+                    <a:pt x="16468" y="2857"/>
+                  </a:cubicBezTo>
+                  <a:cubicBezTo>
+                    <a:pt x="14626" y="1015"/>
+                    <a:pt x="12208" y="1"/>
+                    <a:pt x="9662" y="1"/>
+                  </a:cubicBezTo>
+                  <a:close/>
+                </a:path>
+              </a:pathLst>
+            </a:custGeom>
+            <a:solidFill>
+              <a:schemeClr val="dk1"/>
+            </a:solidFill>
+            <a:ln>
+              <a:noFill/>
+            </a:ln>
+          </p:spPr>
+          <p:txBody>
+            <a:bodyPr spcFirstLastPara="1" wrap="square" lIns="91425" tIns="91425" rIns="91425" bIns="91425" anchor="ctr" anchorCtr="0">
+              <a:noAutofit/>
+            </a:bodyPr>
+            <a:lstStyle/>
+            <a:p>
+              <a:pPr marL="0" lvl="0" indent="0" algn="l" rtl="0">
+                <a:spcBef>
+                  <a:spcPts val="0"/>
+                </a:spcBef>
+                <a:spcAft>
+                  <a:spcPts val="0"/>
+                </a:spcAft>
+                <a:buNone/>
+              </a:pPr>
+              <a:endParaRPr>
+                <a:solidFill>
+                  <a:srgbClr val="435D74"/>
+                </a:solidFill>
+              </a:endParaRPr>
+            </a:p>
+          </p:txBody>
+        </p:sp>
+        <p:sp>
+          <p:nvSpPr>
+            <p:cNvPr id="26" name="Google Shape;644;p42">
+              <a:extLst>
+                <a:ext uri="{FF2B5EF4-FFF2-40B4-BE49-F238E27FC236}">
+                  <a16:creationId xmlns:a16="http://schemas.microsoft.com/office/drawing/2014/main" id="{0A361F89-752B-51D6-104D-2CEF28A5BA1D}"/>
+                </a:ext>
+              </a:extLst>
+            </p:cNvPr>
+            <p:cNvSpPr/>
+            <p:nvPr/>
+          </p:nvSpPr>
+          <p:spPr>
+            <a:xfrm>
+              <a:off x="1602600" y="5143950"/>
+              <a:ext cx="250350" cy="182725"/>
+            </a:xfrm>
+            <a:custGeom>
+              <a:avLst/>
+              <a:gdLst/>
+              <a:ahLst/>
+              <a:cxnLst/>
+              <a:rect l="l" t="t" r="r" b="b"/>
+              <a:pathLst>
+                <a:path w="10014" h="7309" extrusionOk="0">
+                  <a:moveTo>
+                    <a:pt x="8149" y="1134"/>
+                  </a:moveTo>
+                  <a:cubicBezTo>
+                    <a:pt x="8294" y="1134"/>
+                    <a:pt x="8439" y="1189"/>
+                    <a:pt x="8549" y="1300"/>
+                  </a:cubicBezTo>
+                  <a:cubicBezTo>
+                    <a:pt x="8769" y="1520"/>
+                    <a:pt x="8769" y="1879"/>
+                    <a:pt x="8549" y="2100"/>
+                  </a:cubicBezTo>
+                  <a:lnTo>
+                    <a:pt x="4639" y="6007"/>
+                  </a:lnTo>
+                  <a:cubicBezTo>
+                    <a:pt x="4527" y="6120"/>
+                    <a:pt x="4377" y="6177"/>
+                    <a:pt x="4227" y="6177"/>
+                  </a:cubicBezTo>
+                  <a:cubicBezTo>
+                    <a:pt x="4081" y="6177"/>
+                    <a:pt x="3937" y="6123"/>
+                    <a:pt x="3830" y="6016"/>
+                  </a:cubicBezTo>
+                  <a:lnTo>
+                    <a:pt x="1547" y="3748"/>
+                  </a:lnTo>
+                  <a:cubicBezTo>
+                    <a:pt x="1296" y="3534"/>
+                    <a:pt x="1281" y="3151"/>
+                    <a:pt x="1514" y="2918"/>
+                  </a:cubicBezTo>
+                  <a:cubicBezTo>
+                    <a:pt x="1626" y="2806"/>
+                    <a:pt x="1771" y="2750"/>
+                    <a:pt x="1916" y="2750"/>
+                  </a:cubicBezTo>
+                  <a:cubicBezTo>
+                    <a:pt x="2074" y="2750"/>
+                    <a:pt x="2232" y="2817"/>
+                    <a:pt x="2344" y="2948"/>
+                  </a:cubicBezTo>
+                  <a:lnTo>
+                    <a:pt x="3784" y="4388"/>
+                  </a:lnTo>
+                  <a:cubicBezTo>
+                    <a:pt x="3793" y="4401"/>
+                    <a:pt x="3805" y="4410"/>
+                    <a:pt x="3817" y="4419"/>
+                  </a:cubicBezTo>
+                  <a:cubicBezTo>
+                    <a:pt x="3817" y="4422"/>
+                    <a:pt x="3820" y="4422"/>
+                    <a:pt x="3823" y="4425"/>
+                  </a:cubicBezTo>
+                  <a:cubicBezTo>
+                    <a:pt x="3934" y="4535"/>
+                    <a:pt x="4078" y="4590"/>
+                    <a:pt x="4222" y="4590"/>
+                  </a:cubicBezTo>
+                  <a:cubicBezTo>
+                    <a:pt x="4367" y="4590"/>
+                    <a:pt x="4512" y="4535"/>
+                    <a:pt x="4624" y="4425"/>
+                  </a:cubicBezTo>
+                  <a:lnTo>
+                    <a:pt x="7749" y="1300"/>
+                  </a:lnTo>
+                  <a:cubicBezTo>
+                    <a:pt x="7859" y="1189"/>
+                    <a:pt x="8004" y="1134"/>
+                    <a:pt x="8149" y="1134"/>
+                  </a:cubicBezTo>
+                  <a:close/>
+                  <a:moveTo>
+                    <a:pt x="8146" y="1"/>
+                  </a:moveTo>
+                  <a:cubicBezTo>
+                    <a:pt x="7712" y="1"/>
+                    <a:pt x="7279" y="166"/>
+                    <a:pt x="6949" y="496"/>
+                  </a:cubicBezTo>
+                  <a:lnTo>
+                    <a:pt x="6946" y="496"/>
+                  </a:lnTo>
+                  <a:lnTo>
+                    <a:pt x="4219" y="3223"/>
+                  </a:lnTo>
+                  <a:lnTo>
+                    <a:pt x="3144" y="2148"/>
+                  </a:lnTo>
+                  <a:cubicBezTo>
+                    <a:pt x="2808" y="1779"/>
+                    <a:pt x="2348" y="1594"/>
+                    <a:pt x="1887" y="1594"/>
+                  </a:cubicBezTo>
+                  <a:cubicBezTo>
+                    <a:pt x="1453" y="1594"/>
+                    <a:pt x="1019" y="1758"/>
+                    <a:pt x="686" y="2091"/>
+                  </a:cubicBezTo>
+                  <a:cubicBezTo>
+                    <a:pt x="1" y="2776"/>
+                    <a:pt x="28" y="3896"/>
+                    <a:pt x="747" y="4549"/>
+                  </a:cubicBezTo>
+                  <a:lnTo>
+                    <a:pt x="3029" y="6819"/>
+                  </a:lnTo>
+                  <a:cubicBezTo>
+                    <a:pt x="3344" y="7131"/>
+                    <a:pt x="3768" y="7308"/>
+                    <a:pt x="4214" y="7308"/>
+                  </a:cubicBezTo>
+                  <a:cubicBezTo>
+                    <a:pt x="4218" y="7308"/>
+                    <a:pt x="4221" y="7308"/>
+                    <a:pt x="4225" y="7308"/>
+                  </a:cubicBezTo>
+                  <a:cubicBezTo>
+                    <a:pt x="4678" y="7308"/>
+                    <a:pt x="5116" y="7127"/>
+                    <a:pt x="5439" y="6807"/>
+                  </a:cubicBezTo>
+                  <a:lnTo>
+                    <a:pt x="9349" y="2900"/>
+                  </a:lnTo>
+                  <a:cubicBezTo>
+                    <a:pt x="10013" y="2236"/>
+                    <a:pt x="10013" y="1161"/>
+                    <a:pt x="9349" y="499"/>
+                  </a:cubicBezTo>
+                  <a:cubicBezTo>
+                    <a:pt x="9017" y="167"/>
+                    <a:pt x="8581" y="1"/>
+                    <a:pt x="8146" y="1"/>
+                  </a:cubicBezTo>
+                  <a:close/>
+                </a:path>
+              </a:pathLst>
+            </a:custGeom>
+            <a:solidFill>
+              <a:schemeClr val="dk1"/>
+            </a:solidFill>
+            <a:ln>
+              <a:noFill/>
+            </a:ln>
+          </p:spPr>
+          <p:txBody>
+            <a:bodyPr spcFirstLastPara="1" wrap="square" lIns="91425" tIns="91425" rIns="91425" bIns="91425" anchor="ctr" anchorCtr="0">
+              <a:noAutofit/>
+            </a:bodyPr>
+            <a:lstStyle/>
+            <a:p>
+              <a:pPr marL="0" lvl="0" indent="0" algn="l" rtl="0">
+                <a:spcBef>
+                  <a:spcPts val="0"/>
+                </a:spcBef>
+                <a:spcAft>
+                  <a:spcPts val="0"/>
+                </a:spcAft>
+                <a:buNone/>
+              </a:pPr>
+              <a:endParaRPr>
+                <a:solidFill>
+                  <a:srgbClr val="435D74"/>
+                </a:solidFill>
+              </a:endParaRPr>
+            </a:p>
+          </p:txBody>
+        </p:sp>
+      </p:grpSp>
+      <p:grpSp>
+        <p:nvGrpSpPr>
+          <p:cNvPr id="675" name="Google Shape;618;p42">
+            <a:extLst>
+              <a:ext uri="{FF2B5EF4-FFF2-40B4-BE49-F238E27FC236}">
+                <a16:creationId xmlns:a16="http://schemas.microsoft.com/office/drawing/2014/main" id="{5237D959-A259-D5BE-DC34-5959FFDAFD62}"/>
+              </a:ext>
+            </a:extLst>
+          </p:cNvPr>
+          <p:cNvGrpSpPr/>
+          <p:nvPr/>
+        </p:nvGrpSpPr>
+        <p:grpSpPr>
+          <a:xfrm>
+            <a:off x="4667697" y="1415643"/>
+            <a:ext cx="911100" cy="689641"/>
+            <a:chOff x="1217362" y="1846472"/>
+            <a:chExt cx="911100" cy="689641"/>
+          </a:xfrm>
+        </p:grpSpPr>
+        <p:sp>
+          <p:nvSpPr>
+            <p:cNvPr id="676" name="Google Shape;619;p42">
+              <a:extLst>
+                <a:ext uri="{FF2B5EF4-FFF2-40B4-BE49-F238E27FC236}">
+                  <a16:creationId xmlns:a16="http://schemas.microsoft.com/office/drawing/2014/main" id="{08B2D9B0-FE0D-EB72-56F5-AD94A8519B38}"/>
+                </a:ext>
+              </a:extLst>
+            </p:cNvPr>
+            <p:cNvSpPr/>
+            <p:nvPr/>
+          </p:nvSpPr>
+          <p:spPr>
+            <a:xfrm>
+              <a:off x="1217362" y="1846472"/>
+              <a:ext cx="431700" cy="505200"/>
+            </a:xfrm>
+            <a:prstGeom prst="roundRect">
+              <a:avLst>
+                <a:gd name="adj" fmla="val 6278"/>
+              </a:avLst>
+            </a:prstGeom>
+            <a:solidFill>
+              <a:schemeClr val="lt2"/>
+            </a:solidFill>
+            <a:ln w="28575" cap="flat" cmpd="sng">
+              <a:solidFill>
+                <a:schemeClr val="dk1"/>
+              </a:solidFill>
+              <a:prstDash val="solid"/>
+              <a:round/>
+              <a:headEnd type="none" w="sm" len="sm"/>
+              <a:tailEnd type="none" w="sm" len="sm"/>
+            </a:ln>
+            <a:effectLst>
+              <a:outerShdw blurRad="57150" dist="19050" dir="5400000" algn="bl" rotWithShape="0">
+                <a:schemeClr val="dk1">
+                  <a:alpha val="50000"/>
+                </a:schemeClr>
+              </a:outerShdw>
+            </a:effectLst>
+          </p:spPr>
+          <p:txBody>
+            <a:bodyPr spcFirstLastPara="1" wrap="square" lIns="91425" tIns="91425" rIns="91425" bIns="91425" anchor="ctr" anchorCtr="0">
+              <a:noAutofit/>
+            </a:bodyPr>
+            <a:lstStyle/>
+            <a:p>
+              <a:pPr marL="0" lvl="0" indent="0" algn="l" rtl="0">
+                <a:spcBef>
+                  <a:spcPts val="0"/>
+                </a:spcBef>
+                <a:spcAft>
+                  <a:spcPts val="0"/>
+                </a:spcAft>
+                <a:buNone/>
+              </a:pPr>
+              <a:endParaRPr/>
+            </a:p>
+          </p:txBody>
+        </p:sp>
+        <p:sp>
+          <p:nvSpPr>
+            <p:cNvPr id="677" name="Google Shape;620;p42">
+              <a:extLst>
+                <a:ext uri="{FF2B5EF4-FFF2-40B4-BE49-F238E27FC236}">
+                  <a16:creationId xmlns:a16="http://schemas.microsoft.com/office/drawing/2014/main" id="{13F3F8BD-2F76-93B6-C3B1-3536F41AFE9A}"/>
+                </a:ext>
+              </a:extLst>
+            </p:cNvPr>
+            <p:cNvSpPr/>
+            <p:nvPr/>
+          </p:nvSpPr>
+          <p:spPr>
+            <a:xfrm>
+              <a:off x="1217362" y="1947213"/>
+              <a:ext cx="911100" cy="588900"/>
+            </a:xfrm>
+            <a:prstGeom prst="roundRect">
+              <a:avLst>
+                <a:gd name="adj" fmla="val 5762"/>
+              </a:avLst>
+            </a:prstGeom>
+            <a:solidFill>
+              <a:schemeClr val="lt2"/>
+            </a:solidFill>
+            <a:ln w="28575" cap="flat" cmpd="sng">
+              <a:solidFill>
+                <a:schemeClr val="dk1"/>
+              </a:solidFill>
+              <a:prstDash val="solid"/>
+              <a:round/>
+              <a:headEnd type="none" w="sm" len="sm"/>
+              <a:tailEnd type="none" w="sm" len="sm"/>
+            </a:ln>
+            <a:effectLst>
+              <a:outerShdw dist="57150" dir="2940000" algn="bl" rotWithShape="0">
+                <a:schemeClr val="dk1"/>
+              </a:outerShdw>
+            </a:effectLst>
+          </p:spPr>
+          <p:txBody>
+            <a:bodyPr spcFirstLastPara="1" wrap="square" lIns="91425" tIns="91425" rIns="91425" bIns="91425" anchor="ctr" anchorCtr="0">
+              <a:noAutofit/>
+            </a:bodyPr>
+            <a:lstStyle/>
+            <a:p>
+              <a:pPr marL="0" lvl="0" indent="0" algn="l" rtl="0">
+                <a:spcBef>
+                  <a:spcPts val="0"/>
+                </a:spcBef>
+                <a:spcAft>
+                  <a:spcPts val="0"/>
+                </a:spcAft>
+                <a:buNone/>
+              </a:pPr>
+              <a:endParaRPr/>
+            </a:p>
+          </p:txBody>
+        </p:sp>
+      </p:grpSp>
+      <p:sp>
+        <p:nvSpPr>
+          <p:cNvPr id="678" name="Google Shape;621;p42">
+            <a:extLst>
+              <a:ext uri="{FF2B5EF4-FFF2-40B4-BE49-F238E27FC236}">
+                <a16:creationId xmlns:a16="http://schemas.microsoft.com/office/drawing/2014/main" id="{BA0640C6-E27F-78ED-C528-BD423CA495E7}"/>
+              </a:ext>
+            </a:extLst>
+          </p:cNvPr>
+          <p:cNvSpPr txBox="1"/>
+          <p:nvPr/>
+        </p:nvSpPr>
+        <p:spPr>
+          <a:xfrm>
+            <a:off x="5663605" y="1392214"/>
+            <a:ext cx="2856117" cy="484800"/>
+          </a:xfrm>
+          <a:prstGeom prst="rect">
+            <a:avLst/>
+          </a:prstGeom>
+          <a:noFill/>
+          <a:ln>
+            <a:noFill/>
+          </a:ln>
+        </p:spPr>
+        <p:txBody>
+          <a:bodyPr spcFirstLastPara="1" wrap="square" lIns="91425" tIns="91425" rIns="91425" bIns="91425" anchor="ctr" anchorCtr="0">
+            <a:noAutofit/>
+          </a:bodyPr>
+          <a:lstStyle/>
+          <a:p>
+            <a:pPr marL="285750" lvl="2" indent="-285750">
+              <a:buFont typeface="Arial" panose="020B0604020202020204" pitchFamily="34" charset="0"/>
+              <a:buChar char="•"/>
+            </a:pPr>
+            <a:r>
+              <a:rPr lang="en-US" b="1" dirty="0" err="1">
+                <a:solidFill>
+                  <a:schemeClr val="dk2"/>
+                </a:solidFill>
+                <a:latin typeface="Lato"/>
+                <a:ea typeface="Lato"/>
+                <a:cs typeface="Lato"/>
+                <a:sym typeface="Lato"/>
+              </a:rPr>
+              <a:t>Accéder</a:t>
+            </a:r>
+            <a:r>
+              <a:rPr lang="en-US" b="1" dirty="0">
+                <a:solidFill>
+                  <a:schemeClr val="dk2"/>
+                </a:solidFill>
+                <a:latin typeface="Lato"/>
+                <a:ea typeface="Lato"/>
+                <a:cs typeface="Lato"/>
+                <a:sym typeface="Lato"/>
+              </a:rPr>
+              <a:t> à </a:t>
+            </a:r>
+            <a:r>
+              <a:rPr lang="en-US" b="1" dirty="0" err="1">
+                <a:solidFill>
+                  <a:schemeClr val="dk2"/>
+                </a:solidFill>
+                <a:latin typeface="Lato"/>
+                <a:ea typeface="Lato"/>
+                <a:cs typeface="Lato"/>
+                <a:sym typeface="Lato"/>
+              </a:rPr>
+              <a:t>plusieurs</a:t>
+            </a:r>
+            <a:r>
+              <a:rPr lang="en-US" b="1" dirty="0">
+                <a:solidFill>
+                  <a:schemeClr val="dk2"/>
+                </a:solidFill>
+                <a:latin typeface="Lato"/>
+                <a:ea typeface="Lato"/>
+                <a:cs typeface="Lato"/>
+                <a:sym typeface="Lato"/>
+              </a:rPr>
+              <a:t> </a:t>
+            </a:r>
+            <a:r>
+              <a:rPr lang="en-US" b="1" dirty="0" err="1">
+                <a:solidFill>
+                  <a:schemeClr val="dk2"/>
+                </a:solidFill>
+                <a:latin typeface="Lato"/>
+                <a:ea typeface="Lato"/>
+                <a:cs typeface="Lato"/>
+                <a:sym typeface="Lato"/>
+              </a:rPr>
+              <a:t>lignes</a:t>
+            </a:r>
+            <a:r>
+              <a:rPr lang="en-US" b="1" dirty="0">
+                <a:solidFill>
+                  <a:schemeClr val="dk2"/>
+                </a:solidFill>
+                <a:latin typeface="Lato"/>
+                <a:ea typeface="Lato"/>
+                <a:cs typeface="Lato"/>
+                <a:sym typeface="Lato"/>
+              </a:rPr>
+              <a:t>:</a:t>
+            </a:r>
+          </a:p>
+        </p:txBody>
+      </p:sp>
+      <p:grpSp>
+        <p:nvGrpSpPr>
+          <p:cNvPr id="679" name="Google Shape;642;p42">
+            <a:extLst>
+              <a:ext uri="{FF2B5EF4-FFF2-40B4-BE49-F238E27FC236}">
+                <a16:creationId xmlns:a16="http://schemas.microsoft.com/office/drawing/2014/main" id="{AC3618C3-9F7B-1BC1-E85B-73E9577B28B3}"/>
+              </a:ext>
+            </a:extLst>
+          </p:cNvPr>
+          <p:cNvGrpSpPr/>
+          <p:nvPr/>
+        </p:nvGrpSpPr>
+        <p:grpSpPr>
+          <a:xfrm>
+            <a:off x="4944759" y="1576838"/>
+            <a:ext cx="355049" cy="355049"/>
+            <a:chOff x="1487200" y="4993750"/>
+            <a:chExt cx="483125" cy="483125"/>
+          </a:xfrm>
+        </p:grpSpPr>
+        <p:sp>
+          <p:nvSpPr>
+            <p:cNvPr id="680" name="Google Shape;643;p42">
+              <a:extLst>
+                <a:ext uri="{FF2B5EF4-FFF2-40B4-BE49-F238E27FC236}">
+                  <a16:creationId xmlns:a16="http://schemas.microsoft.com/office/drawing/2014/main" id="{92B76F6C-D993-C071-6C76-FE0BAF9ED480}"/>
+                </a:ext>
+              </a:extLst>
+            </p:cNvPr>
+            <p:cNvSpPr/>
+            <p:nvPr/>
+          </p:nvSpPr>
+          <p:spPr>
+            <a:xfrm>
+              <a:off x="1487200" y="4993750"/>
+              <a:ext cx="483125" cy="483125"/>
+            </a:xfrm>
+            <a:custGeom>
+              <a:avLst/>
+              <a:gdLst/>
+              <a:ahLst/>
+              <a:cxnLst/>
+              <a:rect l="l" t="t" r="r" b="b"/>
+              <a:pathLst>
+                <a:path w="19325" h="19325" extrusionOk="0">
+                  <a:moveTo>
+                    <a:pt x="9662" y="1133"/>
+                  </a:moveTo>
+                  <a:cubicBezTo>
+                    <a:pt x="11824" y="1133"/>
+                    <a:pt x="13983" y="1975"/>
+                    <a:pt x="15668" y="3657"/>
+                  </a:cubicBezTo>
+                  <a:cubicBezTo>
+                    <a:pt x="19035" y="7027"/>
+                    <a:pt x="19035" y="12302"/>
+                    <a:pt x="15668" y="15668"/>
+                  </a:cubicBezTo>
+                  <a:cubicBezTo>
+                    <a:pt x="13983" y="17352"/>
+                    <a:pt x="11822" y="18193"/>
+                    <a:pt x="9661" y="18193"/>
+                  </a:cubicBezTo>
+                  <a:cubicBezTo>
+                    <a:pt x="7500" y="18193"/>
+                    <a:pt x="5340" y="17352"/>
+                    <a:pt x="3657" y="15668"/>
+                  </a:cubicBezTo>
+                  <a:cubicBezTo>
+                    <a:pt x="290" y="12302"/>
+                    <a:pt x="290" y="7024"/>
+                    <a:pt x="3657" y="3657"/>
+                  </a:cubicBezTo>
+                  <a:cubicBezTo>
+                    <a:pt x="5342" y="1975"/>
+                    <a:pt x="7500" y="1133"/>
+                    <a:pt x="9662" y="1133"/>
+                  </a:cubicBezTo>
+                  <a:close/>
+                  <a:moveTo>
+                    <a:pt x="9662" y="1"/>
+                  </a:moveTo>
+                  <a:cubicBezTo>
+                    <a:pt x="7117" y="1"/>
+                    <a:pt x="4698" y="1015"/>
+                    <a:pt x="2857" y="2857"/>
+                  </a:cubicBezTo>
+                  <a:cubicBezTo>
+                    <a:pt x="1015" y="4699"/>
+                    <a:pt x="0" y="7117"/>
+                    <a:pt x="0" y="9663"/>
+                  </a:cubicBezTo>
+                  <a:cubicBezTo>
+                    <a:pt x="0" y="12208"/>
+                    <a:pt x="1015" y="14627"/>
+                    <a:pt x="2857" y="16469"/>
+                  </a:cubicBezTo>
+                  <a:cubicBezTo>
+                    <a:pt x="4698" y="18310"/>
+                    <a:pt x="7117" y="19325"/>
+                    <a:pt x="9662" y="19325"/>
+                  </a:cubicBezTo>
+                  <a:cubicBezTo>
+                    <a:pt x="12208" y="19325"/>
+                    <a:pt x="14626" y="18310"/>
+                    <a:pt x="16468" y="16469"/>
+                  </a:cubicBezTo>
+                  <a:cubicBezTo>
+                    <a:pt x="18310" y="14627"/>
+                    <a:pt x="19325" y="12208"/>
+                    <a:pt x="19325" y="9663"/>
+                  </a:cubicBezTo>
+                  <a:cubicBezTo>
+                    <a:pt x="19325" y="7117"/>
+                    <a:pt x="18310" y="4699"/>
+                    <a:pt x="16468" y="2857"/>
+                  </a:cubicBezTo>
+                  <a:cubicBezTo>
+                    <a:pt x="14626" y="1015"/>
+                    <a:pt x="12208" y="1"/>
+                    <a:pt x="9662" y="1"/>
+                  </a:cubicBezTo>
+                  <a:close/>
+                </a:path>
+              </a:pathLst>
+            </a:custGeom>
+            <a:solidFill>
+              <a:schemeClr val="dk1"/>
+            </a:solidFill>
+            <a:ln>
+              <a:noFill/>
+            </a:ln>
+          </p:spPr>
+          <p:txBody>
+            <a:bodyPr spcFirstLastPara="1" wrap="square" lIns="91425" tIns="91425" rIns="91425" bIns="91425" anchor="ctr" anchorCtr="0">
+              <a:noAutofit/>
+            </a:bodyPr>
+            <a:lstStyle/>
+            <a:p>
+              <a:pPr marL="0" lvl="0" indent="0" algn="l" rtl="0">
+                <a:spcBef>
+                  <a:spcPts val="0"/>
+                </a:spcBef>
+                <a:spcAft>
+                  <a:spcPts val="0"/>
+                </a:spcAft>
+                <a:buNone/>
+              </a:pPr>
+              <a:endParaRPr>
+                <a:solidFill>
+                  <a:srgbClr val="435D74"/>
+                </a:solidFill>
+              </a:endParaRPr>
+            </a:p>
+          </p:txBody>
+        </p:sp>
+        <p:sp>
+          <p:nvSpPr>
+            <p:cNvPr id="681" name="Google Shape;644;p42">
+              <a:extLst>
+                <a:ext uri="{FF2B5EF4-FFF2-40B4-BE49-F238E27FC236}">
+                  <a16:creationId xmlns:a16="http://schemas.microsoft.com/office/drawing/2014/main" id="{3F5329E1-2E6F-C373-A0BB-28DCE693C19F}"/>
+                </a:ext>
+              </a:extLst>
+            </p:cNvPr>
+            <p:cNvSpPr/>
+            <p:nvPr/>
+          </p:nvSpPr>
+          <p:spPr>
+            <a:xfrm>
+              <a:off x="1602600" y="5143950"/>
+              <a:ext cx="250350" cy="182725"/>
+            </a:xfrm>
+            <a:custGeom>
+              <a:avLst/>
+              <a:gdLst/>
+              <a:ahLst/>
+              <a:cxnLst/>
+              <a:rect l="l" t="t" r="r" b="b"/>
+              <a:pathLst>
+                <a:path w="10014" h="7309" extrusionOk="0">
+                  <a:moveTo>
+                    <a:pt x="8149" y="1134"/>
+                  </a:moveTo>
+                  <a:cubicBezTo>
+                    <a:pt x="8294" y="1134"/>
+                    <a:pt x="8439" y="1189"/>
+                    <a:pt x="8549" y="1300"/>
+                  </a:cubicBezTo>
+                  <a:cubicBezTo>
+                    <a:pt x="8769" y="1520"/>
+                    <a:pt x="8769" y="1879"/>
+                    <a:pt x="8549" y="2100"/>
+                  </a:cubicBezTo>
+                  <a:lnTo>
+                    <a:pt x="4639" y="6007"/>
+                  </a:lnTo>
+                  <a:cubicBezTo>
+                    <a:pt x="4527" y="6120"/>
+                    <a:pt x="4377" y="6177"/>
+                    <a:pt x="4227" y="6177"/>
+                  </a:cubicBezTo>
+                  <a:cubicBezTo>
+                    <a:pt x="4081" y="6177"/>
+                    <a:pt x="3937" y="6123"/>
+                    <a:pt x="3830" y="6016"/>
+                  </a:cubicBezTo>
+                  <a:lnTo>
+                    <a:pt x="1547" y="3748"/>
+                  </a:lnTo>
+                  <a:cubicBezTo>
+                    <a:pt x="1296" y="3534"/>
+                    <a:pt x="1281" y="3151"/>
+                    <a:pt x="1514" y="2918"/>
+                  </a:cubicBezTo>
+                  <a:cubicBezTo>
+                    <a:pt x="1626" y="2806"/>
+                    <a:pt x="1771" y="2750"/>
+                    <a:pt x="1916" y="2750"/>
+                  </a:cubicBezTo>
+                  <a:cubicBezTo>
+                    <a:pt x="2074" y="2750"/>
+                    <a:pt x="2232" y="2817"/>
+                    <a:pt x="2344" y="2948"/>
+                  </a:cubicBezTo>
+                  <a:lnTo>
+                    <a:pt x="3784" y="4388"/>
+                  </a:lnTo>
+                  <a:cubicBezTo>
+                    <a:pt x="3793" y="4401"/>
+                    <a:pt x="3805" y="4410"/>
+                    <a:pt x="3817" y="4419"/>
+                  </a:cubicBezTo>
+                  <a:cubicBezTo>
+                    <a:pt x="3817" y="4422"/>
+                    <a:pt x="3820" y="4422"/>
+                    <a:pt x="3823" y="4425"/>
+                  </a:cubicBezTo>
+                  <a:cubicBezTo>
+                    <a:pt x="3934" y="4535"/>
+                    <a:pt x="4078" y="4590"/>
+                    <a:pt x="4222" y="4590"/>
+                  </a:cubicBezTo>
+                  <a:cubicBezTo>
+                    <a:pt x="4367" y="4590"/>
+                    <a:pt x="4512" y="4535"/>
+                    <a:pt x="4624" y="4425"/>
+                  </a:cubicBezTo>
+                  <a:lnTo>
+                    <a:pt x="7749" y="1300"/>
+                  </a:lnTo>
+                  <a:cubicBezTo>
+                    <a:pt x="7859" y="1189"/>
+                    <a:pt x="8004" y="1134"/>
+                    <a:pt x="8149" y="1134"/>
+                  </a:cubicBezTo>
+                  <a:close/>
+                  <a:moveTo>
+                    <a:pt x="8146" y="1"/>
+                  </a:moveTo>
+                  <a:cubicBezTo>
+                    <a:pt x="7712" y="1"/>
+                    <a:pt x="7279" y="166"/>
+                    <a:pt x="6949" y="496"/>
+                  </a:cubicBezTo>
+                  <a:lnTo>
+                    <a:pt x="6946" y="496"/>
+                  </a:lnTo>
+                  <a:lnTo>
+                    <a:pt x="4219" y="3223"/>
+                  </a:lnTo>
+                  <a:lnTo>
+                    <a:pt x="3144" y="2148"/>
+                  </a:lnTo>
+                  <a:cubicBezTo>
+                    <a:pt x="2808" y="1779"/>
+                    <a:pt x="2348" y="1594"/>
+                    <a:pt x="1887" y="1594"/>
+                  </a:cubicBezTo>
+                  <a:cubicBezTo>
+                    <a:pt x="1453" y="1594"/>
+                    <a:pt x="1019" y="1758"/>
+                    <a:pt x="686" y="2091"/>
+                  </a:cubicBezTo>
+                  <a:cubicBezTo>
+                    <a:pt x="1" y="2776"/>
+                    <a:pt x="28" y="3896"/>
+                    <a:pt x="747" y="4549"/>
+                  </a:cubicBezTo>
+                  <a:lnTo>
+                    <a:pt x="3029" y="6819"/>
+                  </a:lnTo>
+                  <a:cubicBezTo>
+                    <a:pt x="3344" y="7131"/>
+                    <a:pt x="3768" y="7308"/>
+                    <a:pt x="4214" y="7308"/>
+                  </a:cubicBezTo>
+                  <a:cubicBezTo>
+                    <a:pt x="4218" y="7308"/>
+                    <a:pt x="4221" y="7308"/>
+                    <a:pt x="4225" y="7308"/>
+                  </a:cubicBezTo>
+                  <a:cubicBezTo>
+                    <a:pt x="4678" y="7308"/>
+                    <a:pt x="5116" y="7127"/>
+                    <a:pt x="5439" y="6807"/>
+                  </a:cubicBezTo>
+                  <a:lnTo>
+                    <a:pt x="9349" y="2900"/>
+                  </a:lnTo>
+                  <a:cubicBezTo>
+                    <a:pt x="10013" y="2236"/>
+                    <a:pt x="10013" y="1161"/>
+                    <a:pt x="9349" y="499"/>
+                  </a:cubicBezTo>
+                  <a:cubicBezTo>
+                    <a:pt x="9017" y="167"/>
+                    <a:pt x="8581" y="1"/>
+                    <a:pt x="8146" y="1"/>
+                  </a:cubicBezTo>
+                  <a:close/>
+                </a:path>
+              </a:pathLst>
+            </a:custGeom>
+            <a:solidFill>
+              <a:schemeClr val="dk1"/>
+            </a:solidFill>
+            <a:ln>
+              <a:noFill/>
+            </a:ln>
+          </p:spPr>
+          <p:txBody>
+            <a:bodyPr spcFirstLastPara="1" wrap="square" lIns="91425" tIns="91425" rIns="91425" bIns="91425" anchor="ctr" anchorCtr="0">
+              <a:noAutofit/>
+            </a:bodyPr>
+            <a:lstStyle/>
+            <a:p>
+              <a:pPr marL="0" lvl="0" indent="0" algn="l" rtl="0">
+                <a:spcBef>
+                  <a:spcPts val="0"/>
+                </a:spcBef>
+                <a:spcAft>
+                  <a:spcPts val="0"/>
+                </a:spcAft>
+                <a:buNone/>
+              </a:pPr>
+              <a:endParaRPr>
+                <a:solidFill>
+                  <a:srgbClr val="435D74"/>
+                </a:solidFill>
+              </a:endParaRPr>
+            </a:p>
+          </p:txBody>
+        </p:sp>
+      </p:grpSp>
+      <p:grpSp>
+        <p:nvGrpSpPr>
+          <p:cNvPr id="683" name="Google Shape;618;p42">
+            <a:extLst>
+              <a:ext uri="{FF2B5EF4-FFF2-40B4-BE49-F238E27FC236}">
+                <a16:creationId xmlns:a16="http://schemas.microsoft.com/office/drawing/2014/main" id="{A631010B-B164-D65D-4908-EEA8AA0D3C1E}"/>
+              </a:ext>
+            </a:extLst>
+          </p:cNvPr>
+          <p:cNvGrpSpPr/>
+          <p:nvPr/>
+        </p:nvGrpSpPr>
+        <p:grpSpPr>
+          <a:xfrm>
+            <a:off x="4667697" y="2422504"/>
+            <a:ext cx="911100" cy="689641"/>
+            <a:chOff x="1217362" y="1846472"/>
+            <a:chExt cx="911100" cy="689641"/>
+          </a:xfrm>
+        </p:grpSpPr>
+        <p:sp>
+          <p:nvSpPr>
+            <p:cNvPr id="684" name="Google Shape;619;p42">
+              <a:extLst>
+                <a:ext uri="{FF2B5EF4-FFF2-40B4-BE49-F238E27FC236}">
+                  <a16:creationId xmlns:a16="http://schemas.microsoft.com/office/drawing/2014/main" id="{AEEEC72F-BD6B-1034-2C4C-6573E65750B2}"/>
+                </a:ext>
+              </a:extLst>
+            </p:cNvPr>
+            <p:cNvSpPr/>
+            <p:nvPr/>
+          </p:nvSpPr>
+          <p:spPr>
+            <a:xfrm>
+              <a:off x="1217362" y="1846472"/>
+              <a:ext cx="431700" cy="505200"/>
+            </a:xfrm>
+            <a:prstGeom prst="roundRect">
+              <a:avLst>
+                <a:gd name="adj" fmla="val 6278"/>
+              </a:avLst>
+            </a:prstGeom>
+            <a:solidFill>
+              <a:schemeClr val="lt2"/>
+            </a:solidFill>
+            <a:ln w="28575" cap="flat" cmpd="sng">
+              <a:solidFill>
+                <a:schemeClr val="dk1"/>
+              </a:solidFill>
+              <a:prstDash val="solid"/>
+              <a:round/>
+              <a:headEnd type="none" w="sm" len="sm"/>
+              <a:tailEnd type="none" w="sm" len="sm"/>
+            </a:ln>
+            <a:effectLst>
+              <a:outerShdw blurRad="57150" dist="19050" dir="5400000" algn="bl" rotWithShape="0">
+                <a:schemeClr val="dk1">
+                  <a:alpha val="50000"/>
+                </a:schemeClr>
+              </a:outerShdw>
+            </a:effectLst>
+          </p:spPr>
+          <p:txBody>
+            <a:bodyPr spcFirstLastPara="1" wrap="square" lIns="91425" tIns="91425" rIns="91425" bIns="91425" anchor="ctr" anchorCtr="0">
+              <a:noAutofit/>
+            </a:bodyPr>
+            <a:lstStyle/>
+            <a:p>
+              <a:pPr marL="0" lvl="0" indent="0" algn="l" rtl="0">
+                <a:spcBef>
+                  <a:spcPts val="0"/>
+                </a:spcBef>
+                <a:spcAft>
+                  <a:spcPts val="0"/>
+                </a:spcAft>
+                <a:buNone/>
+              </a:pPr>
+              <a:endParaRPr/>
+            </a:p>
+          </p:txBody>
+        </p:sp>
+        <p:sp>
+          <p:nvSpPr>
+            <p:cNvPr id="685" name="Google Shape;620;p42">
+              <a:extLst>
+                <a:ext uri="{FF2B5EF4-FFF2-40B4-BE49-F238E27FC236}">
+                  <a16:creationId xmlns:a16="http://schemas.microsoft.com/office/drawing/2014/main" id="{F071DC2A-0DC0-CC5E-2D32-2DE05945DA50}"/>
+                </a:ext>
+              </a:extLst>
+            </p:cNvPr>
+            <p:cNvSpPr/>
+            <p:nvPr/>
+          </p:nvSpPr>
+          <p:spPr>
+            <a:xfrm>
+              <a:off x="1217362" y="1947213"/>
+              <a:ext cx="911100" cy="588900"/>
+            </a:xfrm>
+            <a:prstGeom prst="roundRect">
+              <a:avLst>
+                <a:gd name="adj" fmla="val 5762"/>
+              </a:avLst>
+            </a:prstGeom>
+            <a:solidFill>
+              <a:schemeClr val="lt2"/>
+            </a:solidFill>
+            <a:ln w="28575" cap="flat" cmpd="sng">
+              <a:solidFill>
+                <a:schemeClr val="dk1"/>
+              </a:solidFill>
+              <a:prstDash val="solid"/>
+              <a:round/>
+              <a:headEnd type="none" w="sm" len="sm"/>
+              <a:tailEnd type="none" w="sm" len="sm"/>
+            </a:ln>
+            <a:effectLst>
+              <a:outerShdw dist="57150" dir="2940000" algn="bl" rotWithShape="0">
+                <a:schemeClr val="dk1"/>
+              </a:outerShdw>
+            </a:effectLst>
+          </p:spPr>
+          <p:txBody>
+            <a:bodyPr spcFirstLastPara="1" wrap="square" lIns="91425" tIns="91425" rIns="91425" bIns="91425" anchor="ctr" anchorCtr="0">
+              <a:noAutofit/>
+            </a:bodyPr>
+            <a:lstStyle/>
+            <a:p>
+              <a:pPr marL="0" lvl="0" indent="0" algn="l" rtl="0">
+                <a:spcBef>
+                  <a:spcPts val="0"/>
+                </a:spcBef>
+                <a:spcAft>
+                  <a:spcPts val="0"/>
+                </a:spcAft>
+                <a:buNone/>
+              </a:pPr>
+              <a:endParaRPr/>
+            </a:p>
+          </p:txBody>
+        </p:sp>
+      </p:grpSp>
+      <p:sp>
+        <p:nvSpPr>
+          <p:cNvPr id="686" name="Google Shape;621;p42">
+            <a:extLst>
+              <a:ext uri="{FF2B5EF4-FFF2-40B4-BE49-F238E27FC236}">
+                <a16:creationId xmlns:a16="http://schemas.microsoft.com/office/drawing/2014/main" id="{766E4872-4BB0-757C-AF90-B00C4CC8182C}"/>
+              </a:ext>
+            </a:extLst>
+          </p:cNvPr>
+          <p:cNvSpPr txBox="1"/>
+          <p:nvPr/>
+        </p:nvSpPr>
+        <p:spPr>
+          <a:xfrm>
+            <a:off x="5663605" y="2399075"/>
+            <a:ext cx="3203693" cy="484800"/>
+          </a:xfrm>
+          <a:prstGeom prst="rect">
+            <a:avLst/>
+          </a:prstGeom>
+          <a:noFill/>
+          <a:ln>
+            <a:noFill/>
+          </a:ln>
+        </p:spPr>
+        <p:txBody>
+          <a:bodyPr spcFirstLastPara="1" wrap="square" lIns="91425" tIns="91425" rIns="91425" bIns="91425" anchor="ctr" anchorCtr="0">
+            <a:noAutofit/>
+          </a:bodyPr>
+          <a:lstStyle/>
+          <a:p>
+            <a:pPr marL="285750" lvl="2" indent="-285750">
+              <a:buFont typeface="Arial" panose="020B0604020202020204" pitchFamily="34" charset="0"/>
+              <a:buChar char="•"/>
+            </a:pPr>
+            <a:r>
+              <a:rPr lang="fr-FR" b="1" dirty="0">
+                <a:solidFill>
+                  <a:schemeClr val="dk2"/>
+                </a:solidFill>
+                <a:latin typeface="Lato"/>
+                <a:ea typeface="Lato"/>
+                <a:cs typeface="Lato"/>
+                <a:sym typeface="Lato"/>
+              </a:rPr>
+              <a:t>Accéder à un élément spécifique:</a:t>
+            </a:r>
+            <a:endParaRPr lang="en-US" b="1" dirty="0">
+              <a:solidFill>
+                <a:schemeClr val="dk2"/>
+              </a:solidFill>
+              <a:latin typeface="Lato"/>
+              <a:ea typeface="Lato"/>
+              <a:cs typeface="Lato"/>
+              <a:sym typeface="Lato"/>
+            </a:endParaRPr>
+          </a:p>
+        </p:txBody>
+      </p:sp>
+      <p:grpSp>
+        <p:nvGrpSpPr>
+          <p:cNvPr id="687" name="Google Shape;642;p42">
+            <a:extLst>
+              <a:ext uri="{FF2B5EF4-FFF2-40B4-BE49-F238E27FC236}">
+                <a16:creationId xmlns:a16="http://schemas.microsoft.com/office/drawing/2014/main" id="{DDCD482B-A0F2-E1FC-CFD6-35C243147515}"/>
+              </a:ext>
+            </a:extLst>
+          </p:cNvPr>
+          <p:cNvGrpSpPr/>
+          <p:nvPr/>
+        </p:nvGrpSpPr>
+        <p:grpSpPr>
+          <a:xfrm>
+            <a:off x="4941112" y="2550567"/>
+            <a:ext cx="355049" cy="355049"/>
+            <a:chOff x="1487200" y="4993750"/>
+            <a:chExt cx="483125" cy="483125"/>
+          </a:xfrm>
+        </p:grpSpPr>
+        <p:sp>
+          <p:nvSpPr>
+            <p:cNvPr id="688" name="Google Shape;643;p42">
+              <a:extLst>
+                <a:ext uri="{FF2B5EF4-FFF2-40B4-BE49-F238E27FC236}">
+                  <a16:creationId xmlns:a16="http://schemas.microsoft.com/office/drawing/2014/main" id="{C7C973D8-EA22-299F-2F61-01075023896E}"/>
+                </a:ext>
+              </a:extLst>
+            </p:cNvPr>
+            <p:cNvSpPr/>
+            <p:nvPr/>
+          </p:nvSpPr>
+          <p:spPr>
+            <a:xfrm>
+              <a:off x="1487200" y="4993750"/>
+              <a:ext cx="483125" cy="483125"/>
+            </a:xfrm>
+            <a:custGeom>
+              <a:avLst/>
+              <a:gdLst/>
+              <a:ahLst/>
+              <a:cxnLst/>
+              <a:rect l="l" t="t" r="r" b="b"/>
+              <a:pathLst>
+                <a:path w="19325" h="19325" extrusionOk="0">
+                  <a:moveTo>
+                    <a:pt x="9662" y="1133"/>
+                  </a:moveTo>
+                  <a:cubicBezTo>
+                    <a:pt x="11824" y="1133"/>
+                    <a:pt x="13983" y="1975"/>
+                    <a:pt x="15668" y="3657"/>
+                  </a:cubicBezTo>
+                  <a:cubicBezTo>
+                    <a:pt x="19035" y="7027"/>
+                    <a:pt x="19035" y="12302"/>
+                    <a:pt x="15668" y="15668"/>
+                  </a:cubicBezTo>
+                  <a:cubicBezTo>
+                    <a:pt x="13983" y="17352"/>
+                    <a:pt x="11822" y="18193"/>
+                    <a:pt x="9661" y="18193"/>
+                  </a:cubicBezTo>
+                  <a:cubicBezTo>
+                    <a:pt x="7500" y="18193"/>
+                    <a:pt x="5340" y="17352"/>
+                    <a:pt x="3657" y="15668"/>
+                  </a:cubicBezTo>
+                  <a:cubicBezTo>
+                    <a:pt x="290" y="12302"/>
+                    <a:pt x="290" y="7024"/>
+                    <a:pt x="3657" y="3657"/>
+                  </a:cubicBezTo>
+                  <a:cubicBezTo>
+                    <a:pt x="5342" y="1975"/>
+                    <a:pt x="7500" y="1133"/>
+                    <a:pt x="9662" y="1133"/>
+                  </a:cubicBezTo>
+                  <a:close/>
+                  <a:moveTo>
+                    <a:pt x="9662" y="1"/>
+                  </a:moveTo>
+                  <a:cubicBezTo>
+                    <a:pt x="7117" y="1"/>
+                    <a:pt x="4698" y="1015"/>
+                    <a:pt x="2857" y="2857"/>
+                  </a:cubicBezTo>
+                  <a:cubicBezTo>
+                    <a:pt x="1015" y="4699"/>
+                    <a:pt x="0" y="7117"/>
+                    <a:pt x="0" y="9663"/>
+                  </a:cubicBezTo>
+                  <a:cubicBezTo>
+                    <a:pt x="0" y="12208"/>
+                    <a:pt x="1015" y="14627"/>
+                    <a:pt x="2857" y="16469"/>
+                  </a:cubicBezTo>
+                  <a:cubicBezTo>
+                    <a:pt x="4698" y="18310"/>
+                    <a:pt x="7117" y="19325"/>
+                    <a:pt x="9662" y="19325"/>
+                  </a:cubicBezTo>
+                  <a:cubicBezTo>
+                    <a:pt x="12208" y="19325"/>
+                    <a:pt x="14626" y="18310"/>
+                    <a:pt x="16468" y="16469"/>
+                  </a:cubicBezTo>
+                  <a:cubicBezTo>
+                    <a:pt x="18310" y="14627"/>
+                    <a:pt x="19325" y="12208"/>
+                    <a:pt x="19325" y="9663"/>
+                  </a:cubicBezTo>
+                  <a:cubicBezTo>
+                    <a:pt x="19325" y="7117"/>
+                    <a:pt x="18310" y="4699"/>
+                    <a:pt x="16468" y="2857"/>
+                  </a:cubicBezTo>
+                  <a:cubicBezTo>
+                    <a:pt x="14626" y="1015"/>
+                    <a:pt x="12208" y="1"/>
+                    <a:pt x="9662" y="1"/>
+                  </a:cubicBezTo>
+                  <a:close/>
+                </a:path>
+              </a:pathLst>
+            </a:custGeom>
+            <a:solidFill>
+              <a:schemeClr val="dk1"/>
+            </a:solidFill>
+            <a:ln>
+              <a:noFill/>
+            </a:ln>
+          </p:spPr>
+          <p:txBody>
+            <a:bodyPr spcFirstLastPara="1" wrap="square" lIns="91425" tIns="91425" rIns="91425" bIns="91425" anchor="ctr" anchorCtr="0">
+              <a:noAutofit/>
+            </a:bodyPr>
+            <a:lstStyle/>
+            <a:p>
+              <a:pPr marL="0" lvl="0" indent="0" algn="l" rtl="0">
+                <a:spcBef>
+                  <a:spcPts val="0"/>
+                </a:spcBef>
+                <a:spcAft>
+                  <a:spcPts val="0"/>
+                </a:spcAft>
+                <a:buNone/>
+              </a:pPr>
+              <a:endParaRPr>
+                <a:solidFill>
+                  <a:srgbClr val="435D74"/>
+                </a:solidFill>
+              </a:endParaRPr>
+            </a:p>
+          </p:txBody>
+        </p:sp>
+        <p:sp>
+          <p:nvSpPr>
+            <p:cNvPr id="689" name="Google Shape;644;p42">
+              <a:extLst>
+                <a:ext uri="{FF2B5EF4-FFF2-40B4-BE49-F238E27FC236}">
+                  <a16:creationId xmlns:a16="http://schemas.microsoft.com/office/drawing/2014/main" id="{8AF32008-CEFA-0D08-DCBF-92BEE3217DE9}"/>
+                </a:ext>
+              </a:extLst>
+            </p:cNvPr>
+            <p:cNvSpPr/>
+            <p:nvPr/>
+          </p:nvSpPr>
+          <p:spPr>
+            <a:xfrm>
+              <a:off x="1602600" y="5143950"/>
+              <a:ext cx="250350" cy="182725"/>
+            </a:xfrm>
+            <a:custGeom>
+              <a:avLst/>
+              <a:gdLst/>
+              <a:ahLst/>
+              <a:cxnLst/>
+              <a:rect l="l" t="t" r="r" b="b"/>
+              <a:pathLst>
+                <a:path w="10014" h="7309" extrusionOk="0">
+                  <a:moveTo>
+                    <a:pt x="8149" y="1134"/>
+                  </a:moveTo>
+                  <a:cubicBezTo>
+                    <a:pt x="8294" y="1134"/>
+                    <a:pt x="8439" y="1189"/>
+                    <a:pt x="8549" y="1300"/>
+                  </a:cubicBezTo>
+                  <a:cubicBezTo>
+                    <a:pt x="8769" y="1520"/>
+                    <a:pt x="8769" y="1879"/>
+                    <a:pt x="8549" y="2100"/>
+                  </a:cubicBezTo>
+                  <a:lnTo>
+                    <a:pt x="4639" y="6007"/>
+                  </a:lnTo>
+                  <a:cubicBezTo>
+                    <a:pt x="4527" y="6120"/>
+                    <a:pt x="4377" y="6177"/>
+                    <a:pt x="4227" y="6177"/>
+                  </a:cubicBezTo>
+                  <a:cubicBezTo>
+                    <a:pt x="4081" y="6177"/>
+                    <a:pt x="3937" y="6123"/>
+                    <a:pt x="3830" y="6016"/>
+                  </a:cubicBezTo>
+                  <a:lnTo>
+                    <a:pt x="1547" y="3748"/>
+                  </a:lnTo>
+                  <a:cubicBezTo>
+                    <a:pt x="1296" y="3534"/>
+                    <a:pt x="1281" y="3151"/>
+                    <a:pt x="1514" y="2918"/>
+                  </a:cubicBezTo>
+                  <a:cubicBezTo>
+                    <a:pt x="1626" y="2806"/>
+                    <a:pt x="1771" y="2750"/>
+                    <a:pt x="1916" y="2750"/>
+                  </a:cubicBezTo>
+                  <a:cubicBezTo>
+                    <a:pt x="2074" y="2750"/>
+                    <a:pt x="2232" y="2817"/>
+                    <a:pt x="2344" y="2948"/>
+                  </a:cubicBezTo>
+                  <a:lnTo>
+                    <a:pt x="3784" y="4388"/>
+                  </a:lnTo>
+                  <a:cubicBezTo>
+                    <a:pt x="3793" y="4401"/>
+                    <a:pt x="3805" y="4410"/>
+                    <a:pt x="3817" y="4419"/>
+                  </a:cubicBezTo>
+                  <a:cubicBezTo>
+                    <a:pt x="3817" y="4422"/>
+                    <a:pt x="3820" y="4422"/>
+                    <a:pt x="3823" y="4425"/>
+                  </a:cubicBezTo>
+                  <a:cubicBezTo>
+                    <a:pt x="3934" y="4535"/>
+                    <a:pt x="4078" y="4590"/>
+                    <a:pt x="4222" y="4590"/>
+                  </a:cubicBezTo>
+                  <a:cubicBezTo>
+                    <a:pt x="4367" y="4590"/>
+                    <a:pt x="4512" y="4535"/>
+                    <a:pt x="4624" y="4425"/>
+                  </a:cubicBezTo>
+                  <a:lnTo>
+                    <a:pt x="7749" y="1300"/>
+                  </a:lnTo>
+                  <a:cubicBezTo>
+                    <a:pt x="7859" y="1189"/>
+                    <a:pt x="8004" y="1134"/>
+                    <a:pt x="8149" y="1134"/>
+                  </a:cubicBezTo>
+                  <a:close/>
+                  <a:moveTo>
+                    <a:pt x="8146" y="1"/>
+                  </a:moveTo>
+                  <a:cubicBezTo>
+                    <a:pt x="7712" y="1"/>
+                    <a:pt x="7279" y="166"/>
+                    <a:pt x="6949" y="496"/>
+                  </a:cubicBezTo>
+                  <a:lnTo>
+                    <a:pt x="6946" y="496"/>
+                  </a:lnTo>
+                  <a:lnTo>
+                    <a:pt x="4219" y="3223"/>
+                  </a:lnTo>
+                  <a:lnTo>
+                    <a:pt x="3144" y="2148"/>
+                  </a:lnTo>
+                  <a:cubicBezTo>
+                    <a:pt x="2808" y="1779"/>
+                    <a:pt x="2348" y="1594"/>
+                    <a:pt x="1887" y="1594"/>
+                  </a:cubicBezTo>
+                  <a:cubicBezTo>
+                    <a:pt x="1453" y="1594"/>
+                    <a:pt x="1019" y="1758"/>
+                    <a:pt x="686" y="2091"/>
+                  </a:cubicBezTo>
+                  <a:cubicBezTo>
+                    <a:pt x="1" y="2776"/>
+                    <a:pt x="28" y="3896"/>
+                    <a:pt x="747" y="4549"/>
+                  </a:cubicBezTo>
+                  <a:lnTo>
+                    <a:pt x="3029" y="6819"/>
+                  </a:lnTo>
+                  <a:cubicBezTo>
+                    <a:pt x="3344" y="7131"/>
+                    <a:pt x="3768" y="7308"/>
+                    <a:pt x="4214" y="7308"/>
+                  </a:cubicBezTo>
+                  <a:cubicBezTo>
+                    <a:pt x="4218" y="7308"/>
+                    <a:pt x="4221" y="7308"/>
+                    <a:pt x="4225" y="7308"/>
+                  </a:cubicBezTo>
+                  <a:cubicBezTo>
+                    <a:pt x="4678" y="7308"/>
+                    <a:pt x="5116" y="7127"/>
+                    <a:pt x="5439" y="6807"/>
+                  </a:cubicBezTo>
+                  <a:lnTo>
+                    <a:pt x="9349" y="2900"/>
+                  </a:lnTo>
+                  <a:cubicBezTo>
+                    <a:pt x="10013" y="2236"/>
+                    <a:pt x="10013" y="1161"/>
+                    <a:pt x="9349" y="499"/>
+                  </a:cubicBezTo>
+                  <a:cubicBezTo>
+                    <a:pt x="9017" y="167"/>
+                    <a:pt x="8581" y="1"/>
+                    <a:pt x="8146" y="1"/>
+                  </a:cubicBezTo>
+                  <a:close/>
+                </a:path>
+              </a:pathLst>
+            </a:custGeom>
+            <a:solidFill>
+              <a:schemeClr val="dk1"/>
+            </a:solidFill>
+            <a:ln>
+              <a:noFill/>
+            </a:ln>
+          </p:spPr>
+          <p:txBody>
+            <a:bodyPr spcFirstLastPara="1" wrap="square" lIns="91425" tIns="91425" rIns="91425" bIns="91425" anchor="ctr" anchorCtr="0">
+              <a:noAutofit/>
+            </a:bodyPr>
+            <a:lstStyle/>
+            <a:p>
+              <a:pPr marL="0" lvl="0" indent="0" algn="l" rtl="0">
+                <a:spcBef>
+                  <a:spcPts val="0"/>
+                </a:spcBef>
+                <a:spcAft>
+                  <a:spcPts val="0"/>
+                </a:spcAft>
+                <a:buNone/>
+              </a:pPr>
+              <a:endParaRPr>
+                <a:solidFill>
+                  <a:srgbClr val="435D74"/>
+                </a:solidFill>
+              </a:endParaRPr>
+            </a:p>
+          </p:txBody>
+        </p:sp>
+      </p:grpSp>
+      <p:pic>
+        <p:nvPicPr>
+          <p:cNvPr id="704" name="Image 703">
+            <a:extLst>
+              <a:ext uri="{FF2B5EF4-FFF2-40B4-BE49-F238E27FC236}">
+                <a16:creationId xmlns:a16="http://schemas.microsoft.com/office/drawing/2014/main" id="{F48C7169-AC03-212A-0DC0-EABA51D27934}"/>
+              </a:ext>
+            </a:extLst>
+          </p:cNvPr>
+          <p:cNvPicPr>
+            <a:picLocks noChangeAspect="1"/>
+          </p:cNvPicPr>
+          <p:nvPr/>
+        </p:nvPicPr>
+        <p:blipFill>
+          <a:blip r:embed="rId4"/>
+          <a:stretch>
+            <a:fillRect/>
+          </a:stretch>
+        </p:blipFill>
+        <p:spPr>
+          <a:xfrm>
+            <a:off x="1790754" y="2866281"/>
+            <a:ext cx="1990725" cy="228600"/>
+          </a:xfrm>
+          <a:prstGeom prst="rect">
+            <a:avLst/>
+          </a:prstGeom>
+        </p:spPr>
+      </p:pic>
+      <p:pic>
+        <p:nvPicPr>
+          <p:cNvPr id="708" name="Image 707">
+            <a:extLst>
+              <a:ext uri="{FF2B5EF4-FFF2-40B4-BE49-F238E27FC236}">
+                <a16:creationId xmlns:a16="http://schemas.microsoft.com/office/drawing/2014/main" id="{BC91E464-1797-BF1A-402E-A50E661EE12F}"/>
+              </a:ext>
+            </a:extLst>
+          </p:cNvPr>
+          <p:cNvPicPr>
+            <a:picLocks noChangeAspect="1"/>
+          </p:cNvPicPr>
+          <p:nvPr/>
+        </p:nvPicPr>
+        <p:blipFill>
+          <a:blip r:embed="rId5"/>
+          <a:stretch>
+            <a:fillRect/>
+          </a:stretch>
+        </p:blipFill>
+        <p:spPr>
+          <a:xfrm>
+            <a:off x="1786014" y="3995077"/>
+            <a:ext cx="1209675" cy="247650"/>
+          </a:xfrm>
+          <a:prstGeom prst="rect">
+            <a:avLst/>
+          </a:prstGeom>
+        </p:spPr>
+      </p:pic>
+      <p:pic>
+        <p:nvPicPr>
+          <p:cNvPr id="710" name="Image 709">
+            <a:extLst>
+              <a:ext uri="{FF2B5EF4-FFF2-40B4-BE49-F238E27FC236}">
+                <a16:creationId xmlns:a16="http://schemas.microsoft.com/office/drawing/2014/main" id="{0EEF00A8-7757-F102-DC47-FA2D6EF64775}"/>
+              </a:ext>
+            </a:extLst>
+          </p:cNvPr>
+          <p:cNvPicPr>
+            <a:picLocks noChangeAspect="1"/>
+          </p:cNvPicPr>
+          <p:nvPr/>
+        </p:nvPicPr>
+        <p:blipFill>
+          <a:blip r:embed="rId6"/>
+          <a:stretch>
+            <a:fillRect/>
+          </a:stretch>
+        </p:blipFill>
+        <p:spPr>
+          <a:xfrm>
+            <a:off x="5934375" y="1769851"/>
+            <a:ext cx="2314575" cy="314325"/>
+          </a:xfrm>
+          <a:prstGeom prst="rect">
+            <a:avLst/>
+          </a:prstGeom>
+        </p:spPr>
+      </p:pic>
+      <p:pic>
+        <p:nvPicPr>
+          <p:cNvPr id="712" name="Image 711">
+            <a:extLst>
+              <a:ext uri="{FF2B5EF4-FFF2-40B4-BE49-F238E27FC236}">
+                <a16:creationId xmlns:a16="http://schemas.microsoft.com/office/drawing/2014/main" id="{A52D6C22-4D8A-DDD6-623E-F1C99F23BAC3}"/>
+              </a:ext>
+            </a:extLst>
+          </p:cNvPr>
+          <p:cNvPicPr>
+            <a:picLocks noChangeAspect="1"/>
+          </p:cNvPicPr>
+          <p:nvPr/>
+        </p:nvPicPr>
+        <p:blipFill>
+          <a:blip r:embed="rId7"/>
+          <a:stretch>
+            <a:fillRect/>
+          </a:stretch>
+        </p:blipFill>
+        <p:spPr>
+          <a:xfrm>
+            <a:off x="5985615" y="2823930"/>
+            <a:ext cx="2152650" cy="228600"/>
+          </a:xfrm>
+          <a:prstGeom prst="rect">
+            <a:avLst/>
+          </a:prstGeom>
+        </p:spPr>
+      </p:pic>
+    </p:spTree>
+    <p:extLst>
+      <p:ext uri="{BB962C8B-B14F-4D97-AF65-F5344CB8AC3E}">
+        <p14:creationId xmlns:p14="http://schemas.microsoft.com/office/powerpoint/2010/main" val="4076173490"/>
       </p:ext>
     </p:extLst>
   </p:cSld>

--- a/SEMESTER 1/Modélisation avec Python/M- Pandas/Presentation/Pandas.pptx
+++ b/SEMESTER 1/Modélisation avec Python/M- Pandas/Presentation/Pandas.pptx
@@ -5,7 +5,7 @@
     <p:sldMasterId id="2147483674" r:id="rId1"/>
   </p:sldMasterIdLst>
   <p:notesMasterIdLst>
-    <p:notesMasterId r:id="rId35"/>
+    <p:notesMasterId r:id="rId41"/>
   </p:notesMasterIdLst>
   <p:sldIdLst>
     <p:sldId id="308" r:id="rId2"/>
@@ -39,8 +39,14 @@
     <p:sldId id="338" r:id="rId30"/>
     <p:sldId id="339" r:id="rId31"/>
     <p:sldId id="340" r:id="rId32"/>
-    <p:sldId id="341" r:id="rId33"/>
-    <p:sldId id="319" r:id="rId34"/>
+    <p:sldId id="344" r:id="rId33"/>
+    <p:sldId id="341" r:id="rId34"/>
+    <p:sldId id="319" r:id="rId35"/>
+    <p:sldId id="342" r:id="rId36"/>
+    <p:sldId id="345" r:id="rId37"/>
+    <p:sldId id="343" r:id="rId38"/>
+    <p:sldId id="346" r:id="rId39"/>
+    <p:sldId id="347" r:id="rId40"/>
   </p:sldIdLst>
   <p:sldSz cx="9144000" cy="5143500" type="screen16x9"/>
   <p:notesSz cx="6858000" cy="9144000"/>
@@ -3636,6 +3642,333 @@
     <p:extLst>
       <p:ext uri="{BB962C8B-B14F-4D97-AF65-F5344CB8AC3E}">
         <p14:creationId xmlns:p14="http://schemas.microsoft.com/office/powerpoint/2010/main" val="3132111807"/>
+      </p:ext>
+    </p:extLst>
+  </p:cSld>
+  <p:clrMapOvr>
+    <a:masterClrMapping/>
+  </p:clrMapOvr>
+</p:notes>
+</file>
+
+<file path=ppt/notesSlides/notesSlide34.xml><?xml version="1.0" encoding="utf-8"?>
+<p:notes xmlns:a="http://schemas.openxmlformats.org/drawingml/2006/main" xmlns:r="http://schemas.openxmlformats.org/officeDocument/2006/relationships" xmlns:p="http://schemas.openxmlformats.org/presentationml/2006/main" showMasterSp="0" showMasterPhAnim="0">
+  <p:cSld>
+    <p:spTree>
+      <p:nvGrpSpPr>
+        <p:cNvPr id="1" name="Shape 613"/>
+        <p:cNvGrpSpPr/>
+        <p:nvPr/>
+      </p:nvGrpSpPr>
+      <p:grpSpPr>
+        <a:xfrm>
+          <a:off x="0" y="0"/>
+          <a:ext cx="0" cy="0"/>
+          <a:chOff x="0" y="0"/>
+          <a:chExt cx="0" cy="0"/>
+        </a:xfrm>
+      </p:grpSpPr>
+      <p:sp>
+        <p:nvSpPr>
+          <p:cNvPr id="614" name="Google Shape;614;gdd09e57de2_3_619:notes"/>
+          <p:cNvSpPr>
+            <a:spLocks noGrp="1" noRot="1" noChangeAspect="1"/>
+          </p:cNvSpPr>
+          <p:nvPr>
+            <p:ph type="sldImg" idx="2"/>
+          </p:nvPr>
+        </p:nvSpPr>
+        <p:spPr>
+          <a:xfrm>
+            <a:off x="381000" y="685800"/>
+            <a:ext cx="6096000" cy="3429000"/>
+          </a:xfrm>
+          <a:custGeom>
+            <a:avLst/>
+            <a:gdLst/>
+            <a:ahLst/>
+            <a:cxnLst/>
+            <a:rect l="l" t="t" r="r" b="b"/>
+            <a:pathLst>
+              <a:path w="120000" h="120000" extrusionOk="0">
+                <a:moveTo>
+                  <a:pt x="0" y="0"/>
+                </a:moveTo>
+                <a:lnTo>
+                  <a:pt x="120000" y="0"/>
+                </a:lnTo>
+                <a:lnTo>
+                  <a:pt x="120000" y="120000"/>
+                </a:lnTo>
+                <a:lnTo>
+                  <a:pt x="0" y="120000"/>
+                </a:lnTo>
+                <a:close/>
+              </a:path>
+            </a:pathLst>
+          </a:custGeom>
+        </p:spPr>
+      </p:sp>
+      <p:sp>
+        <p:nvSpPr>
+          <p:cNvPr id="615" name="Google Shape;615;gdd09e57de2_3_619:notes"/>
+          <p:cNvSpPr txBox="1">
+            <a:spLocks noGrp="1"/>
+          </p:cNvSpPr>
+          <p:nvPr>
+            <p:ph type="body" idx="1"/>
+          </p:nvPr>
+        </p:nvSpPr>
+        <p:spPr>
+          <a:xfrm>
+            <a:off x="685800" y="4343400"/>
+            <a:ext cx="5486400" cy="4114800"/>
+          </a:xfrm>
+          <a:prstGeom prst="rect">
+            <a:avLst/>
+          </a:prstGeom>
+        </p:spPr>
+        <p:txBody>
+          <a:bodyPr spcFirstLastPara="1" wrap="square" lIns="91425" tIns="91425" rIns="91425" bIns="91425" anchor="t" anchorCtr="0">
+            <a:noAutofit/>
+          </a:bodyPr>
+          <a:lstStyle/>
+          <a:p>
+            <a:pPr marL="0" lvl="0" indent="0" algn="l" rtl="0">
+              <a:spcBef>
+                <a:spcPts val="0"/>
+              </a:spcBef>
+              <a:spcAft>
+                <a:spcPts val="0"/>
+              </a:spcAft>
+              <a:buNone/>
+            </a:pPr>
+            <a:endParaRPr/>
+          </a:p>
+        </p:txBody>
+      </p:sp>
+    </p:spTree>
+    <p:extLst>
+      <p:ext uri="{BB962C8B-B14F-4D97-AF65-F5344CB8AC3E}">
+        <p14:creationId xmlns:p14="http://schemas.microsoft.com/office/powerpoint/2010/main" val="3429363706"/>
+      </p:ext>
+    </p:extLst>
+  </p:cSld>
+  <p:clrMapOvr>
+    <a:masterClrMapping/>
+  </p:clrMapOvr>
+</p:notes>
+</file>
+
+<file path=ppt/notesSlides/notesSlide35.xml><?xml version="1.0" encoding="utf-8"?>
+<p:notes xmlns:a="http://schemas.openxmlformats.org/drawingml/2006/main" xmlns:r="http://schemas.openxmlformats.org/officeDocument/2006/relationships" xmlns:p="http://schemas.openxmlformats.org/presentationml/2006/main" showMasterSp="0" showMasterPhAnim="0">
+  <p:cSld>
+    <p:spTree>
+      <p:nvGrpSpPr>
+        <p:cNvPr id="1" name="Shape 613"/>
+        <p:cNvGrpSpPr/>
+        <p:nvPr/>
+      </p:nvGrpSpPr>
+      <p:grpSpPr>
+        <a:xfrm>
+          <a:off x="0" y="0"/>
+          <a:ext cx="0" cy="0"/>
+          <a:chOff x="0" y="0"/>
+          <a:chExt cx="0" cy="0"/>
+        </a:xfrm>
+      </p:grpSpPr>
+      <p:sp>
+        <p:nvSpPr>
+          <p:cNvPr id="614" name="Google Shape;614;gdd09e57de2_3_619:notes"/>
+          <p:cNvSpPr>
+            <a:spLocks noGrp="1" noRot="1" noChangeAspect="1"/>
+          </p:cNvSpPr>
+          <p:nvPr>
+            <p:ph type="sldImg" idx="2"/>
+          </p:nvPr>
+        </p:nvSpPr>
+        <p:spPr>
+          <a:xfrm>
+            <a:off x="381000" y="685800"/>
+            <a:ext cx="6096000" cy="3429000"/>
+          </a:xfrm>
+          <a:custGeom>
+            <a:avLst/>
+            <a:gdLst/>
+            <a:ahLst/>
+            <a:cxnLst/>
+            <a:rect l="l" t="t" r="r" b="b"/>
+            <a:pathLst>
+              <a:path w="120000" h="120000" extrusionOk="0">
+                <a:moveTo>
+                  <a:pt x="0" y="0"/>
+                </a:moveTo>
+                <a:lnTo>
+                  <a:pt x="120000" y="0"/>
+                </a:lnTo>
+                <a:lnTo>
+                  <a:pt x="120000" y="120000"/>
+                </a:lnTo>
+                <a:lnTo>
+                  <a:pt x="0" y="120000"/>
+                </a:lnTo>
+                <a:close/>
+              </a:path>
+            </a:pathLst>
+          </a:custGeom>
+        </p:spPr>
+      </p:sp>
+      <p:sp>
+        <p:nvSpPr>
+          <p:cNvPr id="615" name="Google Shape;615;gdd09e57de2_3_619:notes"/>
+          <p:cNvSpPr txBox="1">
+            <a:spLocks noGrp="1"/>
+          </p:cNvSpPr>
+          <p:nvPr>
+            <p:ph type="body" idx="1"/>
+          </p:nvPr>
+        </p:nvSpPr>
+        <p:spPr>
+          <a:xfrm>
+            <a:off x="685800" y="4343400"/>
+            <a:ext cx="5486400" cy="4114800"/>
+          </a:xfrm>
+          <a:prstGeom prst="rect">
+            <a:avLst/>
+          </a:prstGeom>
+        </p:spPr>
+        <p:txBody>
+          <a:bodyPr spcFirstLastPara="1" wrap="square" lIns="91425" tIns="91425" rIns="91425" bIns="91425" anchor="t" anchorCtr="0">
+            <a:noAutofit/>
+          </a:bodyPr>
+          <a:lstStyle/>
+          <a:p>
+            <a:pPr marL="0" lvl="0" indent="0" algn="l" rtl="0">
+              <a:spcBef>
+                <a:spcPts val="0"/>
+              </a:spcBef>
+              <a:spcAft>
+                <a:spcPts val="0"/>
+              </a:spcAft>
+              <a:buNone/>
+            </a:pPr>
+            <a:endParaRPr/>
+          </a:p>
+        </p:txBody>
+      </p:sp>
+    </p:spTree>
+    <p:extLst>
+      <p:ext uri="{BB962C8B-B14F-4D97-AF65-F5344CB8AC3E}">
+        <p14:creationId xmlns:p14="http://schemas.microsoft.com/office/powerpoint/2010/main" val="452311928"/>
+      </p:ext>
+    </p:extLst>
+  </p:cSld>
+  <p:clrMapOvr>
+    <a:masterClrMapping/>
+  </p:clrMapOvr>
+</p:notes>
+</file>
+
+<file path=ppt/notesSlides/notesSlide36.xml><?xml version="1.0" encoding="utf-8"?>
+<p:notes xmlns:a="http://schemas.openxmlformats.org/drawingml/2006/main" xmlns:r="http://schemas.openxmlformats.org/officeDocument/2006/relationships" xmlns:p="http://schemas.openxmlformats.org/presentationml/2006/main" showMasterSp="0" showMasterPhAnim="0">
+  <p:cSld>
+    <p:spTree>
+      <p:nvGrpSpPr>
+        <p:cNvPr id="1" name="Shape 613"/>
+        <p:cNvGrpSpPr/>
+        <p:nvPr/>
+      </p:nvGrpSpPr>
+      <p:grpSpPr>
+        <a:xfrm>
+          <a:off x="0" y="0"/>
+          <a:ext cx="0" cy="0"/>
+          <a:chOff x="0" y="0"/>
+          <a:chExt cx="0" cy="0"/>
+        </a:xfrm>
+      </p:grpSpPr>
+      <p:sp>
+        <p:nvSpPr>
+          <p:cNvPr id="614" name="Google Shape;614;gdd09e57de2_3_619:notes"/>
+          <p:cNvSpPr>
+            <a:spLocks noGrp="1" noRot="1" noChangeAspect="1"/>
+          </p:cNvSpPr>
+          <p:nvPr>
+            <p:ph type="sldImg" idx="2"/>
+          </p:nvPr>
+        </p:nvSpPr>
+        <p:spPr>
+          <a:xfrm>
+            <a:off x="381000" y="685800"/>
+            <a:ext cx="6096000" cy="3429000"/>
+          </a:xfrm>
+          <a:custGeom>
+            <a:avLst/>
+            <a:gdLst/>
+            <a:ahLst/>
+            <a:cxnLst/>
+            <a:rect l="l" t="t" r="r" b="b"/>
+            <a:pathLst>
+              <a:path w="120000" h="120000" extrusionOk="0">
+                <a:moveTo>
+                  <a:pt x="0" y="0"/>
+                </a:moveTo>
+                <a:lnTo>
+                  <a:pt x="120000" y="0"/>
+                </a:lnTo>
+                <a:lnTo>
+                  <a:pt x="120000" y="120000"/>
+                </a:lnTo>
+                <a:lnTo>
+                  <a:pt x="0" y="120000"/>
+                </a:lnTo>
+                <a:close/>
+              </a:path>
+            </a:pathLst>
+          </a:custGeom>
+        </p:spPr>
+      </p:sp>
+      <p:sp>
+        <p:nvSpPr>
+          <p:cNvPr id="615" name="Google Shape;615;gdd09e57de2_3_619:notes"/>
+          <p:cNvSpPr txBox="1">
+            <a:spLocks noGrp="1"/>
+          </p:cNvSpPr>
+          <p:nvPr>
+            <p:ph type="body" idx="1"/>
+          </p:nvPr>
+        </p:nvSpPr>
+        <p:spPr>
+          <a:xfrm>
+            <a:off x="685800" y="4343400"/>
+            <a:ext cx="5486400" cy="4114800"/>
+          </a:xfrm>
+          <a:prstGeom prst="rect">
+            <a:avLst/>
+          </a:prstGeom>
+        </p:spPr>
+        <p:txBody>
+          <a:bodyPr spcFirstLastPara="1" wrap="square" lIns="91425" tIns="91425" rIns="91425" bIns="91425" anchor="t" anchorCtr="0">
+            <a:noAutofit/>
+          </a:bodyPr>
+          <a:lstStyle/>
+          <a:p>
+            <a:pPr marL="0" lvl="0" indent="0" algn="l" rtl="0">
+              <a:spcBef>
+                <a:spcPts val="0"/>
+              </a:spcBef>
+              <a:spcAft>
+                <a:spcPts val="0"/>
+              </a:spcAft>
+              <a:buNone/>
+            </a:pPr>
+            <a:endParaRPr/>
+          </a:p>
+        </p:txBody>
+      </p:sp>
+    </p:spTree>
+    <p:extLst>
+      <p:ext uri="{BB962C8B-B14F-4D97-AF65-F5344CB8AC3E}">
+        <p14:creationId xmlns:p14="http://schemas.microsoft.com/office/powerpoint/2010/main" val="3560978157"/>
       </p:ext>
     </p:extLst>
   </p:cSld>
@@ -30406,6 +30739,86 @@
   <p:cSld>
     <p:spTree>
       <p:nvGrpSpPr>
+        <p:cNvPr id="1" name=""/>
+        <p:cNvGrpSpPr/>
+        <p:nvPr/>
+      </p:nvGrpSpPr>
+      <p:grpSpPr>
+        <a:xfrm>
+          <a:off x="0" y="0"/>
+          <a:ext cx="0" cy="0"/>
+          <a:chOff x="0" y="0"/>
+          <a:chExt cx="0" cy="0"/>
+        </a:xfrm>
+      </p:grpSpPr>
+      <p:sp>
+        <p:nvSpPr>
+          <p:cNvPr id="4" name="Titre 3">
+            <a:extLst>
+              <a:ext uri="{FF2B5EF4-FFF2-40B4-BE49-F238E27FC236}">
+                <a16:creationId xmlns:a16="http://schemas.microsoft.com/office/drawing/2014/main" id="{07ED426D-4BC1-EFD8-002D-A1A234283447}"/>
+              </a:ext>
+            </a:extLst>
+          </p:cNvPr>
+          <p:cNvSpPr>
+            <a:spLocks noGrp="1"/>
+          </p:cNvSpPr>
+          <p:nvPr>
+            <p:ph type="title"/>
+          </p:nvPr>
+        </p:nvSpPr>
+        <p:spPr>
+          <a:xfrm>
+            <a:off x="999119" y="1386450"/>
+            <a:ext cx="7145762" cy="2370600"/>
+          </a:xfrm>
+        </p:spPr>
+        <p:txBody>
+          <a:bodyPr/>
+          <a:lstStyle/>
+          <a:p>
+            <a:r>
+              <a:rPr lang="fr-FR" sz="5400" b="0" i="0" dirty="0">
+                <a:solidFill>
+                  <a:srgbClr val="111111"/>
+                </a:solidFill>
+                <a:effectLst/>
+                <a:latin typeface="-apple-system"/>
+              </a:rPr>
+              <a:t>Accéder, modifier et supprimer des colonnes et des lignes d’un </a:t>
+            </a:r>
+            <a:r>
+              <a:rPr lang="fr-FR" sz="5400" b="0" i="0" dirty="0" err="1">
+                <a:solidFill>
+                  <a:srgbClr val="111111"/>
+                </a:solidFill>
+                <a:effectLst/>
+                <a:latin typeface="-apple-system"/>
+              </a:rPr>
+              <a:t>DataFrame</a:t>
+            </a:r>
+            <a:endParaRPr lang="fr-FR" sz="5400" dirty="0"/>
+          </a:p>
+        </p:txBody>
+      </p:sp>
+    </p:spTree>
+    <p:extLst>
+      <p:ext uri="{BB962C8B-B14F-4D97-AF65-F5344CB8AC3E}">
+        <p14:creationId xmlns:p14="http://schemas.microsoft.com/office/powerpoint/2010/main" val="1955154218"/>
+      </p:ext>
+    </p:extLst>
+  </p:cSld>
+  <p:clrMapOvr>
+    <a:masterClrMapping/>
+  </p:clrMapOvr>
+</p:sld>
+</file>
+
+<file path=ppt/slides/slide33.xml><?xml version="1.0" encoding="utf-8"?>
+<p:sld xmlns:a="http://schemas.openxmlformats.org/drawingml/2006/main" xmlns:r="http://schemas.openxmlformats.org/officeDocument/2006/relationships" xmlns:p="http://schemas.openxmlformats.org/presentationml/2006/main">
+  <p:cSld>
+    <p:spTree>
+      <p:nvGrpSpPr>
         <p:cNvPr id="1" name="Shape 518"/>
         <p:cNvGrpSpPr/>
         <p:nvPr/>
@@ -30507,7 +30920,7 @@
 </p:sld>
 </file>
 
-<file path=ppt/slides/slide33.xml><?xml version="1.0" encoding="utf-8"?>
+<file path=ppt/slides/slide34.xml><?xml version="1.0" encoding="utf-8"?>
 <p:sld xmlns:a="http://schemas.openxmlformats.org/drawingml/2006/main" xmlns:r="http://schemas.openxmlformats.org/officeDocument/2006/relationships" xmlns:p="http://schemas.openxmlformats.org/presentationml/2006/main">
   <p:cSld>
     <p:spTree>
@@ -33655,6 +34068,6983 @@
     <p:extLst>
       <p:ext uri="{BB962C8B-B14F-4D97-AF65-F5344CB8AC3E}">
         <p14:creationId xmlns:p14="http://schemas.microsoft.com/office/powerpoint/2010/main" val="4076173490"/>
+      </p:ext>
+    </p:extLst>
+  </p:cSld>
+  <p:clrMapOvr>
+    <a:masterClrMapping/>
+  </p:clrMapOvr>
+</p:sld>
+</file>
+
+<file path=ppt/slides/slide35.xml><?xml version="1.0" encoding="utf-8"?>
+<p:sld xmlns:a="http://schemas.openxmlformats.org/drawingml/2006/main" xmlns:r="http://schemas.openxmlformats.org/officeDocument/2006/relationships" xmlns:p="http://schemas.openxmlformats.org/presentationml/2006/main">
+  <p:cSld>
+    <p:spTree>
+      <p:nvGrpSpPr>
+        <p:cNvPr id="1" name="Shape 616"/>
+        <p:cNvGrpSpPr/>
+        <p:nvPr/>
+      </p:nvGrpSpPr>
+      <p:grpSpPr>
+        <a:xfrm>
+          <a:off x="0" y="0"/>
+          <a:ext cx="0" cy="0"/>
+          <a:chOff x="0" y="0"/>
+          <a:chExt cx="0" cy="0"/>
+        </a:xfrm>
+      </p:grpSpPr>
+      <p:sp>
+        <p:nvSpPr>
+          <p:cNvPr id="617" name="Google Shape;617;p42"/>
+          <p:cNvSpPr txBox="1">
+            <a:spLocks noGrp="1"/>
+          </p:cNvSpPr>
+          <p:nvPr>
+            <p:ph type="title"/>
+          </p:nvPr>
+        </p:nvSpPr>
+        <p:spPr>
+          <a:xfrm>
+            <a:off x="720025" y="529923"/>
+            <a:ext cx="7704000" cy="484800"/>
+          </a:xfrm>
+          <a:prstGeom prst="rect">
+            <a:avLst/>
+          </a:prstGeom>
+        </p:spPr>
+        <p:txBody>
+          <a:bodyPr spcFirstLastPara="1" wrap="square" lIns="91425" tIns="91425" rIns="91425" bIns="91425" anchor="b" anchorCtr="0">
+            <a:noAutofit/>
+          </a:bodyPr>
+          <a:lstStyle/>
+          <a:p>
+            <a:pPr marL="0" lvl="0" indent="0" algn="ctr" rtl="0">
+              <a:spcBef>
+                <a:spcPts val="0"/>
+              </a:spcBef>
+              <a:spcAft>
+                <a:spcPts val="0"/>
+              </a:spcAft>
+              <a:buNone/>
+            </a:pPr>
+            <a:r>
+              <a:rPr lang="fr-FR" sz="2000" dirty="0"/>
+              <a:t>Modifier , supprimer des colonnes et des lignes</a:t>
+            </a:r>
+          </a:p>
+        </p:txBody>
+      </p:sp>
+      <p:grpSp>
+        <p:nvGrpSpPr>
+          <p:cNvPr id="618" name="Google Shape;618;p42"/>
+          <p:cNvGrpSpPr/>
+          <p:nvPr/>
+        </p:nvGrpSpPr>
+        <p:grpSpPr>
+          <a:xfrm>
+            <a:off x="468096" y="1683684"/>
+            <a:ext cx="911100" cy="689641"/>
+            <a:chOff x="1217362" y="1846472"/>
+            <a:chExt cx="911100" cy="689641"/>
+          </a:xfrm>
+        </p:grpSpPr>
+        <p:sp>
+          <p:nvSpPr>
+            <p:cNvPr id="619" name="Google Shape;619;p42"/>
+            <p:cNvSpPr/>
+            <p:nvPr/>
+          </p:nvSpPr>
+          <p:spPr>
+            <a:xfrm>
+              <a:off x="1217362" y="1846472"/>
+              <a:ext cx="431700" cy="505200"/>
+            </a:xfrm>
+            <a:prstGeom prst="roundRect">
+              <a:avLst>
+                <a:gd name="adj" fmla="val 6278"/>
+              </a:avLst>
+            </a:prstGeom>
+            <a:solidFill>
+              <a:schemeClr val="lt2"/>
+            </a:solidFill>
+            <a:ln w="28575" cap="flat" cmpd="sng">
+              <a:solidFill>
+                <a:schemeClr val="dk1"/>
+              </a:solidFill>
+              <a:prstDash val="solid"/>
+              <a:round/>
+              <a:headEnd type="none" w="sm" len="sm"/>
+              <a:tailEnd type="none" w="sm" len="sm"/>
+            </a:ln>
+            <a:effectLst>
+              <a:outerShdw blurRad="57150" dist="19050" dir="5400000" algn="bl" rotWithShape="0">
+                <a:schemeClr val="dk1">
+                  <a:alpha val="50000"/>
+                </a:schemeClr>
+              </a:outerShdw>
+            </a:effectLst>
+          </p:spPr>
+          <p:txBody>
+            <a:bodyPr spcFirstLastPara="1" wrap="square" lIns="91425" tIns="91425" rIns="91425" bIns="91425" anchor="ctr" anchorCtr="0">
+              <a:noAutofit/>
+            </a:bodyPr>
+            <a:lstStyle/>
+            <a:p>
+              <a:pPr marL="0" lvl="0" indent="0" algn="l" rtl="0">
+                <a:spcBef>
+                  <a:spcPts val="0"/>
+                </a:spcBef>
+                <a:spcAft>
+                  <a:spcPts val="0"/>
+                </a:spcAft>
+                <a:buNone/>
+              </a:pPr>
+              <a:endParaRPr/>
+            </a:p>
+          </p:txBody>
+        </p:sp>
+        <p:sp>
+          <p:nvSpPr>
+            <p:cNvPr id="620" name="Google Shape;620;p42"/>
+            <p:cNvSpPr/>
+            <p:nvPr/>
+          </p:nvSpPr>
+          <p:spPr>
+            <a:xfrm>
+              <a:off x="1217362" y="1947213"/>
+              <a:ext cx="911100" cy="588900"/>
+            </a:xfrm>
+            <a:prstGeom prst="roundRect">
+              <a:avLst>
+                <a:gd name="adj" fmla="val 5762"/>
+              </a:avLst>
+            </a:prstGeom>
+            <a:solidFill>
+              <a:schemeClr val="lt2"/>
+            </a:solidFill>
+            <a:ln w="28575" cap="flat" cmpd="sng">
+              <a:solidFill>
+                <a:schemeClr val="dk1"/>
+              </a:solidFill>
+              <a:prstDash val="solid"/>
+              <a:round/>
+              <a:headEnd type="none" w="sm" len="sm"/>
+              <a:tailEnd type="none" w="sm" len="sm"/>
+            </a:ln>
+            <a:effectLst>
+              <a:outerShdw dist="57150" dir="2940000" algn="bl" rotWithShape="0">
+                <a:schemeClr val="dk1"/>
+              </a:outerShdw>
+            </a:effectLst>
+          </p:spPr>
+          <p:txBody>
+            <a:bodyPr spcFirstLastPara="1" wrap="square" lIns="91425" tIns="91425" rIns="91425" bIns="91425" anchor="ctr" anchorCtr="0">
+              <a:noAutofit/>
+            </a:bodyPr>
+            <a:lstStyle/>
+            <a:p>
+              <a:pPr marL="0" lvl="0" indent="0" algn="l" rtl="0">
+                <a:spcBef>
+                  <a:spcPts val="0"/>
+                </a:spcBef>
+                <a:spcAft>
+                  <a:spcPts val="0"/>
+                </a:spcAft>
+                <a:buNone/>
+              </a:pPr>
+              <a:endParaRPr/>
+            </a:p>
+          </p:txBody>
+        </p:sp>
+      </p:grpSp>
+      <p:sp>
+        <p:nvSpPr>
+          <p:cNvPr id="621" name="Google Shape;621;p42"/>
+          <p:cNvSpPr txBox="1"/>
+          <p:nvPr/>
+        </p:nvSpPr>
+        <p:spPr>
+          <a:xfrm>
+            <a:off x="1464004" y="1660255"/>
+            <a:ext cx="3209983" cy="484800"/>
+          </a:xfrm>
+          <a:prstGeom prst="rect">
+            <a:avLst/>
+          </a:prstGeom>
+          <a:noFill/>
+          <a:ln>
+            <a:noFill/>
+          </a:ln>
+        </p:spPr>
+        <p:txBody>
+          <a:bodyPr spcFirstLastPara="1" wrap="square" lIns="91425" tIns="91425" rIns="91425" bIns="91425" anchor="ctr" anchorCtr="0">
+            <a:noAutofit/>
+          </a:bodyPr>
+          <a:lstStyle/>
+          <a:p>
+            <a:pPr marL="285750" lvl="2" indent="-285750">
+              <a:buFont typeface="Arial" panose="020B0604020202020204" pitchFamily="34" charset="0"/>
+              <a:buChar char="•"/>
+            </a:pPr>
+            <a:r>
+              <a:rPr lang="fr-FR" b="1" dirty="0">
+                <a:solidFill>
+                  <a:schemeClr val="dk2"/>
+                </a:solidFill>
+                <a:latin typeface="Lato"/>
+                <a:ea typeface="Lato"/>
+                <a:cs typeface="Lato"/>
+                <a:sym typeface="Lato"/>
+              </a:rPr>
+              <a:t>Modifier une colonne ou une ligne</a:t>
+            </a:r>
+            <a:endParaRPr lang="en-US" b="1" dirty="0">
+              <a:solidFill>
+                <a:schemeClr val="dk2"/>
+              </a:solidFill>
+              <a:latin typeface="Lato"/>
+              <a:ea typeface="Lato"/>
+              <a:cs typeface="Lato"/>
+              <a:sym typeface="Lato"/>
+            </a:endParaRPr>
+          </a:p>
+        </p:txBody>
+      </p:sp>
+      <p:grpSp>
+        <p:nvGrpSpPr>
+          <p:cNvPr id="642" name="Google Shape;642;p42"/>
+          <p:cNvGrpSpPr/>
+          <p:nvPr/>
+        </p:nvGrpSpPr>
+        <p:grpSpPr>
+          <a:xfrm>
+            <a:off x="721764" y="1844879"/>
+            <a:ext cx="355049" cy="355049"/>
+            <a:chOff x="1487200" y="4993750"/>
+            <a:chExt cx="483125" cy="483125"/>
+          </a:xfrm>
+        </p:grpSpPr>
+        <p:sp>
+          <p:nvSpPr>
+            <p:cNvPr id="643" name="Google Shape;643;p42"/>
+            <p:cNvSpPr/>
+            <p:nvPr/>
+          </p:nvSpPr>
+          <p:spPr>
+            <a:xfrm>
+              <a:off x="1487200" y="4993750"/>
+              <a:ext cx="483125" cy="483125"/>
+            </a:xfrm>
+            <a:custGeom>
+              <a:avLst/>
+              <a:gdLst/>
+              <a:ahLst/>
+              <a:cxnLst/>
+              <a:rect l="l" t="t" r="r" b="b"/>
+              <a:pathLst>
+                <a:path w="19325" h="19325" extrusionOk="0">
+                  <a:moveTo>
+                    <a:pt x="9662" y="1133"/>
+                  </a:moveTo>
+                  <a:cubicBezTo>
+                    <a:pt x="11824" y="1133"/>
+                    <a:pt x="13983" y="1975"/>
+                    <a:pt x="15668" y="3657"/>
+                  </a:cubicBezTo>
+                  <a:cubicBezTo>
+                    <a:pt x="19035" y="7027"/>
+                    <a:pt x="19035" y="12302"/>
+                    <a:pt x="15668" y="15668"/>
+                  </a:cubicBezTo>
+                  <a:cubicBezTo>
+                    <a:pt x="13983" y="17352"/>
+                    <a:pt x="11822" y="18193"/>
+                    <a:pt x="9661" y="18193"/>
+                  </a:cubicBezTo>
+                  <a:cubicBezTo>
+                    <a:pt x="7500" y="18193"/>
+                    <a:pt x="5340" y="17352"/>
+                    <a:pt x="3657" y="15668"/>
+                  </a:cubicBezTo>
+                  <a:cubicBezTo>
+                    <a:pt x="290" y="12302"/>
+                    <a:pt x="290" y="7024"/>
+                    <a:pt x="3657" y="3657"/>
+                  </a:cubicBezTo>
+                  <a:cubicBezTo>
+                    <a:pt x="5342" y="1975"/>
+                    <a:pt x="7500" y="1133"/>
+                    <a:pt x="9662" y="1133"/>
+                  </a:cubicBezTo>
+                  <a:close/>
+                  <a:moveTo>
+                    <a:pt x="9662" y="1"/>
+                  </a:moveTo>
+                  <a:cubicBezTo>
+                    <a:pt x="7117" y="1"/>
+                    <a:pt x="4698" y="1015"/>
+                    <a:pt x="2857" y="2857"/>
+                  </a:cubicBezTo>
+                  <a:cubicBezTo>
+                    <a:pt x="1015" y="4699"/>
+                    <a:pt x="0" y="7117"/>
+                    <a:pt x="0" y="9663"/>
+                  </a:cubicBezTo>
+                  <a:cubicBezTo>
+                    <a:pt x="0" y="12208"/>
+                    <a:pt x="1015" y="14627"/>
+                    <a:pt x="2857" y="16469"/>
+                  </a:cubicBezTo>
+                  <a:cubicBezTo>
+                    <a:pt x="4698" y="18310"/>
+                    <a:pt x="7117" y="19325"/>
+                    <a:pt x="9662" y="19325"/>
+                  </a:cubicBezTo>
+                  <a:cubicBezTo>
+                    <a:pt x="12208" y="19325"/>
+                    <a:pt x="14626" y="18310"/>
+                    <a:pt x="16468" y="16469"/>
+                  </a:cubicBezTo>
+                  <a:cubicBezTo>
+                    <a:pt x="18310" y="14627"/>
+                    <a:pt x="19325" y="12208"/>
+                    <a:pt x="19325" y="9663"/>
+                  </a:cubicBezTo>
+                  <a:cubicBezTo>
+                    <a:pt x="19325" y="7117"/>
+                    <a:pt x="18310" y="4699"/>
+                    <a:pt x="16468" y="2857"/>
+                  </a:cubicBezTo>
+                  <a:cubicBezTo>
+                    <a:pt x="14626" y="1015"/>
+                    <a:pt x="12208" y="1"/>
+                    <a:pt x="9662" y="1"/>
+                  </a:cubicBezTo>
+                  <a:close/>
+                </a:path>
+              </a:pathLst>
+            </a:custGeom>
+            <a:solidFill>
+              <a:schemeClr val="dk1"/>
+            </a:solidFill>
+            <a:ln>
+              <a:noFill/>
+            </a:ln>
+          </p:spPr>
+          <p:txBody>
+            <a:bodyPr spcFirstLastPara="1" wrap="square" lIns="91425" tIns="91425" rIns="91425" bIns="91425" anchor="ctr" anchorCtr="0">
+              <a:noAutofit/>
+            </a:bodyPr>
+            <a:lstStyle/>
+            <a:p>
+              <a:pPr marL="0" lvl="0" indent="0" algn="l" rtl="0">
+                <a:spcBef>
+                  <a:spcPts val="0"/>
+                </a:spcBef>
+                <a:spcAft>
+                  <a:spcPts val="0"/>
+                </a:spcAft>
+                <a:buNone/>
+              </a:pPr>
+              <a:endParaRPr>
+                <a:solidFill>
+                  <a:srgbClr val="435D74"/>
+                </a:solidFill>
+              </a:endParaRPr>
+            </a:p>
+          </p:txBody>
+        </p:sp>
+        <p:sp>
+          <p:nvSpPr>
+            <p:cNvPr id="644" name="Google Shape;644;p42"/>
+            <p:cNvSpPr/>
+            <p:nvPr/>
+          </p:nvSpPr>
+          <p:spPr>
+            <a:xfrm>
+              <a:off x="1602600" y="5143950"/>
+              <a:ext cx="250350" cy="182725"/>
+            </a:xfrm>
+            <a:custGeom>
+              <a:avLst/>
+              <a:gdLst/>
+              <a:ahLst/>
+              <a:cxnLst/>
+              <a:rect l="l" t="t" r="r" b="b"/>
+              <a:pathLst>
+                <a:path w="10014" h="7309" extrusionOk="0">
+                  <a:moveTo>
+                    <a:pt x="8149" y="1134"/>
+                  </a:moveTo>
+                  <a:cubicBezTo>
+                    <a:pt x="8294" y="1134"/>
+                    <a:pt x="8439" y="1189"/>
+                    <a:pt x="8549" y="1300"/>
+                  </a:cubicBezTo>
+                  <a:cubicBezTo>
+                    <a:pt x="8769" y="1520"/>
+                    <a:pt x="8769" y="1879"/>
+                    <a:pt x="8549" y="2100"/>
+                  </a:cubicBezTo>
+                  <a:lnTo>
+                    <a:pt x="4639" y="6007"/>
+                  </a:lnTo>
+                  <a:cubicBezTo>
+                    <a:pt x="4527" y="6120"/>
+                    <a:pt x="4377" y="6177"/>
+                    <a:pt x="4227" y="6177"/>
+                  </a:cubicBezTo>
+                  <a:cubicBezTo>
+                    <a:pt x="4081" y="6177"/>
+                    <a:pt x="3937" y="6123"/>
+                    <a:pt x="3830" y="6016"/>
+                  </a:cubicBezTo>
+                  <a:lnTo>
+                    <a:pt x="1547" y="3748"/>
+                  </a:lnTo>
+                  <a:cubicBezTo>
+                    <a:pt x="1296" y="3534"/>
+                    <a:pt x="1281" y="3151"/>
+                    <a:pt x="1514" y="2918"/>
+                  </a:cubicBezTo>
+                  <a:cubicBezTo>
+                    <a:pt x="1626" y="2806"/>
+                    <a:pt x="1771" y="2750"/>
+                    <a:pt x="1916" y="2750"/>
+                  </a:cubicBezTo>
+                  <a:cubicBezTo>
+                    <a:pt x="2074" y="2750"/>
+                    <a:pt x="2232" y="2817"/>
+                    <a:pt x="2344" y="2948"/>
+                  </a:cubicBezTo>
+                  <a:lnTo>
+                    <a:pt x="3784" y="4388"/>
+                  </a:lnTo>
+                  <a:cubicBezTo>
+                    <a:pt x="3793" y="4401"/>
+                    <a:pt x="3805" y="4410"/>
+                    <a:pt x="3817" y="4419"/>
+                  </a:cubicBezTo>
+                  <a:cubicBezTo>
+                    <a:pt x="3817" y="4422"/>
+                    <a:pt x="3820" y="4422"/>
+                    <a:pt x="3823" y="4425"/>
+                  </a:cubicBezTo>
+                  <a:cubicBezTo>
+                    <a:pt x="3934" y="4535"/>
+                    <a:pt x="4078" y="4590"/>
+                    <a:pt x="4222" y="4590"/>
+                  </a:cubicBezTo>
+                  <a:cubicBezTo>
+                    <a:pt x="4367" y="4590"/>
+                    <a:pt x="4512" y="4535"/>
+                    <a:pt x="4624" y="4425"/>
+                  </a:cubicBezTo>
+                  <a:lnTo>
+                    <a:pt x="7749" y="1300"/>
+                  </a:lnTo>
+                  <a:cubicBezTo>
+                    <a:pt x="7859" y="1189"/>
+                    <a:pt x="8004" y="1134"/>
+                    <a:pt x="8149" y="1134"/>
+                  </a:cubicBezTo>
+                  <a:close/>
+                  <a:moveTo>
+                    <a:pt x="8146" y="1"/>
+                  </a:moveTo>
+                  <a:cubicBezTo>
+                    <a:pt x="7712" y="1"/>
+                    <a:pt x="7279" y="166"/>
+                    <a:pt x="6949" y="496"/>
+                  </a:cubicBezTo>
+                  <a:lnTo>
+                    <a:pt x="6946" y="496"/>
+                  </a:lnTo>
+                  <a:lnTo>
+                    <a:pt x="4219" y="3223"/>
+                  </a:lnTo>
+                  <a:lnTo>
+                    <a:pt x="3144" y="2148"/>
+                  </a:lnTo>
+                  <a:cubicBezTo>
+                    <a:pt x="2808" y="1779"/>
+                    <a:pt x="2348" y="1594"/>
+                    <a:pt x="1887" y="1594"/>
+                  </a:cubicBezTo>
+                  <a:cubicBezTo>
+                    <a:pt x="1453" y="1594"/>
+                    <a:pt x="1019" y="1758"/>
+                    <a:pt x="686" y="2091"/>
+                  </a:cubicBezTo>
+                  <a:cubicBezTo>
+                    <a:pt x="1" y="2776"/>
+                    <a:pt x="28" y="3896"/>
+                    <a:pt x="747" y="4549"/>
+                  </a:cubicBezTo>
+                  <a:lnTo>
+                    <a:pt x="3029" y="6819"/>
+                  </a:lnTo>
+                  <a:cubicBezTo>
+                    <a:pt x="3344" y="7131"/>
+                    <a:pt x="3768" y="7308"/>
+                    <a:pt x="4214" y="7308"/>
+                  </a:cubicBezTo>
+                  <a:cubicBezTo>
+                    <a:pt x="4218" y="7308"/>
+                    <a:pt x="4221" y="7308"/>
+                    <a:pt x="4225" y="7308"/>
+                  </a:cubicBezTo>
+                  <a:cubicBezTo>
+                    <a:pt x="4678" y="7308"/>
+                    <a:pt x="5116" y="7127"/>
+                    <a:pt x="5439" y="6807"/>
+                  </a:cubicBezTo>
+                  <a:lnTo>
+                    <a:pt x="9349" y="2900"/>
+                  </a:lnTo>
+                  <a:cubicBezTo>
+                    <a:pt x="10013" y="2236"/>
+                    <a:pt x="10013" y="1161"/>
+                    <a:pt x="9349" y="499"/>
+                  </a:cubicBezTo>
+                  <a:cubicBezTo>
+                    <a:pt x="9017" y="167"/>
+                    <a:pt x="8581" y="1"/>
+                    <a:pt x="8146" y="1"/>
+                  </a:cubicBezTo>
+                  <a:close/>
+                </a:path>
+              </a:pathLst>
+            </a:custGeom>
+            <a:solidFill>
+              <a:schemeClr val="dk1"/>
+            </a:solidFill>
+            <a:ln>
+              <a:noFill/>
+            </a:ln>
+          </p:spPr>
+          <p:txBody>
+            <a:bodyPr spcFirstLastPara="1" wrap="square" lIns="91425" tIns="91425" rIns="91425" bIns="91425" anchor="ctr" anchorCtr="0">
+              <a:noAutofit/>
+            </a:bodyPr>
+            <a:lstStyle/>
+            <a:p>
+              <a:pPr marL="0" lvl="0" indent="0" algn="l" rtl="0">
+                <a:spcBef>
+                  <a:spcPts val="0"/>
+                </a:spcBef>
+                <a:spcAft>
+                  <a:spcPts val="0"/>
+                </a:spcAft>
+                <a:buNone/>
+              </a:pPr>
+              <a:endParaRPr>
+                <a:solidFill>
+                  <a:srgbClr val="435D74"/>
+                </a:solidFill>
+              </a:endParaRPr>
+            </a:p>
+          </p:txBody>
+        </p:sp>
+      </p:grpSp>
+      <p:grpSp>
+        <p:nvGrpSpPr>
+          <p:cNvPr id="12" name="Google Shape;618;p42">
+            <a:extLst>
+              <a:ext uri="{FF2B5EF4-FFF2-40B4-BE49-F238E27FC236}">
+                <a16:creationId xmlns:a16="http://schemas.microsoft.com/office/drawing/2014/main" id="{57CE7DB3-61A7-3DAC-448B-E7245C58E455}"/>
+              </a:ext>
+            </a:extLst>
+          </p:cNvPr>
+          <p:cNvGrpSpPr/>
+          <p:nvPr/>
+        </p:nvGrpSpPr>
+        <p:grpSpPr>
+          <a:xfrm>
+            <a:off x="468096" y="3138424"/>
+            <a:ext cx="911100" cy="689641"/>
+            <a:chOff x="1217362" y="1846472"/>
+            <a:chExt cx="911100" cy="689641"/>
+          </a:xfrm>
+        </p:grpSpPr>
+        <p:sp>
+          <p:nvSpPr>
+            <p:cNvPr id="13" name="Google Shape;619;p42">
+              <a:extLst>
+                <a:ext uri="{FF2B5EF4-FFF2-40B4-BE49-F238E27FC236}">
+                  <a16:creationId xmlns:a16="http://schemas.microsoft.com/office/drawing/2014/main" id="{51375549-1A9B-CF34-604B-A5C15A30548C}"/>
+                </a:ext>
+              </a:extLst>
+            </p:cNvPr>
+            <p:cNvSpPr/>
+            <p:nvPr/>
+          </p:nvSpPr>
+          <p:spPr>
+            <a:xfrm>
+              <a:off x="1217362" y="1846472"/>
+              <a:ext cx="431700" cy="505200"/>
+            </a:xfrm>
+            <a:prstGeom prst="roundRect">
+              <a:avLst>
+                <a:gd name="adj" fmla="val 6278"/>
+              </a:avLst>
+            </a:prstGeom>
+            <a:solidFill>
+              <a:schemeClr val="lt2"/>
+            </a:solidFill>
+            <a:ln w="28575" cap="flat" cmpd="sng">
+              <a:solidFill>
+                <a:schemeClr val="dk1"/>
+              </a:solidFill>
+              <a:prstDash val="solid"/>
+              <a:round/>
+              <a:headEnd type="none" w="sm" len="sm"/>
+              <a:tailEnd type="none" w="sm" len="sm"/>
+            </a:ln>
+            <a:effectLst>
+              <a:outerShdw blurRad="57150" dist="19050" dir="5400000" algn="bl" rotWithShape="0">
+                <a:schemeClr val="dk1">
+                  <a:alpha val="50000"/>
+                </a:schemeClr>
+              </a:outerShdw>
+            </a:effectLst>
+          </p:spPr>
+          <p:txBody>
+            <a:bodyPr spcFirstLastPara="1" wrap="square" lIns="91425" tIns="91425" rIns="91425" bIns="91425" anchor="ctr" anchorCtr="0">
+              <a:noAutofit/>
+            </a:bodyPr>
+            <a:lstStyle/>
+            <a:p>
+              <a:pPr marL="0" lvl="0" indent="0" algn="l" rtl="0">
+                <a:spcBef>
+                  <a:spcPts val="0"/>
+                </a:spcBef>
+                <a:spcAft>
+                  <a:spcPts val="0"/>
+                </a:spcAft>
+                <a:buNone/>
+              </a:pPr>
+              <a:endParaRPr/>
+            </a:p>
+          </p:txBody>
+        </p:sp>
+        <p:sp>
+          <p:nvSpPr>
+            <p:cNvPr id="14" name="Google Shape;620;p42">
+              <a:extLst>
+                <a:ext uri="{FF2B5EF4-FFF2-40B4-BE49-F238E27FC236}">
+                  <a16:creationId xmlns:a16="http://schemas.microsoft.com/office/drawing/2014/main" id="{AF474D41-A384-9942-BBD1-A6626C73DF11}"/>
+                </a:ext>
+              </a:extLst>
+            </p:cNvPr>
+            <p:cNvSpPr/>
+            <p:nvPr/>
+          </p:nvSpPr>
+          <p:spPr>
+            <a:xfrm>
+              <a:off x="1217362" y="1947213"/>
+              <a:ext cx="911100" cy="588900"/>
+            </a:xfrm>
+            <a:prstGeom prst="roundRect">
+              <a:avLst>
+                <a:gd name="adj" fmla="val 5762"/>
+              </a:avLst>
+            </a:prstGeom>
+            <a:solidFill>
+              <a:schemeClr val="lt2"/>
+            </a:solidFill>
+            <a:ln w="28575" cap="flat" cmpd="sng">
+              <a:solidFill>
+                <a:schemeClr val="dk1"/>
+              </a:solidFill>
+              <a:prstDash val="solid"/>
+              <a:round/>
+              <a:headEnd type="none" w="sm" len="sm"/>
+              <a:tailEnd type="none" w="sm" len="sm"/>
+            </a:ln>
+            <a:effectLst>
+              <a:outerShdw dist="57150" dir="2940000" algn="bl" rotWithShape="0">
+                <a:schemeClr val="dk1"/>
+              </a:outerShdw>
+            </a:effectLst>
+          </p:spPr>
+          <p:txBody>
+            <a:bodyPr spcFirstLastPara="1" wrap="square" lIns="91425" tIns="91425" rIns="91425" bIns="91425" anchor="ctr" anchorCtr="0">
+              <a:noAutofit/>
+            </a:bodyPr>
+            <a:lstStyle/>
+            <a:p>
+              <a:pPr marL="0" lvl="0" indent="0" algn="l" rtl="0">
+                <a:spcBef>
+                  <a:spcPts val="0"/>
+                </a:spcBef>
+                <a:spcAft>
+                  <a:spcPts val="0"/>
+                </a:spcAft>
+                <a:buNone/>
+              </a:pPr>
+              <a:endParaRPr/>
+            </a:p>
+          </p:txBody>
+        </p:sp>
+      </p:grpSp>
+      <p:sp>
+        <p:nvSpPr>
+          <p:cNvPr id="15" name="Google Shape;621;p42">
+            <a:extLst>
+              <a:ext uri="{FF2B5EF4-FFF2-40B4-BE49-F238E27FC236}">
+                <a16:creationId xmlns:a16="http://schemas.microsoft.com/office/drawing/2014/main" id="{30E80BF8-DB11-DE82-D386-465CC30B39AF}"/>
+              </a:ext>
+            </a:extLst>
+          </p:cNvPr>
+          <p:cNvSpPr txBox="1"/>
+          <p:nvPr/>
+        </p:nvSpPr>
+        <p:spPr>
+          <a:xfrm>
+            <a:off x="1464004" y="3114995"/>
+            <a:ext cx="3003127" cy="484800"/>
+          </a:xfrm>
+          <a:prstGeom prst="rect">
+            <a:avLst/>
+          </a:prstGeom>
+          <a:noFill/>
+          <a:ln>
+            <a:noFill/>
+          </a:ln>
+        </p:spPr>
+        <p:txBody>
+          <a:bodyPr spcFirstLastPara="1" wrap="square" lIns="91425" tIns="91425" rIns="91425" bIns="91425" anchor="ctr" anchorCtr="0">
+            <a:noAutofit/>
+          </a:bodyPr>
+          <a:lstStyle/>
+          <a:p>
+            <a:pPr marL="285750" lvl="2" indent="-285750">
+              <a:buFont typeface="Arial" panose="020B0604020202020204" pitchFamily="34" charset="0"/>
+              <a:buChar char="•"/>
+            </a:pPr>
+            <a:r>
+              <a:rPr lang="en-US" b="1" dirty="0" err="1">
+                <a:solidFill>
+                  <a:schemeClr val="dk2"/>
+                </a:solidFill>
+                <a:latin typeface="Lato"/>
+                <a:ea typeface="Lato"/>
+                <a:cs typeface="Lato"/>
+                <a:sym typeface="Lato"/>
+              </a:rPr>
+              <a:t>Supprimer</a:t>
+            </a:r>
+            <a:r>
+              <a:rPr lang="en-US" b="1" dirty="0">
+                <a:solidFill>
+                  <a:schemeClr val="dk2"/>
+                </a:solidFill>
+                <a:latin typeface="Lato"/>
+                <a:ea typeface="Lato"/>
+                <a:cs typeface="Lato"/>
+                <a:sym typeface="Lato"/>
+              </a:rPr>
+              <a:t> </a:t>
+            </a:r>
+            <a:r>
+              <a:rPr lang="en-US" b="1" dirty="0" err="1">
+                <a:solidFill>
+                  <a:schemeClr val="dk2"/>
+                </a:solidFill>
+                <a:latin typeface="Lato"/>
+                <a:ea typeface="Lato"/>
+                <a:cs typeface="Lato"/>
+                <a:sym typeface="Lato"/>
+              </a:rPr>
+              <a:t>une</a:t>
+            </a:r>
+            <a:r>
+              <a:rPr lang="en-US" b="1" dirty="0">
+                <a:solidFill>
+                  <a:schemeClr val="dk2"/>
+                </a:solidFill>
+                <a:latin typeface="Lato"/>
+                <a:ea typeface="Lato"/>
+                <a:cs typeface="Lato"/>
+                <a:sym typeface="Lato"/>
+              </a:rPr>
+              <a:t> </a:t>
+            </a:r>
+            <a:r>
+              <a:rPr lang="en-US" b="1" dirty="0" err="1">
+                <a:solidFill>
+                  <a:schemeClr val="dk2"/>
+                </a:solidFill>
+                <a:latin typeface="Lato"/>
+                <a:ea typeface="Lato"/>
+                <a:cs typeface="Lato"/>
+                <a:sym typeface="Lato"/>
+              </a:rPr>
+              <a:t>colonne</a:t>
+            </a:r>
+            <a:r>
+              <a:rPr lang="en-US" b="1" dirty="0">
+                <a:solidFill>
+                  <a:schemeClr val="dk2"/>
+                </a:solidFill>
+                <a:latin typeface="Lato"/>
+                <a:ea typeface="Lato"/>
+                <a:cs typeface="Lato"/>
+                <a:sym typeface="Lato"/>
+              </a:rPr>
+              <a:t>:</a:t>
+            </a:r>
+          </a:p>
+        </p:txBody>
+      </p:sp>
+      <p:grpSp>
+        <p:nvGrpSpPr>
+          <p:cNvPr id="16" name="Google Shape;642;p42">
+            <a:extLst>
+              <a:ext uri="{FF2B5EF4-FFF2-40B4-BE49-F238E27FC236}">
+                <a16:creationId xmlns:a16="http://schemas.microsoft.com/office/drawing/2014/main" id="{F834251F-1273-C76F-A410-9393E25EA549}"/>
+              </a:ext>
+            </a:extLst>
+          </p:cNvPr>
+          <p:cNvGrpSpPr/>
+          <p:nvPr/>
+        </p:nvGrpSpPr>
+        <p:grpSpPr>
+          <a:xfrm>
+            <a:off x="741511" y="3266487"/>
+            <a:ext cx="355049" cy="355049"/>
+            <a:chOff x="1487200" y="4993750"/>
+            <a:chExt cx="483125" cy="483125"/>
+          </a:xfrm>
+        </p:grpSpPr>
+        <p:sp>
+          <p:nvSpPr>
+            <p:cNvPr id="17" name="Google Shape;643;p42">
+              <a:extLst>
+                <a:ext uri="{FF2B5EF4-FFF2-40B4-BE49-F238E27FC236}">
+                  <a16:creationId xmlns:a16="http://schemas.microsoft.com/office/drawing/2014/main" id="{DEADADD7-FF7F-26B5-77C1-6352EF539221}"/>
+                </a:ext>
+              </a:extLst>
+            </p:cNvPr>
+            <p:cNvSpPr/>
+            <p:nvPr/>
+          </p:nvSpPr>
+          <p:spPr>
+            <a:xfrm>
+              <a:off x="1487200" y="4993750"/>
+              <a:ext cx="483125" cy="483125"/>
+            </a:xfrm>
+            <a:custGeom>
+              <a:avLst/>
+              <a:gdLst/>
+              <a:ahLst/>
+              <a:cxnLst/>
+              <a:rect l="l" t="t" r="r" b="b"/>
+              <a:pathLst>
+                <a:path w="19325" h="19325" extrusionOk="0">
+                  <a:moveTo>
+                    <a:pt x="9662" y="1133"/>
+                  </a:moveTo>
+                  <a:cubicBezTo>
+                    <a:pt x="11824" y="1133"/>
+                    <a:pt x="13983" y="1975"/>
+                    <a:pt x="15668" y="3657"/>
+                  </a:cubicBezTo>
+                  <a:cubicBezTo>
+                    <a:pt x="19035" y="7027"/>
+                    <a:pt x="19035" y="12302"/>
+                    <a:pt x="15668" y="15668"/>
+                  </a:cubicBezTo>
+                  <a:cubicBezTo>
+                    <a:pt x="13983" y="17352"/>
+                    <a:pt x="11822" y="18193"/>
+                    <a:pt x="9661" y="18193"/>
+                  </a:cubicBezTo>
+                  <a:cubicBezTo>
+                    <a:pt x="7500" y="18193"/>
+                    <a:pt x="5340" y="17352"/>
+                    <a:pt x="3657" y="15668"/>
+                  </a:cubicBezTo>
+                  <a:cubicBezTo>
+                    <a:pt x="290" y="12302"/>
+                    <a:pt x="290" y="7024"/>
+                    <a:pt x="3657" y="3657"/>
+                  </a:cubicBezTo>
+                  <a:cubicBezTo>
+                    <a:pt x="5342" y="1975"/>
+                    <a:pt x="7500" y="1133"/>
+                    <a:pt x="9662" y="1133"/>
+                  </a:cubicBezTo>
+                  <a:close/>
+                  <a:moveTo>
+                    <a:pt x="9662" y="1"/>
+                  </a:moveTo>
+                  <a:cubicBezTo>
+                    <a:pt x="7117" y="1"/>
+                    <a:pt x="4698" y="1015"/>
+                    <a:pt x="2857" y="2857"/>
+                  </a:cubicBezTo>
+                  <a:cubicBezTo>
+                    <a:pt x="1015" y="4699"/>
+                    <a:pt x="0" y="7117"/>
+                    <a:pt x="0" y="9663"/>
+                  </a:cubicBezTo>
+                  <a:cubicBezTo>
+                    <a:pt x="0" y="12208"/>
+                    <a:pt x="1015" y="14627"/>
+                    <a:pt x="2857" y="16469"/>
+                  </a:cubicBezTo>
+                  <a:cubicBezTo>
+                    <a:pt x="4698" y="18310"/>
+                    <a:pt x="7117" y="19325"/>
+                    <a:pt x="9662" y="19325"/>
+                  </a:cubicBezTo>
+                  <a:cubicBezTo>
+                    <a:pt x="12208" y="19325"/>
+                    <a:pt x="14626" y="18310"/>
+                    <a:pt x="16468" y="16469"/>
+                  </a:cubicBezTo>
+                  <a:cubicBezTo>
+                    <a:pt x="18310" y="14627"/>
+                    <a:pt x="19325" y="12208"/>
+                    <a:pt x="19325" y="9663"/>
+                  </a:cubicBezTo>
+                  <a:cubicBezTo>
+                    <a:pt x="19325" y="7117"/>
+                    <a:pt x="18310" y="4699"/>
+                    <a:pt x="16468" y="2857"/>
+                  </a:cubicBezTo>
+                  <a:cubicBezTo>
+                    <a:pt x="14626" y="1015"/>
+                    <a:pt x="12208" y="1"/>
+                    <a:pt x="9662" y="1"/>
+                  </a:cubicBezTo>
+                  <a:close/>
+                </a:path>
+              </a:pathLst>
+            </a:custGeom>
+            <a:solidFill>
+              <a:schemeClr val="dk1"/>
+            </a:solidFill>
+            <a:ln>
+              <a:noFill/>
+            </a:ln>
+          </p:spPr>
+          <p:txBody>
+            <a:bodyPr spcFirstLastPara="1" wrap="square" lIns="91425" tIns="91425" rIns="91425" bIns="91425" anchor="ctr" anchorCtr="0">
+              <a:noAutofit/>
+            </a:bodyPr>
+            <a:lstStyle/>
+            <a:p>
+              <a:pPr marL="0" lvl="0" indent="0" algn="l" rtl="0">
+                <a:spcBef>
+                  <a:spcPts val="0"/>
+                </a:spcBef>
+                <a:spcAft>
+                  <a:spcPts val="0"/>
+                </a:spcAft>
+                <a:buNone/>
+              </a:pPr>
+              <a:endParaRPr>
+                <a:solidFill>
+                  <a:srgbClr val="435D74"/>
+                </a:solidFill>
+              </a:endParaRPr>
+            </a:p>
+          </p:txBody>
+        </p:sp>
+        <p:sp>
+          <p:nvSpPr>
+            <p:cNvPr id="18" name="Google Shape;644;p42">
+              <a:extLst>
+                <a:ext uri="{FF2B5EF4-FFF2-40B4-BE49-F238E27FC236}">
+                  <a16:creationId xmlns:a16="http://schemas.microsoft.com/office/drawing/2014/main" id="{3F98BAD0-A348-2ABF-0D37-BF6B4F7D2C1E}"/>
+                </a:ext>
+              </a:extLst>
+            </p:cNvPr>
+            <p:cNvSpPr/>
+            <p:nvPr/>
+          </p:nvSpPr>
+          <p:spPr>
+            <a:xfrm>
+              <a:off x="1602600" y="5143950"/>
+              <a:ext cx="250350" cy="182725"/>
+            </a:xfrm>
+            <a:custGeom>
+              <a:avLst/>
+              <a:gdLst/>
+              <a:ahLst/>
+              <a:cxnLst/>
+              <a:rect l="l" t="t" r="r" b="b"/>
+              <a:pathLst>
+                <a:path w="10014" h="7309" extrusionOk="0">
+                  <a:moveTo>
+                    <a:pt x="8149" y="1134"/>
+                  </a:moveTo>
+                  <a:cubicBezTo>
+                    <a:pt x="8294" y="1134"/>
+                    <a:pt x="8439" y="1189"/>
+                    <a:pt x="8549" y="1300"/>
+                  </a:cubicBezTo>
+                  <a:cubicBezTo>
+                    <a:pt x="8769" y="1520"/>
+                    <a:pt x="8769" y="1879"/>
+                    <a:pt x="8549" y="2100"/>
+                  </a:cubicBezTo>
+                  <a:lnTo>
+                    <a:pt x="4639" y="6007"/>
+                  </a:lnTo>
+                  <a:cubicBezTo>
+                    <a:pt x="4527" y="6120"/>
+                    <a:pt x="4377" y="6177"/>
+                    <a:pt x="4227" y="6177"/>
+                  </a:cubicBezTo>
+                  <a:cubicBezTo>
+                    <a:pt x="4081" y="6177"/>
+                    <a:pt x="3937" y="6123"/>
+                    <a:pt x="3830" y="6016"/>
+                  </a:cubicBezTo>
+                  <a:lnTo>
+                    <a:pt x="1547" y="3748"/>
+                  </a:lnTo>
+                  <a:cubicBezTo>
+                    <a:pt x="1296" y="3534"/>
+                    <a:pt x="1281" y="3151"/>
+                    <a:pt x="1514" y="2918"/>
+                  </a:cubicBezTo>
+                  <a:cubicBezTo>
+                    <a:pt x="1626" y="2806"/>
+                    <a:pt x="1771" y="2750"/>
+                    <a:pt x="1916" y="2750"/>
+                  </a:cubicBezTo>
+                  <a:cubicBezTo>
+                    <a:pt x="2074" y="2750"/>
+                    <a:pt x="2232" y="2817"/>
+                    <a:pt x="2344" y="2948"/>
+                  </a:cubicBezTo>
+                  <a:lnTo>
+                    <a:pt x="3784" y="4388"/>
+                  </a:lnTo>
+                  <a:cubicBezTo>
+                    <a:pt x="3793" y="4401"/>
+                    <a:pt x="3805" y="4410"/>
+                    <a:pt x="3817" y="4419"/>
+                  </a:cubicBezTo>
+                  <a:cubicBezTo>
+                    <a:pt x="3817" y="4422"/>
+                    <a:pt x="3820" y="4422"/>
+                    <a:pt x="3823" y="4425"/>
+                  </a:cubicBezTo>
+                  <a:cubicBezTo>
+                    <a:pt x="3934" y="4535"/>
+                    <a:pt x="4078" y="4590"/>
+                    <a:pt x="4222" y="4590"/>
+                  </a:cubicBezTo>
+                  <a:cubicBezTo>
+                    <a:pt x="4367" y="4590"/>
+                    <a:pt x="4512" y="4535"/>
+                    <a:pt x="4624" y="4425"/>
+                  </a:cubicBezTo>
+                  <a:lnTo>
+                    <a:pt x="7749" y="1300"/>
+                  </a:lnTo>
+                  <a:cubicBezTo>
+                    <a:pt x="7859" y="1189"/>
+                    <a:pt x="8004" y="1134"/>
+                    <a:pt x="8149" y="1134"/>
+                  </a:cubicBezTo>
+                  <a:close/>
+                  <a:moveTo>
+                    <a:pt x="8146" y="1"/>
+                  </a:moveTo>
+                  <a:cubicBezTo>
+                    <a:pt x="7712" y="1"/>
+                    <a:pt x="7279" y="166"/>
+                    <a:pt x="6949" y="496"/>
+                  </a:cubicBezTo>
+                  <a:lnTo>
+                    <a:pt x="6946" y="496"/>
+                  </a:lnTo>
+                  <a:lnTo>
+                    <a:pt x="4219" y="3223"/>
+                  </a:lnTo>
+                  <a:lnTo>
+                    <a:pt x="3144" y="2148"/>
+                  </a:lnTo>
+                  <a:cubicBezTo>
+                    <a:pt x="2808" y="1779"/>
+                    <a:pt x="2348" y="1594"/>
+                    <a:pt x="1887" y="1594"/>
+                  </a:cubicBezTo>
+                  <a:cubicBezTo>
+                    <a:pt x="1453" y="1594"/>
+                    <a:pt x="1019" y="1758"/>
+                    <a:pt x="686" y="2091"/>
+                  </a:cubicBezTo>
+                  <a:cubicBezTo>
+                    <a:pt x="1" y="2776"/>
+                    <a:pt x="28" y="3896"/>
+                    <a:pt x="747" y="4549"/>
+                  </a:cubicBezTo>
+                  <a:lnTo>
+                    <a:pt x="3029" y="6819"/>
+                  </a:lnTo>
+                  <a:cubicBezTo>
+                    <a:pt x="3344" y="7131"/>
+                    <a:pt x="3768" y="7308"/>
+                    <a:pt x="4214" y="7308"/>
+                  </a:cubicBezTo>
+                  <a:cubicBezTo>
+                    <a:pt x="4218" y="7308"/>
+                    <a:pt x="4221" y="7308"/>
+                    <a:pt x="4225" y="7308"/>
+                  </a:cubicBezTo>
+                  <a:cubicBezTo>
+                    <a:pt x="4678" y="7308"/>
+                    <a:pt x="5116" y="7127"/>
+                    <a:pt x="5439" y="6807"/>
+                  </a:cubicBezTo>
+                  <a:lnTo>
+                    <a:pt x="9349" y="2900"/>
+                  </a:lnTo>
+                  <a:cubicBezTo>
+                    <a:pt x="10013" y="2236"/>
+                    <a:pt x="10013" y="1161"/>
+                    <a:pt x="9349" y="499"/>
+                  </a:cubicBezTo>
+                  <a:cubicBezTo>
+                    <a:pt x="9017" y="167"/>
+                    <a:pt x="8581" y="1"/>
+                    <a:pt x="8146" y="1"/>
+                  </a:cubicBezTo>
+                  <a:close/>
+                </a:path>
+              </a:pathLst>
+            </a:custGeom>
+            <a:solidFill>
+              <a:schemeClr val="dk1"/>
+            </a:solidFill>
+            <a:ln>
+              <a:noFill/>
+            </a:ln>
+          </p:spPr>
+          <p:txBody>
+            <a:bodyPr spcFirstLastPara="1" wrap="square" lIns="91425" tIns="91425" rIns="91425" bIns="91425" anchor="ctr" anchorCtr="0">
+              <a:noAutofit/>
+            </a:bodyPr>
+            <a:lstStyle/>
+            <a:p>
+              <a:pPr marL="0" lvl="0" indent="0" algn="l" rtl="0">
+                <a:spcBef>
+                  <a:spcPts val="0"/>
+                </a:spcBef>
+                <a:spcAft>
+                  <a:spcPts val="0"/>
+                </a:spcAft>
+                <a:buNone/>
+              </a:pPr>
+              <a:endParaRPr>
+                <a:solidFill>
+                  <a:srgbClr val="435D74"/>
+                </a:solidFill>
+              </a:endParaRPr>
+            </a:p>
+          </p:txBody>
+        </p:sp>
+      </p:grpSp>
+      <p:pic>
+        <p:nvPicPr>
+          <p:cNvPr id="6" name="Image 5">
+            <a:extLst>
+              <a:ext uri="{FF2B5EF4-FFF2-40B4-BE49-F238E27FC236}">
+                <a16:creationId xmlns:a16="http://schemas.microsoft.com/office/drawing/2014/main" id="{7566B306-2011-6B56-94BB-E20F37933BA0}"/>
+              </a:ext>
+            </a:extLst>
+          </p:cNvPr>
+          <p:cNvPicPr>
+            <a:picLocks noChangeAspect="1"/>
+          </p:cNvPicPr>
+          <p:nvPr/>
+        </p:nvPicPr>
+        <p:blipFill>
+          <a:blip r:embed="rId3"/>
+          <a:stretch>
+            <a:fillRect/>
+          </a:stretch>
+        </p:blipFill>
+        <p:spPr>
+          <a:xfrm>
+            <a:off x="1786014" y="2088353"/>
+            <a:ext cx="4372903" cy="282519"/>
+          </a:xfrm>
+          <a:prstGeom prst="rect">
+            <a:avLst/>
+          </a:prstGeom>
+        </p:spPr>
+      </p:pic>
+      <p:pic>
+        <p:nvPicPr>
+          <p:cNvPr id="8" name="Image 7">
+            <a:extLst>
+              <a:ext uri="{FF2B5EF4-FFF2-40B4-BE49-F238E27FC236}">
+                <a16:creationId xmlns:a16="http://schemas.microsoft.com/office/drawing/2014/main" id="{0E7348AA-41D1-3155-6837-538AD699AFAD}"/>
+              </a:ext>
+            </a:extLst>
+          </p:cNvPr>
+          <p:cNvPicPr>
+            <a:picLocks noChangeAspect="1"/>
+          </p:cNvPicPr>
+          <p:nvPr/>
+        </p:nvPicPr>
+        <p:blipFill>
+          <a:blip r:embed="rId4"/>
+          <a:stretch>
+            <a:fillRect/>
+          </a:stretch>
+        </p:blipFill>
+        <p:spPr>
+          <a:xfrm>
+            <a:off x="1786014" y="3570890"/>
+            <a:ext cx="3962001" cy="325149"/>
+          </a:xfrm>
+          <a:prstGeom prst="rect">
+            <a:avLst/>
+          </a:prstGeom>
+        </p:spPr>
+      </p:pic>
+    </p:spTree>
+    <p:extLst>
+      <p:ext uri="{BB962C8B-B14F-4D97-AF65-F5344CB8AC3E}">
+        <p14:creationId xmlns:p14="http://schemas.microsoft.com/office/powerpoint/2010/main" val="3017439350"/>
+      </p:ext>
+    </p:extLst>
+  </p:cSld>
+  <p:clrMapOvr>
+    <a:masterClrMapping/>
+  </p:clrMapOvr>
+</p:sld>
+</file>
+
+<file path=ppt/slides/slide36.xml><?xml version="1.0" encoding="utf-8"?>
+<p:sld xmlns:a="http://schemas.openxmlformats.org/drawingml/2006/main" xmlns:r="http://schemas.openxmlformats.org/officeDocument/2006/relationships" xmlns:p="http://schemas.openxmlformats.org/presentationml/2006/main">
+  <p:cSld>
+    <p:spTree>
+      <p:nvGrpSpPr>
+        <p:cNvPr id="1" name=""/>
+        <p:cNvGrpSpPr/>
+        <p:nvPr/>
+      </p:nvGrpSpPr>
+      <p:grpSpPr>
+        <a:xfrm>
+          <a:off x="0" y="0"/>
+          <a:ext cx="0" cy="0"/>
+          <a:chOff x="0" y="0"/>
+          <a:chExt cx="0" cy="0"/>
+        </a:xfrm>
+      </p:grpSpPr>
+      <p:sp>
+        <p:nvSpPr>
+          <p:cNvPr id="4" name="Titre 3">
+            <a:extLst>
+              <a:ext uri="{FF2B5EF4-FFF2-40B4-BE49-F238E27FC236}">
+                <a16:creationId xmlns:a16="http://schemas.microsoft.com/office/drawing/2014/main" id="{07ED426D-4BC1-EFD8-002D-A1A234283447}"/>
+              </a:ext>
+            </a:extLst>
+          </p:cNvPr>
+          <p:cNvSpPr>
+            <a:spLocks noGrp="1"/>
+          </p:cNvSpPr>
+          <p:nvPr>
+            <p:ph type="title"/>
+          </p:nvPr>
+        </p:nvSpPr>
+        <p:spPr>
+          <a:xfrm>
+            <a:off x="999119" y="1386450"/>
+            <a:ext cx="7145762" cy="2370600"/>
+          </a:xfrm>
+        </p:spPr>
+        <p:txBody>
+          <a:bodyPr/>
+          <a:lstStyle/>
+          <a:p>
+            <a:r>
+              <a:rPr lang="fr-FR" sz="5400" b="0" i="0" dirty="0">
+                <a:solidFill>
+                  <a:srgbClr val="111111"/>
+                </a:solidFill>
+                <a:effectLst/>
+                <a:latin typeface="-apple-system"/>
+              </a:rPr>
+              <a:t>Filtrer, trier, grouper et agréger des données avec Pandas :</a:t>
+            </a:r>
+            <a:endParaRPr lang="fr-FR" sz="5400" dirty="0"/>
+          </a:p>
+        </p:txBody>
+      </p:sp>
+    </p:spTree>
+    <p:extLst>
+      <p:ext uri="{BB962C8B-B14F-4D97-AF65-F5344CB8AC3E}">
+        <p14:creationId xmlns:p14="http://schemas.microsoft.com/office/powerpoint/2010/main" val="4193684780"/>
+      </p:ext>
+    </p:extLst>
+  </p:cSld>
+  <p:clrMapOvr>
+    <a:masterClrMapping/>
+  </p:clrMapOvr>
+</p:sld>
+</file>
+
+<file path=ppt/slides/slide37.xml><?xml version="1.0" encoding="utf-8"?>
+<p:sld xmlns:a="http://schemas.openxmlformats.org/drawingml/2006/main" xmlns:r="http://schemas.openxmlformats.org/officeDocument/2006/relationships" xmlns:p="http://schemas.openxmlformats.org/presentationml/2006/main">
+  <p:cSld>
+    <p:spTree>
+      <p:nvGrpSpPr>
+        <p:cNvPr id="1" name="Shape 616"/>
+        <p:cNvGrpSpPr/>
+        <p:nvPr/>
+      </p:nvGrpSpPr>
+      <p:grpSpPr>
+        <a:xfrm>
+          <a:off x="0" y="0"/>
+          <a:ext cx="0" cy="0"/>
+          <a:chOff x="0" y="0"/>
+          <a:chExt cx="0" cy="0"/>
+        </a:xfrm>
+      </p:grpSpPr>
+      <p:grpSp>
+        <p:nvGrpSpPr>
+          <p:cNvPr id="618" name="Google Shape;618;p42"/>
+          <p:cNvGrpSpPr/>
+          <p:nvPr/>
+        </p:nvGrpSpPr>
+        <p:grpSpPr>
+          <a:xfrm>
+            <a:off x="468096" y="1223659"/>
+            <a:ext cx="911100" cy="689641"/>
+            <a:chOff x="1217362" y="1846472"/>
+            <a:chExt cx="911100" cy="689641"/>
+          </a:xfrm>
+        </p:grpSpPr>
+        <p:sp>
+          <p:nvSpPr>
+            <p:cNvPr id="619" name="Google Shape;619;p42"/>
+            <p:cNvSpPr/>
+            <p:nvPr/>
+          </p:nvSpPr>
+          <p:spPr>
+            <a:xfrm>
+              <a:off x="1217362" y="1846472"/>
+              <a:ext cx="431700" cy="505200"/>
+            </a:xfrm>
+            <a:prstGeom prst="roundRect">
+              <a:avLst>
+                <a:gd name="adj" fmla="val 6278"/>
+              </a:avLst>
+            </a:prstGeom>
+            <a:solidFill>
+              <a:schemeClr val="lt2"/>
+            </a:solidFill>
+            <a:ln w="28575" cap="flat" cmpd="sng">
+              <a:solidFill>
+                <a:schemeClr val="dk1"/>
+              </a:solidFill>
+              <a:prstDash val="solid"/>
+              <a:round/>
+              <a:headEnd type="none" w="sm" len="sm"/>
+              <a:tailEnd type="none" w="sm" len="sm"/>
+            </a:ln>
+            <a:effectLst>
+              <a:outerShdw blurRad="57150" dist="19050" dir="5400000" algn="bl" rotWithShape="0">
+                <a:schemeClr val="dk1">
+                  <a:alpha val="50000"/>
+                </a:schemeClr>
+              </a:outerShdw>
+            </a:effectLst>
+          </p:spPr>
+          <p:txBody>
+            <a:bodyPr spcFirstLastPara="1" wrap="square" lIns="91425" tIns="91425" rIns="91425" bIns="91425" anchor="ctr" anchorCtr="0">
+              <a:noAutofit/>
+            </a:bodyPr>
+            <a:lstStyle/>
+            <a:p>
+              <a:pPr marL="0" lvl="0" indent="0" algn="l" rtl="0">
+                <a:spcBef>
+                  <a:spcPts val="0"/>
+                </a:spcBef>
+                <a:spcAft>
+                  <a:spcPts val="0"/>
+                </a:spcAft>
+                <a:buNone/>
+              </a:pPr>
+              <a:endParaRPr/>
+            </a:p>
+          </p:txBody>
+        </p:sp>
+        <p:sp>
+          <p:nvSpPr>
+            <p:cNvPr id="620" name="Google Shape;620;p42"/>
+            <p:cNvSpPr/>
+            <p:nvPr/>
+          </p:nvSpPr>
+          <p:spPr>
+            <a:xfrm>
+              <a:off x="1217362" y="1947213"/>
+              <a:ext cx="911100" cy="588900"/>
+            </a:xfrm>
+            <a:prstGeom prst="roundRect">
+              <a:avLst>
+                <a:gd name="adj" fmla="val 5762"/>
+              </a:avLst>
+            </a:prstGeom>
+            <a:solidFill>
+              <a:schemeClr val="lt2"/>
+            </a:solidFill>
+            <a:ln w="28575" cap="flat" cmpd="sng">
+              <a:solidFill>
+                <a:schemeClr val="dk1"/>
+              </a:solidFill>
+              <a:prstDash val="solid"/>
+              <a:round/>
+              <a:headEnd type="none" w="sm" len="sm"/>
+              <a:tailEnd type="none" w="sm" len="sm"/>
+            </a:ln>
+            <a:effectLst>
+              <a:outerShdw dist="57150" dir="2940000" algn="bl" rotWithShape="0">
+                <a:schemeClr val="dk1"/>
+              </a:outerShdw>
+            </a:effectLst>
+          </p:spPr>
+          <p:txBody>
+            <a:bodyPr spcFirstLastPara="1" wrap="square" lIns="91425" tIns="91425" rIns="91425" bIns="91425" anchor="ctr" anchorCtr="0">
+              <a:noAutofit/>
+            </a:bodyPr>
+            <a:lstStyle/>
+            <a:p>
+              <a:pPr marL="0" lvl="0" indent="0" algn="l" rtl="0">
+                <a:spcBef>
+                  <a:spcPts val="0"/>
+                </a:spcBef>
+                <a:spcAft>
+                  <a:spcPts val="0"/>
+                </a:spcAft>
+                <a:buNone/>
+              </a:pPr>
+              <a:endParaRPr/>
+            </a:p>
+          </p:txBody>
+        </p:sp>
+      </p:grpSp>
+      <p:sp>
+        <p:nvSpPr>
+          <p:cNvPr id="621" name="Google Shape;621;p42"/>
+          <p:cNvSpPr txBox="1"/>
+          <p:nvPr/>
+        </p:nvSpPr>
+        <p:spPr>
+          <a:xfrm>
+            <a:off x="1464004" y="1200230"/>
+            <a:ext cx="2932921" cy="484800"/>
+          </a:xfrm>
+          <a:prstGeom prst="rect">
+            <a:avLst/>
+          </a:prstGeom>
+          <a:noFill/>
+          <a:ln>
+            <a:noFill/>
+          </a:ln>
+        </p:spPr>
+        <p:txBody>
+          <a:bodyPr spcFirstLastPara="1" wrap="square" lIns="91425" tIns="91425" rIns="91425" bIns="91425" anchor="ctr" anchorCtr="0">
+            <a:noAutofit/>
+          </a:bodyPr>
+          <a:lstStyle/>
+          <a:p>
+            <a:pPr marL="285750" lvl="2" indent="-285750">
+              <a:buFont typeface="Arial" panose="020B0604020202020204" pitchFamily="34" charset="0"/>
+              <a:buChar char="•"/>
+            </a:pPr>
+            <a:r>
+              <a:rPr lang="en-US" b="1" dirty="0" err="1">
+                <a:solidFill>
+                  <a:schemeClr val="dk2"/>
+                </a:solidFill>
+                <a:latin typeface="Lato"/>
+                <a:ea typeface="Lato"/>
+                <a:cs typeface="Lato"/>
+                <a:sym typeface="Lato"/>
+              </a:rPr>
+              <a:t>Filtrer</a:t>
+            </a:r>
+            <a:r>
+              <a:rPr lang="en-US" b="1" dirty="0">
+                <a:solidFill>
+                  <a:schemeClr val="dk2"/>
+                </a:solidFill>
+                <a:latin typeface="Lato"/>
+                <a:ea typeface="Lato"/>
+                <a:cs typeface="Lato"/>
+                <a:sym typeface="Lato"/>
+              </a:rPr>
+              <a:t> </a:t>
+            </a:r>
+            <a:r>
+              <a:rPr lang="en-US" b="1" dirty="0" err="1">
+                <a:solidFill>
+                  <a:schemeClr val="dk2"/>
+                </a:solidFill>
+                <a:latin typeface="Lato"/>
+                <a:ea typeface="Lato"/>
+                <a:cs typeface="Lato"/>
+                <a:sym typeface="Lato"/>
+              </a:rPr>
+              <a:t>selon</a:t>
+            </a:r>
+            <a:r>
+              <a:rPr lang="en-US" b="1" dirty="0">
+                <a:solidFill>
+                  <a:schemeClr val="dk2"/>
+                </a:solidFill>
+                <a:latin typeface="Lato"/>
+                <a:ea typeface="Lato"/>
+                <a:cs typeface="Lato"/>
+                <a:sym typeface="Lato"/>
+              </a:rPr>
+              <a:t> </a:t>
+            </a:r>
+            <a:r>
+              <a:rPr lang="en-US" b="1" dirty="0" err="1">
+                <a:solidFill>
+                  <a:schemeClr val="dk2"/>
+                </a:solidFill>
+                <a:latin typeface="Lato"/>
+                <a:ea typeface="Lato"/>
+                <a:cs typeface="Lato"/>
+                <a:sym typeface="Lato"/>
+              </a:rPr>
+              <a:t>une</a:t>
+            </a:r>
+            <a:r>
+              <a:rPr lang="en-US" b="1" dirty="0">
+                <a:solidFill>
+                  <a:schemeClr val="dk2"/>
+                </a:solidFill>
+                <a:latin typeface="Lato"/>
+                <a:ea typeface="Lato"/>
+                <a:cs typeface="Lato"/>
+                <a:sym typeface="Lato"/>
+              </a:rPr>
+              <a:t> condition:</a:t>
+            </a:r>
+          </a:p>
+        </p:txBody>
+      </p:sp>
+      <p:grpSp>
+        <p:nvGrpSpPr>
+          <p:cNvPr id="642" name="Google Shape;642;p42"/>
+          <p:cNvGrpSpPr/>
+          <p:nvPr/>
+        </p:nvGrpSpPr>
+        <p:grpSpPr>
+          <a:xfrm>
+            <a:off x="721764" y="1384854"/>
+            <a:ext cx="355049" cy="355049"/>
+            <a:chOff x="1487200" y="4993750"/>
+            <a:chExt cx="483125" cy="483125"/>
+          </a:xfrm>
+        </p:grpSpPr>
+        <p:sp>
+          <p:nvSpPr>
+            <p:cNvPr id="643" name="Google Shape;643;p42"/>
+            <p:cNvSpPr/>
+            <p:nvPr/>
+          </p:nvSpPr>
+          <p:spPr>
+            <a:xfrm>
+              <a:off x="1487200" y="4993750"/>
+              <a:ext cx="483125" cy="483125"/>
+            </a:xfrm>
+            <a:custGeom>
+              <a:avLst/>
+              <a:gdLst/>
+              <a:ahLst/>
+              <a:cxnLst/>
+              <a:rect l="l" t="t" r="r" b="b"/>
+              <a:pathLst>
+                <a:path w="19325" h="19325" extrusionOk="0">
+                  <a:moveTo>
+                    <a:pt x="9662" y="1133"/>
+                  </a:moveTo>
+                  <a:cubicBezTo>
+                    <a:pt x="11824" y="1133"/>
+                    <a:pt x="13983" y="1975"/>
+                    <a:pt x="15668" y="3657"/>
+                  </a:cubicBezTo>
+                  <a:cubicBezTo>
+                    <a:pt x="19035" y="7027"/>
+                    <a:pt x="19035" y="12302"/>
+                    <a:pt x="15668" y="15668"/>
+                  </a:cubicBezTo>
+                  <a:cubicBezTo>
+                    <a:pt x="13983" y="17352"/>
+                    <a:pt x="11822" y="18193"/>
+                    <a:pt x="9661" y="18193"/>
+                  </a:cubicBezTo>
+                  <a:cubicBezTo>
+                    <a:pt x="7500" y="18193"/>
+                    <a:pt x="5340" y="17352"/>
+                    <a:pt x="3657" y="15668"/>
+                  </a:cubicBezTo>
+                  <a:cubicBezTo>
+                    <a:pt x="290" y="12302"/>
+                    <a:pt x="290" y="7024"/>
+                    <a:pt x="3657" y="3657"/>
+                  </a:cubicBezTo>
+                  <a:cubicBezTo>
+                    <a:pt x="5342" y="1975"/>
+                    <a:pt x="7500" y="1133"/>
+                    <a:pt x="9662" y="1133"/>
+                  </a:cubicBezTo>
+                  <a:close/>
+                  <a:moveTo>
+                    <a:pt x="9662" y="1"/>
+                  </a:moveTo>
+                  <a:cubicBezTo>
+                    <a:pt x="7117" y="1"/>
+                    <a:pt x="4698" y="1015"/>
+                    <a:pt x="2857" y="2857"/>
+                  </a:cubicBezTo>
+                  <a:cubicBezTo>
+                    <a:pt x="1015" y="4699"/>
+                    <a:pt x="0" y="7117"/>
+                    <a:pt x="0" y="9663"/>
+                  </a:cubicBezTo>
+                  <a:cubicBezTo>
+                    <a:pt x="0" y="12208"/>
+                    <a:pt x="1015" y="14627"/>
+                    <a:pt x="2857" y="16469"/>
+                  </a:cubicBezTo>
+                  <a:cubicBezTo>
+                    <a:pt x="4698" y="18310"/>
+                    <a:pt x="7117" y="19325"/>
+                    <a:pt x="9662" y="19325"/>
+                  </a:cubicBezTo>
+                  <a:cubicBezTo>
+                    <a:pt x="12208" y="19325"/>
+                    <a:pt x="14626" y="18310"/>
+                    <a:pt x="16468" y="16469"/>
+                  </a:cubicBezTo>
+                  <a:cubicBezTo>
+                    <a:pt x="18310" y="14627"/>
+                    <a:pt x="19325" y="12208"/>
+                    <a:pt x="19325" y="9663"/>
+                  </a:cubicBezTo>
+                  <a:cubicBezTo>
+                    <a:pt x="19325" y="7117"/>
+                    <a:pt x="18310" y="4699"/>
+                    <a:pt x="16468" y="2857"/>
+                  </a:cubicBezTo>
+                  <a:cubicBezTo>
+                    <a:pt x="14626" y="1015"/>
+                    <a:pt x="12208" y="1"/>
+                    <a:pt x="9662" y="1"/>
+                  </a:cubicBezTo>
+                  <a:close/>
+                </a:path>
+              </a:pathLst>
+            </a:custGeom>
+            <a:solidFill>
+              <a:schemeClr val="dk1"/>
+            </a:solidFill>
+            <a:ln>
+              <a:noFill/>
+            </a:ln>
+          </p:spPr>
+          <p:txBody>
+            <a:bodyPr spcFirstLastPara="1" wrap="square" lIns="91425" tIns="91425" rIns="91425" bIns="91425" anchor="ctr" anchorCtr="0">
+              <a:noAutofit/>
+            </a:bodyPr>
+            <a:lstStyle/>
+            <a:p>
+              <a:pPr marL="0" lvl="0" indent="0" algn="l" rtl="0">
+                <a:spcBef>
+                  <a:spcPts val="0"/>
+                </a:spcBef>
+                <a:spcAft>
+                  <a:spcPts val="0"/>
+                </a:spcAft>
+                <a:buNone/>
+              </a:pPr>
+              <a:endParaRPr>
+                <a:solidFill>
+                  <a:srgbClr val="435D74"/>
+                </a:solidFill>
+              </a:endParaRPr>
+            </a:p>
+          </p:txBody>
+        </p:sp>
+        <p:sp>
+          <p:nvSpPr>
+            <p:cNvPr id="644" name="Google Shape;644;p42"/>
+            <p:cNvSpPr/>
+            <p:nvPr/>
+          </p:nvSpPr>
+          <p:spPr>
+            <a:xfrm>
+              <a:off x="1602600" y="5143950"/>
+              <a:ext cx="250350" cy="182725"/>
+            </a:xfrm>
+            <a:custGeom>
+              <a:avLst/>
+              <a:gdLst/>
+              <a:ahLst/>
+              <a:cxnLst/>
+              <a:rect l="l" t="t" r="r" b="b"/>
+              <a:pathLst>
+                <a:path w="10014" h="7309" extrusionOk="0">
+                  <a:moveTo>
+                    <a:pt x="8149" y="1134"/>
+                  </a:moveTo>
+                  <a:cubicBezTo>
+                    <a:pt x="8294" y="1134"/>
+                    <a:pt x="8439" y="1189"/>
+                    <a:pt x="8549" y="1300"/>
+                  </a:cubicBezTo>
+                  <a:cubicBezTo>
+                    <a:pt x="8769" y="1520"/>
+                    <a:pt x="8769" y="1879"/>
+                    <a:pt x="8549" y="2100"/>
+                  </a:cubicBezTo>
+                  <a:lnTo>
+                    <a:pt x="4639" y="6007"/>
+                  </a:lnTo>
+                  <a:cubicBezTo>
+                    <a:pt x="4527" y="6120"/>
+                    <a:pt x="4377" y="6177"/>
+                    <a:pt x="4227" y="6177"/>
+                  </a:cubicBezTo>
+                  <a:cubicBezTo>
+                    <a:pt x="4081" y="6177"/>
+                    <a:pt x="3937" y="6123"/>
+                    <a:pt x="3830" y="6016"/>
+                  </a:cubicBezTo>
+                  <a:lnTo>
+                    <a:pt x="1547" y="3748"/>
+                  </a:lnTo>
+                  <a:cubicBezTo>
+                    <a:pt x="1296" y="3534"/>
+                    <a:pt x="1281" y="3151"/>
+                    <a:pt x="1514" y="2918"/>
+                  </a:cubicBezTo>
+                  <a:cubicBezTo>
+                    <a:pt x="1626" y="2806"/>
+                    <a:pt x="1771" y="2750"/>
+                    <a:pt x="1916" y="2750"/>
+                  </a:cubicBezTo>
+                  <a:cubicBezTo>
+                    <a:pt x="2074" y="2750"/>
+                    <a:pt x="2232" y="2817"/>
+                    <a:pt x="2344" y="2948"/>
+                  </a:cubicBezTo>
+                  <a:lnTo>
+                    <a:pt x="3784" y="4388"/>
+                  </a:lnTo>
+                  <a:cubicBezTo>
+                    <a:pt x="3793" y="4401"/>
+                    <a:pt x="3805" y="4410"/>
+                    <a:pt x="3817" y="4419"/>
+                  </a:cubicBezTo>
+                  <a:cubicBezTo>
+                    <a:pt x="3817" y="4422"/>
+                    <a:pt x="3820" y="4422"/>
+                    <a:pt x="3823" y="4425"/>
+                  </a:cubicBezTo>
+                  <a:cubicBezTo>
+                    <a:pt x="3934" y="4535"/>
+                    <a:pt x="4078" y="4590"/>
+                    <a:pt x="4222" y="4590"/>
+                  </a:cubicBezTo>
+                  <a:cubicBezTo>
+                    <a:pt x="4367" y="4590"/>
+                    <a:pt x="4512" y="4535"/>
+                    <a:pt x="4624" y="4425"/>
+                  </a:cubicBezTo>
+                  <a:lnTo>
+                    <a:pt x="7749" y="1300"/>
+                  </a:lnTo>
+                  <a:cubicBezTo>
+                    <a:pt x="7859" y="1189"/>
+                    <a:pt x="8004" y="1134"/>
+                    <a:pt x="8149" y="1134"/>
+                  </a:cubicBezTo>
+                  <a:close/>
+                  <a:moveTo>
+                    <a:pt x="8146" y="1"/>
+                  </a:moveTo>
+                  <a:cubicBezTo>
+                    <a:pt x="7712" y="1"/>
+                    <a:pt x="7279" y="166"/>
+                    <a:pt x="6949" y="496"/>
+                  </a:cubicBezTo>
+                  <a:lnTo>
+                    <a:pt x="6946" y="496"/>
+                  </a:lnTo>
+                  <a:lnTo>
+                    <a:pt x="4219" y="3223"/>
+                  </a:lnTo>
+                  <a:lnTo>
+                    <a:pt x="3144" y="2148"/>
+                  </a:lnTo>
+                  <a:cubicBezTo>
+                    <a:pt x="2808" y="1779"/>
+                    <a:pt x="2348" y="1594"/>
+                    <a:pt x="1887" y="1594"/>
+                  </a:cubicBezTo>
+                  <a:cubicBezTo>
+                    <a:pt x="1453" y="1594"/>
+                    <a:pt x="1019" y="1758"/>
+                    <a:pt x="686" y="2091"/>
+                  </a:cubicBezTo>
+                  <a:cubicBezTo>
+                    <a:pt x="1" y="2776"/>
+                    <a:pt x="28" y="3896"/>
+                    <a:pt x="747" y="4549"/>
+                  </a:cubicBezTo>
+                  <a:lnTo>
+                    <a:pt x="3029" y="6819"/>
+                  </a:lnTo>
+                  <a:cubicBezTo>
+                    <a:pt x="3344" y="7131"/>
+                    <a:pt x="3768" y="7308"/>
+                    <a:pt x="4214" y="7308"/>
+                  </a:cubicBezTo>
+                  <a:cubicBezTo>
+                    <a:pt x="4218" y="7308"/>
+                    <a:pt x="4221" y="7308"/>
+                    <a:pt x="4225" y="7308"/>
+                  </a:cubicBezTo>
+                  <a:cubicBezTo>
+                    <a:pt x="4678" y="7308"/>
+                    <a:pt x="5116" y="7127"/>
+                    <a:pt x="5439" y="6807"/>
+                  </a:cubicBezTo>
+                  <a:lnTo>
+                    <a:pt x="9349" y="2900"/>
+                  </a:lnTo>
+                  <a:cubicBezTo>
+                    <a:pt x="10013" y="2236"/>
+                    <a:pt x="10013" y="1161"/>
+                    <a:pt x="9349" y="499"/>
+                  </a:cubicBezTo>
+                  <a:cubicBezTo>
+                    <a:pt x="9017" y="167"/>
+                    <a:pt x="8581" y="1"/>
+                    <a:pt x="8146" y="1"/>
+                  </a:cubicBezTo>
+                  <a:close/>
+                </a:path>
+              </a:pathLst>
+            </a:custGeom>
+            <a:solidFill>
+              <a:schemeClr val="dk1"/>
+            </a:solidFill>
+            <a:ln>
+              <a:noFill/>
+            </a:ln>
+          </p:spPr>
+          <p:txBody>
+            <a:bodyPr spcFirstLastPara="1" wrap="square" lIns="91425" tIns="91425" rIns="91425" bIns="91425" anchor="ctr" anchorCtr="0">
+              <a:noAutofit/>
+            </a:bodyPr>
+            <a:lstStyle/>
+            <a:p>
+              <a:pPr marL="0" lvl="0" indent="0" algn="l" rtl="0">
+                <a:spcBef>
+                  <a:spcPts val="0"/>
+                </a:spcBef>
+                <a:spcAft>
+                  <a:spcPts val="0"/>
+                </a:spcAft>
+                <a:buNone/>
+              </a:pPr>
+              <a:endParaRPr>
+                <a:solidFill>
+                  <a:srgbClr val="435D74"/>
+                </a:solidFill>
+              </a:endParaRPr>
+            </a:p>
+          </p:txBody>
+        </p:sp>
+      </p:grpSp>
+      <p:grpSp>
+        <p:nvGrpSpPr>
+          <p:cNvPr id="12" name="Google Shape;618;p42">
+            <a:extLst>
+              <a:ext uri="{FF2B5EF4-FFF2-40B4-BE49-F238E27FC236}">
+                <a16:creationId xmlns:a16="http://schemas.microsoft.com/office/drawing/2014/main" id="{57CE7DB3-61A7-3DAC-448B-E7245C58E455}"/>
+              </a:ext>
+            </a:extLst>
+          </p:cNvPr>
+          <p:cNvGrpSpPr/>
+          <p:nvPr/>
+        </p:nvGrpSpPr>
+        <p:grpSpPr>
+          <a:xfrm>
+            <a:off x="4572000" y="1804905"/>
+            <a:ext cx="911100" cy="689641"/>
+            <a:chOff x="1217362" y="1846472"/>
+            <a:chExt cx="911100" cy="689641"/>
+          </a:xfrm>
+        </p:grpSpPr>
+        <p:sp>
+          <p:nvSpPr>
+            <p:cNvPr id="13" name="Google Shape;619;p42">
+              <a:extLst>
+                <a:ext uri="{FF2B5EF4-FFF2-40B4-BE49-F238E27FC236}">
+                  <a16:creationId xmlns:a16="http://schemas.microsoft.com/office/drawing/2014/main" id="{51375549-1A9B-CF34-604B-A5C15A30548C}"/>
+                </a:ext>
+              </a:extLst>
+            </p:cNvPr>
+            <p:cNvSpPr/>
+            <p:nvPr/>
+          </p:nvSpPr>
+          <p:spPr>
+            <a:xfrm>
+              <a:off x="1217362" y="1846472"/>
+              <a:ext cx="431700" cy="505200"/>
+            </a:xfrm>
+            <a:prstGeom prst="roundRect">
+              <a:avLst>
+                <a:gd name="adj" fmla="val 6278"/>
+              </a:avLst>
+            </a:prstGeom>
+            <a:solidFill>
+              <a:schemeClr val="lt2"/>
+            </a:solidFill>
+            <a:ln w="28575" cap="flat" cmpd="sng">
+              <a:solidFill>
+                <a:schemeClr val="dk1"/>
+              </a:solidFill>
+              <a:prstDash val="solid"/>
+              <a:round/>
+              <a:headEnd type="none" w="sm" len="sm"/>
+              <a:tailEnd type="none" w="sm" len="sm"/>
+            </a:ln>
+            <a:effectLst>
+              <a:outerShdw blurRad="57150" dist="19050" dir="5400000" algn="bl" rotWithShape="0">
+                <a:schemeClr val="dk1">
+                  <a:alpha val="50000"/>
+                </a:schemeClr>
+              </a:outerShdw>
+            </a:effectLst>
+          </p:spPr>
+          <p:txBody>
+            <a:bodyPr spcFirstLastPara="1" wrap="square" lIns="91425" tIns="91425" rIns="91425" bIns="91425" anchor="ctr" anchorCtr="0">
+              <a:noAutofit/>
+            </a:bodyPr>
+            <a:lstStyle/>
+            <a:p>
+              <a:pPr marL="0" lvl="0" indent="0" algn="l" rtl="0">
+                <a:spcBef>
+                  <a:spcPts val="0"/>
+                </a:spcBef>
+                <a:spcAft>
+                  <a:spcPts val="0"/>
+                </a:spcAft>
+                <a:buNone/>
+              </a:pPr>
+              <a:endParaRPr/>
+            </a:p>
+          </p:txBody>
+        </p:sp>
+        <p:sp>
+          <p:nvSpPr>
+            <p:cNvPr id="14" name="Google Shape;620;p42">
+              <a:extLst>
+                <a:ext uri="{FF2B5EF4-FFF2-40B4-BE49-F238E27FC236}">
+                  <a16:creationId xmlns:a16="http://schemas.microsoft.com/office/drawing/2014/main" id="{AF474D41-A384-9942-BBD1-A6626C73DF11}"/>
+                </a:ext>
+              </a:extLst>
+            </p:cNvPr>
+            <p:cNvSpPr/>
+            <p:nvPr/>
+          </p:nvSpPr>
+          <p:spPr>
+            <a:xfrm>
+              <a:off x="1217362" y="1947213"/>
+              <a:ext cx="911100" cy="588900"/>
+            </a:xfrm>
+            <a:prstGeom prst="roundRect">
+              <a:avLst>
+                <a:gd name="adj" fmla="val 5762"/>
+              </a:avLst>
+            </a:prstGeom>
+            <a:solidFill>
+              <a:schemeClr val="lt2"/>
+            </a:solidFill>
+            <a:ln w="28575" cap="flat" cmpd="sng">
+              <a:solidFill>
+                <a:schemeClr val="dk1"/>
+              </a:solidFill>
+              <a:prstDash val="solid"/>
+              <a:round/>
+              <a:headEnd type="none" w="sm" len="sm"/>
+              <a:tailEnd type="none" w="sm" len="sm"/>
+            </a:ln>
+            <a:effectLst>
+              <a:outerShdw dist="57150" dir="2940000" algn="bl" rotWithShape="0">
+                <a:schemeClr val="dk1"/>
+              </a:outerShdw>
+            </a:effectLst>
+          </p:spPr>
+          <p:txBody>
+            <a:bodyPr spcFirstLastPara="1" wrap="square" lIns="91425" tIns="91425" rIns="91425" bIns="91425" anchor="ctr" anchorCtr="0">
+              <a:noAutofit/>
+            </a:bodyPr>
+            <a:lstStyle/>
+            <a:p>
+              <a:pPr marL="0" lvl="0" indent="0" algn="l" rtl="0">
+                <a:spcBef>
+                  <a:spcPts val="0"/>
+                </a:spcBef>
+                <a:spcAft>
+                  <a:spcPts val="0"/>
+                </a:spcAft>
+                <a:buNone/>
+              </a:pPr>
+              <a:endParaRPr/>
+            </a:p>
+          </p:txBody>
+        </p:sp>
+      </p:grpSp>
+      <p:sp>
+        <p:nvSpPr>
+          <p:cNvPr id="15" name="Google Shape;621;p42">
+            <a:extLst>
+              <a:ext uri="{FF2B5EF4-FFF2-40B4-BE49-F238E27FC236}">
+                <a16:creationId xmlns:a16="http://schemas.microsoft.com/office/drawing/2014/main" id="{30E80BF8-DB11-DE82-D386-465CC30B39AF}"/>
+              </a:ext>
+            </a:extLst>
+          </p:cNvPr>
+          <p:cNvSpPr txBox="1"/>
+          <p:nvPr/>
+        </p:nvSpPr>
+        <p:spPr>
+          <a:xfrm>
+            <a:off x="1426999" y="3654926"/>
+            <a:ext cx="3006929" cy="484800"/>
+          </a:xfrm>
+          <a:prstGeom prst="rect">
+            <a:avLst/>
+          </a:prstGeom>
+          <a:noFill/>
+          <a:ln>
+            <a:noFill/>
+          </a:ln>
+        </p:spPr>
+        <p:txBody>
+          <a:bodyPr spcFirstLastPara="1" wrap="square" lIns="91425" tIns="91425" rIns="91425" bIns="91425" anchor="ctr" anchorCtr="0">
+            <a:noAutofit/>
+          </a:bodyPr>
+          <a:lstStyle/>
+          <a:p>
+            <a:pPr marL="285750" lvl="2" indent="-285750">
+              <a:buFont typeface="Arial" panose="020B0604020202020204" pitchFamily="34" charset="0"/>
+              <a:buChar char="•"/>
+            </a:pPr>
+            <a:r>
+              <a:rPr lang="fr-FR" b="1" dirty="0">
+                <a:solidFill>
+                  <a:schemeClr val="dk2"/>
+                </a:solidFill>
+                <a:latin typeface="Lato"/>
+                <a:ea typeface="Lato"/>
+                <a:cs typeface="Lato"/>
+                <a:sym typeface="Lato"/>
+              </a:rPr>
+              <a:t>Trier par ordre décroissant de population:</a:t>
+            </a:r>
+            <a:endParaRPr lang="en-US" b="1" dirty="0">
+              <a:solidFill>
+                <a:schemeClr val="dk2"/>
+              </a:solidFill>
+              <a:latin typeface="Lato"/>
+              <a:ea typeface="Lato"/>
+              <a:cs typeface="Lato"/>
+              <a:sym typeface="Lato"/>
+            </a:endParaRPr>
+          </a:p>
+        </p:txBody>
+      </p:sp>
+      <p:grpSp>
+        <p:nvGrpSpPr>
+          <p:cNvPr id="16" name="Google Shape;642;p42">
+            <a:extLst>
+              <a:ext uri="{FF2B5EF4-FFF2-40B4-BE49-F238E27FC236}">
+                <a16:creationId xmlns:a16="http://schemas.microsoft.com/office/drawing/2014/main" id="{F834251F-1273-C76F-A410-9393E25EA549}"/>
+              </a:ext>
+            </a:extLst>
+          </p:cNvPr>
+          <p:cNvGrpSpPr/>
+          <p:nvPr/>
+        </p:nvGrpSpPr>
+        <p:grpSpPr>
+          <a:xfrm>
+            <a:off x="4845415" y="1932968"/>
+            <a:ext cx="355049" cy="355049"/>
+            <a:chOff x="1487200" y="4993750"/>
+            <a:chExt cx="483125" cy="483125"/>
+          </a:xfrm>
+        </p:grpSpPr>
+        <p:sp>
+          <p:nvSpPr>
+            <p:cNvPr id="17" name="Google Shape;643;p42">
+              <a:extLst>
+                <a:ext uri="{FF2B5EF4-FFF2-40B4-BE49-F238E27FC236}">
+                  <a16:creationId xmlns:a16="http://schemas.microsoft.com/office/drawing/2014/main" id="{DEADADD7-FF7F-26B5-77C1-6352EF539221}"/>
+                </a:ext>
+              </a:extLst>
+            </p:cNvPr>
+            <p:cNvSpPr/>
+            <p:nvPr/>
+          </p:nvSpPr>
+          <p:spPr>
+            <a:xfrm>
+              <a:off x="1487200" y="4993750"/>
+              <a:ext cx="483125" cy="483125"/>
+            </a:xfrm>
+            <a:custGeom>
+              <a:avLst/>
+              <a:gdLst/>
+              <a:ahLst/>
+              <a:cxnLst/>
+              <a:rect l="l" t="t" r="r" b="b"/>
+              <a:pathLst>
+                <a:path w="19325" h="19325" extrusionOk="0">
+                  <a:moveTo>
+                    <a:pt x="9662" y="1133"/>
+                  </a:moveTo>
+                  <a:cubicBezTo>
+                    <a:pt x="11824" y="1133"/>
+                    <a:pt x="13983" y="1975"/>
+                    <a:pt x="15668" y="3657"/>
+                  </a:cubicBezTo>
+                  <a:cubicBezTo>
+                    <a:pt x="19035" y="7027"/>
+                    <a:pt x="19035" y="12302"/>
+                    <a:pt x="15668" y="15668"/>
+                  </a:cubicBezTo>
+                  <a:cubicBezTo>
+                    <a:pt x="13983" y="17352"/>
+                    <a:pt x="11822" y="18193"/>
+                    <a:pt x="9661" y="18193"/>
+                  </a:cubicBezTo>
+                  <a:cubicBezTo>
+                    <a:pt x="7500" y="18193"/>
+                    <a:pt x="5340" y="17352"/>
+                    <a:pt x="3657" y="15668"/>
+                  </a:cubicBezTo>
+                  <a:cubicBezTo>
+                    <a:pt x="290" y="12302"/>
+                    <a:pt x="290" y="7024"/>
+                    <a:pt x="3657" y="3657"/>
+                  </a:cubicBezTo>
+                  <a:cubicBezTo>
+                    <a:pt x="5342" y="1975"/>
+                    <a:pt x="7500" y="1133"/>
+                    <a:pt x="9662" y="1133"/>
+                  </a:cubicBezTo>
+                  <a:close/>
+                  <a:moveTo>
+                    <a:pt x="9662" y="1"/>
+                  </a:moveTo>
+                  <a:cubicBezTo>
+                    <a:pt x="7117" y="1"/>
+                    <a:pt x="4698" y="1015"/>
+                    <a:pt x="2857" y="2857"/>
+                  </a:cubicBezTo>
+                  <a:cubicBezTo>
+                    <a:pt x="1015" y="4699"/>
+                    <a:pt x="0" y="7117"/>
+                    <a:pt x="0" y="9663"/>
+                  </a:cubicBezTo>
+                  <a:cubicBezTo>
+                    <a:pt x="0" y="12208"/>
+                    <a:pt x="1015" y="14627"/>
+                    <a:pt x="2857" y="16469"/>
+                  </a:cubicBezTo>
+                  <a:cubicBezTo>
+                    <a:pt x="4698" y="18310"/>
+                    <a:pt x="7117" y="19325"/>
+                    <a:pt x="9662" y="19325"/>
+                  </a:cubicBezTo>
+                  <a:cubicBezTo>
+                    <a:pt x="12208" y="19325"/>
+                    <a:pt x="14626" y="18310"/>
+                    <a:pt x="16468" y="16469"/>
+                  </a:cubicBezTo>
+                  <a:cubicBezTo>
+                    <a:pt x="18310" y="14627"/>
+                    <a:pt x="19325" y="12208"/>
+                    <a:pt x="19325" y="9663"/>
+                  </a:cubicBezTo>
+                  <a:cubicBezTo>
+                    <a:pt x="19325" y="7117"/>
+                    <a:pt x="18310" y="4699"/>
+                    <a:pt x="16468" y="2857"/>
+                  </a:cubicBezTo>
+                  <a:cubicBezTo>
+                    <a:pt x="14626" y="1015"/>
+                    <a:pt x="12208" y="1"/>
+                    <a:pt x="9662" y="1"/>
+                  </a:cubicBezTo>
+                  <a:close/>
+                </a:path>
+              </a:pathLst>
+            </a:custGeom>
+            <a:solidFill>
+              <a:schemeClr val="dk1"/>
+            </a:solidFill>
+            <a:ln>
+              <a:noFill/>
+            </a:ln>
+          </p:spPr>
+          <p:txBody>
+            <a:bodyPr spcFirstLastPara="1" wrap="square" lIns="91425" tIns="91425" rIns="91425" bIns="91425" anchor="ctr" anchorCtr="0">
+              <a:noAutofit/>
+            </a:bodyPr>
+            <a:lstStyle/>
+            <a:p>
+              <a:pPr marL="0" lvl="0" indent="0" algn="l" rtl="0">
+                <a:spcBef>
+                  <a:spcPts val="0"/>
+                </a:spcBef>
+                <a:spcAft>
+                  <a:spcPts val="0"/>
+                </a:spcAft>
+                <a:buNone/>
+              </a:pPr>
+              <a:endParaRPr>
+                <a:solidFill>
+                  <a:srgbClr val="435D74"/>
+                </a:solidFill>
+              </a:endParaRPr>
+            </a:p>
+          </p:txBody>
+        </p:sp>
+        <p:sp>
+          <p:nvSpPr>
+            <p:cNvPr id="18" name="Google Shape;644;p42">
+              <a:extLst>
+                <a:ext uri="{FF2B5EF4-FFF2-40B4-BE49-F238E27FC236}">
+                  <a16:creationId xmlns:a16="http://schemas.microsoft.com/office/drawing/2014/main" id="{3F98BAD0-A348-2ABF-0D37-BF6B4F7D2C1E}"/>
+                </a:ext>
+              </a:extLst>
+            </p:cNvPr>
+            <p:cNvSpPr/>
+            <p:nvPr/>
+          </p:nvSpPr>
+          <p:spPr>
+            <a:xfrm>
+              <a:off x="1602600" y="5143950"/>
+              <a:ext cx="250350" cy="182725"/>
+            </a:xfrm>
+            <a:custGeom>
+              <a:avLst/>
+              <a:gdLst/>
+              <a:ahLst/>
+              <a:cxnLst/>
+              <a:rect l="l" t="t" r="r" b="b"/>
+              <a:pathLst>
+                <a:path w="10014" h="7309" extrusionOk="0">
+                  <a:moveTo>
+                    <a:pt x="8149" y="1134"/>
+                  </a:moveTo>
+                  <a:cubicBezTo>
+                    <a:pt x="8294" y="1134"/>
+                    <a:pt x="8439" y="1189"/>
+                    <a:pt x="8549" y="1300"/>
+                  </a:cubicBezTo>
+                  <a:cubicBezTo>
+                    <a:pt x="8769" y="1520"/>
+                    <a:pt x="8769" y="1879"/>
+                    <a:pt x="8549" y="2100"/>
+                  </a:cubicBezTo>
+                  <a:lnTo>
+                    <a:pt x="4639" y="6007"/>
+                  </a:lnTo>
+                  <a:cubicBezTo>
+                    <a:pt x="4527" y="6120"/>
+                    <a:pt x="4377" y="6177"/>
+                    <a:pt x="4227" y="6177"/>
+                  </a:cubicBezTo>
+                  <a:cubicBezTo>
+                    <a:pt x="4081" y="6177"/>
+                    <a:pt x="3937" y="6123"/>
+                    <a:pt x="3830" y="6016"/>
+                  </a:cubicBezTo>
+                  <a:lnTo>
+                    <a:pt x="1547" y="3748"/>
+                  </a:lnTo>
+                  <a:cubicBezTo>
+                    <a:pt x="1296" y="3534"/>
+                    <a:pt x="1281" y="3151"/>
+                    <a:pt x="1514" y="2918"/>
+                  </a:cubicBezTo>
+                  <a:cubicBezTo>
+                    <a:pt x="1626" y="2806"/>
+                    <a:pt x="1771" y="2750"/>
+                    <a:pt x="1916" y="2750"/>
+                  </a:cubicBezTo>
+                  <a:cubicBezTo>
+                    <a:pt x="2074" y="2750"/>
+                    <a:pt x="2232" y="2817"/>
+                    <a:pt x="2344" y="2948"/>
+                  </a:cubicBezTo>
+                  <a:lnTo>
+                    <a:pt x="3784" y="4388"/>
+                  </a:lnTo>
+                  <a:cubicBezTo>
+                    <a:pt x="3793" y="4401"/>
+                    <a:pt x="3805" y="4410"/>
+                    <a:pt x="3817" y="4419"/>
+                  </a:cubicBezTo>
+                  <a:cubicBezTo>
+                    <a:pt x="3817" y="4422"/>
+                    <a:pt x="3820" y="4422"/>
+                    <a:pt x="3823" y="4425"/>
+                  </a:cubicBezTo>
+                  <a:cubicBezTo>
+                    <a:pt x="3934" y="4535"/>
+                    <a:pt x="4078" y="4590"/>
+                    <a:pt x="4222" y="4590"/>
+                  </a:cubicBezTo>
+                  <a:cubicBezTo>
+                    <a:pt x="4367" y="4590"/>
+                    <a:pt x="4512" y="4535"/>
+                    <a:pt x="4624" y="4425"/>
+                  </a:cubicBezTo>
+                  <a:lnTo>
+                    <a:pt x="7749" y="1300"/>
+                  </a:lnTo>
+                  <a:cubicBezTo>
+                    <a:pt x="7859" y="1189"/>
+                    <a:pt x="8004" y="1134"/>
+                    <a:pt x="8149" y="1134"/>
+                  </a:cubicBezTo>
+                  <a:close/>
+                  <a:moveTo>
+                    <a:pt x="8146" y="1"/>
+                  </a:moveTo>
+                  <a:cubicBezTo>
+                    <a:pt x="7712" y="1"/>
+                    <a:pt x="7279" y="166"/>
+                    <a:pt x="6949" y="496"/>
+                  </a:cubicBezTo>
+                  <a:lnTo>
+                    <a:pt x="6946" y="496"/>
+                  </a:lnTo>
+                  <a:lnTo>
+                    <a:pt x="4219" y="3223"/>
+                  </a:lnTo>
+                  <a:lnTo>
+                    <a:pt x="3144" y="2148"/>
+                  </a:lnTo>
+                  <a:cubicBezTo>
+                    <a:pt x="2808" y="1779"/>
+                    <a:pt x="2348" y="1594"/>
+                    <a:pt x="1887" y="1594"/>
+                  </a:cubicBezTo>
+                  <a:cubicBezTo>
+                    <a:pt x="1453" y="1594"/>
+                    <a:pt x="1019" y="1758"/>
+                    <a:pt x="686" y="2091"/>
+                  </a:cubicBezTo>
+                  <a:cubicBezTo>
+                    <a:pt x="1" y="2776"/>
+                    <a:pt x="28" y="3896"/>
+                    <a:pt x="747" y="4549"/>
+                  </a:cubicBezTo>
+                  <a:lnTo>
+                    <a:pt x="3029" y="6819"/>
+                  </a:lnTo>
+                  <a:cubicBezTo>
+                    <a:pt x="3344" y="7131"/>
+                    <a:pt x="3768" y="7308"/>
+                    <a:pt x="4214" y="7308"/>
+                  </a:cubicBezTo>
+                  <a:cubicBezTo>
+                    <a:pt x="4218" y="7308"/>
+                    <a:pt x="4221" y="7308"/>
+                    <a:pt x="4225" y="7308"/>
+                  </a:cubicBezTo>
+                  <a:cubicBezTo>
+                    <a:pt x="4678" y="7308"/>
+                    <a:pt x="5116" y="7127"/>
+                    <a:pt x="5439" y="6807"/>
+                  </a:cubicBezTo>
+                  <a:lnTo>
+                    <a:pt x="9349" y="2900"/>
+                  </a:lnTo>
+                  <a:cubicBezTo>
+                    <a:pt x="10013" y="2236"/>
+                    <a:pt x="10013" y="1161"/>
+                    <a:pt x="9349" y="499"/>
+                  </a:cubicBezTo>
+                  <a:cubicBezTo>
+                    <a:pt x="9017" y="167"/>
+                    <a:pt x="8581" y="1"/>
+                    <a:pt x="8146" y="1"/>
+                  </a:cubicBezTo>
+                  <a:close/>
+                </a:path>
+              </a:pathLst>
+            </a:custGeom>
+            <a:solidFill>
+              <a:schemeClr val="dk1"/>
+            </a:solidFill>
+            <a:ln>
+              <a:noFill/>
+            </a:ln>
+          </p:spPr>
+          <p:txBody>
+            <a:bodyPr spcFirstLastPara="1" wrap="square" lIns="91425" tIns="91425" rIns="91425" bIns="91425" anchor="ctr" anchorCtr="0">
+              <a:noAutofit/>
+            </a:bodyPr>
+            <a:lstStyle/>
+            <a:p>
+              <a:pPr marL="0" lvl="0" indent="0" algn="l" rtl="0">
+                <a:spcBef>
+                  <a:spcPts val="0"/>
+                </a:spcBef>
+                <a:spcAft>
+                  <a:spcPts val="0"/>
+                </a:spcAft>
+                <a:buNone/>
+              </a:pPr>
+              <a:endParaRPr>
+                <a:solidFill>
+                  <a:srgbClr val="435D74"/>
+                </a:solidFill>
+              </a:endParaRPr>
+            </a:p>
+          </p:txBody>
+        </p:sp>
+      </p:grpSp>
+      <p:grpSp>
+        <p:nvGrpSpPr>
+          <p:cNvPr id="20" name="Google Shape;618;p42">
+            <a:extLst>
+              <a:ext uri="{FF2B5EF4-FFF2-40B4-BE49-F238E27FC236}">
+                <a16:creationId xmlns:a16="http://schemas.microsoft.com/office/drawing/2014/main" id="{BCC48E53-0549-F551-5BC3-A7F3DF0487FE}"/>
+              </a:ext>
+            </a:extLst>
+          </p:cNvPr>
+          <p:cNvGrpSpPr/>
+          <p:nvPr/>
+        </p:nvGrpSpPr>
+        <p:grpSpPr>
+          <a:xfrm>
+            <a:off x="468096" y="3679401"/>
+            <a:ext cx="911100" cy="689641"/>
+            <a:chOff x="1217362" y="1846472"/>
+            <a:chExt cx="911100" cy="689641"/>
+          </a:xfrm>
+        </p:grpSpPr>
+        <p:sp>
+          <p:nvSpPr>
+            <p:cNvPr id="21" name="Google Shape;619;p42">
+              <a:extLst>
+                <a:ext uri="{FF2B5EF4-FFF2-40B4-BE49-F238E27FC236}">
+                  <a16:creationId xmlns:a16="http://schemas.microsoft.com/office/drawing/2014/main" id="{B80ED362-779E-1371-F266-BA28F4D312B5}"/>
+                </a:ext>
+              </a:extLst>
+            </p:cNvPr>
+            <p:cNvSpPr/>
+            <p:nvPr/>
+          </p:nvSpPr>
+          <p:spPr>
+            <a:xfrm>
+              <a:off x="1217362" y="1846472"/>
+              <a:ext cx="431700" cy="505200"/>
+            </a:xfrm>
+            <a:prstGeom prst="roundRect">
+              <a:avLst>
+                <a:gd name="adj" fmla="val 6278"/>
+              </a:avLst>
+            </a:prstGeom>
+            <a:solidFill>
+              <a:schemeClr val="lt2"/>
+            </a:solidFill>
+            <a:ln w="28575" cap="flat" cmpd="sng">
+              <a:solidFill>
+                <a:schemeClr val="dk1"/>
+              </a:solidFill>
+              <a:prstDash val="solid"/>
+              <a:round/>
+              <a:headEnd type="none" w="sm" len="sm"/>
+              <a:tailEnd type="none" w="sm" len="sm"/>
+            </a:ln>
+            <a:effectLst>
+              <a:outerShdw blurRad="57150" dist="19050" dir="5400000" algn="bl" rotWithShape="0">
+                <a:schemeClr val="dk1">
+                  <a:alpha val="50000"/>
+                </a:schemeClr>
+              </a:outerShdw>
+            </a:effectLst>
+          </p:spPr>
+          <p:txBody>
+            <a:bodyPr spcFirstLastPara="1" wrap="square" lIns="91425" tIns="91425" rIns="91425" bIns="91425" anchor="ctr" anchorCtr="0">
+              <a:noAutofit/>
+            </a:bodyPr>
+            <a:lstStyle/>
+            <a:p>
+              <a:pPr marL="0" lvl="0" indent="0" algn="l" rtl="0">
+                <a:spcBef>
+                  <a:spcPts val="0"/>
+                </a:spcBef>
+                <a:spcAft>
+                  <a:spcPts val="0"/>
+                </a:spcAft>
+                <a:buNone/>
+              </a:pPr>
+              <a:endParaRPr/>
+            </a:p>
+          </p:txBody>
+        </p:sp>
+        <p:sp>
+          <p:nvSpPr>
+            <p:cNvPr id="22" name="Google Shape;620;p42">
+              <a:extLst>
+                <a:ext uri="{FF2B5EF4-FFF2-40B4-BE49-F238E27FC236}">
+                  <a16:creationId xmlns:a16="http://schemas.microsoft.com/office/drawing/2014/main" id="{CA7ECE5F-447E-3952-798C-82C620DFB7C1}"/>
+                </a:ext>
+              </a:extLst>
+            </p:cNvPr>
+            <p:cNvSpPr/>
+            <p:nvPr/>
+          </p:nvSpPr>
+          <p:spPr>
+            <a:xfrm>
+              <a:off x="1217362" y="1947213"/>
+              <a:ext cx="911100" cy="588900"/>
+            </a:xfrm>
+            <a:prstGeom prst="roundRect">
+              <a:avLst>
+                <a:gd name="adj" fmla="val 5762"/>
+              </a:avLst>
+            </a:prstGeom>
+            <a:solidFill>
+              <a:schemeClr val="lt2"/>
+            </a:solidFill>
+            <a:ln w="28575" cap="flat" cmpd="sng">
+              <a:solidFill>
+                <a:schemeClr val="dk1"/>
+              </a:solidFill>
+              <a:prstDash val="solid"/>
+              <a:round/>
+              <a:headEnd type="none" w="sm" len="sm"/>
+              <a:tailEnd type="none" w="sm" len="sm"/>
+            </a:ln>
+            <a:effectLst>
+              <a:outerShdw dist="57150" dir="2940000" algn="bl" rotWithShape="0">
+                <a:schemeClr val="dk1"/>
+              </a:outerShdw>
+            </a:effectLst>
+          </p:spPr>
+          <p:txBody>
+            <a:bodyPr spcFirstLastPara="1" wrap="square" lIns="91425" tIns="91425" rIns="91425" bIns="91425" anchor="ctr" anchorCtr="0">
+              <a:noAutofit/>
+            </a:bodyPr>
+            <a:lstStyle/>
+            <a:p>
+              <a:pPr marL="0" lvl="0" indent="0" algn="l" rtl="0">
+                <a:spcBef>
+                  <a:spcPts val="0"/>
+                </a:spcBef>
+                <a:spcAft>
+                  <a:spcPts val="0"/>
+                </a:spcAft>
+                <a:buNone/>
+              </a:pPr>
+              <a:endParaRPr/>
+            </a:p>
+          </p:txBody>
+        </p:sp>
+      </p:grpSp>
+      <p:sp>
+        <p:nvSpPr>
+          <p:cNvPr id="23" name="Google Shape;621;p42">
+            <a:extLst>
+              <a:ext uri="{FF2B5EF4-FFF2-40B4-BE49-F238E27FC236}">
+                <a16:creationId xmlns:a16="http://schemas.microsoft.com/office/drawing/2014/main" id="{13FDDF6D-8B94-14EF-9E53-9D35F8324F6D}"/>
+              </a:ext>
+            </a:extLst>
+          </p:cNvPr>
+          <p:cNvSpPr txBox="1"/>
+          <p:nvPr/>
+        </p:nvSpPr>
+        <p:spPr>
+          <a:xfrm>
+            <a:off x="5567908" y="1637762"/>
+            <a:ext cx="3203693" cy="484800"/>
+          </a:xfrm>
+          <a:prstGeom prst="rect">
+            <a:avLst/>
+          </a:prstGeom>
+          <a:noFill/>
+          <a:ln>
+            <a:noFill/>
+          </a:ln>
+        </p:spPr>
+        <p:txBody>
+          <a:bodyPr spcFirstLastPara="1" wrap="square" lIns="91425" tIns="91425" rIns="91425" bIns="91425" anchor="ctr" anchorCtr="0">
+            <a:noAutofit/>
+          </a:bodyPr>
+          <a:lstStyle/>
+          <a:p>
+            <a:pPr marL="285750" lvl="2" indent="-285750">
+              <a:buFont typeface="Arial" panose="020B0604020202020204" pitchFamily="34" charset="0"/>
+              <a:buChar char="•"/>
+            </a:pPr>
+            <a:r>
+              <a:rPr lang="fr-FR" b="1" dirty="0">
+                <a:solidFill>
+                  <a:schemeClr val="dk2"/>
+                </a:solidFill>
+                <a:latin typeface="Lato"/>
+                <a:ea typeface="Lato"/>
+                <a:cs typeface="Lato"/>
+                <a:sym typeface="Lato"/>
+              </a:rPr>
+              <a:t>Grouper selon la colonne '</a:t>
+            </a:r>
+            <a:r>
+              <a:rPr lang="fr-FR" b="1" dirty="0" err="1">
+                <a:solidFill>
+                  <a:schemeClr val="dk2"/>
+                </a:solidFill>
+                <a:latin typeface="Lato"/>
+                <a:ea typeface="Lato"/>
+                <a:cs typeface="Lato"/>
+                <a:sym typeface="Lato"/>
+              </a:rPr>
+              <a:t>region</a:t>
+            </a:r>
+            <a:r>
+              <a:rPr lang="fr-FR" b="1" dirty="0">
+                <a:solidFill>
+                  <a:schemeClr val="dk2"/>
+                </a:solidFill>
+                <a:latin typeface="Lato"/>
+                <a:ea typeface="Lato"/>
+                <a:cs typeface="Lato"/>
+                <a:sym typeface="Lato"/>
+              </a:rPr>
+              <a:t>':</a:t>
+            </a:r>
+            <a:endParaRPr lang="en-US" b="1" dirty="0">
+              <a:solidFill>
+                <a:schemeClr val="dk2"/>
+              </a:solidFill>
+              <a:latin typeface="Lato"/>
+              <a:ea typeface="Lato"/>
+              <a:cs typeface="Lato"/>
+              <a:sym typeface="Lato"/>
+            </a:endParaRPr>
+          </a:p>
+        </p:txBody>
+      </p:sp>
+      <p:grpSp>
+        <p:nvGrpSpPr>
+          <p:cNvPr id="24" name="Google Shape;642;p42">
+            <a:extLst>
+              <a:ext uri="{FF2B5EF4-FFF2-40B4-BE49-F238E27FC236}">
+                <a16:creationId xmlns:a16="http://schemas.microsoft.com/office/drawing/2014/main" id="{C3C17A64-E858-E69A-1610-8E66EA8E4C6E}"/>
+              </a:ext>
+            </a:extLst>
+          </p:cNvPr>
+          <p:cNvGrpSpPr/>
+          <p:nvPr/>
+        </p:nvGrpSpPr>
+        <p:grpSpPr>
+          <a:xfrm>
+            <a:off x="741511" y="3807464"/>
+            <a:ext cx="355049" cy="355049"/>
+            <a:chOff x="1487200" y="4993750"/>
+            <a:chExt cx="483125" cy="483125"/>
+          </a:xfrm>
+        </p:grpSpPr>
+        <p:sp>
+          <p:nvSpPr>
+            <p:cNvPr id="25" name="Google Shape;643;p42">
+              <a:extLst>
+                <a:ext uri="{FF2B5EF4-FFF2-40B4-BE49-F238E27FC236}">
+                  <a16:creationId xmlns:a16="http://schemas.microsoft.com/office/drawing/2014/main" id="{50BDADA8-BA51-C08D-82E9-C45F30BA710A}"/>
+                </a:ext>
+              </a:extLst>
+            </p:cNvPr>
+            <p:cNvSpPr/>
+            <p:nvPr/>
+          </p:nvSpPr>
+          <p:spPr>
+            <a:xfrm>
+              <a:off x="1487200" y="4993750"/>
+              <a:ext cx="483125" cy="483125"/>
+            </a:xfrm>
+            <a:custGeom>
+              <a:avLst/>
+              <a:gdLst/>
+              <a:ahLst/>
+              <a:cxnLst/>
+              <a:rect l="l" t="t" r="r" b="b"/>
+              <a:pathLst>
+                <a:path w="19325" h="19325" extrusionOk="0">
+                  <a:moveTo>
+                    <a:pt x="9662" y="1133"/>
+                  </a:moveTo>
+                  <a:cubicBezTo>
+                    <a:pt x="11824" y="1133"/>
+                    <a:pt x="13983" y="1975"/>
+                    <a:pt x="15668" y="3657"/>
+                  </a:cubicBezTo>
+                  <a:cubicBezTo>
+                    <a:pt x="19035" y="7027"/>
+                    <a:pt x="19035" y="12302"/>
+                    <a:pt x="15668" y="15668"/>
+                  </a:cubicBezTo>
+                  <a:cubicBezTo>
+                    <a:pt x="13983" y="17352"/>
+                    <a:pt x="11822" y="18193"/>
+                    <a:pt x="9661" y="18193"/>
+                  </a:cubicBezTo>
+                  <a:cubicBezTo>
+                    <a:pt x="7500" y="18193"/>
+                    <a:pt x="5340" y="17352"/>
+                    <a:pt x="3657" y="15668"/>
+                  </a:cubicBezTo>
+                  <a:cubicBezTo>
+                    <a:pt x="290" y="12302"/>
+                    <a:pt x="290" y="7024"/>
+                    <a:pt x="3657" y="3657"/>
+                  </a:cubicBezTo>
+                  <a:cubicBezTo>
+                    <a:pt x="5342" y="1975"/>
+                    <a:pt x="7500" y="1133"/>
+                    <a:pt x="9662" y="1133"/>
+                  </a:cubicBezTo>
+                  <a:close/>
+                  <a:moveTo>
+                    <a:pt x="9662" y="1"/>
+                  </a:moveTo>
+                  <a:cubicBezTo>
+                    <a:pt x="7117" y="1"/>
+                    <a:pt x="4698" y="1015"/>
+                    <a:pt x="2857" y="2857"/>
+                  </a:cubicBezTo>
+                  <a:cubicBezTo>
+                    <a:pt x="1015" y="4699"/>
+                    <a:pt x="0" y="7117"/>
+                    <a:pt x="0" y="9663"/>
+                  </a:cubicBezTo>
+                  <a:cubicBezTo>
+                    <a:pt x="0" y="12208"/>
+                    <a:pt x="1015" y="14627"/>
+                    <a:pt x="2857" y="16469"/>
+                  </a:cubicBezTo>
+                  <a:cubicBezTo>
+                    <a:pt x="4698" y="18310"/>
+                    <a:pt x="7117" y="19325"/>
+                    <a:pt x="9662" y="19325"/>
+                  </a:cubicBezTo>
+                  <a:cubicBezTo>
+                    <a:pt x="12208" y="19325"/>
+                    <a:pt x="14626" y="18310"/>
+                    <a:pt x="16468" y="16469"/>
+                  </a:cubicBezTo>
+                  <a:cubicBezTo>
+                    <a:pt x="18310" y="14627"/>
+                    <a:pt x="19325" y="12208"/>
+                    <a:pt x="19325" y="9663"/>
+                  </a:cubicBezTo>
+                  <a:cubicBezTo>
+                    <a:pt x="19325" y="7117"/>
+                    <a:pt x="18310" y="4699"/>
+                    <a:pt x="16468" y="2857"/>
+                  </a:cubicBezTo>
+                  <a:cubicBezTo>
+                    <a:pt x="14626" y="1015"/>
+                    <a:pt x="12208" y="1"/>
+                    <a:pt x="9662" y="1"/>
+                  </a:cubicBezTo>
+                  <a:close/>
+                </a:path>
+              </a:pathLst>
+            </a:custGeom>
+            <a:solidFill>
+              <a:schemeClr val="dk1"/>
+            </a:solidFill>
+            <a:ln>
+              <a:noFill/>
+            </a:ln>
+          </p:spPr>
+          <p:txBody>
+            <a:bodyPr spcFirstLastPara="1" wrap="square" lIns="91425" tIns="91425" rIns="91425" bIns="91425" anchor="ctr" anchorCtr="0">
+              <a:noAutofit/>
+            </a:bodyPr>
+            <a:lstStyle/>
+            <a:p>
+              <a:pPr marL="0" lvl="0" indent="0" algn="l" rtl="0">
+                <a:spcBef>
+                  <a:spcPts val="0"/>
+                </a:spcBef>
+                <a:spcAft>
+                  <a:spcPts val="0"/>
+                </a:spcAft>
+                <a:buNone/>
+              </a:pPr>
+              <a:endParaRPr>
+                <a:solidFill>
+                  <a:srgbClr val="435D74"/>
+                </a:solidFill>
+              </a:endParaRPr>
+            </a:p>
+          </p:txBody>
+        </p:sp>
+        <p:sp>
+          <p:nvSpPr>
+            <p:cNvPr id="26" name="Google Shape;644;p42">
+              <a:extLst>
+                <a:ext uri="{FF2B5EF4-FFF2-40B4-BE49-F238E27FC236}">
+                  <a16:creationId xmlns:a16="http://schemas.microsoft.com/office/drawing/2014/main" id="{0A361F89-752B-51D6-104D-2CEF28A5BA1D}"/>
+                </a:ext>
+              </a:extLst>
+            </p:cNvPr>
+            <p:cNvSpPr/>
+            <p:nvPr/>
+          </p:nvSpPr>
+          <p:spPr>
+            <a:xfrm>
+              <a:off x="1602600" y="5143950"/>
+              <a:ext cx="250350" cy="182725"/>
+            </a:xfrm>
+            <a:custGeom>
+              <a:avLst/>
+              <a:gdLst/>
+              <a:ahLst/>
+              <a:cxnLst/>
+              <a:rect l="l" t="t" r="r" b="b"/>
+              <a:pathLst>
+                <a:path w="10014" h="7309" extrusionOk="0">
+                  <a:moveTo>
+                    <a:pt x="8149" y="1134"/>
+                  </a:moveTo>
+                  <a:cubicBezTo>
+                    <a:pt x="8294" y="1134"/>
+                    <a:pt x="8439" y="1189"/>
+                    <a:pt x="8549" y="1300"/>
+                  </a:cubicBezTo>
+                  <a:cubicBezTo>
+                    <a:pt x="8769" y="1520"/>
+                    <a:pt x="8769" y="1879"/>
+                    <a:pt x="8549" y="2100"/>
+                  </a:cubicBezTo>
+                  <a:lnTo>
+                    <a:pt x="4639" y="6007"/>
+                  </a:lnTo>
+                  <a:cubicBezTo>
+                    <a:pt x="4527" y="6120"/>
+                    <a:pt x="4377" y="6177"/>
+                    <a:pt x="4227" y="6177"/>
+                  </a:cubicBezTo>
+                  <a:cubicBezTo>
+                    <a:pt x="4081" y="6177"/>
+                    <a:pt x="3937" y="6123"/>
+                    <a:pt x="3830" y="6016"/>
+                  </a:cubicBezTo>
+                  <a:lnTo>
+                    <a:pt x="1547" y="3748"/>
+                  </a:lnTo>
+                  <a:cubicBezTo>
+                    <a:pt x="1296" y="3534"/>
+                    <a:pt x="1281" y="3151"/>
+                    <a:pt x="1514" y="2918"/>
+                  </a:cubicBezTo>
+                  <a:cubicBezTo>
+                    <a:pt x="1626" y="2806"/>
+                    <a:pt x="1771" y="2750"/>
+                    <a:pt x="1916" y="2750"/>
+                  </a:cubicBezTo>
+                  <a:cubicBezTo>
+                    <a:pt x="2074" y="2750"/>
+                    <a:pt x="2232" y="2817"/>
+                    <a:pt x="2344" y="2948"/>
+                  </a:cubicBezTo>
+                  <a:lnTo>
+                    <a:pt x="3784" y="4388"/>
+                  </a:lnTo>
+                  <a:cubicBezTo>
+                    <a:pt x="3793" y="4401"/>
+                    <a:pt x="3805" y="4410"/>
+                    <a:pt x="3817" y="4419"/>
+                  </a:cubicBezTo>
+                  <a:cubicBezTo>
+                    <a:pt x="3817" y="4422"/>
+                    <a:pt x="3820" y="4422"/>
+                    <a:pt x="3823" y="4425"/>
+                  </a:cubicBezTo>
+                  <a:cubicBezTo>
+                    <a:pt x="3934" y="4535"/>
+                    <a:pt x="4078" y="4590"/>
+                    <a:pt x="4222" y="4590"/>
+                  </a:cubicBezTo>
+                  <a:cubicBezTo>
+                    <a:pt x="4367" y="4590"/>
+                    <a:pt x="4512" y="4535"/>
+                    <a:pt x="4624" y="4425"/>
+                  </a:cubicBezTo>
+                  <a:lnTo>
+                    <a:pt x="7749" y="1300"/>
+                  </a:lnTo>
+                  <a:cubicBezTo>
+                    <a:pt x="7859" y="1189"/>
+                    <a:pt x="8004" y="1134"/>
+                    <a:pt x="8149" y="1134"/>
+                  </a:cubicBezTo>
+                  <a:close/>
+                  <a:moveTo>
+                    <a:pt x="8146" y="1"/>
+                  </a:moveTo>
+                  <a:cubicBezTo>
+                    <a:pt x="7712" y="1"/>
+                    <a:pt x="7279" y="166"/>
+                    <a:pt x="6949" y="496"/>
+                  </a:cubicBezTo>
+                  <a:lnTo>
+                    <a:pt x="6946" y="496"/>
+                  </a:lnTo>
+                  <a:lnTo>
+                    <a:pt x="4219" y="3223"/>
+                  </a:lnTo>
+                  <a:lnTo>
+                    <a:pt x="3144" y="2148"/>
+                  </a:lnTo>
+                  <a:cubicBezTo>
+                    <a:pt x="2808" y="1779"/>
+                    <a:pt x="2348" y="1594"/>
+                    <a:pt x="1887" y="1594"/>
+                  </a:cubicBezTo>
+                  <a:cubicBezTo>
+                    <a:pt x="1453" y="1594"/>
+                    <a:pt x="1019" y="1758"/>
+                    <a:pt x="686" y="2091"/>
+                  </a:cubicBezTo>
+                  <a:cubicBezTo>
+                    <a:pt x="1" y="2776"/>
+                    <a:pt x="28" y="3896"/>
+                    <a:pt x="747" y="4549"/>
+                  </a:cubicBezTo>
+                  <a:lnTo>
+                    <a:pt x="3029" y="6819"/>
+                  </a:lnTo>
+                  <a:cubicBezTo>
+                    <a:pt x="3344" y="7131"/>
+                    <a:pt x="3768" y="7308"/>
+                    <a:pt x="4214" y="7308"/>
+                  </a:cubicBezTo>
+                  <a:cubicBezTo>
+                    <a:pt x="4218" y="7308"/>
+                    <a:pt x="4221" y="7308"/>
+                    <a:pt x="4225" y="7308"/>
+                  </a:cubicBezTo>
+                  <a:cubicBezTo>
+                    <a:pt x="4678" y="7308"/>
+                    <a:pt x="5116" y="7127"/>
+                    <a:pt x="5439" y="6807"/>
+                  </a:cubicBezTo>
+                  <a:lnTo>
+                    <a:pt x="9349" y="2900"/>
+                  </a:lnTo>
+                  <a:cubicBezTo>
+                    <a:pt x="10013" y="2236"/>
+                    <a:pt x="10013" y="1161"/>
+                    <a:pt x="9349" y="499"/>
+                  </a:cubicBezTo>
+                  <a:cubicBezTo>
+                    <a:pt x="9017" y="167"/>
+                    <a:pt x="8581" y="1"/>
+                    <a:pt x="8146" y="1"/>
+                  </a:cubicBezTo>
+                  <a:close/>
+                </a:path>
+              </a:pathLst>
+            </a:custGeom>
+            <a:solidFill>
+              <a:schemeClr val="dk1"/>
+            </a:solidFill>
+            <a:ln>
+              <a:noFill/>
+            </a:ln>
+          </p:spPr>
+          <p:txBody>
+            <a:bodyPr spcFirstLastPara="1" wrap="square" lIns="91425" tIns="91425" rIns="91425" bIns="91425" anchor="ctr" anchorCtr="0">
+              <a:noAutofit/>
+            </a:bodyPr>
+            <a:lstStyle/>
+            <a:p>
+              <a:pPr marL="0" lvl="0" indent="0" algn="l" rtl="0">
+                <a:spcBef>
+                  <a:spcPts val="0"/>
+                </a:spcBef>
+                <a:spcAft>
+                  <a:spcPts val="0"/>
+                </a:spcAft>
+                <a:buNone/>
+              </a:pPr>
+              <a:endParaRPr>
+                <a:solidFill>
+                  <a:srgbClr val="435D74"/>
+                </a:solidFill>
+              </a:endParaRPr>
+            </a:p>
+          </p:txBody>
+        </p:sp>
+      </p:grpSp>
+      <p:grpSp>
+        <p:nvGrpSpPr>
+          <p:cNvPr id="675" name="Google Shape;618;p42">
+            <a:extLst>
+              <a:ext uri="{FF2B5EF4-FFF2-40B4-BE49-F238E27FC236}">
+                <a16:creationId xmlns:a16="http://schemas.microsoft.com/office/drawing/2014/main" id="{5237D959-A259-D5BE-DC34-5959FFDAFD62}"/>
+              </a:ext>
+            </a:extLst>
+          </p:cNvPr>
+          <p:cNvGrpSpPr/>
+          <p:nvPr/>
+        </p:nvGrpSpPr>
+        <p:grpSpPr>
+          <a:xfrm>
+            <a:off x="4576596" y="2815240"/>
+            <a:ext cx="911100" cy="689641"/>
+            <a:chOff x="1217362" y="1846472"/>
+            <a:chExt cx="911100" cy="689641"/>
+          </a:xfrm>
+        </p:grpSpPr>
+        <p:sp>
+          <p:nvSpPr>
+            <p:cNvPr id="676" name="Google Shape;619;p42">
+              <a:extLst>
+                <a:ext uri="{FF2B5EF4-FFF2-40B4-BE49-F238E27FC236}">
+                  <a16:creationId xmlns:a16="http://schemas.microsoft.com/office/drawing/2014/main" id="{08B2D9B0-FE0D-EB72-56F5-AD94A8519B38}"/>
+                </a:ext>
+              </a:extLst>
+            </p:cNvPr>
+            <p:cNvSpPr/>
+            <p:nvPr/>
+          </p:nvSpPr>
+          <p:spPr>
+            <a:xfrm>
+              <a:off x="1217362" y="1846472"/>
+              <a:ext cx="431700" cy="505200"/>
+            </a:xfrm>
+            <a:prstGeom prst="roundRect">
+              <a:avLst>
+                <a:gd name="adj" fmla="val 6278"/>
+              </a:avLst>
+            </a:prstGeom>
+            <a:solidFill>
+              <a:schemeClr val="lt2"/>
+            </a:solidFill>
+            <a:ln w="28575" cap="flat" cmpd="sng">
+              <a:solidFill>
+                <a:schemeClr val="dk1"/>
+              </a:solidFill>
+              <a:prstDash val="solid"/>
+              <a:round/>
+              <a:headEnd type="none" w="sm" len="sm"/>
+              <a:tailEnd type="none" w="sm" len="sm"/>
+            </a:ln>
+            <a:effectLst>
+              <a:outerShdw blurRad="57150" dist="19050" dir="5400000" algn="bl" rotWithShape="0">
+                <a:schemeClr val="dk1">
+                  <a:alpha val="50000"/>
+                </a:schemeClr>
+              </a:outerShdw>
+            </a:effectLst>
+          </p:spPr>
+          <p:txBody>
+            <a:bodyPr spcFirstLastPara="1" wrap="square" lIns="91425" tIns="91425" rIns="91425" bIns="91425" anchor="ctr" anchorCtr="0">
+              <a:noAutofit/>
+            </a:bodyPr>
+            <a:lstStyle/>
+            <a:p>
+              <a:pPr marL="0" lvl="0" indent="0" algn="l" rtl="0">
+                <a:spcBef>
+                  <a:spcPts val="0"/>
+                </a:spcBef>
+                <a:spcAft>
+                  <a:spcPts val="0"/>
+                </a:spcAft>
+                <a:buNone/>
+              </a:pPr>
+              <a:endParaRPr/>
+            </a:p>
+          </p:txBody>
+        </p:sp>
+        <p:sp>
+          <p:nvSpPr>
+            <p:cNvPr id="677" name="Google Shape;620;p42">
+              <a:extLst>
+                <a:ext uri="{FF2B5EF4-FFF2-40B4-BE49-F238E27FC236}">
+                  <a16:creationId xmlns:a16="http://schemas.microsoft.com/office/drawing/2014/main" id="{13F3F8BD-2F76-93B6-C3B1-3536F41AFE9A}"/>
+                </a:ext>
+              </a:extLst>
+            </p:cNvPr>
+            <p:cNvSpPr/>
+            <p:nvPr/>
+          </p:nvSpPr>
+          <p:spPr>
+            <a:xfrm>
+              <a:off x="1217362" y="1947213"/>
+              <a:ext cx="911100" cy="588900"/>
+            </a:xfrm>
+            <a:prstGeom prst="roundRect">
+              <a:avLst>
+                <a:gd name="adj" fmla="val 5762"/>
+              </a:avLst>
+            </a:prstGeom>
+            <a:solidFill>
+              <a:schemeClr val="lt2"/>
+            </a:solidFill>
+            <a:ln w="28575" cap="flat" cmpd="sng">
+              <a:solidFill>
+                <a:schemeClr val="dk1"/>
+              </a:solidFill>
+              <a:prstDash val="solid"/>
+              <a:round/>
+              <a:headEnd type="none" w="sm" len="sm"/>
+              <a:tailEnd type="none" w="sm" len="sm"/>
+            </a:ln>
+            <a:effectLst>
+              <a:outerShdw dist="57150" dir="2940000" algn="bl" rotWithShape="0">
+                <a:schemeClr val="dk1"/>
+              </a:outerShdw>
+            </a:effectLst>
+          </p:spPr>
+          <p:txBody>
+            <a:bodyPr spcFirstLastPara="1" wrap="square" lIns="91425" tIns="91425" rIns="91425" bIns="91425" anchor="ctr" anchorCtr="0">
+              <a:noAutofit/>
+            </a:bodyPr>
+            <a:lstStyle/>
+            <a:p>
+              <a:pPr marL="0" lvl="0" indent="0" algn="l" rtl="0">
+                <a:spcBef>
+                  <a:spcPts val="0"/>
+                </a:spcBef>
+                <a:spcAft>
+                  <a:spcPts val="0"/>
+                </a:spcAft>
+                <a:buNone/>
+              </a:pPr>
+              <a:endParaRPr/>
+            </a:p>
+          </p:txBody>
+        </p:sp>
+      </p:grpSp>
+      <p:sp>
+        <p:nvSpPr>
+          <p:cNvPr id="678" name="Google Shape;621;p42">
+            <a:extLst>
+              <a:ext uri="{FF2B5EF4-FFF2-40B4-BE49-F238E27FC236}">
+                <a16:creationId xmlns:a16="http://schemas.microsoft.com/office/drawing/2014/main" id="{BA0640C6-E27F-78ED-C528-BD423CA495E7}"/>
+              </a:ext>
+            </a:extLst>
+          </p:cNvPr>
+          <p:cNvSpPr txBox="1"/>
+          <p:nvPr/>
+        </p:nvSpPr>
+        <p:spPr>
+          <a:xfrm>
+            <a:off x="5572504" y="2791811"/>
+            <a:ext cx="3108255" cy="484800"/>
+          </a:xfrm>
+          <a:prstGeom prst="rect">
+            <a:avLst/>
+          </a:prstGeom>
+          <a:noFill/>
+          <a:ln>
+            <a:noFill/>
+          </a:ln>
+        </p:spPr>
+        <p:txBody>
+          <a:bodyPr spcFirstLastPara="1" wrap="square" lIns="91425" tIns="91425" rIns="91425" bIns="91425" anchor="ctr" anchorCtr="0">
+            <a:noAutofit/>
+          </a:bodyPr>
+          <a:lstStyle/>
+          <a:p>
+            <a:pPr marL="285750" lvl="2" indent="-285750">
+              <a:buFont typeface="Arial" panose="020B0604020202020204" pitchFamily="34" charset="0"/>
+              <a:buChar char="•"/>
+            </a:pPr>
+            <a:r>
+              <a:rPr lang="en-US" b="1" dirty="0" err="1">
+                <a:solidFill>
+                  <a:schemeClr val="dk2"/>
+                </a:solidFill>
+                <a:latin typeface="Lato"/>
+                <a:ea typeface="Lato"/>
+                <a:cs typeface="Lato"/>
+                <a:sym typeface="Lato"/>
+              </a:rPr>
+              <a:t>Agréger</a:t>
+            </a:r>
+            <a:r>
+              <a:rPr lang="en-US" b="1" dirty="0">
+                <a:solidFill>
+                  <a:schemeClr val="dk2"/>
+                </a:solidFill>
+                <a:latin typeface="Lato"/>
+                <a:ea typeface="Lato"/>
+                <a:cs typeface="Lato"/>
+                <a:sym typeface="Lato"/>
+              </a:rPr>
+              <a:t> la </a:t>
+            </a:r>
+            <a:r>
+              <a:rPr lang="en-US" b="1" dirty="0" err="1">
+                <a:solidFill>
+                  <a:schemeClr val="dk2"/>
+                </a:solidFill>
+                <a:latin typeface="Lato"/>
+                <a:ea typeface="Lato"/>
+                <a:cs typeface="Lato"/>
+                <a:sym typeface="Lato"/>
+              </a:rPr>
+              <a:t>colonne</a:t>
+            </a:r>
+            <a:r>
+              <a:rPr lang="en-US" b="1" dirty="0">
+                <a:solidFill>
+                  <a:schemeClr val="dk2"/>
+                </a:solidFill>
+                <a:latin typeface="Lato"/>
+                <a:ea typeface="Lato"/>
+                <a:cs typeface="Lato"/>
+                <a:sym typeface="Lato"/>
+              </a:rPr>
+              <a:t> 'population':</a:t>
+            </a:r>
+          </a:p>
+        </p:txBody>
+      </p:sp>
+      <p:grpSp>
+        <p:nvGrpSpPr>
+          <p:cNvPr id="679" name="Google Shape;642;p42">
+            <a:extLst>
+              <a:ext uri="{FF2B5EF4-FFF2-40B4-BE49-F238E27FC236}">
+                <a16:creationId xmlns:a16="http://schemas.microsoft.com/office/drawing/2014/main" id="{AC3618C3-9F7B-1BC1-E85B-73E9577B28B3}"/>
+              </a:ext>
+            </a:extLst>
+          </p:cNvPr>
+          <p:cNvGrpSpPr/>
+          <p:nvPr/>
+        </p:nvGrpSpPr>
+        <p:grpSpPr>
+          <a:xfrm>
+            <a:off x="4853658" y="2976435"/>
+            <a:ext cx="355049" cy="355049"/>
+            <a:chOff x="1487200" y="4993750"/>
+            <a:chExt cx="483125" cy="483125"/>
+          </a:xfrm>
+        </p:grpSpPr>
+        <p:sp>
+          <p:nvSpPr>
+            <p:cNvPr id="680" name="Google Shape;643;p42">
+              <a:extLst>
+                <a:ext uri="{FF2B5EF4-FFF2-40B4-BE49-F238E27FC236}">
+                  <a16:creationId xmlns:a16="http://schemas.microsoft.com/office/drawing/2014/main" id="{92B76F6C-D993-C071-6C76-FE0BAF9ED480}"/>
+                </a:ext>
+              </a:extLst>
+            </p:cNvPr>
+            <p:cNvSpPr/>
+            <p:nvPr/>
+          </p:nvSpPr>
+          <p:spPr>
+            <a:xfrm>
+              <a:off x="1487200" y="4993750"/>
+              <a:ext cx="483125" cy="483125"/>
+            </a:xfrm>
+            <a:custGeom>
+              <a:avLst/>
+              <a:gdLst/>
+              <a:ahLst/>
+              <a:cxnLst/>
+              <a:rect l="l" t="t" r="r" b="b"/>
+              <a:pathLst>
+                <a:path w="19325" h="19325" extrusionOk="0">
+                  <a:moveTo>
+                    <a:pt x="9662" y="1133"/>
+                  </a:moveTo>
+                  <a:cubicBezTo>
+                    <a:pt x="11824" y="1133"/>
+                    <a:pt x="13983" y="1975"/>
+                    <a:pt x="15668" y="3657"/>
+                  </a:cubicBezTo>
+                  <a:cubicBezTo>
+                    <a:pt x="19035" y="7027"/>
+                    <a:pt x="19035" y="12302"/>
+                    <a:pt x="15668" y="15668"/>
+                  </a:cubicBezTo>
+                  <a:cubicBezTo>
+                    <a:pt x="13983" y="17352"/>
+                    <a:pt x="11822" y="18193"/>
+                    <a:pt x="9661" y="18193"/>
+                  </a:cubicBezTo>
+                  <a:cubicBezTo>
+                    <a:pt x="7500" y="18193"/>
+                    <a:pt x="5340" y="17352"/>
+                    <a:pt x="3657" y="15668"/>
+                  </a:cubicBezTo>
+                  <a:cubicBezTo>
+                    <a:pt x="290" y="12302"/>
+                    <a:pt x="290" y="7024"/>
+                    <a:pt x="3657" y="3657"/>
+                  </a:cubicBezTo>
+                  <a:cubicBezTo>
+                    <a:pt x="5342" y="1975"/>
+                    <a:pt x="7500" y="1133"/>
+                    <a:pt x="9662" y="1133"/>
+                  </a:cubicBezTo>
+                  <a:close/>
+                  <a:moveTo>
+                    <a:pt x="9662" y="1"/>
+                  </a:moveTo>
+                  <a:cubicBezTo>
+                    <a:pt x="7117" y="1"/>
+                    <a:pt x="4698" y="1015"/>
+                    <a:pt x="2857" y="2857"/>
+                  </a:cubicBezTo>
+                  <a:cubicBezTo>
+                    <a:pt x="1015" y="4699"/>
+                    <a:pt x="0" y="7117"/>
+                    <a:pt x="0" y="9663"/>
+                  </a:cubicBezTo>
+                  <a:cubicBezTo>
+                    <a:pt x="0" y="12208"/>
+                    <a:pt x="1015" y="14627"/>
+                    <a:pt x="2857" y="16469"/>
+                  </a:cubicBezTo>
+                  <a:cubicBezTo>
+                    <a:pt x="4698" y="18310"/>
+                    <a:pt x="7117" y="19325"/>
+                    <a:pt x="9662" y="19325"/>
+                  </a:cubicBezTo>
+                  <a:cubicBezTo>
+                    <a:pt x="12208" y="19325"/>
+                    <a:pt x="14626" y="18310"/>
+                    <a:pt x="16468" y="16469"/>
+                  </a:cubicBezTo>
+                  <a:cubicBezTo>
+                    <a:pt x="18310" y="14627"/>
+                    <a:pt x="19325" y="12208"/>
+                    <a:pt x="19325" y="9663"/>
+                  </a:cubicBezTo>
+                  <a:cubicBezTo>
+                    <a:pt x="19325" y="7117"/>
+                    <a:pt x="18310" y="4699"/>
+                    <a:pt x="16468" y="2857"/>
+                  </a:cubicBezTo>
+                  <a:cubicBezTo>
+                    <a:pt x="14626" y="1015"/>
+                    <a:pt x="12208" y="1"/>
+                    <a:pt x="9662" y="1"/>
+                  </a:cubicBezTo>
+                  <a:close/>
+                </a:path>
+              </a:pathLst>
+            </a:custGeom>
+            <a:solidFill>
+              <a:schemeClr val="dk1"/>
+            </a:solidFill>
+            <a:ln>
+              <a:noFill/>
+            </a:ln>
+          </p:spPr>
+          <p:txBody>
+            <a:bodyPr spcFirstLastPara="1" wrap="square" lIns="91425" tIns="91425" rIns="91425" bIns="91425" anchor="ctr" anchorCtr="0">
+              <a:noAutofit/>
+            </a:bodyPr>
+            <a:lstStyle/>
+            <a:p>
+              <a:pPr marL="0" lvl="0" indent="0" algn="l" rtl="0">
+                <a:spcBef>
+                  <a:spcPts val="0"/>
+                </a:spcBef>
+                <a:spcAft>
+                  <a:spcPts val="0"/>
+                </a:spcAft>
+                <a:buNone/>
+              </a:pPr>
+              <a:endParaRPr>
+                <a:solidFill>
+                  <a:srgbClr val="435D74"/>
+                </a:solidFill>
+              </a:endParaRPr>
+            </a:p>
+          </p:txBody>
+        </p:sp>
+        <p:sp>
+          <p:nvSpPr>
+            <p:cNvPr id="681" name="Google Shape;644;p42">
+              <a:extLst>
+                <a:ext uri="{FF2B5EF4-FFF2-40B4-BE49-F238E27FC236}">
+                  <a16:creationId xmlns:a16="http://schemas.microsoft.com/office/drawing/2014/main" id="{3F5329E1-2E6F-C373-A0BB-28DCE693C19F}"/>
+                </a:ext>
+              </a:extLst>
+            </p:cNvPr>
+            <p:cNvSpPr/>
+            <p:nvPr/>
+          </p:nvSpPr>
+          <p:spPr>
+            <a:xfrm>
+              <a:off x="1602600" y="5143950"/>
+              <a:ext cx="250350" cy="182725"/>
+            </a:xfrm>
+            <a:custGeom>
+              <a:avLst/>
+              <a:gdLst/>
+              <a:ahLst/>
+              <a:cxnLst/>
+              <a:rect l="l" t="t" r="r" b="b"/>
+              <a:pathLst>
+                <a:path w="10014" h="7309" extrusionOk="0">
+                  <a:moveTo>
+                    <a:pt x="8149" y="1134"/>
+                  </a:moveTo>
+                  <a:cubicBezTo>
+                    <a:pt x="8294" y="1134"/>
+                    <a:pt x="8439" y="1189"/>
+                    <a:pt x="8549" y="1300"/>
+                  </a:cubicBezTo>
+                  <a:cubicBezTo>
+                    <a:pt x="8769" y="1520"/>
+                    <a:pt x="8769" y="1879"/>
+                    <a:pt x="8549" y="2100"/>
+                  </a:cubicBezTo>
+                  <a:lnTo>
+                    <a:pt x="4639" y="6007"/>
+                  </a:lnTo>
+                  <a:cubicBezTo>
+                    <a:pt x="4527" y="6120"/>
+                    <a:pt x="4377" y="6177"/>
+                    <a:pt x="4227" y="6177"/>
+                  </a:cubicBezTo>
+                  <a:cubicBezTo>
+                    <a:pt x="4081" y="6177"/>
+                    <a:pt x="3937" y="6123"/>
+                    <a:pt x="3830" y="6016"/>
+                  </a:cubicBezTo>
+                  <a:lnTo>
+                    <a:pt x="1547" y="3748"/>
+                  </a:lnTo>
+                  <a:cubicBezTo>
+                    <a:pt x="1296" y="3534"/>
+                    <a:pt x="1281" y="3151"/>
+                    <a:pt x="1514" y="2918"/>
+                  </a:cubicBezTo>
+                  <a:cubicBezTo>
+                    <a:pt x="1626" y="2806"/>
+                    <a:pt x="1771" y="2750"/>
+                    <a:pt x="1916" y="2750"/>
+                  </a:cubicBezTo>
+                  <a:cubicBezTo>
+                    <a:pt x="2074" y="2750"/>
+                    <a:pt x="2232" y="2817"/>
+                    <a:pt x="2344" y="2948"/>
+                  </a:cubicBezTo>
+                  <a:lnTo>
+                    <a:pt x="3784" y="4388"/>
+                  </a:lnTo>
+                  <a:cubicBezTo>
+                    <a:pt x="3793" y="4401"/>
+                    <a:pt x="3805" y="4410"/>
+                    <a:pt x="3817" y="4419"/>
+                  </a:cubicBezTo>
+                  <a:cubicBezTo>
+                    <a:pt x="3817" y="4422"/>
+                    <a:pt x="3820" y="4422"/>
+                    <a:pt x="3823" y="4425"/>
+                  </a:cubicBezTo>
+                  <a:cubicBezTo>
+                    <a:pt x="3934" y="4535"/>
+                    <a:pt x="4078" y="4590"/>
+                    <a:pt x="4222" y="4590"/>
+                  </a:cubicBezTo>
+                  <a:cubicBezTo>
+                    <a:pt x="4367" y="4590"/>
+                    <a:pt x="4512" y="4535"/>
+                    <a:pt x="4624" y="4425"/>
+                  </a:cubicBezTo>
+                  <a:lnTo>
+                    <a:pt x="7749" y="1300"/>
+                  </a:lnTo>
+                  <a:cubicBezTo>
+                    <a:pt x="7859" y="1189"/>
+                    <a:pt x="8004" y="1134"/>
+                    <a:pt x="8149" y="1134"/>
+                  </a:cubicBezTo>
+                  <a:close/>
+                  <a:moveTo>
+                    <a:pt x="8146" y="1"/>
+                  </a:moveTo>
+                  <a:cubicBezTo>
+                    <a:pt x="7712" y="1"/>
+                    <a:pt x="7279" y="166"/>
+                    <a:pt x="6949" y="496"/>
+                  </a:cubicBezTo>
+                  <a:lnTo>
+                    <a:pt x="6946" y="496"/>
+                  </a:lnTo>
+                  <a:lnTo>
+                    <a:pt x="4219" y="3223"/>
+                  </a:lnTo>
+                  <a:lnTo>
+                    <a:pt x="3144" y="2148"/>
+                  </a:lnTo>
+                  <a:cubicBezTo>
+                    <a:pt x="2808" y="1779"/>
+                    <a:pt x="2348" y="1594"/>
+                    <a:pt x="1887" y="1594"/>
+                  </a:cubicBezTo>
+                  <a:cubicBezTo>
+                    <a:pt x="1453" y="1594"/>
+                    <a:pt x="1019" y="1758"/>
+                    <a:pt x="686" y="2091"/>
+                  </a:cubicBezTo>
+                  <a:cubicBezTo>
+                    <a:pt x="1" y="2776"/>
+                    <a:pt x="28" y="3896"/>
+                    <a:pt x="747" y="4549"/>
+                  </a:cubicBezTo>
+                  <a:lnTo>
+                    <a:pt x="3029" y="6819"/>
+                  </a:lnTo>
+                  <a:cubicBezTo>
+                    <a:pt x="3344" y="7131"/>
+                    <a:pt x="3768" y="7308"/>
+                    <a:pt x="4214" y="7308"/>
+                  </a:cubicBezTo>
+                  <a:cubicBezTo>
+                    <a:pt x="4218" y="7308"/>
+                    <a:pt x="4221" y="7308"/>
+                    <a:pt x="4225" y="7308"/>
+                  </a:cubicBezTo>
+                  <a:cubicBezTo>
+                    <a:pt x="4678" y="7308"/>
+                    <a:pt x="5116" y="7127"/>
+                    <a:pt x="5439" y="6807"/>
+                  </a:cubicBezTo>
+                  <a:lnTo>
+                    <a:pt x="9349" y="2900"/>
+                  </a:lnTo>
+                  <a:cubicBezTo>
+                    <a:pt x="10013" y="2236"/>
+                    <a:pt x="10013" y="1161"/>
+                    <a:pt x="9349" y="499"/>
+                  </a:cubicBezTo>
+                  <a:cubicBezTo>
+                    <a:pt x="9017" y="167"/>
+                    <a:pt x="8581" y="1"/>
+                    <a:pt x="8146" y="1"/>
+                  </a:cubicBezTo>
+                  <a:close/>
+                </a:path>
+              </a:pathLst>
+            </a:custGeom>
+            <a:solidFill>
+              <a:schemeClr val="dk1"/>
+            </a:solidFill>
+            <a:ln>
+              <a:noFill/>
+            </a:ln>
+          </p:spPr>
+          <p:txBody>
+            <a:bodyPr spcFirstLastPara="1" wrap="square" lIns="91425" tIns="91425" rIns="91425" bIns="91425" anchor="ctr" anchorCtr="0">
+              <a:noAutofit/>
+            </a:bodyPr>
+            <a:lstStyle/>
+            <a:p>
+              <a:pPr marL="0" lvl="0" indent="0" algn="l" rtl="0">
+                <a:spcBef>
+                  <a:spcPts val="0"/>
+                </a:spcBef>
+                <a:spcAft>
+                  <a:spcPts val="0"/>
+                </a:spcAft>
+                <a:buNone/>
+              </a:pPr>
+              <a:endParaRPr>
+                <a:solidFill>
+                  <a:srgbClr val="435D74"/>
+                </a:solidFill>
+              </a:endParaRPr>
+            </a:p>
+          </p:txBody>
+        </p:sp>
+      </p:grpSp>
+      <p:pic>
+        <p:nvPicPr>
+          <p:cNvPr id="4" name="Image 3">
+            <a:extLst>
+              <a:ext uri="{FF2B5EF4-FFF2-40B4-BE49-F238E27FC236}">
+                <a16:creationId xmlns:a16="http://schemas.microsoft.com/office/drawing/2014/main" id="{29B92193-B498-68F2-4DC1-1E7AEB8934F7}"/>
+              </a:ext>
+            </a:extLst>
+          </p:cNvPr>
+          <p:cNvPicPr>
+            <a:picLocks noChangeAspect="1"/>
+          </p:cNvPicPr>
+          <p:nvPr/>
+        </p:nvPicPr>
+        <p:blipFill>
+          <a:blip r:embed="rId3"/>
+          <a:stretch>
+            <a:fillRect/>
+          </a:stretch>
+        </p:blipFill>
+        <p:spPr>
+          <a:xfrm>
+            <a:off x="1786014" y="1685030"/>
+            <a:ext cx="2352675" cy="266700"/>
+          </a:xfrm>
+          <a:prstGeom prst="rect">
+            <a:avLst/>
+          </a:prstGeom>
+        </p:spPr>
+      </p:pic>
+      <p:pic>
+        <p:nvPicPr>
+          <p:cNvPr id="6" name="Image 5">
+            <a:extLst>
+              <a:ext uri="{FF2B5EF4-FFF2-40B4-BE49-F238E27FC236}">
+                <a16:creationId xmlns:a16="http://schemas.microsoft.com/office/drawing/2014/main" id="{B9AA453B-18F9-66DB-829A-E5EF8D32B7F5}"/>
+              </a:ext>
+            </a:extLst>
+          </p:cNvPr>
+          <p:cNvPicPr>
+            <a:picLocks noChangeAspect="1"/>
+          </p:cNvPicPr>
+          <p:nvPr/>
+        </p:nvPicPr>
+        <p:blipFill>
+          <a:blip r:embed="rId4"/>
+          <a:stretch>
+            <a:fillRect/>
+          </a:stretch>
+        </p:blipFill>
+        <p:spPr>
+          <a:xfrm>
+            <a:off x="1786014" y="4203016"/>
+            <a:ext cx="3381375" cy="247650"/>
+          </a:xfrm>
+          <a:prstGeom prst="rect">
+            <a:avLst/>
+          </a:prstGeom>
+        </p:spPr>
+      </p:pic>
+      <p:pic>
+        <p:nvPicPr>
+          <p:cNvPr id="8" name="Image 7">
+            <a:extLst>
+              <a:ext uri="{FF2B5EF4-FFF2-40B4-BE49-F238E27FC236}">
+                <a16:creationId xmlns:a16="http://schemas.microsoft.com/office/drawing/2014/main" id="{E44DA9D9-3AF5-8F53-1DF1-8BE51FC5DA8D}"/>
+              </a:ext>
+            </a:extLst>
+          </p:cNvPr>
+          <p:cNvPicPr>
+            <a:picLocks noChangeAspect="1"/>
+          </p:cNvPicPr>
+          <p:nvPr/>
+        </p:nvPicPr>
+        <p:blipFill>
+          <a:blip r:embed="rId5"/>
+          <a:stretch>
+            <a:fillRect/>
+          </a:stretch>
+        </p:blipFill>
+        <p:spPr>
+          <a:xfrm>
+            <a:off x="5873768" y="2136374"/>
+            <a:ext cx="2333625" cy="209550"/>
+          </a:xfrm>
+          <a:prstGeom prst="rect">
+            <a:avLst/>
+          </a:prstGeom>
+        </p:spPr>
+      </p:pic>
+      <p:pic>
+        <p:nvPicPr>
+          <p:cNvPr id="10" name="Image 9">
+            <a:extLst>
+              <a:ext uri="{FF2B5EF4-FFF2-40B4-BE49-F238E27FC236}">
+                <a16:creationId xmlns:a16="http://schemas.microsoft.com/office/drawing/2014/main" id="{9C81B85E-10CB-E5FF-70AF-93513D24F527}"/>
+              </a:ext>
+            </a:extLst>
+          </p:cNvPr>
+          <p:cNvPicPr>
+            <a:picLocks noChangeAspect="1"/>
+          </p:cNvPicPr>
+          <p:nvPr/>
+        </p:nvPicPr>
+        <p:blipFill>
+          <a:blip r:embed="rId6"/>
+          <a:stretch>
+            <a:fillRect/>
+          </a:stretch>
+        </p:blipFill>
+        <p:spPr>
+          <a:xfrm>
+            <a:off x="5572504" y="3266055"/>
+            <a:ext cx="3108255" cy="203820"/>
+          </a:xfrm>
+          <a:prstGeom prst="rect">
+            <a:avLst/>
+          </a:prstGeom>
+        </p:spPr>
+      </p:pic>
+    </p:spTree>
+    <p:extLst>
+      <p:ext uri="{BB962C8B-B14F-4D97-AF65-F5344CB8AC3E}">
+        <p14:creationId xmlns:p14="http://schemas.microsoft.com/office/powerpoint/2010/main" val="1498930263"/>
+      </p:ext>
+    </p:extLst>
+  </p:cSld>
+  <p:clrMapOvr>
+    <a:masterClrMapping/>
+  </p:clrMapOvr>
+</p:sld>
+</file>
+
+<file path=ppt/slides/slide38.xml><?xml version="1.0" encoding="utf-8"?>
+<p:sld xmlns:a="http://schemas.openxmlformats.org/drawingml/2006/main" xmlns:r="http://schemas.openxmlformats.org/officeDocument/2006/relationships" xmlns:p="http://schemas.openxmlformats.org/presentationml/2006/main">
+  <p:cSld>
+    <p:spTree>
+      <p:nvGrpSpPr>
+        <p:cNvPr id="1" name=""/>
+        <p:cNvGrpSpPr/>
+        <p:nvPr/>
+      </p:nvGrpSpPr>
+      <p:grpSpPr>
+        <a:xfrm>
+          <a:off x="0" y="0"/>
+          <a:ext cx="0" cy="0"/>
+          <a:chOff x="0" y="0"/>
+          <a:chExt cx="0" cy="0"/>
+        </a:xfrm>
+      </p:grpSpPr>
+      <p:sp>
+        <p:nvSpPr>
+          <p:cNvPr id="4" name="Titre 3">
+            <a:extLst>
+              <a:ext uri="{FF2B5EF4-FFF2-40B4-BE49-F238E27FC236}">
+                <a16:creationId xmlns:a16="http://schemas.microsoft.com/office/drawing/2014/main" id="{07ED426D-4BC1-EFD8-002D-A1A234283447}"/>
+              </a:ext>
+            </a:extLst>
+          </p:cNvPr>
+          <p:cNvSpPr>
+            <a:spLocks noGrp="1"/>
+          </p:cNvSpPr>
+          <p:nvPr>
+            <p:ph type="title"/>
+          </p:nvPr>
+        </p:nvSpPr>
+        <p:spPr>
+          <a:xfrm>
+            <a:off x="999119" y="1386450"/>
+            <a:ext cx="7145762" cy="2370600"/>
+          </a:xfrm>
+        </p:spPr>
+        <p:txBody>
+          <a:bodyPr/>
+          <a:lstStyle/>
+          <a:p>
+            <a:r>
+              <a:rPr lang="fr-FR" sz="5400" b="0" i="0" dirty="0">
+                <a:solidFill>
+                  <a:srgbClr val="111111"/>
+                </a:solidFill>
+                <a:effectLst/>
+                <a:latin typeface="-apple-system"/>
+              </a:rPr>
+              <a:t>Gérer les valeurs manquantes et les doublons avec Pandas :</a:t>
+            </a:r>
+            <a:endParaRPr lang="fr-FR" sz="5400" dirty="0"/>
+          </a:p>
+        </p:txBody>
+      </p:sp>
+    </p:spTree>
+    <p:extLst>
+      <p:ext uri="{BB962C8B-B14F-4D97-AF65-F5344CB8AC3E}">
+        <p14:creationId xmlns:p14="http://schemas.microsoft.com/office/powerpoint/2010/main" val="206336879"/>
+      </p:ext>
+    </p:extLst>
+  </p:cSld>
+  <p:clrMapOvr>
+    <a:masterClrMapping/>
+  </p:clrMapOvr>
+</p:sld>
+</file>
+
+<file path=ppt/slides/slide39.xml><?xml version="1.0" encoding="utf-8"?>
+<p:sld xmlns:a="http://schemas.openxmlformats.org/drawingml/2006/main" xmlns:r="http://schemas.openxmlformats.org/officeDocument/2006/relationships" xmlns:p="http://schemas.openxmlformats.org/presentationml/2006/main">
+  <p:cSld>
+    <p:spTree>
+      <p:nvGrpSpPr>
+        <p:cNvPr id="1" name="Shape 616"/>
+        <p:cNvGrpSpPr/>
+        <p:nvPr/>
+      </p:nvGrpSpPr>
+      <p:grpSpPr>
+        <a:xfrm>
+          <a:off x="0" y="0"/>
+          <a:ext cx="0" cy="0"/>
+          <a:chOff x="0" y="0"/>
+          <a:chExt cx="0" cy="0"/>
+        </a:xfrm>
+      </p:grpSpPr>
+      <p:sp>
+        <p:nvSpPr>
+          <p:cNvPr id="617" name="Google Shape;617;p42"/>
+          <p:cNvSpPr txBox="1">
+            <a:spLocks noGrp="1"/>
+          </p:cNvSpPr>
+          <p:nvPr>
+            <p:ph type="title"/>
+          </p:nvPr>
+        </p:nvSpPr>
+        <p:spPr>
+          <a:xfrm>
+            <a:off x="720025" y="529923"/>
+            <a:ext cx="7704000" cy="484800"/>
+          </a:xfrm>
+          <a:prstGeom prst="rect">
+            <a:avLst/>
+          </a:prstGeom>
+        </p:spPr>
+        <p:txBody>
+          <a:bodyPr spcFirstLastPara="1" wrap="square" lIns="91425" tIns="91425" rIns="91425" bIns="91425" anchor="b" anchorCtr="0">
+            <a:noAutofit/>
+          </a:bodyPr>
+          <a:lstStyle/>
+          <a:p>
+            <a:pPr marL="0" lvl="0" indent="0" algn="ctr" rtl="0">
+              <a:spcBef>
+                <a:spcPts val="0"/>
+              </a:spcBef>
+              <a:spcAft>
+                <a:spcPts val="0"/>
+              </a:spcAft>
+              <a:buNone/>
+            </a:pPr>
+            <a:r>
+              <a:rPr lang="fr-FR" sz="2000" dirty="0"/>
+              <a:t>Accéder a des colonnes et des lignes</a:t>
+            </a:r>
+          </a:p>
+        </p:txBody>
+      </p:sp>
+      <p:grpSp>
+        <p:nvGrpSpPr>
+          <p:cNvPr id="618" name="Google Shape;618;p42"/>
+          <p:cNvGrpSpPr/>
+          <p:nvPr/>
+        </p:nvGrpSpPr>
+        <p:grpSpPr>
+          <a:xfrm>
+            <a:off x="468096" y="1415643"/>
+            <a:ext cx="911100" cy="689641"/>
+            <a:chOff x="1217362" y="1846472"/>
+            <a:chExt cx="911100" cy="689641"/>
+          </a:xfrm>
+        </p:grpSpPr>
+        <p:sp>
+          <p:nvSpPr>
+            <p:cNvPr id="619" name="Google Shape;619;p42"/>
+            <p:cNvSpPr/>
+            <p:nvPr/>
+          </p:nvSpPr>
+          <p:spPr>
+            <a:xfrm>
+              <a:off x="1217362" y="1846472"/>
+              <a:ext cx="431700" cy="505200"/>
+            </a:xfrm>
+            <a:prstGeom prst="roundRect">
+              <a:avLst>
+                <a:gd name="adj" fmla="val 6278"/>
+              </a:avLst>
+            </a:prstGeom>
+            <a:solidFill>
+              <a:schemeClr val="lt2"/>
+            </a:solidFill>
+            <a:ln w="28575" cap="flat" cmpd="sng">
+              <a:solidFill>
+                <a:schemeClr val="dk1"/>
+              </a:solidFill>
+              <a:prstDash val="solid"/>
+              <a:round/>
+              <a:headEnd type="none" w="sm" len="sm"/>
+              <a:tailEnd type="none" w="sm" len="sm"/>
+            </a:ln>
+            <a:effectLst>
+              <a:outerShdw blurRad="57150" dist="19050" dir="5400000" algn="bl" rotWithShape="0">
+                <a:schemeClr val="dk1">
+                  <a:alpha val="50000"/>
+                </a:schemeClr>
+              </a:outerShdw>
+            </a:effectLst>
+          </p:spPr>
+          <p:txBody>
+            <a:bodyPr spcFirstLastPara="1" wrap="square" lIns="91425" tIns="91425" rIns="91425" bIns="91425" anchor="ctr" anchorCtr="0">
+              <a:noAutofit/>
+            </a:bodyPr>
+            <a:lstStyle/>
+            <a:p>
+              <a:pPr marL="0" lvl="0" indent="0" algn="l" rtl="0">
+                <a:spcBef>
+                  <a:spcPts val="0"/>
+                </a:spcBef>
+                <a:spcAft>
+                  <a:spcPts val="0"/>
+                </a:spcAft>
+                <a:buNone/>
+              </a:pPr>
+              <a:endParaRPr/>
+            </a:p>
+          </p:txBody>
+        </p:sp>
+        <p:sp>
+          <p:nvSpPr>
+            <p:cNvPr id="620" name="Google Shape;620;p42"/>
+            <p:cNvSpPr/>
+            <p:nvPr/>
+          </p:nvSpPr>
+          <p:spPr>
+            <a:xfrm>
+              <a:off x="1217362" y="1947213"/>
+              <a:ext cx="911100" cy="588900"/>
+            </a:xfrm>
+            <a:prstGeom prst="roundRect">
+              <a:avLst>
+                <a:gd name="adj" fmla="val 5762"/>
+              </a:avLst>
+            </a:prstGeom>
+            <a:solidFill>
+              <a:schemeClr val="lt2"/>
+            </a:solidFill>
+            <a:ln w="28575" cap="flat" cmpd="sng">
+              <a:solidFill>
+                <a:schemeClr val="dk1"/>
+              </a:solidFill>
+              <a:prstDash val="solid"/>
+              <a:round/>
+              <a:headEnd type="none" w="sm" len="sm"/>
+              <a:tailEnd type="none" w="sm" len="sm"/>
+            </a:ln>
+            <a:effectLst>
+              <a:outerShdw dist="57150" dir="2940000" algn="bl" rotWithShape="0">
+                <a:schemeClr val="dk1"/>
+              </a:outerShdw>
+            </a:effectLst>
+          </p:spPr>
+          <p:txBody>
+            <a:bodyPr spcFirstLastPara="1" wrap="square" lIns="91425" tIns="91425" rIns="91425" bIns="91425" anchor="ctr" anchorCtr="0">
+              <a:noAutofit/>
+            </a:bodyPr>
+            <a:lstStyle/>
+            <a:p>
+              <a:pPr marL="0" lvl="0" indent="0" algn="l" rtl="0">
+                <a:spcBef>
+                  <a:spcPts val="0"/>
+                </a:spcBef>
+                <a:spcAft>
+                  <a:spcPts val="0"/>
+                </a:spcAft>
+                <a:buNone/>
+              </a:pPr>
+              <a:endParaRPr/>
+            </a:p>
+          </p:txBody>
+        </p:sp>
+      </p:grpSp>
+      <p:sp>
+        <p:nvSpPr>
+          <p:cNvPr id="621" name="Google Shape;621;p42"/>
+          <p:cNvSpPr txBox="1"/>
+          <p:nvPr/>
+        </p:nvSpPr>
+        <p:spPr>
+          <a:xfrm>
+            <a:off x="1464004" y="1392214"/>
+            <a:ext cx="2317475" cy="484800"/>
+          </a:xfrm>
+          <a:prstGeom prst="rect">
+            <a:avLst/>
+          </a:prstGeom>
+          <a:noFill/>
+          <a:ln>
+            <a:noFill/>
+          </a:ln>
+        </p:spPr>
+        <p:txBody>
+          <a:bodyPr spcFirstLastPara="1" wrap="square" lIns="91425" tIns="91425" rIns="91425" bIns="91425" anchor="ctr" anchorCtr="0">
+            <a:noAutofit/>
+          </a:bodyPr>
+          <a:lstStyle/>
+          <a:p>
+            <a:pPr marL="285750" lvl="2" indent="-285750">
+              <a:buFont typeface="Arial" panose="020B0604020202020204" pitchFamily="34" charset="0"/>
+              <a:buChar char="•"/>
+            </a:pPr>
+            <a:r>
+              <a:rPr lang="en-US" b="1" dirty="0" err="1">
+                <a:solidFill>
+                  <a:schemeClr val="dk2"/>
+                </a:solidFill>
+                <a:latin typeface="Lato"/>
+                <a:ea typeface="Lato"/>
+                <a:cs typeface="Lato"/>
+                <a:sym typeface="Lato"/>
+              </a:rPr>
+              <a:t>Accéder</a:t>
+            </a:r>
+            <a:r>
+              <a:rPr lang="en-US" b="1" dirty="0">
+                <a:solidFill>
+                  <a:schemeClr val="dk2"/>
+                </a:solidFill>
+                <a:latin typeface="Lato"/>
+                <a:ea typeface="Lato"/>
+                <a:cs typeface="Lato"/>
+                <a:sym typeface="Lato"/>
+              </a:rPr>
+              <a:t> à </a:t>
+            </a:r>
+            <a:r>
+              <a:rPr lang="en-US" b="1" dirty="0" err="1">
+                <a:solidFill>
+                  <a:schemeClr val="dk2"/>
+                </a:solidFill>
+                <a:latin typeface="Lato"/>
+                <a:ea typeface="Lato"/>
+                <a:cs typeface="Lato"/>
+                <a:sym typeface="Lato"/>
+              </a:rPr>
+              <a:t>une</a:t>
+            </a:r>
+            <a:r>
+              <a:rPr lang="en-US" b="1" dirty="0">
+                <a:solidFill>
+                  <a:schemeClr val="dk2"/>
+                </a:solidFill>
+                <a:latin typeface="Lato"/>
+                <a:ea typeface="Lato"/>
+                <a:cs typeface="Lato"/>
+                <a:sym typeface="Lato"/>
+              </a:rPr>
+              <a:t> </a:t>
+            </a:r>
+            <a:r>
+              <a:rPr lang="en-US" b="1" dirty="0" err="1">
+                <a:solidFill>
+                  <a:schemeClr val="dk2"/>
+                </a:solidFill>
+                <a:latin typeface="Lato"/>
+                <a:ea typeface="Lato"/>
+                <a:cs typeface="Lato"/>
+                <a:sym typeface="Lato"/>
+              </a:rPr>
+              <a:t>colonne</a:t>
+            </a:r>
+            <a:r>
+              <a:rPr lang="en-US" b="1" dirty="0">
+                <a:solidFill>
+                  <a:schemeClr val="dk2"/>
+                </a:solidFill>
+                <a:latin typeface="Lato"/>
+                <a:ea typeface="Lato"/>
+                <a:cs typeface="Lato"/>
+                <a:sym typeface="Lato"/>
+              </a:rPr>
+              <a:t>:</a:t>
+            </a:r>
+          </a:p>
+        </p:txBody>
+      </p:sp>
+      <p:grpSp>
+        <p:nvGrpSpPr>
+          <p:cNvPr id="642" name="Google Shape;642;p42"/>
+          <p:cNvGrpSpPr/>
+          <p:nvPr/>
+        </p:nvGrpSpPr>
+        <p:grpSpPr>
+          <a:xfrm>
+            <a:off x="721764" y="1576838"/>
+            <a:ext cx="355049" cy="355049"/>
+            <a:chOff x="1487200" y="4993750"/>
+            <a:chExt cx="483125" cy="483125"/>
+          </a:xfrm>
+        </p:grpSpPr>
+        <p:sp>
+          <p:nvSpPr>
+            <p:cNvPr id="643" name="Google Shape;643;p42"/>
+            <p:cNvSpPr/>
+            <p:nvPr/>
+          </p:nvSpPr>
+          <p:spPr>
+            <a:xfrm>
+              <a:off x="1487200" y="4993750"/>
+              <a:ext cx="483125" cy="483125"/>
+            </a:xfrm>
+            <a:custGeom>
+              <a:avLst/>
+              <a:gdLst/>
+              <a:ahLst/>
+              <a:cxnLst/>
+              <a:rect l="l" t="t" r="r" b="b"/>
+              <a:pathLst>
+                <a:path w="19325" h="19325" extrusionOk="0">
+                  <a:moveTo>
+                    <a:pt x="9662" y="1133"/>
+                  </a:moveTo>
+                  <a:cubicBezTo>
+                    <a:pt x="11824" y="1133"/>
+                    <a:pt x="13983" y="1975"/>
+                    <a:pt x="15668" y="3657"/>
+                  </a:cubicBezTo>
+                  <a:cubicBezTo>
+                    <a:pt x="19035" y="7027"/>
+                    <a:pt x="19035" y="12302"/>
+                    <a:pt x="15668" y="15668"/>
+                  </a:cubicBezTo>
+                  <a:cubicBezTo>
+                    <a:pt x="13983" y="17352"/>
+                    <a:pt x="11822" y="18193"/>
+                    <a:pt x="9661" y="18193"/>
+                  </a:cubicBezTo>
+                  <a:cubicBezTo>
+                    <a:pt x="7500" y="18193"/>
+                    <a:pt x="5340" y="17352"/>
+                    <a:pt x="3657" y="15668"/>
+                  </a:cubicBezTo>
+                  <a:cubicBezTo>
+                    <a:pt x="290" y="12302"/>
+                    <a:pt x="290" y="7024"/>
+                    <a:pt x="3657" y="3657"/>
+                  </a:cubicBezTo>
+                  <a:cubicBezTo>
+                    <a:pt x="5342" y="1975"/>
+                    <a:pt x="7500" y="1133"/>
+                    <a:pt x="9662" y="1133"/>
+                  </a:cubicBezTo>
+                  <a:close/>
+                  <a:moveTo>
+                    <a:pt x="9662" y="1"/>
+                  </a:moveTo>
+                  <a:cubicBezTo>
+                    <a:pt x="7117" y="1"/>
+                    <a:pt x="4698" y="1015"/>
+                    <a:pt x="2857" y="2857"/>
+                  </a:cubicBezTo>
+                  <a:cubicBezTo>
+                    <a:pt x="1015" y="4699"/>
+                    <a:pt x="0" y="7117"/>
+                    <a:pt x="0" y="9663"/>
+                  </a:cubicBezTo>
+                  <a:cubicBezTo>
+                    <a:pt x="0" y="12208"/>
+                    <a:pt x="1015" y="14627"/>
+                    <a:pt x="2857" y="16469"/>
+                  </a:cubicBezTo>
+                  <a:cubicBezTo>
+                    <a:pt x="4698" y="18310"/>
+                    <a:pt x="7117" y="19325"/>
+                    <a:pt x="9662" y="19325"/>
+                  </a:cubicBezTo>
+                  <a:cubicBezTo>
+                    <a:pt x="12208" y="19325"/>
+                    <a:pt x="14626" y="18310"/>
+                    <a:pt x="16468" y="16469"/>
+                  </a:cubicBezTo>
+                  <a:cubicBezTo>
+                    <a:pt x="18310" y="14627"/>
+                    <a:pt x="19325" y="12208"/>
+                    <a:pt x="19325" y="9663"/>
+                  </a:cubicBezTo>
+                  <a:cubicBezTo>
+                    <a:pt x="19325" y="7117"/>
+                    <a:pt x="18310" y="4699"/>
+                    <a:pt x="16468" y="2857"/>
+                  </a:cubicBezTo>
+                  <a:cubicBezTo>
+                    <a:pt x="14626" y="1015"/>
+                    <a:pt x="12208" y="1"/>
+                    <a:pt x="9662" y="1"/>
+                  </a:cubicBezTo>
+                  <a:close/>
+                </a:path>
+              </a:pathLst>
+            </a:custGeom>
+            <a:solidFill>
+              <a:schemeClr val="dk1"/>
+            </a:solidFill>
+            <a:ln>
+              <a:noFill/>
+            </a:ln>
+          </p:spPr>
+          <p:txBody>
+            <a:bodyPr spcFirstLastPara="1" wrap="square" lIns="91425" tIns="91425" rIns="91425" bIns="91425" anchor="ctr" anchorCtr="0">
+              <a:noAutofit/>
+            </a:bodyPr>
+            <a:lstStyle/>
+            <a:p>
+              <a:pPr marL="0" lvl="0" indent="0" algn="l" rtl="0">
+                <a:spcBef>
+                  <a:spcPts val="0"/>
+                </a:spcBef>
+                <a:spcAft>
+                  <a:spcPts val="0"/>
+                </a:spcAft>
+                <a:buNone/>
+              </a:pPr>
+              <a:endParaRPr>
+                <a:solidFill>
+                  <a:srgbClr val="435D74"/>
+                </a:solidFill>
+              </a:endParaRPr>
+            </a:p>
+          </p:txBody>
+        </p:sp>
+        <p:sp>
+          <p:nvSpPr>
+            <p:cNvPr id="644" name="Google Shape;644;p42"/>
+            <p:cNvSpPr/>
+            <p:nvPr/>
+          </p:nvSpPr>
+          <p:spPr>
+            <a:xfrm>
+              <a:off x="1602600" y="5143950"/>
+              <a:ext cx="250350" cy="182725"/>
+            </a:xfrm>
+            <a:custGeom>
+              <a:avLst/>
+              <a:gdLst/>
+              <a:ahLst/>
+              <a:cxnLst/>
+              <a:rect l="l" t="t" r="r" b="b"/>
+              <a:pathLst>
+                <a:path w="10014" h="7309" extrusionOk="0">
+                  <a:moveTo>
+                    <a:pt x="8149" y="1134"/>
+                  </a:moveTo>
+                  <a:cubicBezTo>
+                    <a:pt x="8294" y="1134"/>
+                    <a:pt x="8439" y="1189"/>
+                    <a:pt x="8549" y="1300"/>
+                  </a:cubicBezTo>
+                  <a:cubicBezTo>
+                    <a:pt x="8769" y="1520"/>
+                    <a:pt x="8769" y="1879"/>
+                    <a:pt x="8549" y="2100"/>
+                  </a:cubicBezTo>
+                  <a:lnTo>
+                    <a:pt x="4639" y="6007"/>
+                  </a:lnTo>
+                  <a:cubicBezTo>
+                    <a:pt x="4527" y="6120"/>
+                    <a:pt x="4377" y="6177"/>
+                    <a:pt x="4227" y="6177"/>
+                  </a:cubicBezTo>
+                  <a:cubicBezTo>
+                    <a:pt x="4081" y="6177"/>
+                    <a:pt x="3937" y="6123"/>
+                    <a:pt x="3830" y="6016"/>
+                  </a:cubicBezTo>
+                  <a:lnTo>
+                    <a:pt x="1547" y="3748"/>
+                  </a:lnTo>
+                  <a:cubicBezTo>
+                    <a:pt x="1296" y="3534"/>
+                    <a:pt x="1281" y="3151"/>
+                    <a:pt x="1514" y="2918"/>
+                  </a:cubicBezTo>
+                  <a:cubicBezTo>
+                    <a:pt x="1626" y="2806"/>
+                    <a:pt x="1771" y="2750"/>
+                    <a:pt x="1916" y="2750"/>
+                  </a:cubicBezTo>
+                  <a:cubicBezTo>
+                    <a:pt x="2074" y="2750"/>
+                    <a:pt x="2232" y="2817"/>
+                    <a:pt x="2344" y="2948"/>
+                  </a:cubicBezTo>
+                  <a:lnTo>
+                    <a:pt x="3784" y="4388"/>
+                  </a:lnTo>
+                  <a:cubicBezTo>
+                    <a:pt x="3793" y="4401"/>
+                    <a:pt x="3805" y="4410"/>
+                    <a:pt x="3817" y="4419"/>
+                  </a:cubicBezTo>
+                  <a:cubicBezTo>
+                    <a:pt x="3817" y="4422"/>
+                    <a:pt x="3820" y="4422"/>
+                    <a:pt x="3823" y="4425"/>
+                  </a:cubicBezTo>
+                  <a:cubicBezTo>
+                    <a:pt x="3934" y="4535"/>
+                    <a:pt x="4078" y="4590"/>
+                    <a:pt x="4222" y="4590"/>
+                  </a:cubicBezTo>
+                  <a:cubicBezTo>
+                    <a:pt x="4367" y="4590"/>
+                    <a:pt x="4512" y="4535"/>
+                    <a:pt x="4624" y="4425"/>
+                  </a:cubicBezTo>
+                  <a:lnTo>
+                    <a:pt x="7749" y="1300"/>
+                  </a:lnTo>
+                  <a:cubicBezTo>
+                    <a:pt x="7859" y="1189"/>
+                    <a:pt x="8004" y="1134"/>
+                    <a:pt x="8149" y="1134"/>
+                  </a:cubicBezTo>
+                  <a:close/>
+                  <a:moveTo>
+                    <a:pt x="8146" y="1"/>
+                  </a:moveTo>
+                  <a:cubicBezTo>
+                    <a:pt x="7712" y="1"/>
+                    <a:pt x="7279" y="166"/>
+                    <a:pt x="6949" y="496"/>
+                  </a:cubicBezTo>
+                  <a:lnTo>
+                    <a:pt x="6946" y="496"/>
+                  </a:lnTo>
+                  <a:lnTo>
+                    <a:pt x="4219" y="3223"/>
+                  </a:lnTo>
+                  <a:lnTo>
+                    <a:pt x="3144" y="2148"/>
+                  </a:lnTo>
+                  <a:cubicBezTo>
+                    <a:pt x="2808" y="1779"/>
+                    <a:pt x="2348" y="1594"/>
+                    <a:pt x="1887" y="1594"/>
+                  </a:cubicBezTo>
+                  <a:cubicBezTo>
+                    <a:pt x="1453" y="1594"/>
+                    <a:pt x="1019" y="1758"/>
+                    <a:pt x="686" y="2091"/>
+                  </a:cubicBezTo>
+                  <a:cubicBezTo>
+                    <a:pt x="1" y="2776"/>
+                    <a:pt x="28" y="3896"/>
+                    <a:pt x="747" y="4549"/>
+                  </a:cubicBezTo>
+                  <a:lnTo>
+                    <a:pt x="3029" y="6819"/>
+                  </a:lnTo>
+                  <a:cubicBezTo>
+                    <a:pt x="3344" y="7131"/>
+                    <a:pt x="3768" y="7308"/>
+                    <a:pt x="4214" y="7308"/>
+                  </a:cubicBezTo>
+                  <a:cubicBezTo>
+                    <a:pt x="4218" y="7308"/>
+                    <a:pt x="4221" y="7308"/>
+                    <a:pt x="4225" y="7308"/>
+                  </a:cubicBezTo>
+                  <a:cubicBezTo>
+                    <a:pt x="4678" y="7308"/>
+                    <a:pt x="5116" y="7127"/>
+                    <a:pt x="5439" y="6807"/>
+                  </a:cubicBezTo>
+                  <a:lnTo>
+                    <a:pt x="9349" y="2900"/>
+                  </a:lnTo>
+                  <a:cubicBezTo>
+                    <a:pt x="10013" y="2236"/>
+                    <a:pt x="10013" y="1161"/>
+                    <a:pt x="9349" y="499"/>
+                  </a:cubicBezTo>
+                  <a:cubicBezTo>
+                    <a:pt x="9017" y="167"/>
+                    <a:pt x="8581" y="1"/>
+                    <a:pt x="8146" y="1"/>
+                  </a:cubicBezTo>
+                  <a:close/>
+                </a:path>
+              </a:pathLst>
+            </a:custGeom>
+            <a:solidFill>
+              <a:schemeClr val="dk1"/>
+            </a:solidFill>
+            <a:ln>
+              <a:noFill/>
+            </a:ln>
+          </p:spPr>
+          <p:txBody>
+            <a:bodyPr spcFirstLastPara="1" wrap="square" lIns="91425" tIns="91425" rIns="91425" bIns="91425" anchor="ctr" anchorCtr="0">
+              <a:noAutofit/>
+            </a:bodyPr>
+            <a:lstStyle/>
+            <a:p>
+              <a:pPr marL="0" lvl="0" indent="0" algn="l" rtl="0">
+                <a:spcBef>
+                  <a:spcPts val="0"/>
+                </a:spcBef>
+                <a:spcAft>
+                  <a:spcPts val="0"/>
+                </a:spcAft>
+                <a:buNone/>
+              </a:pPr>
+              <a:endParaRPr>
+                <a:solidFill>
+                  <a:srgbClr val="435D74"/>
+                </a:solidFill>
+              </a:endParaRPr>
+            </a:p>
+          </p:txBody>
+        </p:sp>
+      </p:grpSp>
+      <p:pic>
+        <p:nvPicPr>
+          <p:cNvPr id="3" name="Image 2">
+            <a:extLst>
+              <a:ext uri="{FF2B5EF4-FFF2-40B4-BE49-F238E27FC236}">
+                <a16:creationId xmlns:a16="http://schemas.microsoft.com/office/drawing/2014/main" id="{80C13026-2023-CD70-5910-F2EB1CE5B293}"/>
+              </a:ext>
+            </a:extLst>
+          </p:cNvPr>
+          <p:cNvPicPr>
+            <a:picLocks noChangeAspect="1"/>
+          </p:cNvPicPr>
+          <p:nvPr/>
+        </p:nvPicPr>
+        <p:blipFill rotWithShape="1">
+          <a:blip r:embed="rId3"/>
+          <a:srcRect l="1949" t="10403" r="5080" b="1"/>
+          <a:stretch/>
+        </p:blipFill>
+        <p:spPr>
+          <a:xfrm>
+            <a:off x="1494327" y="1846665"/>
+            <a:ext cx="2996236" cy="294451"/>
+          </a:xfrm>
+          <a:prstGeom prst="rect">
+            <a:avLst/>
+          </a:prstGeom>
+        </p:spPr>
+      </p:pic>
+      <p:grpSp>
+        <p:nvGrpSpPr>
+          <p:cNvPr id="12" name="Google Shape;618;p42">
+            <a:extLst>
+              <a:ext uri="{FF2B5EF4-FFF2-40B4-BE49-F238E27FC236}">
+                <a16:creationId xmlns:a16="http://schemas.microsoft.com/office/drawing/2014/main" id="{57CE7DB3-61A7-3DAC-448B-E7245C58E455}"/>
+              </a:ext>
+            </a:extLst>
+          </p:cNvPr>
+          <p:cNvGrpSpPr/>
+          <p:nvPr/>
+        </p:nvGrpSpPr>
+        <p:grpSpPr>
+          <a:xfrm>
+            <a:off x="468096" y="2422504"/>
+            <a:ext cx="911100" cy="689641"/>
+            <a:chOff x="1217362" y="1846472"/>
+            <a:chExt cx="911100" cy="689641"/>
+          </a:xfrm>
+        </p:grpSpPr>
+        <p:sp>
+          <p:nvSpPr>
+            <p:cNvPr id="13" name="Google Shape;619;p42">
+              <a:extLst>
+                <a:ext uri="{FF2B5EF4-FFF2-40B4-BE49-F238E27FC236}">
+                  <a16:creationId xmlns:a16="http://schemas.microsoft.com/office/drawing/2014/main" id="{51375549-1A9B-CF34-604B-A5C15A30548C}"/>
+                </a:ext>
+              </a:extLst>
+            </p:cNvPr>
+            <p:cNvSpPr/>
+            <p:nvPr/>
+          </p:nvSpPr>
+          <p:spPr>
+            <a:xfrm>
+              <a:off x="1217362" y="1846472"/>
+              <a:ext cx="431700" cy="505200"/>
+            </a:xfrm>
+            <a:prstGeom prst="roundRect">
+              <a:avLst>
+                <a:gd name="adj" fmla="val 6278"/>
+              </a:avLst>
+            </a:prstGeom>
+            <a:solidFill>
+              <a:schemeClr val="lt2"/>
+            </a:solidFill>
+            <a:ln w="28575" cap="flat" cmpd="sng">
+              <a:solidFill>
+                <a:schemeClr val="dk1"/>
+              </a:solidFill>
+              <a:prstDash val="solid"/>
+              <a:round/>
+              <a:headEnd type="none" w="sm" len="sm"/>
+              <a:tailEnd type="none" w="sm" len="sm"/>
+            </a:ln>
+            <a:effectLst>
+              <a:outerShdw blurRad="57150" dist="19050" dir="5400000" algn="bl" rotWithShape="0">
+                <a:schemeClr val="dk1">
+                  <a:alpha val="50000"/>
+                </a:schemeClr>
+              </a:outerShdw>
+            </a:effectLst>
+          </p:spPr>
+          <p:txBody>
+            <a:bodyPr spcFirstLastPara="1" wrap="square" lIns="91425" tIns="91425" rIns="91425" bIns="91425" anchor="ctr" anchorCtr="0">
+              <a:noAutofit/>
+            </a:bodyPr>
+            <a:lstStyle/>
+            <a:p>
+              <a:pPr marL="0" lvl="0" indent="0" algn="l" rtl="0">
+                <a:spcBef>
+                  <a:spcPts val="0"/>
+                </a:spcBef>
+                <a:spcAft>
+                  <a:spcPts val="0"/>
+                </a:spcAft>
+                <a:buNone/>
+              </a:pPr>
+              <a:endParaRPr/>
+            </a:p>
+          </p:txBody>
+        </p:sp>
+        <p:sp>
+          <p:nvSpPr>
+            <p:cNvPr id="14" name="Google Shape;620;p42">
+              <a:extLst>
+                <a:ext uri="{FF2B5EF4-FFF2-40B4-BE49-F238E27FC236}">
+                  <a16:creationId xmlns:a16="http://schemas.microsoft.com/office/drawing/2014/main" id="{AF474D41-A384-9942-BBD1-A6626C73DF11}"/>
+                </a:ext>
+              </a:extLst>
+            </p:cNvPr>
+            <p:cNvSpPr/>
+            <p:nvPr/>
+          </p:nvSpPr>
+          <p:spPr>
+            <a:xfrm>
+              <a:off x="1217362" y="1947213"/>
+              <a:ext cx="911100" cy="588900"/>
+            </a:xfrm>
+            <a:prstGeom prst="roundRect">
+              <a:avLst>
+                <a:gd name="adj" fmla="val 5762"/>
+              </a:avLst>
+            </a:prstGeom>
+            <a:solidFill>
+              <a:schemeClr val="lt2"/>
+            </a:solidFill>
+            <a:ln w="28575" cap="flat" cmpd="sng">
+              <a:solidFill>
+                <a:schemeClr val="dk1"/>
+              </a:solidFill>
+              <a:prstDash val="solid"/>
+              <a:round/>
+              <a:headEnd type="none" w="sm" len="sm"/>
+              <a:tailEnd type="none" w="sm" len="sm"/>
+            </a:ln>
+            <a:effectLst>
+              <a:outerShdw dist="57150" dir="2940000" algn="bl" rotWithShape="0">
+                <a:schemeClr val="dk1"/>
+              </a:outerShdw>
+            </a:effectLst>
+          </p:spPr>
+          <p:txBody>
+            <a:bodyPr spcFirstLastPara="1" wrap="square" lIns="91425" tIns="91425" rIns="91425" bIns="91425" anchor="ctr" anchorCtr="0">
+              <a:noAutofit/>
+            </a:bodyPr>
+            <a:lstStyle/>
+            <a:p>
+              <a:pPr marL="0" lvl="0" indent="0" algn="l" rtl="0">
+                <a:spcBef>
+                  <a:spcPts val="0"/>
+                </a:spcBef>
+                <a:spcAft>
+                  <a:spcPts val="0"/>
+                </a:spcAft>
+                <a:buNone/>
+              </a:pPr>
+              <a:endParaRPr/>
+            </a:p>
+          </p:txBody>
+        </p:sp>
+      </p:grpSp>
+      <p:sp>
+        <p:nvSpPr>
+          <p:cNvPr id="15" name="Google Shape;621;p42">
+            <a:extLst>
+              <a:ext uri="{FF2B5EF4-FFF2-40B4-BE49-F238E27FC236}">
+                <a16:creationId xmlns:a16="http://schemas.microsoft.com/office/drawing/2014/main" id="{30E80BF8-DB11-DE82-D386-465CC30B39AF}"/>
+              </a:ext>
+            </a:extLst>
+          </p:cNvPr>
+          <p:cNvSpPr txBox="1"/>
+          <p:nvPr/>
+        </p:nvSpPr>
+        <p:spPr>
+          <a:xfrm>
+            <a:off x="1464004" y="2399075"/>
+            <a:ext cx="3003127" cy="484800"/>
+          </a:xfrm>
+          <a:prstGeom prst="rect">
+            <a:avLst/>
+          </a:prstGeom>
+          <a:noFill/>
+          <a:ln>
+            <a:noFill/>
+          </a:ln>
+        </p:spPr>
+        <p:txBody>
+          <a:bodyPr spcFirstLastPara="1" wrap="square" lIns="91425" tIns="91425" rIns="91425" bIns="91425" anchor="ctr" anchorCtr="0">
+            <a:noAutofit/>
+          </a:bodyPr>
+          <a:lstStyle/>
+          <a:p>
+            <a:pPr marL="285750" lvl="2" indent="-285750">
+              <a:buFont typeface="Arial" panose="020B0604020202020204" pitchFamily="34" charset="0"/>
+              <a:buChar char="•"/>
+            </a:pPr>
+            <a:r>
+              <a:rPr lang="en-US" b="1" dirty="0" err="1">
+                <a:solidFill>
+                  <a:schemeClr val="dk2"/>
+                </a:solidFill>
+                <a:latin typeface="Lato"/>
+                <a:ea typeface="Lato"/>
+                <a:cs typeface="Lato"/>
+                <a:sym typeface="Lato"/>
+              </a:rPr>
+              <a:t>Accéder</a:t>
+            </a:r>
+            <a:r>
+              <a:rPr lang="en-US" b="1" dirty="0">
+                <a:solidFill>
+                  <a:schemeClr val="dk2"/>
+                </a:solidFill>
+                <a:latin typeface="Lato"/>
+                <a:ea typeface="Lato"/>
+                <a:cs typeface="Lato"/>
+                <a:sym typeface="Lato"/>
+              </a:rPr>
+              <a:t> à </a:t>
+            </a:r>
+            <a:r>
+              <a:rPr lang="en-US" b="1" dirty="0" err="1">
+                <a:solidFill>
+                  <a:schemeClr val="dk2"/>
+                </a:solidFill>
+                <a:latin typeface="Lato"/>
+                <a:ea typeface="Lato"/>
+                <a:cs typeface="Lato"/>
+                <a:sym typeface="Lato"/>
+              </a:rPr>
+              <a:t>plusieurs</a:t>
+            </a:r>
+            <a:r>
+              <a:rPr lang="en-US" b="1" dirty="0">
+                <a:solidFill>
+                  <a:schemeClr val="dk2"/>
+                </a:solidFill>
+                <a:latin typeface="Lato"/>
+                <a:ea typeface="Lato"/>
+                <a:cs typeface="Lato"/>
+                <a:sym typeface="Lato"/>
+              </a:rPr>
+              <a:t> </a:t>
+            </a:r>
+            <a:r>
+              <a:rPr lang="en-US" b="1" dirty="0" err="1">
+                <a:solidFill>
+                  <a:schemeClr val="dk2"/>
+                </a:solidFill>
+                <a:latin typeface="Lato"/>
+                <a:ea typeface="Lato"/>
+                <a:cs typeface="Lato"/>
+                <a:sym typeface="Lato"/>
+              </a:rPr>
+              <a:t>colonnes</a:t>
+            </a:r>
+            <a:r>
+              <a:rPr lang="en-US" b="1" dirty="0">
+                <a:solidFill>
+                  <a:schemeClr val="dk2"/>
+                </a:solidFill>
+                <a:latin typeface="Lato"/>
+                <a:ea typeface="Lato"/>
+                <a:cs typeface="Lato"/>
+                <a:sym typeface="Lato"/>
+              </a:rPr>
+              <a:t>:</a:t>
+            </a:r>
+          </a:p>
+        </p:txBody>
+      </p:sp>
+      <p:grpSp>
+        <p:nvGrpSpPr>
+          <p:cNvPr id="16" name="Google Shape;642;p42">
+            <a:extLst>
+              <a:ext uri="{FF2B5EF4-FFF2-40B4-BE49-F238E27FC236}">
+                <a16:creationId xmlns:a16="http://schemas.microsoft.com/office/drawing/2014/main" id="{F834251F-1273-C76F-A410-9393E25EA549}"/>
+              </a:ext>
+            </a:extLst>
+          </p:cNvPr>
+          <p:cNvGrpSpPr/>
+          <p:nvPr/>
+        </p:nvGrpSpPr>
+        <p:grpSpPr>
+          <a:xfrm>
+            <a:off x="741511" y="2550567"/>
+            <a:ext cx="355049" cy="355049"/>
+            <a:chOff x="1487200" y="4993750"/>
+            <a:chExt cx="483125" cy="483125"/>
+          </a:xfrm>
+        </p:grpSpPr>
+        <p:sp>
+          <p:nvSpPr>
+            <p:cNvPr id="17" name="Google Shape;643;p42">
+              <a:extLst>
+                <a:ext uri="{FF2B5EF4-FFF2-40B4-BE49-F238E27FC236}">
+                  <a16:creationId xmlns:a16="http://schemas.microsoft.com/office/drawing/2014/main" id="{DEADADD7-FF7F-26B5-77C1-6352EF539221}"/>
+                </a:ext>
+              </a:extLst>
+            </p:cNvPr>
+            <p:cNvSpPr/>
+            <p:nvPr/>
+          </p:nvSpPr>
+          <p:spPr>
+            <a:xfrm>
+              <a:off x="1487200" y="4993750"/>
+              <a:ext cx="483125" cy="483125"/>
+            </a:xfrm>
+            <a:custGeom>
+              <a:avLst/>
+              <a:gdLst/>
+              <a:ahLst/>
+              <a:cxnLst/>
+              <a:rect l="l" t="t" r="r" b="b"/>
+              <a:pathLst>
+                <a:path w="19325" h="19325" extrusionOk="0">
+                  <a:moveTo>
+                    <a:pt x="9662" y="1133"/>
+                  </a:moveTo>
+                  <a:cubicBezTo>
+                    <a:pt x="11824" y="1133"/>
+                    <a:pt x="13983" y="1975"/>
+                    <a:pt x="15668" y="3657"/>
+                  </a:cubicBezTo>
+                  <a:cubicBezTo>
+                    <a:pt x="19035" y="7027"/>
+                    <a:pt x="19035" y="12302"/>
+                    <a:pt x="15668" y="15668"/>
+                  </a:cubicBezTo>
+                  <a:cubicBezTo>
+                    <a:pt x="13983" y="17352"/>
+                    <a:pt x="11822" y="18193"/>
+                    <a:pt x="9661" y="18193"/>
+                  </a:cubicBezTo>
+                  <a:cubicBezTo>
+                    <a:pt x="7500" y="18193"/>
+                    <a:pt x="5340" y="17352"/>
+                    <a:pt x="3657" y="15668"/>
+                  </a:cubicBezTo>
+                  <a:cubicBezTo>
+                    <a:pt x="290" y="12302"/>
+                    <a:pt x="290" y="7024"/>
+                    <a:pt x="3657" y="3657"/>
+                  </a:cubicBezTo>
+                  <a:cubicBezTo>
+                    <a:pt x="5342" y="1975"/>
+                    <a:pt x="7500" y="1133"/>
+                    <a:pt x="9662" y="1133"/>
+                  </a:cubicBezTo>
+                  <a:close/>
+                  <a:moveTo>
+                    <a:pt x="9662" y="1"/>
+                  </a:moveTo>
+                  <a:cubicBezTo>
+                    <a:pt x="7117" y="1"/>
+                    <a:pt x="4698" y="1015"/>
+                    <a:pt x="2857" y="2857"/>
+                  </a:cubicBezTo>
+                  <a:cubicBezTo>
+                    <a:pt x="1015" y="4699"/>
+                    <a:pt x="0" y="7117"/>
+                    <a:pt x="0" y="9663"/>
+                  </a:cubicBezTo>
+                  <a:cubicBezTo>
+                    <a:pt x="0" y="12208"/>
+                    <a:pt x="1015" y="14627"/>
+                    <a:pt x="2857" y="16469"/>
+                  </a:cubicBezTo>
+                  <a:cubicBezTo>
+                    <a:pt x="4698" y="18310"/>
+                    <a:pt x="7117" y="19325"/>
+                    <a:pt x="9662" y="19325"/>
+                  </a:cubicBezTo>
+                  <a:cubicBezTo>
+                    <a:pt x="12208" y="19325"/>
+                    <a:pt x="14626" y="18310"/>
+                    <a:pt x="16468" y="16469"/>
+                  </a:cubicBezTo>
+                  <a:cubicBezTo>
+                    <a:pt x="18310" y="14627"/>
+                    <a:pt x="19325" y="12208"/>
+                    <a:pt x="19325" y="9663"/>
+                  </a:cubicBezTo>
+                  <a:cubicBezTo>
+                    <a:pt x="19325" y="7117"/>
+                    <a:pt x="18310" y="4699"/>
+                    <a:pt x="16468" y="2857"/>
+                  </a:cubicBezTo>
+                  <a:cubicBezTo>
+                    <a:pt x="14626" y="1015"/>
+                    <a:pt x="12208" y="1"/>
+                    <a:pt x="9662" y="1"/>
+                  </a:cubicBezTo>
+                  <a:close/>
+                </a:path>
+              </a:pathLst>
+            </a:custGeom>
+            <a:solidFill>
+              <a:schemeClr val="dk1"/>
+            </a:solidFill>
+            <a:ln>
+              <a:noFill/>
+            </a:ln>
+          </p:spPr>
+          <p:txBody>
+            <a:bodyPr spcFirstLastPara="1" wrap="square" lIns="91425" tIns="91425" rIns="91425" bIns="91425" anchor="ctr" anchorCtr="0">
+              <a:noAutofit/>
+            </a:bodyPr>
+            <a:lstStyle/>
+            <a:p>
+              <a:pPr marL="0" lvl="0" indent="0" algn="l" rtl="0">
+                <a:spcBef>
+                  <a:spcPts val="0"/>
+                </a:spcBef>
+                <a:spcAft>
+                  <a:spcPts val="0"/>
+                </a:spcAft>
+                <a:buNone/>
+              </a:pPr>
+              <a:endParaRPr>
+                <a:solidFill>
+                  <a:srgbClr val="435D74"/>
+                </a:solidFill>
+              </a:endParaRPr>
+            </a:p>
+          </p:txBody>
+        </p:sp>
+        <p:sp>
+          <p:nvSpPr>
+            <p:cNvPr id="18" name="Google Shape;644;p42">
+              <a:extLst>
+                <a:ext uri="{FF2B5EF4-FFF2-40B4-BE49-F238E27FC236}">
+                  <a16:creationId xmlns:a16="http://schemas.microsoft.com/office/drawing/2014/main" id="{3F98BAD0-A348-2ABF-0D37-BF6B4F7D2C1E}"/>
+                </a:ext>
+              </a:extLst>
+            </p:cNvPr>
+            <p:cNvSpPr/>
+            <p:nvPr/>
+          </p:nvSpPr>
+          <p:spPr>
+            <a:xfrm>
+              <a:off x="1602600" y="5143950"/>
+              <a:ext cx="250350" cy="182725"/>
+            </a:xfrm>
+            <a:custGeom>
+              <a:avLst/>
+              <a:gdLst/>
+              <a:ahLst/>
+              <a:cxnLst/>
+              <a:rect l="l" t="t" r="r" b="b"/>
+              <a:pathLst>
+                <a:path w="10014" h="7309" extrusionOk="0">
+                  <a:moveTo>
+                    <a:pt x="8149" y="1134"/>
+                  </a:moveTo>
+                  <a:cubicBezTo>
+                    <a:pt x="8294" y="1134"/>
+                    <a:pt x="8439" y="1189"/>
+                    <a:pt x="8549" y="1300"/>
+                  </a:cubicBezTo>
+                  <a:cubicBezTo>
+                    <a:pt x="8769" y="1520"/>
+                    <a:pt x="8769" y="1879"/>
+                    <a:pt x="8549" y="2100"/>
+                  </a:cubicBezTo>
+                  <a:lnTo>
+                    <a:pt x="4639" y="6007"/>
+                  </a:lnTo>
+                  <a:cubicBezTo>
+                    <a:pt x="4527" y="6120"/>
+                    <a:pt x="4377" y="6177"/>
+                    <a:pt x="4227" y="6177"/>
+                  </a:cubicBezTo>
+                  <a:cubicBezTo>
+                    <a:pt x="4081" y="6177"/>
+                    <a:pt x="3937" y="6123"/>
+                    <a:pt x="3830" y="6016"/>
+                  </a:cubicBezTo>
+                  <a:lnTo>
+                    <a:pt x="1547" y="3748"/>
+                  </a:lnTo>
+                  <a:cubicBezTo>
+                    <a:pt x="1296" y="3534"/>
+                    <a:pt x="1281" y="3151"/>
+                    <a:pt x="1514" y="2918"/>
+                  </a:cubicBezTo>
+                  <a:cubicBezTo>
+                    <a:pt x="1626" y="2806"/>
+                    <a:pt x="1771" y="2750"/>
+                    <a:pt x="1916" y="2750"/>
+                  </a:cubicBezTo>
+                  <a:cubicBezTo>
+                    <a:pt x="2074" y="2750"/>
+                    <a:pt x="2232" y="2817"/>
+                    <a:pt x="2344" y="2948"/>
+                  </a:cubicBezTo>
+                  <a:lnTo>
+                    <a:pt x="3784" y="4388"/>
+                  </a:lnTo>
+                  <a:cubicBezTo>
+                    <a:pt x="3793" y="4401"/>
+                    <a:pt x="3805" y="4410"/>
+                    <a:pt x="3817" y="4419"/>
+                  </a:cubicBezTo>
+                  <a:cubicBezTo>
+                    <a:pt x="3817" y="4422"/>
+                    <a:pt x="3820" y="4422"/>
+                    <a:pt x="3823" y="4425"/>
+                  </a:cubicBezTo>
+                  <a:cubicBezTo>
+                    <a:pt x="3934" y="4535"/>
+                    <a:pt x="4078" y="4590"/>
+                    <a:pt x="4222" y="4590"/>
+                  </a:cubicBezTo>
+                  <a:cubicBezTo>
+                    <a:pt x="4367" y="4590"/>
+                    <a:pt x="4512" y="4535"/>
+                    <a:pt x="4624" y="4425"/>
+                  </a:cubicBezTo>
+                  <a:lnTo>
+                    <a:pt x="7749" y="1300"/>
+                  </a:lnTo>
+                  <a:cubicBezTo>
+                    <a:pt x="7859" y="1189"/>
+                    <a:pt x="8004" y="1134"/>
+                    <a:pt x="8149" y="1134"/>
+                  </a:cubicBezTo>
+                  <a:close/>
+                  <a:moveTo>
+                    <a:pt x="8146" y="1"/>
+                  </a:moveTo>
+                  <a:cubicBezTo>
+                    <a:pt x="7712" y="1"/>
+                    <a:pt x="7279" y="166"/>
+                    <a:pt x="6949" y="496"/>
+                  </a:cubicBezTo>
+                  <a:lnTo>
+                    <a:pt x="6946" y="496"/>
+                  </a:lnTo>
+                  <a:lnTo>
+                    <a:pt x="4219" y="3223"/>
+                  </a:lnTo>
+                  <a:lnTo>
+                    <a:pt x="3144" y="2148"/>
+                  </a:lnTo>
+                  <a:cubicBezTo>
+                    <a:pt x="2808" y="1779"/>
+                    <a:pt x="2348" y="1594"/>
+                    <a:pt x="1887" y="1594"/>
+                  </a:cubicBezTo>
+                  <a:cubicBezTo>
+                    <a:pt x="1453" y="1594"/>
+                    <a:pt x="1019" y="1758"/>
+                    <a:pt x="686" y="2091"/>
+                  </a:cubicBezTo>
+                  <a:cubicBezTo>
+                    <a:pt x="1" y="2776"/>
+                    <a:pt x="28" y="3896"/>
+                    <a:pt x="747" y="4549"/>
+                  </a:cubicBezTo>
+                  <a:lnTo>
+                    <a:pt x="3029" y="6819"/>
+                  </a:lnTo>
+                  <a:cubicBezTo>
+                    <a:pt x="3344" y="7131"/>
+                    <a:pt x="3768" y="7308"/>
+                    <a:pt x="4214" y="7308"/>
+                  </a:cubicBezTo>
+                  <a:cubicBezTo>
+                    <a:pt x="4218" y="7308"/>
+                    <a:pt x="4221" y="7308"/>
+                    <a:pt x="4225" y="7308"/>
+                  </a:cubicBezTo>
+                  <a:cubicBezTo>
+                    <a:pt x="4678" y="7308"/>
+                    <a:pt x="5116" y="7127"/>
+                    <a:pt x="5439" y="6807"/>
+                  </a:cubicBezTo>
+                  <a:lnTo>
+                    <a:pt x="9349" y="2900"/>
+                  </a:lnTo>
+                  <a:cubicBezTo>
+                    <a:pt x="10013" y="2236"/>
+                    <a:pt x="10013" y="1161"/>
+                    <a:pt x="9349" y="499"/>
+                  </a:cubicBezTo>
+                  <a:cubicBezTo>
+                    <a:pt x="9017" y="167"/>
+                    <a:pt x="8581" y="1"/>
+                    <a:pt x="8146" y="1"/>
+                  </a:cubicBezTo>
+                  <a:close/>
+                </a:path>
+              </a:pathLst>
+            </a:custGeom>
+            <a:solidFill>
+              <a:schemeClr val="dk1"/>
+            </a:solidFill>
+            <a:ln>
+              <a:noFill/>
+            </a:ln>
+          </p:spPr>
+          <p:txBody>
+            <a:bodyPr spcFirstLastPara="1" wrap="square" lIns="91425" tIns="91425" rIns="91425" bIns="91425" anchor="ctr" anchorCtr="0">
+              <a:noAutofit/>
+            </a:bodyPr>
+            <a:lstStyle/>
+            <a:p>
+              <a:pPr marL="0" lvl="0" indent="0" algn="l" rtl="0">
+                <a:spcBef>
+                  <a:spcPts val="0"/>
+                </a:spcBef>
+                <a:spcAft>
+                  <a:spcPts val="0"/>
+                </a:spcAft>
+                <a:buNone/>
+              </a:pPr>
+              <a:endParaRPr>
+                <a:solidFill>
+                  <a:srgbClr val="435D74"/>
+                </a:solidFill>
+              </a:endParaRPr>
+            </a:p>
+          </p:txBody>
+        </p:sp>
+      </p:grpSp>
+      <p:grpSp>
+        <p:nvGrpSpPr>
+          <p:cNvPr id="20" name="Google Shape;618;p42">
+            <a:extLst>
+              <a:ext uri="{FF2B5EF4-FFF2-40B4-BE49-F238E27FC236}">
+                <a16:creationId xmlns:a16="http://schemas.microsoft.com/office/drawing/2014/main" id="{BCC48E53-0549-F551-5BC3-A7F3DF0487FE}"/>
+              </a:ext>
+            </a:extLst>
+          </p:cNvPr>
+          <p:cNvGrpSpPr/>
+          <p:nvPr/>
+        </p:nvGrpSpPr>
+        <p:grpSpPr>
+          <a:xfrm>
+            <a:off x="468096" y="3549900"/>
+            <a:ext cx="911100" cy="689641"/>
+            <a:chOff x="1217362" y="1846472"/>
+            <a:chExt cx="911100" cy="689641"/>
+          </a:xfrm>
+        </p:grpSpPr>
+        <p:sp>
+          <p:nvSpPr>
+            <p:cNvPr id="21" name="Google Shape;619;p42">
+              <a:extLst>
+                <a:ext uri="{FF2B5EF4-FFF2-40B4-BE49-F238E27FC236}">
+                  <a16:creationId xmlns:a16="http://schemas.microsoft.com/office/drawing/2014/main" id="{B80ED362-779E-1371-F266-BA28F4D312B5}"/>
+                </a:ext>
+              </a:extLst>
+            </p:cNvPr>
+            <p:cNvSpPr/>
+            <p:nvPr/>
+          </p:nvSpPr>
+          <p:spPr>
+            <a:xfrm>
+              <a:off x="1217362" y="1846472"/>
+              <a:ext cx="431700" cy="505200"/>
+            </a:xfrm>
+            <a:prstGeom prst="roundRect">
+              <a:avLst>
+                <a:gd name="adj" fmla="val 6278"/>
+              </a:avLst>
+            </a:prstGeom>
+            <a:solidFill>
+              <a:schemeClr val="lt2"/>
+            </a:solidFill>
+            <a:ln w="28575" cap="flat" cmpd="sng">
+              <a:solidFill>
+                <a:schemeClr val="dk1"/>
+              </a:solidFill>
+              <a:prstDash val="solid"/>
+              <a:round/>
+              <a:headEnd type="none" w="sm" len="sm"/>
+              <a:tailEnd type="none" w="sm" len="sm"/>
+            </a:ln>
+            <a:effectLst>
+              <a:outerShdw blurRad="57150" dist="19050" dir="5400000" algn="bl" rotWithShape="0">
+                <a:schemeClr val="dk1">
+                  <a:alpha val="50000"/>
+                </a:schemeClr>
+              </a:outerShdw>
+            </a:effectLst>
+          </p:spPr>
+          <p:txBody>
+            <a:bodyPr spcFirstLastPara="1" wrap="square" lIns="91425" tIns="91425" rIns="91425" bIns="91425" anchor="ctr" anchorCtr="0">
+              <a:noAutofit/>
+            </a:bodyPr>
+            <a:lstStyle/>
+            <a:p>
+              <a:pPr marL="0" lvl="0" indent="0" algn="l" rtl="0">
+                <a:spcBef>
+                  <a:spcPts val="0"/>
+                </a:spcBef>
+                <a:spcAft>
+                  <a:spcPts val="0"/>
+                </a:spcAft>
+                <a:buNone/>
+              </a:pPr>
+              <a:endParaRPr/>
+            </a:p>
+          </p:txBody>
+        </p:sp>
+        <p:sp>
+          <p:nvSpPr>
+            <p:cNvPr id="22" name="Google Shape;620;p42">
+              <a:extLst>
+                <a:ext uri="{FF2B5EF4-FFF2-40B4-BE49-F238E27FC236}">
+                  <a16:creationId xmlns:a16="http://schemas.microsoft.com/office/drawing/2014/main" id="{CA7ECE5F-447E-3952-798C-82C620DFB7C1}"/>
+                </a:ext>
+              </a:extLst>
+            </p:cNvPr>
+            <p:cNvSpPr/>
+            <p:nvPr/>
+          </p:nvSpPr>
+          <p:spPr>
+            <a:xfrm>
+              <a:off x="1217362" y="1947213"/>
+              <a:ext cx="911100" cy="588900"/>
+            </a:xfrm>
+            <a:prstGeom prst="roundRect">
+              <a:avLst>
+                <a:gd name="adj" fmla="val 5762"/>
+              </a:avLst>
+            </a:prstGeom>
+            <a:solidFill>
+              <a:schemeClr val="lt2"/>
+            </a:solidFill>
+            <a:ln w="28575" cap="flat" cmpd="sng">
+              <a:solidFill>
+                <a:schemeClr val="dk1"/>
+              </a:solidFill>
+              <a:prstDash val="solid"/>
+              <a:round/>
+              <a:headEnd type="none" w="sm" len="sm"/>
+              <a:tailEnd type="none" w="sm" len="sm"/>
+            </a:ln>
+            <a:effectLst>
+              <a:outerShdw dist="57150" dir="2940000" algn="bl" rotWithShape="0">
+                <a:schemeClr val="dk1"/>
+              </a:outerShdw>
+            </a:effectLst>
+          </p:spPr>
+          <p:txBody>
+            <a:bodyPr spcFirstLastPara="1" wrap="square" lIns="91425" tIns="91425" rIns="91425" bIns="91425" anchor="ctr" anchorCtr="0">
+              <a:noAutofit/>
+            </a:bodyPr>
+            <a:lstStyle/>
+            <a:p>
+              <a:pPr marL="0" lvl="0" indent="0" algn="l" rtl="0">
+                <a:spcBef>
+                  <a:spcPts val="0"/>
+                </a:spcBef>
+                <a:spcAft>
+                  <a:spcPts val="0"/>
+                </a:spcAft>
+                <a:buNone/>
+              </a:pPr>
+              <a:endParaRPr/>
+            </a:p>
+          </p:txBody>
+        </p:sp>
+      </p:grpSp>
+      <p:sp>
+        <p:nvSpPr>
+          <p:cNvPr id="23" name="Google Shape;621;p42">
+            <a:extLst>
+              <a:ext uri="{FF2B5EF4-FFF2-40B4-BE49-F238E27FC236}">
+                <a16:creationId xmlns:a16="http://schemas.microsoft.com/office/drawing/2014/main" id="{13FDDF6D-8B94-14EF-9E53-9D35F8324F6D}"/>
+              </a:ext>
+            </a:extLst>
+          </p:cNvPr>
+          <p:cNvSpPr txBox="1"/>
+          <p:nvPr/>
+        </p:nvSpPr>
+        <p:spPr>
+          <a:xfrm>
+            <a:off x="1464004" y="3526471"/>
+            <a:ext cx="2317475" cy="484800"/>
+          </a:xfrm>
+          <a:prstGeom prst="rect">
+            <a:avLst/>
+          </a:prstGeom>
+          <a:noFill/>
+          <a:ln>
+            <a:noFill/>
+          </a:ln>
+        </p:spPr>
+        <p:txBody>
+          <a:bodyPr spcFirstLastPara="1" wrap="square" lIns="91425" tIns="91425" rIns="91425" bIns="91425" anchor="ctr" anchorCtr="0">
+            <a:noAutofit/>
+          </a:bodyPr>
+          <a:lstStyle/>
+          <a:p>
+            <a:pPr marL="285750" lvl="2" indent="-285750">
+              <a:buFont typeface="Arial" panose="020B0604020202020204" pitchFamily="34" charset="0"/>
+              <a:buChar char="•"/>
+            </a:pPr>
+            <a:r>
+              <a:rPr lang="en-US" b="1" dirty="0" err="1">
+                <a:solidFill>
+                  <a:schemeClr val="dk2"/>
+                </a:solidFill>
+                <a:latin typeface="Lato"/>
+                <a:ea typeface="Lato"/>
+                <a:cs typeface="Lato"/>
+                <a:sym typeface="Lato"/>
+              </a:rPr>
+              <a:t>Accéder</a:t>
+            </a:r>
+            <a:r>
+              <a:rPr lang="en-US" b="1" dirty="0">
+                <a:solidFill>
+                  <a:schemeClr val="dk2"/>
+                </a:solidFill>
+                <a:latin typeface="Lato"/>
+                <a:ea typeface="Lato"/>
+                <a:cs typeface="Lato"/>
+                <a:sym typeface="Lato"/>
+              </a:rPr>
+              <a:t> à </a:t>
+            </a:r>
+            <a:r>
+              <a:rPr lang="en-US" b="1" dirty="0" err="1">
+                <a:solidFill>
+                  <a:schemeClr val="dk2"/>
+                </a:solidFill>
+                <a:latin typeface="Lato"/>
+                <a:ea typeface="Lato"/>
+                <a:cs typeface="Lato"/>
+                <a:sym typeface="Lato"/>
+              </a:rPr>
+              <a:t>une</a:t>
+            </a:r>
+            <a:r>
+              <a:rPr lang="en-US" b="1" dirty="0">
+                <a:solidFill>
+                  <a:schemeClr val="dk2"/>
+                </a:solidFill>
+                <a:latin typeface="Lato"/>
+                <a:ea typeface="Lato"/>
+                <a:cs typeface="Lato"/>
+                <a:sym typeface="Lato"/>
+              </a:rPr>
+              <a:t> </a:t>
+            </a:r>
+            <a:r>
+              <a:rPr lang="en-US" b="1" dirty="0" err="1">
+                <a:solidFill>
+                  <a:schemeClr val="dk2"/>
+                </a:solidFill>
+                <a:latin typeface="Lato"/>
+                <a:ea typeface="Lato"/>
+                <a:cs typeface="Lato"/>
+                <a:sym typeface="Lato"/>
+              </a:rPr>
+              <a:t>ligne</a:t>
+            </a:r>
+            <a:r>
+              <a:rPr lang="en-US" b="1" dirty="0">
+                <a:solidFill>
+                  <a:schemeClr val="dk2"/>
+                </a:solidFill>
+                <a:latin typeface="Lato"/>
+                <a:ea typeface="Lato"/>
+                <a:cs typeface="Lato"/>
+                <a:sym typeface="Lato"/>
+              </a:rPr>
+              <a:t>:</a:t>
+            </a:r>
+          </a:p>
+        </p:txBody>
+      </p:sp>
+      <p:grpSp>
+        <p:nvGrpSpPr>
+          <p:cNvPr id="24" name="Google Shape;642;p42">
+            <a:extLst>
+              <a:ext uri="{FF2B5EF4-FFF2-40B4-BE49-F238E27FC236}">
+                <a16:creationId xmlns:a16="http://schemas.microsoft.com/office/drawing/2014/main" id="{C3C17A64-E858-E69A-1610-8E66EA8E4C6E}"/>
+              </a:ext>
+            </a:extLst>
+          </p:cNvPr>
+          <p:cNvGrpSpPr/>
+          <p:nvPr/>
+        </p:nvGrpSpPr>
+        <p:grpSpPr>
+          <a:xfrm>
+            <a:off x="741511" y="3677963"/>
+            <a:ext cx="355049" cy="355049"/>
+            <a:chOff x="1487200" y="4993750"/>
+            <a:chExt cx="483125" cy="483125"/>
+          </a:xfrm>
+        </p:grpSpPr>
+        <p:sp>
+          <p:nvSpPr>
+            <p:cNvPr id="25" name="Google Shape;643;p42">
+              <a:extLst>
+                <a:ext uri="{FF2B5EF4-FFF2-40B4-BE49-F238E27FC236}">
+                  <a16:creationId xmlns:a16="http://schemas.microsoft.com/office/drawing/2014/main" id="{50BDADA8-BA51-C08D-82E9-C45F30BA710A}"/>
+                </a:ext>
+              </a:extLst>
+            </p:cNvPr>
+            <p:cNvSpPr/>
+            <p:nvPr/>
+          </p:nvSpPr>
+          <p:spPr>
+            <a:xfrm>
+              <a:off x="1487200" y="4993750"/>
+              <a:ext cx="483125" cy="483125"/>
+            </a:xfrm>
+            <a:custGeom>
+              <a:avLst/>
+              <a:gdLst/>
+              <a:ahLst/>
+              <a:cxnLst/>
+              <a:rect l="l" t="t" r="r" b="b"/>
+              <a:pathLst>
+                <a:path w="19325" h="19325" extrusionOk="0">
+                  <a:moveTo>
+                    <a:pt x="9662" y="1133"/>
+                  </a:moveTo>
+                  <a:cubicBezTo>
+                    <a:pt x="11824" y="1133"/>
+                    <a:pt x="13983" y="1975"/>
+                    <a:pt x="15668" y="3657"/>
+                  </a:cubicBezTo>
+                  <a:cubicBezTo>
+                    <a:pt x="19035" y="7027"/>
+                    <a:pt x="19035" y="12302"/>
+                    <a:pt x="15668" y="15668"/>
+                  </a:cubicBezTo>
+                  <a:cubicBezTo>
+                    <a:pt x="13983" y="17352"/>
+                    <a:pt x="11822" y="18193"/>
+                    <a:pt x="9661" y="18193"/>
+                  </a:cubicBezTo>
+                  <a:cubicBezTo>
+                    <a:pt x="7500" y="18193"/>
+                    <a:pt x="5340" y="17352"/>
+                    <a:pt x="3657" y="15668"/>
+                  </a:cubicBezTo>
+                  <a:cubicBezTo>
+                    <a:pt x="290" y="12302"/>
+                    <a:pt x="290" y="7024"/>
+                    <a:pt x="3657" y="3657"/>
+                  </a:cubicBezTo>
+                  <a:cubicBezTo>
+                    <a:pt x="5342" y="1975"/>
+                    <a:pt x="7500" y="1133"/>
+                    <a:pt x="9662" y="1133"/>
+                  </a:cubicBezTo>
+                  <a:close/>
+                  <a:moveTo>
+                    <a:pt x="9662" y="1"/>
+                  </a:moveTo>
+                  <a:cubicBezTo>
+                    <a:pt x="7117" y="1"/>
+                    <a:pt x="4698" y="1015"/>
+                    <a:pt x="2857" y="2857"/>
+                  </a:cubicBezTo>
+                  <a:cubicBezTo>
+                    <a:pt x="1015" y="4699"/>
+                    <a:pt x="0" y="7117"/>
+                    <a:pt x="0" y="9663"/>
+                  </a:cubicBezTo>
+                  <a:cubicBezTo>
+                    <a:pt x="0" y="12208"/>
+                    <a:pt x="1015" y="14627"/>
+                    <a:pt x="2857" y="16469"/>
+                  </a:cubicBezTo>
+                  <a:cubicBezTo>
+                    <a:pt x="4698" y="18310"/>
+                    <a:pt x="7117" y="19325"/>
+                    <a:pt x="9662" y="19325"/>
+                  </a:cubicBezTo>
+                  <a:cubicBezTo>
+                    <a:pt x="12208" y="19325"/>
+                    <a:pt x="14626" y="18310"/>
+                    <a:pt x="16468" y="16469"/>
+                  </a:cubicBezTo>
+                  <a:cubicBezTo>
+                    <a:pt x="18310" y="14627"/>
+                    <a:pt x="19325" y="12208"/>
+                    <a:pt x="19325" y="9663"/>
+                  </a:cubicBezTo>
+                  <a:cubicBezTo>
+                    <a:pt x="19325" y="7117"/>
+                    <a:pt x="18310" y="4699"/>
+                    <a:pt x="16468" y="2857"/>
+                  </a:cubicBezTo>
+                  <a:cubicBezTo>
+                    <a:pt x="14626" y="1015"/>
+                    <a:pt x="12208" y="1"/>
+                    <a:pt x="9662" y="1"/>
+                  </a:cubicBezTo>
+                  <a:close/>
+                </a:path>
+              </a:pathLst>
+            </a:custGeom>
+            <a:solidFill>
+              <a:schemeClr val="dk1"/>
+            </a:solidFill>
+            <a:ln>
+              <a:noFill/>
+            </a:ln>
+          </p:spPr>
+          <p:txBody>
+            <a:bodyPr spcFirstLastPara="1" wrap="square" lIns="91425" tIns="91425" rIns="91425" bIns="91425" anchor="ctr" anchorCtr="0">
+              <a:noAutofit/>
+            </a:bodyPr>
+            <a:lstStyle/>
+            <a:p>
+              <a:pPr marL="0" lvl="0" indent="0" algn="l" rtl="0">
+                <a:spcBef>
+                  <a:spcPts val="0"/>
+                </a:spcBef>
+                <a:spcAft>
+                  <a:spcPts val="0"/>
+                </a:spcAft>
+                <a:buNone/>
+              </a:pPr>
+              <a:endParaRPr>
+                <a:solidFill>
+                  <a:srgbClr val="435D74"/>
+                </a:solidFill>
+              </a:endParaRPr>
+            </a:p>
+          </p:txBody>
+        </p:sp>
+        <p:sp>
+          <p:nvSpPr>
+            <p:cNvPr id="26" name="Google Shape;644;p42">
+              <a:extLst>
+                <a:ext uri="{FF2B5EF4-FFF2-40B4-BE49-F238E27FC236}">
+                  <a16:creationId xmlns:a16="http://schemas.microsoft.com/office/drawing/2014/main" id="{0A361F89-752B-51D6-104D-2CEF28A5BA1D}"/>
+                </a:ext>
+              </a:extLst>
+            </p:cNvPr>
+            <p:cNvSpPr/>
+            <p:nvPr/>
+          </p:nvSpPr>
+          <p:spPr>
+            <a:xfrm>
+              <a:off x="1602600" y="5143950"/>
+              <a:ext cx="250350" cy="182725"/>
+            </a:xfrm>
+            <a:custGeom>
+              <a:avLst/>
+              <a:gdLst/>
+              <a:ahLst/>
+              <a:cxnLst/>
+              <a:rect l="l" t="t" r="r" b="b"/>
+              <a:pathLst>
+                <a:path w="10014" h="7309" extrusionOk="0">
+                  <a:moveTo>
+                    <a:pt x="8149" y="1134"/>
+                  </a:moveTo>
+                  <a:cubicBezTo>
+                    <a:pt x="8294" y="1134"/>
+                    <a:pt x="8439" y="1189"/>
+                    <a:pt x="8549" y="1300"/>
+                  </a:cubicBezTo>
+                  <a:cubicBezTo>
+                    <a:pt x="8769" y="1520"/>
+                    <a:pt x="8769" y="1879"/>
+                    <a:pt x="8549" y="2100"/>
+                  </a:cubicBezTo>
+                  <a:lnTo>
+                    <a:pt x="4639" y="6007"/>
+                  </a:lnTo>
+                  <a:cubicBezTo>
+                    <a:pt x="4527" y="6120"/>
+                    <a:pt x="4377" y="6177"/>
+                    <a:pt x="4227" y="6177"/>
+                  </a:cubicBezTo>
+                  <a:cubicBezTo>
+                    <a:pt x="4081" y="6177"/>
+                    <a:pt x="3937" y="6123"/>
+                    <a:pt x="3830" y="6016"/>
+                  </a:cubicBezTo>
+                  <a:lnTo>
+                    <a:pt x="1547" y="3748"/>
+                  </a:lnTo>
+                  <a:cubicBezTo>
+                    <a:pt x="1296" y="3534"/>
+                    <a:pt x="1281" y="3151"/>
+                    <a:pt x="1514" y="2918"/>
+                  </a:cubicBezTo>
+                  <a:cubicBezTo>
+                    <a:pt x="1626" y="2806"/>
+                    <a:pt x="1771" y="2750"/>
+                    <a:pt x="1916" y="2750"/>
+                  </a:cubicBezTo>
+                  <a:cubicBezTo>
+                    <a:pt x="2074" y="2750"/>
+                    <a:pt x="2232" y="2817"/>
+                    <a:pt x="2344" y="2948"/>
+                  </a:cubicBezTo>
+                  <a:lnTo>
+                    <a:pt x="3784" y="4388"/>
+                  </a:lnTo>
+                  <a:cubicBezTo>
+                    <a:pt x="3793" y="4401"/>
+                    <a:pt x="3805" y="4410"/>
+                    <a:pt x="3817" y="4419"/>
+                  </a:cubicBezTo>
+                  <a:cubicBezTo>
+                    <a:pt x="3817" y="4422"/>
+                    <a:pt x="3820" y="4422"/>
+                    <a:pt x="3823" y="4425"/>
+                  </a:cubicBezTo>
+                  <a:cubicBezTo>
+                    <a:pt x="3934" y="4535"/>
+                    <a:pt x="4078" y="4590"/>
+                    <a:pt x="4222" y="4590"/>
+                  </a:cubicBezTo>
+                  <a:cubicBezTo>
+                    <a:pt x="4367" y="4590"/>
+                    <a:pt x="4512" y="4535"/>
+                    <a:pt x="4624" y="4425"/>
+                  </a:cubicBezTo>
+                  <a:lnTo>
+                    <a:pt x="7749" y="1300"/>
+                  </a:lnTo>
+                  <a:cubicBezTo>
+                    <a:pt x="7859" y="1189"/>
+                    <a:pt x="8004" y="1134"/>
+                    <a:pt x="8149" y="1134"/>
+                  </a:cubicBezTo>
+                  <a:close/>
+                  <a:moveTo>
+                    <a:pt x="8146" y="1"/>
+                  </a:moveTo>
+                  <a:cubicBezTo>
+                    <a:pt x="7712" y="1"/>
+                    <a:pt x="7279" y="166"/>
+                    <a:pt x="6949" y="496"/>
+                  </a:cubicBezTo>
+                  <a:lnTo>
+                    <a:pt x="6946" y="496"/>
+                  </a:lnTo>
+                  <a:lnTo>
+                    <a:pt x="4219" y="3223"/>
+                  </a:lnTo>
+                  <a:lnTo>
+                    <a:pt x="3144" y="2148"/>
+                  </a:lnTo>
+                  <a:cubicBezTo>
+                    <a:pt x="2808" y="1779"/>
+                    <a:pt x="2348" y="1594"/>
+                    <a:pt x="1887" y="1594"/>
+                  </a:cubicBezTo>
+                  <a:cubicBezTo>
+                    <a:pt x="1453" y="1594"/>
+                    <a:pt x="1019" y="1758"/>
+                    <a:pt x="686" y="2091"/>
+                  </a:cubicBezTo>
+                  <a:cubicBezTo>
+                    <a:pt x="1" y="2776"/>
+                    <a:pt x="28" y="3896"/>
+                    <a:pt x="747" y="4549"/>
+                  </a:cubicBezTo>
+                  <a:lnTo>
+                    <a:pt x="3029" y="6819"/>
+                  </a:lnTo>
+                  <a:cubicBezTo>
+                    <a:pt x="3344" y="7131"/>
+                    <a:pt x="3768" y="7308"/>
+                    <a:pt x="4214" y="7308"/>
+                  </a:cubicBezTo>
+                  <a:cubicBezTo>
+                    <a:pt x="4218" y="7308"/>
+                    <a:pt x="4221" y="7308"/>
+                    <a:pt x="4225" y="7308"/>
+                  </a:cubicBezTo>
+                  <a:cubicBezTo>
+                    <a:pt x="4678" y="7308"/>
+                    <a:pt x="5116" y="7127"/>
+                    <a:pt x="5439" y="6807"/>
+                  </a:cubicBezTo>
+                  <a:lnTo>
+                    <a:pt x="9349" y="2900"/>
+                  </a:lnTo>
+                  <a:cubicBezTo>
+                    <a:pt x="10013" y="2236"/>
+                    <a:pt x="10013" y="1161"/>
+                    <a:pt x="9349" y="499"/>
+                  </a:cubicBezTo>
+                  <a:cubicBezTo>
+                    <a:pt x="9017" y="167"/>
+                    <a:pt x="8581" y="1"/>
+                    <a:pt x="8146" y="1"/>
+                  </a:cubicBezTo>
+                  <a:close/>
+                </a:path>
+              </a:pathLst>
+            </a:custGeom>
+            <a:solidFill>
+              <a:schemeClr val="dk1"/>
+            </a:solidFill>
+            <a:ln>
+              <a:noFill/>
+            </a:ln>
+          </p:spPr>
+          <p:txBody>
+            <a:bodyPr spcFirstLastPara="1" wrap="square" lIns="91425" tIns="91425" rIns="91425" bIns="91425" anchor="ctr" anchorCtr="0">
+              <a:noAutofit/>
+            </a:bodyPr>
+            <a:lstStyle/>
+            <a:p>
+              <a:pPr marL="0" lvl="0" indent="0" algn="l" rtl="0">
+                <a:spcBef>
+                  <a:spcPts val="0"/>
+                </a:spcBef>
+                <a:spcAft>
+                  <a:spcPts val="0"/>
+                </a:spcAft>
+                <a:buNone/>
+              </a:pPr>
+              <a:endParaRPr>
+                <a:solidFill>
+                  <a:srgbClr val="435D74"/>
+                </a:solidFill>
+              </a:endParaRPr>
+            </a:p>
+          </p:txBody>
+        </p:sp>
+      </p:grpSp>
+      <p:grpSp>
+        <p:nvGrpSpPr>
+          <p:cNvPr id="675" name="Google Shape;618;p42">
+            <a:extLst>
+              <a:ext uri="{FF2B5EF4-FFF2-40B4-BE49-F238E27FC236}">
+                <a16:creationId xmlns:a16="http://schemas.microsoft.com/office/drawing/2014/main" id="{5237D959-A259-D5BE-DC34-5959FFDAFD62}"/>
+              </a:ext>
+            </a:extLst>
+          </p:cNvPr>
+          <p:cNvGrpSpPr/>
+          <p:nvPr/>
+        </p:nvGrpSpPr>
+        <p:grpSpPr>
+          <a:xfrm>
+            <a:off x="4667697" y="1415643"/>
+            <a:ext cx="911100" cy="689641"/>
+            <a:chOff x="1217362" y="1846472"/>
+            <a:chExt cx="911100" cy="689641"/>
+          </a:xfrm>
+        </p:grpSpPr>
+        <p:sp>
+          <p:nvSpPr>
+            <p:cNvPr id="676" name="Google Shape;619;p42">
+              <a:extLst>
+                <a:ext uri="{FF2B5EF4-FFF2-40B4-BE49-F238E27FC236}">
+                  <a16:creationId xmlns:a16="http://schemas.microsoft.com/office/drawing/2014/main" id="{08B2D9B0-FE0D-EB72-56F5-AD94A8519B38}"/>
+                </a:ext>
+              </a:extLst>
+            </p:cNvPr>
+            <p:cNvSpPr/>
+            <p:nvPr/>
+          </p:nvSpPr>
+          <p:spPr>
+            <a:xfrm>
+              <a:off x="1217362" y="1846472"/>
+              <a:ext cx="431700" cy="505200"/>
+            </a:xfrm>
+            <a:prstGeom prst="roundRect">
+              <a:avLst>
+                <a:gd name="adj" fmla="val 6278"/>
+              </a:avLst>
+            </a:prstGeom>
+            <a:solidFill>
+              <a:schemeClr val="lt2"/>
+            </a:solidFill>
+            <a:ln w="28575" cap="flat" cmpd="sng">
+              <a:solidFill>
+                <a:schemeClr val="dk1"/>
+              </a:solidFill>
+              <a:prstDash val="solid"/>
+              <a:round/>
+              <a:headEnd type="none" w="sm" len="sm"/>
+              <a:tailEnd type="none" w="sm" len="sm"/>
+            </a:ln>
+            <a:effectLst>
+              <a:outerShdw blurRad="57150" dist="19050" dir="5400000" algn="bl" rotWithShape="0">
+                <a:schemeClr val="dk1">
+                  <a:alpha val="50000"/>
+                </a:schemeClr>
+              </a:outerShdw>
+            </a:effectLst>
+          </p:spPr>
+          <p:txBody>
+            <a:bodyPr spcFirstLastPara="1" wrap="square" lIns="91425" tIns="91425" rIns="91425" bIns="91425" anchor="ctr" anchorCtr="0">
+              <a:noAutofit/>
+            </a:bodyPr>
+            <a:lstStyle/>
+            <a:p>
+              <a:pPr marL="0" lvl="0" indent="0" algn="l" rtl="0">
+                <a:spcBef>
+                  <a:spcPts val="0"/>
+                </a:spcBef>
+                <a:spcAft>
+                  <a:spcPts val="0"/>
+                </a:spcAft>
+                <a:buNone/>
+              </a:pPr>
+              <a:endParaRPr/>
+            </a:p>
+          </p:txBody>
+        </p:sp>
+        <p:sp>
+          <p:nvSpPr>
+            <p:cNvPr id="677" name="Google Shape;620;p42">
+              <a:extLst>
+                <a:ext uri="{FF2B5EF4-FFF2-40B4-BE49-F238E27FC236}">
+                  <a16:creationId xmlns:a16="http://schemas.microsoft.com/office/drawing/2014/main" id="{13F3F8BD-2F76-93B6-C3B1-3536F41AFE9A}"/>
+                </a:ext>
+              </a:extLst>
+            </p:cNvPr>
+            <p:cNvSpPr/>
+            <p:nvPr/>
+          </p:nvSpPr>
+          <p:spPr>
+            <a:xfrm>
+              <a:off x="1217362" y="1947213"/>
+              <a:ext cx="911100" cy="588900"/>
+            </a:xfrm>
+            <a:prstGeom prst="roundRect">
+              <a:avLst>
+                <a:gd name="adj" fmla="val 5762"/>
+              </a:avLst>
+            </a:prstGeom>
+            <a:solidFill>
+              <a:schemeClr val="lt2"/>
+            </a:solidFill>
+            <a:ln w="28575" cap="flat" cmpd="sng">
+              <a:solidFill>
+                <a:schemeClr val="dk1"/>
+              </a:solidFill>
+              <a:prstDash val="solid"/>
+              <a:round/>
+              <a:headEnd type="none" w="sm" len="sm"/>
+              <a:tailEnd type="none" w="sm" len="sm"/>
+            </a:ln>
+            <a:effectLst>
+              <a:outerShdw dist="57150" dir="2940000" algn="bl" rotWithShape="0">
+                <a:schemeClr val="dk1"/>
+              </a:outerShdw>
+            </a:effectLst>
+          </p:spPr>
+          <p:txBody>
+            <a:bodyPr spcFirstLastPara="1" wrap="square" lIns="91425" tIns="91425" rIns="91425" bIns="91425" anchor="ctr" anchorCtr="0">
+              <a:noAutofit/>
+            </a:bodyPr>
+            <a:lstStyle/>
+            <a:p>
+              <a:pPr marL="0" lvl="0" indent="0" algn="l" rtl="0">
+                <a:spcBef>
+                  <a:spcPts val="0"/>
+                </a:spcBef>
+                <a:spcAft>
+                  <a:spcPts val="0"/>
+                </a:spcAft>
+                <a:buNone/>
+              </a:pPr>
+              <a:endParaRPr/>
+            </a:p>
+          </p:txBody>
+        </p:sp>
+      </p:grpSp>
+      <p:sp>
+        <p:nvSpPr>
+          <p:cNvPr id="678" name="Google Shape;621;p42">
+            <a:extLst>
+              <a:ext uri="{FF2B5EF4-FFF2-40B4-BE49-F238E27FC236}">
+                <a16:creationId xmlns:a16="http://schemas.microsoft.com/office/drawing/2014/main" id="{BA0640C6-E27F-78ED-C528-BD423CA495E7}"/>
+              </a:ext>
+            </a:extLst>
+          </p:cNvPr>
+          <p:cNvSpPr txBox="1"/>
+          <p:nvPr/>
+        </p:nvSpPr>
+        <p:spPr>
+          <a:xfrm>
+            <a:off x="5663605" y="1392214"/>
+            <a:ext cx="2856117" cy="484800"/>
+          </a:xfrm>
+          <a:prstGeom prst="rect">
+            <a:avLst/>
+          </a:prstGeom>
+          <a:noFill/>
+          <a:ln>
+            <a:noFill/>
+          </a:ln>
+        </p:spPr>
+        <p:txBody>
+          <a:bodyPr spcFirstLastPara="1" wrap="square" lIns="91425" tIns="91425" rIns="91425" bIns="91425" anchor="ctr" anchorCtr="0">
+            <a:noAutofit/>
+          </a:bodyPr>
+          <a:lstStyle/>
+          <a:p>
+            <a:pPr marL="285750" lvl="2" indent="-285750">
+              <a:buFont typeface="Arial" panose="020B0604020202020204" pitchFamily="34" charset="0"/>
+              <a:buChar char="•"/>
+            </a:pPr>
+            <a:r>
+              <a:rPr lang="en-US" b="1" dirty="0" err="1">
+                <a:solidFill>
+                  <a:schemeClr val="dk2"/>
+                </a:solidFill>
+                <a:latin typeface="Lato"/>
+                <a:ea typeface="Lato"/>
+                <a:cs typeface="Lato"/>
+                <a:sym typeface="Lato"/>
+              </a:rPr>
+              <a:t>Accéder</a:t>
+            </a:r>
+            <a:r>
+              <a:rPr lang="en-US" b="1" dirty="0">
+                <a:solidFill>
+                  <a:schemeClr val="dk2"/>
+                </a:solidFill>
+                <a:latin typeface="Lato"/>
+                <a:ea typeface="Lato"/>
+                <a:cs typeface="Lato"/>
+                <a:sym typeface="Lato"/>
+              </a:rPr>
+              <a:t> à </a:t>
+            </a:r>
+            <a:r>
+              <a:rPr lang="en-US" b="1" dirty="0" err="1">
+                <a:solidFill>
+                  <a:schemeClr val="dk2"/>
+                </a:solidFill>
+                <a:latin typeface="Lato"/>
+                <a:ea typeface="Lato"/>
+                <a:cs typeface="Lato"/>
+                <a:sym typeface="Lato"/>
+              </a:rPr>
+              <a:t>plusieurs</a:t>
+            </a:r>
+            <a:r>
+              <a:rPr lang="en-US" b="1" dirty="0">
+                <a:solidFill>
+                  <a:schemeClr val="dk2"/>
+                </a:solidFill>
+                <a:latin typeface="Lato"/>
+                <a:ea typeface="Lato"/>
+                <a:cs typeface="Lato"/>
+                <a:sym typeface="Lato"/>
+              </a:rPr>
+              <a:t> </a:t>
+            </a:r>
+            <a:r>
+              <a:rPr lang="en-US" b="1" dirty="0" err="1">
+                <a:solidFill>
+                  <a:schemeClr val="dk2"/>
+                </a:solidFill>
+                <a:latin typeface="Lato"/>
+                <a:ea typeface="Lato"/>
+                <a:cs typeface="Lato"/>
+                <a:sym typeface="Lato"/>
+              </a:rPr>
+              <a:t>lignes</a:t>
+            </a:r>
+            <a:r>
+              <a:rPr lang="en-US" b="1" dirty="0">
+                <a:solidFill>
+                  <a:schemeClr val="dk2"/>
+                </a:solidFill>
+                <a:latin typeface="Lato"/>
+                <a:ea typeface="Lato"/>
+                <a:cs typeface="Lato"/>
+                <a:sym typeface="Lato"/>
+              </a:rPr>
+              <a:t>:</a:t>
+            </a:r>
+          </a:p>
+        </p:txBody>
+      </p:sp>
+      <p:grpSp>
+        <p:nvGrpSpPr>
+          <p:cNvPr id="679" name="Google Shape;642;p42">
+            <a:extLst>
+              <a:ext uri="{FF2B5EF4-FFF2-40B4-BE49-F238E27FC236}">
+                <a16:creationId xmlns:a16="http://schemas.microsoft.com/office/drawing/2014/main" id="{AC3618C3-9F7B-1BC1-E85B-73E9577B28B3}"/>
+              </a:ext>
+            </a:extLst>
+          </p:cNvPr>
+          <p:cNvGrpSpPr/>
+          <p:nvPr/>
+        </p:nvGrpSpPr>
+        <p:grpSpPr>
+          <a:xfrm>
+            <a:off x="4944759" y="1576838"/>
+            <a:ext cx="355049" cy="355049"/>
+            <a:chOff x="1487200" y="4993750"/>
+            <a:chExt cx="483125" cy="483125"/>
+          </a:xfrm>
+        </p:grpSpPr>
+        <p:sp>
+          <p:nvSpPr>
+            <p:cNvPr id="680" name="Google Shape;643;p42">
+              <a:extLst>
+                <a:ext uri="{FF2B5EF4-FFF2-40B4-BE49-F238E27FC236}">
+                  <a16:creationId xmlns:a16="http://schemas.microsoft.com/office/drawing/2014/main" id="{92B76F6C-D993-C071-6C76-FE0BAF9ED480}"/>
+                </a:ext>
+              </a:extLst>
+            </p:cNvPr>
+            <p:cNvSpPr/>
+            <p:nvPr/>
+          </p:nvSpPr>
+          <p:spPr>
+            <a:xfrm>
+              <a:off x="1487200" y="4993750"/>
+              <a:ext cx="483125" cy="483125"/>
+            </a:xfrm>
+            <a:custGeom>
+              <a:avLst/>
+              <a:gdLst/>
+              <a:ahLst/>
+              <a:cxnLst/>
+              <a:rect l="l" t="t" r="r" b="b"/>
+              <a:pathLst>
+                <a:path w="19325" h="19325" extrusionOk="0">
+                  <a:moveTo>
+                    <a:pt x="9662" y="1133"/>
+                  </a:moveTo>
+                  <a:cubicBezTo>
+                    <a:pt x="11824" y="1133"/>
+                    <a:pt x="13983" y="1975"/>
+                    <a:pt x="15668" y="3657"/>
+                  </a:cubicBezTo>
+                  <a:cubicBezTo>
+                    <a:pt x="19035" y="7027"/>
+                    <a:pt x="19035" y="12302"/>
+                    <a:pt x="15668" y="15668"/>
+                  </a:cubicBezTo>
+                  <a:cubicBezTo>
+                    <a:pt x="13983" y="17352"/>
+                    <a:pt x="11822" y="18193"/>
+                    <a:pt x="9661" y="18193"/>
+                  </a:cubicBezTo>
+                  <a:cubicBezTo>
+                    <a:pt x="7500" y="18193"/>
+                    <a:pt x="5340" y="17352"/>
+                    <a:pt x="3657" y="15668"/>
+                  </a:cubicBezTo>
+                  <a:cubicBezTo>
+                    <a:pt x="290" y="12302"/>
+                    <a:pt x="290" y="7024"/>
+                    <a:pt x="3657" y="3657"/>
+                  </a:cubicBezTo>
+                  <a:cubicBezTo>
+                    <a:pt x="5342" y="1975"/>
+                    <a:pt x="7500" y="1133"/>
+                    <a:pt x="9662" y="1133"/>
+                  </a:cubicBezTo>
+                  <a:close/>
+                  <a:moveTo>
+                    <a:pt x="9662" y="1"/>
+                  </a:moveTo>
+                  <a:cubicBezTo>
+                    <a:pt x="7117" y="1"/>
+                    <a:pt x="4698" y="1015"/>
+                    <a:pt x="2857" y="2857"/>
+                  </a:cubicBezTo>
+                  <a:cubicBezTo>
+                    <a:pt x="1015" y="4699"/>
+                    <a:pt x="0" y="7117"/>
+                    <a:pt x="0" y="9663"/>
+                  </a:cubicBezTo>
+                  <a:cubicBezTo>
+                    <a:pt x="0" y="12208"/>
+                    <a:pt x="1015" y="14627"/>
+                    <a:pt x="2857" y="16469"/>
+                  </a:cubicBezTo>
+                  <a:cubicBezTo>
+                    <a:pt x="4698" y="18310"/>
+                    <a:pt x="7117" y="19325"/>
+                    <a:pt x="9662" y="19325"/>
+                  </a:cubicBezTo>
+                  <a:cubicBezTo>
+                    <a:pt x="12208" y="19325"/>
+                    <a:pt x="14626" y="18310"/>
+                    <a:pt x="16468" y="16469"/>
+                  </a:cubicBezTo>
+                  <a:cubicBezTo>
+                    <a:pt x="18310" y="14627"/>
+                    <a:pt x="19325" y="12208"/>
+                    <a:pt x="19325" y="9663"/>
+                  </a:cubicBezTo>
+                  <a:cubicBezTo>
+                    <a:pt x="19325" y="7117"/>
+                    <a:pt x="18310" y="4699"/>
+                    <a:pt x="16468" y="2857"/>
+                  </a:cubicBezTo>
+                  <a:cubicBezTo>
+                    <a:pt x="14626" y="1015"/>
+                    <a:pt x="12208" y="1"/>
+                    <a:pt x="9662" y="1"/>
+                  </a:cubicBezTo>
+                  <a:close/>
+                </a:path>
+              </a:pathLst>
+            </a:custGeom>
+            <a:solidFill>
+              <a:schemeClr val="dk1"/>
+            </a:solidFill>
+            <a:ln>
+              <a:noFill/>
+            </a:ln>
+          </p:spPr>
+          <p:txBody>
+            <a:bodyPr spcFirstLastPara="1" wrap="square" lIns="91425" tIns="91425" rIns="91425" bIns="91425" anchor="ctr" anchorCtr="0">
+              <a:noAutofit/>
+            </a:bodyPr>
+            <a:lstStyle/>
+            <a:p>
+              <a:pPr marL="0" lvl="0" indent="0" algn="l" rtl="0">
+                <a:spcBef>
+                  <a:spcPts val="0"/>
+                </a:spcBef>
+                <a:spcAft>
+                  <a:spcPts val="0"/>
+                </a:spcAft>
+                <a:buNone/>
+              </a:pPr>
+              <a:endParaRPr>
+                <a:solidFill>
+                  <a:srgbClr val="435D74"/>
+                </a:solidFill>
+              </a:endParaRPr>
+            </a:p>
+          </p:txBody>
+        </p:sp>
+        <p:sp>
+          <p:nvSpPr>
+            <p:cNvPr id="681" name="Google Shape;644;p42">
+              <a:extLst>
+                <a:ext uri="{FF2B5EF4-FFF2-40B4-BE49-F238E27FC236}">
+                  <a16:creationId xmlns:a16="http://schemas.microsoft.com/office/drawing/2014/main" id="{3F5329E1-2E6F-C373-A0BB-28DCE693C19F}"/>
+                </a:ext>
+              </a:extLst>
+            </p:cNvPr>
+            <p:cNvSpPr/>
+            <p:nvPr/>
+          </p:nvSpPr>
+          <p:spPr>
+            <a:xfrm>
+              <a:off x="1602600" y="5143950"/>
+              <a:ext cx="250350" cy="182725"/>
+            </a:xfrm>
+            <a:custGeom>
+              <a:avLst/>
+              <a:gdLst/>
+              <a:ahLst/>
+              <a:cxnLst/>
+              <a:rect l="l" t="t" r="r" b="b"/>
+              <a:pathLst>
+                <a:path w="10014" h="7309" extrusionOk="0">
+                  <a:moveTo>
+                    <a:pt x="8149" y="1134"/>
+                  </a:moveTo>
+                  <a:cubicBezTo>
+                    <a:pt x="8294" y="1134"/>
+                    <a:pt x="8439" y="1189"/>
+                    <a:pt x="8549" y="1300"/>
+                  </a:cubicBezTo>
+                  <a:cubicBezTo>
+                    <a:pt x="8769" y="1520"/>
+                    <a:pt x="8769" y="1879"/>
+                    <a:pt x="8549" y="2100"/>
+                  </a:cubicBezTo>
+                  <a:lnTo>
+                    <a:pt x="4639" y="6007"/>
+                  </a:lnTo>
+                  <a:cubicBezTo>
+                    <a:pt x="4527" y="6120"/>
+                    <a:pt x="4377" y="6177"/>
+                    <a:pt x="4227" y="6177"/>
+                  </a:cubicBezTo>
+                  <a:cubicBezTo>
+                    <a:pt x="4081" y="6177"/>
+                    <a:pt x="3937" y="6123"/>
+                    <a:pt x="3830" y="6016"/>
+                  </a:cubicBezTo>
+                  <a:lnTo>
+                    <a:pt x="1547" y="3748"/>
+                  </a:lnTo>
+                  <a:cubicBezTo>
+                    <a:pt x="1296" y="3534"/>
+                    <a:pt x="1281" y="3151"/>
+                    <a:pt x="1514" y="2918"/>
+                  </a:cubicBezTo>
+                  <a:cubicBezTo>
+                    <a:pt x="1626" y="2806"/>
+                    <a:pt x="1771" y="2750"/>
+                    <a:pt x="1916" y="2750"/>
+                  </a:cubicBezTo>
+                  <a:cubicBezTo>
+                    <a:pt x="2074" y="2750"/>
+                    <a:pt x="2232" y="2817"/>
+                    <a:pt x="2344" y="2948"/>
+                  </a:cubicBezTo>
+                  <a:lnTo>
+                    <a:pt x="3784" y="4388"/>
+                  </a:lnTo>
+                  <a:cubicBezTo>
+                    <a:pt x="3793" y="4401"/>
+                    <a:pt x="3805" y="4410"/>
+                    <a:pt x="3817" y="4419"/>
+                  </a:cubicBezTo>
+                  <a:cubicBezTo>
+                    <a:pt x="3817" y="4422"/>
+                    <a:pt x="3820" y="4422"/>
+                    <a:pt x="3823" y="4425"/>
+                  </a:cubicBezTo>
+                  <a:cubicBezTo>
+                    <a:pt x="3934" y="4535"/>
+                    <a:pt x="4078" y="4590"/>
+                    <a:pt x="4222" y="4590"/>
+                  </a:cubicBezTo>
+                  <a:cubicBezTo>
+                    <a:pt x="4367" y="4590"/>
+                    <a:pt x="4512" y="4535"/>
+                    <a:pt x="4624" y="4425"/>
+                  </a:cubicBezTo>
+                  <a:lnTo>
+                    <a:pt x="7749" y="1300"/>
+                  </a:lnTo>
+                  <a:cubicBezTo>
+                    <a:pt x="7859" y="1189"/>
+                    <a:pt x="8004" y="1134"/>
+                    <a:pt x="8149" y="1134"/>
+                  </a:cubicBezTo>
+                  <a:close/>
+                  <a:moveTo>
+                    <a:pt x="8146" y="1"/>
+                  </a:moveTo>
+                  <a:cubicBezTo>
+                    <a:pt x="7712" y="1"/>
+                    <a:pt x="7279" y="166"/>
+                    <a:pt x="6949" y="496"/>
+                  </a:cubicBezTo>
+                  <a:lnTo>
+                    <a:pt x="6946" y="496"/>
+                  </a:lnTo>
+                  <a:lnTo>
+                    <a:pt x="4219" y="3223"/>
+                  </a:lnTo>
+                  <a:lnTo>
+                    <a:pt x="3144" y="2148"/>
+                  </a:lnTo>
+                  <a:cubicBezTo>
+                    <a:pt x="2808" y="1779"/>
+                    <a:pt x="2348" y="1594"/>
+                    <a:pt x="1887" y="1594"/>
+                  </a:cubicBezTo>
+                  <a:cubicBezTo>
+                    <a:pt x="1453" y="1594"/>
+                    <a:pt x="1019" y="1758"/>
+                    <a:pt x="686" y="2091"/>
+                  </a:cubicBezTo>
+                  <a:cubicBezTo>
+                    <a:pt x="1" y="2776"/>
+                    <a:pt x="28" y="3896"/>
+                    <a:pt x="747" y="4549"/>
+                  </a:cubicBezTo>
+                  <a:lnTo>
+                    <a:pt x="3029" y="6819"/>
+                  </a:lnTo>
+                  <a:cubicBezTo>
+                    <a:pt x="3344" y="7131"/>
+                    <a:pt x="3768" y="7308"/>
+                    <a:pt x="4214" y="7308"/>
+                  </a:cubicBezTo>
+                  <a:cubicBezTo>
+                    <a:pt x="4218" y="7308"/>
+                    <a:pt x="4221" y="7308"/>
+                    <a:pt x="4225" y="7308"/>
+                  </a:cubicBezTo>
+                  <a:cubicBezTo>
+                    <a:pt x="4678" y="7308"/>
+                    <a:pt x="5116" y="7127"/>
+                    <a:pt x="5439" y="6807"/>
+                  </a:cubicBezTo>
+                  <a:lnTo>
+                    <a:pt x="9349" y="2900"/>
+                  </a:lnTo>
+                  <a:cubicBezTo>
+                    <a:pt x="10013" y="2236"/>
+                    <a:pt x="10013" y="1161"/>
+                    <a:pt x="9349" y="499"/>
+                  </a:cubicBezTo>
+                  <a:cubicBezTo>
+                    <a:pt x="9017" y="167"/>
+                    <a:pt x="8581" y="1"/>
+                    <a:pt x="8146" y="1"/>
+                  </a:cubicBezTo>
+                  <a:close/>
+                </a:path>
+              </a:pathLst>
+            </a:custGeom>
+            <a:solidFill>
+              <a:schemeClr val="dk1"/>
+            </a:solidFill>
+            <a:ln>
+              <a:noFill/>
+            </a:ln>
+          </p:spPr>
+          <p:txBody>
+            <a:bodyPr spcFirstLastPara="1" wrap="square" lIns="91425" tIns="91425" rIns="91425" bIns="91425" anchor="ctr" anchorCtr="0">
+              <a:noAutofit/>
+            </a:bodyPr>
+            <a:lstStyle/>
+            <a:p>
+              <a:pPr marL="0" lvl="0" indent="0" algn="l" rtl="0">
+                <a:spcBef>
+                  <a:spcPts val="0"/>
+                </a:spcBef>
+                <a:spcAft>
+                  <a:spcPts val="0"/>
+                </a:spcAft>
+                <a:buNone/>
+              </a:pPr>
+              <a:endParaRPr>
+                <a:solidFill>
+                  <a:srgbClr val="435D74"/>
+                </a:solidFill>
+              </a:endParaRPr>
+            </a:p>
+          </p:txBody>
+        </p:sp>
+      </p:grpSp>
+      <p:grpSp>
+        <p:nvGrpSpPr>
+          <p:cNvPr id="683" name="Google Shape;618;p42">
+            <a:extLst>
+              <a:ext uri="{FF2B5EF4-FFF2-40B4-BE49-F238E27FC236}">
+                <a16:creationId xmlns:a16="http://schemas.microsoft.com/office/drawing/2014/main" id="{A631010B-B164-D65D-4908-EEA8AA0D3C1E}"/>
+              </a:ext>
+            </a:extLst>
+          </p:cNvPr>
+          <p:cNvGrpSpPr/>
+          <p:nvPr/>
+        </p:nvGrpSpPr>
+        <p:grpSpPr>
+          <a:xfrm>
+            <a:off x="4667697" y="2422504"/>
+            <a:ext cx="911100" cy="689641"/>
+            <a:chOff x="1217362" y="1846472"/>
+            <a:chExt cx="911100" cy="689641"/>
+          </a:xfrm>
+        </p:grpSpPr>
+        <p:sp>
+          <p:nvSpPr>
+            <p:cNvPr id="684" name="Google Shape;619;p42">
+              <a:extLst>
+                <a:ext uri="{FF2B5EF4-FFF2-40B4-BE49-F238E27FC236}">
+                  <a16:creationId xmlns:a16="http://schemas.microsoft.com/office/drawing/2014/main" id="{AEEEC72F-BD6B-1034-2C4C-6573E65750B2}"/>
+                </a:ext>
+              </a:extLst>
+            </p:cNvPr>
+            <p:cNvSpPr/>
+            <p:nvPr/>
+          </p:nvSpPr>
+          <p:spPr>
+            <a:xfrm>
+              <a:off x="1217362" y="1846472"/>
+              <a:ext cx="431700" cy="505200"/>
+            </a:xfrm>
+            <a:prstGeom prst="roundRect">
+              <a:avLst>
+                <a:gd name="adj" fmla="val 6278"/>
+              </a:avLst>
+            </a:prstGeom>
+            <a:solidFill>
+              <a:schemeClr val="lt2"/>
+            </a:solidFill>
+            <a:ln w="28575" cap="flat" cmpd="sng">
+              <a:solidFill>
+                <a:schemeClr val="dk1"/>
+              </a:solidFill>
+              <a:prstDash val="solid"/>
+              <a:round/>
+              <a:headEnd type="none" w="sm" len="sm"/>
+              <a:tailEnd type="none" w="sm" len="sm"/>
+            </a:ln>
+            <a:effectLst>
+              <a:outerShdw blurRad="57150" dist="19050" dir="5400000" algn="bl" rotWithShape="0">
+                <a:schemeClr val="dk1">
+                  <a:alpha val="50000"/>
+                </a:schemeClr>
+              </a:outerShdw>
+            </a:effectLst>
+          </p:spPr>
+          <p:txBody>
+            <a:bodyPr spcFirstLastPara="1" wrap="square" lIns="91425" tIns="91425" rIns="91425" bIns="91425" anchor="ctr" anchorCtr="0">
+              <a:noAutofit/>
+            </a:bodyPr>
+            <a:lstStyle/>
+            <a:p>
+              <a:pPr marL="0" lvl="0" indent="0" algn="l" rtl="0">
+                <a:spcBef>
+                  <a:spcPts val="0"/>
+                </a:spcBef>
+                <a:spcAft>
+                  <a:spcPts val="0"/>
+                </a:spcAft>
+                <a:buNone/>
+              </a:pPr>
+              <a:endParaRPr/>
+            </a:p>
+          </p:txBody>
+        </p:sp>
+        <p:sp>
+          <p:nvSpPr>
+            <p:cNvPr id="685" name="Google Shape;620;p42">
+              <a:extLst>
+                <a:ext uri="{FF2B5EF4-FFF2-40B4-BE49-F238E27FC236}">
+                  <a16:creationId xmlns:a16="http://schemas.microsoft.com/office/drawing/2014/main" id="{F071DC2A-0DC0-CC5E-2D32-2DE05945DA50}"/>
+                </a:ext>
+              </a:extLst>
+            </p:cNvPr>
+            <p:cNvSpPr/>
+            <p:nvPr/>
+          </p:nvSpPr>
+          <p:spPr>
+            <a:xfrm>
+              <a:off x="1217362" y="1947213"/>
+              <a:ext cx="911100" cy="588900"/>
+            </a:xfrm>
+            <a:prstGeom prst="roundRect">
+              <a:avLst>
+                <a:gd name="adj" fmla="val 5762"/>
+              </a:avLst>
+            </a:prstGeom>
+            <a:solidFill>
+              <a:schemeClr val="lt2"/>
+            </a:solidFill>
+            <a:ln w="28575" cap="flat" cmpd="sng">
+              <a:solidFill>
+                <a:schemeClr val="dk1"/>
+              </a:solidFill>
+              <a:prstDash val="solid"/>
+              <a:round/>
+              <a:headEnd type="none" w="sm" len="sm"/>
+              <a:tailEnd type="none" w="sm" len="sm"/>
+            </a:ln>
+            <a:effectLst>
+              <a:outerShdw dist="57150" dir="2940000" algn="bl" rotWithShape="0">
+                <a:schemeClr val="dk1"/>
+              </a:outerShdw>
+            </a:effectLst>
+          </p:spPr>
+          <p:txBody>
+            <a:bodyPr spcFirstLastPara="1" wrap="square" lIns="91425" tIns="91425" rIns="91425" bIns="91425" anchor="ctr" anchorCtr="0">
+              <a:noAutofit/>
+            </a:bodyPr>
+            <a:lstStyle/>
+            <a:p>
+              <a:pPr marL="0" lvl="0" indent="0" algn="l" rtl="0">
+                <a:spcBef>
+                  <a:spcPts val="0"/>
+                </a:spcBef>
+                <a:spcAft>
+                  <a:spcPts val="0"/>
+                </a:spcAft>
+                <a:buNone/>
+              </a:pPr>
+              <a:endParaRPr/>
+            </a:p>
+          </p:txBody>
+        </p:sp>
+      </p:grpSp>
+      <p:sp>
+        <p:nvSpPr>
+          <p:cNvPr id="686" name="Google Shape;621;p42">
+            <a:extLst>
+              <a:ext uri="{FF2B5EF4-FFF2-40B4-BE49-F238E27FC236}">
+                <a16:creationId xmlns:a16="http://schemas.microsoft.com/office/drawing/2014/main" id="{766E4872-4BB0-757C-AF90-B00C4CC8182C}"/>
+              </a:ext>
+            </a:extLst>
+          </p:cNvPr>
+          <p:cNvSpPr txBox="1"/>
+          <p:nvPr/>
+        </p:nvSpPr>
+        <p:spPr>
+          <a:xfrm>
+            <a:off x="5663605" y="2399075"/>
+            <a:ext cx="3203693" cy="484800"/>
+          </a:xfrm>
+          <a:prstGeom prst="rect">
+            <a:avLst/>
+          </a:prstGeom>
+          <a:noFill/>
+          <a:ln>
+            <a:noFill/>
+          </a:ln>
+        </p:spPr>
+        <p:txBody>
+          <a:bodyPr spcFirstLastPara="1" wrap="square" lIns="91425" tIns="91425" rIns="91425" bIns="91425" anchor="ctr" anchorCtr="0">
+            <a:noAutofit/>
+          </a:bodyPr>
+          <a:lstStyle/>
+          <a:p>
+            <a:pPr marL="285750" lvl="2" indent="-285750">
+              <a:buFont typeface="Arial" panose="020B0604020202020204" pitchFamily="34" charset="0"/>
+              <a:buChar char="•"/>
+            </a:pPr>
+            <a:r>
+              <a:rPr lang="fr-FR" b="1" dirty="0">
+                <a:solidFill>
+                  <a:schemeClr val="dk2"/>
+                </a:solidFill>
+                <a:latin typeface="Lato"/>
+                <a:ea typeface="Lato"/>
+                <a:cs typeface="Lato"/>
+                <a:sym typeface="Lato"/>
+              </a:rPr>
+              <a:t>Accéder à un élément spécifique:</a:t>
+            </a:r>
+            <a:endParaRPr lang="en-US" b="1" dirty="0">
+              <a:solidFill>
+                <a:schemeClr val="dk2"/>
+              </a:solidFill>
+              <a:latin typeface="Lato"/>
+              <a:ea typeface="Lato"/>
+              <a:cs typeface="Lato"/>
+              <a:sym typeface="Lato"/>
+            </a:endParaRPr>
+          </a:p>
+        </p:txBody>
+      </p:sp>
+      <p:grpSp>
+        <p:nvGrpSpPr>
+          <p:cNvPr id="687" name="Google Shape;642;p42">
+            <a:extLst>
+              <a:ext uri="{FF2B5EF4-FFF2-40B4-BE49-F238E27FC236}">
+                <a16:creationId xmlns:a16="http://schemas.microsoft.com/office/drawing/2014/main" id="{DDCD482B-A0F2-E1FC-CFD6-35C243147515}"/>
+              </a:ext>
+            </a:extLst>
+          </p:cNvPr>
+          <p:cNvGrpSpPr/>
+          <p:nvPr/>
+        </p:nvGrpSpPr>
+        <p:grpSpPr>
+          <a:xfrm>
+            <a:off x="4941112" y="2550567"/>
+            <a:ext cx="355049" cy="355049"/>
+            <a:chOff x="1487200" y="4993750"/>
+            <a:chExt cx="483125" cy="483125"/>
+          </a:xfrm>
+        </p:grpSpPr>
+        <p:sp>
+          <p:nvSpPr>
+            <p:cNvPr id="688" name="Google Shape;643;p42">
+              <a:extLst>
+                <a:ext uri="{FF2B5EF4-FFF2-40B4-BE49-F238E27FC236}">
+                  <a16:creationId xmlns:a16="http://schemas.microsoft.com/office/drawing/2014/main" id="{C7C973D8-EA22-299F-2F61-01075023896E}"/>
+                </a:ext>
+              </a:extLst>
+            </p:cNvPr>
+            <p:cNvSpPr/>
+            <p:nvPr/>
+          </p:nvSpPr>
+          <p:spPr>
+            <a:xfrm>
+              <a:off x="1487200" y="4993750"/>
+              <a:ext cx="483125" cy="483125"/>
+            </a:xfrm>
+            <a:custGeom>
+              <a:avLst/>
+              <a:gdLst/>
+              <a:ahLst/>
+              <a:cxnLst/>
+              <a:rect l="l" t="t" r="r" b="b"/>
+              <a:pathLst>
+                <a:path w="19325" h="19325" extrusionOk="0">
+                  <a:moveTo>
+                    <a:pt x="9662" y="1133"/>
+                  </a:moveTo>
+                  <a:cubicBezTo>
+                    <a:pt x="11824" y="1133"/>
+                    <a:pt x="13983" y="1975"/>
+                    <a:pt x="15668" y="3657"/>
+                  </a:cubicBezTo>
+                  <a:cubicBezTo>
+                    <a:pt x="19035" y="7027"/>
+                    <a:pt x="19035" y="12302"/>
+                    <a:pt x="15668" y="15668"/>
+                  </a:cubicBezTo>
+                  <a:cubicBezTo>
+                    <a:pt x="13983" y="17352"/>
+                    <a:pt x="11822" y="18193"/>
+                    <a:pt x="9661" y="18193"/>
+                  </a:cubicBezTo>
+                  <a:cubicBezTo>
+                    <a:pt x="7500" y="18193"/>
+                    <a:pt x="5340" y="17352"/>
+                    <a:pt x="3657" y="15668"/>
+                  </a:cubicBezTo>
+                  <a:cubicBezTo>
+                    <a:pt x="290" y="12302"/>
+                    <a:pt x="290" y="7024"/>
+                    <a:pt x="3657" y="3657"/>
+                  </a:cubicBezTo>
+                  <a:cubicBezTo>
+                    <a:pt x="5342" y="1975"/>
+                    <a:pt x="7500" y="1133"/>
+                    <a:pt x="9662" y="1133"/>
+                  </a:cubicBezTo>
+                  <a:close/>
+                  <a:moveTo>
+                    <a:pt x="9662" y="1"/>
+                  </a:moveTo>
+                  <a:cubicBezTo>
+                    <a:pt x="7117" y="1"/>
+                    <a:pt x="4698" y="1015"/>
+                    <a:pt x="2857" y="2857"/>
+                  </a:cubicBezTo>
+                  <a:cubicBezTo>
+                    <a:pt x="1015" y="4699"/>
+                    <a:pt x="0" y="7117"/>
+                    <a:pt x="0" y="9663"/>
+                  </a:cubicBezTo>
+                  <a:cubicBezTo>
+                    <a:pt x="0" y="12208"/>
+                    <a:pt x="1015" y="14627"/>
+                    <a:pt x="2857" y="16469"/>
+                  </a:cubicBezTo>
+                  <a:cubicBezTo>
+                    <a:pt x="4698" y="18310"/>
+                    <a:pt x="7117" y="19325"/>
+                    <a:pt x="9662" y="19325"/>
+                  </a:cubicBezTo>
+                  <a:cubicBezTo>
+                    <a:pt x="12208" y="19325"/>
+                    <a:pt x="14626" y="18310"/>
+                    <a:pt x="16468" y="16469"/>
+                  </a:cubicBezTo>
+                  <a:cubicBezTo>
+                    <a:pt x="18310" y="14627"/>
+                    <a:pt x="19325" y="12208"/>
+                    <a:pt x="19325" y="9663"/>
+                  </a:cubicBezTo>
+                  <a:cubicBezTo>
+                    <a:pt x="19325" y="7117"/>
+                    <a:pt x="18310" y="4699"/>
+                    <a:pt x="16468" y="2857"/>
+                  </a:cubicBezTo>
+                  <a:cubicBezTo>
+                    <a:pt x="14626" y="1015"/>
+                    <a:pt x="12208" y="1"/>
+                    <a:pt x="9662" y="1"/>
+                  </a:cubicBezTo>
+                  <a:close/>
+                </a:path>
+              </a:pathLst>
+            </a:custGeom>
+            <a:solidFill>
+              <a:schemeClr val="dk1"/>
+            </a:solidFill>
+            <a:ln>
+              <a:noFill/>
+            </a:ln>
+          </p:spPr>
+          <p:txBody>
+            <a:bodyPr spcFirstLastPara="1" wrap="square" lIns="91425" tIns="91425" rIns="91425" bIns="91425" anchor="ctr" anchorCtr="0">
+              <a:noAutofit/>
+            </a:bodyPr>
+            <a:lstStyle/>
+            <a:p>
+              <a:pPr marL="0" lvl="0" indent="0" algn="l" rtl="0">
+                <a:spcBef>
+                  <a:spcPts val="0"/>
+                </a:spcBef>
+                <a:spcAft>
+                  <a:spcPts val="0"/>
+                </a:spcAft>
+                <a:buNone/>
+              </a:pPr>
+              <a:endParaRPr>
+                <a:solidFill>
+                  <a:srgbClr val="435D74"/>
+                </a:solidFill>
+              </a:endParaRPr>
+            </a:p>
+          </p:txBody>
+        </p:sp>
+        <p:sp>
+          <p:nvSpPr>
+            <p:cNvPr id="689" name="Google Shape;644;p42">
+              <a:extLst>
+                <a:ext uri="{FF2B5EF4-FFF2-40B4-BE49-F238E27FC236}">
+                  <a16:creationId xmlns:a16="http://schemas.microsoft.com/office/drawing/2014/main" id="{8AF32008-CEFA-0D08-DCBF-92BEE3217DE9}"/>
+                </a:ext>
+              </a:extLst>
+            </p:cNvPr>
+            <p:cNvSpPr/>
+            <p:nvPr/>
+          </p:nvSpPr>
+          <p:spPr>
+            <a:xfrm>
+              <a:off x="1602600" y="5143950"/>
+              <a:ext cx="250350" cy="182725"/>
+            </a:xfrm>
+            <a:custGeom>
+              <a:avLst/>
+              <a:gdLst/>
+              <a:ahLst/>
+              <a:cxnLst/>
+              <a:rect l="l" t="t" r="r" b="b"/>
+              <a:pathLst>
+                <a:path w="10014" h="7309" extrusionOk="0">
+                  <a:moveTo>
+                    <a:pt x="8149" y="1134"/>
+                  </a:moveTo>
+                  <a:cubicBezTo>
+                    <a:pt x="8294" y="1134"/>
+                    <a:pt x="8439" y="1189"/>
+                    <a:pt x="8549" y="1300"/>
+                  </a:cubicBezTo>
+                  <a:cubicBezTo>
+                    <a:pt x="8769" y="1520"/>
+                    <a:pt x="8769" y="1879"/>
+                    <a:pt x="8549" y="2100"/>
+                  </a:cubicBezTo>
+                  <a:lnTo>
+                    <a:pt x="4639" y="6007"/>
+                  </a:lnTo>
+                  <a:cubicBezTo>
+                    <a:pt x="4527" y="6120"/>
+                    <a:pt x="4377" y="6177"/>
+                    <a:pt x="4227" y="6177"/>
+                  </a:cubicBezTo>
+                  <a:cubicBezTo>
+                    <a:pt x="4081" y="6177"/>
+                    <a:pt x="3937" y="6123"/>
+                    <a:pt x="3830" y="6016"/>
+                  </a:cubicBezTo>
+                  <a:lnTo>
+                    <a:pt x="1547" y="3748"/>
+                  </a:lnTo>
+                  <a:cubicBezTo>
+                    <a:pt x="1296" y="3534"/>
+                    <a:pt x="1281" y="3151"/>
+                    <a:pt x="1514" y="2918"/>
+                  </a:cubicBezTo>
+                  <a:cubicBezTo>
+                    <a:pt x="1626" y="2806"/>
+                    <a:pt x="1771" y="2750"/>
+                    <a:pt x="1916" y="2750"/>
+                  </a:cubicBezTo>
+                  <a:cubicBezTo>
+                    <a:pt x="2074" y="2750"/>
+                    <a:pt x="2232" y="2817"/>
+                    <a:pt x="2344" y="2948"/>
+                  </a:cubicBezTo>
+                  <a:lnTo>
+                    <a:pt x="3784" y="4388"/>
+                  </a:lnTo>
+                  <a:cubicBezTo>
+                    <a:pt x="3793" y="4401"/>
+                    <a:pt x="3805" y="4410"/>
+                    <a:pt x="3817" y="4419"/>
+                  </a:cubicBezTo>
+                  <a:cubicBezTo>
+                    <a:pt x="3817" y="4422"/>
+                    <a:pt x="3820" y="4422"/>
+                    <a:pt x="3823" y="4425"/>
+                  </a:cubicBezTo>
+                  <a:cubicBezTo>
+                    <a:pt x="3934" y="4535"/>
+                    <a:pt x="4078" y="4590"/>
+                    <a:pt x="4222" y="4590"/>
+                  </a:cubicBezTo>
+                  <a:cubicBezTo>
+                    <a:pt x="4367" y="4590"/>
+                    <a:pt x="4512" y="4535"/>
+                    <a:pt x="4624" y="4425"/>
+                  </a:cubicBezTo>
+                  <a:lnTo>
+                    <a:pt x="7749" y="1300"/>
+                  </a:lnTo>
+                  <a:cubicBezTo>
+                    <a:pt x="7859" y="1189"/>
+                    <a:pt x="8004" y="1134"/>
+                    <a:pt x="8149" y="1134"/>
+                  </a:cubicBezTo>
+                  <a:close/>
+                  <a:moveTo>
+                    <a:pt x="8146" y="1"/>
+                  </a:moveTo>
+                  <a:cubicBezTo>
+                    <a:pt x="7712" y="1"/>
+                    <a:pt x="7279" y="166"/>
+                    <a:pt x="6949" y="496"/>
+                  </a:cubicBezTo>
+                  <a:lnTo>
+                    <a:pt x="6946" y="496"/>
+                  </a:lnTo>
+                  <a:lnTo>
+                    <a:pt x="4219" y="3223"/>
+                  </a:lnTo>
+                  <a:lnTo>
+                    <a:pt x="3144" y="2148"/>
+                  </a:lnTo>
+                  <a:cubicBezTo>
+                    <a:pt x="2808" y="1779"/>
+                    <a:pt x="2348" y="1594"/>
+                    <a:pt x="1887" y="1594"/>
+                  </a:cubicBezTo>
+                  <a:cubicBezTo>
+                    <a:pt x="1453" y="1594"/>
+                    <a:pt x="1019" y="1758"/>
+                    <a:pt x="686" y="2091"/>
+                  </a:cubicBezTo>
+                  <a:cubicBezTo>
+                    <a:pt x="1" y="2776"/>
+                    <a:pt x="28" y="3896"/>
+                    <a:pt x="747" y="4549"/>
+                  </a:cubicBezTo>
+                  <a:lnTo>
+                    <a:pt x="3029" y="6819"/>
+                  </a:lnTo>
+                  <a:cubicBezTo>
+                    <a:pt x="3344" y="7131"/>
+                    <a:pt x="3768" y="7308"/>
+                    <a:pt x="4214" y="7308"/>
+                  </a:cubicBezTo>
+                  <a:cubicBezTo>
+                    <a:pt x="4218" y="7308"/>
+                    <a:pt x="4221" y="7308"/>
+                    <a:pt x="4225" y="7308"/>
+                  </a:cubicBezTo>
+                  <a:cubicBezTo>
+                    <a:pt x="4678" y="7308"/>
+                    <a:pt x="5116" y="7127"/>
+                    <a:pt x="5439" y="6807"/>
+                  </a:cubicBezTo>
+                  <a:lnTo>
+                    <a:pt x="9349" y="2900"/>
+                  </a:lnTo>
+                  <a:cubicBezTo>
+                    <a:pt x="10013" y="2236"/>
+                    <a:pt x="10013" y="1161"/>
+                    <a:pt x="9349" y="499"/>
+                  </a:cubicBezTo>
+                  <a:cubicBezTo>
+                    <a:pt x="9017" y="167"/>
+                    <a:pt x="8581" y="1"/>
+                    <a:pt x="8146" y="1"/>
+                  </a:cubicBezTo>
+                  <a:close/>
+                </a:path>
+              </a:pathLst>
+            </a:custGeom>
+            <a:solidFill>
+              <a:schemeClr val="dk1"/>
+            </a:solidFill>
+            <a:ln>
+              <a:noFill/>
+            </a:ln>
+          </p:spPr>
+          <p:txBody>
+            <a:bodyPr spcFirstLastPara="1" wrap="square" lIns="91425" tIns="91425" rIns="91425" bIns="91425" anchor="ctr" anchorCtr="0">
+              <a:noAutofit/>
+            </a:bodyPr>
+            <a:lstStyle/>
+            <a:p>
+              <a:pPr marL="0" lvl="0" indent="0" algn="l" rtl="0">
+                <a:spcBef>
+                  <a:spcPts val="0"/>
+                </a:spcBef>
+                <a:spcAft>
+                  <a:spcPts val="0"/>
+                </a:spcAft>
+                <a:buNone/>
+              </a:pPr>
+              <a:endParaRPr>
+                <a:solidFill>
+                  <a:srgbClr val="435D74"/>
+                </a:solidFill>
+              </a:endParaRPr>
+            </a:p>
+          </p:txBody>
+        </p:sp>
+      </p:grpSp>
+      <p:pic>
+        <p:nvPicPr>
+          <p:cNvPr id="704" name="Image 703">
+            <a:extLst>
+              <a:ext uri="{FF2B5EF4-FFF2-40B4-BE49-F238E27FC236}">
+                <a16:creationId xmlns:a16="http://schemas.microsoft.com/office/drawing/2014/main" id="{F48C7169-AC03-212A-0DC0-EABA51D27934}"/>
+              </a:ext>
+            </a:extLst>
+          </p:cNvPr>
+          <p:cNvPicPr>
+            <a:picLocks noChangeAspect="1"/>
+          </p:cNvPicPr>
+          <p:nvPr/>
+        </p:nvPicPr>
+        <p:blipFill>
+          <a:blip r:embed="rId4"/>
+          <a:stretch>
+            <a:fillRect/>
+          </a:stretch>
+        </p:blipFill>
+        <p:spPr>
+          <a:xfrm>
+            <a:off x="1790754" y="2866281"/>
+            <a:ext cx="1990725" cy="228600"/>
+          </a:xfrm>
+          <a:prstGeom prst="rect">
+            <a:avLst/>
+          </a:prstGeom>
+        </p:spPr>
+      </p:pic>
+      <p:pic>
+        <p:nvPicPr>
+          <p:cNvPr id="708" name="Image 707">
+            <a:extLst>
+              <a:ext uri="{FF2B5EF4-FFF2-40B4-BE49-F238E27FC236}">
+                <a16:creationId xmlns:a16="http://schemas.microsoft.com/office/drawing/2014/main" id="{BC91E464-1797-BF1A-402E-A50E661EE12F}"/>
+              </a:ext>
+            </a:extLst>
+          </p:cNvPr>
+          <p:cNvPicPr>
+            <a:picLocks noChangeAspect="1"/>
+          </p:cNvPicPr>
+          <p:nvPr/>
+        </p:nvPicPr>
+        <p:blipFill>
+          <a:blip r:embed="rId5"/>
+          <a:stretch>
+            <a:fillRect/>
+          </a:stretch>
+        </p:blipFill>
+        <p:spPr>
+          <a:xfrm>
+            <a:off x="1786014" y="3995077"/>
+            <a:ext cx="1209675" cy="247650"/>
+          </a:xfrm>
+          <a:prstGeom prst="rect">
+            <a:avLst/>
+          </a:prstGeom>
+        </p:spPr>
+      </p:pic>
+      <p:pic>
+        <p:nvPicPr>
+          <p:cNvPr id="710" name="Image 709">
+            <a:extLst>
+              <a:ext uri="{FF2B5EF4-FFF2-40B4-BE49-F238E27FC236}">
+                <a16:creationId xmlns:a16="http://schemas.microsoft.com/office/drawing/2014/main" id="{0EEF00A8-7757-F102-DC47-FA2D6EF64775}"/>
+              </a:ext>
+            </a:extLst>
+          </p:cNvPr>
+          <p:cNvPicPr>
+            <a:picLocks noChangeAspect="1"/>
+          </p:cNvPicPr>
+          <p:nvPr/>
+        </p:nvPicPr>
+        <p:blipFill>
+          <a:blip r:embed="rId6"/>
+          <a:stretch>
+            <a:fillRect/>
+          </a:stretch>
+        </p:blipFill>
+        <p:spPr>
+          <a:xfrm>
+            <a:off x="5934375" y="1769851"/>
+            <a:ext cx="2314575" cy="314325"/>
+          </a:xfrm>
+          <a:prstGeom prst="rect">
+            <a:avLst/>
+          </a:prstGeom>
+        </p:spPr>
+      </p:pic>
+      <p:pic>
+        <p:nvPicPr>
+          <p:cNvPr id="712" name="Image 711">
+            <a:extLst>
+              <a:ext uri="{FF2B5EF4-FFF2-40B4-BE49-F238E27FC236}">
+                <a16:creationId xmlns:a16="http://schemas.microsoft.com/office/drawing/2014/main" id="{A52D6C22-4D8A-DDD6-623E-F1C99F23BAC3}"/>
+              </a:ext>
+            </a:extLst>
+          </p:cNvPr>
+          <p:cNvPicPr>
+            <a:picLocks noChangeAspect="1"/>
+          </p:cNvPicPr>
+          <p:nvPr/>
+        </p:nvPicPr>
+        <p:blipFill>
+          <a:blip r:embed="rId7"/>
+          <a:stretch>
+            <a:fillRect/>
+          </a:stretch>
+        </p:blipFill>
+        <p:spPr>
+          <a:xfrm>
+            <a:off x="5985615" y="2823930"/>
+            <a:ext cx="2152650" cy="228600"/>
+          </a:xfrm>
+          <a:prstGeom prst="rect">
+            <a:avLst/>
+          </a:prstGeom>
+        </p:spPr>
+      </p:pic>
+    </p:spTree>
+    <p:extLst>
+      <p:ext uri="{BB962C8B-B14F-4D97-AF65-F5344CB8AC3E}">
+        <p14:creationId xmlns:p14="http://schemas.microsoft.com/office/powerpoint/2010/main" val="2790459999"/>
       </p:ext>
     </p:extLst>
   </p:cSld>

--- a/SEMESTER 1/Modélisation avec Python/M- Pandas/Presentation/Pandas.pptx
+++ b/SEMESTER 1/Modélisation avec Python/M- Pandas/Presentation/Pandas.pptx
@@ -5,7 +5,7 @@
     <p:sldMasterId id="2147483674" r:id="rId1"/>
   </p:sldMasterIdLst>
   <p:notesMasterIdLst>
-    <p:notesMasterId r:id="rId41"/>
+    <p:notesMasterId r:id="rId39"/>
   </p:notesMasterIdLst>
   <p:sldIdLst>
     <p:sldId id="308" r:id="rId2"/>
@@ -43,10 +43,8 @@
     <p:sldId id="341" r:id="rId34"/>
     <p:sldId id="319" r:id="rId35"/>
     <p:sldId id="342" r:id="rId36"/>
-    <p:sldId id="345" r:id="rId37"/>
-    <p:sldId id="343" r:id="rId38"/>
-    <p:sldId id="346" r:id="rId39"/>
-    <p:sldId id="347" r:id="rId40"/>
+    <p:sldId id="343" r:id="rId37"/>
+    <p:sldId id="348" r:id="rId38"/>
   </p:sldIdLst>
   <p:sldSz cx="9144000" cy="5143500" type="screen16x9"/>
   <p:notesSz cx="6858000" cy="9144000"/>
@@ -3968,7 +3966,7 @@
     </p:spTree>
     <p:extLst>
       <p:ext uri="{BB962C8B-B14F-4D97-AF65-F5344CB8AC3E}">
-        <p14:creationId xmlns:p14="http://schemas.microsoft.com/office/powerpoint/2010/main" val="3560978157"/>
+        <p14:creationId xmlns:p14="http://schemas.microsoft.com/office/powerpoint/2010/main" val="3254253125"/>
       </p:ext>
     </p:extLst>
   </p:cSld>
@@ -35332,76 +35330,6 @@
   <p:cSld>
     <p:spTree>
       <p:nvGrpSpPr>
-        <p:cNvPr id="1" name=""/>
-        <p:cNvGrpSpPr/>
-        <p:nvPr/>
-      </p:nvGrpSpPr>
-      <p:grpSpPr>
-        <a:xfrm>
-          <a:off x="0" y="0"/>
-          <a:ext cx="0" cy="0"/>
-          <a:chOff x="0" y="0"/>
-          <a:chExt cx="0" cy="0"/>
-        </a:xfrm>
-      </p:grpSpPr>
-      <p:sp>
-        <p:nvSpPr>
-          <p:cNvPr id="4" name="Titre 3">
-            <a:extLst>
-              <a:ext uri="{FF2B5EF4-FFF2-40B4-BE49-F238E27FC236}">
-                <a16:creationId xmlns:a16="http://schemas.microsoft.com/office/drawing/2014/main" id="{07ED426D-4BC1-EFD8-002D-A1A234283447}"/>
-              </a:ext>
-            </a:extLst>
-          </p:cNvPr>
-          <p:cNvSpPr>
-            <a:spLocks noGrp="1"/>
-          </p:cNvSpPr>
-          <p:nvPr>
-            <p:ph type="title"/>
-          </p:nvPr>
-        </p:nvSpPr>
-        <p:spPr>
-          <a:xfrm>
-            <a:off x="999119" y="1386450"/>
-            <a:ext cx="7145762" cy="2370600"/>
-          </a:xfrm>
-        </p:spPr>
-        <p:txBody>
-          <a:bodyPr/>
-          <a:lstStyle/>
-          <a:p>
-            <a:r>
-              <a:rPr lang="fr-FR" sz="5400" b="0" i="0" dirty="0">
-                <a:solidFill>
-                  <a:srgbClr val="111111"/>
-                </a:solidFill>
-                <a:effectLst/>
-                <a:latin typeface="-apple-system"/>
-              </a:rPr>
-              <a:t>Filtrer, trier, grouper et agréger des données avec Pandas :</a:t>
-            </a:r>
-            <a:endParaRPr lang="fr-FR" sz="5400" dirty="0"/>
-          </a:p>
-        </p:txBody>
-      </p:sp>
-    </p:spTree>
-    <p:extLst>
-      <p:ext uri="{BB962C8B-B14F-4D97-AF65-F5344CB8AC3E}">
-        <p14:creationId xmlns:p14="http://schemas.microsoft.com/office/powerpoint/2010/main" val="4193684780"/>
-      </p:ext>
-    </p:extLst>
-  </p:cSld>
-  <p:clrMapOvr>
-    <a:masterClrMapping/>
-  </p:clrMapOvr>
-</p:sld>
-</file>
-
-<file path=ppt/slides/slide37.xml><?xml version="1.0" encoding="utf-8"?>
-<p:sld xmlns:a="http://schemas.openxmlformats.org/drawingml/2006/main" xmlns:r="http://schemas.openxmlformats.org/officeDocument/2006/relationships" xmlns:p="http://schemas.openxmlformats.org/presentationml/2006/main">
-  <p:cSld>
-    <p:spTree>
-      <p:nvGrpSpPr>
         <p:cNvPr id="1" name="Shape 616"/>
         <p:cNvGrpSpPr/>
         <p:nvPr/>
@@ -37814,6 +37742,53 @@
           </a:prstGeom>
         </p:spPr>
       </p:pic>
+      <p:sp>
+        <p:nvSpPr>
+          <p:cNvPr id="2" name="Google Shape;617;p42">
+            <a:extLst>
+              <a:ext uri="{FF2B5EF4-FFF2-40B4-BE49-F238E27FC236}">
+                <a16:creationId xmlns:a16="http://schemas.microsoft.com/office/drawing/2014/main" id="{BD7B8652-3B87-0409-9775-C1D063B177D5}"/>
+              </a:ext>
+            </a:extLst>
+          </p:cNvPr>
+          <p:cNvSpPr txBox="1">
+            <a:spLocks noGrp="1"/>
+          </p:cNvSpPr>
+          <p:nvPr>
+            <p:ph type="title"/>
+          </p:nvPr>
+        </p:nvSpPr>
+        <p:spPr>
+          <a:xfrm>
+            <a:off x="1178457" y="530981"/>
+            <a:ext cx="7704000" cy="484800"/>
+          </a:xfrm>
+          <a:prstGeom prst="rect">
+            <a:avLst/>
+          </a:prstGeom>
+        </p:spPr>
+        <p:txBody>
+          <a:bodyPr spcFirstLastPara="1" wrap="square" lIns="91425" tIns="91425" rIns="91425" bIns="91425" anchor="b" anchorCtr="0">
+            <a:noAutofit/>
+          </a:bodyPr>
+          <a:lstStyle/>
+          <a:p>
+            <a:pPr marL="0" lvl="0" indent="0" algn="ctr" rtl="0">
+              <a:spcBef>
+                <a:spcPts val="0"/>
+              </a:spcBef>
+              <a:spcAft>
+                <a:spcPts val="0"/>
+              </a:spcAft>
+              <a:buNone/>
+            </a:pPr>
+            <a:r>
+              <a:rPr lang="fr-FR" sz="2000" dirty="0"/>
+              <a:t>Filtrer, trier, grouper et agréger des données avec Pandas</a:t>
+            </a:r>
+          </a:p>
+        </p:txBody>
+      </p:sp>
     </p:spTree>
     <p:extLst>
       <p:ext uri="{BB962C8B-B14F-4D97-AF65-F5344CB8AC3E}">
@@ -37827,77 +37802,7 @@
 </p:sld>
 </file>
 
-<file path=ppt/slides/slide38.xml><?xml version="1.0" encoding="utf-8"?>
-<p:sld xmlns:a="http://schemas.openxmlformats.org/drawingml/2006/main" xmlns:r="http://schemas.openxmlformats.org/officeDocument/2006/relationships" xmlns:p="http://schemas.openxmlformats.org/presentationml/2006/main">
-  <p:cSld>
-    <p:spTree>
-      <p:nvGrpSpPr>
-        <p:cNvPr id="1" name=""/>
-        <p:cNvGrpSpPr/>
-        <p:nvPr/>
-      </p:nvGrpSpPr>
-      <p:grpSpPr>
-        <a:xfrm>
-          <a:off x="0" y="0"/>
-          <a:ext cx="0" cy="0"/>
-          <a:chOff x="0" y="0"/>
-          <a:chExt cx="0" cy="0"/>
-        </a:xfrm>
-      </p:grpSpPr>
-      <p:sp>
-        <p:nvSpPr>
-          <p:cNvPr id="4" name="Titre 3">
-            <a:extLst>
-              <a:ext uri="{FF2B5EF4-FFF2-40B4-BE49-F238E27FC236}">
-                <a16:creationId xmlns:a16="http://schemas.microsoft.com/office/drawing/2014/main" id="{07ED426D-4BC1-EFD8-002D-A1A234283447}"/>
-              </a:ext>
-            </a:extLst>
-          </p:cNvPr>
-          <p:cNvSpPr>
-            <a:spLocks noGrp="1"/>
-          </p:cNvSpPr>
-          <p:nvPr>
-            <p:ph type="title"/>
-          </p:nvPr>
-        </p:nvSpPr>
-        <p:spPr>
-          <a:xfrm>
-            <a:off x="999119" y="1386450"/>
-            <a:ext cx="7145762" cy="2370600"/>
-          </a:xfrm>
-        </p:spPr>
-        <p:txBody>
-          <a:bodyPr/>
-          <a:lstStyle/>
-          <a:p>
-            <a:r>
-              <a:rPr lang="fr-FR" sz="5400" b="0" i="0" dirty="0">
-                <a:solidFill>
-                  <a:srgbClr val="111111"/>
-                </a:solidFill>
-                <a:effectLst/>
-                <a:latin typeface="-apple-system"/>
-              </a:rPr>
-              <a:t>Gérer les valeurs manquantes et les doublons avec Pandas :</a:t>
-            </a:r>
-            <a:endParaRPr lang="fr-FR" sz="5400" dirty="0"/>
-          </a:p>
-        </p:txBody>
-      </p:sp>
-    </p:spTree>
-    <p:extLst>
-      <p:ext uri="{BB962C8B-B14F-4D97-AF65-F5344CB8AC3E}">
-        <p14:creationId xmlns:p14="http://schemas.microsoft.com/office/powerpoint/2010/main" val="206336879"/>
-      </p:ext>
-    </p:extLst>
-  </p:cSld>
-  <p:clrMapOvr>
-    <a:masterClrMapping/>
-  </p:clrMapOvr>
-</p:sld>
-</file>
-
-<file path=ppt/slides/slide39.xml><?xml version="1.0" encoding="utf-8"?>
+<file path=ppt/slides/slide37.xml><?xml version="1.0" encoding="utf-8"?>
 <p:sld xmlns:a="http://schemas.openxmlformats.org/drawingml/2006/main" xmlns:r="http://schemas.openxmlformats.org/officeDocument/2006/relationships" xmlns:p="http://schemas.openxmlformats.org/presentationml/2006/main">
   <p:cSld>
     <p:spTree>
@@ -37950,8 +37855,21 @@
             </a:pPr>
             <a:r>
               <a:rPr lang="fr-FR" sz="2000" dirty="0"/>
-              <a:t>Accéder a des colonnes et des lignes</a:t>
+              <a:t>Appliquer des fonctions personnalisées avec </a:t>
             </a:r>
+            <a:r>
+              <a:rPr lang="fr-FR" sz="2000" dirty="0" err="1"/>
+              <a:t>apply</a:t>
+            </a:r>
+            <a:r>
+              <a:rPr lang="fr-FR" sz="2000" dirty="0"/>
+              <a:t> et </a:t>
+            </a:r>
+            <a:r>
+              <a:rPr lang="fr-FR" sz="2000" dirty="0" err="1"/>
+              <a:t>map</a:t>
+            </a:r>
+            <a:endParaRPr lang="fr-FR" sz="2000" dirty="0"/>
           </a:p>
         </p:txBody>
       </p:sp>
@@ -38087,7 +38005,7 @@
         <p:spPr>
           <a:xfrm>
             <a:off x="1464004" y="1392214"/>
-            <a:ext cx="2317475" cy="484800"/>
+            <a:ext cx="3117434" cy="484800"/>
           </a:xfrm>
           <a:prstGeom prst="rect">
             <a:avLst/>
@@ -38108,7 +38026,7 @@
               <a:buChar char="•"/>
             </a:pPr>
             <a:r>
-              <a:rPr lang="en-US" b="1" dirty="0" err="1">
+              <a:rPr lang="fr-FR" b="1" dirty="0">
                 <a:solidFill>
                   <a:schemeClr val="dk2"/>
                 </a:solidFill>
@@ -38117,68 +38035,17 @@
                 <a:cs typeface="Lato"/>
                 <a:sym typeface="Lato"/>
               </a:rPr>
-              <a:t>Accéder</a:t>
+              <a:t>Appliquer une fonction à chaque élément:</a:t>
             </a:r>
-            <a:r>
-              <a:rPr lang="en-US" b="1" dirty="0">
-                <a:solidFill>
-                  <a:schemeClr val="dk2"/>
-                </a:solidFill>
-                <a:latin typeface="Lato"/>
-                <a:ea typeface="Lato"/>
-                <a:cs typeface="Lato"/>
-                <a:sym typeface="Lato"/>
-              </a:rPr>
-              <a:t> à </a:t>
-            </a:r>
-            <a:r>
-              <a:rPr lang="en-US" b="1" dirty="0" err="1">
-                <a:solidFill>
-                  <a:schemeClr val="dk2"/>
-                </a:solidFill>
-                <a:latin typeface="Lato"/>
-                <a:ea typeface="Lato"/>
-                <a:cs typeface="Lato"/>
-                <a:sym typeface="Lato"/>
-              </a:rPr>
-              <a:t>une</a:t>
-            </a:r>
-            <a:r>
-              <a:rPr lang="en-US" b="1" dirty="0">
-                <a:solidFill>
-                  <a:schemeClr val="dk2"/>
-                </a:solidFill>
-                <a:latin typeface="Lato"/>
-                <a:ea typeface="Lato"/>
-                <a:cs typeface="Lato"/>
-                <a:sym typeface="Lato"/>
-              </a:rPr>
-              <a:t> </a:t>
-            </a:r>
-            <a:r>
-              <a:rPr lang="en-US" b="1" dirty="0" err="1">
-                <a:solidFill>
-                  <a:schemeClr val="dk2"/>
-                </a:solidFill>
-                <a:latin typeface="Lato"/>
-                <a:ea typeface="Lato"/>
-                <a:cs typeface="Lato"/>
-                <a:sym typeface="Lato"/>
-              </a:rPr>
-              <a:t>colonne</a:t>
-            </a:r>
-            <a:r>
-              <a:rPr lang="en-US" b="1" dirty="0">
-                <a:solidFill>
-                  <a:schemeClr val="dk2"/>
-                </a:solidFill>
-                <a:latin typeface="Lato"/>
-                <a:ea typeface="Lato"/>
-                <a:cs typeface="Lato"/>
-                <a:sym typeface="Lato"/>
-              </a:rPr>
-              <a:t>:</a:t>
-            </a:r>
+            <a:endParaRPr lang="en-US" b="1" dirty="0">
+              <a:solidFill>
+                <a:schemeClr val="dk2"/>
+              </a:solidFill>
+              <a:latin typeface="Lato"/>
+              <a:ea typeface="Lato"/>
+              <a:cs typeface="Lato"/>
+              <a:sym typeface="Lato"/>
+            </a:endParaRPr>
           </a:p>
         </p:txBody>
       </p:sp>
@@ -38519,35 +38386,6 @@
           </p:txBody>
         </p:sp>
       </p:grpSp>
-      <p:pic>
-        <p:nvPicPr>
-          <p:cNvPr id="3" name="Image 2">
-            <a:extLst>
-              <a:ext uri="{FF2B5EF4-FFF2-40B4-BE49-F238E27FC236}">
-                <a16:creationId xmlns:a16="http://schemas.microsoft.com/office/drawing/2014/main" id="{80C13026-2023-CD70-5910-F2EB1CE5B293}"/>
-              </a:ext>
-            </a:extLst>
-          </p:cNvPr>
-          <p:cNvPicPr>
-            <a:picLocks noChangeAspect="1"/>
-          </p:cNvPicPr>
-          <p:nvPr/>
-        </p:nvPicPr>
-        <p:blipFill rotWithShape="1">
-          <a:blip r:embed="rId3"/>
-          <a:srcRect l="1949" t="10403" r="5080" b="1"/>
-          <a:stretch/>
-        </p:blipFill>
-        <p:spPr>
-          <a:xfrm>
-            <a:off x="1494327" y="1846665"/>
-            <a:ext cx="2996236" cy="294451"/>
-          </a:xfrm>
-          <a:prstGeom prst="rect">
-            <a:avLst/>
-          </a:prstGeom>
-        </p:spPr>
-      </p:pic>
       <p:grpSp>
         <p:nvGrpSpPr>
           <p:cNvPr id="12" name="Google Shape;618;p42">
@@ -38725,7 +38563,7 @@
               <a:buChar char="•"/>
             </a:pPr>
             <a:r>
-              <a:rPr lang="en-US" b="1" dirty="0" err="1">
+              <a:rPr lang="fr-FR" b="1" dirty="0">
                 <a:solidFill>
                   <a:schemeClr val="dk2"/>
                 </a:solidFill>
@@ -38734,68 +38572,17 @@
                 <a:cs typeface="Lato"/>
                 <a:sym typeface="Lato"/>
               </a:rPr>
-              <a:t>Accéder</a:t>
+              <a:t>Appliquer une fonction à chaque colonne </a:t>
             </a:r>
-            <a:r>
-              <a:rPr lang="en-US" b="1" dirty="0">
-                <a:solidFill>
-                  <a:schemeClr val="dk2"/>
-                </a:solidFill>
-                <a:latin typeface="Lato"/>
-                <a:ea typeface="Lato"/>
-                <a:cs typeface="Lato"/>
-                <a:sym typeface="Lato"/>
-              </a:rPr>
-              <a:t> à </a:t>
-            </a:r>
-            <a:r>
-              <a:rPr lang="en-US" b="1" dirty="0" err="1">
-                <a:solidFill>
-                  <a:schemeClr val="dk2"/>
-                </a:solidFill>
-                <a:latin typeface="Lato"/>
-                <a:ea typeface="Lato"/>
-                <a:cs typeface="Lato"/>
-                <a:sym typeface="Lato"/>
-              </a:rPr>
-              <a:t>plusieurs</a:t>
-            </a:r>
-            <a:r>
-              <a:rPr lang="en-US" b="1" dirty="0">
-                <a:solidFill>
-                  <a:schemeClr val="dk2"/>
-                </a:solidFill>
-                <a:latin typeface="Lato"/>
-                <a:ea typeface="Lato"/>
-                <a:cs typeface="Lato"/>
-                <a:sym typeface="Lato"/>
-              </a:rPr>
-              <a:t> </a:t>
-            </a:r>
-            <a:r>
-              <a:rPr lang="en-US" b="1" dirty="0" err="1">
-                <a:solidFill>
-                  <a:schemeClr val="dk2"/>
-                </a:solidFill>
-                <a:latin typeface="Lato"/>
-                <a:ea typeface="Lato"/>
-                <a:cs typeface="Lato"/>
-                <a:sym typeface="Lato"/>
-              </a:rPr>
-              <a:t>colonnes</a:t>
-            </a:r>
-            <a:r>
-              <a:rPr lang="en-US" b="1" dirty="0">
-                <a:solidFill>
-                  <a:schemeClr val="dk2"/>
-                </a:solidFill>
-                <a:latin typeface="Lato"/>
-                <a:ea typeface="Lato"/>
-                <a:cs typeface="Lato"/>
-                <a:sym typeface="Lato"/>
-              </a:rPr>
-              <a:t>:</a:t>
-            </a:r>
+            <a:endParaRPr lang="en-US" b="1" dirty="0">
+              <a:solidFill>
+                <a:schemeClr val="dk2"/>
+              </a:solidFill>
+              <a:latin typeface="Lato"/>
+              <a:ea typeface="Lato"/>
+              <a:cs typeface="Lato"/>
+              <a:sym typeface="Lato"/>
+            </a:endParaRPr>
           </a:p>
         </p:txBody>
       </p:sp>
@@ -39310,7 +39097,7 @@
         <p:spPr>
           <a:xfrm>
             <a:off x="1464004" y="3526471"/>
-            <a:ext cx="2317475" cy="484800"/>
+            <a:ext cx="3477108" cy="484800"/>
           </a:xfrm>
           <a:prstGeom prst="rect">
             <a:avLst/>
@@ -39331,7 +39118,7 @@
               <a:buChar char="•"/>
             </a:pPr>
             <a:r>
-              <a:rPr lang="en-US" b="1" dirty="0" err="1">
+              <a:rPr lang="fr-FR" b="1" dirty="0">
                 <a:solidFill>
                   <a:schemeClr val="dk2"/>
                 </a:solidFill>
@@ -39340,10 +39127,10 @@
                 <a:cs typeface="Lato"/>
                 <a:sym typeface="Lato"/>
               </a:rPr>
-              <a:t>Accéder</a:t>
+              <a:t>Convertir les valeurs d'une </a:t>
             </a:r>
             <a:r>
-              <a:rPr lang="en-US" b="1" dirty="0">
+              <a:rPr lang="fr-FR" b="1" dirty="0" err="1">
                 <a:solidFill>
                   <a:schemeClr val="dk2"/>
                 </a:solidFill>
@@ -39352,10 +39139,10 @@
                 <a:cs typeface="Lato"/>
                 <a:sym typeface="Lato"/>
               </a:rPr>
-              <a:t> à </a:t>
+              <a:t>Series</a:t>
             </a:r>
             <a:r>
-              <a:rPr lang="en-US" b="1" dirty="0" err="1">
+              <a:rPr lang="fr-FR" b="1" dirty="0">
                 <a:solidFill>
                   <a:schemeClr val="dk2"/>
                 </a:solidFill>
@@ -39364,44 +39151,17 @@
                 <a:cs typeface="Lato"/>
                 <a:sym typeface="Lato"/>
               </a:rPr>
-              <a:t>une</a:t>
+              <a:t> vers autre type:</a:t>
             </a:r>
-            <a:r>
-              <a:rPr lang="en-US" b="1" dirty="0">
-                <a:solidFill>
-                  <a:schemeClr val="dk2"/>
-                </a:solidFill>
-                <a:latin typeface="Lato"/>
-                <a:ea typeface="Lato"/>
-                <a:cs typeface="Lato"/>
-                <a:sym typeface="Lato"/>
-              </a:rPr>
-              <a:t> </a:t>
-            </a:r>
-            <a:r>
-              <a:rPr lang="en-US" b="1" dirty="0" err="1">
-                <a:solidFill>
-                  <a:schemeClr val="dk2"/>
-                </a:solidFill>
-                <a:latin typeface="Lato"/>
-                <a:ea typeface="Lato"/>
-                <a:cs typeface="Lato"/>
-                <a:sym typeface="Lato"/>
-              </a:rPr>
-              <a:t>ligne</a:t>
-            </a:r>
-            <a:r>
-              <a:rPr lang="en-US" b="1" dirty="0">
-                <a:solidFill>
-                  <a:schemeClr val="dk2"/>
-                </a:solidFill>
-                <a:latin typeface="Lato"/>
-                <a:ea typeface="Lato"/>
-                <a:cs typeface="Lato"/>
-                <a:sym typeface="Lato"/>
-              </a:rPr>
-              <a:t>:</a:t>
-            </a:r>
+            <a:endParaRPr lang="en-US" b="1" dirty="0">
+              <a:solidFill>
+                <a:schemeClr val="dk2"/>
+              </a:solidFill>
+              <a:latin typeface="Lato"/>
+              <a:ea typeface="Lato"/>
+              <a:cs typeface="Lato"/>
+              <a:sym typeface="Lato"/>
+            </a:endParaRPr>
           </a:p>
         </p:txBody>
       </p:sp>
@@ -39760,1173 +39520,42 @@
           </p:txBody>
         </p:sp>
       </p:grpSp>
-      <p:grpSp>
-        <p:nvGrpSpPr>
-          <p:cNvPr id="675" name="Google Shape;618;p42">
+      <p:pic>
+        <p:nvPicPr>
+          <p:cNvPr id="30" name="Image 29">
             <a:extLst>
               <a:ext uri="{FF2B5EF4-FFF2-40B4-BE49-F238E27FC236}">
-                <a16:creationId xmlns:a16="http://schemas.microsoft.com/office/drawing/2014/main" id="{5237D959-A259-D5BE-DC34-5959FFDAFD62}"/>
+                <a16:creationId xmlns:a16="http://schemas.microsoft.com/office/drawing/2014/main" id="{513849C1-D6F0-8A4C-A611-0659219E47E4}"/>
               </a:ext>
             </a:extLst>
           </p:cNvPr>
-          <p:cNvGrpSpPr/>
+          <p:cNvPicPr>
+            <a:picLocks noChangeAspect="1"/>
+          </p:cNvPicPr>
           <p:nvPr/>
-        </p:nvGrpSpPr>
-        <p:grpSpPr>
-          <a:xfrm>
-            <a:off x="4667697" y="1415643"/>
-            <a:ext cx="911100" cy="689641"/>
-            <a:chOff x="1217362" y="1846472"/>
-            <a:chExt cx="911100" cy="689641"/>
-          </a:xfrm>
-        </p:grpSpPr>
-        <p:sp>
-          <p:nvSpPr>
-            <p:cNvPr id="676" name="Google Shape;619;p42">
-              <a:extLst>
-                <a:ext uri="{FF2B5EF4-FFF2-40B4-BE49-F238E27FC236}">
-                  <a16:creationId xmlns:a16="http://schemas.microsoft.com/office/drawing/2014/main" id="{08B2D9B0-FE0D-EB72-56F5-AD94A8519B38}"/>
-                </a:ext>
-              </a:extLst>
-            </p:cNvPr>
-            <p:cNvSpPr/>
-            <p:nvPr/>
-          </p:nvSpPr>
-          <p:spPr>
-            <a:xfrm>
-              <a:off x="1217362" y="1846472"/>
-              <a:ext cx="431700" cy="505200"/>
-            </a:xfrm>
-            <a:prstGeom prst="roundRect">
-              <a:avLst>
-                <a:gd name="adj" fmla="val 6278"/>
-              </a:avLst>
-            </a:prstGeom>
-            <a:solidFill>
-              <a:schemeClr val="lt2"/>
-            </a:solidFill>
-            <a:ln w="28575" cap="flat" cmpd="sng">
-              <a:solidFill>
-                <a:schemeClr val="dk1"/>
-              </a:solidFill>
-              <a:prstDash val="solid"/>
-              <a:round/>
-              <a:headEnd type="none" w="sm" len="sm"/>
-              <a:tailEnd type="none" w="sm" len="sm"/>
-            </a:ln>
-            <a:effectLst>
-              <a:outerShdw blurRad="57150" dist="19050" dir="5400000" algn="bl" rotWithShape="0">
-                <a:schemeClr val="dk1">
-                  <a:alpha val="50000"/>
-                </a:schemeClr>
-              </a:outerShdw>
-            </a:effectLst>
-          </p:spPr>
-          <p:txBody>
-            <a:bodyPr spcFirstLastPara="1" wrap="square" lIns="91425" tIns="91425" rIns="91425" bIns="91425" anchor="ctr" anchorCtr="0">
-              <a:noAutofit/>
-            </a:bodyPr>
-            <a:lstStyle/>
-            <a:p>
-              <a:pPr marL="0" lvl="0" indent="0" algn="l" rtl="0">
-                <a:spcBef>
-                  <a:spcPts val="0"/>
-                </a:spcBef>
-                <a:spcAft>
-                  <a:spcPts val="0"/>
-                </a:spcAft>
-                <a:buNone/>
-              </a:pPr>
-              <a:endParaRPr/>
-            </a:p>
-          </p:txBody>
-        </p:sp>
-        <p:sp>
-          <p:nvSpPr>
-            <p:cNvPr id="677" name="Google Shape;620;p42">
-              <a:extLst>
-                <a:ext uri="{FF2B5EF4-FFF2-40B4-BE49-F238E27FC236}">
-                  <a16:creationId xmlns:a16="http://schemas.microsoft.com/office/drawing/2014/main" id="{13F3F8BD-2F76-93B6-C3B1-3536F41AFE9A}"/>
-                </a:ext>
-              </a:extLst>
-            </p:cNvPr>
-            <p:cNvSpPr/>
-            <p:nvPr/>
-          </p:nvSpPr>
-          <p:spPr>
-            <a:xfrm>
-              <a:off x="1217362" y="1947213"/>
-              <a:ext cx="911100" cy="588900"/>
-            </a:xfrm>
-            <a:prstGeom prst="roundRect">
-              <a:avLst>
-                <a:gd name="adj" fmla="val 5762"/>
-              </a:avLst>
-            </a:prstGeom>
-            <a:solidFill>
-              <a:schemeClr val="lt2"/>
-            </a:solidFill>
-            <a:ln w="28575" cap="flat" cmpd="sng">
-              <a:solidFill>
-                <a:schemeClr val="dk1"/>
-              </a:solidFill>
-              <a:prstDash val="solid"/>
-              <a:round/>
-              <a:headEnd type="none" w="sm" len="sm"/>
-              <a:tailEnd type="none" w="sm" len="sm"/>
-            </a:ln>
-            <a:effectLst>
-              <a:outerShdw dist="57150" dir="2940000" algn="bl" rotWithShape="0">
-                <a:schemeClr val="dk1"/>
-              </a:outerShdw>
-            </a:effectLst>
-          </p:spPr>
-          <p:txBody>
-            <a:bodyPr spcFirstLastPara="1" wrap="square" lIns="91425" tIns="91425" rIns="91425" bIns="91425" anchor="ctr" anchorCtr="0">
-              <a:noAutofit/>
-            </a:bodyPr>
-            <a:lstStyle/>
-            <a:p>
-              <a:pPr marL="0" lvl="0" indent="0" algn="l" rtl="0">
-                <a:spcBef>
-                  <a:spcPts val="0"/>
-                </a:spcBef>
-                <a:spcAft>
-                  <a:spcPts val="0"/>
-                </a:spcAft>
-                <a:buNone/>
-              </a:pPr>
-              <a:endParaRPr/>
-            </a:p>
-          </p:txBody>
-        </p:sp>
-      </p:grpSp>
-      <p:sp>
-        <p:nvSpPr>
-          <p:cNvPr id="678" name="Google Shape;621;p42">
-            <a:extLst>
-              <a:ext uri="{FF2B5EF4-FFF2-40B4-BE49-F238E27FC236}">
-                <a16:creationId xmlns:a16="http://schemas.microsoft.com/office/drawing/2014/main" id="{BA0640C6-E27F-78ED-C528-BD423CA495E7}"/>
-              </a:ext>
-            </a:extLst>
-          </p:cNvPr>
-          <p:cNvSpPr txBox="1"/>
-          <p:nvPr/>
-        </p:nvSpPr>
+        </p:nvPicPr>
+        <p:blipFill>
+          <a:blip r:embed="rId3"/>
+          <a:stretch>
+            <a:fillRect/>
+          </a:stretch>
+        </p:blipFill>
         <p:spPr>
           <a:xfrm>
-            <a:off x="5663605" y="1392214"/>
-            <a:ext cx="2856117" cy="484800"/>
+            <a:off x="1776571" y="1907483"/>
+            <a:ext cx="2362200" cy="171450"/>
           </a:xfrm>
           <a:prstGeom prst="rect">
             <a:avLst/>
           </a:prstGeom>
-          <a:noFill/>
-          <a:ln>
-            <a:noFill/>
-          </a:ln>
         </p:spPr>
-        <p:txBody>
-          <a:bodyPr spcFirstLastPara="1" wrap="square" lIns="91425" tIns="91425" rIns="91425" bIns="91425" anchor="ctr" anchorCtr="0">
-            <a:noAutofit/>
-          </a:bodyPr>
-          <a:lstStyle/>
-          <a:p>
-            <a:pPr marL="285750" lvl="2" indent="-285750">
-              <a:buFont typeface="Arial" panose="020B0604020202020204" pitchFamily="34" charset="0"/>
-              <a:buChar char="•"/>
-            </a:pPr>
-            <a:r>
-              <a:rPr lang="en-US" b="1" dirty="0" err="1">
-                <a:solidFill>
-                  <a:schemeClr val="dk2"/>
-                </a:solidFill>
-                <a:latin typeface="Lato"/>
-                <a:ea typeface="Lato"/>
-                <a:cs typeface="Lato"/>
-                <a:sym typeface="Lato"/>
-              </a:rPr>
-              <a:t>Accéder</a:t>
-            </a:r>
-            <a:r>
-              <a:rPr lang="en-US" b="1" dirty="0">
-                <a:solidFill>
-                  <a:schemeClr val="dk2"/>
-                </a:solidFill>
-                <a:latin typeface="Lato"/>
-                <a:ea typeface="Lato"/>
-                <a:cs typeface="Lato"/>
-                <a:sym typeface="Lato"/>
-              </a:rPr>
-              <a:t> à </a:t>
-            </a:r>
-            <a:r>
-              <a:rPr lang="en-US" b="1" dirty="0" err="1">
-                <a:solidFill>
-                  <a:schemeClr val="dk2"/>
-                </a:solidFill>
-                <a:latin typeface="Lato"/>
-                <a:ea typeface="Lato"/>
-                <a:cs typeface="Lato"/>
-                <a:sym typeface="Lato"/>
-              </a:rPr>
-              <a:t>plusieurs</a:t>
-            </a:r>
-            <a:r>
-              <a:rPr lang="en-US" b="1" dirty="0">
-                <a:solidFill>
-                  <a:schemeClr val="dk2"/>
-                </a:solidFill>
-                <a:latin typeface="Lato"/>
-                <a:ea typeface="Lato"/>
-                <a:cs typeface="Lato"/>
-                <a:sym typeface="Lato"/>
-              </a:rPr>
-              <a:t> </a:t>
-            </a:r>
-            <a:r>
-              <a:rPr lang="en-US" b="1" dirty="0" err="1">
-                <a:solidFill>
-                  <a:schemeClr val="dk2"/>
-                </a:solidFill>
-                <a:latin typeface="Lato"/>
-                <a:ea typeface="Lato"/>
-                <a:cs typeface="Lato"/>
-                <a:sym typeface="Lato"/>
-              </a:rPr>
-              <a:t>lignes</a:t>
-            </a:r>
-            <a:r>
-              <a:rPr lang="en-US" b="1" dirty="0">
-                <a:solidFill>
-                  <a:schemeClr val="dk2"/>
-                </a:solidFill>
-                <a:latin typeface="Lato"/>
-                <a:ea typeface="Lato"/>
-                <a:cs typeface="Lato"/>
-                <a:sym typeface="Lato"/>
-              </a:rPr>
-              <a:t>:</a:t>
-            </a:r>
-          </a:p>
-        </p:txBody>
-      </p:sp>
-      <p:grpSp>
-        <p:nvGrpSpPr>
-          <p:cNvPr id="679" name="Google Shape;642;p42">
+      </p:pic>
+      <p:pic>
+        <p:nvPicPr>
+          <p:cNvPr id="672" name="Image 671">
             <a:extLst>
               <a:ext uri="{FF2B5EF4-FFF2-40B4-BE49-F238E27FC236}">
-                <a16:creationId xmlns:a16="http://schemas.microsoft.com/office/drawing/2014/main" id="{AC3618C3-9F7B-1BC1-E85B-73E9577B28B3}"/>
-              </a:ext>
-            </a:extLst>
-          </p:cNvPr>
-          <p:cNvGrpSpPr/>
-          <p:nvPr/>
-        </p:nvGrpSpPr>
-        <p:grpSpPr>
-          <a:xfrm>
-            <a:off x="4944759" y="1576838"/>
-            <a:ext cx="355049" cy="355049"/>
-            <a:chOff x="1487200" y="4993750"/>
-            <a:chExt cx="483125" cy="483125"/>
-          </a:xfrm>
-        </p:grpSpPr>
-        <p:sp>
-          <p:nvSpPr>
-            <p:cNvPr id="680" name="Google Shape;643;p42">
-              <a:extLst>
-                <a:ext uri="{FF2B5EF4-FFF2-40B4-BE49-F238E27FC236}">
-                  <a16:creationId xmlns:a16="http://schemas.microsoft.com/office/drawing/2014/main" id="{92B76F6C-D993-C071-6C76-FE0BAF9ED480}"/>
-                </a:ext>
-              </a:extLst>
-            </p:cNvPr>
-            <p:cNvSpPr/>
-            <p:nvPr/>
-          </p:nvSpPr>
-          <p:spPr>
-            <a:xfrm>
-              <a:off x="1487200" y="4993750"/>
-              <a:ext cx="483125" cy="483125"/>
-            </a:xfrm>
-            <a:custGeom>
-              <a:avLst/>
-              <a:gdLst/>
-              <a:ahLst/>
-              <a:cxnLst/>
-              <a:rect l="l" t="t" r="r" b="b"/>
-              <a:pathLst>
-                <a:path w="19325" h="19325" extrusionOk="0">
-                  <a:moveTo>
-                    <a:pt x="9662" y="1133"/>
-                  </a:moveTo>
-                  <a:cubicBezTo>
-                    <a:pt x="11824" y="1133"/>
-                    <a:pt x="13983" y="1975"/>
-                    <a:pt x="15668" y="3657"/>
-                  </a:cubicBezTo>
-                  <a:cubicBezTo>
-                    <a:pt x="19035" y="7027"/>
-                    <a:pt x="19035" y="12302"/>
-                    <a:pt x="15668" y="15668"/>
-                  </a:cubicBezTo>
-                  <a:cubicBezTo>
-                    <a:pt x="13983" y="17352"/>
-                    <a:pt x="11822" y="18193"/>
-                    <a:pt x="9661" y="18193"/>
-                  </a:cubicBezTo>
-                  <a:cubicBezTo>
-                    <a:pt x="7500" y="18193"/>
-                    <a:pt x="5340" y="17352"/>
-                    <a:pt x="3657" y="15668"/>
-                  </a:cubicBezTo>
-                  <a:cubicBezTo>
-                    <a:pt x="290" y="12302"/>
-                    <a:pt x="290" y="7024"/>
-                    <a:pt x="3657" y="3657"/>
-                  </a:cubicBezTo>
-                  <a:cubicBezTo>
-                    <a:pt x="5342" y="1975"/>
-                    <a:pt x="7500" y="1133"/>
-                    <a:pt x="9662" y="1133"/>
-                  </a:cubicBezTo>
-                  <a:close/>
-                  <a:moveTo>
-                    <a:pt x="9662" y="1"/>
-                  </a:moveTo>
-                  <a:cubicBezTo>
-                    <a:pt x="7117" y="1"/>
-                    <a:pt x="4698" y="1015"/>
-                    <a:pt x="2857" y="2857"/>
-                  </a:cubicBezTo>
-                  <a:cubicBezTo>
-                    <a:pt x="1015" y="4699"/>
-                    <a:pt x="0" y="7117"/>
-                    <a:pt x="0" y="9663"/>
-                  </a:cubicBezTo>
-                  <a:cubicBezTo>
-                    <a:pt x="0" y="12208"/>
-                    <a:pt x="1015" y="14627"/>
-                    <a:pt x="2857" y="16469"/>
-                  </a:cubicBezTo>
-                  <a:cubicBezTo>
-                    <a:pt x="4698" y="18310"/>
-                    <a:pt x="7117" y="19325"/>
-                    <a:pt x="9662" y="19325"/>
-                  </a:cubicBezTo>
-                  <a:cubicBezTo>
-                    <a:pt x="12208" y="19325"/>
-                    <a:pt x="14626" y="18310"/>
-                    <a:pt x="16468" y="16469"/>
-                  </a:cubicBezTo>
-                  <a:cubicBezTo>
-                    <a:pt x="18310" y="14627"/>
-                    <a:pt x="19325" y="12208"/>
-                    <a:pt x="19325" y="9663"/>
-                  </a:cubicBezTo>
-                  <a:cubicBezTo>
-                    <a:pt x="19325" y="7117"/>
-                    <a:pt x="18310" y="4699"/>
-                    <a:pt x="16468" y="2857"/>
-                  </a:cubicBezTo>
-                  <a:cubicBezTo>
-                    <a:pt x="14626" y="1015"/>
-                    <a:pt x="12208" y="1"/>
-                    <a:pt x="9662" y="1"/>
-                  </a:cubicBezTo>
-                  <a:close/>
-                </a:path>
-              </a:pathLst>
-            </a:custGeom>
-            <a:solidFill>
-              <a:schemeClr val="dk1"/>
-            </a:solidFill>
-            <a:ln>
-              <a:noFill/>
-            </a:ln>
-          </p:spPr>
-          <p:txBody>
-            <a:bodyPr spcFirstLastPara="1" wrap="square" lIns="91425" tIns="91425" rIns="91425" bIns="91425" anchor="ctr" anchorCtr="0">
-              <a:noAutofit/>
-            </a:bodyPr>
-            <a:lstStyle/>
-            <a:p>
-              <a:pPr marL="0" lvl="0" indent="0" algn="l" rtl="0">
-                <a:spcBef>
-                  <a:spcPts val="0"/>
-                </a:spcBef>
-                <a:spcAft>
-                  <a:spcPts val="0"/>
-                </a:spcAft>
-                <a:buNone/>
-              </a:pPr>
-              <a:endParaRPr>
-                <a:solidFill>
-                  <a:srgbClr val="435D74"/>
-                </a:solidFill>
-              </a:endParaRPr>
-            </a:p>
-          </p:txBody>
-        </p:sp>
-        <p:sp>
-          <p:nvSpPr>
-            <p:cNvPr id="681" name="Google Shape;644;p42">
-              <a:extLst>
-                <a:ext uri="{FF2B5EF4-FFF2-40B4-BE49-F238E27FC236}">
-                  <a16:creationId xmlns:a16="http://schemas.microsoft.com/office/drawing/2014/main" id="{3F5329E1-2E6F-C373-A0BB-28DCE693C19F}"/>
-                </a:ext>
-              </a:extLst>
-            </p:cNvPr>
-            <p:cNvSpPr/>
-            <p:nvPr/>
-          </p:nvSpPr>
-          <p:spPr>
-            <a:xfrm>
-              <a:off x="1602600" y="5143950"/>
-              <a:ext cx="250350" cy="182725"/>
-            </a:xfrm>
-            <a:custGeom>
-              <a:avLst/>
-              <a:gdLst/>
-              <a:ahLst/>
-              <a:cxnLst/>
-              <a:rect l="l" t="t" r="r" b="b"/>
-              <a:pathLst>
-                <a:path w="10014" h="7309" extrusionOk="0">
-                  <a:moveTo>
-                    <a:pt x="8149" y="1134"/>
-                  </a:moveTo>
-                  <a:cubicBezTo>
-                    <a:pt x="8294" y="1134"/>
-                    <a:pt x="8439" y="1189"/>
-                    <a:pt x="8549" y="1300"/>
-                  </a:cubicBezTo>
-                  <a:cubicBezTo>
-                    <a:pt x="8769" y="1520"/>
-                    <a:pt x="8769" y="1879"/>
-                    <a:pt x="8549" y="2100"/>
-                  </a:cubicBezTo>
-                  <a:lnTo>
-                    <a:pt x="4639" y="6007"/>
-                  </a:lnTo>
-                  <a:cubicBezTo>
-                    <a:pt x="4527" y="6120"/>
-                    <a:pt x="4377" y="6177"/>
-                    <a:pt x="4227" y="6177"/>
-                  </a:cubicBezTo>
-                  <a:cubicBezTo>
-                    <a:pt x="4081" y="6177"/>
-                    <a:pt x="3937" y="6123"/>
-                    <a:pt x="3830" y="6016"/>
-                  </a:cubicBezTo>
-                  <a:lnTo>
-                    <a:pt x="1547" y="3748"/>
-                  </a:lnTo>
-                  <a:cubicBezTo>
-                    <a:pt x="1296" y="3534"/>
-                    <a:pt x="1281" y="3151"/>
-                    <a:pt x="1514" y="2918"/>
-                  </a:cubicBezTo>
-                  <a:cubicBezTo>
-                    <a:pt x="1626" y="2806"/>
-                    <a:pt x="1771" y="2750"/>
-                    <a:pt x="1916" y="2750"/>
-                  </a:cubicBezTo>
-                  <a:cubicBezTo>
-                    <a:pt x="2074" y="2750"/>
-                    <a:pt x="2232" y="2817"/>
-                    <a:pt x="2344" y="2948"/>
-                  </a:cubicBezTo>
-                  <a:lnTo>
-                    <a:pt x="3784" y="4388"/>
-                  </a:lnTo>
-                  <a:cubicBezTo>
-                    <a:pt x="3793" y="4401"/>
-                    <a:pt x="3805" y="4410"/>
-                    <a:pt x="3817" y="4419"/>
-                  </a:cubicBezTo>
-                  <a:cubicBezTo>
-                    <a:pt x="3817" y="4422"/>
-                    <a:pt x="3820" y="4422"/>
-                    <a:pt x="3823" y="4425"/>
-                  </a:cubicBezTo>
-                  <a:cubicBezTo>
-                    <a:pt x="3934" y="4535"/>
-                    <a:pt x="4078" y="4590"/>
-                    <a:pt x="4222" y="4590"/>
-                  </a:cubicBezTo>
-                  <a:cubicBezTo>
-                    <a:pt x="4367" y="4590"/>
-                    <a:pt x="4512" y="4535"/>
-                    <a:pt x="4624" y="4425"/>
-                  </a:cubicBezTo>
-                  <a:lnTo>
-                    <a:pt x="7749" y="1300"/>
-                  </a:lnTo>
-                  <a:cubicBezTo>
-                    <a:pt x="7859" y="1189"/>
-                    <a:pt x="8004" y="1134"/>
-                    <a:pt x="8149" y="1134"/>
-                  </a:cubicBezTo>
-                  <a:close/>
-                  <a:moveTo>
-                    <a:pt x="8146" y="1"/>
-                  </a:moveTo>
-                  <a:cubicBezTo>
-                    <a:pt x="7712" y="1"/>
-                    <a:pt x="7279" y="166"/>
-                    <a:pt x="6949" y="496"/>
-                  </a:cubicBezTo>
-                  <a:lnTo>
-                    <a:pt x="6946" y="496"/>
-                  </a:lnTo>
-                  <a:lnTo>
-                    <a:pt x="4219" y="3223"/>
-                  </a:lnTo>
-                  <a:lnTo>
-                    <a:pt x="3144" y="2148"/>
-                  </a:lnTo>
-                  <a:cubicBezTo>
-                    <a:pt x="2808" y="1779"/>
-                    <a:pt x="2348" y="1594"/>
-                    <a:pt x="1887" y="1594"/>
-                  </a:cubicBezTo>
-                  <a:cubicBezTo>
-                    <a:pt x="1453" y="1594"/>
-                    <a:pt x="1019" y="1758"/>
-                    <a:pt x="686" y="2091"/>
-                  </a:cubicBezTo>
-                  <a:cubicBezTo>
-                    <a:pt x="1" y="2776"/>
-                    <a:pt x="28" y="3896"/>
-                    <a:pt x="747" y="4549"/>
-                  </a:cubicBezTo>
-                  <a:lnTo>
-                    <a:pt x="3029" y="6819"/>
-                  </a:lnTo>
-                  <a:cubicBezTo>
-                    <a:pt x="3344" y="7131"/>
-                    <a:pt x="3768" y="7308"/>
-                    <a:pt x="4214" y="7308"/>
-                  </a:cubicBezTo>
-                  <a:cubicBezTo>
-                    <a:pt x="4218" y="7308"/>
-                    <a:pt x="4221" y="7308"/>
-                    <a:pt x="4225" y="7308"/>
-                  </a:cubicBezTo>
-                  <a:cubicBezTo>
-                    <a:pt x="4678" y="7308"/>
-                    <a:pt x="5116" y="7127"/>
-                    <a:pt x="5439" y="6807"/>
-                  </a:cubicBezTo>
-                  <a:lnTo>
-                    <a:pt x="9349" y="2900"/>
-                  </a:lnTo>
-                  <a:cubicBezTo>
-                    <a:pt x="10013" y="2236"/>
-                    <a:pt x="10013" y="1161"/>
-                    <a:pt x="9349" y="499"/>
-                  </a:cubicBezTo>
-                  <a:cubicBezTo>
-                    <a:pt x="9017" y="167"/>
-                    <a:pt x="8581" y="1"/>
-                    <a:pt x="8146" y="1"/>
-                  </a:cubicBezTo>
-                  <a:close/>
-                </a:path>
-              </a:pathLst>
-            </a:custGeom>
-            <a:solidFill>
-              <a:schemeClr val="dk1"/>
-            </a:solidFill>
-            <a:ln>
-              <a:noFill/>
-            </a:ln>
-          </p:spPr>
-          <p:txBody>
-            <a:bodyPr spcFirstLastPara="1" wrap="square" lIns="91425" tIns="91425" rIns="91425" bIns="91425" anchor="ctr" anchorCtr="0">
-              <a:noAutofit/>
-            </a:bodyPr>
-            <a:lstStyle/>
-            <a:p>
-              <a:pPr marL="0" lvl="0" indent="0" algn="l" rtl="0">
-                <a:spcBef>
-                  <a:spcPts val="0"/>
-                </a:spcBef>
-                <a:spcAft>
-                  <a:spcPts val="0"/>
-                </a:spcAft>
-                <a:buNone/>
-              </a:pPr>
-              <a:endParaRPr>
-                <a:solidFill>
-                  <a:srgbClr val="435D74"/>
-                </a:solidFill>
-              </a:endParaRPr>
-            </a:p>
-          </p:txBody>
-        </p:sp>
-      </p:grpSp>
-      <p:grpSp>
-        <p:nvGrpSpPr>
-          <p:cNvPr id="683" name="Google Shape;618;p42">
-            <a:extLst>
-              <a:ext uri="{FF2B5EF4-FFF2-40B4-BE49-F238E27FC236}">
-                <a16:creationId xmlns:a16="http://schemas.microsoft.com/office/drawing/2014/main" id="{A631010B-B164-D65D-4908-EEA8AA0D3C1E}"/>
-              </a:ext>
-            </a:extLst>
-          </p:cNvPr>
-          <p:cNvGrpSpPr/>
-          <p:nvPr/>
-        </p:nvGrpSpPr>
-        <p:grpSpPr>
-          <a:xfrm>
-            <a:off x="4667697" y="2422504"/>
-            <a:ext cx="911100" cy="689641"/>
-            <a:chOff x="1217362" y="1846472"/>
-            <a:chExt cx="911100" cy="689641"/>
-          </a:xfrm>
-        </p:grpSpPr>
-        <p:sp>
-          <p:nvSpPr>
-            <p:cNvPr id="684" name="Google Shape;619;p42">
-              <a:extLst>
-                <a:ext uri="{FF2B5EF4-FFF2-40B4-BE49-F238E27FC236}">
-                  <a16:creationId xmlns:a16="http://schemas.microsoft.com/office/drawing/2014/main" id="{AEEEC72F-BD6B-1034-2C4C-6573E65750B2}"/>
-                </a:ext>
-              </a:extLst>
-            </p:cNvPr>
-            <p:cNvSpPr/>
-            <p:nvPr/>
-          </p:nvSpPr>
-          <p:spPr>
-            <a:xfrm>
-              <a:off x="1217362" y="1846472"/>
-              <a:ext cx="431700" cy="505200"/>
-            </a:xfrm>
-            <a:prstGeom prst="roundRect">
-              <a:avLst>
-                <a:gd name="adj" fmla="val 6278"/>
-              </a:avLst>
-            </a:prstGeom>
-            <a:solidFill>
-              <a:schemeClr val="lt2"/>
-            </a:solidFill>
-            <a:ln w="28575" cap="flat" cmpd="sng">
-              <a:solidFill>
-                <a:schemeClr val="dk1"/>
-              </a:solidFill>
-              <a:prstDash val="solid"/>
-              <a:round/>
-              <a:headEnd type="none" w="sm" len="sm"/>
-              <a:tailEnd type="none" w="sm" len="sm"/>
-            </a:ln>
-            <a:effectLst>
-              <a:outerShdw blurRad="57150" dist="19050" dir="5400000" algn="bl" rotWithShape="0">
-                <a:schemeClr val="dk1">
-                  <a:alpha val="50000"/>
-                </a:schemeClr>
-              </a:outerShdw>
-            </a:effectLst>
-          </p:spPr>
-          <p:txBody>
-            <a:bodyPr spcFirstLastPara="1" wrap="square" lIns="91425" tIns="91425" rIns="91425" bIns="91425" anchor="ctr" anchorCtr="0">
-              <a:noAutofit/>
-            </a:bodyPr>
-            <a:lstStyle/>
-            <a:p>
-              <a:pPr marL="0" lvl="0" indent="0" algn="l" rtl="0">
-                <a:spcBef>
-                  <a:spcPts val="0"/>
-                </a:spcBef>
-                <a:spcAft>
-                  <a:spcPts val="0"/>
-                </a:spcAft>
-                <a:buNone/>
-              </a:pPr>
-              <a:endParaRPr/>
-            </a:p>
-          </p:txBody>
-        </p:sp>
-        <p:sp>
-          <p:nvSpPr>
-            <p:cNvPr id="685" name="Google Shape;620;p42">
-              <a:extLst>
-                <a:ext uri="{FF2B5EF4-FFF2-40B4-BE49-F238E27FC236}">
-                  <a16:creationId xmlns:a16="http://schemas.microsoft.com/office/drawing/2014/main" id="{F071DC2A-0DC0-CC5E-2D32-2DE05945DA50}"/>
-                </a:ext>
-              </a:extLst>
-            </p:cNvPr>
-            <p:cNvSpPr/>
-            <p:nvPr/>
-          </p:nvSpPr>
-          <p:spPr>
-            <a:xfrm>
-              <a:off x="1217362" y="1947213"/>
-              <a:ext cx="911100" cy="588900"/>
-            </a:xfrm>
-            <a:prstGeom prst="roundRect">
-              <a:avLst>
-                <a:gd name="adj" fmla="val 5762"/>
-              </a:avLst>
-            </a:prstGeom>
-            <a:solidFill>
-              <a:schemeClr val="lt2"/>
-            </a:solidFill>
-            <a:ln w="28575" cap="flat" cmpd="sng">
-              <a:solidFill>
-                <a:schemeClr val="dk1"/>
-              </a:solidFill>
-              <a:prstDash val="solid"/>
-              <a:round/>
-              <a:headEnd type="none" w="sm" len="sm"/>
-              <a:tailEnd type="none" w="sm" len="sm"/>
-            </a:ln>
-            <a:effectLst>
-              <a:outerShdw dist="57150" dir="2940000" algn="bl" rotWithShape="0">
-                <a:schemeClr val="dk1"/>
-              </a:outerShdw>
-            </a:effectLst>
-          </p:spPr>
-          <p:txBody>
-            <a:bodyPr spcFirstLastPara="1" wrap="square" lIns="91425" tIns="91425" rIns="91425" bIns="91425" anchor="ctr" anchorCtr="0">
-              <a:noAutofit/>
-            </a:bodyPr>
-            <a:lstStyle/>
-            <a:p>
-              <a:pPr marL="0" lvl="0" indent="0" algn="l" rtl="0">
-                <a:spcBef>
-                  <a:spcPts val="0"/>
-                </a:spcBef>
-                <a:spcAft>
-                  <a:spcPts val="0"/>
-                </a:spcAft>
-                <a:buNone/>
-              </a:pPr>
-              <a:endParaRPr/>
-            </a:p>
-          </p:txBody>
-        </p:sp>
-      </p:grpSp>
-      <p:sp>
-        <p:nvSpPr>
-          <p:cNvPr id="686" name="Google Shape;621;p42">
-            <a:extLst>
-              <a:ext uri="{FF2B5EF4-FFF2-40B4-BE49-F238E27FC236}">
-                <a16:creationId xmlns:a16="http://schemas.microsoft.com/office/drawing/2014/main" id="{766E4872-4BB0-757C-AF90-B00C4CC8182C}"/>
-              </a:ext>
-            </a:extLst>
-          </p:cNvPr>
-          <p:cNvSpPr txBox="1"/>
-          <p:nvPr/>
-        </p:nvSpPr>
-        <p:spPr>
-          <a:xfrm>
-            <a:off x="5663605" y="2399075"/>
-            <a:ext cx="3203693" cy="484800"/>
-          </a:xfrm>
-          <a:prstGeom prst="rect">
-            <a:avLst/>
-          </a:prstGeom>
-          <a:noFill/>
-          <a:ln>
-            <a:noFill/>
-          </a:ln>
-        </p:spPr>
-        <p:txBody>
-          <a:bodyPr spcFirstLastPara="1" wrap="square" lIns="91425" tIns="91425" rIns="91425" bIns="91425" anchor="ctr" anchorCtr="0">
-            <a:noAutofit/>
-          </a:bodyPr>
-          <a:lstStyle/>
-          <a:p>
-            <a:pPr marL="285750" lvl="2" indent="-285750">
-              <a:buFont typeface="Arial" panose="020B0604020202020204" pitchFamily="34" charset="0"/>
-              <a:buChar char="•"/>
-            </a:pPr>
-            <a:r>
-              <a:rPr lang="fr-FR" b="1" dirty="0">
-                <a:solidFill>
-                  <a:schemeClr val="dk2"/>
-                </a:solidFill>
-                <a:latin typeface="Lato"/>
-                <a:ea typeface="Lato"/>
-                <a:cs typeface="Lato"/>
-                <a:sym typeface="Lato"/>
-              </a:rPr>
-              <a:t>Accéder à un élément spécifique:</a:t>
-            </a:r>
-            <a:endParaRPr lang="en-US" b="1" dirty="0">
-              <a:solidFill>
-                <a:schemeClr val="dk2"/>
-              </a:solidFill>
-              <a:latin typeface="Lato"/>
-              <a:ea typeface="Lato"/>
-              <a:cs typeface="Lato"/>
-              <a:sym typeface="Lato"/>
-            </a:endParaRPr>
-          </a:p>
-        </p:txBody>
-      </p:sp>
-      <p:grpSp>
-        <p:nvGrpSpPr>
-          <p:cNvPr id="687" name="Google Shape;642;p42">
-            <a:extLst>
-              <a:ext uri="{FF2B5EF4-FFF2-40B4-BE49-F238E27FC236}">
-                <a16:creationId xmlns:a16="http://schemas.microsoft.com/office/drawing/2014/main" id="{DDCD482B-A0F2-E1FC-CFD6-35C243147515}"/>
-              </a:ext>
-            </a:extLst>
-          </p:cNvPr>
-          <p:cNvGrpSpPr/>
-          <p:nvPr/>
-        </p:nvGrpSpPr>
-        <p:grpSpPr>
-          <a:xfrm>
-            <a:off x="4941112" y="2550567"/>
-            <a:ext cx="355049" cy="355049"/>
-            <a:chOff x="1487200" y="4993750"/>
-            <a:chExt cx="483125" cy="483125"/>
-          </a:xfrm>
-        </p:grpSpPr>
-        <p:sp>
-          <p:nvSpPr>
-            <p:cNvPr id="688" name="Google Shape;643;p42">
-              <a:extLst>
-                <a:ext uri="{FF2B5EF4-FFF2-40B4-BE49-F238E27FC236}">
-                  <a16:creationId xmlns:a16="http://schemas.microsoft.com/office/drawing/2014/main" id="{C7C973D8-EA22-299F-2F61-01075023896E}"/>
-                </a:ext>
-              </a:extLst>
-            </p:cNvPr>
-            <p:cNvSpPr/>
-            <p:nvPr/>
-          </p:nvSpPr>
-          <p:spPr>
-            <a:xfrm>
-              <a:off x="1487200" y="4993750"/>
-              <a:ext cx="483125" cy="483125"/>
-            </a:xfrm>
-            <a:custGeom>
-              <a:avLst/>
-              <a:gdLst/>
-              <a:ahLst/>
-              <a:cxnLst/>
-              <a:rect l="l" t="t" r="r" b="b"/>
-              <a:pathLst>
-                <a:path w="19325" h="19325" extrusionOk="0">
-                  <a:moveTo>
-                    <a:pt x="9662" y="1133"/>
-                  </a:moveTo>
-                  <a:cubicBezTo>
-                    <a:pt x="11824" y="1133"/>
-                    <a:pt x="13983" y="1975"/>
-                    <a:pt x="15668" y="3657"/>
-                  </a:cubicBezTo>
-                  <a:cubicBezTo>
-                    <a:pt x="19035" y="7027"/>
-                    <a:pt x="19035" y="12302"/>
-                    <a:pt x="15668" y="15668"/>
-                  </a:cubicBezTo>
-                  <a:cubicBezTo>
-                    <a:pt x="13983" y="17352"/>
-                    <a:pt x="11822" y="18193"/>
-                    <a:pt x="9661" y="18193"/>
-                  </a:cubicBezTo>
-                  <a:cubicBezTo>
-                    <a:pt x="7500" y="18193"/>
-                    <a:pt x="5340" y="17352"/>
-                    <a:pt x="3657" y="15668"/>
-                  </a:cubicBezTo>
-                  <a:cubicBezTo>
-                    <a:pt x="290" y="12302"/>
-                    <a:pt x="290" y="7024"/>
-                    <a:pt x="3657" y="3657"/>
-                  </a:cubicBezTo>
-                  <a:cubicBezTo>
-                    <a:pt x="5342" y="1975"/>
-                    <a:pt x="7500" y="1133"/>
-                    <a:pt x="9662" y="1133"/>
-                  </a:cubicBezTo>
-                  <a:close/>
-                  <a:moveTo>
-                    <a:pt x="9662" y="1"/>
-                  </a:moveTo>
-                  <a:cubicBezTo>
-                    <a:pt x="7117" y="1"/>
-                    <a:pt x="4698" y="1015"/>
-                    <a:pt x="2857" y="2857"/>
-                  </a:cubicBezTo>
-                  <a:cubicBezTo>
-                    <a:pt x="1015" y="4699"/>
-                    <a:pt x="0" y="7117"/>
-                    <a:pt x="0" y="9663"/>
-                  </a:cubicBezTo>
-                  <a:cubicBezTo>
-                    <a:pt x="0" y="12208"/>
-                    <a:pt x="1015" y="14627"/>
-                    <a:pt x="2857" y="16469"/>
-                  </a:cubicBezTo>
-                  <a:cubicBezTo>
-                    <a:pt x="4698" y="18310"/>
-                    <a:pt x="7117" y="19325"/>
-                    <a:pt x="9662" y="19325"/>
-                  </a:cubicBezTo>
-                  <a:cubicBezTo>
-                    <a:pt x="12208" y="19325"/>
-                    <a:pt x="14626" y="18310"/>
-                    <a:pt x="16468" y="16469"/>
-                  </a:cubicBezTo>
-                  <a:cubicBezTo>
-                    <a:pt x="18310" y="14627"/>
-                    <a:pt x="19325" y="12208"/>
-                    <a:pt x="19325" y="9663"/>
-                  </a:cubicBezTo>
-                  <a:cubicBezTo>
-                    <a:pt x="19325" y="7117"/>
-                    <a:pt x="18310" y="4699"/>
-                    <a:pt x="16468" y="2857"/>
-                  </a:cubicBezTo>
-                  <a:cubicBezTo>
-                    <a:pt x="14626" y="1015"/>
-                    <a:pt x="12208" y="1"/>
-                    <a:pt x="9662" y="1"/>
-                  </a:cubicBezTo>
-                  <a:close/>
-                </a:path>
-              </a:pathLst>
-            </a:custGeom>
-            <a:solidFill>
-              <a:schemeClr val="dk1"/>
-            </a:solidFill>
-            <a:ln>
-              <a:noFill/>
-            </a:ln>
-          </p:spPr>
-          <p:txBody>
-            <a:bodyPr spcFirstLastPara="1" wrap="square" lIns="91425" tIns="91425" rIns="91425" bIns="91425" anchor="ctr" anchorCtr="0">
-              <a:noAutofit/>
-            </a:bodyPr>
-            <a:lstStyle/>
-            <a:p>
-              <a:pPr marL="0" lvl="0" indent="0" algn="l" rtl="0">
-                <a:spcBef>
-                  <a:spcPts val="0"/>
-                </a:spcBef>
-                <a:spcAft>
-                  <a:spcPts val="0"/>
-                </a:spcAft>
-                <a:buNone/>
-              </a:pPr>
-              <a:endParaRPr>
-                <a:solidFill>
-                  <a:srgbClr val="435D74"/>
-                </a:solidFill>
-              </a:endParaRPr>
-            </a:p>
-          </p:txBody>
-        </p:sp>
-        <p:sp>
-          <p:nvSpPr>
-            <p:cNvPr id="689" name="Google Shape;644;p42">
-              <a:extLst>
-                <a:ext uri="{FF2B5EF4-FFF2-40B4-BE49-F238E27FC236}">
-                  <a16:creationId xmlns:a16="http://schemas.microsoft.com/office/drawing/2014/main" id="{8AF32008-CEFA-0D08-DCBF-92BEE3217DE9}"/>
-                </a:ext>
-              </a:extLst>
-            </p:cNvPr>
-            <p:cNvSpPr/>
-            <p:nvPr/>
-          </p:nvSpPr>
-          <p:spPr>
-            <a:xfrm>
-              <a:off x="1602600" y="5143950"/>
-              <a:ext cx="250350" cy="182725"/>
-            </a:xfrm>
-            <a:custGeom>
-              <a:avLst/>
-              <a:gdLst/>
-              <a:ahLst/>
-              <a:cxnLst/>
-              <a:rect l="l" t="t" r="r" b="b"/>
-              <a:pathLst>
-                <a:path w="10014" h="7309" extrusionOk="0">
-                  <a:moveTo>
-                    <a:pt x="8149" y="1134"/>
-                  </a:moveTo>
-                  <a:cubicBezTo>
-                    <a:pt x="8294" y="1134"/>
-                    <a:pt x="8439" y="1189"/>
-                    <a:pt x="8549" y="1300"/>
-                  </a:cubicBezTo>
-                  <a:cubicBezTo>
-                    <a:pt x="8769" y="1520"/>
-                    <a:pt x="8769" y="1879"/>
-                    <a:pt x="8549" y="2100"/>
-                  </a:cubicBezTo>
-                  <a:lnTo>
-                    <a:pt x="4639" y="6007"/>
-                  </a:lnTo>
-                  <a:cubicBezTo>
-                    <a:pt x="4527" y="6120"/>
-                    <a:pt x="4377" y="6177"/>
-                    <a:pt x="4227" y="6177"/>
-                  </a:cubicBezTo>
-                  <a:cubicBezTo>
-                    <a:pt x="4081" y="6177"/>
-                    <a:pt x="3937" y="6123"/>
-                    <a:pt x="3830" y="6016"/>
-                  </a:cubicBezTo>
-                  <a:lnTo>
-                    <a:pt x="1547" y="3748"/>
-                  </a:lnTo>
-                  <a:cubicBezTo>
-                    <a:pt x="1296" y="3534"/>
-                    <a:pt x="1281" y="3151"/>
-                    <a:pt x="1514" y="2918"/>
-                  </a:cubicBezTo>
-                  <a:cubicBezTo>
-                    <a:pt x="1626" y="2806"/>
-                    <a:pt x="1771" y="2750"/>
-                    <a:pt x="1916" y="2750"/>
-                  </a:cubicBezTo>
-                  <a:cubicBezTo>
-                    <a:pt x="2074" y="2750"/>
-                    <a:pt x="2232" y="2817"/>
-                    <a:pt x="2344" y="2948"/>
-                  </a:cubicBezTo>
-                  <a:lnTo>
-                    <a:pt x="3784" y="4388"/>
-                  </a:lnTo>
-                  <a:cubicBezTo>
-                    <a:pt x="3793" y="4401"/>
-                    <a:pt x="3805" y="4410"/>
-                    <a:pt x="3817" y="4419"/>
-                  </a:cubicBezTo>
-                  <a:cubicBezTo>
-                    <a:pt x="3817" y="4422"/>
-                    <a:pt x="3820" y="4422"/>
-                    <a:pt x="3823" y="4425"/>
-                  </a:cubicBezTo>
-                  <a:cubicBezTo>
-                    <a:pt x="3934" y="4535"/>
-                    <a:pt x="4078" y="4590"/>
-                    <a:pt x="4222" y="4590"/>
-                  </a:cubicBezTo>
-                  <a:cubicBezTo>
-                    <a:pt x="4367" y="4590"/>
-                    <a:pt x="4512" y="4535"/>
-                    <a:pt x="4624" y="4425"/>
-                  </a:cubicBezTo>
-                  <a:lnTo>
-                    <a:pt x="7749" y="1300"/>
-                  </a:lnTo>
-                  <a:cubicBezTo>
-                    <a:pt x="7859" y="1189"/>
-                    <a:pt x="8004" y="1134"/>
-                    <a:pt x="8149" y="1134"/>
-                  </a:cubicBezTo>
-                  <a:close/>
-                  <a:moveTo>
-                    <a:pt x="8146" y="1"/>
-                  </a:moveTo>
-                  <a:cubicBezTo>
-                    <a:pt x="7712" y="1"/>
-                    <a:pt x="7279" y="166"/>
-                    <a:pt x="6949" y="496"/>
-                  </a:cubicBezTo>
-                  <a:lnTo>
-                    <a:pt x="6946" y="496"/>
-                  </a:lnTo>
-                  <a:lnTo>
-                    <a:pt x="4219" y="3223"/>
-                  </a:lnTo>
-                  <a:lnTo>
-                    <a:pt x="3144" y="2148"/>
-                  </a:lnTo>
-                  <a:cubicBezTo>
-                    <a:pt x="2808" y="1779"/>
-                    <a:pt x="2348" y="1594"/>
-                    <a:pt x="1887" y="1594"/>
-                  </a:cubicBezTo>
-                  <a:cubicBezTo>
-                    <a:pt x="1453" y="1594"/>
-                    <a:pt x="1019" y="1758"/>
-                    <a:pt x="686" y="2091"/>
-                  </a:cubicBezTo>
-                  <a:cubicBezTo>
-                    <a:pt x="1" y="2776"/>
-                    <a:pt x="28" y="3896"/>
-                    <a:pt x="747" y="4549"/>
-                  </a:cubicBezTo>
-                  <a:lnTo>
-                    <a:pt x="3029" y="6819"/>
-                  </a:lnTo>
-                  <a:cubicBezTo>
-                    <a:pt x="3344" y="7131"/>
-                    <a:pt x="3768" y="7308"/>
-                    <a:pt x="4214" y="7308"/>
-                  </a:cubicBezTo>
-                  <a:cubicBezTo>
-                    <a:pt x="4218" y="7308"/>
-                    <a:pt x="4221" y="7308"/>
-                    <a:pt x="4225" y="7308"/>
-                  </a:cubicBezTo>
-                  <a:cubicBezTo>
-                    <a:pt x="4678" y="7308"/>
-                    <a:pt x="5116" y="7127"/>
-                    <a:pt x="5439" y="6807"/>
-                  </a:cubicBezTo>
-                  <a:lnTo>
-                    <a:pt x="9349" y="2900"/>
-                  </a:lnTo>
-                  <a:cubicBezTo>
-                    <a:pt x="10013" y="2236"/>
-                    <a:pt x="10013" y="1161"/>
-                    <a:pt x="9349" y="499"/>
-                  </a:cubicBezTo>
-                  <a:cubicBezTo>
-                    <a:pt x="9017" y="167"/>
-                    <a:pt x="8581" y="1"/>
-                    <a:pt x="8146" y="1"/>
-                  </a:cubicBezTo>
-                  <a:close/>
-                </a:path>
-              </a:pathLst>
-            </a:custGeom>
-            <a:solidFill>
-              <a:schemeClr val="dk1"/>
-            </a:solidFill>
-            <a:ln>
-              <a:noFill/>
-            </a:ln>
-          </p:spPr>
-          <p:txBody>
-            <a:bodyPr spcFirstLastPara="1" wrap="square" lIns="91425" tIns="91425" rIns="91425" bIns="91425" anchor="ctr" anchorCtr="0">
-              <a:noAutofit/>
-            </a:bodyPr>
-            <a:lstStyle/>
-            <a:p>
-              <a:pPr marL="0" lvl="0" indent="0" algn="l" rtl="0">
-                <a:spcBef>
-                  <a:spcPts val="0"/>
-                </a:spcBef>
-                <a:spcAft>
-                  <a:spcPts val="0"/>
-                </a:spcAft>
-                <a:buNone/>
-              </a:pPr>
-              <a:endParaRPr>
-                <a:solidFill>
-                  <a:srgbClr val="435D74"/>
-                </a:solidFill>
-              </a:endParaRPr>
-            </a:p>
-          </p:txBody>
-        </p:sp>
-      </p:grpSp>
-      <p:pic>
-        <p:nvPicPr>
-          <p:cNvPr id="704" name="Image 703">
-            <a:extLst>
-              <a:ext uri="{FF2B5EF4-FFF2-40B4-BE49-F238E27FC236}">
-                <a16:creationId xmlns:a16="http://schemas.microsoft.com/office/drawing/2014/main" id="{F48C7169-AC03-212A-0DC0-EABA51D27934}"/>
+                <a16:creationId xmlns:a16="http://schemas.microsoft.com/office/drawing/2014/main" id="{2670EF2B-6B45-5147-D287-44BC540A1A97}"/>
               </a:ext>
             </a:extLst>
           </p:cNvPr>
@@ -40943,8 +39572,8 @@
         </p:blipFill>
         <p:spPr>
           <a:xfrm>
-            <a:off x="1790754" y="2866281"/>
-            <a:ext cx="1990725" cy="228600"/>
+            <a:off x="1829057" y="2933545"/>
+            <a:ext cx="5724525" cy="257175"/>
           </a:xfrm>
           <a:prstGeom prst="rect">
             <a:avLst/>
@@ -40953,10 +39582,10 @@
       </p:pic>
       <p:pic>
         <p:nvPicPr>
-          <p:cNvPr id="708" name="Image 707">
+          <p:cNvPr id="674" name="Image 673">
             <a:extLst>
               <a:ext uri="{FF2B5EF4-FFF2-40B4-BE49-F238E27FC236}">
-                <a16:creationId xmlns:a16="http://schemas.microsoft.com/office/drawing/2014/main" id="{BC91E464-1797-BF1A-402E-A50E661EE12F}"/>
+                <a16:creationId xmlns:a16="http://schemas.microsoft.com/office/drawing/2014/main" id="{D4C16299-0CA0-C5F0-01DC-546A4DBC5FC3}"/>
               </a:ext>
             </a:extLst>
           </p:cNvPr>
@@ -40973,68 +39602,8 @@
         </p:blipFill>
         <p:spPr>
           <a:xfrm>
-            <a:off x="1786014" y="3995077"/>
-            <a:ext cx="1209675" cy="247650"/>
-          </a:xfrm>
-          <a:prstGeom prst="rect">
-            <a:avLst/>
-          </a:prstGeom>
-        </p:spPr>
-      </p:pic>
-      <p:pic>
-        <p:nvPicPr>
-          <p:cNvPr id="710" name="Image 709">
-            <a:extLst>
-              <a:ext uri="{FF2B5EF4-FFF2-40B4-BE49-F238E27FC236}">
-                <a16:creationId xmlns:a16="http://schemas.microsoft.com/office/drawing/2014/main" id="{0EEF00A8-7757-F102-DC47-FA2D6EF64775}"/>
-              </a:ext>
-            </a:extLst>
-          </p:cNvPr>
-          <p:cNvPicPr>
-            <a:picLocks noChangeAspect="1"/>
-          </p:cNvPicPr>
-          <p:nvPr/>
-        </p:nvPicPr>
-        <p:blipFill>
-          <a:blip r:embed="rId6"/>
-          <a:stretch>
-            <a:fillRect/>
-          </a:stretch>
-        </p:blipFill>
-        <p:spPr>
-          <a:xfrm>
-            <a:off x="5934375" y="1769851"/>
-            <a:ext cx="2314575" cy="314325"/>
-          </a:xfrm>
-          <a:prstGeom prst="rect">
-            <a:avLst/>
-          </a:prstGeom>
-        </p:spPr>
-      </p:pic>
-      <p:pic>
-        <p:nvPicPr>
-          <p:cNvPr id="712" name="Image 711">
-            <a:extLst>
-              <a:ext uri="{FF2B5EF4-FFF2-40B4-BE49-F238E27FC236}">
-                <a16:creationId xmlns:a16="http://schemas.microsoft.com/office/drawing/2014/main" id="{A52D6C22-4D8A-DDD6-623E-F1C99F23BAC3}"/>
-              </a:ext>
-            </a:extLst>
-          </p:cNvPr>
-          <p:cNvPicPr>
-            <a:picLocks noChangeAspect="1"/>
-          </p:cNvPicPr>
-          <p:nvPr/>
-        </p:nvPicPr>
-        <p:blipFill>
-          <a:blip r:embed="rId7"/>
-          <a:stretch>
-            <a:fillRect/>
-          </a:stretch>
-        </p:blipFill>
-        <p:spPr>
-          <a:xfrm>
-            <a:off x="5985615" y="2823930"/>
-            <a:ext cx="2152650" cy="228600"/>
+            <a:off x="1829057" y="4025829"/>
+            <a:ext cx="1466850" cy="219075"/>
           </a:xfrm>
           <a:prstGeom prst="rect">
             <a:avLst/>
@@ -41044,7 +39613,7 @@
     </p:spTree>
     <p:extLst>
       <p:ext uri="{BB962C8B-B14F-4D97-AF65-F5344CB8AC3E}">
-        <p14:creationId xmlns:p14="http://schemas.microsoft.com/office/powerpoint/2010/main" val="2790459999"/>
+        <p14:creationId xmlns:p14="http://schemas.microsoft.com/office/powerpoint/2010/main" val="3104437788"/>
       </p:ext>
     </p:extLst>
   </p:cSld>

--- a/SEMESTER 1/Modélisation avec Python/M- Pandas/Presentation/Pandas.pptx
+++ b/SEMESTER 1/Modélisation avec Python/M- Pandas/Presentation/Pandas.pptx
@@ -5,7 +5,7 @@
     <p:sldMasterId id="2147483674" r:id="rId1"/>
   </p:sldMasterIdLst>
   <p:notesMasterIdLst>
-    <p:notesMasterId r:id="rId39"/>
+    <p:notesMasterId r:id="rId51"/>
   </p:notesMasterIdLst>
   <p:sldIdLst>
     <p:sldId id="308" r:id="rId2"/>
@@ -45,6 +45,18 @@
     <p:sldId id="342" r:id="rId36"/>
     <p:sldId id="343" r:id="rId37"/>
     <p:sldId id="348" r:id="rId38"/>
+    <p:sldId id="349" r:id="rId39"/>
+    <p:sldId id="350" r:id="rId40"/>
+    <p:sldId id="351" r:id="rId41"/>
+    <p:sldId id="352" r:id="rId42"/>
+    <p:sldId id="353" r:id="rId43"/>
+    <p:sldId id="354" r:id="rId44"/>
+    <p:sldId id="355" r:id="rId45"/>
+    <p:sldId id="356" r:id="rId46"/>
+    <p:sldId id="357" r:id="rId47"/>
+    <p:sldId id="358" r:id="rId48"/>
+    <p:sldId id="359" r:id="rId49"/>
+    <p:sldId id="360" r:id="rId50"/>
   </p:sldIdLst>
   <p:sldSz cx="9144000" cy="5143500" type="screen16x9"/>
   <p:notesSz cx="6858000" cy="9144000"/>
@@ -3976,6 +3988,333 @@
 </p:notes>
 </file>
 
+<file path=ppt/notesSlides/notesSlide37.xml><?xml version="1.0" encoding="utf-8"?>
+<p:notes xmlns:a="http://schemas.openxmlformats.org/drawingml/2006/main" xmlns:r="http://schemas.openxmlformats.org/officeDocument/2006/relationships" xmlns:p="http://schemas.openxmlformats.org/presentationml/2006/main" showMasterSp="0" showMasterPhAnim="0">
+  <p:cSld>
+    <p:spTree>
+      <p:nvGrpSpPr>
+        <p:cNvPr id="1" name="Shape 503"/>
+        <p:cNvGrpSpPr/>
+        <p:nvPr/>
+      </p:nvGrpSpPr>
+      <p:grpSpPr>
+        <a:xfrm>
+          <a:off x="0" y="0"/>
+          <a:ext cx="0" cy="0"/>
+          <a:chOff x="0" y="0"/>
+          <a:chExt cx="0" cy="0"/>
+        </a:xfrm>
+      </p:grpSpPr>
+      <p:sp>
+        <p:nvSpPr>
+          <p:cNvPr id="504" name="Google Shape;504;gdd09e57de2_0_36:notes"/>
+          <p:cNvSpPr>
+            <a:spLocks noGrp="1" noRot="1" noChangeAspect="1"/>
+          </p:cNvSpPr>
+          <p:nvPr>
+            <p:ph type="sldImg" idx="2"/>
+          </p:nvPr>
+        </p:nvSpPr>
+        <p:spPr>
+          <a:xfrm>
+            <a:off x="381000" y="685800"/>
+            <a:ext cx="6096000" cy="3429000"/>
+          </a:xfrm>
+          <a:custGeom>
+            <a:avLst/>
+            <a:gdLst/>
+            <a:ahLst/>
+            <a:cxnLst/>
+            <a:rect l="l" t="t" r="r" b="b"/>
+            <a:pathLst>
+              <a:path w="120000" h="120000" extrusionOk="0">
+                <a:moveTo>
+                  <a:pt x="0" y="0"/>
+                </a:moveTo>
+                <a:lnTo>
+                  <a:pt x="120000" y="0"/>
+                </a:lnTo>
+                <a:lnTo>
+                  <a:pt x="120000" y="120000"/>
+                </a:lnTo>
+                <a:lnTo>
+                  <a:pt x="0" y="120000"/>
+                </a:lnTo>
+                <a:close/>
+              </a:path>
+            </a:pathLst>
+          </a:custGeom>
+        </p:spPr>
+      </p:sp>
+      <p:sp>
+        <p:nvSpPr>
+          <p:cNvPr id="505" name="Google Shape;505;gdd09e57de2_0_36:notes"/>
+          <p:cNvSpPr txBox="1">
+            <a:spLocks noGrp="1"/>
+          </p:cNvSpPr>
+          <p:nvPr>
+            <p:ph type="body" idx="1"/>
+          </p:nvPr>
+        </p:nvSpPr>
+        <p:spPr>
+          <a:xfrm>
+            <a:off x="685800" y="4343400"/>
+            <a:ext cx="5486400" cy="4114800"/>
+          </a:xfrm>
+          <a:prstGeom prst="rect">
+            <a:avLst/>
+          </a:prstGeom>
+        </p:spPr>
+        <p:txBody>
+          <a:bodyPr spcFirstLastPara="1" wrap="square" lIns="91425" tIns="91425" rIns="91425" bIns="91425" anchor="t" anchorCtr="0">
+            <a:noAutofit/>
+          </a:bodyPr>
+          <a:lstStyle/>
+          <a:p>
+            <a:pPr marL="0" lvl="0" indent="0" algn="l" rtl="0">
+              <a:spcBef>
+                <a:spcPts val="0"/>
+              </a:spcBef>
+              <a:spcAft>
+                <a:spcPts val="0"/>
+              </a:spcAft>
+              <a:buNone/>
+            </a:pPr>
+            <a:endParaRPr/>
+          </a:p>
+        </p:txBody>
+      </p:sp>
+    </p:spTree>
+    <p:extLst>
+      <p:ext uri="{BB962C8B-B14F-4D97-AF65-F5344CB8AC3E}">
+        <p14:creationId xmlns:p14="http://schemas.microsoft.com/office/powerpoint/2010/main" val="3871295945"/>
+      </p:ext>
+    </p:extLst>
+  </p:cSld>
+  <p:clrMapOvr>
+    <a:masterClrMapping/>
+  </p:clrMapOvr>
+</p:notes>
+</file>
+
+<file path=ppt/notesSlides/notesSlide38.xml><?xml version="1.0" encoding="utf-8"?>
+<p:notes xmlns:a="http://schemas.openxmlformats.org/drawingml/2006/main" xmlns:r="http://schemas.openxmlformats.org/officeDocument/2006/relationships" xmlns:p="http://schemas.openxmlformats.org/presentationml/2006/main" showMasterSp="0" showMasterPhAnim="0">
+  <p:cSld>
+    <p:spTree>
+      <p:nvGrpSpPr>
+        <p:cNvPr id="1" name="Shape 515"/>
+        <p:cNvGrpSpPr/>
+        <p:nvPr/>
+      </p:nvGrpSpPr>
+      <p:grpSpPr>
+        <a:xfrm>
+          <a:off x="0" y="0"/>
+          <a:ext cx="0" cy="0"/>
+          <a:chOff x="0" y="0"/>
+          <a:chExt cx="0" cy="0"/>
+        </a:xfrm>
+      </p:grpSpPr>
+      <p:sp>
+        <p:nvSpPr>
+          <p:cNvPr id="516" name="Google Shape;516;gbd6c00e730_0_89:notes"/>
+          <p:cNvSpPr>
+            <a:spLocks noGrp="1" noRot="1" noChangeAspect="1"/>
+          </p:cNvSpPr>
+          <p:nvPr>
+            <p:ph type="sldImg" idx="2"/>
+          </p:nvPr>
+        </p:nvSpPr>
+        <p:spPr>
+          <a:xfrm>
+            <a:off x="381000" y="685800"/>
+            <a:ext cx="6096000" cy="3429000"/>
+          </a:xfrm>
+          <a:custGeom>
+            <a:avLst/>
+            <a:gdLst/>
+            <a:ahLst/>
+            <a:cxnLst/>
+            <a:rect l="l" t="t" r="r" b="b"/>
+            <a:pathLst>
+              <a:path w="120000" h="120000" extrusionOk="0">
+                <a:moveTo>
+                  <a:pt x="0" y="0"/>
+                </a:moveTo>
+                <a:lnTo>
+                  <a:pt x="120000" y="0"/>
+                </a:lnTo>
+                <a:lnTo>
+                  <a:pt x="120000" y="120000"/>
+                </a:lnTo>
+                <a:lnTo>
+                  <a:pt x="0" y="120000"/>
+                </a:lnTo>
+                <a:close/>
+              </a:path>
+            </a:pathLst>
+          </a:custGeom>
+        </p:spPr>
+      </p:sp>
+      <p:sp>
+        <p:nvSpPr>
+          <p:cNvPr id="517" name="Google Shape;517;gbd6c00e730_0_89:notes"/>
+          <p:cNvSpPr txBox="1">
+            <a:spLocks noGrp="1"/>
+          </p:cNvSpPr>
+          <p:nvPr>
+            <p:ph type="body" idx="1"/>
+          </p:nvPr>
+        </p:nvSpPr>
+        <p:spPr>
+          <a:xfrm>
+            <a:off x="685800" y="4343400"/>
+            <a:ext cx="5486400" cy="4114800"/>
+          </a:xfrm>
+          <a:prstGeom prst="rect">
+            <a:avLst/>
+          </a:prstGeom>
+        </p:spPr>
+        <p:txBody>
+          <a:bodyPr spcFirstLastPara="1" wrap="square" lIns="91425" tIns="91425" rIns="91425" bIns="91425" anchor="t" anchorCtr="0">
+            <a:noAutofit/>
+          </a:bodyPr>
+          <a:lstStyle/>
+          <a:p>
+            <a:pPr marL="0" lvl="0" indent="0" algn="l" rtl="0">
+              <a:spcBef>
+                <a:spcPts val="0"/>
+              </a:spcBef>
+              <a:spcAft>
+                <a:spcPts val="0"/>
+              </a:spcAft>
+              <a:buNone/>
+            </a:pPr>
+            <a:endParaRPr/>
+          </a:p>
+        </p:txBody>
+      </p:sp>
+    </p:spTree>
+    <p:extLst>
+      <p:ext uri="{BB962C8B-B14F-4D97-AF65-F5344CB8AC3E}">
+        <p14:creationId xmlns:p14="http://schemas.microsoft.com/office/powerpoint/2010/main" val="627646242"/>
+      </p:ext>
+    </p:extLst>
+  </p:cSld>
+  <p:clrMapOvr>
+    <a:masterClrMapping/>
+  </p:clrMapOvr>
+</p:notes>
+</file>
+
+<file path=ppt/notesSlides/notesSlide39.xml><?xml version="1.0" encoding="utf-8"?>
+<p:notes xmlns:a="http://schemas.openxmlformats.org/drawingml/2006/main" xmlns:r="http://schemas.openxmlformats.org/officeDocument/2006/relationships" xmlns:p="http://schemas.openxmlformats.org/presentationml/2006/main" showMasterSp="0" showMasterPhAnim="0">
+  <p:cSld>
+    <p:spTree>
+      <p:nvGrpSpPr>
+        <p:cNvPr id="1" name="Shape 942"/>
+        <p:cNvGrpSpPr/>
+        <p:nvPr/>
+      </p:nvGrpSpPr>
+      <p:grpSpPr>
+        <a:xfrm>
+          <a:off x="0" y="0"/>
+          <a:ext cx="0" cy="0"/>
+          <a:chOff x="0" y="0"/>
+          <a:chExt cx="0" cy="0"/>
+        </a:xfrm>
+      </p:grpSpPr>
+      <p:sp>
+        <p:nvSpPr>
+          <p:cNvPr id="943" name="Google Shape;943;gbd6c00e730_0_21:notes"/>
+          <p:cNvSpPr>
+            <a:spLocks noGrp="1" noRot="1" noChangeAspect="1"/>
+          </p:cNvSpPr>
+          <p:nvPr>
+            <p:ph type="sldImg" idx="2"/>
+          </p:nvPr>
+        </p:nvSpPr>
+        <p:spPr>
+          <a:xfrm>
+            <a:off x="381000" y="685800"/>
+            <a:ext cx="6096000" cy="3429000"/>
+          </a:xfrm>
+          <a:custGeom>
+            <a:avLst/>
+            <a:gdLst/>
+            <a:ahLst/>
+            <a:cxnLst/>
+            <a:rect l="l" t="t" r="r" b="b"/>
+            <a:pathLst>
+              <a:path w="120000" h="120000" extrusionOk="0">
+                <a:moveTo>
+                  <a:pt x="0" y="0"/>
+                </a:moveTo>
+                <a:lnTo>
+                  <a:pt x="120000" y="0"/>
+                </a:lnTo>
+                <a:lnTo>
+                  <a:pt x="120000" y="120000"/>
+                </a:lnTo>
+                <a:lnTo>
+                  <a:pt x="0" y="120000"/>
+                </a:lnTo>
+                <a:close/>
+              </a:path>
+            </a:pathLst>
+          </a:custGeom>
+        </p:spPr>
+      </p:sp>
+      <p:sp>
+        <p:nvSpPr>
+          <p:cNvPr id="944" name="Google Shape;944;gbd6c00e730_0_21:notes"/>
+          <p:cNvSpPr txBox="1">
+            <a:spLocks noGrp="1"/>
+          </p:cNvSpPr>
+          <p:nvPr>
+            <p:ph type="body" idx="1"/>
+          </p:nvPr>
+        </p:nvSpPr>
+        <p:spPr>
+          <a:xfrm>
+            <a:off x="685800" y="4343400"/>
+            <a:ext cx="5486400" cy="4114800"/>
+          </a:xfrm>
+          <a:prstGeom prst="rect">
+            <a:avLst/>
+          </a:prstGeom>
+        </p:spPr>
+        <p:txBody>
+          <a:bodyPr spcFirstLastPara="1" wrap="square" lIns="91425" tIns="91425" rIns="91425" bIns="91425" anchor="t" anchorCtr="0">
+            <a:noAutofit/>
+          </a:bodyPr>
+          <a:lstStyle/>
+          <a:p>
+            <a:pPr marL="0" lvl="0" indent="0" algn="l" rtl="0">
+              <a:spcBef>
+                <a:spcPts val="0"/>
+              </a:spcBef>
+              <a:spcAft>
+                <a:spcPts val="0"/>
+              </a:spcAft>
+              <a:buNone/>
+            </a:pPr>
+            <a:endParaRPr/>
+          </a:p>
+        </p:txBody>
+      </p:sp>
+    </p:spTree>
+    <p:extLst>
+      <p:ext uri="{BB962C8B-B14F-4D97-AF65-F5344CB8AC3E}">
+        <p14:creationId xmlns:p14="http://schemas.microsoft.com/office/powerpoint/2010/main" val="2981729824"/>
+      </p:ext>
+    </p:extLst>
+  </p:cSld>
+  <p:clrMapOvr>
+    <a:masterClrMapping/>
+  </p:clrMapOvr>
+</p:notes>
+</file>
+
 <file path=ppt/notesSlides/notesSlide4.xml><?xml version="1.0" encoding="utf-8"?>
 <p:notes xmlns:a="http://schemas.openxmlformats.org/drawingml/2006/main" xmlns:r="http://schemas.openxmlformats.org/officeDocument/2006/relationships" xmlns:p="http://schemas.openxmlformats.org/presentationml/2006/main" showMasterSp="0" showMasterPhAnim="0">
   <p:cSld>
@@ -4073,6 +4412,987 @@
         </p:txBody>
       </p:sp>
     </p:spTree>
+  </p:cSld>
+  <p:clrMapOvr>
+    <a:masterClrMapping/>
+  </p:clrMapOvr>
+</p:notes>
+</file>
+
+<file path=ppt/notesSlides/notesSlide40.xml><?xml version="1.0" encoding="utf-8"?>
+<p:notes xmlns:a="http://schemas.openxmlformats.org/drawingml/2006/main" xmlns:r="http://schemas.openxmlformats.org/officeDocument/2006/relationships" xmlns:p="http://schemas.openxmlformats.org/presentationml/2006/main" showMasterSp="0" showMasterPhAnim="0">
+  <p:cSld>
+    <p:spTree>
+      <p:nvGrpSpPr>
+        <p:cNvPr id="1" name="Shape 942"/>
+        <p:cNvGrpSpPr/>
+        <p:nvPr/>
+      </p:nvGrpSpPr>
+      <p:grpSpPr>
+        <a:xfrm>
+          <a:off x="0" y="0"/>
+          <a:ext cx="0" cy="0"/>
+          <a:chOff x="0" y="0"/>
+          <a:chExt cx="0" cy="0"/>
+        </a:xfrm>
+      </p:grpSpPr>
+      <p:sp>
+        <p:nvSpPr>
+          <p:cNvPr id="943" name="Google Shape;943;gbd6c00e730_0_21:notes"/>
+          <p:cNvSpPr>
+            <a:spLocks noGrp="1" noRot="1" noChangeAspect="1"/>
+          </p:cNvSpPr>
+          <p:nvPr>
+            <p:ph type="sldImg" idx="2"/>
+          </p:nvPr>
+        </p:nvSpPr>
+        <p:spPr>
+          <a:xfrm>
+            <a:off x="381000" y="685800"/>
+            <a:ext cx="6096000" cy="3429000"/>
+          </a:xfrm>
+          <a:custGeom>
+            <a:avLst/>
+            <a:gdLst/>
+            <a:ahLst/>
+            <a:cxnLst/>
+            <a:rect l="l" t="t" r="r" b="b"/>
+            <a:pathLst>
+              <a:path w="120000" h="120000" extrusionOk="0">
+                <a:moveTo>
+                  <a:pt x="0" y="0"/>
+                </a:moveTo>
+                <a:lnTo>
+                  <a:pt x="120000" y="0"/>
+                </a:lnTo>
+                <a:lnTo>
+                  <a:pt x="120000" y="120000"/>
+                </a:lnTo>
+                <a:lnTo>
+                  <a:pt x="0" y="120000"/>
+                </a:lnTo>
+                <a:close/>
+              </a:path>
+            </a:pathLst>
+          </a:custGeom>
+        </p:spPr>
+      </p:sp>
+      <p:sp>
+        <p:nvSpPr>
+          <p:cNvPr id="944" name="Google Shape;944;gbd6c00e730_0_21:notes"/>
+          <p:cNvSpPr txBox="1">
+            <a:spLocks noGrp="1"/>
+          </p:cNvSpPr>
+          <p:nvPr>
+            <p:ph type="body" idx="1"/>
+          </p:nvPr>
+        </p:nvSpPr>
+        <p:spPr>
+          <a:xfrm>
+            <a:off x="685800" y="4343400"/>
+            <a:ext cx="5486400" cy="4114800"/>
+          </a:xfrm>
+          <a:prstGeom prst="rect">
+            <a:avLst/>
+          </a:prstGeom>
+        </p:spPr>
+        <p:txBody>
+          <a:bodyPr spcFirstLastPara="1" wrap="square" lIns="91425" tIns="91425" rIns="91425" bIns="91425" anchor="t" anchorCtr="0">
+            <a:noAutofit/>
+          </a:bodyPr>
+          <a:lstStyle/>
+          <a:p>
+            <a:pPr marL="0" lvl="0" indent="0" algn="l" rtl="0">
+              <a:spcBef>
+                <a:spcPts val="0"/>
+              </a:spcBef>
+              <a:spcAft>
+                <a:spcPts val="0"/>
+              </a:spcAft>
+              <a:buNone/>
+            </a:pPr>
+            <a:endParaRPr/>
+          </a:p>
+        </p:txBody>
+      </p:sp>
+    </p:spTree>
+    <p:extLst>
+      <p:ext uri="{BB962C8B-B14F-4D97-AF65-F5344CB8AC3E}">
+        <p14:creationId xmlns:p14="http://schemas.microsoft.com/office/powerpoint/2010/main" val="1774520160"/>
+      </p:ext>
+    </p:extLst>
+  </p:cSld>
+  <p:clrMapOvr>
+    <a:masterClrMapping/>
+  </p:clrMapOvr>
+</p:notes>
+</file>
+
+<file path=ppt/notesSlides/notesSlide41.xml><?xml version="1.0" encoding="utf-8"?>
+<p:notes xmlns:a="http://schemas.openxmlformats.org/drawingml/2006/main" xmlns:r="http://schemas.openxmlformats.org/officeDocument/2006/relationships" xmlns:p="http://schemas.openxmlformats.org/presentationml/2006/main" showMasterSp="0" showMasterPhAnim="0">
+  <p:cSld>
+    <p:spTree>
+      <p:nvGrpSpPr>
+        <p:cNvPr id="1" name="Shape 942"/>
+        <p:cNvGrpSpPr/>
+        <p:nvPr/>
+      </p:nvGrpSpPr>
+      <p:grpSpPr>
+        <a:xfrm>
+          <a:off x="0" y="0"/>
+          <a:ext cx="0" cy="0"/>
+          <a:chOff x="0" y="0"/>
+          <a:chExt cx="0" cy="0"/>
+        </a:xfrm>
+      </p:grpSpPr>
+      <p:sp>
+        <p:nvSpPr>
+          <p:cNvPr id="943" name="Google Shape;943;gbd6c00e730_0_21:notes"/>
+          <p:cNvSpPr>
+            <a:spLocks noGrp="1" noRot="1" noChangeAspect="1"/>
+          </p:cNvSpPr>
+          <p:nvPr>
+            <p:ph type="sldImg" idx="2"/>
+          </p:nvPr>
+        </p:nvSpPr>
+        <p:spPr>
+          <a:xfrm>
+            <a:off x="381000" y="685800"/>
+            <a:ext cx="6096000" cy="3429000"/>
+          </a:xfrm>
+          <a:custGeom>
+            <a:avLst/>
+            <a:gdLst/>
+            <a:ahLst/>
+            <a:cxnLst/>
+            <a:rect l="l" t="t" r="r" b="b"/>
+            <a:pathLst>
+              <a:path w="120000" h="120000" extrusionOk="0">
+                <a:moveTo>
+                  <a:pt x="0" y="0"/>
+                </a:moveTo>
+                <a:lnTo>
+                  <a:pt x="120000" y="0"/>
+                </a:lnTo>
+                <a:lnTo>
+                  <a:pt x="120000" y="120000"/>
+                </a:lnTo>
+                <a:lnTo>
+                  <a:pt x="0" y="120000"/>
+                </a:lnTo>
+                <a:close/>
+              </a:path>
+            </a:pathLst>
+          </a:custGeom>
+        </p:spPr>
+      </p:sp>
+      <p:sp>
+        <p:nvSpPr>
+          <p:cNvPr id="944" name="Google Shape;944;gbd6c00e730_0_21:notes"/>
+          <p:cNvSpPr txBox="1">
+            <a:spLocks noGrp="1"/>
+          </p:cNvSpPr>
+          <p:nvPr>
+            <p:ph type="body" idx="1"/>
+          </p:nvPr>
+        </p:nvSpPr>
+        <p:spPr>
+          <a:xfrm>
+            <a:off x="685800" y="4343400"/>
+            <a:ext cx="5486400" cy="4114800"/>
+          </a:xfrm>
+          <a:prstGeom prst="rect">
+            <a:avLst/>
+          </a:prstGeom>
+        </p:spPr>
+        <p:txBody>
+          <a:bodyPr spcFirstLastPara="1" wrap="square" lIns="91425" tIns="91425" rIns="91425" bIns="91425" anchor="t" anchorCtr="0">
+            <a:noAutofit/>
+          </a:bodyPr>
+          <a:lstStyle/>
+          <a:p>
+            <a:pPr marL="0" lvl="0" indent="0" algn="l" rtl="0">
+              <a:spcBef>
+                <a:spcPts val="0"/>
+              </a:spcBef>
+              <a:spcAft>
+                <a:spcPts val="0"/>
+              </a:spcAft>
+              <a:buNone/>
+            </a:pPr>
+            <a:endParaRPr/>
+          </a:p>
+        </p:txBody>
+      </p:sp>
+    </p:spTree>
+    <p:extLst>
+      <p:ext uri="{BB962C8B-B14F-4D97-AF65-F5344CB8AC3E}">
+        <p14:creationId xmlns:p14="http://schemas.microsoft.com/office/powerpoint/2010/main" val="3827038274"/>
+      </p:ext>
+    </p:extLst>
+  </p:cSld>
+  <p:clrMapOvr>
+    <a:masterClrMapping/>
+  </p:clrMapOvr>
+</p:notes>
+</file>
+
+<file path=ppt/notesSlides/notesSlide42.xml><?xml version="1.0" encoding="utf-8"?>
+<p:notes xmlns:a="http://schemas.openxmlformats.org/drawingml/2006/main" xmlns:r="http://schemas.openxmlformats.org/officeDocument/2006/relationships" xmlns:p="http://schemas.openxmlformats.org/presentationml/2006/main" showMasterSp="0" showMasterPhAnim="0">
+  <p:cSld>
+    <p:spTree>
+      <p:nvGrpSpPr>
+        <p:cNvPr id="1" name="Shape 942"/>
+        <p:cNvGrpSpPr/>
+        <p:nvPr/>
+      </p:nvGrpSpPr>
+      <p:grpSpPr>
+        <a:xfrm>
+          <a:off x="0" y="0"/>
+          <a:ext cx="0" cy="0"/>
+          <a:chOff x="0" y="0"/>
+          <a:chExt cx="0" cy="0"/>
+        </a:xfrm>
+      </p:grpSpPr>
+      <p:sp>
+        <p:nvSpPr>
+          <p:cNvPr id="943" name="Google Shape;943;gbd6c00e730_0_21:notes"/>
+          <p:cNvSpPr>
+            <a:spLocks noGrp="1" noRot="1" noChangeAspect="1"/>
+          </p:cNvSpPr>
+          <p:nvPr>
+            <p:ph type="sldImg" idx="2"/>
+          </p:nvPr>
+        </p:nvSpPr>
+        <p:spPr>
+          <a:xfrm>
+            <a:off x="381000" y="685800"/>
+            <a:ext cx="6096000" cy="3429000"/>
+          </a:xfrm>
+          <a:custGeom>
+            <a:avLst/>
+            <a:gdLst/>
+            <a:ahLst/>
+            <a:cxnLst/>
+            <a:rect l="l" t="t" r="r" b="b"/>
+            <a:pathLst>
+              <a:path w="120000" h="120000" extrusionOk="0">
+                <a:moveTo>
+                  <a:pt x="0" y="0"/>
+                </a:moveTo>
+                <a:lnTo>
+                  <a:pt x="120000" y="0"/>
+                </a:lnTo>
+                <a:lnTo>
+                  <a:pt x="120000" y="120000"/>
+                </a:lnTo>
+                <a:lnTo>
+                  <a:pt x="0" y="120000"/>
+                </a:lnTo>
+                <a:close/>
+              </a:path>
+            </a:pathLst>
+          </a:custGeom>
+        </p:spPr>
+      </p:sp>
+      <p:sp>
+        <p:nvSpPr>
+          <p:cNvPr id="944" name="Google Shape;944;gbd6c00e730_0_21:notes"/>
+          <p:cNvSpPr txBox="1">
+            <a:spLocks noGrp="1"/>
+          </p:cNvSpPr>
+          <p:nvPr>
+            <p:ph type="body" idx="1"/>
+          </p:nvPr>
+        </p:nvSpPr>
+        <p:spPr>
+          <a:xfrm>
+            <a:off x="685800" y="4343400"/>
+            <a:ext cx="5486400" cy="4114800"/>
+          </a:xfrm>
+          <a:prstGeom prst="rect">
+            <a:avLst/>
+          </a:prstGeom>
+        </p:spPr>
+        <p:txBody>
+          <a:bodyPr spcFirstLastPara="1" wrap="square" lIns="91425" tIns="91425" rIns="91425" bIns="91425" anchor="t" anchorCtr="0">
+            <a:noAutofit/>
+          </a:bodyPr>
+          <a:lstStyle/>
+          <a:p>
+            <a:pPr marL="0" lvl="0" indent="0" algn="l" rtl="0">
+              <a:spcBef>
+                <a:spcPts val="0"/>
+              </a:spcBef>
+              <a:spcAft>
+                <a:spcPts val="0"/>
+              </a:spcAft>
+              <a:buNone/>
+            </a:pPr>
+            <a:endParaRPr/>
+          </a:p>
+        </p:txBody>
+      </p:sp>
+    </p:spTree>
+    <p:extLst>
+      <p:ext uri="{BB962C8B-B14F-4D97-AF65-F5344CB8AC3E}">
+        <p14:creationId xmlns:p14="http://schemas.microsoft.com/office/powerpoint/2010/main" val="2671159266"/>
+      </p:ext>
+    </p:extLst>
+  </p:cSld>
+  <p:clrMapOvr>
+    <a:masterClrMapping/>
+  </p:clrMapOvr>
+</p:notes>
+</file>
+
+<file path=ppt/notesSlides/notesSlide43.xml><?xml version="1.0" encoding="utf-8"?>
+<p:notes xmlns:a="http://schemas.openxmlformats.org/drawingml/2006/main" xmlns:r="http://schemas.openxmlformats.org/officeDocument/2006/relationships" xmlns:p="http://schemas.openxmlformats.org/presentationml/2006/main" showMasterSp="0" showMasterPhAnim="0">
+  <p:cSld>
+    <p:spTree>
+      <p:nvGrpSpPr>
+        <p:cNvPr id="1" name="Shape 942"/>
+        <p:cNvGrpSpPr/>
+        <p:nvPr/>
+      </p:nvGrpSpPr>
+      <p:grpSpPr>
+        <a:xfrm>
+          <a:off x="0" y="0"/>
+          <a:ext cx="0" cy="0"/>
+          <a:chOff x="0" y="0"/>
+          <a:chExt cx="0" cy="0"/>
+        </a:xfrm>
+      </p:grpSpPr>
+      <p:sp>
+        <p:nvSpPr>
+          <p:cNvPr id="943" name="Google Shape;943;gbd6c00e730_0_21:notes"/>
+          <p:cNvSpPr>
+            <a:spLocks noGrp="1" noRot="1" noChangeAspect="1"/>
+          </p:cNvSpPr>
+          <p:nvPr>
+            <p:ph type="sldImg" idx="2"/>
+          </p:nvPr>
+        </p:nvSpPr>
+        <p:spPr>
+          <a:xfrm>
+            <a:off x="381000" y="685800"/>
+            <a:ext cx="6096000" cy="3429000"/>
+          </a:xfrm>
+          <a:custGeom>
+            <a:avLst/>
+            <a:gdLst/>
+            <a:ahLst/>
+            <a:cxnLst/>
+            <a:rect l="l" t="t" r="r" b="b"/>
+            <a:pathLst>
+              <a:path w="120000" h="120000" extrusionOk="0">
+                <a:moveTo>
+                  <a:pt x="0" y="0"/>
+                </a:moveTo>
+                <a:lnTo>
+                  <a:pt x="120000" y="0"/>
+                </a:lnTo>
+                <a:lnTo>
+                  <a:pt x="120000" y="120000"/>
+                </a:lnTo>
+                <a:lnTo>
+                  <a:pt x="0" y="120000"/>
+                </a:lnTo>
+                <a:close/>
+              </a:path>
+            </a:pathLst>
+          </a:custGeom>
+        </p:spPr>
+      </p:sp>
+      <p:sp>
+        <p:nvSpPr>
+          <p:cNvPr id="944" name="Google Shape;944;gbd6c00e730_0_21:notes"/>
+          <p:cNvSpPr txBox="1">
+            <a:spLocks noGrp="1"/>
+          </p:cNvSpPr>
+          <p:nvPr>
+            <p:ph type="body" idx="1"/>
+          </p:nvPr>
+        </p:nvSpPr>
+        <p:spPr>
+          <a:xfrm>
+            <a:off x="685800" y="4343400"/>
+            <a:ext cx="5486400" cy="4114800"/>
+          </a:xfrm>
+          <a:prstGeom prst="rect">
+            <a:avLst/>
+          </a:prstGeom>
+        </p:spPr>
+        <p:txBody>
+          <a:bodyPr spcFirstLastPara="1" wrap="square" lIns="91425" tIns="91425" rIns="91425" bIns="91425" anchor="t" anchorCtr="0">
+            <a:noAutofit/>
+          </a:bodyPr>
+          <a:lstStyle/>
+          <a:p>
+            <a:pPr marL="0" lvl="0" indent="0" algn="l" rtl="0">
+              <a:spcBef>
+                <a:spcPts val="0"/>
+              </a:spcBef>
+              <a:spcAft>
+                <a:spcPts val="0"/>
+              </a:spcAft>
+              <a:buNone/>
+            </a:pPr>
+            <a:endParaRPr/>
+          </a:p>
+        </p:txBody>
+      </p:sp>
+    </p:spTree>
+    <p:extLst>
+      <p:ext uri="{BB962C8B-B14F-4D97-AF65-F5344CB8AC3E}">
+        <p14:creationId xmlns:p14="http://schemas.microsoft.com/office/powerpoint/2010/main" val="1251889243"/>
+      </p:ext>
+    </p:extLst>
+  </p:cSld>
+  <p:clrMapOvr>
+    <a:masterClrMapping/>
+  </p:clrMapOvr>
+</p:notes>
+</file>
+
+<file path=ppt/notesSlides/notesSlide44.xml><?xml version="1.0" encoding="utf-8"?>
+<p:notes xmlns:a="http://schemas.openxmlformats.org/drawingml/2006/main" xmlns:r="http://schemas.openxmlformats.org/officeDocument/2006/relationships" xmlns:p="http://schemas.openxmlformats.org/presentationml/2006/main" showMasterSp="0" showMasterPhAnim="0">
+  <p:cSld>
+    <p:spTree>
+      <p:nvGrpSpPr>
+        <p:cNvPr id="1" name="Shape 942"/>
+        <p:cNvGrpSpPr/>
+        <p:nvPr/>
+      </p:nvGrpSpPr>
+      <p:grpSpPr>
+        <a:xfrm>
+          <a:off x="0" y="0"/>
+          <a:ext cx="0" cy="0"/>
+          <a:chOff x="0" y="0"/>
+          <a:chExt cx="0" cy="0"/>
+        </a:xfrm>
+      </p:grpSpPr>
+      <p:sp>
+        <p:nvSpPr>
+          <p:cNvPr id="943" name="Google Shape;943;gbd6c00e730_0_21:notes"/>
+          <p:cNvSpPr>
+            <a:spLocks noGrp="1" noRot="1" noChangeAspect="1"/>
+          </p:cNvSpPr>
+          <p:nvPr>
+            <p:ph type="sldImg" idx="2"/>
+          </p:nvPr>
+        </p:nvSpPr>
+        <p:spPr>
+          <a:xfrm>
+            <a:off x="381000" y="685800"/>
+            <a:ext cx="6096000" cy="3429000"/>
+          </a:xfrm>
+          <a:custGeom>
+            <a:avLst/>
+            <a:gdLst/>
+            <a:ahLst/>
+            <a:cxnLst/>
+            <a:rect l="l" t="t" r="r" b="b"/>
+            <a:pathLst>
+              <a:path w="120000" h="120000" extrusionOk="0">
+                <a:moveTo>
+                  <a:pt x="0" y="0"/>
+                </a:moveTo>
+                <a:lnTo>
+                  <a:pt x="120000" y="0"/>
+                </a:lnTo>
+                <a:lnTo>
+                  <a:pt x="120000" y="120000"/>
+                </a:lnTo>
+                <a:lnTo>
+                  <a:pt x="0" y="120000"/>
+                </a:lnTo>
+                <a:close/>
+              </a:path>
+            </a:pathLst>
+          </a:custGeom>
+        </p:spPr>
+      </p:sp>
+      <p:sp>
+        <p:nvSpPr>
+          <p:cNvPr id="944" name="Google Shape;944;gbd6c00e730_0_21:notes"/>
+          <p:cNvSpPr txBox="1">
+            <a:spLocks noGrp="1"/>
+          </p:cNvSpPr>
+          <p:nvPr>
+            <p:ph type="body" idx="1"/>
+          </p:nvPr>
+        </p:nvSpPr>
+        <p:spPr>
+          <a:xfrm>
+            <a:off x="685800" y="4343400"/>
+            <a:ext cx="5486400" cy="4114800"/>
+          </a:xfrm>
+          <a:prstGeom prst="rect">
+            <a:avLst/>
+          </a:prstGeom>
+        </p:spPr>
+        <p:txBody>
+          <a:bodyPr spcFirstLastPara="1" wrap="square" lIns="91425" tIns="91425" rIns="91425" bIns="91425" anchor="t" anchorCtr="0">
+            <a:noAutofit/>
+          </a:bodyPr>
+          <a:lstStyle/>
+          <a:p>
+            <a:pPr marL="0" lvl="0" indent="0" algn="l" rtl="0">
+              <a:spcBef>
+                <a:spcPts val="0"/>
+              </a:spcBef>
+              <a:spcAft>
+                <a:spcPts val="0"/>
+              </a:spcAft>
+              <a:buNone/>
+            </a:pPr>
+            <a:endParaRPr/>
+          </a:p>
+        </p:txBody>
+      </p:sp>
+    </p:spTree>
+    <p:extLst>
+      <p:ext uri="{BB962C8B-B14F-4D97-AF65-F5344CB8AC3E}">
+        <p14:creationId xmlns:p14="http://schemas.microsoft.com/office/powerpoint/2010/main" val="3277916099"/>
+      </p:ext>
+    </p:extLst>
+  </p:cSld>
+  <p:clrMapOvr>
+    <a:masterClrMapping/>
+  </p:clrMapOvr>
+</p:notes>
+</file>
+
+<file path=ppt/notesSlides/notesSlide45.xml><?xml version="1.0" encoding="utf-8"?>
+<p:notes xmlns:a="http://schemas.openxmlformats.org/drawingml/2006/main" xmlns:r="http://schemas.openxmlformats.org/officeDocument/2006/relationships" xmlns:p="http://schemas.openxmlformats.org/presentationml/2006/main" showMasterSp="0" showMasterPhAnim="0">
+  <p:cSld>
+    <p:spTree>
+      <p:nvGrpSpPr>
+        <p:cNvPr id="1" name="Shape 942"/>
+        <p:cNvGrpSpPr/>
+        <p:nvPr/>
+      </p:nvGrpSpPr>
+      <p:grpSpPr>
+        <a:xfrm>
+          <a:off x="0" y="0"/>
+          <a:ext cx="0" cy="0"/>
+          <a:chOff x="0" y="0"/>
+          <a:chExt cx="0" cy="0"/>
+        </a:xfrm>
+      </p:grpSpPr>
+      <p:sp>
+        <p:nvSpPr>
+          <p:cNvPr id="943" name="Google Shape;943;gbd6c00e730_0_21:notes"/>
+          <p:cNvSpPr>
+            <a:spLocks noGrp="1" noRot="1" noChangeAspect="1"/>
+          </p:cNvSpPr>
+          <p:nvPr>
+            <p:ph type="sldImg" idx="2"/>
+          </p:nvPr>
+        </p:nvSpPr>
+        <p:spPr>
+          <a:xfrm>
+            <a:off x="381000" y="685800"/>
+            <a:ext cx="6096000" cy="3429000"/>
+          </a:xfrm>
+          <a:custGeom>
+            <a:avLst/>
+            <a:gdLst/>
+            <a:ahLst/>
+            <a:cxnLst/>
+            <a:rect l="l" t="t" r="r" b="b"/>
+            <a:pathLst>
+              <a:path w="120000" h="120000" extrusionOk="0">
+                <a:moveTo>
+                  <a:pt x="0" y="0"/>
+                </a:moveTo>
+                <a:lnTo>
+                  <a:pt x="120000" y="0"/>
+                </a:lnTo>
+                <a:lnTo>
+                  <a:pt x="120000" y="120000"/>
+                </a:lnTo>
+                <a:lnTo>
+                  <a:pt x="0" y="120000"/>
+                </a:lnTo>
+                <a:close/>
+              </a:path>
+            </a:pathLst>
+          </a:custGeom>
+        </p:spPr>
+      </p:sp>
+      <p:sp>
+        <p:nvSpPr>
+          <p:cNvPr id="944" name="Google Shape;944;gbd6c00e730_0_21:notes"/>
+          <p:cNvSpPr txBox="1">
+            <a:spLocks noGrp="1"/>
+          </p:cNvSpPr>
+          <p:nvPr>
+            <p:ph type="body" idx="1"/>
+          </p:nvPr>
+        </p:nvSpPr>
+        <p:spPr>
+          <a:xfrm>
+            <a:off x="685800" y="4343400"/>
+            <a:ext cx="5486400" cy="4114800"/>
+          </a:xfrm>
+          <a:prstGeom prst="rect">
+            <a:avLst/>
+          </a:prstGeom>
+        </p:spPr>
+        <p:txBody>
+          <a:bodyPr spcFirstLastPara="1" wrap="square" lIns="91425" tIns="91425" rIns="91425" bIns="91425" anchor="t" anchorCtr="0">
+            <a:noAutofit/>
+          </a:bodyPr>
+          <a:lstStyle/>
+          <a:p>
+            <a:pPr marL="0" lvl="0" indent="0" algn="l" rtl="0">
+              <a:spcBef>
+                <a:spcPts val="0"/>
+              </a:spcBef>
+              <a:spcAft>
+                <a:spcPts val="0"/>
+              </a:spcAft>
+              <a:buNone/>
+            </a:pPr>
+            <a:endParaRPr/>
+          </a:p>
+        </p:txBody>
+      </p:sp>
+    </p:spTree>
+    <p:extLst>
+      <p:ext uri="{BB962C8B-B14F-4D97-AF65-F5344CB8AC3E}">
+        <p14:creationId xmlns:p14="http://schemas.microsoft.com/office/powerpoint/2010/main" val="1931141458"/>
+      </p:ext>
+    </p:extLst>
+  </p:cSld>
+  <p:clrMapOvr>
+    <a:masterClrMapping/>
+  </p:clrMapOvr>
+</p:notes>
+</file>
+
+<file path=ppt/notesSlides/notesSlide46.xml><?xml version="1.0" encoding="utf-8"?>
+<p:notes xmlns:a="http://schemas.openxmlformats.org/drawingml/2006/main" xmlns:r="http://schemas.openxmlformats.org/officeDocument/2006/relationships" xmlns:p="http://schemas.openxmlformats.org/presentationml/2006/main" showMasterSp="0" showMasterPhAnim="0">
+  <p:cSld>
+    <p:spTree>
+      <p:nvGrpSpPr>
+        <p:cNvPr id="1" name="Shape 942"/>
+        <p:cNvGrpSpPr/>
+        <p:nvPr/>
+      </p:nvGrpSpPr>
+      <p:grpSpPr>
+        <a:xfrm>
+          <a:off x="0" y="0"/>
+          <a:ext cx="0" cy="0"/>
+          <a:chOff x="0" y="0"/>
+          <a:chExt cx="0" cy="0"/>
+        </a:xfrm>
+      </p:grpSpPr>
+      <p:sp>
+        <p:nvSpPr>
+          <p:cNvPr id="943" name="Google Shape;943;gbd6c00e730_0_21:notes"/>
+          <p:cNvSpPr>
+            <a:spLocks noGrp="1" noRot="1" noChangeAspect="1"/>
+          </p:cNvSpPr>
+          <p:nvPr>
+            <p:ph type="sldImg" idx="2"/>
+          </p:nvPr>
+        </p:nvSpPr>
+        <p:spPr>
+          <a:xfrm>
+            <a:off x="381000" y="685800"/>
+            <a:ext cx="6096000" cy="3429000"/>
+          </a:xfrm>
+          <a:custGeom>
+            <a:avLst/>
+            <a:gdLst/>
+            <a:ahLst/>
+            <a:cxnLst/>
+            <a:rect l="l" t="t" r="r" b="b"/>
+            <a:pathLst>
+              <a:path w="120000" h="120000" extrusionOk="0">
+                <a:moveTo>
+                  <a:pt x="0" y="0"/>
+                </a:moveTo>
+                <a:lnTo>
+                  <a:pt x="120000" y="0"/>
+                </a:lnTo>
+                <a:lnTo>
+                  <a:pt x="120000" y="120000"/>
+                </a:lnTo>
+                <a:lnTo>
+                  <a:pt x="0" y="120000"/>
+                </a:lnTo>
+                <a:close/>
+              </a:path>
+            </a:pathLst>
+          </a:custGeom>
+        </p:spPr>
+      </p:sp>
+      <p:sp>
+        <p:nvSpPr>
+          <p:cNvPr id="944" name="Google Shape;944;gbd6c00e730_0_21:notes"/>
+          <p:cNvSpPr txBox="1">
+            <a:spLocks noGrp="1"/>
+          </p:cNvSpPr>
+          <p:nvPr>
+            <p:ph type="body" idx="1"/>
+          </p:nvPr>
+        </p:nvSpPr>
+        <p:spPr>
+          <a:xfrm>
+            <a:off x="685800" y="4343400"/>
+            <a:ext cx="5486400" cy="4114800"/>
+          </a:xfrm>
+          <a:prstGeom prst="rect">
+            <a:avLst/>
+          </a:prstGeom>
+        </p:spPr>
+        <p:txBody>
+          <a:bodyPr spcFirstLastPara="1" wrap="square" lIns="91425" tIns="91425" rIns="91425" bIns="91425" anchor="t" anchorCtr="0">
+            <a:noAutofit/>
+          </a:bodyPr>
+          <a:lstStyle/>
+          <a:p>
+            <a:pPr marL="0" lvl="0" indent="0" algn="l" rtl="0">
+              <a:spcBef>
+                <a:spcPts val="0"/>
+              </a:spcBef>
+              <a:spcAft>
+                <a:spcPts val="0"/>
+              </a:spcAft>
+              <a:buNone/>
+            </a:pPr>
+            <a:endParaRPr/>
+          </a:p>
+        </p:txBody>
+      </p:sp>
+    </p:spTree>
+    <p:extLst>
+      <p:ext uri="{BB962C8B-B14F-4D97-AF65-F5344CB8AC3E}">
+        <p14:creationId xmlns:p14="http://schemas.microsoft.com/office/powerpoint/2010/main" val="4136469111"/>
+      </p:ext>
+    </p:extLst>
+  </p:cSld>
+  <p:clrMapOvr>
+    <a:masterClrMapping/>
+  </p:clrMapOvr>
+</p:notes>
+</file>
+
+<file path=ppt/notesSlides/notesSlide47.xml><?xml version="1.0" encoding="utf-8"?>
+<p:notes xmlns:a="http://schemas.openxmlformats.org/drawingml/2006/main" xmlns:r="http://schemas.openxmlformats.org/officeDocument/2006/relationships" xmlns:p="http://schemas.openxmlformats.org/presentationml/2006/main" showMasterSp="0" showMasterPhAnim="0">
+  <p:cSld>
+    <p:spTree>
+      <p:nvGrpSpPr>
+        <p:cNvPr id="1" name="Shape 942"/>
+        <p:cNvGrpSpPr/>
+        <p:nvPr/>
+      </p:nvGrpSpPr>
+      <p:grpSpPr>
+        <a:xfrm>
+          <a:off x="0" y="0"/>
+          <a:ext cx="0" cy="0"/>
+          <a:chOff x="0" y="0"/>
+          <a:chExt cx="0" cy="0"/>
+        </a:xfrm>
+      </p:grpSpPr>
+      <p:sp>
+        <p:nvSpPr>
+          <p:cNvPr id="943" name="Google Shape;943;gbd6c00e730_0_21:notes"/>
+          <p:cNvSpPr>
+            <a:spLocks noGrp="1" noRot="1" noChangeAspect="1"/>
+          </p:cNvSpPr>
+          <p:nvPr>
+            <p:ph type="sldImg" idx="2"/>
+          </p:nvPr>
+        </p:nvSpPr>
+        <p:spPr>
+          <a:xfrm>
+            <a:off x="381000" y="685800"/>
+            <a:ext cx="6096000" cy="3429000"/>
+          </a:xfrm>
+          <a:custGeom>
+            <a:avLst/>
+            <a:gdLst/>
+            <a:ahLst/>
+            <a:cxnLst/>
+            <a:rect l="l" t="t" r="r" b="b"/>
+            <a:pathLst>
+              <a:path w="120000" h="120000" extrusionOk="0">
+                <a:moveTo>
+                  <a:pt x="0" y="0"/>
+                </a:moveTo>
+                <a:lnTo>
+                  <a:pt x="120000" y="0"/>
+                </a:lnTo>
+                <a:lnTo>
+                  <a:pt x="120000" y="120000"/>
+                </a:lnTo>
+                <a:lnTo>
+                  <a:pt x="0" y="120000"/>
+                </a:lnTo>
+                <a:close/>
+              </a:path>
+            </a:pathLst>
+          </a:custGeom>
+        </p:spPr>
+      </p:sp>
+      <p:sp>
+        <p:nvSpPr>
+          <p:cNvPr id="944" name="Google Shape;944;gbd6c00e730_0_21:notes"/>
+          <p:cNvSpPr txBox="1">
+            <a:spLocks noGrp="1"/>
+          </p:cNvSpPr>
+          <p:nvPr>
+            <p:ph type="body" idx="1"/>
+          </p:nvPr>
+        </p:nvSpPr>
+        <p:spPr>
+          <a:xfrm>
+            <a:off x="685800" y="4343400"/>
+            <a:ext cx="5486400" cy="4114800"/>
+          </a:xfrm>
+          <a:prstGeom prst="rect">
+            <a:avLst/>
+          </a:prstGeom>
+        </p:spPr>
+        <p:txBody>
+          <a:bodyPr spcFirstLastPara="1" wrap="square" lIns="91425" tIns="91425" rIns="91425" bIns="91425" anchor="t" anchorCtr="0">
+            <a:noAutofit/>
+          </a:bodyPr>
+          <a:lstStyle/>
+          <a:p>
+            <a:pPr marL="0" lvl="0" indent="0" algn="l" rtl="0">
+              <a:spcBef>
+                <a:spcPts val="0"/>
+              </a:spcBef>
+              <a:spcAft>
+                <a:spcPts val="0"/>
+              </a:spcAft>
+              <a:buNone/>
+            </a:pPr>
+            <a:endParaRPr/>
+          </a:p>
+        </p:txBody>
+      </p:sp>
+    </p:spTree>
+    <p:extLst>
+      <p:ext uri="{BB962C8B-B14F-4D97-AF65-F5344CB8AC3E}">
+        <p14:creationId xmlns:p14="http://schemas.microsoft.com/office/powerpoint/2010/main" val="1669288058"/>
+      </p:ext>
+    </p:extLst>
+  </p:cSld>
+  <p:clrMapOvr>
+    <a:masterClrMapping/>
+  </p:clrMapOvr>
+</p:notes>
+</file>
+
+<file path=ppt/notesSlides/notesSlide48.xml><?xml version="1.0" encoding="utf-8"?>
+<p:notes xmlns:a="http://schemas.openxmlformats.org/drawingml/2006/main" xmlns:r="http://schemas.openxmlformats.org/officeDocument/2006/relationships" xmlns:p="http://schemas.openxmlformats.org/presentationml/2006/main" showMasterSp="0" showMasterPhAnim="0">
+  <p:cSld>
+    <p:spTree>
+      <p:nvGrpSpPr>
+        <p:cNvPr id="1" name="Shape 942"/>
+        <p:cNvGrpSpPr/>
+        <p:nvPr/>
+      </p:nvGrpSpPr>
+      <p:grpSpPr>
+        <a:xfrm>
+          <a:off x="0" y="0"/>
+          <a:ext cx="0" cy="0"/>
+          <a:chOff x="0" y="0"/>
+          <a:chExt cx="0" cy="0"/>
+        </a:xfrm>
+      </p:grpSpPr>
+      <p:sp>
+        <p:nvSpPr>
+          <p:cNvPr id="943" name="Google Shape;943;gbd6c00e730_0_21:notes"/>
+          <p:cNvSpPr>
+            <a:spLocks noGrp="1" noRot="1" noChangeAspect="1"/>
+          </p:cNvSpPr>
+          <p:nvPr>
+            <p:ph type="sldImg" idx="2"/>
+          </p:nvPr>
+        </p:nvSpPr>
+        <p:spPr>
+          <a:xfrm>
+            <a:off x="381000" y="685800"/>
+            <a:ext cx="6096000" cy="3429000"/>
+          </a:xfrm>
+          <a:custGeom>
+            <a:avLst/>
+            <a:gdLst/>
+            <a:ahLst/>
+            <a:cxnLst/>
+            <a:rect l="l" t="t" r="r" b="b"/>
+            <a:pathLst>
+              <a:path w="120000" h="120000" extrusionOk="0">
+                <a:moveTo>
+                  <a:pt x="0" y="0"/>
+                </a:moveTo>
+                <a:lnTo>
+                  <a:pt x="120000" y="0"/>
+                </a:lnTo>
+                <a:lnTo>
+                  <a:pt x="120000" y="120000"/>
+                </a:lnTo>
+                <a:lnTo>
+                  <a:pt x="0" y="120000"/>
+                </a:lnTo>
+                <a:close/>
+              </a:path>
+            </a:pathLst>
+          </a:custGeom>
+        </p:spPr>
+      </p:sp>
+      <p:sp>
+        <p:nvSpPr>
+          <p:cNvPr id="944" name="Google Shape;944;gbd6c00e730_0_21:notes"/>
+          <p:cNvSpPr txBox="1">
+            <a:spLocks noGrp="1"/>
+          </p:cNvSpPr>
+          <p:nvPr>
+            <p:ph type="body" idx="1"/>
+          </p:nvPr>
+        </p:nvSpPr>
+        <p:spPr>
+          <a:xfrm>
+            <a:off x="685800" y="4343400"/>
+            <a:ext cx="5486400" cy="4114800"/>
+          </a:xfrm>
+          <a:prstGeom prst="rect">
+            <a:avLst/>
+          </a:prstGeom>
+        </p:spPr>
+        <p:txBody>
+          <a:bodyPr spcFirstLastPara="1" wrap="square" lIns="91425" tIns="91425" rIns="91425" bIns="91425" anchor="t" anchorCtr="0">
+            <a:noAutofit/>
+          </a:bodyPr>
+          <a:lstStyle/>
+          <a:p>
+            <a:pPr marL="0" lvl="0" indent="0" algn="l" rtl="0">
+              <a:spcBef>
+                <a:spcPts val="0"/>
+              </a:spcBef>
+              <a:spcAft>
+                <a:spcPts val="0"/>
+              </a:spcAft>
+              <a:buNone/>
+            </a:pPr>
+            <a:endParaRPr/>
+          </a:p>
+        </p:txBody>
+      </p:sp>
+    </p:spTree>
+    <p:extLst>
+      <p:ext uri="{BB962C8B-B14F-4D97-AF65-F5344CB8AC3E}">
+        <p14:creationId xmlns:p14="http://schemas.microsoft.com/office/powerpoint/2010/main" val="2998683969"/>
+      </p:ext>
+    </p:extLst>
   </p:cSld>
   <p:clrMapOvr>
     <a:masterClrMapping/>
@@ -38005,7 +39325,7 @@
         <p:spPr>
           <a:xfrm>
             <a:off x="1464004" y="1392214"/>
-            <a:ext cx="3117434" cy="484800"/>
+            <a:ext cx="4213782" cy="484800"/>
           </a:xfrm>
           <a:prstGeom prst="rect">
             <a:avLst/>
@@ -38542,7 +39862,7 @@
         <p:spPr>
           <a:xfrm>
             <a:off x="1464004" y="2399075"/>
-            <a:ext cx="3003127" cy="484800"/>
+            <a:ext cx="4288210" cy="484800"/>
           </a:xfrm>
           <a:prstGeom prst="rect">
             <a:avLst/>
@@ -39097,7 +40417,7 @@
         <p:spPr>
           <a:xfrm>
             <a:off x="1464004" y="3526471"/>
-            <a:ext cx="3477108" cy="484800"/>
+            <a:ext cx="4585922" cy="484800"/>
           </a:xfrm>
           <a:prstGeom prst="rect">
             <a:avLst/>
@@ -39623,6 +40943,457 @@
 </p:sld>
 </file>
 
+<file path=ppt/slides/slide38.xml><?xml version="1.0" encoding="utf-8"?>
+<p:sld xmlns:a="http://schemas.openxmlformats.org/drawingml/2006/main" xmlns:r="http://schemas.openxmlformats.org/officeDocument/2006/relationships" xmlns:p="http://schemas.openxmlformats.org/presentationml/2006/main">
+  <p:cSld>
+    <p:spTree>
+      <p:nvGrpSpPr>
+        <p:cNvPr id="1" name="Shape 506"/>
+        <p:cNvGrpSpPr/>
+        <p:nvPr/>
+      </p:nvGrpSpPr>
+      <p:grpSpPr>
+        <a:xfrm>
+          <a:off x="0" y="0"/>
+          <a:ext cx="0" cy="0"/>
+          <a:chOff x="0" y="0"/>
+          <a:chExt cx="0" cy="0"/>
+        </a:xfrm>
+      </p:grpSpPr>
+      <p:pic>
+        <p:nvPicPr>
+          <p:cNvPr id="507" name="Google Shape;507;p35"/>
+          <p:cNvPicPr preferRelativeResize="0"/>
+          <p:nvPr/>
+        </p:nvPicPr>
+        <p:blipFill rotWithShape="1">
+          <a:blip r:embed="rId3">
+            <a:alphaModFix amt="72000"/>
+          </a:blip>
+          <a:srcRect l="18989" t="2061" r="1291" b="2070"/>
+          <a:stretch/>
+        </p:blipFill>
+        <p:spPr>
+          <a:xfrm>
+            <a:off x="4532825" y="1483952"/>
+            <a:ext cx="3569400" cy="2829600"/>
+          </a:xfrm>
+          <a:prstGeom prst="roundRect">
+            <a:avLst>
+              <a:gd name="adj" fmla="val 4744"/>
+            </a:avLst>
+          </a:prstGeom>
+          <a:noFill/>
+          <a:ln w="28575" cap="flat" cmpd="sng">
+            <a:solidFill>
+              <a:schemeClr val="dk1"/>
+            </a:solidFill>
+            <a:prstDash val="solid"/>
+            <a:round/>
+            <a:headEnd type="none" w="sm" len="sm"/>
+            <a:tailEnd type="none" w="sm" len="sm"/>
+          </a:ln>
+        </p:spPr>
+      </p:pic>
+      <p:grpSp>
+        <p:nvGrpSpPr>
+          <p:cNvPr id="508" name="Google Shape;508;p35"/>
+          <p:cNvGrpSpPr/>
+          <p:nvPr/>
+        </p:nvGrpSpPr>
+        <p:grpSpPr>
+          <a:xfrm>
+            <a:off x="462238" y="1118895"/>
+            <a:ext cx="1547936" cy="1172018"/>
+            <a:chOff x="1556995" y="948473"/>
+            <a:chExt cx="1797000" cy="1360597"/>
+          </a:xfrm>
+        </p:grpSpPr>
+        <p:sp>
+          <p:nvSpPr>
+            <p:cNvPr id="509" name="Google Shape;509;p35"/>
+            <p:cNvSpPr/>
+            <p:nvPr/>
+          </p:nvSpPr>
+          <p:spPr>
+            <a:xfrm>
+              <a:off x="1556995" y="948473"/>
+              <a:ext cx="851400" cy="996300"/>
+            </a:xfrm>
+            <a:prstGeom prst="roundRect">
+              <a:avLst>
+                <a:gd name="adj" fmla="val 6278"/>
+              </a:avLst>
+            </a:prstGeom>
+            <a:solidFill>
+              <a:srgbClr val="F6F2E3"/>
+            </a:solidFill>
+            <a:ln w="28575" cap="flat" cmpd="sng">
+              <a:solidFill>
+                <a:schemeClr val="dk1"/>
+              </a:solidFill>
+              <a:prstDash val="solid"/>
+              <a:round/>
+              <a:headEnd type="none" w="sm" len="sm"/>
+              <a:tailEnd type="none" w="sm" len="sm"/>
+            </a:ln>
+          </p:spPr>
+          <p:txBody>
+            <a:bodyPr spcFirstLastPara="1" wrap="square" lIns="91425" tIns="91425" rIns="91425" bIns="91425" anchor="ctr" anchorCtr="0">
+              <a:noAutofit/>
+            </a:bodyPr>
+            <a:lstStyle/>
+            <a:p>
+              <a:pPr marL="0" lvl="0" indent="0" algn="l" rtl="0">
+                <a:spcBef>
+                  <a:spcPts val="0"/>
+                </a:spcBef>
+                <a:spcAft>
+                  <a:spcPts val="0"/>
+                </a:spcAft>
+                <a:buNone/>
+              </a:pPr>
+              <a:endParaRPr/>
+            </a:p>
+          </p:txBody>
+        </p:sp>
+        <p:sp>
+          <p:nvSpPr>
+            <p:cNvPr id="510" name="Google Shape;510;p35"/>
+            <p:cNvSpPr/>
+            <p:nvPr/>
+          </p:nvSpPr>
+          <p:spPr>
+            <a:xfrm>
+              <a:off x="1556995" y="1147170"/>
+              <a:ext cx="1797000" cy="1161900"/>
+            </a:xfrm>
+            <a:prstGeom prst="roundRect">
+              <a:avLst>
+                <a:gd name="adj" fmla="val 5762"/>
+              </a:avLst>
+            </a:prstGeom>
+            <a:solidFill>
+              <a:srgbClr val="F6F2E3"/>
+            </a:solidFill>
+            <a:ln w="28575" cap="flat" cmpd="sng">
+              <a:solidFill>
+                <a:schemeClr val="dk1"/>
+              </a:solidFill>
+              <a:prstDash val="solid"/>
+              <a:round/>
+              <a:headEnd type="none" w="sm" len="sm"/>
+              <a:tailEnd type="none" w="sm" len="sm"/>
+            </a:ln>
+            <a:effectLst>
+              <a:outerShdw dist="57150" dir="2940000" algn="bl" rotWithShape="0">
+                <a:schemeClr val="dk1"/>
+              </a:outerShdw>
+            </a:effectLst>
+          </p:spPr>
+          <p:txBody>
+            <a:bodyPr spcFirstLastPara="1" wrap="square" lIns="91425" tIns="91425" rIns="91425" bIns="91425" anchor="ctr" anchorCtr="0">
+              <a:noAutofit/>
+            </a:bodyPr>
+            <a:lstStyle/>
+            <a:p>
+              <a:pPr marL="0" lvl="0" indent="0" algn="l" rtl="0">
+                <a:spcBef>
+                  <a:spcPts val="0"/>
+                </a:spcBef>
+                <a:spcAft>
+                  <a:spcPts val="0"/>
+                </a:spcAft>
+                <a:buNone/>
+              </a:pPr>
+              <a:endParaRPr/>
+            </a:p>
+          </p:txBody>
+        </p:sp>
+      </p:grpSp>
+      <p:sp>
+        <p:nvSpPr>
+          <p:cNvPr id="511" name="Google Shape;511;p35"/>
+          <p:cNvSpPr txBox="1">
+            <a:spLocks noGrp="1"/>
+          </p:cNvSpPr>
+          <p:nvPr>
+            <p:ph type="title" idx="2"/>
+          </p:nvPr>
+        </p:nvSpPr>
+        <p:spPr>
+          <a:xfrm>
+            <a:off x="403125" y="1384975"/>
+            <a:ext cx="1666200" cy="841800"/>
+          </a:xfrm>
+          <a:prstGeom prst="rect">
+            <a:avLst/>
+          </a:prstGeom>
+        </p:spPr>
+        <p:txBody>
+          <a:bodyPr spcFirstLastPara="1" wrap="square" lIns="91425" tIns="91425" rIns="91425" bIns="91425" anchor="ctr" anchorCtr="0">
+            <a:noAutofit/>
+          </a:bodyPr>
+          <a:lstStyle/>
+          <a:p>
+            <a:pPr marL="0" lvl="0" indent="0" algn="ctr" rtl="0">
+              <a:spcBef>
+                <a:spcPts val="0"/>
+              </a:spcBef>
+              <a:spcAft>
+                <a:spcPts val="0"/>
+              </a:spcAft>
+              <a:buNone/>
+            </a:pPr>
+            <a:r>
+              <a:rPr lang="en" dirty="0"/>
+              <a:t>06</a:t>
+            </a:r>
+            <a:endParaRPr dirty="0"/>
+          </a:p>
+        </p:txBody>
+      </p:sp>
+      <p:sp>
+        <p:nvSpPr>
+          <p:cNvPr id="512" name="Google Shape;512;p35"/>
+          <p:cNvSpPr/>
+          <p:nvPr/>
+        </p:nvSpPr>
+        <p:spPr>
+          <a:xfrm>
+            <a:off x="818706" y="2537937"/>
+            <a:ext cx="3418510" cy="1289784"/>
+          </a:xfrm>
+          <a:prstGeom prst="roundRect">
+            <a:avLst>
+              <a:gd name="adj" fmla="val 6740"/>
+            </a:avLst>
+          </a:prstGeom>
+          <a:solidFill>
+            <a:schemeClr val="lt2"/>
+          </a:solidFill>
+          <a:ln w="28575" cap="flat" cmpd="sng">
+            <a:solidFill>
+              <a:schemeClr val="dk1"/>
+            </a:solidFill>
+            <a:prstDash val="solid"/>
+            <a:round/>
+            <a:headEnd type="none" w="sm" len="sm"/>
+            <a:tailEnd type="none" w="sm" len="sm"/>
+          </a:ln>
+          <a:effectLst>
+            <a:outerShdw dist="85725" dir="3960000" algn="bl" rotWithShape="0">
+              <a:schemeClr val="dk1"/>
+            </a:outerShdw>
+          </a:effectLst>
+        </p:spPr>
+        <p:txBody>
+          <a:bodyPr spcFirstLastPara="1" wrap="square" lIns="91425" tIns="91425" rIns="91425" bIns="91425" anchor="ctr" anchorCtr="0">
+            <a:noAutofit/>
+          </a:bodyPr>
+          <a:lstStyle/>
+          <a:p>
+            <a:pPr marL="0" lvl="0" indent="0" algn="l" rtl="0">
+              <a:spcBef>
+                <a:spcPts val="0"/>
+              </a:spcBef>
+              <a:spcAft>
+                <a:spcPts val="0"/>
+              </a:spcAft>
+              <a:buNone/>
+            </a:pPr>
+            <a:endParaRPr/>
+          </a:p>
+        </p:txBody>
+      </p:sp>
+      <p:sp>
+        <p:nvSpPr>
+          <p:cNvPr id="513" name="Google Shape;513;p35"/>
+          <p:cNvSpPr txBox="1">
+            <a:spLocks noGrp="1"/>
+          </p:cNvSpPr>
+          <p:nvPr>
+            <p:ph type="title"/>
+          </p:nvPr>
+        </p:nvSpPr>
+        <p:spPr>
+          <a:xfrm>
+            <a:off x="781348" y="2629380"/>
+            <a:ext cx="3455868" cy="1069500"/>
+          </a:xfrm>
+          <a:prstGeom prst="rect">
+            <a:avLst/>
+          </a:prstGeom>
+        </p:spPr>
+        <p:txBody>
+          <a:bodyPr spcFirstLastPara="1" wrap="square" lIns="91425" tIns="91425" rIns="91425" bIns="91425" anchor="ctr" anchorCtr="0">
+            <a:noAutofit/>
+          </a:bodyPr>
+          <a:lstStyle/>
+          <a:p>
+            <a:pPr marL="0" lvl="0" indent="0" algn="ctr" rtl="0">
+              <a:spcBef>
+                <a:spcPts val="0"/>
+              </a:spcBef>
+              <a:spcAft>
+                <a:spcPts val="0"/>
+              </a:spcAft>
+              <a:buNone/>
+            </a:pPr>
+            <a:r>
+              <a:rPr lang="fr-FR" sz="2400" dirty="0"/>
+              <a:t>Visualiser un </a:t>
+            </a:r>
+            <a:r>
+              <a:rPr lang="fr-FR" sz="2400" dirty="0" err="1"/>
+              <a:t>DataFrame</a:t>
+            </a:r>
+            <a:r>
+              <a:rPr lang="fr-FR" sz="2400" dirty="0"/>
+              <a:t> avec Pandas</a:t>
+            </a:r>
+          </a:p>
+        </p:txBody>
+      </p:sp>
+    </p:spTree>
+    <p:extLst>
+      <p:ext uri="{BB962C8B-B14F-4D97-AF65-F5344CB8AC3E}">
+        <p14:creationId xmlns:p14="http://schemas.microsoft.com/office/powerpoint/2010/main" val="3057808311"/>
+      </p:ext>
+    </p:extLst>
+  </p:cSld>
+  <p:clrMapOvr>
+    <a:masterClrMapping/>
+  </p:clrMapOvr>
+</p:sld>
+</file>
+
+<file path=ppt/slides/slide39.xml><?xml version="1.0" encoding="utf-8"?>
+<p:sld xmlns:a="http://schemas.openxmlformats.org/drawingml/2006/main" xmlns:r="http://schemas.openxmlformats.org/officeDocument/2006/relationships" xmlns:p="http://schemas.openxmlformats.org/presentationml/2006/main">
+  <p:cSld>
+    <p:spTree>
+      <p:nvGrpSpPr>
+        <p:cNvPr id="1" name="Shape 518"/>
+        <p:cNvGrpSpPr/>
+        <p:nvPr/>
+      </p:nvGrpSpPr>
+      <p:grpSpPr>
+        <a:xfrm>
+          <a:off x="0" y="0"/>
+          <a:ext cx="0" cy="0"/>
+          <a:chOff x="0" y="0"/>
+          <a:chExt cx="0" cy="0"/>
+        </a:xfrm>
+      </p:grpSpPr>
+      <p:sp>
+        <p:nvSpPr>
+          <p:cNvPr id="519" name="Google Shape;519;p36"/>
+          <p:cNvSpPr txBox="1">
+            <a:spLocks noGrp="1"/>
+          </p:cNvSpPr>
+          <p:nvPr>
+            <p:ph type="title"/>
+          </p:nvPr>
+        </p:nvSpPr>
+        <p:spPr>
+          <a:xfrm>
+            <a:off x="2039556" y="1012050"/>
+            <a:ext cx="5064887" cy="952215"/>
+          </a:xfrm>
+          <a:prstGeom prst="rect">
+            <a:avLst/>
+          </a:prstGeom>
+        </p:spPr>
+        <p:txBody>
+          <a:bodyPr spcFirstLastPara="1" wrap="square" lIns="91425" tIns="91425" rIns="91425" bIns="91425" anchor="ctr" anchorCtr="0">
+            <a:noAutofit/>
+          </a:bodyPr>
+          <a:lstStyle/>
+          <a:p>
+            <a:pPr marL="0" lvl="0" indent="0" algn="ctr" rtl="0">
+              <a:spcBef>
+                <a:spcPts val="0"/>
+              </a:spcBef>
+              <a:spcAft>
+                <a:spcPts val="0"/>
+              </a:spcAft>
+              <a:buNone/>
+            </a:pPr>
+            <a:r>
+              <a:rPr lang="fr-FR" dirty="0"/>
+              <a:t>O</a:t>
+            </a:r>
+            <a:r>
+              <a:rPr lang="en" dirty="0"/>
+              <a:t>bjectif</a:t>
+            </a:r>
+            <a:endParaRPr dirty="0"/>
+          </a:p>
+        </p:txBody>
+      </p:sp>
+      <p:sp>
+        <p:nvSpPr>
+          <p:cNvPr id="520" name="Google Shape;520;p36"/>
+          <p:cNvSpPr txBox="1">
+            <a:spLocks noGrp="1"/>
+          </p:cNvSpPr>
+          <p:nvPr>
+            <p:ph type="subTitle" idx="1"/>
+          </p:nvPr>
+        </p:nvSpPr>
+        <p:spPr>
+          <a:xfrm>
+            <a:off x="1275907" y="1690577"/>
+            <a:ext cx="6485860" cy="2440873"/>
+          </a:xfrm>
+          <a:prstGeom prst="rect">
+            <a:avLst/>
+          </a:prstGeom>
+        </p:spPr>
+        <p:txBody>
+          <a:bodyPr spcFirstLastPara="1" wrap="square" lIns="91425" tIns="91425" rIns="91425" bIns="91425" anchor="ctr" anchorCtr="0">
+            <a:noAutofit/>
+          </a:bodyPr>
+          <a:lstStyle/>
+          <a:p>
+            <a:pPr marL="0" lvl="0" indent="0" algn="ctr" rtl="0">
+              <a:spcBef>
+                <a:spcPts val="0"/>
+              </a:spcBef>
+              <a:spcAft>
+                <a:spcPts val="0"/>
+              </a:spcAft>
+              <a:buNone/>
+            </a:pPr>
+            <a:r>
+              <a:rPr lang="fr-FR" sz="2000" dirty="0"/>
+              <a:t>Cette section vise à vous familiariser avec les techniques de visualisation de données en utilisant Pandas en conjonction avec la bibliothèque </a:t>
+            </a:r>
+            <a:r>
+              <a:rPr lang="fr-FR" sz="2000" dirty="0" err="1"/>
+              <a:t>Matplotlib</a:t>
+            </a:r>
+            <a:r>
+              <a:rPr lang="fr-FR" sz="2000" dirty="0"/>
+              <a:t>.</a:t>
+            </a:r>
+            <a:endParaRPr lang="en-US" sz="2000" dirty="0"/>
+          </a:p>
+        </p:txBody>
+      </p:sp>
+    </p:spTree>
+    <p:extLst>
+      <p:ext uri="{BB962C8B-B14F-4D97-AF65-F5344CB8AC3E}">
+        <p14:creationId xmlns:p14="http://schemas.microsoft.com/office/powerpoint/2010/main" val="875094347"/>
+      </p:ext>
+    </p:extLst>
+  </p:cSld>
+  <p:clrMapOvr>
+    <a:masterClrMapping/>
+  </p:clrMapOvr>
+</p:sld>
+</file>
+
 <file path=ppt/slides/slide4.xml><?xml version="1.0" encoding="utf-8"?>
 <p:sld xmlns:a="http://schemas.openxmlformats.org/drawingml/2006/main" xmlns:r="http://schemas.openxmlformats.org/officeDocument/2006/relationships" xmlns:p="http://schemas.openxmlformats.org/presentationml/2006/main">
   <p:cSld>
@@ -39929,6 +41700,7887 @@
         </p:txBody>
       </p:sp>
     </p:spTree>
+  </p:cSld>
+  <p:clrMapOvr>
+    <a:masterClrMapping/>
+  </p:clrMapOvr>
+</p:sld>
+</file>
+
+<file path=ppt/slides/slide40.xml><?xml version="1.0" encoding="utf-8"?>
+<p:sld xmlns:a="http://schemas.openxmlformats.org/drawingml/2006/main" xmlns:r="http://schemas.openxmlformats.org/officeDocument/2006/relationships" xmlns:p="http://schemas.openxmlformats.org/presentationml/2006/main">
+  <p:cSld>
+    <p:spTree>
+      <p:nvGrpSpPr>
+        <p:cNvPr id="1" name="Shape 945"/>
+        <p:cNvGrpSpPr/>
+        <p:nvPr/>
+      </p:nvGrpSpPr>
+      <p:grpSpPr>
+        <a:xfrm>
+          <a:off x="0" y="0"/>
+          <a:ext cx="0" cy="0"/>
+          <a:chOff x="0" y="0"/>
+          <a:chExt cx="0" cy="0"/>
+        </a:xfrm>
+      </p:grpSpPr>
+      <p:sp>
+        <p:nvSpPr>
+          <p:cNvPr id="947" name="Google Shape;947;p54"/>
+          <p:cNvSpPr txBox="1">
+            <a:spLocks noGrp="1"/>
+          </p:cNvSpPr>
+          <p:nvPr>
+            <p:ph type="body" idx="1"/>
+          </p:nvPr>
+        </p:nvSpPr>
+        <p:spPr>
+          <a:xfrm>
+            <a:off x="356192" y="1358537"/>
+            <a:ext cx="7618228" cy="3027535"/>
+          </a:xfrm>
+          <a:prstGeom prst="rect">
+            <a:avLst/>
+          </a:prstGeom>
+        </p:spPr>
+        <p:txBody>
+          <a:bodyPr spcFirstLastPara="1" wrap="square" lIns="91425" tIns="182875" rIns="0" bIns="91425" anchor="t" anchorCtr="0">
+            <a:noAutofit/>
+          </a:bodyPr>
+          <a:lstStyle/>
+          <a:p>
+            <a:pPr algn="l">
+              <a:buFont typeface="Arial" panose="020B0604020202020204" pitchFamily="34" charset="0"/>
+              <a:buChar char="•"/>
+            </a:pPr>
+            <a:r>
+              <a:rPr lang="fr-FR" sz="2800" b="1" i="0" dirty="0">
+                <a:effectLst/>
+                <a:latin typeface="Söhne"/>
+              </a:rPr>
+              <a:t>Fonction .plot():</a:t>
+            </a:r>
+          </a:p>
+          <a:p>
+            <a:pPr lvl="1">
+              <a:buFont typeface="Arial" panose="020B0604020202020204" pitchFamily="34" charset="0"/>
+              <a:buChar char="•"/>
+            </a:pPr>
+            <a:r>
+              <a:rPr lang="fr-FR" sz="2600" b="0" i="0" dirty="0">
+                <a:solidFill>
+                  <a:srgbClr val="374151"/>
+                </a:solidFill>
+                <a:effectLst/>
+                <a:latin typeface="Söhne"/>
+              </a:rPr>
+              <a:t>Permet de générer des graphiques à partir de données stockées dans un </a:t>
+            </a:r>
+            <a:r>
+              <a:rPr lang="fr-FR" sz="2600" b="0" i="0" dirty="0" err="1">
+                <a:solidFill>
+                  <a:srgbClr val="374151"/>
+                </a:solidFill>
+                <a:effectLst/>
+                <a:latin typeface="Söhne"/>
+              </a:rPr>
+              <a:t>DataFrame</a:t>
+            </a:r>
+            <a:r>
+              <a:rPr lang="fr-FR" sz="2600" b="0" i="0" dirty="0">
+                <a:solidFill>
+                  <a:srgbClr val="374151"/>
+                </a:solidFill>
+                <a:effectLst/>
+                <a:latin typeface="Söhne"/>
+              </a:rPr>
+              <a:t> ou une </a:t>
+            </a:r>
+            <a:r>
+              <a:rPr lang="fr-FR" sz="2600" b="0" i="0" dirty="0" err="1">
+                <a:solidFill>
+                  <a:srgbClr val="374151"/>
+                </a:solidFill>
+                <a:effectLst/>
+                <a:latin typeface="Söhne"/>
+              </a:rPr>
+              <a:t>Series</a:t>
+            </a:r>
+            <a:r>
+              <a:rPr lang="fr-FR" sz="2600" b="0" i="0" dirty="0">
+                <a:solidFill>
+                  <a:srgbClr val="374151"/>
+                </a:solidFill>
+                <a:effectLst/>
+                <a:latin typeface="Söhne"/>
+              </a:rPr>
+              <a:t> de Pandas.</a:t>
+            </a:r>
+          </a:p>
+          <a:p>
+            <a:pPr lvl="1">
+              <a:buFont typeface="Arial" panose="020B0604020202020204" pitchFamily="34" charset="0"/>
+              <a:buChar char="•"/>
+            </a:pPr>
+            <a:r>
+              <a:rPr lang="fr-FR" sz="2600" b="0" i="0" dirty="0">
+                <a:solidFill>
+                  <a:srgbClr val="374151"/>
+                </a:solidFill>
+                <a:effectLst/>
+                <a:latin typeface="Söhne"/>
+              </a:rPr>
+              <a:t>Fonctionne comme une interface conviviale enveloppant la puissante bibliothèque </a:t>
+            </a:r>
+            <a:r>
+              <a:rPr lang="fr-FR" sz="2600" b="0" i="0" dirty="0" err="1">
+                <a:solidFill>
+                  <a:srgbClr val="374151"/>
+                </a:solidFill>
+                <a:effectLst/>
+                <a:latin typeface="Söhne"/>
+              </a:rPr>
+              <a:t>Matplotlib</a:t>
+            </a:r>
+            <a:r>
+              <a:rPr lang="fr-FR" sz="2600" b="0" i="0" dirty="0">
+                <a:solidFill>
+                  <a:srgbClr val="374151"/>
+                </a:solidFill>
+                <a:effectLst/>
+                <a:latin typeface="Söhne"/>
+              </a:rPr>
+              <a:t>.</a:t>
+            </a:r>
+          </a:p>
+        </p:txBody>
+      </p:sp>
+      <p:sp>
+        <p:nvSpPr>
+          <p:cNvPr id="7" name="Google Shape;946;p54">
+            <a:extLst>
+              <a:ext uri="{FF2B5EF4-FFF2-40B4-BE49-F238E27FC236}">
+                <a16:creationId xmlns:a16="http://schemas.microsoft.com/office/drawing/2014/main" id="{32FCF576-D072-76B0-16AF-46AF98856AB8}"/>
+              </a:ext>
+            </a:extLst>
+          </p:cNvPr>
+          <p:cNvSpPr/>
+          <p:nvPr/>
+        </p:nvSpPr>
+        <p:spPr>
+          <a:xfrm>
+            <a:off x="2785729" y="622574"/>
+            <a:ext cx="3572539" cy="735963"/>
+          </a:xfrm>
+          <a:prstGeom prst="roundRect">
+            <a:avLst>
+              <a:gd name="adj" fmla="val 6740"/>
+            </a:avLst>
+          </a:prstGeom>
+          <a:solidFill>
+            <a:schemeClr val="lt2"/>
+          </a:solidFill>
+          <a:ln w="28575" cap="flat" cmpd="sng">
+            <a:solidFill>
+              <a:schemeClr val="dk1"/>
+            </a:solidFill>
+            <a:prstDash val="solid"/>
+            <a:round/>
+            <a:headEnd type="none" w="sm" len="sm"/>
+            <a:tailEnd type="none" w="sm" len="sm"/>
+          </a:ln>
+          <a:effectLst>
+            <a:outerShdw dist="85725" dir="3960000" algn="bl" rotWithShape="0">
+              <a:schemeClr val="dk1"/>
+            </a:outerShdw>
+          </a:effectLst>
+        </p:spPr>
+        <p:txBody>
+          <a:bodyPr spcFirstLastPara="1" wrap="square" lIns="91425" tIns="91425" rIns="91425" bIns="91425" anchor="ctr" anchorCtr="0">
+            <a:noAutofit/>
+          </a:bodyPr>
+          <a:lstStyle/>
+          <a:p>
+            <a:pPr marL="0" lvl="0" indent="0" algn="l" rtl="0">
+              <a:spcBef>
+                <a:spcPts val="0"/>
+              </a:spcBef>
+              <a:spcAft>
+                <a:spcPts val="0"/>
+              </a:spcAft>
+              <a:buNone/>
+            </a:pPr>
+            <a:endParaRPr/>
+          </a:p>
+        </p:txBody>
+      </p:sp>
+      <p:sp>
+        <p:nvSpPr>
+          <p:cNvPr id="8" name="Google Shape;948;p54">
+            <a:extLst>
+              <a:ext uri="{FF2B5EF4-FFF2-40B4-BE49-F238E27FC236}">
+                <a16:creationId xmlns:a16="http://schemas.microsoft.com/office/drawing/2014/main" id="{84C74B68-B822-7701-D63F-0AA4D63644E2}"/>
+              </a:ext>
+            </a:extLst>
+          </p:cNvPr>
+          <p:cNvSpPr txBox="1">
+            <a:spLocks/>
+          </p:cNvSpPr>
+          <p:nvPr/>
+        </p:nvSpPr>
+        <p:spPr>
+          <a:xfrm>
+            <a:off x="2695877" y="640792"/>
+            <a:ext cx="3752242" cy="816163"/>
+          </a:xfrm>
+          <a:prstGeom prst="rect">
+            <a:avLst/>
+          </a:prstGeom>
+          <a:noFill/>
+          <a:ln>
+            <a:noFill/>
+          </a:ln>
+        </p:spPr>
+        <p:txBody>
+          <a:bodyPr spcFirstLastPara="1" wrap="square" lIns="91425" tIns="91425" rIns="91425" bIns="91425" anchor="b" anchorCtr="0">
+            <a:noAutofit/>
+          </a:bodyPr>
+          <a:lstStyle>
+            <a:defPPr marR="0" lvl="0" algn="l" rtl="0">
+              <a:lnSpc>
+                <a:spcPct val="100000"/>
+              </a:lnSpc>
+              <a:spcBef>
+                <a:spcPts val="0"/>
+              </a:spcBef>
+              <a:spcAft>
+                <a:spcPts val="0"/>
+              </a:spcAft>
+            </a:defPPr>
+            <a:lvl1pPr marR="0" lvl="0" algn="ctr" rtl="0">
+              <a:lnSpc>
+                <a:spcPct val="100000"/>
+              </a:lnSpc>
+              <a:spcBef>
+                <a:spcPts val="0"/>
+              </a:spcBef>
+              <a:spcAft>
+                <a:spcPts val="0"/>
+              </a:spcAft>
+              <a:buClr>
+                <a:schemeClr val="dk1"/>
+              </a:buClr>
+              <a:buSzPts val="3000"/>
+              <a:buFont typeface="Varela Round"/>
+              <a:buNone/>
+              <a:defRPr sz="3000" b="1" i="0" u="none" strike="noStrike" cap="none">
+                <a:solidFill>
+                  <a:schemeClr val="dk1"/>
+                </a:solidFill>
+                <a:latin typeface="Varela Round"/>
+                <a:ea typeface="Varela Round"/>
+                <a:cs typeface="Varela Round"/>
+                <a:sym typeface="Varela Round"/>
+              </a:defRPr>
+            </a:lvl1pPr>
+            <a:lvl2pPr marR="0" lvl="1" algn="l" rtl="0">
+              <a:lnSpc>
+                <a:spcPct val="100000"/>
+              </a:lnSpc>
+              <a:spcBef>
+                <a:spcPts val="0"/>
+              </a:spcBef>
+              <a:spcAft>
+                <a:spcPts val="0"/>
+              </a:spcAft>
+              <a:buClr>
+                <a:schemeClr val="dk1"/>
+              </a:buClr>
+              <a:buSzPts val="3000"/>
+              <a:buFont typeface="Bebas Neue"/>
+              <a:buNone/>
+              <a:defRPr sz="3000" b="0" i="0" u="none" strike="noStrike" cap="none">
+                <a:solidFill>
+                  <a:schemeClr val="dk1"/>
+                </a:solidFill>
+                <a:latin typeface="Bebas Neue"/>
+                <a:ea typeface="Bebas Neue"/>
+                <a:cs typeface="Bebas Neue"/>
+                <a:sym typeface="Bebas Neue"/>
+              </a:defRPr>
+            </a:lvl2pPr>
+            <a:lvl3pPr marR="0" lvl="2" algn="l" rtl="0">
+              <a:lnSpc>
+                <a:spcPct val="100000"/>
+              </a:lnSpc>
+              <a:spcBef>
+                <a:spcPts val="0"/>
+              </a:spcBef>
+              <a:spcAft>
+                <a:spcPts val="0"/>
+              </a:spcAft>
+              <a:buClr>
+                <a:schemeClr val="dk1"/>
+              </a:buClr>
+              <a:buSzPts val="3000"/>
+              <a:buFont typeface="Bebas Neue"/>
+              <a:buNone/>
+              <a:defRPr sz="3000" b="0" i="0" u="none" strike="noStrike" cap="none">
+                <a:solidFill>
+                  <a:schemeClr val="dk1"/>
+                </a:solidFill>
+                <a:latin typeface="Bebas Neue"/>
+                <a:ea typeface="Bebas Neue"/>
+                <a:cs typeface="Bebas Neue"/>
+                <a:sym typeface="Bebas Neue"/>
+              </a:defRPr>
+            </a:lvl3pPr>
+            <a:lvl4pPr marR="0" lvl="3" algn="l" rtl="0">
+              <a:lnSpc>
+                <a:spcPct val="100000"/>
+              </a:lnSpc>
+              <a:spcBef>
+                <a:spcPts val="0"/>
+              </a:spcBef>
+              <a:spcAft>
+                <a:spcPts val="0"/>
+              </a:spcAft>
+              <a:buClr>
+                <a:schemeClr val="dk1"/>
+              </a:buClr>
+              <a:buSzPts val="3000"/>
+              <a:buFont typeface="Bebas Neue"/>
+              <a:buNone/>
+              <a:defRPr sz="3000" b="0" i="0" u="none" strike="noStrike" cap="none">
+                <a:solidFill>
+                  <a:schemeClr val="dk1"/>
+                </a:solidFill>
+                <a:latin typeface="Bebas Neue"/>
+                <a:ea typeface="Bebas Neue"/>
+                <a:cs typeface="Bebas Neue"/>
+                <a:sym typeface="Bebas Neue"/>
+              </a:defRPr>
+            </a:lvl4pPr>
+            <a:lvl5pPr marR="0" lvl="4" algn="l" rtl="0">
+              <a:lnSpc>
+                <a:spcPct val="100000"/>
+              </a:lnSpc>
+              <a:spcBef>
+                <a:spcPts val="0"/>
+              </a:spcBef>
+              <a:spcAft>
+                <a:spcPts val="0"/>
+              </a:spcAft>
+              <a:buClr>
+                <a:schemeClr val="dk1"/>
+              </a:buClr>
+              <a:buSzPts val="3000"/>
+              <a:buFont typeface="Bebas Neue"/>
+              <a:buNone/>
+              <a:defRPr sz="3000" b="0" i="0" u="none" strike="noStrike" cap="none">
+                <a:solidFill>
+                  <a:schemeClr val="dk1"/>
+                </a:solidFill>
+                <a:latin typeface="Bebas Neue"/>
+                <a:ea typeface="Bebas Neue"/>
+                <a:cs typeface="Bebas Neue"/>
+                <a:sym typeface="Bebas Neue"/>
+              </a:defRPr>
+            </a:lvl5pPr>
+            <a:lvl6pPr marR="0" lvl="5" algn="l" rtl="0">
+              <a:lnSpc>
+                <a:spcPct val="100000"/>
+              </a:lnSpc>
+              <a:spcBef>
+                <a:spcPts val="0"/>
+              </a:spcBef>
+              <a:spcAft>
+                <a:spcPts val="0"/>
+              </a:spcAft>
+              <a:buClr>
+                <a:schemeClr val="dk1"/>
+              </a:buClr>
+              <a:buSzPts val="3000"/>
+              <a:buFont typeface="Bebas Neue"/>
+              <a:buNone/>
+              <a:defRPr sz="3000" b="0" i="0" u="none" strike="noStrike" cap="none">
+                <a:solidFill>
+                  <a:schemeClr val="dk1"/>
+                </a:solidFill>
+                <a:latin typeface="Bebas Neue"/>
+                <a:ea typeface="Bebas Neue"/>
+                <a:cs typeface="Bebas Neue"/>
+                <a:sym typeface="Bebas Neue"/>
+              </a:defRPr>
+            </a:lvl6pPr>
+            <a:lvl7pPr marR="0" lvl="6" algn="l" rtl="0">
+              <a:lnSpc>
+                <a:spcPct val="100000"/>
+              </a:lnSpc>
+              <a:spcBef>
+                <a:spcPts val="0"/>
+              </a:spcBef>
+              <a:spcAft>
+                <a:spcPts val="0"/>
+              </a:spcAft>
+              <a:buClr>
+                <a:schemeClr val="dk1"/>
+              </a:buClr>
+              <a:buSzPts val="3000"/>
+              <a:buFont typeface="Bebas Neue"/>
+              <a:buNone/>
+              <a:defRPr sz="3000" b="0" i="0" u="none" strike="noStrike" cap="none">
+                <a:solidFill>
+                  <a:schemeClr val="dk1"/>
+                </a:solidFill>
+                <a:latin typeface="Bebas Neue"/>
+                <a:ea typeface="Bebas Neue"/>
+                <a:cs typeface="Bebas Neue"/>
+                <a:sym typeface="Bebas Neue"/>
+              </a:defRPr>
+            </a:lvl7pPr>
+            <a:lvl8pPr marR="0" lvl="7" algn="l" rtl="0">
+              <a:lnSpc>
+                <a:spcPct val="100000"/>
+              </a:lnSpc>
+              <a:spcBef>
+                <a:spcPts val="0"/>
+              </a:spcBef>
+              <a:spcAft>
+                <a:spcPts val="0"/>
+              </a:spcAft>
+              <a:buClr>
+                <a:schemeClr val="dk1"/>
+              </a:buClr>
+              <a:buSzPts val="3000"/>
+              <a:buFont typeface="Bebas Neue"/>
+              <a:buNone/>
+              <a:defRPr sz="3000" b="0" i="0" u="none" strike="noStrike" cap="none">
+                <a:solidFill>
+                  <a:schemeClr val="dk1"/>
+                </a:solidFill>
+                <a:latin typeface="Bebas Neue"/>
+                <a:ea typeface="Bebas Neue"/>
+                <a:cs typeface="Bebas Neue"/>
+                <a:sym typeface="Bebas Neue"/>
+              </a:defRPr>
+            </a:lvl8pPr>
+            <a:lvl9pPr marR="0" lvl="8" algn="l" rtl="0">
+              <a:lnSpc>
+                <a:spcPct val="100000"/>
+              </a:lnSpc>
+              <a:spcBef>
+                <a:spcPts val="0"/>
+              </a:spcBef>
+              <a:spcAft>
+                <a:spcPts val="0"/>
+              </a:spcAft>
+              <a:buClr>
+                <a:schemeClr val="dk1"/>
+              </a:buClr>
+              <a:buSzPts val="3000"/>
+              <a:buFont typeface="Bebas Neue"/>
+              <a:buNone/>
+              <a:defRPr sz="3000" b="0" i="0" u="none" strike="noStrike" cap="none">
+                <a:solidFill>
+                  <a:schemeClr val="dk1"/>
+                </a:solidFill>
+                <a:latin typeface="Bebas Neue"/>
+                <a:ea typeface="Bebas Neue"/>
+                <a:cs typeface="Bebas Neue"/>
+                <a:sym typeface="Bebas Neue"/>
+              </a:defRPr>
+            </a:lvl9pPr>
+          </a:lstStyle>
+          <a:p>
+            <a:r>
+              <a:rPr lang="fr-FR" sz="2400" b="1" i="0" dirty="0">
+                <a:effectLst/>
+                <a:latin typeface="Söhne"/>
+              </a:rPr>
+              <a:t> La Fonction .plot() de Pandas</a:t>
+            </a:r>
+            <a:endParaRPr lang="fr-FR" sz="2400" dirty="0"/>
+          </a:p>
+        </p:txBody>
+      </p:sp>
+    </p:spTree>
+    <p:extLst>
+      <p:ext uri="{BB962C8B-B14F-4D97-AF65-F5344CB8AC3E}">
+        <p14:creationId xmlns:p14="http://schemas.microsoft.com/office/powerpoint/2010/main" val="4097681064"/>
+      </p:ext>
+    </p:extLst>
+  </p:cSld>
+  <p:clrMapOvr>
+    <a:masterClrMapping/>
+  </p:clrMapOvr>
+</p:sld>
+</file>
+
+<file path=ppt/slides/slide41.xml><?xml version="1.0" encoding="utf-8"?>
+<p:sld xmlns:a="http://schemas.openxmlformats.org/drawingml/2006/main" xmlns:r="http://schemas.openxmlformats.org/officeDocument/2006/relationships" xmlns:p="http://schemas.openxmlformats.org/presentationml/2006/main">
+  <p:cSld>
+    <p:spTree>
+      <p:nvGrpSpPr>
+        <p:cNvPr id="1" name="Shape 945"/>
+        <p:cNvGrpSpPr/>
+        <p:nvPr/>
+      </p:nvGrpSpPr>
+      <p:grpSpPr>
+        <a:xfrm>
+          <a:off x="0" y="0"/>
+          <a:ext cx="0" cy="0"/>
+          <a:chOff x="0" y="0"/>
+          <a:chExt cx="0" cy="0"/>
+        </a:xfrm>
+      </p:grpSpPr>
+      <p:sp>
+        <p:nvSpPr>
+          <p:cNvPr id="7" name="Google Shape;946;p54">
+            <a:extLst>
+              <a:ext uri="{FF2B5EF4-FFF2-40B4-BE49-F238E27FC236}">
+                <a16:creationId xmlns:a16="http://schemas.microsoft.com/office/drawing/2014/main" id="{32FCF576-D072-76B0-16AF-46AF98856AB8}"/>
+              </a:ext>
+            </a:extLst>
+          </p:cNvPr>
+          <p:cNvSpPr/>
+          <p:nvPr/>
+        </p:nvSpPr>
+        <p:spPr>
+          <a:xfrm>
+            <a:off x="2833950" y="369574"/>
+            <a:ext cx="3476099" cy="735963"/>
+          </a:xfrm>
+          <a:prstGeom prst="roundRect">
+            <a:avLst>
+              <a:gd name="adj" fmla="val 6740"/>
+            </a:avLst>
+          </a:prstGeom>
+          <a:solidFill>
+            <a:schemeClr val="lt2"/>
+          </a:solidFill>
+          <a:ln w="28575" cap="flat" cmpd="sng">
+            <a:solidFill>
+              <a:schemeClr val="dk1"/>
+            </a:solidFill>
+            <a:prstDash val="solid"/>
+            <a:round/>
+            <a:headEnd type="none" w="sm" len="sm"/>
+            <a:tailEnd type="none" w="sm" len="sm"/>
+          </a:ln>
+          <a:effectLst>
+            <a:outerShdw dist="85725" dir="3960000" algn="bl" rotWithShape="0">
+              <a:schemeClr val="dk1"/>
+            </a:outerShdw>
+          </a:effectLst>
+        </p:spPr>
+        <p:txBody>
+          <a:bodyPr spcFirstLastPara="1" wrap="square" lIns="91425" tIns="91425" rIns="91425" bIns="91425" anchor="ctr" anchorCtr="0">
+            <a:noAutofit/>
+          </a:bodyPr>
+          <a:lstStyle/>
+          <a:p>
+            <a:pPr marL="0" lvl="0" indent="0" algn="l" rtl="0">
+              <a:spcBef>
+                <a:spcPts val="0"/>
+              </a:spcBef>
+              <a:spcAft>
+                <a:spcPts val="0"/>
+              </a:spcAft>
+              <a:buNone/>
+            </a:pPr>
+            <a:endParaRPr/>
+          </a:p>
+        </p:txBody>
+      </p:sp>
+      <p:sp>
+        <p:nvSpPr>
+          <p:cNvPr id="8" name="Google Shape;948;p54">
+            <a:extLst>
+              <a:ext uri="{FF2B5EF4-FFF2-40B4-BE49-F238E27FC236}">
+                <a16:creationId xmlns:a16="http://schemas.microsoft.com/office/drawing/2014/main" id="{84C74B68-B822-7701-D63F-0AA4D63644E2}"/>
+              </a:ext>
+            </a:extLst>
+          </p:cNvPr>
+          <p:cNvSpPr txBox="1">
+            <a:spLocks/>
+          </p:cNvSpPr>
+          <p:nvPr/>
+        </p:nvSpPr>
+        <p:spPr>
+          <a:xfrm>
+            <a:off x="3042744" y="418539"/>
+            <a:ext cx="3058510" cy="816163"/>
+          </a:xfrm>
+          <a:prstGeom prst="rect">
+            <a:avLst/>
+          </a:prstGeom>
+          <a:noFill/>
+          <a:ln>
+            <a:noFill/>
+          </a:ln>
+        </p:spPr>
+        <p:txBody>
+          <a:bodyPr spcFirstLastPara="1" wrap="square" lIns="91425" tIns="91425" rIns="91425" bIns="91425" anchor="b" anchorCtr="0">
+            <a:noAutofit/>
+          </a:bodyPr>
+          <a:lstStyle>
+            <a:defPPr marR="0" lvl="0" algn="l" rtl="0">
+              <a:lnSpc>
+                <a:spcPct val="100000"/>
+              </a:lnSpc>
+              <a:spcBef>
+                <a:spcPts val="0"/>
+              </a:spcBef>
+              <a:spcAft>
+                <a:spcPts val="0"/>
+              </a:spcAft>
+            </a:defPPr>
+            <a:lvl1pPr marR="0" lvl="0" algn="ctr" rtl="0">
+              <a:lnSpc>
+                <a:spcPct val="100000"/>
+              </a:lnSpc>
+              <a:spcBef>
+                <a:spcPts val="0"/>
+              </a:spcBef>
+              <a:spcAft>
+                <a:spcPts val="0"/>
+              </a:spcAft>
+              <a:buClr>
+                <a:schemeClr val="dk1"/>
+              </a:buClr>
+              <a:buSzPts val="3000"/>
+              <a:buFont typeface="Varela Round"/>
+              <a:buNone/>
+              <a:defRPr sz="3000" b="1" i="0" u="none" strike="noStrike" cap="none">
+                <a:solidFill>
+                  <a:schemeClr val="dk1"/>
+                </a:solidFill>
+                <a:latin typeface="Varela Round"/>
+                <a:ea typeface="Varela Round"/>
+                <a:cs typeface="Varela Round"/>
+                <a:sym typeface="Varela Round"/>
+              </a:defRPr>
+            </a:lvl1pPr>
+            <a:lvl2pPr marR="0" lvl="1" algn="l" rtl="0">
+              <a:lnSpc>
+                <a:spcPct val="100000"/>
+              </a:lnSpc>
+              <a:spcBef>
+                <a:spcPts val="0"/>
+              </a:spcBef>
+              <a:spcAft>
+                <a:spcPts val="0"/>
+              </a:spcAft>
+              <a:buClr>
+                <a:schemeClr val="dk1"/>
+              </a:buClr>
+              <a:buSzPts val="3000"/>
+              <a:buFont typeface="Bebas Neue"/>
+              <a:buNone/>
+              <a:defRPr sz="3000" b="0" i="0" u="none" strike="noStrike" cap="none">
+                <a:solidFill>
+                  <a:schemeClr val="dk1"/>
+                </a:solidFill>
+                <a:latin typeface="Bebas Neue"/>
+                <a:ea typeface="Bebas Neue"/>
+                <a:cs typeface="Bebas Neue"/>
+                <a:sym typeface="Bebas Neue"/>
+              </a:defRPr>
+            </a:lvl2pPr>
+            <a:lvl3pPr marR="0" lvl="2" algn="l" rtl="0">
+              <a:lnSpc>
+                <a:spcPct val="100000"/>
+              </a:lnSpc>
+              <a:spcBef>
+                <a:spcPts val="0"/>
+              </a:spcBef>
+              <a:spcAft>
+                <a:spcPts val="0"/>
+              </a:spcAft>
+              <a:buClr>
+                <a:schemeClr val="dk1"/>
+              </a:buClr>
+              <a:buSzPts val="3000"/>
+              <a:buFont typeface="Bebas Neue"/>
+              <a:buNone/>
+              <a:defRPr sz="3000" b="0" i="0" u="none" strike="noStrike" cap="none">
+                <a:solidFill>
+                  <a:schemeClr val="dk1"/>
+                </a:solidFill>
+                <a:latin typeface="Bebas Neue"/>
+                <a:ea typeface="Bebas Neue"/>
+                <a:cs typeface="Bebas Neue"/>
+                <a:sym typeface="Bebas Neue"/>
+              </a:defRPr>
+            </a:lvl3pPr>
+            <a:lvl4pPr marR="0" lvl="3" algn="l" rtl="0">
+              <a:lnSpc>
+                <a:spcPct val="100000"/>
+              </a:lnSpc>
+              <a:spcBef>
+                <a:spcPts val="0"/>
+              </a:spcBef>
+              <a:spcAft>
+                <a:spcPts val="0"/>
+              </a:spcAft>
+              <a:buClr>
+                <a:schemeClr val="dk1"/>
+              </a:buClr>
+              <a:buSzPts val="3000"/>
+              <a:buFont typeface="Bebas Neue"/>
+              <a:buNone/>
+              <a:defRPr sz="3000" b="0" i="0" u="none" strike="noStrike" cap="none">
+                <a:solidFill>
+                  <a:schemeClr val="dk1"/>
+                </a:solidFill>
+                <a:latin typeface="Bebas Neue"/>
+                <a:ea typeface="Bebas Neue"/>
+                <a:cs typeface="Bebas Neue"/>
+                <a:sym typeface="Bebas Neue"/>
+              </a:defRPr>
+            </a:lvl4pPr>
+            <a:lvl5pPr marR="0" lvl="4" algn="l" rtl="0">
+              <a:lnSpc>
+                <a:spcPct val="100000"/>
+              </a:lnSpc>
+              <a:spcBef>
+                <a:spcPts val="0"/>
+              </a:spcBef>
+              <a:spcAft>
+                <a:spcPts val="0"/>
+              </a:spcAft>
+              <a:buClr>
+                <a:schemeClr val="dk1"/>
+              </a:buClr>
+              <a:buSzPts val="3000"/>
+              <a:buFont typeface="Bebas Neue"/>
+              <a:buNone/>
+              <a:defRPr sz="3000" b="0" i="0" u="none" strike="noStrike" cap="none">
+                <a:solidFill>
+                  <a:schemeClr val="dk1"/>
+                </a:solidFill>
+                <a:latin typeface="Bebas Neue"/>
+                <a:ea typeface="Bebas Neue"/>
+                <a:cs typeface="Bebas Neue"/>
+                <a:sym typeface="Bebas Neue"/>
+              </a:defRPr>
+            </a:lvl5pPr>
+            <a:lvl6pPr marR="0" lvl="5" algn="l" rtl="0">
+              <a:lnSpc>
+                <a:spcPct val="100000"/>
+              </a:lnSpc>
+              <a:spcBef>
+                <a:spcPts val="0"/>
+              </a:spcBef>
+              <a:spcAft>
+                <a:spcPts val="0"/>
+              </a:spcAft>
+              <a:buClr>
+                <a:schemeClr val="dk1"/>
+              </a:buClr>
+              <a:buSzPts val="3000"/>
+              <a:buFont typeface="Bebas Neue"/>
+              <a:buNone/>
+              <a:defRPr sz="3000" b="0" i="0" u="none" strike="noStrike" cap="none">
+                <a:solidFill>
+                  <a:schemeClr val="dk1"/>
+                </a:solidFill>
+                <a:latin typeface="Bebas Neue"/>
+                <a:ea typeface="Bebas Neue"/>
+                <a:cs typeface="Bebas Neue"/>
+                <a:sym typeface="Bebas Neue"/>
+              </a:defRPr>
+            </a:lvl6pPr>
+            <a:lvl7pPr marR="0" lvl="6" algn="l" rtl="0">
+              <a:lnSpc>
+                <a:spcPct val="100000"/>
+              </a:lnSpc>
+              <a:spcBef>
+                <a:spcPts val="0"/>
+              </a:spcBef>
+              <a:spcAft>
+                <a:spcPts val="0"/>
+              </a:spcAft>
+              <a:buClr>
+                <a:schemeClr val="dk1"/>
+              </a:buClr>
+              <a:buSzPts val="3000"/>
+              <a:buFont typeface="Bebas Neue"/>
+              <a:buNone/>
+              <a:defRPr sz="3000" b="0" i="0" u="none" strike="noStrike" cap="none">
+                <a:solidFill>
+                  <a:schemeClr val="dk1"/>
+                </a:solidFill>
+                <a:latin typeface="Bebas Neue"/>
+                <a:ea typeface="Bebas Neue"/>
+                <a:cs typeface="Bebas Neue"/>
+                <a:sym typeface="Bebas Neue"/>
+              </a:defRPr>
+            </a:lvl7pPr>
+            <a:lvl8pPr marR="0" lvl="7" algn="l" rtl="0">
+              <a:lnSpc>
+                <a:spcPct val="100000"/>
+              </a:lnSpc>
+              <a:spcBef>
+                <a:spcPts val="0"/>
+              </a:spcBef>
+              <a:spcAft>
+                <a:spcPts val="0"/>
+              </a:spcAft>
+              <a:buClr>
+                <a:schemeClr val="dk1"/>
+              </a:buClr>
+              <a:buSzPts val="3000"/>
+              <a:buFont typeface="Bebas Neue"/>
+              <a:buNone/>
+              <a:defRPr sz="3000" b="0" i="0" u="none" strike="noStrike" cap="none">
+                <a:solidFill>
+                  <a:schemeClr val="dk1"/>
+                </a:solidFill>
+                <a:latin typeface="Bebas Neue"/>
+                <a:ea typeface="Bebas Neue"/>
+                <a:cs typeface="Bebas Neue"/>
+                <a:sym typeface="Bebas Neue"/>
+              </a:defRPr>
+            </a:lvl8pPr>
+            <a:lvl9pPr marR="0" lvl="8" algn="l" rtl="0">
+              <a:lnSpc>
+                <a:spcPct val="100000"/>
+              </a:lnSpc>
+              <a:spcBef>
+                <a:spcPts val="0"/>
+              </a:spcBef>
+              <a:spcAft>
+                <a:spcPts val="0"/>
+              </a:spcAft>
+              <a:buClr>
+                <a:schemeClr val="dk1"/>
+              </a:buClr>
+              <a:buSzPts val="3000"/>
+              <a:buFont typeface="Bebas Neue"/>
+              <a:buNone/>
+              <a:defRPr sz="3000" b="0" i="0" u="none" strike="noStrike" cap="none">
+                <a:solidFill>
+                  <a:schemeClr val="dk1"/>
+                </a:solidFill>
+                <a:latin typeface="Bebas Neue"/>
+                <a:ea typeface="Bebas Neue"/>
+                <a:cs typeface="Bebas Neue"/>
+                <a:sym typeface="Bebas Neue"/>
+              </a:defRPr>
+            </a:lvl9pPr>
+          </a:lstStyle>
+          <a:p>
+            <a:r>
+              <a:rPr lang="fr-FR" sz="2400" b="1" i="0" dirty="0">
+                <a:effectLst/>
+                <a:latin typeface="Söhne"/>
+              </a:rPr>
+              <a:t>Types de Graphiques Disponibles</a:t>
+            </a:r>
+            <a:endParaRPr lang="fr-FR" sz="2400" dirty="0"/>
+          </a:p>
+        </p:txBody>
+      </p:sp>
+      <p:sp>
+        <p:nvSpPr>
+          <p:cNvPr id="3" name="Google Shape;946;p54">
+            <a:extLst>
+              <a:ext uri="{FF2B5EF4-FFF2-40B4-BE49-F238E27FC236}">
+                <a16:creationId xmlns:a16="http://schemas.microsoft.com/office/drawing/2014/main" id="{63E33E90-6FF6-DC6E-DC6C-6E86948BB43E}"/>
+              </a:ext>
+            </a:extLst>
+          </p:cNvPr>
+          <p:cNvSpPr/>
+          <p:nvPr/>
+        </p:nvSpPr>
+        <p:spPr>
+          <a:xfrm>
+            <a:off x="748084" y="1318437"/>
+            <a:ext cx="1144511" cy="419918"/>
+          </a:xfrm>
+          <a:prstGeom prst="roundRect">
+            <a:avLst>
+              <a:gd name="adj" fmla="val 6740"/>
+            </a:avLst>
+          </a:prstGeom>
+          <a:solidFill>
+            <a:schemeClr val="lt2"/>
+          </a:solidFill>
+          <a:ln w="28575" cap="flat" cmpd="sng">
+            <a:solidFill>
+              <a:schemeClr val="dk1"/>
+            </a:solidFill>
+            <a:prstDash val="solid"/>
+            <a:round/>
+            <a:headEnd type="none" w="sm" len="sm"/>
+            <a:tailEnd type="none" w="sm" len="sm"/>
+          </a:ln>
+          <a:effectLst>
+            <a:outerShdw dist="85725" dir="3960000" algn="bl" rotWithShape="0">
+              <a:schemeClr val="dk1"/>
+            </a:outerShdw>
+          </a:effectLst>
+        </p:spPr>
+        <p:txBody>
+          <a:bodyPr spcFirstLastPara="1" wrap="square" lIns="91425" tIns="91425" rIns="91425" bIns="91425" anchor="ctr" anchorCtr="0">
+            <a:noAutofit/>
+          </a:bodyPr>
+          <a:lstStyle/>
+          <a:p>
+            <a:pPr marL="0" lvl="0" indent="0" algn="l" rtl="0">
+              <a:spcBef>
+                <a:spcPts val="0"/>
+              </a:spcBef>
+              <a:spcAft>
+                <a:spcPts val="0"/>
+              </a:spcAft>
+              <a:buNone/>
+            </a:pPr>
+            <a:endParaRPr/>
+          </a:p>
+        </p:txBody>
+      </p:sp>
+      <p:sp>
+        <p:nvSpPr>
+          <p:cNvPr id="4" name="Google Shape;948;p54">
+            <a:extLst>
+              <a:ext uri="{FF2B5EF4-FFF2-40B4-BE49-F238E27FC236}">
+                <a16:creationId xmlns:a16="http://schemas.microsoft.com/office/drawing/2014/main" id="{D8E2D311-1179-757F-BEAD-9E8B8B5A02A7}"/>
+              </a:ext>
+            </a:extLst>
+          </p:cNvPr>
+          <p:cNvSpPr txBox="1">
+            <a:spLocks/>
+          </p:cNvSpPr>
+          <p:nvPr/>
+        </p:nvSpPr>
+        <p:spPr>
+          <a:xfrm>
+            <a:off x="607091" y="1298753"/>
+            <a:ext cx="1426496" cy="486333"/>
+          </a:xfrm>
+          <a:prstGeom prst="rect">
+            <a:avLst/>
+          </a:prstGeom>
+          <a:noFill/>
+          <a:ln>
+            <a:noFill/>
+          </a:ln>
+        </p:spPr>
+        <p:txBody>
+          <a:bodyPr spcFirstLastPara="1" wrap="square" lIns="91425" tIns="91425" rIns="91425" bIns="91425" anchor="b" anchorCtr="0">
+            <a:noAutofit/>
+          </a:bodyPr>
+          <a:lstStyle>
+            <a:defPPr marR="0" lvl="0" algn="l" rtl="0">
+              <a:lnSpc>
+                <a:spcPct val="100000"/>
+              </a:lnSpc>
+              <a:spcBef>
+                <a:spcPts val="0"/>
+              </a:spcBef>
+              <a:spcAft>
+                <a:spcPts val="0"/>
+              </a:spcAft>
+            </a:defPPr>
+            <a:lvl1pPr marR="0" lvl="0" algn="ctr" rtl="0">
+              <a:lnSpc>
+                <a:spcPct val="100000"/>
+              </a:lnSpc>
+              <a:spcBef>
+                <a:spcPts val="0"/>
+              </a:spcBef>
+              <a:spcAft>
+                <a:spcPts val="0"/>
+              </a:spcAft>
+              <a:buClr>
+                <a:schemeClr val="dk1"/>
+              </a:buClr>
+              <a:buSzPts val="3000"/>
+              <a:buFont typeface="Varela Round"/>
+              <a:buNone/>
+              <a:defRPr sz="3000" b="1" i="0" u="none" strike="noStrike" cap="none">
+                <a:solidFill>
+                  <a:schemeClr val="dk1"/>
+                </a:solidFill>
+                <a:latin typeface="Varela Round"/>
+                <a:ea typeface="Varela Round"/>
+                <a:cs typeface="Varela Round"/>
+                <a:sym typeface="Varela Round"/>
+              </a:defRPr>
+            </a:lvl1pPr>
+            <a:lvl2pPr marR="0" lvl="1" algn="l" rtl="0">
+              <a:lnSpc>
+                <a:spcPct val="100000"/>
+              </a:lnSpc>
+              <a:spcBef>
+                <a:spcPts val="0"/>
+              </a:spcBef>
+              <a:spcAft>
+                <a:spcPts val="0"/>
+              </a:spcAft>
+              <a:buClr>
+                <a:schemeClr val="dk1"/>
+              </a:buClr>
+              <a:buSzPts val="3000"/>
+              <a:buFont typeface="Bebas Neue"/>
+              <a:buNone/>
+              <a:defRPr sz="3000" b="0" i="0" u="none" strike="noStrike" cap="none">
+                <a:solidFill>
+                  <a:schemeClr val="dk1"/>
+                </a:solidFill>
+                <a:latin typeface="Bebas Neue"/>
+                <a:ea typeface="Bebas Neue"/>
+                <a:cs typeface="Bebas Neue"/>
+                <a:sym typeface="Bebas Neue"/>
+              </a:defRPr>
+            </a:lvl2pPr>
+            <a:lvl3pPr marR="0" lvl="2" algn="l" rtl="0">
+              <a:lnSpc>
+                <a:spcPct val="100000"/>
+              </a:lnSpc>
+              <a:spcBef>
+                <a:spcPts val="0"/>
+              </a:spcBef>
+              <a:spcAft>
+                <a:spcPts val="0"/>
+              </a:spcAft>
+              <a:buClr>
+                <a:schemeClr val="dk1"/>
+              </a:buClr>
+              <a:buSzPts val="3000"/>
+              <a:buFont typeface="Bebas Neue"/>
+              <a:buNone/>
+              <a:defRPr sz="3000" b="0" i="0" u="none" strike="noStrike" cap="none">
+                <a:solidFill>
+                  <a:schemeClr val="dk1"/>
+                </a:solidFill>
+                <a:latin typeface="Bebas Neue"/>
+                <a:ea typeface="Bebas Neue"/>
+                <a:cs typeface="Bebas Neue"/>
+                <a:sym typeface="Bebas Neue"/>
+              </a:defRPr>
+            </a:lvl3pPr>
+            <a:lvl4pPr marR="0" lvl="3" algn="l" rtl="0">
+              <a:lnSpc>
+                <a:spcPct val="100000"/>
+              </a:lnSpc>
+              <a:spcBef>
+                <a:spcPts val="0"/>
+              </a:spcBef>
+              <a:spcAft>
+                <a:spcPts val="0"/>
+              </a:spcAft>
+              <a:buClr>
+                <a:schemeClr val="dk1"/>
+              </a:buClr>
+              <a:buSzPts val="3000"/>
+              <a:buFont typeface="Bebas Neue"/>
+              <a:buNone/>
+              <a:defRPr sz="3000" b="0" i="0" u="none" strike="noStrike" cap="none">
+                <a:solidFill>
+                  <a:schemeClr val="dk1"/>
+                </a:solidFill>
+                <a:latin typeface="Bebas Neue"/>
+                <a:ea typeface="Bebas Neue"/>
+                <a:cs typeface="Bebas Neue"/>
+                <a:sym typeface="Bebas Neue"/>
+              </a:defRPr>
+            </a:lvl4pPr>
+            <a:lvl5pPr marR="0" lvl="4" algn="l" rtl="0">
+              <a:lnSpc>
+                <a:spcPct val="100000"/>
+              </a:lnSpc>
+              <a:spcBef>
+                <a:spcPts val="0"/>
+              </a:spcBef>
+              <a:spcAft>
+                <a:spcPts val="0"/>
+              </a:spcAft>
+              <a:buClr>
+                <a:schemeClr val="dk1"/>
+              </a:buClr>
+              <a:buSzPts val="3000"/>
+              <a:buFont typeface="Bebas Neue"/>
+              <a:buNone/>
+              <a:defRPr sz="3000" b="0" i="0" u="none" strike="noStrike" cap="none">
+                <a:solidFill>
+                  <a:schemeClr val="dk1"/>
+                </a:solidFill>
+                <a:latin typeface="Bebas Neue"/>
+                <a:ea typeface="Bebas Neue"/>
+                <a:cs typeface="Bebas Neue"/>
+                <a:sym typeface="Bebas Neue"/>
+              </a:defRPr>
+            </a:lvl5pPr>
+            <a:lvl6pPr marR="0" lvl="5" algn="l" rtl="0">
+              <a:lnSpc>
+                <a:spcPct val="100000"/>
+              </a:lnSpc>
+              <a:spcBef>
+                <a:spcPts val="0"/>
+              </a:spcBef>
+              <a:spcAft>
+                <a:spcPts val="0"/>
+              </a:spcAft>
+              <a:buClr>
+                <a:schemeClr val="dk1"/>
+              </a:buClr>
+              <a:buSzPts val="3000"/>
+              <a:buFont typeface="Bebas Neue"/>
+              <a:buNone/>
+              <a:defRPr sz="3000" b="0" i="0" u="none" strike="noStrike" cap="none">
+                <a:solidFill>
+                  <a:schemeClr val="dk1"/>
+                </a:solidFill>
+                <a:latin typeface="Bebas Neue"/>
+                <a:ea typeface="Bebas Neue"/>
+                <a:cs typeface="Bebas Neue"/>
+                <a:sym typeface="Bebas Neue"/>
+              </a:defRPr>
+            </a:lvl6pPr>
+            <a:lvl7pPr marR="0" lvl="6" algn="l" rtl="0">
+              <a:lnSpc>
+                <a:spcPct val="100000"/>
+              </a:lnSpc>
+              <a:spcBef>
+                <a:spcPts val="0"/>
+              </a:spcBef>
+              <a:spcAft>
+                <a:spcPts val="0"/>
+              </a:spcAft>
+              <a:buClr>
+                <a:schemeClr val="dk1"/>
+              </a:buClr>
+              <a:buSzPts val="3000"/>
+              <a:buFont typeface="Bebas Neue"/>
+              <a:buNone/>
+              <a:defRPr sz="3000" b="0" i="0" u="none" strike="noStrike" cap="none">
+                <a:solidFill>
+                  <a:schemeClr val="dk1"/>
+                </a:solidFill>
+                <a:latin typeface="Bebas Neue"/>
+                <a:ea typeface="Bebas Neue"/>
+                <a:cs typeface="Bebas Neue"/>
+                <a:sym typeface="Bebas Neue"/>
+              </a:defRPr>
+            </a:lvl7pPr>
+            <a:lvl8pPr marR="0" lvl="7" algn="l" rtl="0">
+              <a:lnSpc>
+                <a:spcPct val="100000"/>
+              </a:lnSpc>
+              <a:spcBef>
+                <a:spcPts val="0"/>
+              </a:spcBef>
+              <a:spcAft>
+                <a:spcPts val="0"/>
+              </a:spcAft>
+              <a:buClr>
+                <a:schemeClr val="dk1"/>
+              </a:buClr>
+              <a:buSzPts val="3000"/>
+              <a:buFont typeface="Bebas Neue"/>
+              <a:buNone/>
+              <a:defRPr sz="3000" b="0" i="0" u="none" strike="noStrike" cap="none">
+                <a:solidFill>
+                  <a:schemeClr val="dk1"/>
+                </a:solidFill>
+                <a:latin typeface="Bebas Neue"/>
+                <a:ea typeface="Bebas Neue"/>
+                <a:cs typeface="Bebas Neue"/>
+                <a:sym typeface="Bebas Neue"/>
+              </a:defRPr>
+            </a:lvl8pPr>
+            <a:lvl9pPr marR="0" lvl="8" algn="l" rtl="0">
+              <a:lnSpc>
+                <a:spcPct val="100000"/>
+              </a:lnSpc>
+              <a:spcBef>
+                <a:spcPts val="0"/>
+              </a:spcBef>
+              <a:spcAft>
+                <a:spcPts val="0"/>
+              </a:spcAft>
+              <a:buClr>
+                <a:schemeClr val="dk1"/>
+              </a:buClr>
+              <a:buSzPts val="3000"/>
+              <a:buFont typeface="Bebas Neue"/>
+              <a:buNone/>
+              <a:defRPr sz="3000" b="0" i="0" u="none" strike="noStrike" cap="none">
+                <a:solidFill>
+                  <a:schemeClr val="dk1"/>
+                </a:solidFill>
+                <a:latin typeface="Bebas Neue"/>
+                <a:ea typeface="Bebas Neue"/>
+                <a:cs typeface="Bebas Neue"/>
+                <a:sym typeface="Bebas Neue"/>
+              </a:defRPr>
+            </a:lvl9pPr>
+          </a:lstStyle>
+          <a:p>
+            <a:r>
+              <a:rPr lang="fr-FR" sz="2400" dirty="0">
+                <a:latin typeface="Söhne"/>
+              </a:rPr>
+              <a:t>LINE</a:t>
+            </a:r>
+            <a:endParaRPr lang="fr-FR" sz="2400" dirty="0"/>
+          </a:p>
+        </p:txBody>
+      </p:sp>
+      <p:sp>
+        <p:nvSpPr>
+          <p:cNvPr id="2" name="Google Shape;621;p42">
+            <a:extLst>
+              <a:ext uri="{FF2B5EF4-FFF2-40B4-BE49-F238E27FC236}">
+                <a16:creationId xmlns:a16="http://schemas.microsoft.com/office/drawing/2014/main" id="{B25BA44B-7585-E0C5-9332-A2826F7649FF}"/>
+              </a:ext>
+            </a:extLst>
+          </p:cNvPr>
+          <p:cNvSpPr txBox="1"/>
+          <p:nvPr/>
+        </p:nvSpPr>
+        <p:spPr>
+          <a:xfrm>
+            <a:off x="2033587" y="1283667"/>
+            <a:ext cx="5962097" cy="519569"/>
+          </a:xfrm>
+          <a:prstGeom prst="rect">
+            <a:avLst/>
+          </a:prstGeom>
+          <a:noFill/>
+          <a:ln>
+            <a:noFill/>
+          </a:ln>
+        </p:spPr>
+        <p:txBody>
+          <a:bodyPr spcFirstLastPara="1" wrap="square" lIns="91425" tIns="91425" rIns="91425" bIns="91425" anchor="ctr" anchorCtr="0">
+            <a:noAutofit/>
+          </a:bodyPr>
+          <a:lstStyle/>
+          <a:p>
+            <a:pPr marL="285750" lvl="2" indent="-285750">
+              <a:buFont typeface="Arial" panose="020B0604020202020204" pitchFamily="34" charset="0"/>
+              <a:buChar char="•"/>
+            </a:pPr>
+            <a:r>
+              <a:rPr lang="fr-FR" b="1" dirty="0">
+                <a:solidFill>
+                  <a:schemeClr val="dk2"/>
+                </a:solidFill>
+                <a:latin typeface="Lato"/>
+                <a:ea typeface="Lato"/>
+                <a:cs typeface="Lato"/>
+                <a:sym typeface="Lato"/>
+              </a:rPr>
+              <a:t> Idéal pour visualiser les tendances ou variations dans le temps.</a:t>
+            </a:r>
+            <a:endParaRPr lang="en-US" b="1" dirty="0">
+              <a:solidFill>
+                <a:schemeClr val="dk2"/>
+              </a:solidFill>
+              <a:latin typeface="Lato"/>
+              <a:ea typeface="Lato"/>
+              <a:cs typeface="Lato"/>
+              <a:sym typeface="Lato"/>
+            </a:endParaRPr>
+          </a:p>
+        </p:txBody>
+      </p:sp>
+      <p:pic>
+        <p:nvPicPr>
+          <p:cNvPr id="1026" name="Picture 2">
+            <a:extLst>
+              <a:ext uri="{FF2B5EF4-FFF2-40B4-BE49-F238E27FC236}">
+                <a16:creationId xmlns:a16="http://schemas.microsoft.com/office/drawing/2014/main" id="{FCD760B9-D864-F256-851D-9AEF85F428B4}"/>
+              </a:ext>
+            </a:extLst>
+          </p:cNvPr>
+          <p:cNvPicPr>
+            <a:picLocks noChangeAspect="1" noChangeArrowheads="1"/>
+          </p:cNvPicPr>
+          <p:nvPr/>
+        </p:nvPicPr>
+        <p:blipFill>
+          <a:blip r:embed="rId3">
+            <a:extLst>
+              <a:ext uri="{28A0092B-C50C-407E-A947-70E740481C1C}">
+                <a14:useLocalDpi xmlns:a14="http://schemas.microsoft.com/office/drawing/2010/main" val="0"/>
+              </a:ext>
+            </a:extLst>
+          </a:blip>
+          <a:srcRect/>
+          <a:stretch>
+            <a:fillRect/>
+          </a:stretch>
+        </p:blipFill>
+        <p:spPr bwMode="auto">
+          <a:xfrm>
+            <a:off x="2727250" y="1852201"/>
+            <a:ext cx="3689498" cy="2767124"/>
+          </a:xfrm>
+          <a:prstGeom prst="rect">
+            <a:avLst/>
+          </a:prstGeom>
+          <a:noFill/>
+          <a:extLst>
+            <a:ext uri="{909E8E84-426E-40DD-AFC4-6F175D3DCCD1}">
+              <a14:hiddenFill xmlns:a14="http://schemas.microsoft.com/office/drawing/2010/main">
+                <a:solidFill>
+                  <a:srgbClr val="FFFFFF"/>
+                </a:solidFill>
+              </a14:hiddenFill>
+            </a:ext>
+          </a:extLst>
+        </p:spPr>
+      </p:pic>
+    </p:spTree>
+    <p:extLst>
+      <p:ext uri="{BB962C8B-B14F-4D97-AF65-F5344CB8AC3E}">
+        <p14:creationId xmlns:p14="http://schemas.microsoft.com/office/powerpoint/2010/main" val="633291418"/>
+      </p:ext>
+    </p:extLst>
+  </p:cSld>
+  <p:clrMapOvr>
+    <a:masterClrMapping/>
+  </p:clrMapOvr>
+</p:sld>
+</file>
+
+<file path=ppt/slides/slide42.xml><?xml version="1.0" encoding="utf-8"?>
+<p:sld xmlns:a="http://schemas.openxmlformats.org/drawingml/2006/main" xmlns:r="http://schemas.openxmlformats.org/officeDocument/2006/relationships" xmlns:p="http://schemas.openxmlformats.org/presentationml/2006/main">
+  <p:cSld>
+    <p:spTree>
+      <p:nvGrpSpPr>
+        <p:cNvPr id="1" name="Shape 945"/>
+        <p:cNvGrpSpPr/>
+        <p:nvPr/>
+      </p:nvGrpSpPr>
+      <p:grpSpPr>
+        <a:xfrm>
+          <a:off x="0" y="0"/>
+          <a:ext cx="0" cy="0"/>
+          <a:chOff x="0" y="0"/>
+          <a:chExt cx="0" cy="0"/>
+        </a:xfrm>
+      </p:grpSpPr>
+      <p:sp>
+        <p:nvSpPr>
+          <p:cNvPr id="7" name="Google Shape;946;p54">
+            <a:extLst>
+              <a:ext uri="{FF2B5EF4-FFF2-40B4-BE49-F238E27FC236}">
+                <a16:creationId xmlns:a16="http://schemas.microsoft.com/office/drawing/2014/main" id="{32FCF576-D072-76B0-16AF-46AF98856AB8}"/>
+              </a:ext>
+            </a:extLst>
+          </p:cNvPr>
+          <p:cNvSpPr/>
+          <p:nvPr/>
+        </p:nvSpPr>
+        <p:spPr>
+          <a:xfrm>
+            <a:off x="2833950" y="369574"/>
+            <a:ext cx="3476099" cy="735963"/>
+          </a:xfrm>
+          <a:prstGeom prst="roundRect">
+            <a:avLst>
+              <a:gd name="adj" fmla="val 6740"/>
+            </a:avLst>
+          </a:prstGeom>
+          <a:solidFill>
+            <a:schemeClr val="lt2"/>
+          </a:solidFill>
+          <a:ln w="28575" cap="flat" cmpd="sng">
+            <a:solidFill>
+              <a:schemeClr val="dk1"/>
+            </a:solidFill>
+            <a:prstDash val="solid"/>
+            <a:round/>
+            <a:headEnd type="none" w="sm" len="sm"/>
+            <a:tailEnd type="none" w="sm" len="sm"/>
+          </a:ln>
+          <a:effectLst>
+            <a:outerShdw dist="85725" dir="3960000" algn="bl" rotWithShape="0">
+              <a:schemeClr val="dk1"/>
+            </a:outerShdw>
+          </a:effectLst>
+        </p:spPr>
+        <p:txBody>
+          <a:bodyPr spcFirstLastPara="1" wrap="square" lIns="91425" tIns="91425" rIns="91425" bIns="91425" anchor="ctr" anchorCtr="0">
+            <a:noAutofit/>
+          </a:bodyPr>
+          <a:lstStyle/>
+          <a:p>
+            <a:pPr marL="0" lvl="0" indent="0" algn="l" rtl="0">
+              <a:spcBef>
+                <a:spcPts val="0"/>
+              </a:spcBef>
+              <a:spcAft>
+                <a:spcPts val="0"/>
+              </a:spcAft>
+              <a:buNone/>
+            </a:pPr>
+            <a:endParaRPr/>
+          </a:p>
+        </p:txBody>
+      </p:sp>
+      <p:sp>
+        <p:nvSpPr>
+          <p:cNvPr id="8" name="Google Shape;948;p54">
+            <a:extLst>
+              <a:ext uri="{FF2B5EF4-FFF2-40B4-BE49-F238E27FC236}">
+                <a16:creationId xmlns:a16="http://schemas.microsoft.com/office/drawing/2014/main" id="{84C74B68-B822-7701-D63F-0AA4D63644E2}"/>
+              </a:ext>
+            </a:extLst>
+          </p:cNvPr>
+          <p:cNvSpPr txBox="1">
+            <a:spLocks/>
+          </p:cNvSpPr>
+          <p:nvPr/>
+        </p:nvSpPr>
+        <p:spPr>
+          <a:xfrm>
+            <a:off x="3042744" y="418539"/>
+            <a:ext cx="3058510" cy="816163"/>
+          </a:xfrm>
+          <a:prstGeom prst="rect">
+            <a:avLst/>
+          </a:prstGeom>
+          <a:noFill/>
+          <a:ln>
+            <a:noFill/>
+          </a:ln>
+        </p:spPr>
+        <p:txBody>
+          <a:bodyPr spcFirstLastPara="1" wrap="square" lIns="91425" tIns="91425" rIns="91425" bIns="91425" anchor="b" anchorCtr="0">
+            <a:noAutofit/>
+          </a:bodyPr>
+          <a:lstStyle>
+            <a:defPPr marR="0" lvl="0" algn="l" rtl="0">
+              <a:lnSpc>
+                <a:spcPct val="100000"/>
+              </a:lnSpc>
+              <a:spcBef>
+                <a:spcPts val="0"/>
+              </a:spcBef>
+              <a:spcAft>
+                <a:spcPts val="0"/>
+              </a:spcAft>
+            </a:defPPr>
+            <a:lvl1pPr marR="0" lvl="0" algn="ctr" rtl="0">
+              <a:lnSpc>
+                <a:spcPct val="100000"/>
+              </a:lnSpc>
+              <a:spcBef>
+                <a:spcPts val="0"/>
+              </a:spcBef>
+              <a:spcAft>
+                <a:spcPts val="0"/>
+              </a:spcAft>
+              <a:buClr>
+                <a:schemeClr val="dk1"/>
+              </a:buClr>
+              <a:buSzPts val="3000"/>
+              <a:buFont typeface="Varela Round"/>
+              <a:buNone/>
+              <a:defRPr sz="3000" b="1" i="0" u="none" strike="noStrike" cap="none">
+                <a:solidFill>
+                  <a:schemeClr val="dk1"/>
+                </a:solidFill>
+                <a:latin typeface="Varela Round"/>
+                <a:ea typeface="Varela Round"/>
+                <a:cs typeface="Varela Round"/>
+                <a:sym typeface="Varela Round"/>
+              </a:defRPr>
+            </a:lvl1pPr>
+            <a:lvl2pPr marR="0" lvl="1" algn="l" rtl="0">
+              <a:lnSpc>
+                <a:spcPct val="100000"/>
+              </a:lnSpc>
+              <a:spcBef>
+                <a:spcPts val="0"/>
+              </a:spcBef>
+              <a:spcAft>
+                <a:spcPts val="0"/>
+              </a:spcAft>
+              <a:buClr>
+                <a:schemeClr val="dk1"/>
+              </a:buClr>
+              <a:buSzPts val="3000"/>
+              <a:buFont typeface="Bebas Neue"/>
+              <a:buNone/>
+              <a:defRPr sz="3000" b="0" i="0" u="none" strike="noStrike" cap="none">
+                <a:solidFill>
+                  <a:schemeClr val="dk1"/>
+                </a:solidFill>
+                <a:latin typeface="Bebas Neue"/>
+                <a:ea typeface="Bebas Neue"/>
+                <a:cs typeface="Bebas Neue"/>
+                <a:sym typeface="Bebas Neue"/>
+              </a:defRPr>
+            </a:lvl2pPr>
+            <a:lvl3pPr marR="0" lvl="2" algn="l" rtl="0">
+              <a:lnSpc>
+                <a:spcPct val="100000"/>
+              </a:lnSpc>
+              <a:spcBef>
+                <a:spcPts val="0"/>
+              </a:spcBef>
+              <a:spcAft>
+                <a:spcPts val="0"/>
+              </a:spcAft>
+              <a:buClr>
+                <a:schemeClr val="dk1"/>
+              </a:buClr>
+              <a:buSzPts val="3000"/>
+              <a:buFont typeface="Bebas Neue"/>
+              <a:buNone/>
+              <a:defRPr sz="3000" b="0" i="0" u="none" strike="noStrike" cap="none">
+                <a:solidFill>
+                  <a:schemeClr val="dk1"/>
+                </a:solidFill>
+                <a:latin typeface="Bebas Neue"/>
+                <a:ea typeface="Bebas Neue"/>
+                <a:cs typeface="Bebas Neue"/>
+                <a:sym typeface="Bebas Neue"/>
+              </a:defRPr>
+            </a:lvl3pPr>
+            <a:lvl4pPr marR="0" lvl="3" algn="l" rtl="0">
+              <a:lnSpc>
+                <a:spcPct val="100000"/>
+              </a:lnSpc>
+              <a:spcBef>
+                <a:spcPts val="0"/>
+              </a:spcBef>
+              <a:spcAft>
+                <a:spcPts val="0"/>
+              </a:spcAft>
+              <a:buClr>
+                <a:schemeClr val="dk1"/>
+              </a:buClr>
+              <a:buSzPts val="3000"/>
+              <a:buFont typeface="Bebas Neue"/>
+              <a:buNone/>
+              <a:defRPr sz="3000" b="0" i="0" u="none" strike="noStrike" cap="none">
+                <a:solidFill>
+                  <a:schemeClr val="dk1"/>
+                </a:solidFill>
+                <a:latin typeface="Bebas Neue"/>
+                <a:ea typeface="Bebas Neue"/>
+                <a:cs typeface="Bebas Neue"/>
+                <a:sym typeface="Bebas Neue"/>
+              </a:defRPr>
+            </a:lvl4pPr>
+            <a:lvl5pPr marR="0" lvl="4" algn="l" rtl="0">
+              <a:lnSpc>
+                <a:spcPct val="100000"/>
+              </a:lnSpc>
+              <a:spcBef>
+                <a:spcPts val="0"/>
+              </a:spcBef>
+              <a:spcAft>
+                <a:spcPts val="0"/>
+              </a:spcAft>
+              <a:buClr>
+                <a:schemeClr val="dk1"/>
+              </a:buClr>
+              <a:buSzPts val="3000"/>
+              <a:buFont typeface="Bebas Neue"/>
+              <a:buNone/>
+              <a:defRPr sz="3000" b="0" i="0" u="none" strike="noStrike" cap="none">
+                <a:solidFill>
+                  <a:schemeClr val="dk1"/>
+                </a:solidFill>
+                <a:latin typeface="Bebas Neue"/>
+                <a:ea typeface="Bebas Neue"/>
+                <a:cs typeface="Bebas Neue"/>
+                <a:sym typeface="Bebas Neue"/>
+              </a:defRPr>
+            </a:lvl5pPr>
+            <a:lvl6pPr marR="0" lvl="5" algn="l" rtl="0">
+              <a:lnSpc>
+                <a:spcPct val="100000"/>
+              </a:lnSpc>
+              <a:spcBef>
+                <a:spcPts val="0"/>
+              </a:spcBef>
+              <a:spcAft>
+                <a:spcPts val="0"/>
+              </a:spcAft>
+              <a:buClr>
+                <a:schemeClr val="dk1"/>
+              </a:buClr>
+              <a:buSzPts val="3000"/>
+              <a:buFont typeface="Bebas Neue"/>
+              <a:buNone/>
+              <a:defRPr sz="3000" b="0" i="0" u="none" strike="noStrike" cap="none">
+                <a:solidFill>
+                  <a:schemeClr val="dk1"/>
+                </a:solidFill>
+                <a:latin typeface="Bebas Neue"/>
+                <a:ea typeface="Bebas Neue"/>
+                <a:cs typeface="Bebas Neue"/>
+                <a:sym typeface="Bebas Neue"/>
+              </a:defRPr>
+            </a:lvl6pPr>
+            <a:lvl7pPr marR="0" lvl="6" algn="l" rtl="0">
+              <a:lnSpc>
+                <a:spcPct val="100000"/>
+              </a:lnSpc>
+              <a:spcBef>
+                <a:spcPts val="0"/>
+              </a:spcBef>
+              <a:spcAft>
+                <a:spcPts val="0"/>
+              </a:spcAft>
+              <a:buClr>
+                <a:schemeClr val="dk1"/>
+              </a:buClr>
+              <a:buSzPts val="3000"/>
+              <a:buFont typeface="Bebas Neue"/>
+              <a:buNone/>
+              <a:defRPr sz="3000" b="0" i="0" u="none" strike="noStrike" cap="none">
+                <a:solidFill>
+                  <a:schemeClr val="dk1"/>
+                </a:solidFill>
+                <a:latin typeface="Bebas Neue"/>
+                <a:ea typeface="Bebas Neue"/>
+                <a:cs typeface="Bebas Neue"/>
+                <a:sym typeface="Bebas Neue"/>
+              </a:defRPr>
+            </a:lvl7pPr>
+            <a:lvl8pPr marR="0" lvl="7" algn="l" rtl="0">
+              <a:lnSpc>
+                <a:spcPct val="100000"/>
+              </a:lnSpc>
+              <a:spcBef>
+                <a:spcPts val="0"/>
+              </a:spcBef>
+              <a:spcAft>
+                <a:spcPts val="0"/>
+              </a:spcAft>
+              <a:buClr>
+                <a:schemeClr val="dk1"/>
+              </a:buClr>
+              <a:buSzPts val="3000"/>
+              <a:buFont typeface="Bebas Neue"/>
+              <a:buNone/>
+              <a:defRPr sz="3000" b="0" i="0" u="none" strike="noStrike" cap="none">
+                <a:solidFill>
+                  <a:schemeClr val="dk1"/>
+                </a:solidFill>
+                <a:latin typeface="Bebas Neue"/>
+                <a:ea typeface="Bebas Neue"/>
+                <a:cs typeface="Bebas Neue"/>
+                <a:sym typeface="Bebas Neue"/>
+              </a:defRPr>
+            </a:lvl8pPr>
+            <a:lvl9pPr marR="0" lvl="8" algn="l" rtl="0">
+              <a:lnSpc>
+                <a:spcPct val="100000"/>
+              </a:lnSpc>
+              <a:spcBef>
+                <a:spcPts val="0"/>
+              </a:spcBef>
+              <a:spcAft>
+                <a:spcPts val="0"/>
+              </a:spcAft>
+              <a:buClr>
+                <a:schemeClr val="dk1"/>
+              </a:buClr>
+              <a:buSzPts val="3000"/>
+              <a:buFont typeface="Bebas Neue"/>
+              <a:buNone/>
+              <a:defRPr sz="3000" b="0" i="0" u="none" strike="noStrike" cap="none">
+                <a:solidFill>
+                  <a:schemeClr val="dk1"/>
+                </a:solidFill>
+                <a:latin typeface="Bebas Neue"/>
+                <a:ea typeface="Bebas Neue"/>
+                <a:cs typeface="Bebas Neue"/>
+                <a:sym typeface="Bebas Neue"/>
+              </a:defRPr>
+            </a:lvl9pPr>
+          </a:lstStyle>
+          <a:p>
+            <a:r>
+              <a:rPr lang="fr-FR" sz="2400" b="1" i="0" dirty="0">
+                <a:effectLst/>
+                <a:latin typeface="Söhne"/>
+              </a:rPr>
+              <a:t>Types de Graphiques Disponibles</a:t>
+            </a:r>
+            <a:endParaRPr lang="fr-FR" sz="2400" dirty="0"/>
+          </a:p>
+        </p:txBody>
+      </p:sp>
+      <p:sp>
+        <p:nvSpPr>
+          <p:cNvPr id="3" name="Google Shape;946;p54">
+            <a:extLst>
+              <a:ext uri="{FF2B5EF4-FFF2-40B4-BE49-F238E27FC236}">
+                <a16:creationId xmlns:a16="http://schemas.microsoft.com/office/drawing/2014/main" id="{63E33E90-6FF6-DC6E-DC6C-6E86948BB43E}"/>
+              </a:ext>
+            </a:extLst>
+          </p:cNvPr>
+          <p:cNvSpPr/>
+          <p:nvPr/>
+        </p:nvSpPr>
+        <p:spPr>
+          <a:xfrm>
+            <a:off x="748084" y="1318437"/>
+            <a:ext cx="1426496" cy="419918"/>
+          </a:xfrm>
+          <a:prstGeom prst="roundRect">
+            <a:avLst>
+              <a:gd name="adj" fmla="val 6740"/>
+            </a:avLst>
+          </a:prstGeom>
+          <a:solidFill>
+            <a:schemeClr val="lt2"/>
+          </a:solidFill>
+          <a:ln w="28575" cap="flat" cmpd="sng">
+            <a:solidFill>
+              <a:schemeClr val="dk1"/>
+            </a:solidFill>
+            <a:prstDash val="solid"/>
+            <a:round/>
+            <a:headEnd type="none" w="sm" len="sm"/>
+            <a:tailEnd type="none" w="sm" len="sm"/>
+          </a:ln>
+          <a:effectLst>
+            <a:outerShdw dist="85725" dir="3960000" algn="bl" rotWithShape="0">
+              <a:schemeClr val="dk1"/>
+            </a:outerShdw>
+          </a:effectLst>
+        </p:spPr>
+        <p:txBody>
+          <a:bodyPr spcFirstLastPara="1" wrap="square" lIns="91425" tIns="91425" rIns="91425" bIns="91425" anchor="ctr" anchorCtr="0">
+            <a:noAutofit/>
+          </a:bodyPr>
+          <a:lstStyle/>
+          <a:p>
+            <a:pPr marL="0" lvl="0" indent="0" algn="l" rtl="0">
+              <a:spcBef>
+                <a:spcPts val="0"/>
+              </a:spcBef>
+              <a:spcAft>
+                <a:spcPts val="0"/>
+              </a:spcAft>
+              <a:buNone/>
+            </a:pPr>
+            <a:endParaRPr/>
+          </a:p>
+        </p:txBody>
+      </p:sp>
+      <p:sp>
+        <p:nvSpPr>
+          <p:cNvPr id="4" name="Google Shape;948;p54">
+            <a:extLst>
+              <a:ext uri="{FF2B5EF4-FFF2-40B4-BE49-F238E27FC236}">
+                <a16:creationId xmlns:a16="http://schemas.microsoft.com/office/drawing/2014/main" id="{D8E2D311-1179-757F-BEAD-9E8B8B5A02A7}"/>
+              </a:ext>
+            </a:extLst>
+          </p:cNvPr>
+          <p:cNvSpPr txBox="1">
+            <a:spLocks/>
+          </p:cNvSpPr>
+          <p:nvPr/>
+        </p:nvSpPr>
+        <p:spPr>
+          <a:xfrm>
+            <a:off x="607091" y="1298753"/>
+            <a:ext cx="1689542" cy="486333"/>
+          </a:xfrm>
+          <a:prstGeom prst="rect">
+            <a:avLst/>
+          </a:prstGeom>
+          <a:noFill/>
+          <a:ln>
+            <a:noFill/>
+          </a:ln>
+        </p:spPr>
+        <p:txBody>
+          <a:bodyPr spcFirstLastPara="1" wrap="square" lIns="91425" tIns="91425" rIns="91425" bIns="91425" anchor="b" anchorCtr="0">
+            <a:noAutofit/>
+          </a:bodyPr>
+          <a:lstStyle>
+            <a:defPPr marR="0" lvl="0" algn="l" rtl="0">
+              <a:lnSpc>
+                <a:spcPct val="100000"/>
+              </a:lnSpc>
+              <a:spcBef>
+                <a:spcPts val="0"/>
+              </a:spcBef>
+              <a:spcAft>
+                <a:spcPts val="0"/>
+              </a:spcAft>
+            </a:defPPr>
+            <a:lvl1pPr marR="0" lvl="0" algn="ctr" rtl="0">
+              <a:lnSpc>
+                <a:spcPct val="100000"/>
+              </a:lnSpc>
+              <a:spcBef>
+                <a:spcPts val="0"/>
+              </a:spcBef>
+              <a:spcAft>
+                <a:spcPts val="0"/>
+              </a:spcAft>
+              <a:buClr>
+                <a:schemeClr val="dk1"/>
+              </a:buClr>
+              <a:buSzPts val="3000"/>
+              <a:buFont typeface="Varela Round"/>
+              <a:buNone/>
+              <a:defRPr sz="3000" b="1" i="0" u="none" strike="noStrike" cap="none">
+                <a:solidFill>
+                  <a:schemeClr val="dk1"/>
+                </a:solidFill>
+                <a:latin typeface="Varela Round"/>
+                <a:ea typeface="Varela Round"/>
+                <a:cs typeface="Varela Round"/>
+                <a:sym typeface="Varela Round"/>
+              </a:defRPr>
+            </a:lvl1pPr>
+            <a:lvl2pPr marR="0" lvl="1" algn="l" rtl="0">
+              <a:lnSpc>
+                <a:spcPct val="100000"/>
+              </a:lnSpc>
+              <a:spcBef>
+                <a:spcPts val="0"/>
+              </a:spcBef>
+              <a:spcAft>
+                <a:spcPts val="0"/>
+              </a:spcAft>
+              <a:buClr>
+                <a:schemeClr val="dk1"/>
+              </a:buClr>
+              <a:buSzPts val="3000"/>
+              <a:buFont typeface="Bebas Neue"/>
+              <a:buNone/>
+              <a:defRPr sz="3000" b="0" i="0" u="none" strike="noStrike" cap="none">
+                <a:solidFill>
+                  <a:schemeClr val="dk1"/>
+                </a:solidFill>
+                <a:latin typeface="Bebas Neue"/>
+                <a:ea typeface="Bebas Neue"/>
+                <a:cs typeface="Bebas Neue"/>
+                <a:sym typeface="Bebas Neue"/>
+              </a:defRPr>
+            </a:lvl2pPr>
+            <a:lvl3pPr marR="0" lvl="2" algn="l" rtl="0">
+              <a:lnSpc>
+                <a:spcPct val="100000"/>
+              </a:lnSpc>
+              <a:spcBef>
+                <a:spcPts val="0"/>
+              </a:spcBef>
+              <a:spcAft>
+                <a:spcPts val="0"/>
+              </a:spcAft>
+              <a:buClr>
+                <a:schemeClr val="dk1"/>
+              </a:buClr>
+              <a:buSzPts val="3000"/>
+              <a:buFont typeface="Bebas Neue"/>
+              <a:buNone/>
+              <a:defRPr sz="3000" b="0" i="0" u="none" strike="noStrike" cap="none">
+                <a:solidFill>
+                  <a:schemeClr val="dk1"/>
+                </a:solidFill>
+                <a:latin typeface="Bebas Neue"/>
+                <a:ea typeface="Bebas Neue"/>
+                <a:cs typeface="Bebas Neue"/>
+                <a:sym typeface="Bebas Neue"/>
+              </a:defRPr>
+            </a:lvl3pPr>
+            <a:lvl4pPr marR="0" lvl="3" algn="l" rtl="0">
+              <a:lnSpc>
+                <a:spcPct val="100000"/>
+              </a:lnSpc>
+              <a:spcBef>
+                <a:spcPts val="0"/>
+              </a:spcBef>
+              <a:spcAft>
+                <a:spcPts val="0"/>
+              </a:spcAft>
+              <a:buClr>
+                <a:schemeClr val="dk1"/>
+              </a:buClr>
+              <a:buSzPts val="3000"/>
+              <a:buFont typeface="Bebas Neue"/>
+              <a:buNone/>
+              <a:defRPr sz="3000" b="0" i="0" u="none" strike="noStrike" cap="none">
+                <a:solidFill>
+                  <a:schemeClr val="dk1"/>
+                </a:solidFill>
+                <a:latin typeface="Bebas Neue"/>
+                <a:ea typeface="Bebas Neue"/>
+                <a:cs typeface="Bebas Neue"/>
+                <a:sym typeface="Bebas Neue"/>
+              </a:defRPr>
+            </a:lvl4pPr>
+            <a:lvl5pPr marR="0" lvl="4" algn="l" rtl="0">
+              <a:lnSpc>
+                <a:spcPct val="100000"/>
+              </a:lnSpc>
+              <a:spcBef>
+                <a:spcPts val="0"/>
+              </a:spcBef>
+              <a:spcAft>
+                <a:spcPts val="0"/>
+              </a:spcAft>
+              <a:buClr>
+                <a:schemeClr val="dk1"/>
+              </a:buClr>
+              <a:buSzPts val="3000"/>
+              <a:buFont typeface="Bebas Neue"/>
+              <a:buNone/>
+              <a:defRPr sz="3000" b="0" i="0" u="none" strike="noStrike" cap="none">
+                <a:solidFill>
+                  <a:schemeClr val="dk1"/>
+                </a:solidFill>
+                <a:latin typeface="Bebas Neue"/>
+                <a:ea typeface="Bebas Neue"/>
+                <a:cs typeface="Bebas Neue"/>
+                <a:sym typeface="Bebas Neue"/>
+              </a:defRPr>
+            </a:lvl5pPr>
+            <a:lvl6pPr marR="0" lvl="5" algn="l" rtl="0">
+              <a:lnSpc>
+                <a:spcPct val="100000"/>
+              </a:lnSpc>
+              <a:spcBef>
+                <a:spcPts val="0"/>
+              </a:spcBef>
+              <a:spcAft>
+                <a:spcPts val="0"/>
+              </a:spcAft>
+              <a:buClr>
+                <a:schemeClr val="dk1"/>
+              </a:buClr>
+              <a:buSzPts val="3000"/>
+              <a:buFont typeface="Bebas Neue"/>
+              <a:buNone/>
+              <a:defRPr sz="3000" b="0" i="0" u="none" strike="noStrike" cap="none">
+                <a:solidFill>
+                  <a:schemeClr val="dk1"/>
+                </a:solidFill>
+                <a:latin typeface="Bebas Neue"/>
+                <a:ea typeface="Bebas Neue"/>
+                <a:cs typeface="Bebas Neue"/>
+                <a:sym typeface="Bebas Neue"/>
+              </a:defRPr>
+            </a:lvl6pPr>
+            <a:lvl7pPr marR="0" lvl="6" algn="l" rtl="0">
+              <a:lnSpc>
+                <a:spcPct val="100000"/>
+              </a:lnSpc>
+              <a:spcBef>
+                <a:spcPts val="0"/>
+              </a:spcBef>
+              <a:spcAft>
+                <a:spcPts val="0"/>
+              </a:spcAft>
+              <a:buClr>
+                <a:schemeClr val="dk1"/>
+              </a:buClr>
+              <a:buSzPts val="3000"/>
+              <a:buFont typeface="Bebas Neue"/>
+              <a:buNone/>
+              <a:defRPr sz="3000" b="0" i="0" u="none" strike="noStrike" cap="none">
+                <a:solidFill>
+                  <a:schemeClr val="dk1"/>
+                </a:solidFill>
+                <a:latin typeface="Bebas Neue"/>
+                <a:ea typeface="Bebas Neue"/>
+                <a:cs typeface="Bebas Neue"/>
+                <a:sym typeface="Bebas Neue"/>
+              </a:defRPr>
+            </a:lvl7pPr>
+            <a:lvl8pPr marR="0" lvl="7" algn="l" rtl="0">
+              <a:lnSpc>
+                <a:spcPct val="100000"/>
+              </a:lnSpc>
+              <a:spcBef>
+                <a:spcPts val="0"/>
+              </a:spcBef>
+              <a:spcAft>
+                <a:spcPts val="0"/>
+              </a:spcAft>
+              <a:buClr>
+                <a:schemeClr val="dk1"/>
+              </a:buClr>
+              <a:buSzPts val="3000"/>
+              <a:buFont typeface="Bebas Neue"/>
+              <a:buNone/>
+              <a:defRPr sz="3000" b="0" i="0" u="none" strike="noStrike" cap="none">
+                <a:solidFill>
+                  <a:schemeClr val="dk1"/>
+                </a:solidFill>
+                <a:latin typeface="Bebas Neue"/>
+                <a:ea typeface="Bebas Neue"/>
+                <a:cs typeface="Bebas Neue"/>
+                <a:sym typeface="Bebas Neue"/>
+              </a:defRPr>
+            </a:lvl8pPr>
+            <a:lvl9pPr marR="0" lvl="8" algn="l" rtl="0">
+              <a:lnSpc>
+                <a:spcPct val="100000"/>
+              </a:lnSpc>
+              <a:spcBef>
+                <a:spcPts val="0"/>
+              </a:spcBef>
+              <a:spcAft>
+                <a:spcPts val="0"/>
+              </a:spcAft>
+              <a:buClr>
+                <a:schemeClr val="dk1"/>
+              </a:buClr>
+              <a:buSzPts val="3000"/>
+              <a:buFont typeface="Bebas Neue"/>
+              <a:buNone/>
+              <a:defRPr sz="3000" b="0" i="0" u="none" strike="noStrike" cap="none">
+                <a:solidFill>
+                  <a:schemeClr val="dk1"/>
+                </a:solidFill>
+                <a:latin typeface="Bebas Neue"/>
+                <a:ea typeface="Bebas Neue"/>
+                <a:cs typeface="Bebas Neue"/>
+                <a:sym typeface="Bebas Neue"/>
+              </a:defRPr>
+            </a:lvl9pPr>
+          </a:lstStyle>
+          <a:p>
+            <a:r>
+              <a:rPr lang="fr-FR" sz="1400" dirty="0"/>
+              <a:t>Bar ou Barh</a:t>
+            </a:r>
+          </a:p>
+        </p:txBody>
+      </p:sp>
+      <p:sp>
+        <p:nvSpPr>
+          <p:cNvPr id="2" name="Google Shape;621;p42">
+            <a:extLst>
+              <a:ext uri="{FF2B5EF4-FFF2-40B4-BE49-F238E27FC236}">
+                <a16:creationId xmlns:a16="http://schemas.microsoft.com/office/drawing/2014/main" id="{B25BA44B-7585-E0C5-9332-A2826F7649FF}"/>
+              </a:ext>
+            </a:extLst>
+          </p:cNvPr>
+          <p:cNvSpPr txBox="1"/>
+          <p:nvPr/>
+        </p:nvSpPr>
+        <p:spPr>
+          <a:xfrm>
+            <a:off x="2033587" y="1283667"/>
+            <a:ext cx="5962097" cy="519569"/>
+          </a:xfrm>
+          <a:prstGeom prst="rect">
+            <a:avLst/>
+          </a:prstGeom>
+          <a:noFill/>
+          <a:ln>
+            <a:noFill/>
+          </a:ln>
+        </p:spPr>
+        <p:txBody>
+          <a:bodyPr spcFirstLastPara="1" wrap="square" lIns="91425" tIns="91425" rIns="91425" bIns="91425" anchor="ctr" anchorCtr="0">
+            <a:noAutofit/>
+          </a:bodyPr>
+          <a:lstStyle/>
+          <a:p>
+            <a:pPr marL="285750" lvl="2" indent="-285750">
+              <a:buFont typeface="Arial" panose="020B0604020202020204" pitchFamily="34" charset="0"/>
+              <a:buChar char="•"/>
+            </a:pPr>
+            <a:r>
+              <a:rPr lang="fr-FR" b="1" dirty="0">
+                <a:solidFill>
+                  <a:schemeClr val="dk2"/>
+                </a:solidFill>
+                <a:latin typeface="Lato"/>
+                <a:ea typeface="Lato"/>
+                <a:cs typeface="Lato"/>
+                <a:sym typeface="Lato"/>
+              </a:rPr>
+              <a:t>Parfait pour la comparaison de valeurs catégorielles.</a:t>
+            </a:r>
+            <a:endParaRPr lang="en-US" b="1" dirty="0">
+              <a:solidFill>
+                <a:schemeClr val="dk2"/>
+              </a:solidFill>
+              <a:latin typeface="Lato"/>
+              <a:ea typeface="Lato"/>
+              <a:cs typeface="Lato"/>
+              <a:sym typeface="Lato"/>
+            </a:endParaRPr>
+          </a:p>
+        </p:txBody>
+      </p:sp>
+      <p:pic>
+        <p:nvPicPr>
+          <p:cNvPr id="2050" name="Picture 2">
+            <a:extLst>
+              <a:ext uri="{FF2B5EF4-FFF2-40B4-BE49-F238E27FC236}">
+                <a16:creationId xmlns:a16="http://schemas.microsoft.com/office/drawing/2014/main" id="{80E348AF-3962-3587-C832-69BC74E3F566}"/>
+              </a:ext>
+            </a:extLst>
+          </p:cNvPr>
+          <p:cNvPicPr>
+            <a:picLocks noChangeAspect="1" noChangeArrowheads="1"/>
+          </p:cNvPicPr>
+          <p:nvPr/>
+        </p:nvPicPr>
+        <p:blipFill>
+          <a:blip r:embed="rId3">
+            <a:extLst>
+              <a:ext uri="{28A0092B-C50C-407E-A947-70E740481C1C}">
+                <a14:useLocalDpi xmlns:a14="http://schemas.microsoft.com/office/drawing/2010/main" val="0"/>
+              </a:ext>
+            </a:extLst>
+          </a:blip>
+          <a:srcRect/>
+          <a:stretch>
+            <a:fillRect/>
+          </a:stretch>
+        </p:blipFill>
+        <p:spPr bwMode="auto">
+          <a:xfrm>
+            <a:off x="2684720" y="1852201"/>
+            <a:ext cx="3774558" cy="2830919"/>
+          </a:xfrm>
+          <a:prstGeom prst="rect">
+            <a:avLst/>
+          </a:prstGeom>
+          <a:noFill/>
+          <a:extLst>
+            <a:ext uri="{909E8E84-426E-40DD-AFC4-6F175D3DCCD1}">
+              <a14:hiddenFill xmlns:a14="http://schemas.microsoft.com/office/drawing/2010/main">
+                <a:solidFill>
+                  <a:srgbClr val="FFFFFF"/>
+                </a:solidFill>
+              </a14:hiddenFill>
+            </a:ext>
+          </a:extLst>
+        </p:spPr>
+      </p:pic>
+    </p:spTree>
+    <p:extLst>
+      <p:ext uri="{BB962C8B-B14F-4D97-AF65-F5344CB8AC3E}">
+        <p14:creationId xmlns:p14="http://schemas.microsoft.com/office/powerpoint/2010/main" val="1768567416"/>
+      </p:ext>
+    </p:extLst>
+  </p:cSld>
+  <p:clrMapOvr>
+    <a:masterClrMapping/>
+  </p:clrMapOvr>
+</p:sld>
+</file>
+
+<file path=ppt/slides/slide43.xml><?xml version="1.0" encoding="utf-8"?>
+<p:sld xmlns:a="http://schemas.openxmlformats.org/drawingml/2006/main" xmlns:r="http://schemas.openxmlformats.org/officeDocument/2006/relationships" xmlns:p="http://schemas.openxmlformats.org/presentationml/2006/main">
+  <p:cSld>
+    <p:spTree>
+      <p:nvGrpSpPr>
+        <p:cNvPr id="1" name="Shape 945"/>
+        <p:cNvGrpSpPr/>
+        <p:nvPr/>
+      </p:nvGrpSpPr>
+      <p:grpSpPr>
+        <a:xfrm>
+          <a:off x="0" y="0"/>
+          <a:ext cx="0" cy="0"/>
+          <a:chOff x="0" y="0"/>
+          <a:chExt cx="0" cy="0"/>
+        </a:xfrm>
+      </p:grpSpPr>
+      <p:sp>
+        <p:nvSpPr>
+          <p:cNvPr id="7" name="Google Shape;946;p54">
+            <a:extLst>
+              <a:ext uri="{FF2B5EF4-FFF2-40B4-BE49-F238E27FC236}">
+                <a16:creationId xmlns:a16="http://schemas.microsoft.com/office/drawing/2014/main" id="{32FCF576-D072-76B0-16AF-46AF98856AB8}"/>
+              </a:ext>
+            </a:extLst>
+          </p:cNvPr>
+          <p:cNvSpPr/>
+          <p:nvPr/>
+        </p:nvSpPr>
+        <p:spPr>
+          <a:xfrm>
+            <a:off x="2833950" y="369574"/>
+            <a:ext cx="3476099" cy="735963"/>
+          </a:xfrm>
+          <a:prstGeom prst="roundRect">
+            <a:avLst>
+              <a:gd name="adj" fmla="val 6740"/>
+            </a:avLst>
+          </a:prstGeom>
+          <a:solidFill>
+            <a:schemeClr val="lt2"/>
+          </a:solidFill>
+          <a:ln w="28575" cap="flat" cmpd="sng">
+            <a:solidFill>
+              <a:schemeClr val="dk1"/>
+            </a:solidFill>
+            <a:prstDash val="solid"/>
+            <a:round/>
+            <a:headEnd type="none" w="sm" len="sm"/>
+            <a:tailEnd type="none" w="sm" len="sm"/>
+          </a:ln>
+          <a:effectLst>
+            <a:outerShdw dist="85725" dir="3960000" algn="bl" rotWithShape="0">
+              <a:schemeClr val="dk1"/>
+            </a:outerShdw>
+          </a:effectLst>
+        </p:spPr>
+        <p:txBody>
+          <a:bodyPr spcFirstLastPara="1" wrap="square" lIns="91425" tIns="91425" rIns="91425" bIns="91425" anchor="ctr" anchorCtr="0">
+            <a:noAutofit/>
+          </a:bodyPr>
+          <a:lstStyle/>
+          <a:p>
+            <a:pPr marL="0" lvl="0" indent="0" algn="l" rtl="0">
+              <a:spcBef>
+                <a:spcPts val="0"/>
+              </a:spcBef>
+              <a:spcAft>
+                <a:spcPts val="0"/>
+              </a:spcAft>
+              <a:buNone/>
+            </a:pPr>
+            <a:endParaRPr/>
+          </a:p>
+        </p:txBody>
+      </p:sp>
+      <p:sp>
+        <p:nvSpPr>
+          <p:cNvPr id="8" name="Google Shape;948;p54">
+            <a:extLst>
+              <a:ext uri="{FF2B5EF4-FFF2-40B4-BE49-F238E27FC236}">
+                <a16:creationId xmlns:a16="http://schemas.microsoft.com/office/drawing/2014/main" id="{84C74B68-B822-7701-D63F-0AA4D63644E2}"/>
+              </a:ext>
+            </a:extLst>
+          </p:cNvPr>
+          <p:cNvSpPr txBox="1">
+            <a:spLocks/>
+          </p:cNvSpPr>
+          <p:nvPr/>
+        </p:nvSpPr>
+        <p:spPr>
+          <a:xfrm>
+            <a:off x="3042744" y="418539"/>
+            <a:ext cx="3058510" cy="816163"/>
+          </a:xfrm>
+          <a:prstGeom prst="rect">
+            <a:avLst/>
+          </a:prstGeom>
+          <a:noFill/>
+          <a:ln>
+            <a:noFill/>
+          </a:ln>
+        </p:spPr>
+        <p:txBody>
+          <a:bodyPr spcFirstLastPara="1" wrap="square" lIns="91425" tIns="91425" rIns="91425" bIns="91425" anchor="b" anchorCtr="0">
+            <a:noAutofit/>
+          </a:bodyPr>
+          <a:lstStyle>
+            <a:defPPr marR="0" lvl="0" algn="l" rtl="0">
+              <a:lnSpc>
+                <a:spcPct val="100000"/>
+              </a:lnSpc>
+              <a:spcBef>
+                <a:spcPts val="0"/>
+              </a:spcBef>
+              <a:spcAft>
+                <a:spcPts val="0"/>
+              </a:spcAft>
+            </a:defPPr>
+            <a:lvl1pPr marR="0" lvl="0" algn="ctr" rtl="0">
+              <a:lnSpc>
+                <a:spcPct val="100000"/>
+              </a:lnSpc>
+              <a:spcBef>
+                <a:spcPts val="0"/>
+              </a:spcBef>
+              <a:spcAft>
+                <a:spcPts val="0"/>
+              </a:spcAft>
+              <a:buClr>
+                <a:schemeClr val="dk1"/>
+              </a:buClr>
+              <a:buSzPts val="3000"/>
+              <a:buFont typeface="Varela Round"/>
+              <a:buNone/>
+              <a:defRPr sz="3000" b="1" i="0" u="none" strike="noStrike" cap="none">
+                <a:solidFill>
+                  <a:schemeClr val="dk1"/>
+                </a:solidFill>
+                <a:latin typeface="Varela Round"/>
+                <a:ea typeface="Varela Round"/>
+                <a:cs typeface="Varela Round"/>
+                <a:sym typeface="Varela Round"/>
+              </a:defRPr>
+            </a:lvl1pPr>
+            <a:lvl2pPr marR="0" lvl="1" algn="l" rtl="0">
+              <a:lnSpc>
+                <a:spcPct val="100000"/>
+              </a:lnSpc>
+              <a:spcBef>
+                <a:spcPts val="0"/>
+              </a:spcBef>
+              <a:spcAft>
+                <a:spcPts val="0"/>
+              </a:spcAft>
+              <a:buClr>
+                <a:schemeClr val="dk1"/>
+              </a:buClr>
+              <a:buSzPts val="3000"/>
+              <a:buFont typeface="Bebas Neue"/>
+              <a:buNone/>
+              <a:defRPr sz="3000" b="0" i="0" u="none" strike="noStrike" cap="none">
+                <a:solidFill>
+                  <a:schemeClr val="dk1"/>
+                </a:solidFill>
+                <a:latin typeface="Bebas Neue"/>
+                <a:ea typeface="Bebas Neue"/>
+                <a:cs typeface="Bebas Neue"/>
+                <a:sym typeface="Bebas Neue"/>
+              </a:defRPr>
+            </a:lvl2pPr>
+            <a:lvl3pPr marR="0" lvl="2" algn="l" rtl="0">
+              <a:lnSpc>
+                <a:spcPct val="100000"/>
+              </a:lnSpc>
+              <a:spcBef>
+                <a:spcPts val="0"/>
+              </a:spcBef>
+              <a:spcAft>
+                <a:spcPts val="0"/>
+              </a:spcAft>
+              <a:buClr>
+                <a:schemeClr val="dk1"/>
+              </a:buClr>
+              <a:buSzPts val="3000"/>
+              <a:buFont typeface="Bebas Neue"/>
+              <a:buNone/>
+              <a:defRPr sz="3000" b="0" i="0" u="none" strike="noStrike" cap="none">
+                <a:solidFill>
+                  <a:schemeClr val="dk1"/>
+                </a:solidFill>
+                <a:latin typeface="Bebas Neue"/>
+                <a:ea typeface="Bebas Neue"/>
+                <a:cs typeface="Bebas Neue"/>
+                <a:sym typeface="Bebas Neue"/>
+              </a:defRPr>
+            </a:lvl3pPr>
+            <a:lvl4pPr marR="0" lvl="3" algn="l" rtl="0">
+              <a:lnSpc>
+                <a:spcPct val="100000"/>
+              </a:lnSpc>
+              <a:spcBef>
+                <a:spcPts val="0"/>
+              </a:spcBef>
+              <a:spcAft>
+                <a:spcPts val="0"/>
+              </a:spcAft>
+              <a:buClr>
+                <a:schemeClr val="dk1"/>
+              </a:buClr>
+              <a:buSzPts val="3000"/>
+              <a:buFont typeface="Bebas Neue"/>
+              <a:buNone/>
+              <a:defRPr sz="3000" b="0" i="0" u="none" strike="noStrike" cap="none">
+                <a:solidFill>
+                  <a:schemeClr val="dk1"/>
+                </a:solidFill>
+                <a:latin typeface="Bebas Neue"/>
+                <a:ea typeface="Bebas Neue"/>
+                <a:cs typeface="Bebas Neue"/>
+                <a:sym typeface="Bebas Neue"/>
+              </a:defRPr>
+            </a:lvl4pPr>
+            <a:lvl5pPr marR="0" lvl="4" algn="l" rtl="0">
+              <a:lnSpc>
+                <a:spcPct val="100000"/>
+              </a:lnSpc>
+              <a:spcBef>
+                <a:spcPts val="0"/>
+              </a:spcBef>
+              <a:spcAft>
+                <a:spcPts val="0"/>
+              </a:spcAft>
+              <a:buClr>
+                <a:schemeClr val="dk1"/>
+              </a:buClr>
+              <a:buSzPts val="3000"/>
+              <a:buFont typeface="Bebas Neue"/>
+              <a:buNone/>
+              <a:defRPr sz="3000" b="0" i="0" u="none" strike="noStrike" cap="none">
+                <a:solidFill>
+                  <a:schemeClr val="dk1"/>
+                </a:solidFill>
+                <a:latin typeface="Bebas Neue"/>
+                <a:ea typeface="Bebas Neue"/>
+                <a:cs typeface="Bebas Neue"/>
+                <a:sym typeface="Bebas Neue"/>
+              </a:defRPr>
+            </a:lvl5pPr>
+            <a:lvl6pPr marR="0" lvl="5" algn="l" rtl="0">
+              <a:lnSpc>
+                <a:spcPct val="100000"/>
+              </a:lnSpc>
+              <a:spcBef>
+                <a:spcPts val="0"/>
+              </a:spcBef>
+              <a:spcAft>
+                <a:spcPts val="0"/>
+              </a:spcAft>
+              <a:buClr>
+                <a:schemeClr val="dk1"/>
+              </a:buClr>
+              <a:buSzPts val="3000"/>
+              <a:buFont typeface="Bebas Neue"/>
+              <a:buNone/>
+              <a:defRPr sz="3000" b="0" i="0" u="none" strike="noStrike" cap="none">
+                <a:solidFill>
+                  <a:schemeClr val="dk1"/>
+                </a:solidFill>
+                <a:latin typeface="Bebas Neue"/>
+                <a:ea typeface="Bebas Neue"/>
+                <a:cs typeface="Bebas Neue"/>
+                <a:sym typeface="Bebas Neue"/>
+              </a:defRPr>
+            </a:lvl6pPr>
+            <a:lvl7pPr marR="0" lvl="6" algn="l" rtl="0">
+              <a:lnSpc>
+                <a:spcPct val="100000"/>
+              </a:lnSpc>
+              <a:spcBef>
+                <a:spcPts val="0"/>
+              </a:spcBef>
+              <a:spcAft>
+                <a:spcPts val="0"/>
+              </a:spcAft>
+              <a:buClr>
+                <a:schemeClr val="dk1"/>
+              </a:buClr>
+              <a:buSzPts val="3000"/>
+              <a:buFont typeface="Bebas Neue"/>
+              <a:buNone/>
+              <a:defRPr sz="3000" b="0" i="0" u="none" strike="noStrike" cap="none">
+                <a:solidFill>
+                  <a:schemeClr val="dk1"/>
+                </a:solidFill>
+                <a:latin typeface="Bebas Neue"/>
+                <a:ea typeface="Bebas Neue"/>
+                <a:cs typeface="Bebas Neue"/>
+                <a:sym typeface="Bebas Neue"/>
+              </a:defRPr>
+            </a:lvl7pPr>
+            <a:lvl8pPr marR="0" lvl="7" algn="l" rtl="0">
+              <a:lnSpc>
+                <a:spcPct val="100000"/>
+              </a:lnSpc>
+              <a:spcBef>
+                <a:spcPts val="0"/>
+              </a:spcBef>
+              <a:spcAft>
+                <a:spcPts val="0"/>
+              </a:spcAft>
+              <a:buClr>
+                <a:schemeClr val="dk1"/>
+              </a:buClr>
+              <a:buSzPts val="3000"/>
+              <a:buFont typeface="Bebas Neue"/>
+              <a:buNone/>
+              <a:defRPr sz="3000" b="0" i="0" u="none" strike="noStrike" cap="none">
+                <a:solidFill>
+                  <a:schemeClr val="dk1"/>
+                </a:solidFill>
+                <a:latin typeface="Bebas Neue"/>
+                <a:ea typeface="Bebas Neue"/>
+                <a:cs typeface="Bebas Neue"/>
+                <a:sym typeface="Bebas Neue"/>
+              </a:defRPr>
+            </a:lvl8pPr>
+            <a:lvl9pPr marR="0" lvl="8" algn="l" rtl="0">
+              <a:lnSpc>
+                <a:spcPct val="100000"/>
+              </a:lnSpc>
+              <a:spcBef>
+                <a:spcPts val="0"/>
+              </a:spcBef>
+              <a:spcAft>
+                <a:spcPts val="0"/>
+              </a:spcAft>
+              <a:buClr>
+                <a:schemeClr val="dk1"/>
+              </a:buClr>
+              <a:buSzPts val="3000"/>
+              <a:buFont typeface="Bebas Neue"/>
+              <a:buNone/>
+              <a:defRPr sz="3000" b="0" i="0" u="none" strike="noStrike" cap="none">
+                <a:solidFill>
+                  <a:schemeClr val="dk1"/>
+                </a:solidFill>
+                <a:latin typeface="Bebas Neue"/>
+                <a:ea typeface="Bebas Neue"/>
+                <a:cs typeface="Bebas Neue"/>
+                <a:sym typeface="Bebas Neue"/>
+              </a:defRPr>
+            </a:lvl9pPr>
+          </a:lstStyle>
+          <a:p>
+            <a:r>
+              <a:rPr lang="fr-FR" sz="2400" b="1" i="0" dirty="0">
+                <a:effectLst/>
+                <a:latin typeface="Söhne"/>
+              </a:rPr>
+              <a:t>Types de Graphiques Disponibles</a:t>
+            </a:r>
+            <a:endParaRPr lang="fr-FR" sz="2400" dirty="0"/>
+          </a:p>
+        </p:txBody>
+      </p:sp>
+      <p:sp>
+        <p:nvSpPr>
+          <p:cNvPr id="3" name="Google Shape;946;p54">
+            <a:extLst>
+              <a:ext uri="{FF2B5EF4-FFF2-40B4-BE49-F238E27FC236}">
+                <a16:creationId xmlns:a16="http://schemas.microsoft.com/office/drawing/2014/main" id="{63E33E90-6FF6-DC6E-DC6C-6E86948BB43E}"/>
+              </a:ext>
+            </a:extLst>
+          </p:cNvPr>
+          <p:cNvSpPr/>
+          <p:nvPr/>
+        </p:nvSpPr>
+        <p:spPr>
+          <a:xfrm>
+            <a:off x="748084" y="1318437"/>
+            <a:ext cx="1426496" cy="419918"/>
+          </a:xfrm>
+          <a:prstGeom prst="roundRect">
+            <a:avLst>
+              <a:gd name="adj" fmla="val 6740"/>
+            </a:avLst>
+          </a:prstGeom>
+          <a:solidFill>
+            <a:schemeClr val="lt2"/>
+          </a:solidFill>
+          <a:ln w="28575" cap="flat" cmpd="sng">
+            <a:solidFill>
+              <a:schemeClr val="dk1"/>
+            </a:solidFill>
+            <a:prstDash val="solid"/>
+            <a:round/>
+            <a:headEnd type="none" w="sm" len="sm"/>
+            <a:tailEnd type="none" w="sm" len="sm"/>
+          </a:ln>
+          <a:effectLst>
+            <a:outerShdw dist="85725" dir="3960000" algn="bl" rotWithShape="0">
+              <a:schemeClr val="dk1"/>
+            </a:outerShdw>
+          </a:effectLst>
+        </p:spPr>
+        <p:txBody>
+          <a:bodyPr spcFirstLastPara="1" wrap="square" lIns="91425" tIns="91425" rIns="91425" bIns="91425" anchor="ctr" anchorCtr="0">
+            <a:noAutofit/>
+          </a:bodyPr>
+          <a:lstStyle/>
+          <a:p>
+            <a:pPr marL="0" lvl="0" indent="0" algn="l" rtl="0">
+              <a:spcBef>
+                <a:spcPts val="0"/>
+              </a:spcBef>
+              <a:spcAft>
+                <a:spcPts val="0"/>
+              </a:spcAft>
+              <a:buNone/>
+            </a:pPr>
+            <a:endParaRPr/>
+          </a:p>
+        </p:txBody>
+      </p:sp>
+      <p:sp>
+        <p:nvSpPr>
+          <p:cNvPr id="4" name="Google Shape;948;p54">
+            <a:extLst>
+              <a:ext uri="{FF2B5EF4-FFF2-40B4-BE49-F238E27FC236}">
+                <a16:creationId xmlns:a16="http://schemas.microsoft.com/office/drawing/2014/main" id="{D8E2D311-1179-757F-BEAD-9E8B8B5A02A7}"/>
+              </a:ext>
+            </a:extLst>
+          </p:cNvPr>
+          <p:cNvSpPr txBox="1">
+            <a:spLocks/>
+          </p:cNvSpPr>
+          <p:nvPr/>
+        </p:nvSpPr>
+        <p:spPr>
+          <a:xfrm>
+            <a:off x="607091" y="1298753"/>
+            <a:ext cx="1689542" cy="486333"/>
+          </a:xfrm>
+          <a:prstGeom prst="rect">
+            <a:avLst/>
+          </a:prstGeom>
+          <a:noFill/>
+          <a:ln>
+            <a:noFill/>
+          </a:ln>
+        </p:spPr>
+        <p:txBody>
+          <a:bodyPr spcFirstLastPara="1" wrap="square" lIns="91425" tIns="91425" rIns="91425" bIns="91425" anchor="b" anchorCtr="0">
+            <a:noAutofit/>
+          </a:bodyPr>
+          <a:lstStyle>
+            <a:defPPr marR="0" lvl="0" algn="l" rtl="0">
+              <a:lnSpc>
+                <a:spcPct val="100000"/>
+              </a:lnSpc>
+              <a:spcBef>
+                <a:spcPts val="0"/>
+              </a:spcBef>
+              <a:spcAft>
+                <a:spcPts val="0"/>
+              </a:spcAft>
+            </a:defPPr>
+            <a:lvl1pPr marR="0" lvl="0" algn="ctr" rtl="0">
+              <a:lnSpc>
+                <a:spcPct val="100000"/>
+              </a:lnSpc>
+              <a:spcBef>
+                <a:spcPts val="0"/>
+              </a:spcBef>
+              <a:spcAft>
+                <a:spcPts val="0"/>
+              </a:spcAft>
+              <a:buClr>
+                <a:schemeClr val="dk1"/>
+              </a:buClr>
+              <a:buSzPts val="3000"/>
+              <a:buFont typeface="Varela Round"/>
+              <a:buNone/>
+              <a:defRPr sz="3000" b="1" i="0" u="none" strike="noStrike" cap="none">
+                <a:solidFill>
+                  <a:schemeClr val="dk1"/>
+                </a:solidFill>
+                <a:latin typeface="Varela Round"/>
+                <a:ea typeface="Varela Round"/>
+                <a:cs typeface="Varela Round"/>
+                <a:sym typeface="Varela Round"/>
+              </a:defRPr>
+            </a:lvl1pPr>
+            <a:lvl2pPr marR="0" lvl="1" algn="l" rtl="0">
+              <a:lnSpc>
+                <a:spcPct val="100000"/>
+              </a:lnSpc>
+              <a:spcBef>
+                <a:spcPts val="0"/>
+              </a:spcBef>
+              <a:spcAft>
+                <a:spcPts val="0"/>
+              </a:spcAft>
+              <a:buClr>
+                <a:schemeClr val="dk1"/>
+              </a:buClr>
+              <a:buSzPts val="3000"/>
+              <a:buFont typeface="Bebas Neue"/>
+              <a:buNone/>
+              <a:defRPr sz="3000" b="0" i="0" u="none" strike="noStrike" cap="none">
+                <a:solidFill>
+                  <a:schemeClr val="dk1"/>
+                </a:solidFill>
+                <a:latin typeface="Bebas Neue"/>
+                <a:ea typeface="Bebas Neue"/>
+                <a:cs typeface="Bebas Neue"/>
+                <a:sym typeface="Bebas Neue"/>
+              </a:defRPr>
+            </a:lvl2pPr>
+            <a:lvl3pPr marR="0" lvl="2" algn="l" rtl="0">
+              <a:lnSpc>
+                <a:spcPct val="100000"/>
+              </a:lnSpc>
+              <a:spcBef>
+                <a:spcPts val="0"/>
+              </a:spcBef>
+              <a:spcAft>
+                <a:spcPts val="0"/>
+              </a:spcAft>
+              <a:buClr>
+                <a:schemeClr val="dk1"/>
+              </a:buClr>
+              <a:buSzPts val="3000"/>
+              <a:buFont typeface="Bebas Neue"/>
+              <a:buNone/>
+              <a:defRPr sz="3000" b="0" i="0" u="none" strike="noStrike" cap="none">
+                <a:solidFill>
+                  <a:schemeClr val="dk1"/>
+                </a:solidFill>
+                <a:latin typeface="Bebas Neue"/>
+                <a:ea typeface="Bebas Neue"/>
+                <a:cs typeface="Bebas Neue"/>
+                <a:sym typeface="Bebas Neue"/>
+              </a:defRPr>
+            </a:lvl3pPr>
+            <a:lvl4pPr marR="0" lvl="3" algn="l" rtl="0">
+              <a:lnSpc>
+                <a:spcPct val="100000"/>
+              </a:lnSpc>
+              <a:spcBef>
+                <a:spcPts val="0"/>
+              </a:spcBef>
+              <a:spcAft>
+                <a:spcPts val="0"/>
+              </a:spcAft>
+              <a:buClr>
+                <a:schemeClr val="dk1"/>
+              </a:buClr>
+              <a:buSzPts val="3000"/>
+              <a:buFont typeface="Bebas Neue"/>
+              <a:buNone/>
+              <a:defRPr sz="3000" b="0" i="0" u="none" strike="noStrike" cap="none">
+                <a:solidFill>
+                  <a:schemeClr val="dk1"/>
+                </a:solidFill>
+                <a:latin typeface="Bebas Neue"/>
+                <a:ea typeface="Bebas Neue"/>
+                <a:cs typeface="Bebas Neue"/>
+                <a:sym typeface="Bebas Neue"/>
+              </a:defRPr>
+            </a:lvl4pPr>
+            <a:lvl5pPr marR="0" lvl="4" algn="l" rtl="0">
+              <a:lnSpc>
+                <a:spcPct val="100000"/>
+              </a:lnSpc>
+              <a:spcBef>
+                <a:spcPts val="0"/>
+              </a:spcBef>
+              <a:spcAft>
+                <a:spcPts val="0"/>
+              </a:spcAft>
+              <a:buClr>
+                <a:schemeClr val="dk1"/>
+              </a:buClr>
+              <a:buSzPts val="3000"/>
+              <a:buFont typeface="Bebas Neue"/>
+              <a:buNone/>
+              <a:defRPr sz="3000" b="0" i="0" u="none" strike="noStrike" cap="none">
+                <a:solidFill>
+                  <a:schemeClr val="dk1"/>
+                </a:solidFill>
+                <a:latin typeface="Bebas Neue"/>
+                <a:ea typeface="Bebas Neue"/>
+                <a:cs typeface="Bebas Neue"/>
+                <a:sym typeface="Bebas Neue"/>
+              </a:defRPr>
+            </a:lvl5pPr>
+            <a:lvl6pPr marR="0" lvl="5" algn="l" rtl="0">
+              <a:lnSpc>
+                <a:spcPct val="100000"/>
+              </a:lnSpc>
+              <a:spcBef>
+                <a:spcPts val="0"/>
+              </a:spcBef>
+              <a:spcAft>
+                <a:spcPts val="0"/>
+              </a:spcAft>
+              <a:buClr>
+                <a:schemeClr val="dk1"/>
+              </a:buClr>
+              <a:buSzPts val="3000"/>
+              <a:buFont typeface="Bebas Neue"/>
+              <a:buNone/>
+              <a:defRPr sz="3000" b="0" i="0" u="none" strike="noStrike" cap="none">
+                <a:solidFill>
+                  <a:schemeClr val="dk1"/>
+                </a:solidFill>
+                <a:latin typeface="Bebas Neue"/>
+                <a:ea typeface="Bebas Neue"/>
+                <a:cs typeface="Bebas Neue"/>
+                <a:sym typeface="Bebas Neue"/>
+              </a:defRPr>
+            </a:lvl6pPr>
+            <a:lvl7pPr marR="0" lvl="6" algn="l" rtl="0">
+              <a:lnSpc>
+                <a:spcPct val="100000"/>
+              </a:lnSpc>
+              <a:spcBef>
+                <a:spcPts val="0"/>
+              </a:spcBef>
+              <a:spcAft>
+                <a:spcPts val="0"/>
+              </a:spcAft>
+              <a:buClr>
+                <a:schemeClr val="dk1"/>
+              </a:buClr>
+              <a:buSzPts val="3000"/>
+              <a:buFont typeface="Bebas Neue"/>
+              <a:buNone/>
+              <a:defRPr sz="3000" b="0" i="0" u="none" strike="noStrike" cap="none">
+                <a:solidFill>
+                  <a:schemeClr val="dk1"/>
+                </a:solidFill>
+                <a:latin typeface="Bebas Neue"/>
+                <a:ea typeface="Bebas Neue"/>
+                <a:cs typeface="Bebas Neue"/>
+                <a:sym typeface="Bebas Neue"/>
+              </a:defRPr>
+            </a:lvl7pPr>
+            <a:lvl8pPr marR="0" lvl="7" algn="l" rtl="0">
+              <a:lnSpc>
+                <a:spcPct val="100000"/>
+              </a:lnSpc>
+              <a:spcBef>
+                <a:spcPts val="0"/>
+              </a:spcBef>
+              <a:spcAft>
+                <a:spcPts val="0"/>
+              </a:spcAft>
+              <a:buClr>
+                <a:schemeClr val="dk1"/>
+              </a:buClr>
+              <a:buSzPts val="3000"/>
+              <a:buFont typeface="Bebas Neue"/>
+              <a:buNone/>
+              <a:defRPr sz="3000" b="0" i="0" u="none" strike="noStrike" cap="none">
+                <a:solidFill>
+                  <a:schemeClr val="dk1"/>
+                </a:solidFill>
+                <a:latin typeface="Bebas Neue"/>
+                <a:ea typeface="Bebas Neue"/>
+                <a:cs typeface="Bebas Neue"/>
+                <a:sym typeface="Bebas Neue"/>
+              </a:defRPr>
+            </a:lvl8pPr>
+            <a:lvl9pPr marR="0" lvl="8" algn="l" rtl="0">
+              <a:lnSpc>
+                <a:spcPct val="100000"/>
+              </a:lnSpc>
+              <a:spcBef>
+                <a:spcPts val="0"/>
+              </a:spcBef>
+              <a:spcAft>
+                <a:spcPts val="0"/>
+              </a:spcAft>
+              <a:buClr>
+                <a:schemeClr val="dk1"/>
+              </a:buClr>
+              <a:buSzPts val="3000"/>
+              <a:buFont typeface="Bebas Neue"/>
+              <a:buNone/>
+              <a:defRPr sz="3000" b="0" i="0" u="none" strike="noStrike" cap="none">
+                <a:solidFill>
+                  <a:schemeClr val="dk1"/>
+                </a:solidFill>
+                <a:latin typeface="Bebas Neue"/>
+                <a:ea typeface="Bebas Neue"/>
+                <a:cs typeface="Bebas Neue"/>
+                <a:sym typeface="Bebas Neue"/>
+              </a:defRPr>
+            </a:lvl9pPr>
+          </a:lstStyle>
+          <a:p>
+            <a:r>
+              <a:rPr lang="fr-FR" sz="1400" dirty="0"/>
+              <a:t>HIST</a:t>
+            </a:r>
+          </a:p>
+        </p:txBody>
+      </p:sp>
+      <p:sp>
+        <p:nvSpPr>
+          <p:cNvPr id="2" name="Google Shape;621;p42">
+            <a:extLst>
+              <a:ext uri="{FF2B5EF4-FFF2-40B4-BE49-F238E27FC236}">
+                <a16:creationId xmlns:a16="http://schemas.microsoft.com/office/drawing/2014/main" id="{B25BA44B-7585-E0C5-9332-A2826F7649FF}"/>
+              </a:ext>
+            </a:extLst>
+          </p:cNvPr>
+          <p:cNvSpPr txBox="1"/>
+          <p:nvPr/>
+        </p:nvSpPr>
+        <p:spPr>
+          <a:xfrm>
+            <a:off x="2033587" y="1283667"/>
+            <a:ext cx="5962097" cy="519569"/>
+          </a:xfrm>
+          <a:prstGeom prst="rect">
+            <a:avLst/>
+          </a:prstGeom>
+          <a:noFill/>
+          <a:ln>
+            <a:noFill/>
+          </a:ln>
+        </p:spPr>
+        <p:txBody>
+          <a:bodyPr spcFirstLastPara="1" wrap="square" lIns="91425" tIns="91425" rIns="91425" bIns="91425" anchor="ctr" anchorCtr="0">
+            <a:noAutofit/>
+          </a:bodyPr>
+          <a:lstStyle/>
+          <a:p>
+            <a:pPr marL="285750" lvl="2" indent="-285750">
+              <a:buFont typeface="Arial" panose="020B0604020202020204" pitchFamily="34" charset="0"/>
+              <a:buChar char="•"/>
+            </a:pPr>
+            <a:r>
+              <a:rPr lang="fr-FR" b="1" dirty="0">
+                <a:solidFill>
+                  <a:schemeClr val="dk2"/>
+                </a:solidFill>
+                <a:latin typeface="Lato"/>
+                <a:ea typeface="Lato"/>
+                <a:cs typeface="Lato"/>
+                <a:sym typeface="Lato"/>
+              </a:rPr>
+              <a:t>Utile pour représenter la distribution de données numériques.</a:t>
+            </a:r>
+            <a:endParaRPr lang="en-US" b="1" dirty="0">
+              <a:solidFill>
+                <a:schemeClr val="dk2"/>
+              </a:solidFill>
+              <a:latin typeface="Lato"/>
+              <a:ea typeface="Lato"/>
+              <a:cs typeface="Lato"/>
+              <a:sym typeface="Lato"/>
+            </a:endParaRPr>
+          </a:p>
+        </p:txBody>
+      </p:sp>
+      <p:pic>
+        <p:nvPicPr>
+          <p:cNvPr id="9" name="Image 8">
+            <a:extLst>
+              <a:ext uri="{FF2B5EF4-FFF2-40B4-BE49-F238E27FC236}">
+                <a16:creationId xmlns:a16="http://schemas.microsoft.com/office/drawing/2014/main" id="{2752A263-0959-5DBC-F68F-AFCCA900C9D7}"/>
+              </a:ext>
+            </a:extLst>
+          </p:cNvPr>
+          <p:cNvPicPr>
+            <a:picLocks noChangeAspect="1"/>
+          </p:cNvPicPr>
+          <p:nvPr/>
+        </p:nvPicPr>
+        <p:blipFill>
+          <a:blip r:embed="rId3"/>
+          <a:stretch>
+            <a:fillRect/>
+          </a:stretch>
+        </p:blipFill>
+        <p:spPr>
+          <a:xfrm>
+            <a:off x="2806994" y="1981366"/>
+            <a:ext cx="3530009" cy="2647507"/>
+          </a:xfrm>
+          <a:prstGeom prst="rect">
+            <a:avLst/>
+          </a:prstGeom>
+        </p:spPr>
+      </p:pic>
+    </p:spTree>
+    <p:extLst>
+      <p:ext uri="{BB962C8B-B14F-4D97-AF65-F5344CB8AC3E}">
+        <p14:creationId xmlns:p14="http://schemas.microsoft.com/office/powerpoint/2010/main" val="3163141790"/>
+      </p:ext>
+    </p:extLst>
+  </p:cSld>
+  <p:clrMapOvr>
+    <a:masterClrMapping/>
+  </p:clrMapOvr>
+</p:sld>
+</file>
+
+<file path=ppt/slides/slide44.xml><?xml version="1.0" encoding="utf-8"?>
+<p:sld xmlns:a="http://schemas.openxmlformats.org/drawingml/2006/main" xmlns:r="http://schemas.openxmlformats.org/officeDocument/2006/relationships" xmlns:p="http://schemas.openxmlformats.org/presentationml/2006/main">
+  <p:cSld>
+    <p:spTree>
+      <p:nvGrpSpPr>
+        <p:cNvPr id="1" name="Shape 945"/>
+        <p:cNvGrpSpPr/>
+        <p:nvPr/>
+      </p:nvGrpSpPr>
+      <p:grpSpPr>
+        <a:xfrm>
+          <a:off x="0" y="0"/>
+          <a:ext cx="0" cy="0"/>
+          <a:chOff x="0" y="0"/>
+          <a:chExt cx="0" cy="0"/>
+        </a:xfrm>
+      </p:grpSpPr>
+      <p:sp>
+        <p:nvSpPr>
+          <p:cNvPr id="7" name="Google Shape;946;p54">
+            <a:extLst>
+              <a:ext uri="{FF2B5EF4-FFF2-40B4-BE49-F238E27FC236}">
+                <a16:creationId xmlns:a16="http://schemas.microsoft.com/office/drawing/2014/main" id="{32FCF576-D072-76B0-16AF-46AF98856AB8}"/>
+              </a:ext>
+            </a:extLst>
+          </p:cNvPr>
+          <p:cNvSpPr/>
+          <p:nvPr/>
+        </p:nvSpPr>
+        <p:spPr>
+          <a:xfrm>
+            <a:off x="2833950" y="369574"/>
+            <a:ext cx="3476099" cy="735963"/>
+          </a:xfrm>
+          <a:prstGeom prst="roundRect">
+            <a:avLst>
+              <a:gd name="adj" fmla="val 6740"/>
+            </a:avLst>
+          </a:prstGeom>
+          <a:solidFill>
+            <a:schemeClr val="lt2"/>
+          </a:solidFill>
+          <a:ln w="28575" cap="flat" cmpd="sng">
+            <a:solidFill>
+              <a:schemeClr val="dk1"/>
+            </a:solidFill>
+            <a:prstDash val="solid"/>
+            <a:round/>
+            <a:headEnd type="none" w="sm" len="sm"/>
+            <a:tailEnd type="none" w="sm" len="sm"/>
+          </a:ln>
+          <a:effectLst>
+            <a:outerShdw dist="85725" dir="3960000" algn="bl" rotWithShape="0">
+              <a:schemeClr val="dk1"/>
+            </a:outerShdw>
+          </a:effectLst>
+        </p:spPr>
+        <p:txBody>
+          <a:bodyPr spcFirstLastPara="1" wrap="square" lIns="91425" tIns="91425" rIns="91425" bIns="91425" anchor="ctr" anchorCtr="0">
+            <a:noAutofit/>
+          </a:bodyPr>
+          <a:lstStyle/>
+          <a:p>
+            <a:pPr marL="0" lvl="0" indent="0" algn="l" rtl="0">
+              <a:spcBef>
+                <a:spcPts val="0"/>
+              </a:spcBef>
+              <a:spcAft>
+                <a:spcPts val="0"/>
+              </a:spcAft>
+              <a:buNone/>
+            </a:pPr>
+            <a:endParaRPr/>
+          </a:p>
+        </p:txBody>
+      </p:sp>
+      <p:sp>
+        <p:nvSpPr>
+          <p:cNvPr id="8" name="Google Shape;948;p54">
+            <a:extLst>
+              <a:ext uri="{FF2B5EF4-FFF2-40B4-BE49-F238E27FC236}">
+                <a16:creationId xmlns:a16="http://schemas.microsoft.com/office/drawing/2014/main" id="{84C74B68-B822-7701-D63F-0AA4D63644E2}"/>
+              </a:ext>
+            </a:extLst>
+          </p:cNvPr>
+          <p:cNvSpPr txBox="1">
+            <a:spLocks/>
+          </p:cNvSpPr>
+          <p:nvPr/>
+        </p:nvSpPr>
+        <p:spPr>
+          <a:xfrm>
+            <a:off x="3042744" y="418539"/>
+            <a:ext cx="3058510" cy="816163"/>
+          </a:xfrm>
+          <a:prstGeom prst="rect">
+            <a:avLst/>
+          </a:prstGeom>
+          <a:noFill/>
+          <a:ln>
+            <a:noFill/>
+          </a:ln>
+        </p:spPr>
+        <p:txBody>
+          <a:bodyPr spcFirstLastPara="1" wrap="square" lIns="91425" tIns="91425" rIns="91425" bIns="91425" anchor="b" anchorCtr="0">
+            <a:noAutofit/>
+          </a:bodyPr>
+          <a:lstStyle>
+            <a:defPPr marR="0" lvl="0" algn="l" rtl="0">
+              <a:lnSpc>
+                <a:spcPct val="100000"/>
+              </a:lnSpc>
+              <a:spcBef>
+                <a:spcPts val="0"/>
+              </a:spcBef>
+              <a:spcAft>
+                <a:spcPts val="0"/>
+              </a:spcAft>
+            </a:defPPr>
+            <a:lvl1pPr marR="0" lvl="0" algn="ctr" rtl="0">
+              <a:lnSpc>
+                <a:spcPct val="100000"/>
+              </a:lnSpc>
+              <a:spcBef>
+                <a:spcPts val="0"/>
+              </a:spcBef>
+              <a:spcAft>
+                <a:spcPts val="0"/>
+              </a:spcAft>
+              <a:buClr>
+                <a:schemeClr val="dk1"/>
+              </a:buClr>
+              <a:buSzPts val="3000"/>
+              <a:buFont typeface="Varela Round"/>
+              <a:buNone/>
+              <a:defRPr sz="3000" b="1" i="0" u="none" strike="noStrike" cap="none">
+                <a:solidFill>
+                  <a:schemeClr val="dk1"/>
+                </a:solidFill>
+                <a:latin typeface="Varela Round"/>
+                <a:ea typeface="Varela Round"/>
+                <a:cs typeface="Varela Round"/>
+                <a:sym typeface="Varela Round"/>
+              </a:defRPr>
+            </a:lvl1pPr>
+            <a:lvl2pPr marR="0" lvl="1" algn="l" rtl="0">
+              <a:lnSpc>
+                <a:spcPct val="100000"/>
+              </a:lnSpc>
+              <a:spcBef>
+                <a:spcPts val="0"/>
+              </a:spcBef>
+              <a:spcAft>
+                <a:spcPts val="0"/>
+              </a:spcAft>
+              <a:buClr>
+                <a:schemeClr val="dk1"/>
+              </a:buClr>
+              <a:buSzPts val="3000"/>
+              <a:buFont typeface="Bebas Neue"/>
+              <a:buNone/>
+              <a:defRPr sz="3000" b="0" i="0" u="none" strike="noStrike" cap="none">
+                <a:solidFill>
+                  <a:schemeClr val="dk1"/>
+                </a:solidFill>
+                <a:latin typeface="Bebas Neue"/>
+                <a:ea typeface="Bebas Neue"/>
+                <a:cs typeface="Bebas Neue"/>
+                <a:sym typeface="Bebas Neue"/>
+              </a:defRPr>
+            </a:lvl2pPr>
+            <a:lvl3pPr marR="0" lvl="2" algn="l" rtl="0">
+              <a:lnSpc>
+                <a:spcPct val="100000"/>
+              </a:lnSpc>
+              <a:spcBef>
+                <a:spcPts val="0"/>
+              </a:spcBef>
+              <a:spcAft>
+                <a:spcPts val="0"/>
+              </a:spcAft>
+              <a:buClr>
+                <a:schemeClr val="dk1"/>
+              </a:buClr>
+              <a:buSzPts val="3000"/>
+              <a:buFont typeface="Bebas Neue"/>
+              <a:buNone/>
+              <a:defRPr sz="3000" b="0" i="0" u="none" strike="noStrike" cap="none">
+                <a:solidFill>
+                  <a:schemeClr val="dk1"/>
+                </a:solidFill>
+                <a:latin typeface="Bebas Neue"/>
+                <a:ea typeface="Bebas Neue"/>
+                <a:cs typeface="Bebas Neue"/>
+                <a:sym typeface="Bebas Neue"/>
+              </a:defRPr>
+            </a:lvl3pPr>
+            <a:lvl4pPr marR="0" lvl="3" algn="l" rtl="0">
+              <a:lnSpc>
+                <a:spcPct val="100000"/>
+              </a:lnSpc>
+              <a:spcBef>
+                <a:spcPts val="0"/>
+              </a:spcBef>
+              <a:spcAft>
+                <a:spcPts val="0"/>
+              </a:spcAft>
+              <a:buClr>
+                <a:schemeClr val="dk1"/>
+              </a:buClr>
+              <a:buSzPts val="3000"/>
+              <a:buFont typeface="Bebas Neue"/>
+              <a:buNone/>
+              <a:defRPr sz="3000" b="0" i="0" u="none" strike="noStrike" cap="none">
+                <a:solidFill>
+                  <a:schemeClr val="dk1"/>
+                </a:solidFill>
+                <a:latin typeface="Bebas Neue"/>
+                <a:ea typeface="Bebas Neue"/>
+                <a:cs typeface="Bebas Neue"/>
+                <a:sym typeface="Bebas Neue"/>
+              </a:defRPr>
+            </a:lvl4pPr>
+            <a:lvl5pPr marR="0" lvl="4" algn="l" rtl="0">
+              <a:lnSpc>
+                <a:spcPct val="100000"/>
+              </a:lnSpc>
+              <a:spcBef>
+                <a:spcPts val="0"/>
+              </a:spcBef>
+              <a:spcAft>
+                <a:spcPts val="0"/>
+              </a:spcAft>
+              <a:buClr>
+                <a:schemeClr val="dk1"/>
+              </a:buClr>
+              <a:buSzPts val="3000"/>
+              <a:buFont typeface="Bebas Neue"/>
+              <a:buNone/>
+              <a:defRPr sz="3000" b="0" i="0" u="none" strike="noStrike" cap="none">
+                <a:solidFill>
+                  <a:schemeClr val="dk1"/>
+                </a:solidFill>
+                <a:latin typeface="Bebas Neue"/>
+                <a:ea typeface="Bebas Neue"/>
+                <a:cs typeface="Bebas Neue"/>
+                <a:sym typeface="Bebas Neue"/>
+              </a:defRPr>
+            </a:lvl5pPr>
+            <a:lvl6pPr marR="0" lvl="5" algn="l" rtl="0">
+              <a:lnSpc>
+                <a:spcPct val="100000"/>
+              </a:lnSpc>
+              <a:spcBef>
+                <a:spcPts val="0"/>
+              </a:spcBef>
+              <a:spcAft>
+                <a:spcPts val="0"/>
+              </a:spcAft>
+              <a:buClr>
+                <a:schemeClr val="dk1"/>
+              </a:buClr>
+              <a:buSzPts val="3000"/>
+              <a:buFont typeface="Bebas Neue"/>
+              <a:buNone/>
+              <a:defRPr sz="3000" b="0" i="0" u="none" strike="noStrike" cap="none">
+                <a:solidFill>
+                  <a:schemeClr val="dk1"/>
+                </a:solidFill>
+                <a:latin typeface="Bebas Neue"/>
+                <a:ea typeface="Bebas Neue"/>
+                <a:cs typeface="Bebas Neue"/>
+                <a:sym typeface="Bebas Neue"/>
+              </a:defRPr>
+            </a:lvl6pPr>
+            <a:lvl7pPr marR="0" lvl="6" algn="l" rtl="0">
+              <a:lnSpc>
+                <a:spcPct val="100000"/>
+              </a:lnSpc>
+              <a:spcBef>
+                <a:spcPts val="0"/>
+              </a:spcBef>
+              <a:spcAft>
+                <a:spcPts val="0"/>
+              </a:spcAft>
+              <a:buClr>
+                <a:schemeClr val="dk1"/>
+              </a:buClr>
+              <a:buSzPts val="3000"/>
+              <a:buFont typeface="Bebas Neue"/>
+              <a:buNone/>
+              <a:defRPr sz="3000" b="0" i="0" u="none" strike="noStrike" cap="none">
+                <a:solidFill>
+                  <a:schemeClr val="dk1"/>
+                </a:solidFill>
+                <a:latin typeface="Bebas Neue"/>
+                <a:ea typeface="Bebas Neue"/>
+                <a:cs typeface="Bebas Neue"/>
+                <a:sym typeface="Bebas Neue"/>
+              </a:defRPr>
+            </a:lvl7pPr>
+            <a:lvl8pPr marR="0" lvl="7" algn="l" rtl="0">
+              <a:lnSpc>
+                <a:spcPct val="100000"/>
+              </a:lnSpc>
+              <a:spcBef>
+                <a:spcPts val="0"/>
+              </a:spcBef>
+              <a:spcAft>
+                <a:spcPts val="0"/>
+              </a:spcAft>
+              <a:buClr>
+                <a:schemeClr val="dk1"/>
+              </a:buClr>
+              <a:buSzPts val="3000"/>
+              <a:buFont typeface="Bebas Neue"/>
+              <a:buNone/>
+              <a:defRPr sz="3000" b="0" i="0" u="none" strike="noStrike" cap="none">
+                <a:solidFill>
+                  <a:schemeClr val="dk1"/>
+                </a:solidFill>
+                <a:latin typeface="Bebas Neue"/>
+                <a:ea typeface="Bebas Neue"/>
+                <a:cs typeface="Bebas Neue"/>
+                <a:sym typeface="Bebas Neue"/>
+              </a:defRPr>
+            </a:lvl8pPr>
+            <a:lvl9pPr marR="0" lvl="8" algn="l" rtl="0">
+              <a:lnSpc>
+                <a:spcPct val="100000"/>
+              </a:lnSpc>
+              <a:spcBef>
+                <a:spcPts val="0"/>
+              </a:spcBef>
+              <a:spcAft>
+                <a:spcPts val="0"/>
+              </a:spcAft>
+              <a:buClr>
+                <a:schemeClr val="dk1"/>
+              </a:buClr>
+              <a:buSzPts val="3000"/>
+              <a:buFont typeface="Bebas Neue"/>
+              <a:buNone/>
+              <a:defRPr sz="3000" b="0" i="0" u="none" strike="noStrike" cap="none">
+                <a:solidFill>
+                  <a:schemeClr val="dk1"/>
+                </a:solidFill>
+                <a:latin typeface="Bebas Neue"/>
+                <a:ea typeface="Bebas Neue"/>
+                <a:cs typeface="Bebas Neue"/>
+                <a:sym typeface="Bebas Neue"/>
+              </a:defRPr>
+            </a:lvl9pPr>
+          </a:lstStyle>
+          <a:p>
+            <a:r>
+              <a:rPr lang="fr-FR" sz="2400" b="1" i="0" dirty="0">
+                <a:effectLst/>
+                <a:latin typeface="Söhne"/>
+              </a:rPr>
+              <a:t>Types de Graphiques Disponibles</a:t>
+            </a:r>
+            <a:endParaRPr lang="fr-FR" sz="2400" dirty="0"/>
+          </a:p>
+        </p:txBody>
+      </p:sp>
+      <p:sp>
+        <p:nvSpPr>
+          <p:cNvPr id="3" name="Google Shape;946;p54">
+            <a:extLst>
+              <a:ext uri="{FF2B5EF4-FFF2-40B4-BE49-F238E27FC236}">
+                <a16:creationId xmlns:a16="http://schemas.microsoft.com/office/drawing/2014/main" id="{63E33E90-6FF6-DC6E-DC6C-6E86948BB43E}"/>
+              </a:ext>
+            </a:extLst>
+          </p:cNvPr>
+          <p:cNvSpPr/>
+          <p:nvPr/>
+        </p:nvSpPr>
+        <p:spPr>
+          <a:xfrm>
+            <a:off x="748084" y="1318437"/>
+            <a:ext cx="1426496" cy="419918"/>
+          </a:xfrm>
+          <a:prstGeom prst="roundRect">
+            <a:avLst>
+              <a:gd name="adj" fmla="val 6740"/>
+            </a:avLst>
+          </a:prstGeom>
+          <a:solidFill>
+            <a:schemeClr val="lt2"/>
+          </a:solidFill>
+          <a:ln w="28575" cap="flat" cmpd="sng">
+            <a:solidFill>
+              <a:schemeClr val="dk1"/>
+            </a:solidFill>
+            <a:prstDash val="solid"/>
+            <a:round/>
+            <a:headEnd type="none" w="sm" len="sm"/>
+            <a:tailEnd type="none" w="sm" len="sm"/>
+          </a:ln>
+          <a:effectLst>
+            <a:outerShdw dist="85725" dir="3960000" algn="bl" rotWithShape="0">
+              <a:schemeClr val="dk1"/>
+            </a:outerShdw>
+          </a:effectLst>
+        </p:spPr>
+        <p:txBody>
+          <a:bodyPr spcFirstLastPara="1" wrap="square" lIns="91425" tIns="91425" rIns="91425" bIns="91425" anchor="ctr" anchorCtr="0">
+            <a:noAutofit/>
+          </a:bodyPr>
+          <a:lstStyle/>
+          <a:p>
+            <a:pPr marL="0" lvl="0" indent="0" algn="l" rtl="0">
+              <a:spcBef>
+                <a:spcPts val="0"/>
+              </a:spcBef>
+              <a:spcAft>
+                <a:spcPts val="0"/>
+              </a:spcAft>
+              <a:buNone/>
+            </a:pPr>
+            <a:endParaRPr/>
+          </a:p>
+        </p:txBody>
+      </p:sp>
+      <p:sp>
+        <p:nvSpPr>
+          <p:cNvPr id="4" name="Google Shape;948;p54">
+            <a:extLst>
+              <a:ext uri="{FF2B5EF4-FFF2-40B4-BE49-F238E27FC236}">
+                <a16:creationId xmlns:a16="http://schemas.microsoft.com/office/drawing/2014/main" id="{D8E2D311-1179-757F-BEAD-9E8B8B5A02A7}"/>
+              </a:ext>
+            </a:extLst>
+          </p:cNvPr>
+          <p:cNvSpPr txBox="1">
+            <a:spLocks/>
+          </p:cNvSpPr>
+          <p:nvPr/>
+        </p:nvSpPr>
+        <p:spPr>
+          <a:xfrm>
+            <a:off x="607091" y="1298753"/>
+            <a:ext cx="1689542" cy="486333"/>
+          </a:xfrm>
+          <a:prstGeom prst="rect">
+            <a:avLst/>
+          </a:prstGeom>
+          <a:noFill/>
+          <a:ln>
+            <a:noFill/>
+          </a:ln>
+        </p:spPr>
+        <p:txBody>
+          <a:bodyPr spcFirstLastPara="1" wrap="square" lIns="91425" tIns="91425" rIns="91425" bIns="91425" anchor="b" anchorCtr="0">
+            <a:noAutofit/>
+          </a:bodyPr>
+          <a:lstStyle>
+            <a:defPPr marR="0" lvl="0" algn="l" rtl="0">
+              <a:lnSpc>
+                <a:spcPct val="100000"/>
+              </a:lnSpc>
+              <a:spcBef>
+                <a:spcPts val="0"/>
+              </a:spcBef>
+              <a:spcAft>
+                <a:spcPts val="0"/>
+              </a:spcAft>
+            </a:defPPr>
+            <a:lvl1pPr marR="0" lvl="0" algn="ctr" rtl="0">
+              <a:lnSpc>
+                <a:spcPct val="100000"/>
+              </a:lnSpc>
+              <a:spcBef>
+                <a:spcPts val="0"/>
+              </a:spcBef>
+              <a:spcAft>
+                <a:spcPts val="0"/>
+              </a:spcAft>
+              <a:buClr>
+                <a:schemeClr val="dk1"/>
+              </a:buClr>
+              <a:buSzPts val="3000"/>
+              <a:buFont typeface="Varela Round"/>
+              <a:buNone/>
+              <a:defRPr sz="3000" b="1" i="0" u="none" strike="noStrike" cap="none">
+                <a:solidFill>
+                  <a:schemeClr val="dk1"/>
+                </a:solidFill>
+                <a:latin typeface="Varela Round"/>
+                <a:ea typeface="Varela Round"/>
+                <a:cs typeface="Varela Round"/>
+                <a:sym typeface="Varela Round"/>
+              </a:defRPr>
+            </a:lvl1pPr>
+            <a:lvl2pPr marR="0" lvl="1" algn="l" rtl="0">
+              <a:lnSpc>
+                <a:spcPct val="100000"/>
+              </a:lnSpc>
+              <a:spcBef>
+                <a:spcPts val="0"/>
+              </a:spcBef>
+              <a:spcAft>
+                <a:spcPts val="0"/>
+              </a:spcAft>
+              <a:buClr>
+                <a:schemeClr val="dk1"/>
+              </a:buClr>
+              <a:buSzPts val="3000"/>
+              <a:buFont typeface="Bebas Neue"/>
+              <a:buNone/>
+              <a:defRPr sz="3000" b="0" i="0" u="none" strike="noStrike" cap="none">
+                <a:solidFill>
+                  <a:schemeClr val="dk1"/>
+                </a:solidFill>
+                <a:latin typeface="Bebas Neue"/>
+                <a:ea typeface="Bebas Neue"/>
+                <a:cs typeface="Bebas Neue"/>
+                <a:sym typeface="Bebas Neue"/>
+              </a:defRPr>
+            </a:lvl2pPr>
+            <a:lvl3pPr marR="0" lvl="2" algn="l" rtl="0">
+              <a:lnSpc>
+                <a:spcPct val="100000"/>
+              </a:lnSpc>
+              <a:spcBef>
+                <a:spcPts val="0"/>
+              </a:spcBef>
+              <a:spcAft>
+                <a:spcPts val="0"/>
+              </a:spcAft>
+              <a:buClr>
+                <a:schemeClr val="dk1"/>
+              </a:buClr>
+              <a:buSzPts val="3000"/>
+              <a:buFont typeface="Bebas Neue"/>
+              <a:buNone/>
+              <a:defRPr sz="3000" b="0" i="0" u="none" strike="noStrike" cap="none">
+                <a:solidFill>
+                  <a:schemeClr val="dk1"/>
+                </a:solidFill>
+                <a:latin typeface="Bebas Neue"/>
+                <a:ea typeface="Bebas Neue"/>
+                <a:cs typeface="Bebas Neue"/>
+                <a:sym typeface="Bebas Neue"/>
+              </a:defRPr>
+            </a:lvl3pPr>
+            <a:lvl4pPr marR="0" lvl="3" algn="l" rtl="0">
+              <a:lnSpc>
+                <a:spcPct val="100000"/>
+              </a:lnSpc>
+              <a:spcBef>
+                <a:spcPts val="0"/>
+              </a:spcBef>
+              <a:spcAft>
+                <a:spcPts val="0"/>
+              </a:spcAft>
+              <a:buClr>
+                <a:schemeClr val="dk1"/>
+              </a:buClr>
+              <a:buSzPts val="3000"/>
+              <a:buFont typeface="Bebas Neue"/>
+              <a:buNone/>
+              <a:defRPr sz="3000" b="0" i="0" u="none" strike="noStrike" cap="none">
+                <a:solidFill>
+                  <a:schemeClr val="dk1"/>
+                </a:solidFill>
+                <a:latin typeface="Bebas Neue"/>
+                <a:ea typeface="Bebas Neue"/>
+                <a:cs typeface="Bebas Neue"/>
+                <a:sym typeface="Bebas Neue"/>
+              </a:defRPr>
+            </a:lvl4pPr>
+            <a:lvl5pPr marR="0" lvl="4" algn="l" rtl="0">
+              <a:lnSpc>
+                <a:spcPct val="100000"/>
+              </a:lnSpc>
+              <a:spcBef>
+                <a:spcPts val="0"/>
+              </a:spcBef>
+              <a:spcAft>
+                <a:spcPts val="0"/>
+              </a:spcAft>
+              <a:buClr>
+                <a:schemeClr val="dk1"/>
+              </a:buClr>
+              <a:buSzPts val="3000"/>
+              <a:buFont typeface="Bebas Neue"/>
+              <a:buNone/>
+              <a:defRPr sz="3000" b="0" i="0" u="none" strike="noStrike" cap="none">
+                <a:solidFill>
+                  <a:schemeClr val="dk1"/>
+                </a:solidFill>
+                <a:latin typeface="Bebas Neue"/>
+                <a:ea typeface="Bebas Neue"/>
+                <a:cs typeface="Bebas Neue"/>
+                <a:sym typeface="Bebas Neue"/>
+              </a:defRPr>
+            </a:lvl5pPr>
+            <a:lvl6pPr marR="0" lvl="5" algn="l" rtl="0">
+              <a:lnSpc>
+                <a:spcPct val="100000"/>
+              </a:lnSpc>
+              <a:spcBef>
+                <a:spcPts val="0"/>
+              </a:spcBef>
+              <a:spcAft>
+                <a:spcPts val="0"/>
+              </a:spcAft>
+              <a:buClr>
+                <a:schemeClr val="dk1"/>
+              </a:buClr>
+              <a:buSzPts val="3000"/>
+              <a:buFont typeface="Bebas Neue"/>
+              <a:buNone/>
+              <a:defRPr sz="3000" b="0" i="0" u="none" strike="noStrike" cap="none">
+                <a:solidFill>
+                  <a:schemeClr val="dk1"/>
+                </a:solidFill>
+                <a:latin typeface="Bebas Neue"/>
+                <a:ea typeface="Bebas Neue"/>
+                <a:cs typeface="Bebas Neue"/>
+                <a:sym typeface="Bebas Neue"/>
+              </a:defRPr>
+            </a:lvl6pPr>
+            <a:lvl7pPr marR="0" lvl="6" algn="l" rtl="0">
+              <a:lnSpc>
+                <a:spcPct val="100000"/>
+              </a:lnSpc>
+              <a:spcBef>
+                <a:spcPts val="0"/>
+              </a:spcBef>
+              <a:spcAft>
+                <a:spcPts val="0"/>
+              </a:spcAft>
+              <a:buClr>
+                <a:schemeClr val="dk1"/>
+              </a:buClr>
+              <a:buSzPts val="3000"/>
+              <a:buFont typeface="Bebas Neue"/>
+              <a:buNone/>
+              <a:defRPr sz="3000" b="0" i="0" u="none" strike="noStrike" cap="none">
+                <a:solidFill>
+                  <a:schemeClr val="dk1"/>
+                </a:solidFill>
+                <a:latin typeface="Bebas Neue"/>
+                <a:ea typeface="Bebas Neue"/>
+                <a:cs typeface="Bebas Neue"/>
+                <a:sym typeface="Bebas Neue"/>
+              </a:defRPr>
+            </a:lvl7pPr>
+            <a:lvl8pPr marR="0" lvl="7" algn="l" rtl="0">
+              <a:lnSpc>
+                <a:spcPct val="100000"/>
+              </a:lnSpc>
+              <a:spcBef>
+                <a:spcPts val="0"/>
+              </a:spcBef>
+              <a:spcAft>
+                <a:spcPts val="0"/>
+              </a:spcAft>
+              <a:buClr>
+                <a:schemeClr val="dk1"/>
+              </a:buClr>
+              <a:buSzPts val="3000"/>
+              <a:buFont typeface="Bebas Neue"/>
+              <a:buNone/>
+              <a:defRPr sz="3000" b="0" i="0" u="none" strike="noStrike" cap="none">
+                <a:solidFill>
+                  <a:schemeClr val="dk1"/>
+                </a:solidFill>
+                <a:latin typeface="Bebas Neue"/>
+                <a:ea typeface="Bebas Neue"/>
+                <a:cs typeface="Bebas Neue"/>
+                <a:sym typeface="Bebas Neue"/>
+              </a:defRPr>
+            </a:lvl8pPr>
+            <a:lvl9pPr marR="0" lvl="8" algn="l" rtl="0">
+              <a:lnSpc>
+                <a:spcPct val="100000"/>
+              </a:lnSpc>
+              <a:spcBef>
+                <a:spcPts val="0"/>
+              </a:spcBef>
+              <a:spcAft>
+                <a:spcPts val="0"/>
+              </a:spcAft>
+              <a:buClr>
+                <a:schemeClr val="dk1"/>
+              </a:buClr>
+              <a:buSzPts val="3000"/>
+              <a:buFont typeface="Bebas Neue"/>
+              <a:buNone/>
+              <a:defRPr sz="3000" b="0" i="0" u="none" strike="noStrike" cap="none">
+                <a:solidFill>
+                  <a:schemeClr val="dk1"/>
+                </a:solidFill>
+                <a:latin typeface="Bebas Neue"/>
+                <a:ea typeface="Bebas Neue"/>
+                <a:cs typeface="Bebas Neue"/>
+                <a:sym typeface="Bebas Neue"/>
+              </a:defRPr>
+            </a:lvl9pPr>
+          </a:lstStyle>
+          <a:p>
+            <a:r>
+              <a:rPr lang="fr-FR" sz="1400" dirty="0"/>
+              <a:t>BOX</a:t>
+            </a:r>
+          </a:p>
+        </p:txBody>
+      </p:sp>
+      <p:sp>
+        <p:nvSpPr>
+          <p:cNvPr id="2" name="Google Shape;621;p42">
+            <a:extLst>
+              <a:ext uri="{FF2B5EF4-FFF2-40B4-BE49-F238E27FC236}">
+                <a16:creationId xmlns:a16="http://schemas.microsoft.com/office/drawing/2014/main" id="{B25BA44B-7585-E0C5-9332-A2826F7649FF}"/>
+              </a:ext>
+            </a:extLst>
+          </p:cNvPr>
+          <p:cNvSpPr txBox="1"/>
+          <p:nvPr/>
+        </p:nvSpPr>
+        <p:spPr>
+          <a:xfrm>
+            <a:off x="2033587" y="1283667"/>
+            <a:ext cx="5962097" cy="519569"/>
+          </a:xfrm>
+          <a:prstGeom prst="rect">
+            <a:avLst/>
+          </a:prstGeom>
+          <a:noFill/>
+          <a:ln>
+            <a:noFill/>
+          </a:ln>
+        </p:spPr>
+        <p:txBody>
+          <a:bodyPr spcFirstLastPara="1" wrap="square" lIns="91425" tIns="91425" rIns="91425" bIns="91425" anchor="ctr" anchorCtr="0">
+            <a:noAutofit/>
+          </a:bodyPr>
+          <a:lstStyle/>
+          <a:p>
+            <a:pPr marL="285750" lvl="2" indent="-285750">
+              <a:buFont typeface="Arial" panose="020B0604020202020204" pitchFamily="34" charset="0"/>
+              <a:buChar char="•"/>
+            </a:pPr>
+            <a:r>
+              <a:rPr lang="fr-FR" b="1" dirty="0">
+                <a:solidFill>
+                  <a:schemeClr val="dk2"/>
+                </a:solidFill>
+                <a:latin typeface="Lato"/>
+                <a:ea typeface="Lato"/>
+                <a:cs typeface="Lato"/>
+                <a:sym typeface="Lato"/>
+              </a:rPr>
+              <a:t>Offre une perspective statistique avec des boîtes à moustaches.</a:t>
+            </a:r>
+            <a:endParaRPr lang="en-US" b="1" dirty="0">
+              <a:solidFill>
+                <a:schemeClr val="dk2"/>
+              </a:solidFill>
+              <a:latin typeface="Lato"/>
+              <a:ea typeface="Lato"/>
+              <a:cs typeface="Lato"/>
+              <a:sym typeface="Lato"/>
+            </a:endParaRPr>
+          </a:p>
+        </p:txBody>
+      </p:sp>
+      <p:pic>
+        <p:nvPicPr>
+          <p:cNvPr id="4098" name="Picture 2">
+            <a:extLst>
+              <a:ext uri="{FF2B5EF4-FFF2-40B4-BE49-F238E27FC236}">
+                <a16:creationId xmlns:a16="http://schemas.microsoft.com/office/drawing/2014/main" id="{384CDC05-F908-00F7-F86C-8D69E7ECFDE3}"/>
+              </a:ext>
+            </a:extLst>
+          </p:cNvPr>
+          <p:cNvPicPr>
+            <a:picLocks noChangeAspect="1" noChangeArrowheads="1"/>
+          </p:cNvPicPr>
+          <p:nvPr/>
+        </p:nvPicPr>
+        <p:blipFill>
+          <a:blip r:embed="rId3">
+            <a:extLst>
+              <a:ext uri="{28A0092B-C50C-407E-A947-70E740481C1C}">
+                <a14:useLocalDpi xmlns:a14="http://schemas.microsoft.com/office/drawing/2010/main" val="0"/>
+              </a:ext>
+            </a:extLst>
+          </a:blip>
+          <a:srcRect/>
+          <a:stretch>
+            <a:fillRect/>
+          </a:stretch>
+        </p:blipFill>
+        <p:spPr bwMode="auto">
+          <a:xfrm>
+            <a:off x="2679405" y="1852201"/>
+            <a:ext cx="3753987" cy="2815491"/>
+          </a:xfrm>
+          <a:prstGeom prst="rect">
+            <a:avLst/>
+          </a:prstGeom>
+          <a:noFill/>
+          <a:extLst>
+            <a:ext uri="{909E8E84-426E-40DD-AFC4-6F175D3DCCD1}">
+              <a14:hiddenFill xmlns:a14="http://schemas.microsoft.com/office/drawing/2010/main">
+                <a:solidFill>
+                  <a:srgbClr val="FFFFFF"/>
+                </a:solidFill>
+              </a14:hiddenFill>
+            </a:ext>
+          </a:extLst>
+        </p:spPr>
+      </p:pic>
+    </p:spTree>
+    <p:extLst>
+      <p:ext uri="{BB962C8B-B14F-4D97-AF65-F5344CB8AC3E}">
+        <p14:creationId xmlns:p14="http://schemas.microsoft.com/office/powerpoint/2010/main" val="4147934831"/>
+      </p:ext>
+    </p:extLst>
+  </p:cSld>
+  <p:clrMapOvr>
+    <a:masterClrMapping/>
+  </p:clrMapOvr>
+</p:sld>
+</file>
+
+<file path=ppt/slides/slide45.xml><?xml version="1.0" encoding="utf-8"?>
+<p:sld xmlns:a="http://schemas.openxmlformats.org/drawingml/2006/main" xmlns:r="http://schemas.openxmlformats.org/officeDocument/2006/relationships" xmlns:p="http://schemas.openxmlformats.org/presentationml/2006/main">
+  <p:cSld>
+    <p:spTree>
+      <p:nvGrpSpPr>
+        <p:cNvPr id="1" name="Shape 945"/>
+        <p:cNvGrpSpPr/>
+        <p:nvPr/>
+      </p:nvGrpSpPr>
+      <p:grpSpPr>
+        <a:xfrm>
+          <a:off x="0" y="0"/>
+          <a:ext cx="0" cy="0"/>
+          <a:chOff x="0" y="0"/>
+          <a:chExt cx="0" cy="0"/>
+        </a:xfrm>
+      </p:grpSpPr>
+      <p:sp>
+        <p:nvSpPr>
+          <p:cNvPr id="7" name="Google Shape;946;p54">
+            <a:extLst>
+              <a:ext uri="{FF2B5EF4-FFF2-40B4-BE49-F238E27FC236}">
+                <a16:creationId xmlns:a16="http://schemas.microsoft.com/office/drawing/2014/main" id="{32FCF576-D072-76B0-16AF-46AF98856AB8}"/>
+              </a:ext>
+            </a:extLst>
+          </p:cNvPr>
+          <p:cNvSpPr/>
+          <p:nvPr/>
+        </p:nvSpPr>
+        <p:spPr>
+          <a:xfrm>
+            <a:off x="2833950" y="369574"/>
+            <a:ext cx="3476099" cy="735963"/>
+          </a:xfrm>
+          <a:prstGeom prst="roundRect">
+            <a:avLst>
+              <a:gd name="adj" fmla="val 6740"/>
+            </a:avLst>
+          </a:prstGeom>
+          <a:solidFill>
+            <a:schemeClr val="lt2"/>
+          </a:solidFill>
+          <a:ln w="28575" cap="flat" cmpd="sng">
+            <a:solidFill>
+              <a:schemeClr val="dk1"/>
+            </a:solidFill>
+            <a:prstDash val="solid"/>
+            <a:round/>
+            <a:headEnd type="none" w="sm" len="sm"/>
+            <a:tailEnd type="none" w="sm" len="sm"/>
+          </a:ln>
+          <a:effectLst>
+            <a:outerShdw dist="85725" dir="3960000" algn="bl" rotWithShape="0">
+              <a:schemeClr val="dk1"/>
+            </a:outerShdw>
+          </a:effectLst>
+        </p:spPr>
+        <p:txBody>
+          <a:bodyPr spcFirstLastPara="1" wrap="square" lIns="91425" tIns="91425" rIns="91425" bIns="91425" anchor="ctr" anchorCtr="0">
+            <a:noAutofit/>
+          </a:bodyPr>
+          <a:lstStyle/>
+          <a:p>
+            <a:pPr marL="0" lvl="0" indent="0" algn="l" rtl="0">
+              <a:spcBef>
+                <a:spcPts val="0"/>
+              </a:spcBef>
+              <a:spcAft>
+                <a:spcPts val="0"/>
+              </a:spcAft>
+              <a:buNone/>
+            </a:pPr>
+            <a:endParaRPr/>
+          </a:p>
+        </p:txBody>
+      </p:sp>
+      <p:sp>
+        <p:nvSpPr>
+          <p:cNvPr id="8" name="Google Shape;948;p54">
+            <a:extLst>
+              <a:ext uri="{FF2B5EF4-FFF2-40B4-BE49-F238E27FC236}">
+                <a16:creationId xmlns:a16="http://schemas.microsoft.com/office/drawing/2014/main" id="{84C74B68-B822-7701-D63F-0AA4D63644E2}"/>
+              </a:ext>
+            </a:extLst>
+          </p:cNvPr>
+          <p:cNvSpPr txBox="1">
+            <a:spLocks/>
+          </p:cNvSpPr>
+          <p:nvPr/>
+        </p:nvSpPr>
+        <p:spPr>
+          <a:xfrm>
+            <a:off x="3042744" y="418539"/>
+            <a:ext cx="3058510" cy="816163"/>
+          </a:xfrm>
+          <a:prstGeom prst="rect">
+            <a:avLst/>
+          </a:prstGeom>
+          <a:noFill/>
+          <a:ln>
+            <a:noFill/>
+          </a:ln>
+        </p:spPr>
+        <p:txBody>
+          <a:bodyPr spcFirstLastPara="1" wrap="square" lIns="91425" tIns="91425" rIns="91425" bIns="91425" anchor="b" anchorCtr="0">
+            <a:noAutofit/>
+          </a:bodyPr>
+          <a:lstStyle>
+            <a:defPPr marR="0" lvl="0" algn="l" rtl="0">
+              <a:lnSpc>
+                <a:spcPct val="100000"/>
+              </a:lnSpc>
+              <a:spcBef>
+                <a:spcPts val="0"/>
+              </a:spcBef>
+              <a:spcAft>
+                <a:spcPts val="0"/>
+              </a:spcAft>
+            </a:defPPr>
+            <a:lvl1pPr marR="0" lvl="0" algn="ctr" rtl="0">
+              <a:lnSpc>
+                <a:spcPct val="100000"/>
+              </a:lnSpc>
+              <a:spcBef>
+                <a:spcPts val="0"/>
+              </a:spcBef>
+              <a:spcAft>
+                <a:spcPts val="0"/>
+              </a:spcAft>
+              <a:buClr>
+                <a:schemeClr val="dk1"/>
+              </a:buClr>
+              <a:buSzPts val="3000"/>
+              <a:buFont typeface="Varela Round"/>
+              <a:buNone/>
+              <a:defRPr sz="3000" b="1" i="0" u="none" strike="noStrike" cap="none">
+                <a:solidFill>
+                  <a:schemeClr val="dk1"/>
+                </a:solidFill>
+                <a:latin typeface="Varela Round"/>
+                <a:ea typeface="Varela Round"/>
+                <a:cs typeface="Varela Round"/>
+                <a:sym typeface="Varela Round"/>
+              </a:defRPr>
+            </a:lvl1pPr>
+            <a:lvl2pPr marR="0" lvl="1" algn="l" rtl="0">
+              <a:lnSpc>
+                <a:spcPct val="100000"/>
+              </a:lnSpc>
+              <a:spcBef>
+                <a:spcPts val="0"/>
+              </a:spcBef>
+              <a:spcAft>
+                <a:spcPts val="0"/>
+              </a:spcAft>
+              <a:buClr>
+                <a:schemeClr val="dk1"/>
+              </a:buClr>
+              <a:buSzPts val="3000"/>
+              <a:buFont typeface="Bebas Neue"/>
+              <a:buNone/>
+              <a:defRPr sz="3000" b="0" i="0" u="none" strike="noStrike" cap="none">
+                <a:solidFill>
+                  <a:schemeClr val="dk1"/>
+                </a:solidFill>
+                <a:latin typeface="Bebas Neue"/>
+                <a:ea typeface="Bebas Neue"/>
+                <a:cs typeface="Bebas Neue"/>
+                <a:sym typeface="Bebas Neue"/>
+              </a:defRPr>
+            </a:lvl2pPr>
+            <a:lvl3pPr marR="0" lvl="2" algn="l" rtl="0">
+              <a:lnSpc>
+                <a:spcPct val="100000"/>
+              </a:lnSpc>
+              <a:spcBef>
+                <a:spcPts val="0"/>
+              </a:spcBef>
+              <a:spcAft>
+                <a:spcPts val="0"/>
+              </a:spcAft>
+              <a:buClr>
+                <a:schemeClr val="dk1"/>
+              </a:buClr>
+              <a:buSzPts val="3000"/>
+              <a:buFont typeface="Bebas Neue"/>
+              <a:buNone/>
+              <a:defRPr sz="3000" b="0" i="0" u="none" strike="noStrike" cap="none">
+                <a:solidFill>
+                  <a:schemeClr val="dk1"/>
+                </a:solidFill>
+                <a:latin typeface="Bebas Neue"/>
+                <a:ea typeface="Bebas Neue"/>
+                <a:cs typeface="Bebas Neue"/>
+                <a:sym typeface="Bebas Neue"/>
+              </a:defRPr>
+            </a:lvl3pPr>
+            <a:lvl4pPr marR="0" lvl="3" algn="l" rtl="0">
+              <a:lnSpc>
+                <a:spcPct val="100000"/>
+              </a:lnSpc>
+              <a:spcBef>
+                <a:spcPts val="0"/>
+              </a:spcBef>
+              <a:spcAft>
+                <a:spcPts val="0"/>
+              </a:spcAft>
+              <a:buClr>
+                <a:schemeClr val="dk1"/>
+              </a:buClr>
+              <a:buSzPts val="3000"/>
+              <a:buFont typeface="Bebas Neue"/>
+              <a:buNone/>
+              <a:defRPr sz="3000" b="0" i="0" u="none" strike="noStrike" cap="none">
+                <a:solidFill>
+                  <a:schemeClr val="dk1"/>
+                </a:solidFill>
+                <a:latin typeface="Bebas Neue"/>
+                <a:ea typeface="Bebas Neue"/>
+                <a:cs typeface="Bebas Neue"/>
+                <a:sym typeface="Bebas Neue"/>
+              </a:defRPr>
+            </a:lvl4pPr>
+            <a:lvl5pPr marR="0" lvl="4" algn="l" rtl="0">
+              <a:lnSpc>
+                <a:spcPct val="100000"/>
+              </a:lnSpc>
+              <a:spcBef>
+                <a:spcPts val="0"/>
+              </a:spcBef>
+              <a:spcAft>
+                <a:spcPts val="0"/>
+              </a:spcAft>
+              <a:buClr>
+                <a:schemeClr val="dk1"/>
+              </a:buClr>
+              <a:buSzPts val="3000"/>
+              <a:buFont typeface="Bebas Neue"/>
+              <a:buNone/>
+              <a:defRPr sz="3000" b="0" i="0" u="none" strike="noStrike" cap="none">
+                <a:solidFill>
+                  <a:schemeClr val="dk1"/>
+                </a:solidFill>
+                <a:latin typeface="Bebas Neue"/>
+                <a:ea typeface="Bebas Neue"/>
+                <a:cs typeface="Bebas Neue"/>
+                <a:sym typeface="Bebas Neue"/>
+              </a:defRPr>
+            </a:lvl5pPr>
+            <a:lvl6pPr marR="0" lvl="5" algn="l" rtl="0">
+              <a:lnSpc>
+                <a:spcPct val="100000"/>
+              </a:lnSpc>
+              <a:spcBef>
+                <a:spcPts val="0"/>
+              </a:spcBef>
+              <a:spcAft>
+                <a:spcPts val="0"/>
+              </a:spcAft>
+              <a:buClr>
+                <a:schemeClr val="dk1"/>
+              </a:buClr>
+              <a:buSzPts val="3000"/>
+              <a:buFont typeface="Bebas Neue"/>
+              <a:buNone/>
+              <a:defRPr sz="3000" b="0" i="0" u="none" strike="noStrike" cap="none">
+                <a:solidFill>
+                  <a:schemeClr val="dk1"/>
+                </a:solidFill>
+                <a:latin typeface="Bebas Neue"/>
+                <a:ea typeface="Bebas Neue"/>
+                <a:cs typeface="Bebas Neue"/>
+                <a:sym typeface="Bebas Neue"/>
+              </a:defRPr>
+            </a:lvl6pPr>
+            <a:lvl7pPr marR="0" lvl="6" algn="l" rtl="0">
+              <a:lnSpc>
+                <a:spcPct val="100000"/>
+              </a:lnSpc>
+              <a:spcBef>
+                <a:spcPts val="0"/>
+              </a:spcBef>
+              <a:spcAft>
+                <a:spcPts val="0"/>
+              </a:spcAft>
+              <a:buClr>
+                <a:schemeClr val="dk1"/>
+              </a:buClr>
+              <a:buSzPts val="3000"/>
+              <a:buFont typeface="Bebas Neue"/>
+              <a:buNone/>
+              <a:defRPr sz="3000" b="0" i="0" u="none" strike="noStrike" cap="none">
+                <a:solidFill>
+                  <a:schemeClr val="dk1"/>
+                </a:solidFill>
+                <a:latin typeface="Bebas Neue"/>
+                <a:ea typeface="Bebas Neue"/>
+                <a:cs typeface="Bebas Neue"/>
+                <a:sym typeface="Bebas Neue"/>
+              </a:defRPr>
+            </a:lvl7pPr>
+            <a:lvl8pPr marR="0" lvl="7" algn="l" rtl="0">
+              <a:lnSpc>
+                <a:spcPct val="100000"/>
+              </a:lnSpc>
+              <a:spcBef>
+                <a:spcPts val="0"/>
+              </a:spcBef>
+              <a:spcAft>
+                <a:spcPts val="0"/>
+              </a:spcAft>
+              <a:buClr>
+                <a:schemeClr val="dk1"/>
+              </a:buClr>
+              <a:buSzPts val="3000"/>
+              <a:buFont typeface="Bebas Neue"/>
+              <a:buNone/>
+              <a:defRPr sz="3000" b="0" i="0" u="none" strike="noStrike" cap="none">
+                <a:solidFill>
+                  <a:schemeClr val="dk1"/>
+                </a:solidFill>
+                <a:latin typeface="Bebas Neue"/>
+                <a:ea typeface="Bebas Neue"/>
+                <a:cs typeface="Bebas Neue"/>
+                <a:sym typeface="Bebas Neue"/>
+              </a:defRPr>
+            </a:lvl8pPr>
+            <a:lvl9pPr marR="0" lvl="8" algn="l" rtl="0">
+              <a:lnSpc>
+                <a:spcPct val="100000"/>
+              </a:lnSpc>
+              <a:spcBef>
+                <a:spcPts val="0"/>
+              </a:spcBef>
+              <a:spcAft>
+                <a:spcPts val="0"/>
+              </a:spcAft>
+              <a:buClr>
+                <a:schemeClr val="dk1"/>
+              </a:buClr>
+              <a:buSzPts val="3000"/>
+              <a:buFont typeface="Bebas Neue"/>
+              <a:buNone/>
+              <a:defRPr sz="3000" b="0" i="0" u="none" strike="noStrike" cap="none">
+                <a:solidFill>
+                  <a:schemeClr val="dk1"/>
+                </a:solidFill>
+                <a:latin typeface="Bebas Neue"/>
+                <a:ea typeface="Bebas Neue"/>
+                <a:cs typeface="Bebas Neue"/>
+                <a:sym typeface="Bebas Neue"/>
+              </a:defRPr>
+            </a:lvl9pPr>
+          </a:lstStyle>
+          <a:p>
+            <a:r>
+              <a:rPr lang="fr-FR" sz="2400" b="1" i="0" dirty="0">
+                <a:effectLst/>
+                <a:latin typeface="Söhne"/>
+              </a:rPr>
+              <a:t>Types de Graphiques Disponibles</a:t>
+            </a:r>
+            <a:endParaRPr lang="fr-FR" sz="2400" dirty="0"/>
+          </a:p>
+        </p:txBody>
+      </p:sp>
+      <p:sp>
+        <p:nvSpPr>
+          <p:cNvPr id="3" name="Google Shape;946;p54">
+            <a:extLst>
+              <a:ext uri="{FF2B5EF4-FFF2-40B4-BE49-F238E27FC236}">
+                <a16:creationId xmlns:a16="http://schemas.microsoft.com/office/drawing/2014/main" id="{63E33E90-6FF6-DC6E-DC6C-6E86948BB43E}"/>
+              </a:ext>
+            </a:extLst>
+          </p:cNvPr>
+          <p:cNvSpPr/>
+          <p:nvPr/>
+        </p:nvSpPr>
+        <p:spPr>
+          <a:xfrm>
+            <a:off x="748084" y="1218786"/>
+            <a:ext cx="1426496" cy="519569"/>
+          </a:xfrm>
+          <a:prstGeom prst="roundRect">
+            <a:avLst>
+              <a:gd name="adj" fmla="val 6740"/>
+            </a:avLst>
+          </a:prstGeom>
+          <a:solidFill>
+            <a:schemeClr val="lt2"/>
+          </a:solidFill>
+          <a:ln w="28575" cap="flat" cmpd="sng">
+            <a:solidFill>
+              <a:schemeClr val="dk1"/>
+            </a:solidFill>
+            <a:prstDash val="solid"/>
+            <a:round/>
+            <a:headEnd type="none" w="sm" len="sm"/>
+            <a:tailEnd type="none" w="sm" len="sm"/>
+          </a:ln>
+          <a:effectLst>
+            <a:outerShdw dist="85725" dir="3960000" algn="bl" rotWithShape="0">
+              <a:schemeClr val="dk1"/>
+            </a:outerShdw>
+          </a:effectLst>
+        </p:spPr>
+        <p:txBody>
+          <a:bodyPr spcFirstLastPara="1" wrap="square" lIns="91425" tIns="91425" rIns="91425" bIns="91425" anchor="ctr" anchorCtr="0">
+            <a:noAutofit/>
+          </a:bodyPr>
+          <a:lstStyle/>
+          <a:p>
+            <a:pPr marL="0" lvl="0" indent="0" algn="l" rtl="0">
+              <a:spcBef>
+                <a:spcPts val="0"/>
+              </a:spcBef>
+              <a:spcAft>
+                <a:spcPts val="0"/>
+              </a:spcAft>
+              <a:buNone/>
+            </a:pPr>
+            <a:endParaRPr/>
+          </a:p>
+        </p:txBody>
+      </p:sp>
+      <p:sp>
+        <p:nvSpPr>
+          <p:cNvPr id="4" name="Google Shape;948;p54">
+            <a:extLst>
+              <a:ext uri="{FF2B5EF4-FFF2-40B4-BE49-F238E27FC236}">
+                <a16:creationId xmlns:a16="http://schemas.microsoft.com/office/drawing/2014/main" id="{D8E2D311-1179-757F-BEAD-9E8B8B5A02A7}"/>
+              </a:ext>
+            </a:extLst>
+          </p:cNvPr>
+          <p:cNvSpPr txBox="1">
+            <a:spLocks/>
+          </p:cNvSpPr>
+          <p:nvPr/>
+        </p:nvSpPr>
+        <p:spPr>
+          <a:xfrm>
+            <a:off x="607091" y="1298753"/>
+            <a:ext cx="1689542" cy="486333"/>
+          </a:xfrm>
+          <a:prstGeom prst="rect">
+            <a:avLst/>
+          </a:prstGeom>
+          <a:noFill/>
+          <a:ln>
+            <a:noFill/>
+          </a:ln>
+        </p:spPr>
+        <p:txBody>
+          <a:bodyPr spcFirstLastPara="1" wrap="square" lIns="91425" tIns="91425" rIns="91425" bIns="91425" anchor="b" anchorCtr="0">
+            <a:noAutofit/>
+          </a:bodyPr>
+          <a:lstStyle>
+            <a:defPPr marR="0" lvl="0" algn="l" rtl="0">
+              <a:lnSpc>
+                <a:spcPct val="100000"/>
+              </a:lnSpc>
+              <a:spcBef>
+                <a:spcPts val="0"/>
+              </a:spcBef>
+              <a:spcAft>
+                <a:spcPts val="0"/>
+              </a:spcAft>
+            </a:defPPr>
+            <a:lvl1pPr marR="0" lvl="0" algn="ctr" rtl="0">
+              <a:lnSpc>
+                <a:spcPct val="100000"/>
+              </a:lnSpc>
+              <a:spcBef>
+                <a:spcPts val="0"/>
+              </a:spcBef>
+              <a:spcAft>
+                <a:spcPts val="0"/>
+              </a:spcAft>
+              <a:buClr>
+                <a:schemeClr val="dk1"/>
+              </a:buClr>
+              <a:buSzPts val="3000"/>
+              <a:buFont typeface="Varela Round"/>
+              <a:buNone/>
+              <a:defRPr sz="3000" b="1" i="0" u="none" strike="noStrike" cap="none">
+                <a:solidFill>
+                  <a:schemeClr val="dk1"/>
+                </a:solidFill>
+                <a:latin typeface="Varela Round"/>
+                <a:ea typeface="Varela Round"/>
+                <a:cs typeface="Varela Round"/>
+                <a:sym typeface="Varela Round"/>
+              </a:defRPr>
+            </a:lvl1pPr>
+            <a:lvl2pPr marR="0" lvl="1" algn="l" rtl="0">
+              <a:lnSpc>
+                <a:spcPct val="100000"/>
+              </a:lnSpc>
+              <a:spcBef>
+                <a:spcPts val="0"/>
+              </a:spcBef>
+              <a:spcAft>
+                <a:spcPts val="0"/>
+              </a:spcAft>
+              <a:buClr>
+                <a:schemeClr val="dk1"/>
+              </a:buClr>
+              <a:buSzPts val="3000"/>
+              <a:buFont typeface="Bebas Neue"/>
+              <a:buNone/>
+              <a:defRPr sz="3000" b="0" i="0" u="none" strike="noStrike" cap="none">
+                <a:solidFill>
+                  <a:schemeClr val="dk1"/>
+                </a:solidFill>
+                <a:latin typeface="Bebas Neue"/>
+                <a:ea typeface="Bebas Neue"/>
+                <a:cs typeface="Bebas Neue"/>
+                <a:sym typeface="Bebas Neue"/>
+              </a:defRPr>
+            </a:lvl2pPr>
+            <a:lvl3pPr marR="0" lvl="2" algn="l" rtl="0">
+              <a:lnSpc>
+                <a:spcPct val="100000"/>
+              </a:lnSpc>
+              <a:spcBef>
+                <a:spcPts val="0"/>
+              </a:spcBef>
+              <a:spcAft>
+                <a:spcPts val="0"/>
+              </a:spcAft>
+              <a:buClr>
+                <a:schemeClr val="dk1"/>
+              </a:buClr>
+              <a:buSzPts val="3000"/>
+              <a:buFont typeface="Bebas Neue"/>
+              <a:buNone/>
+              <a:defRPr sz="3000" b="0" i="0" u="none" strike="noStrike" cap="none">
+                <a:solidFill>
+                  <a:schemeClr val="dk1"/>
+                </a:solidFill>
+                <a:latin typeface="Bebas Neue"/>
+                <a:ea typeface="Bebas Neue"/>
+                <a:cs typeface="Bebas Neue"/>
+                <a:sym typeface="Bebas Neue"/>
+              </a:defRPr>
+            </a:lvl3pPr>
+            <a:lvl4pPr marR="0" lvl="3" algn="l" rtl="0">
+              <a:lnSpc>
+                <a:spcPct val="100000"/>
+              </a:lnSpc>
+              <a:spcBef>
+                <a:spcPts val="0"/>
+              </a:spcBef>
+              <a:spcAft>
+                <a:spcPts val="0"/>
+              </a:spcAft>
+              <a:buClr>
+                <a:schemeClr val="dk1"/>
+              </a:buClr>
+              <a:buSzPts val="3000"/>
+              <a:buFont typeface="Bebas Neue"/>
+              <a:buNone/>
+              <a:defRPr sz="3000" b="0" i="0" u="none" strike="noStrike" cap="none">
+                <a:solidFill>
+                  <a:schemeClr val="dk1"/>
+                </a:solidFill>
+                <a:latin typeface="Bebas Neue"/>
+                <a:ea typeface="Bebas Neue"/>
+                <a:cs typeface="Bebas Neue"/>
+                <a:sym typeface="Bebas Neue"/>
+              </a:defRPr>
+            </a:lvl4pPr>
+            <a:lvl5pPr marR="0" lvl="4" algn="l" rtl="0">
+              <a:lnSpc>
+                <a:spcPct val="100000"/>
+              </a:lnSpc>
+              <a:spcBef>
+                <a:spcPts val="0"/>
+              </a:spcBef>
+              <a:spcAft>
+                <a:spcPts val="0"/>
+              </a:spcAft>
+              <a:buClr>
+                <a:schemeClr val="dk1"/>
+              </a:buClr>
+              <a:buSzPts val="3000"/>
+              <a:buFont typeface="Bebas Neue"/>
+              <a:buNone/>
+              <a:defRPr sz="3000" b="0" i="0" u="none" strike="noStrike" cap="none">
+                <a:solidFill>
+                  <a:schemeClr val="dk1"/>
+                </a:solidFill>
+                <a:latin typeface="Bebas Neue"/>
+                <a:ea typeface="Bebas Neue"/>
+                <a:cs typeface="Bebas Neue"/>
+                <a:sym typeface="Bebas Neue"/>
+              </a:defRPr>
+            </a:lvl5pPr>
+            <a:lvl6pPr marR="0" lvl="5" algn="l" rtl="0">
+              <a:lnSpc>
+                <a:spcPct val="100000"/>
+              </a:lnSpc>
+              <a:spcBef>
+                <a:spcPts val="0"/>
+              </a:spcBef>
+              <a:spcAft>
+                <a:spcPts val="0"/>
+              </a:spcAft>
+              <a:buClr>
+                <a:schemeClr val="dk1"/>
+              </a:buClr>
+              <a:buSzPts val="3000"/>
+              <a:buFont typeface="Bebas Neue"/>
+              <a:buNone/>
+              <a:defRPr sz="3000" b="0" i="0" u="none" strike="noStrike" cap="none">
+                <a:solidFill>
+                  <a:schemeClr val="dk1"/>
+                </a:solidFill>
+                <a:latin typeface="Bebas Neue"/>
+                <a:ea typeface="Bebas Neue"/>
+                <a:cs typeface="Bebas Neue"/>
+                <a:sym typeface="Bebas Neue"/>
+              </a:defRPr>
+            </a:lvl6pPr>
+            <a:lvl7pPr marR="0" lvl="6" algn="l" rtl="0">
+              <a:lnSpc>
+                <a:spcPct val="100000"/>
+              </a:lnSpc>
+              <a:spcBef>
+                <a:spcPts val="0"/>
+              </a:spcBef>
+              <a:spcAft>
+                <a:spcPts val="0"/>
+              </a:spcAft>
+              <a:buClr>
+                <a:schemeClr val="dk1"/>
+              </a:buClr>
+              <a:buSzPts val="3000"/>
+              <a:buFont typeface="Bebas Neue"/>
+              <a:buNone/>
+              <a:defRPr sz="3000" b="0" i="0" u="none" strike="noStrike" cap="none">
+                <a:solidFill>
+                  <a:schemeClr val="dk1"/>
+                </a:solidFill>
+                <a:latin typeface="Bebas Neue"/>
+                <a:ea typeface="Bebas Neue"/>
+                <a:cs typeface="Bebas Neue"/>
+                <a:sym typeface="Bebas Neue"/>
+              </a:defRPr>
+            </a:lvl7pPr>
+            <a:lvl8pPr marR="0" lvl="7" algn="l" rtl="0">
+              <a:lnSpc>
+                <a:spcPct val="100000"/>
+              </a:lnSpc>
+              <a:spcBef>
+                <a:spcPts val="0"/>
+              </a:spcBef>
+              <a:spcAft>
+                <a:spcPts val="0"/>
+              </a:spcAft>
+              <a:buClr>
+                <a:schemeClr val="dk1"/>
+              </a:buClr>
+              <a:buSzPts val="3000"/>
+              <a:buFont typeface="Bebas Neue"/>
+              <a:buNone/>
+              <a:defRPr sz="3000" b="0" i="0" u="none" strike="noStrike" cap="none">
+                <a:solidFill>
+                  <a:schemeClr val="dk1"/>
+                </a:solidFill>
+                <a:latin typeface="Bebas Neue"/>
+                <a:ea typeface="Bebas Neue"/>
+                <a:cs typeface="Bebas Neue"/>
+                <a:sym typeface="Bebas Neue"/>
+              </a:defRPr>
+            </a:lvl8pPr>
+            <a:lvl9pPr marR="0" lvl="8" algn="l" rtl="0">
+              <a:lnSpc>
+                <a:spcPct val="100000"/>
+              </a:lnSpc>
+              <a:spcBef>
+                <a:spcPts val="0"/>
+              </a:spcBef>
+              <a:spcAft>
+                <a:spcPts val="0"/>
+              </a:spcAft>
+              <a:buClr>
+                <a:schemeClr val="dk1"/>
+              </a:buClr>
+              <a:buSzPts val="3000"/>
+              <a:buFont typeface="Bebas Neue"/>
+              <a:buNone/>
+              <a:defRPr sz="3000" b="0" i="0" u="none" strike="noStrike" cap="none">
+                <a:solidFill>
+                  <a:schemeClr val="dk1"/>
+                </a:solidFill>
+                <a:latin typeface="Bebas Neue"/>
+                <a:ea typeface="Bebas Neue"/>
+                <a:cs typeface="Bebas Neue"/>
+                <a:sym typeface="Bebas Neue"/>
+              </a:defRPr>
+            </a:lvl9pPr>
+          </a:lstStyle>
+          <a:p>
+            <a:r>
+              <a:rPr lang="fr-FR" sz="1400" dirty="0"/>
+              <a:t>KDE OU DENSITY</a:t>
+            </a:r>
+          </a:p>
+        </p:txBody>
+      </p:sp>
+      <p:sp>
+        <p:nvSpPr>
+          <p:cNvPr id="2" name="Google Shape;621;p42">
+            <a:extLst>
+              <a:ext uri="{FF2B5EF4-FFF2-40B4-BE49-F238E27FC236}">
+                <a16:creationId xmlns:a16="http://schemas.microsoft.com/office/drawing/2014/main" id="{B25BA44B-7585-E0C5-9332-A2826F7649FF}"/>
+              </a:ext>
+            </a:extLst>
+          </p:cNvPr>
+          <p:cNvSpPr txBox="1"/>
+          <p:nvPr/>
+        </p:nvSpPr>
+        <p:spPr>
+          <a:xfrm>
+            <a:off x="2033587" y="1283667"/>
+            <a:ext cx="5962097" cy="519569"/>
+          </a:xfrm>
+          <a:prstGeom prst="rect">
+            <a:avLst/>
+          </a:prstGeom>
+          <a:noFill/>
+          <a:ln>
+            <a:noFill/>
+          </a:ln>
+        </p:spPr>
+        <p:txBody>
+          <a:bodyPr spcFirstLastPara="1" wrap="square" lIns="91425" tIns="91425" rIns="91425" bIns="91425" anchor="ctr" anchorCtr="0">
+            <a:noAutofit/>
+          </a:bodyPr>
+          <a:lstStyle/>
+          <a:p>
+            <a:pPr marL="285750" lvl="2" indent="-285750">
+              <a:buFont typeface="Arial" panose="020B0604020202020204" pitchFamily="34" charset="0"/>
+              <a:buChar char="•"/>
+            </a:pPr>
+            <a:r>
+              <a:rPr lang="fr-FR" b="1" dirty="0">
+                <a:solidFill>
+                  <a:schemeClr val="dk2"/>
+                </a:solidFill>
+                <a:latin typeface="Lato"/>
+                <a:ea typeface="Lato"/>
+                <a:cs typeface="Lato"/>
+                <a:sym typeface="Lato"/>
+              </a:rPr>
+              <a:t>Produit des graphiques de densité lissés.</a:t>
+            </a:r>
+            <a:endParaRPr lang="en-US" b="1" dirty="0">
+              <a:solidFill>
+                <a:schemeClr val="dk2"/>
+              </a:solidFill>
+              <a:latin typeface="Lato"/>
+              <a:ea typeface="Lato"/>
+              <a:cs typeface="Lato"/>
+              <a:sym typeface="Lato"/>
+            </a:endParaRPr>
+          </a:p>
+        </p:txBody>
+      </p:sp>
+      <p:pic>
+        <p:nvPicPr>
+          <p:cNvPr id="6" name="Image 5">
+            <a:extLst>
+              <a:ext uri="{FF2B5EF4-FFF2-40B4-BE49-F238E27FC236}">
+                <a16:creationId xmlns:a16="http://schemas.microsoft.com/office/drawing/2014/main" id="{90CC19B3-9AB2-8E14-E357-CF7692270D7D}"/>
+              </a:ext>
+            </a:extLst>
+          </p:cNvPr>
+          <p:cNvPicPr>
+            <a:picLocks noChangeAspect="1"/>
+          </p:cNvPicPr>
+          <p:nvPr/>
+        </p:nvPicPr>
+        <p:blipFill>
+          <a:blip r:embed="rId3"/>
+          <a:stretch>
+            <a:fillRect/>
+          </a:stretch>
+        </p:blipFill>
+        <p:spPr>
+          <a:xfrm>
+            <a:off x="2721936" y="1809920"/>
+            <a:ext cx="3965944" cy="2974458"/>
+          </a:xfrm>
+          <a:prstGeom prst="rect">
+            <a:avLst/>
+          </a:prstGeom>
+        </p:spPr>
+      </p:pic>
+    </p:spTree>
+    <p:extLst>
+      <p:ext uri="{BB962C8B-B14F-4D97-AF65-F5344CB8AC3E}">
+        <p14:creationId xmlns:p14="http://schemas.microsoft.com/office/powerpoint/2010/main" val="3249097663"/>
+      </p:ext>
+    </p:extLst>
+  </p:cSld>
+  <p:clrMapOvr>
+    <a:masterClrMapping/>
+  </p:clrMapOvr>
+</p:sld>
+</file>
+
+<file path=ppt/slides/slide46.xml><?xml version="1.0" encoding="utf-8"?>
+<p:sld xmlns:a="http://schemas.openxmlformats.org/drawingml/2006/main" xmlns:r="http://schemas.openxmlformats.org/officeDocument/2006/relationships" xmlns:p="http://schemas.openxmlformats.org/presentationml/2006/main">
+  <p:cSld>
+    <p:spTree>
+      <p:nvGrpSpPr>
+        <p:cNvPr id="1" name="Shape 945"/>
+        <p:cNvGrpSpPr/>
+        <p:nvPr/>
+      </p:nvGrpSpPr>
+      <p:grpSpPr>
+        <a:xfrm>
+          <a:off x="0" y="0"/>
+          <a:ext cx="0" cy="0"/>
+          <a:chOff x="0" y="0"/>
+          <a:chExt cx="0" cy="0"/>
+        </a:xfrm>
+      </p:grpSpPr>
+      <p:sp>
+        <p:nvSpPr>
+          <p:cNvPr id="7" name="Google Shape;946;p54">
+            <a:extLst>
+              <a:ext uri="{FF2B5EF4-FFF2-40B4-BE49-F238E27FC236}">
+                <a16:creationId xmlns:a16="http://schemas.microsoft.com/office/drawing/2014/main" id="{32FCF576-D072-76B0-16AF-46AF98856AB8}"/>
+              </a:ext>
+            </a:extLst>
+          </p:cNvPr>
+          <p:cNvSpPr/>
+          <p:nvPr/>
+        </p:nvSpPr>
+        <p:spPr>
+          <a:xfrm>
+            <a:off x="2833950" y="369574"/>
+            <a:ext cx="3476099" cy="735963"/>
+          </a:xfrm>
+          <a:prstGeom prst="roundRect">
+            <a:avLst>
+              <a:gd name="adj" fmla="val 6740"/>
+            </a:avLst>
+          </a:prstGeom>
+          <a:solidFill>
+            <a:schemeClr val="lt2"/>
+          </a:solidFill>
+          <a:ln w="28575" cap="flat" cmpd="sng">
+            <a:solidFill>
+              <a:schemeClr val="dk1"/>
+            </a:solidFill>
+            <a:prstDash val="solid"/>
+            <a:round/>
+            <a:headEnd type="none" w="sm" len="sm"/>
+            <a:tailEnd type="none" w="sm" len="sm"/>
+          </a:ln>
+          <a:effectLst>
+            <a:outerShdw dist="85725" dir="3960000" algn="bl" rotWithShape="0">
+              <a:schemeClr val="dk1"/>
+            </a:outerShdw>
+          </a:effectLst>
+        </p:spPr>
+        <p:txBody>
+          <a:bodyPr spcFirstLastPara="1" wrap="square" lIns="91425" tIns="91425" rIns="91425" bIns="91425" anchor="ctr" anchorCtr="0">
+            <a:noAutofit/>
+          </a:bodyPr>
+          <a:lstStyle/>
+          <a:p>
+            <a:pPr marL="0" lvl="0" indent="0" algn="l" rtl="0">
+              <a:spcBef>
+                <a:spcPts val="0"/>
+              </a:spcBef>
+              <a:spcAft>
+                <a:spcPts val="0"/>
+              </a:spcAft>
+              <a:buNone/>
+            </a:pPr>
+            <a:endParaRPr/>
+          </a:p>
+        </p:txBody>
+      </p:sp>
+      <p:sp>
+        <p:nvSpPr>
+          <p:cNvPr id="8" name="Google Shape;948;p54">
+            <a:extLst>
+              <a:ext uri="{FF2B5EF4-FFF2-40B4-BE49-F238E27FC236}">
+                <a16:creationId xmlns:a16="http://schemas.microsoft.com/office/drawing/2014/main" id="{84C74B68-B822-7701-D63F-0AA4D63644E2}"/>
+              </a:ext>
+            </a:extLst>
+          </p:cNvPr>
+          <p:cNvSpPr txBox="1">
+            <a:spLocks/>
+          </p:cNvSpPr>
+          <p:nvPr/>
+        </p:nvSpPr>
+        <p:spPr>
+          <a:xfrm>
+            <a:off x="3042744" y="418539"/>
+            <a:ext cx="3058510" cy="816163"/>
+          </a:xfrm>
+          <a:prstGeom prst="rect">
+            <a:avLst/>
+          </a:prstGeom>
+          <a:noFill/>
+          <a:ln>
+            <a:noFill/>
+          </a:ln>
+        </p:spPr>
+        <p:txBody>
+          <a:bodyPr spcFirstLastPara="1" wrap="square" lIns="91425" tIns="91425" rIns="91425" bIns="91425" anchor="b" anchorCtr="0">
+            <a:noAutofit/>
+          </a:bodyPr>
+          <a:lstStyle>
+            <a:defPPr marR="0" lvl="0" algn="l" rtl="0">
+              <a:lnSpc>
+                <a:spcPct val="100000"/>
+              </a:lnSpc>
+              <a:spcBef>
+                <a:spcPts val="0"/>
+              </a:spcBef>
+              <a:spcAft>
+                <a:spcPts val="0"/>
+              </a:spcAft>
+            </a:defPPr>
+            <a:lvl1pPr marR="0" lvl="0" algn="ctr" rtl="0">
+              <a:lnSpc>
+                <a:spcPct val="100000"/>
+              </a:lnSpc>
+              <a:spcBef>
+                <a:spcPts val="0"/>
+              </a:spcBef>
+              <a:spcAft>
+                <a:spcPts val="0"/>
+              </a:spcAft>
+              <a:buClr>
+                <a:schemeClr val="dk1"/>
+              </a:buClr>
+              <a:buSzPts val="3000"/>
+              <a:buFont typeface="Varela Round"/>
+              <a:buNone/>
+              <a:defRPr sz="3000" b="1" i="0" u="none" strike="noStrike" cap="none">
+                <a:solidFill>
+                  <a:schemeClr val="dk1"/>
+                </a:solidFill>
+                <a:latin typeface="Varela Round"/>
+                <a:ea typeface="Varela Round"/>
+                <a:cs typeface="Varela Round"/>
+                <a:sym typeface="Varela Round"/>
+              </a:defRPr>
+            </a:lvl1pPr>
+            <a:lvl2pPr marR="0" lvl="1" algn="l" rtl="0">
+              <a:lnSpc>
+                <a:spcPct val="100000"/>
+              </a:lnSpc>
+              <a:spcBef>
+                <a:spcPts val="0"/>
+              </a:spcBef>
+              <a:spcAft>
+                <a:spcPts val="0"/>
+              </a:spcAft>
+              <a:buClr>
+                <a:schemeClr val="dk1"/>
+              </a:buClr>
+              <a:buSzPts val="3000"/>
+              <a:buFont typeface="Bebas Neue"/>
+              <a:buNone/>
+              <a:defRPr sz="3000" b="0" i="0" u="none" strike="noStrike" cap="none">
+                <a:solidFill>
+                  <a:schemeClr val="dk1"/>
+                </a:solidFill>
+                <a:latin typeface="Bebas Neue"/>
+                <a:ea typeface="Bebas Neue"/>
+                <a:cs typeface="Bebas Neue"/>
+                <a:sym typeface="Bebas Neue"/>
+              </a:defRPr>
+            </a:lvl2pPr>
+            <a:lvl3pPr marR="0" lvl="2" algn="l" rtl="0">
+              <a:lnSpc>
+                <a:spcPct val="100000"/>
+              </a:lnSpc>
+              <a:spcBef>
+                <a:spcPts val="0"/>
+              </a:spcBef>
+              <a:spcAft>
+                <a:spcPts val="0"/>
+              </a:spcAft>
+              <a:buClr>
+                <a:schemeClr val="dk1"/>
+              </a:buClr>
+              <a:buSzPts val="3000"/>
+              <a:buFont typeface="Bebas Neue"/>
+              <a:buNone/>
+              <a:defRPr sz="3000" b="0" i="0" u="none" strike="noStrike" cap="none">
+                <a:solidFill>
+                  <a:schemeClr val="dk1"/>
+                </a:solidFill>
+                <a:latin typeface="Bebas Neue"/>
+                <a:ea typeface="Bebas Neue"/>
+                <a:cs typeface="Bebas Neue"/>
+                <a:sym typeface="Bebas Neue"/>
+              </a:defRPr>
+            </a:lvl3pPr>
+            <a:lvl4pPr marR="0" lvl="3" algn="l" rtl="0">
+              <a:lnSpc>
+                <a:spcPct val="100000"/>
+              </a:lnSpc>
+              <a:spcBef>
+                <a:spcPts val="0"/>
+              </a:spcBef>
+              <a:spcAft>
+                <a:spcPts val="0"/>
+              </a:spcAft>
+              <a:buClr>
+                <a:schemeClr val="dk1"/>
+              </a:buClr>
+              <a:buSzPts val="3000"/>
+              <a:buFont typeface="Bebas Neue"/>
+              <a:buNone/>
+              <a:defRPr sz="3000" b="0" i="0" u="none" strike="noStrike" cap="none">
+                <a:solidFill>
+                  <a:schemeClr val="dk1"/>
+                </a:solidFill>
+                <a:latin typeface="Bebas Neue"/>
+                <a:ea typeface="Bebas Neue"/>
+                <a:cs typeface="Bebas Neue"/>
+                <a:sym typeface="Bebas Neue"/>
+              </a:defRPr>
+            </a:lvl4pPr>
+            <a:lvl5pPr marR="0" lvl="4" algn="l" rtl="0">
+              <a:lnSpc>
+                <a:spcPct val="100000"/>
+              </a:lnSpc>
+              <a:spcBef>
+                <a:spcPts val="0"/>
+              </a:spcBef>
+              <a:spcAft>
+                <a:spcPts val="0"/>
+              </a:spcAft>
+              <a:buClr>
+                <a:schemeClr val="dk1"/>
+              </a:buClr>
+              <a:buSzPts val="3000"/>
+              <a:buFont typeface="Bebas Neue"/>
+              <a:buNone/>
+              <a:defRPr sz="3000" b="0" i="0" u="none" strike="noStrike" cap="none">
+                <a:solidFill>
+                  <a:schemeClr val="dk1"/>
+                </a:solidFill>
+                <a:latin typeface="Bebas Neue"/>
+                <a:ea typeface="Bebas Neue"/>
+                <a:cs typeface="Bebas Neue"/>
+                <a:sym typeface="Bebas Neue"/>
+              </a:defRPr>
+            </a:lvl5pPr>
+            <a:lvl6pPr marR="0" lvl="5" algn="l" rtl="0">
+              <a:lnSpc>
+                <a:spcPct val="100000"/>
+              </a:lnSpc>
+              <a:spcBef>
+                <a:spcPts val="0"/>
+              </a:spcBef>
+              <a:spcAft>
+                <a:spcPts val="0"/>
+              </a:spcAft>
+              <a:buClr>
+                <a:schemeClr val="dk1"/>
+              </a:buClr>
+              <a:buSzPts val="3000"/>
+              <a:buFont typeface="Bebas Neue"/>
+              <a:buNone/>
+              <a:defRPr sz="3000" b="0" i="0" u="none" strike="noStrike" cap="none">
+                <a:solidFill>
+                  <a:schemeClr val="dk1"/>
+                </a:solidFill>
+                <a:latin typeface="Bebas Neue"/>
+                <a:ea typeface="Bebas Neue"/>
+                <a:cs typeface="Bebas Neue"/>
+                <a:sym typeface="Bebas Neue"/>
+              </a:defRPr>
+            </a:lvl6pPr>
+            <a:lvl7pPr marR="0" lvl="6" algn="l" rtl="0">
+              <a:lnSpc>
+                <a:spcPct val="100000"/>
+              </a:lnSpc>
+              <a:spcBef>
+                <a:spcPts val="0"/>
+              </a:spcBef>
+              <a:spcAft>
+                <a:spcPts val="0"/>
+              </a:spcAft>
+              <a:buClr>
+                <a:schemeClr val="dk1"/>
+              </a:buClr>
+              <a:buSzPts val="3000"/>
+              <a:buFont typeface="Bebas Neue"/>
+              <a:buNone/>
+              <a:defRPr sz="3000" b="0" i="0" u="none" strike="noStrike" cap="none">
+                <a:solidFill>
+                  <a:schemeClr val="dk1"/>
+                </a:solidFill>
+                <a:latin typeface="Bebas Neue"/>
+                <a:ea typeface="Bebas Neue"/>
+                <a:cs typeface="Bebas Neue"/>
+                <a:sym typeface="Bebas Neue"/>
+              </a:defRPr>
+            </a:lvl7pPr>
+            <a:lvl8pPr marR="0" lvl="7" algn="l" rtl="0">
+              <a:lnSpc>
+                <a:spcPct val="100000"/>
+              </a:lnSpc>
+              <a:spcBef>
+                <a:spcPts val="0"/>
+              </a:spcBef>
+              <a:spcAft>
+                <a:spcPts val="0"/>
+              </a:spcAft>
+              <a:buClr>
+                <a:schemeClr val="dk1"/>
+              </a:buClr>
+              <a:buSzPts val="3000"/>
+              <a:buFont typeface="Bebas Neue"/>
+              <a:buNone/>
+              <a:defRPr sz="3000" b="0" i="0" u="none" strike="noStrike" cap="none">
+                <a:solidFill>
+                  <a:schemeClr val="dk1"/>
+                </a:solidFill>
+                <a:latin typeface="Bebas Neue"/>
+                <a:ea typeface="Bebas Neue"/>
+                <a:cs typeface="Bebas Neue"/>
+                <a:sym typeface="Bebas Neue"/>
+              </a:defRPr>
+            </a:lvl8pPr>
+            <a:lvl9pPr marR="0" lvl="8" algn="l" rtl="0">
+              <a:lnSpc>
+                <a:spcPct val="100000"/>
+              </a:lnSpc>
+              <a:spcBef>
+                <a:spcPts val="0"/>
+              </a:spcBef>
+              <a:spcAft>
+                <a:spcPts val="0"/>
+              </a:spcAft>
+              <a:buClr>
+                <a:schemeClr val="dk1"/>
+              </a:buClr>
+              <a:buSzPts val="3000"/>
+              <a:buFont typeface="Bebas Neue"/>
+              <a:buNone/>
+              <a:defRPr sz="3000" b="0" i="0" u="none" strike="noStrike" cap="none">
+                <a:solidFill>
+                  <a:schemeClr val="dk1"/>
+                </a:solidFill>
+                <a:latin typeface="Bebas Neue"/>
+                <a:ea typeface="Bebas Neue"/>
+                <a:cs typeface="Bebas Neue"/>
+                <a:sym typeface="Bebas Neue"/>
+              </a:defRPr>
+            </a:lvl9pPr>
+          </a:lstStyle>
+          <a:p>
+            <a:r>
+              <a:rPr lang="fr-FR" sz="2400" b="1" i="0" dirty="0">
+                <a:effectLst/>
+                <a:latin typeface="Söhne"/>
+              </a:rPr>
+              <a:t>Types de Graphiques Disponibles</a:t>
+            </a:r>
+            <a:endParaRPr lang="fr-FR" sz="2400" dirty="0"/>
+          </a:p>
+        </p:txBody>
+      </p:sp>
+      <p:sp>
+        <p:nvSpPr>
+          <p:cNvPr id="3" name="Google Shape;946;p54">
+            <a:extLst>
+              <a:ext uri="{FF2B5EF4-FFF2-40B4-BE49-F238E27FC236}">
+                <a16:creationId xmlns:a16="http://schemas.microsoft.com/office/drawing/2014/main" id="{63E33E90-6FF6-DC6E-DC6C-6E86948BB43E}"/>
+              </a:ext>
+            </a:extLst>
+          </p:cNvPr>
+          <p:cNvSpPr/>
+          <p:nvPr/>
+        </p:nvSpPr>
+        <p:spPr>
+          <a:xfrm>
+            <a:off x="748084" y="1318437"/>
+            <a:ext cx="921228" cy="419918"/>
+          </a:xfrm>
+          <a:prstGeom prst="roundRect">
+            <a:avLst>
+              <a:gd name="adj" fmla="val 6740"/>
+            </a:avLst>
+          </a:prstGeom>
+          <a:solidFill>
+            <a:schemeClr val="lt2"/>
+          </a:solidFill>
+          <a:ln w="28575" cap="flat" cmpd="sng">
+            <a:solidFill>
+              <a:schemeClr val="dk1"/>
+            </a:solidFill>
+            <a:prstDash val="solid"/>
+            <a:round/>
+            <a:headEnd type="none" w="sm" len="sm"/>
+            <a:tailEnd type="none" w="sm" len="sm"/>
+          </a:ln>
+          <a:effectLst>
+            <a:outerShdw dist="85725" dir="3960000" algn="bl" rotWithShape="0">
+              <a:schemeClr val="dk1"/>
+            </a:outerShdw>
+          </a:effectLst>
+        </p:spPr>
+        <p:txBody>
+          <a:bodyPr spcFirstLastPara="1" wrap="square" lIns="91425" tIns="91425" rIns="91425" bIns="91425" anchor="ctr" anchorCtr="0">
+            <a:noAutofit/>
+          </a:bodyPr>
+          <a:lstStyle/>
+          <a:p>
+            <a:pPr marL="0" lvl="0" indent="0" algn="l" rtl="0">
+              <a:spcBef>
+                <a:spcPts val="0"/>
+              </a:spcBef>
+              <a:spcAft>
+                <a:spcPts val="0"/>
+              </a:spcAft>
+              <a:buNone/>
+            </a:pPr>
+            <a:endParaRPr/>
+          </a:p>
+        </p:txBody>
+      </p:sp>
+      <p:sp>
+        <p:nvSpPr>
+          <p:cNvPr id="4" name="Google Shape;948;p54">
+            <a:extLst>
+              <a:ext uri="{FF2B5EF4-FFF2-40B4-BE49-F238E27FC236}">
+                <a16:creationId xmlns:a16="http://schemas.microsoft.com/office/drawing/2014/main" id="{D8E2D311-1179-757F-BEAD-9E8B8B5A02A7}"/>
+              </a:ext>
+            </a:extLst>
+          </p:cNvPr>
+          <p:cNvSpPr txBox="1">
+            <a:spLocks/>
+          </p:cNvSpPr>
+          <p:nvPr/>
+        </p:nvSpPr>
+        <p:spPr>
+          <a:xfrm>
+            <a:off x="607091" y="1298753"/>
+            <a:ext cx="1211076" cy="486333"/>
+          </a:xfrm>
+          <a:prstGeom prst="rect">
+            <a:avLst/>
+          </a:prstGeom>
+          <a:noFill/>
+          <a:ln>
+            <a:noFill/>
+          </a:ln>
+        </p:spPr>
+        <p:txBody>
+          <a:bodyPr spcFirstLastPara="1" wrap="square" lIns="91425" tIns="91425" rIns="91425" bIns="91425" anchor="b" anchorCtr="0">
+            <a:noAutofit/>
+          </a:bodyPr>
+          <a:lstStyle>
+            <a:defPPr marR="0" lvl="0" algn="l" rtl="0">
+              <a:lnSpc>
+                <a:spcPct val="100000"/>
+              </a:lnSpc>
+              <a:spcBef>
+                <a:spcPts val="0"/>
+              </a:spcBef>
+              <a:spcAft>
+                <a:spcPts val="0"/>
+              </a:spcAft>
+            </a:defPPr>
+            <a:lvl1pPr marR="0" lvl="0" algn="ctr" rtl="0">
+              <a:lnSpc>
+                <a:spcPct val="100000"/>
+              </a:lnSpc>
+              <a:spcBef>
+                <a:spcPts val="0"/>
+              </a:spcBef>
+              <a:spcAft>
+                <a:spcPts val="0"/>
+              </a:spcAft>
+              <a:buClr>
+                <a:schemeClr val="dk1"/>
+              </a:buClr>
+              <a:buSzPts val="3000"/>
+              <a:buFont typeface="Varela Round"/>
+              <a:buNone/>
+              <a:defRPr sz="3000" b="1" i="0" u="none" strike="noStrike" cap="none">
+                <a:solidFill>
+                  <a:schemeClr val="dk1"/>
+                </a:solidFill>
+                <a:latin typeface="Varela Round"/>
+                <a:ea typeface="Varela Round"/>
+                <a:cs typeface="Varela Round"/>
+                <a:sym typeface="Varela Round"/>
+              </a:defRPr>
+            </a:lvl1pPr>
+            <a:lvl2pPr marR="0" lvl="1" algn="l" rtl="0">
+              <a:lnSpc>
+                <a:spcPct val="100000"/>
+              </a:lnSpc>
+              <a:spcBef>
+                <a:spcPts val="0"/>
+              </a:spcBef>
+              <a:spcAft>
+                <a:spcPts val="0"/>
+              </a:spcAft>
+              <a:buClr>
+                <a:schemeClr val="dk1"/>
+              </a:buClr>
+              <a:buSzPts val="3000"/>
+              <a:buFont typeface="Bebas Neue"/>
+              <a:buNone/>
+              <a:defRPr sz="3000" b="0" i="0" u="none" strike="noStrike" cap="none">
+                <a:solidFill>
+                  <a:schemeClr val="dk1"/>
+                </a:solidFill>
+                <a:latin typeface="Bebas Neue"/>
+                <a:ea typeface="Bebas Neue"/>
+                <a:cs typeface="Bebas Neue"/>
+                <a:sym typeface="Bebas Neue"/>
+              </a:defRPr>
+            </a:lvl2pPr>
+            <a:lvl3pPr marR="0" lvl="2" algn="l" rtl="0">
+              <a:lnSpc>
+                <a:spcPct val="100000"/>
+              </a:lnSpc>
+              <a:spcBef>
+                <a:spcPts val="0"/>
+              </a:spcBef>
+              <a:spcAft>
+                <a:spcPts val="0"/>
+              </a:spcAft>
+              <a:buClr>
+                <a:schemeClr val="dk1"/>
+              </a:buClr>
+              <a:buSzPts val="3000"/>
+              <a:buFont typeface="Bebas Neue"/>
+              <a:buNone/>
+              <a:defRPr sz="3000" b="0" i="0" u="none" strike="noStrike" cap="none">
+                <a:solidFill>
+                  <a:schemeClr val="dk1"/>
+                </a:solidFill>
+                <a:latin typeface="Bebas Neue"/>
+                <a:ea typeface="Bebas Neue"/>
+                <a:cs typeface="Bebas Neue"/>
+                <a:sym typeface="Bebas Neue"/>
+              </a:defRPr>
+            </a:lvl3pPr>
+            <a:lvl4pPr marR="0" lvl="3" algn="l" rtl="0">
+              <a:lnSpc>
+                <a:spcPct val="100000"/>
+              </a:lnSpc>
+              <a:spcBef>
+                <a:spcPts val="0"/>
+              </a:spcBef>
+              <a:spcAft>
+                <a:spcPts val="0"/>
+              </a:spcAft>
+              <a:buClr>
+                <a:schemeClr val="dk1"/>
+              </a:buClr>
+              <a:buSzPts val="3000"/>
+              <a:buFont typeface="Bebas Neue"/>
+              <a:buNone/>
+              <a:defRPr sz="3000" b="0" i="0" u="none" strike="noStrike" cap="none">
+                <a:solidFill>
+                  <a:schemeClr val="dk1"/>
+                </a:solidFill>
+                <a:latin typeface="Bebas Neue"/>
+                <a:ea typeface="Bebas Neue"/>
+                <a:cs typeface="Bebas Neue"/>
+                <a:sym typeface="Bebas Neue"/>
+              </a:defRPr>
+            </a:lvl4pPr>
+            <a:lvl5pPr marR="0" lvl="4" algn="l" rtl="0">
+              <a:lnSpc>
+                <a:spcPct val="100000"/>
+              </a:lnSpc>
+              <a:spcBef>
+                <a:spcPts val="0"/>
+              </a:spcBef>
+              <a:spcAft>
+                <a:spcPts val="0"/>
+              </a:spcAft>
+              <a:buClr>
+                <a:schemeClr val="dk1"/>
+              </a:buClr>
+              <a:buSzPts val="3000"/>
+              <a:buFont typeface="Bebas Neue"/>
+              <a:buNone/>
+              <a:defRPr sz="3000" b="0" i="0" u="none" strike="noStrike" cap="none">
+                <a:solidFill>
+                  <a:schemeClr val="dk1"/>
+                </a:solidFill>
+                <a:latin typeface="Bebas Neue"/>
+                <a:ea typeface="Bebas Neue"/>
+                <a:cs typeface="Bebas Neue"/>
+                <a:sym typeface="Bebas Neue"/>
+              </a:defRPr>
+            </a:lvl5pPr>
+            <a:lvl6pPr marR="0" lvl="5" algn="l" rtl="0">
+              <a:lnSpc>
+                <a:spcPct val="100000"/>
+              </a:lnSpc>
+              <a:spcBef>
+                <a:spcPts val="0"/>
+              </a:spcBef>
+              <a:spcAft>
+                <a:spcPts val="0"/>
+              </a:spcAft>
+              <a:buClr>
+                <a:schemeClr val="dk1"/>
+              </a:buClr>
+              <a:buSzPts val="3000"/>
+              <a:buFont typeface="Bebas Neue"/>
+              <a:buNone/>
+              <a:defRPr sz="3000" b="0" i="0" u="none" strike="noStrike" cap="none">
+                <a:solidFill>
+                  <a:schemeClr val="dk1"/>
+                </a:solidFill>
+                <a:latin typeface="Bebas Neue"/>
+                <a:ea typeface="Bebas Neue"/>
+                <a:cs typeface="Bebas Neue"/>
+                <a:sym typeface="Bebas Neue"/>
+              </a:defRPr>
+            </a:lvl6pPr>
+            <a:lvl7pPr marR="0" lvl="6" algn="l" rtl="0">
+              <a:lnSpc>
+                <a:spcPct val="100000"/>
+              </a:lnSpc>
+              <a:spcBef>
+                <a:spcPts val="0"/>
+              </a:spcBef>
+              <a:spcAft>
+                <a:spcPts val="0"/>
+              </a:spcAft>
+              <a:buClr>
+                <a:schemeClr val="dk1"/>
+              </a:buClr>
+              <a:buSzPts val="3000"/>
+              <a:buFont typeface="Bebas Neue"/>
+              <a:buNone/>
+              <a:defRPr sz="3000" b="0" i="0" u="none" strike="noStrike" cap="none">
+                <a:solidFill>
+                  <a:schemeClr val="dk1"/>
+                </a:solidFill>
+                <a:latin typeface="Bebas Neue"/>
+                <a:ea typeface="Bebas Neue"/>
+                <a:cs typeface="Bebas Neue"/>
+                <a:sym typeface="Bebas Neue"/>
+              </a:defRPr>
+            </a:lvl7pPr>
+            <a:lvl8pPr marR="0" lvl="7" algn="l" rtl="0">
+              <a:lnSpc>
+                <a:spcPct val="100000"/>
+              </a:lnSpc>
+              <a:spcBef>
+                <a:spcPts val="0"/>
+              </a:spcBef>
+              <a:spcAft>
+                <a:spcPts val="0"/>
+              </a:spcAft>
+              <a:buClr>
+                <a:schemeClr val="dk1"/>
+              </a:buClr>
+              <a:buSzPts val="3000"/>
+              <a:buFont typeface="Bebas Neue"/>
+              <a:buNone/>
+              <a:defRPr sz="3000" b="0" i="0" u="none" strike="noStrike" cap="none">
+                <a:solidFill>
+                  <a:schemeClr val="dk1"/>
+                </a:solidFill>
+                <a:latin typeface="Bebas Neue"/>
+                <a:ea typeface="Bebas Neue"/>
+                <a:cs typeface="Bebas Neue"/>
+                <a:sym typeface="Bebas Neue"/>
+              </a:defRPr>
+            </a:lvl8pPr>
+            <a:lvl9pPr marR="0" lvl="8" algn="l" rtl="0">
+              <a:lnSpc>
+                <a:spcPct val="100000"/>
+              </a:lnSpc>
+              <a:spcBef>
+                <a:spcPts val="0"/>
+              </a:spcBef>
+              <a:spcAft>
+                <a:spcPts val="0"/>
+              </a:spcAft>
+              <a:buClr>
+                <a:schemeClr val="dk1"/>
+              </a:buClr>
+              <a:buSzPts val="3000"/>
+              <a:buFont typeface="Bebas Neue"/>
+              <a:buNone/>
+              <a:defRPr sz="3000" b="0" i="0" u="none" strike="noStrike" cap="none">
+                <a:solidFill>
+                  <a:schemeClr val="dk1"/>
+                </a:solidFill>
+                <a:latin typeface="Bebas Neue"/>
+                <a:ea typeface="Bebas Neue"/>
+                <a:cs typeface="Bebas Neue"/>
+                <a:sym typeface="Bebas Neue"/>
+              </a:defRPr>
+            </a:lvl9pPr>
+          </a:lstStyle>
+          <a:p>
+            <a:r>
+              <a:rPr lang="fr-FR" sz="1400" dirty="0"/>
+              <a:t>AREA</a:t>
+            </a:r>
+          </a:p>
+        </p:txBody>
+      </p:sp>
+      <p:sp>
+        <p:nvSpPr>
+          <p:cNvPr id="2" name="Google Shape;621;p42">
+            <a:extLst>
+              <a:ext uri="{FF2B5EF4-FFF2-40B4-BE49-F238E27FC236}">
+                <a16:creationId xmlns:a16="http://schemas.microsoft.com/office/drawing/2014/main" id="{B25BA44B-7585-E0C5-9332-A2826F7649FF}"/>
+              </a:ext>
+            </a:extLst>
+          </p:cNvPr>
+          <p:cNvSpPr txBox="1"/>
+          <p:nvPr/>
+        </p:nvSpPr>
+        <p:spPr>
+          <a:xfrm>
+            <a:off x="1669313" y="1283667"/>
+            <a:ext cx="6326372" cy="519569"/>
+          </a:xfrm>
+          <a:prstGeom prst="rect">
+            <a:avLst/>
+          </a:prstGeom>
+          <a:noFill/>
+          <a:ln>
+            <a:noFill/>
+          </a:ln>
+        </p:spPr>
+        <p:txBody>
+          <a:bodyPr spcFirstLastPara="1" wrap="square" lIns="91425" tIns="91425" rIns="91425" bIns="91425" anchor="ctr" anchorCtr="0">
+            <a:noAutofit/>
+          </a:bodyPr>
+          <a:lstStyle/>
+          <a:p>
+            <a:pPr marL="285750" lvl="2" indent="-285750">
+              <a:buFont typeface="Arial" panose="020B0604020202020204" pitchFamily="34" charset="0"/>
+              <a:buChar char="•"/>
+            </a:pPr>
+            <a:r>
+              <a:rPr lang="fr-FR" b="1" dirty="0">
+                <a:solidFill>
+                  <a:schemeClr val="dk2"/>
+                </a:solidFill>
+                <a:latin typeface="Lato"/>
+                <a:ea typeface="Lato"/>
+                <a:cs typeface="Lato"/>
+                <a:sym typeface="Lato"/>
+              </a:rPr>
+              <a:t>Utile pour observer l'évolution cumulée dans le temps.</a:t>
+            </a:r>
+            <a:endParaRPr lang="en-US" b="1" dirty="0">
+              <a:solidFill>
+                <a:schemeClr val="dk2"/>
+              </a:solidFill>
+              <a:latin typeface="Lato"/>
+              <a:ea typeface="Lato"/>
+              <a:cs typeface="Lato"/>
+              <a:sym typeface="Lato"/>
+            </a:endParaRPr>
+          </a:p>
+        </p:txBody>
+      </p:sp>
+      <p:pic>
+        <p:nvPicPr>
+          <p:cNvPr id="5" name="Image 4">
+            <a:extLst>
+              <a:ext uri="{FF2B5EF4-FFF2-40B4-BE49-F238E27FC236}">
+                <a16:creationId xmlns:a16="http://schemas.microsoft.com/office/drawing/2014/main" id="{11F6DD4A-6EF8-6087-5B86-7CD360696F45}"/>
+              </a:ext>
+            </a:extLst>
+          </p:cNvPr>
+          <p:cNvPicPr>
+            <a:picLocks noChangeAspect="1"/>
+          </p:cNvPicPr>
+          <p:nvPr/>
+        </p:nvPicPr>
+        <p:blipFill>
+          <a:blip r:embed="rId3"/>
+          <a:stretch>
+            <a:fillRect/>
+          </a:stretch>
+        </p:blipFill>
+        <p:spPr>
+          <a:xfrm>
+            <a:off x="2658138" y="1854170"/>
+            <a:ext cx="3827721" cy="2870791"/>
+          </a:xfrm>
+          <a:prstGeom prst="rect">
+            <a:avLst/>
+          </a:prstGeom>
+        </p:spPr>
+      </p:pic>
+    </p:spTree>
+    <p:extLst>
+      <p:ext uri="{BB962C8B-B14F-4D97-AF65-F5344CB8AC3E}">
+        <p14:creationId xmlns:p14="http://schemas.microsoft.com/office/powerpoint/2010/main" val="4166266066"/>
+      </p:ext>
+    </p:extLst>
+  </p:cSld>
+  <p:clrMapOvr>
+    <a:masterClrMapping/>
+  </p:clrMapOvr>
+</p:sld>
+</file>
+
+<file path=ppt/slides/slide47.xml><?xml version="1.0" encoding="utf-8"?>
+<p:sld xmlns:a="http://schemas.openxmlformats.org/drawingml/2006/main" xmlns:r="http://schemas.openxmlformats.org/officeDocument/2006/relationships" xmlns:p="http://schemas.openxmlformats.org/presentationml/2006/main">
+  <p:cSld>
+    <p:spTree>
+      <p:nvGrpSpPr>
+        <p:cNvPr id="1" name="Shape 945"/>
+        <p:cNvGrpSpPr/>
+        <p:nvPr/>
+      </p:nvGrpSpPr>
+      <p:grpSpPr>
+        <a:xfrm>
+          <a:off x="0" y="0"/>
+          <a:ext cx="0" cy="0"/>
+          <a:chOff x="0" y="0"/>
+          <a:chExt cx="0" cy="0"/>
+        </a:xfrm>
+      </p:grpSpPr>
+      <p:sp>
+        <p:nvSpPr>
+          <p:cNvPr id="7" name="Google Shape;946;p54">
+            <a:extLst>
+              <a:ext uri="{FF2B5EF4-FFF2-40B4-BE49-F238E27FC236}">
+                <a16:creationId xmlns:a16="http://schemas.microsoft.com/office/drawing/2014/main" id="{32FCF576-D072-76B0-16AF-46AF98856AB8}"/>
+              </a:ext>
+            </a:extLst>
+          </p:cNvPr>
+          <p:cNvSpPr/>
+          <p:nvPr/>
+        </p:nvSpPr>
+        <p:spPr>
+          <a:xfrm>
+            <a:off x="2833950" y="369574"/>
+            <a:ext cx="3476099" cy="735963"/>
+          </a:xfrm>
+          <a:prstGeom prst="roundRect">
+            <a:avLst>
+              <a:gd name="adj" fmla="val 6740"/>
+            </a:avLst>
+          </a:prstGeom>
+          <a:solidFill>
+            <a:schemeClr val="lt2"/>
+          </a:solidFill>
+          <a:ln w="28575" cap="flat" cmpd="sng">
+            <a:solidFill>
+              <a:schemeClr val="dk1"/>
+            </a:solidFill>
+            <a:prstDash val="solid"/>
+            <a:round/>
+            <a:headEnd type="none" w="sm" len="sm"/>
+            <a:tailEnd type="none" w="sm" len="sm"/>
+          </a:ln>
+          <a:effectLst>
+            <a:outerShdw dist="85725" dir="3960000" algn="bl" rotWithShape="0">
+              <a:schemeClr val="dk1"/>
+            </a:outerShdw>
+          </a:effectLst>
+        </p:spPr>
+        <p:txBody>
+          <a:bodyPr spcFirstLastPara="1" wrap="square" lIns="91425" tIns="91425" rIns="91425" bIns="91425" anchor="ctr" anchorCtr="0">
+            <a:noAutofit/>
+          </a:bodyPr>
+          <a:lstStyle/>
+          <a:p>
+            <a:pPr marL="0" lvl="0" indent="0" algn="l" rtl="0">
+              <a:spcBef>
+                <a:spcPts val="0"/>
+              </a:spcBef>
+              <a:spcAft>
+                <a:spcPts val="0"/>
+              </a:spcAft>
+              <a:buNone/>
+            </a:pPr>
+            <a:endParaRPr/>
+          </a:p>
+        </p:txBody>
+      </p:sp>
+      <p:sp>
+        <p:nvSpPr>
+          <p:cNvPr id="8" name="Google Shape;948;p54">
+            <a:extLst>
+              <a:ext uri="{FF2B5EF4-FFF2-40B4-BE49-F238E27FC236}">
+                <a16:creationId xmlns:a16="http://schemas.microsoft.com/office/drawing/2014/main" id="{84C74B68-B822-7701-D63F-0AA4D63644E2}"/>
+              </a:ext>
+            </a:extLst>
+          </p:cNvPr>
+          <p:cNvSpPr txBox="1">
+            <a:spLocks/>
+          </p:cNvSpPr>
+          <p:nvPr/>
+        </p:nvSpPr>
+        <p:spPr>
+          <a:xfrm>
+            <a:off x="3042744" y="418539"/>
+            <a:ext cx="3058510" cy="816163"/>
+          </a:xfrm>
+          <a:prstGeom prst="rect">
+            <a:avLst/>
+          </a:prstGeom>
+          <a:noFill/>
+          <a:ln>
+            <a:noFill/>
+          </a:ln>
+        </p:spPr>
+        <p:txBody>
+          <a:bodyPr spcFirstLastPara="1" wrap="square" lIns="91425" tIns="91425" rIns="91425" bIns="91425" anchor="b" anchorCtr="0">
+            <a:noAutofit/>
+          </a:bodyPr>
+          <a:lstStyle>
+            <a:defPPr marR="0" lvl="0" algn="l" rtl="0">
+              <a:lnSpc>
+                <a:spcPct val="100000"/>
+              </a:lnSpc>
+              <a:spcBef>
+                <a:spcPts val="0"/>
+              </a:spcBef>
+              <a:spcAft>
+                <a:spcPts val="0"/>
+              </a:spcAft>
+            </a:defPPr>
+            <a:lvl1pPr marR="0" lvl="0" algn="ctr" rtl="0">
+              <a:lnSpc>
+                <a:spcPct val="100000"/>
+              </a:lnSpc>
+              <a:spcBef>
+                <a:spcPts val="0"/>
+              </a:spcBef>
+              <a:spcAft>
+                <a:spcPts val="0"/>
+              </a:spcAft>
+              <a:buClr>
+                <a:schemeClr val="dk1"/>
+              </a:buClr>
+              <a:buSzPts val="3000"/>
+              <a:buFont typeface="Varela Round"/>
+              <a:buNone/>
+              <a:defRPr sz="3000" b="1" i="0" u="none" strike="noStrike" cap="none">
+                <a:solidFill>
+                  <a:schemeClr val="dk1"/>
+                </a:solidFill>
+                <a:latin typeface="Varela Round"/>
+                <a:ea typeface="Varela Round"/>
+                <a:cs typeface="Varela Round"/>
+                <a:sym typeface="Varela Round"/>
+              </a:defRPr>
+            </a:lvl1pPr>
+            <a:lvl2pPr marR="0" lvl="1" algn="l" rtl="0">
+              <a:lnSpc>
+                <a:spcPct val="100000"/>
+              </a:lnSpc>
+              <a:spcBef>
+                <a:spcPts val="0"/>
+              </a:spcBef>
+              <a:spcAft>
+                <a:spcPts val="0"/>
+              </a:spcAft>
+              <a:buClr>
+                <a:schemeClr val="dk1"/>
+              </a:buClr>
+              <a:buSzPts val="3000"/>
+              <a:buFont typeface="Bebas Neue"/>
+              <a:buNone/>
+              <a:defRPr sz="3000" b="0" i="0" u="none" strike="noStrike" cap="none">
+                <a:solidFill>
+                  <a:schemeClr val="dk1"/>
+                </a:solidFill>
+                <a:latin typeface="Bebas Neue"/>
+                <a:ea typeface="Bebas Neue"/>
+                <a:cs typeface="Bebas Neue"/>
+                <a:sym typeface="Bebas Neue"/>
+              </a:defRPr>
+            </a:lvl2pPr>
+            <a:lvl3pPr marR="0" lvl="2" algn="l" rtl="0">
+              <a:lnSpc>
+                <a:spcPct val="100000"/>
+              </a:lnSpc>
+              <a:spcBef>
+                <a:spcPts val="0"/>
+              </a:spcBef>
+              <a:spcAft>
+                <a:spcPts val="0"/>
+              </a:spcAft>
+              <a:buClr>
+                <a:schemeClr val="dk1"/>
+              </a:buClr>
+              <a:buSzPts val="3000"/>
+              <a:buFont typeface="Bebas Neue"/>
+              <a:buNone/>
+              <a:defRPr sz="3000" b="0" i="0" u="none" strike="noStrike" cap="none">
+                <a:solidFill>
+                  <a:schemeClr val="dk1"/>
+                </a:solidFill>
+                <a:latin typeface="Bebas Neue"/>
+                <a:ea typeface="Bebas Neue"/>
+                <a:cs typeface="Bebas Neue"/>
+                <a:sym typeface="Bebas Neue"/>
+              </a:defRPr>
+            </a:lvl3pPr>
+            <a:lvl4pPr marR="0" lvl="3" algn="l" rtl="0">
+              <a:lnSpc>
+                <a:spcPct val="100000"/>
+              </a:lnSpc>
+              <a:spcBef>
+                <a:spcPts val="0"/>
+              </a:spcBef>
+              <a:spcAft>
+                <a:spcPts val="0"/>
+              </a:spcAft>
+              <a:buClr>
+                <a:schemeClr val="dk1"/>
+              </a:buClr>
+              <a:buSzPts val="3000"/>
+              <a:buFont typeface="Bebas Neue"/>
+              <a:buNone/>
+              <a:defRPr sz="3000" b="0" i="0" u="none" strike="noStrike" cap="none">
+                <a:solidFill>
+                  <a:schemeClr val="dk1"/>
+                </a:solidFill>
+                <a:latin typeface="Bebas Neue"/>
+                <a:ea typeface="Bebas Neue"/>
+                <a:cs typeface="Bebas Neue"/>
+                <a:sym typeface="Bebas Neue"/>
+              </a:defRPr>
+            </a:lvl4pPr>
+            <a:lvl5pPr marR="0" lvl="4" algn="l" rtl="0">
+              <a:lnSpc>
+                <a:spcPct val="100000"/>
+              </a:lnSpc>
+              <a:spcBef>
+                <a:spcPts val="0"/>
+              </a:spcBef>
+              <a:spcAft>
+                <a:spcPts val="0"/>
+              </a:spcAft>
+              <a:buClr>
+                <a:schemeClr val="dk1"/>
+              </a:buClr>
+              <a:buSzPts val="3000"/>
+              <a:buFont typeface="Bebas Neue"/>
+              <a:buNone/>
+              <a:defRPr sz="3000" b="0" i="0" u="none" strike="noStrike" cap="none">
+                <a:solidFill>
+                  <a:schemeClr val="dk1"/>
+                </a:solidFill>
+                <a:latin typeface="Bebas Neue"/>
+                <a:ea typeface="Bebas Neue"/>
+                <a:cs typeface="Bebas Neue"/>
+                <a:sym typeface="Bebas Neue"/>
+              </a:defRPr>
+            </a:lvl5pPr>
+            <a:lvl6pPr marR="0" lvl="5" algn="l" rtl="0">
+              <a:lnSpc>
+                <a:spcPct val="100000"/>
+              </a:lnSpc>
+              <a:spcBef>
+                <a:spcPts val="0"/>
+              </a:spcBef>
+              <a:spcAft>
+                <a:spcPts val="0"/>
+              </a:spcAft>
+              <a:buClr>
+                <a:schemeClr val="dk1"/>
+              </a:buClr>
+              <a:buSzPts val="3000"/>
+              <a:buFont typeface="Bebas Neue"/>
+              <a:buNone/>
+              <a:defRPr sz="3000" b="0" i="0" u="none" strike="noStrike" cap="none">
+                <a:solidFill>
+                  <a:schemeClr val="dk1"/>
+                </a:solidFill>
+                <a:latin typeface="Bebas Neue"/>
+                <a:ea typeface="Bebas Neue"/>
+                <a:cs typeface="Bebas Neue"/>
+                <a:sym typeface="Bebas Neue"/>
+              </a:defRPr>
+            </a:lvl6pPr>
+            <a:lvl7pPr marR="0" lvl="6" algn="l" rtl="0">
+              <a:lnSpc>
+                <a:spcPct val="100000"/>
+              </a:lnSpc>
+              <a:spcBef>
+                <a:spcPts val="0"/>
+              </a:spcBef>
+              <a:spcAft>
+                <a:spcPts val="0"/>
+              </a:spcAft>
+              <a:buClr>
+                <a:schemeClr val="dk1"/>
+              </a:buClr>
+              <a:buSzPts val="3000"/>
+              <a:buFont typeface="Bebas Neue"/>
+              <a:buNone/>
+              <a:defRPr sz="3000" b="0" i="0" u="none" strike="noStrike" cap="none">
+                <a:solidFill>
+                  <a:schemeClr val="dk1"/>
+                </a:solidFill>
+                <a:latin typeface="Bebas Neue"/>
+                <a:ea typeface="Bebas Neue"/>
+                <a:cs typeface="Bebas Neue"/>
+                <a:sym typeface="Bebas Neue"/>
+              </a:defRPr>
+            </a:lvl7pPr>
+            <a:lvl8pPr marR="0" lvl="7" algn="l" rtl="0">
+              <a:lnSpc>
+                <a:spcPct val="100000"/>
+              </a:lnSpc>
+              <a:spcBef>
+                <a:spcPts val="0"/>
+              </a:spcBef>
+              <a:spcAft>
+                <a:spcPts val="0"/>
+              </a:spcAft>
+              <a:buClr>
+                <a:schemeClr val="dk1"/>
+              </a:buClr>
+              <a:buSzPts val="3000"/>
+              <a:buFont typeface="Bebas Neue"/>
+              <a:buNone/>
+              <a:defRPr sz="3000" b="0" i="0" u="none" strike="noStrike" cap="none">
+                <a:solidFill>
+                  <a:schemeClr val="dk1"/>
+                </a:solidFill>
+                <a:latin typeface="Bebas Neue"/>
+                <a:ea typeface="Bebas Neue"/>
+                <a:cs typeface="Bebas Neue"/>
+                <a:sym typeface="Bebas Neue"/>
+              </a:defRPr>
+            </a:lvl8pPr>
+            <a:lvl9pPr marR="0" lvl="8" algn="l" rtl="0">
+              <a:lnSpc>
+                <a:spcPct val="100000"/>
+              </a:lnSpc>
+              <a:spcBef>
+                <a:spcPts val="0"/>
+              </a:spcBef>
+              <a:spcAft>
+                <a:spcPts val="0"/>
+              </a:spcAft>
+              <a:buClr>
+                <a:schemeClr val="dk1"/>
+              </a:buClr>
+              <a:buSzPts val="3000"/>
+              <a:buFont typeface="Bebas Neue"/>
+              <a:buNone/>
+              <a:defRPr sz="3000" b="0" i="0" u="none" strike="noStrike" cap="none">
+                <a:solidFill>
+                  <a:schemeClr val="dk1"/>
+                </a:solidFill>
+                <a:latin typeface="Bebas Neue"/>
+                <a:ea typeface="Bebas Neue"/>
+                <a:cs typeface="Bebas Neue"/>
+                <a:sym typeface="Bebas Neue"/>
+              </a:defRPr>
+            </a:lvl9pPr>
+          </a:lstStyle>
+          <a:p>
+            <a:r>
+              <a:rPr lang="fr-FR" sz="2400" b="1" i="0" dirty="0">
+                <a:effectLst/>
+                <a:latin typeface="Söhne"/>
+              </a:rPr>
+              <a:t>Types de Graphiques Disponibles</a:t>
+            </a:r>
+            <a:endParaRPr lang="fr-FR" sz="2400" dirty="0"/>
+          </a:p>
+        </p:txBody>
+      </p:sp>
+      <p:sp>
+        <p:nvSpPr>
+          <p:cNvPr id="3" name="Google Shape;946;p54">
+            <a:extLst>
+              <a:ext uri="{FF2B5EF4-FFF2-40B4-BE49-F238E27FC236}">
+                <a16:creationId xmlns:a16="http://schemas.microsoft.com/office/drawing/2014/main" id="{63E33E90-6FF6-DC6E-DC6C-6E86948BB43E}"/>
+              </a:ext>
+            </a:extLst>
+          </p:cNvPr>
+          <p:cNvSpPr/>
+          <p:nvPr/>
+        </p:nvSpPr>
+        <p:spPr>
+          <a:xfrm>
+            <a:off x="748084" y="1318437"/>
+            <a:ext cx="1426496" cy="419918"/>
+          </a:xfrm>
+          <a:prstGeom prst="roundRect">
+            <a:avLst>
+              <a:gd name="adj" fmla="val 6740"/>
+            </a:avLst>
+          </a:prstGeom>
+          <a:solidFill>
+            <a:schemeClr val="lt2"/>
+          </a:solidFill>
+          <a:ln w="28575" cap="flat" cmpd="sng">
+            <a:solidFill>
+              <a:schemeClr val="dk1"/>
+            </a:solidFill>
+            <a:prstDash val="solid"/>
+            <a:round/>
+            <a:headEnd type="none" w="sm" len="sm"/>
+            <a:tailEnd type="none" w="sm" len="sm"/>
+          </a:ln>
+          <a:effectLst>
+            <a:outerShdw dist="85725" dir="3960000" algn="bl" rotWithShape="0">
+              <a:schemeClr val="dk1"/>
+            </a:outerShdw>
+          </a:effectLst>
+        </p:spPr>
+        <p:txBody>
+          <a:bodyPr spcFirstLastPara="1" wrap="square" lIns="91425" tIns="91425" rIns="91425" bIns="91425" anchor="ctr" anchorCtr="0">
+            <a:noAutofit/>
+          </a:bodyPr>
+          <a:lstStyle/>
+          <a:p>
+            <a:pPr marL="0" lvl="0" indent="0" algn="l" rtl="0">
+              <a:spcBef>
+                <a:spcPts val="0"/>
+              </a:spcBef>
+              <a:spcAft>
+                <a:spcPts val="0"/>
+              </a:spcAft>
+              <a:buNone/>
+            </a:pPr>
+            <a:endParaRPr/>
+          </a:p>
+        </p:txBody>
+      </p:sp>
+      <p:sp>
+        <p:nvSpPr>
+          <p:cNvPr id="4" name="Google Shape;948;p54">
+            <a:extLst>
+              <a:ext uri="{FF2B5EF4-FFF2-40B4-BE49-F238E27FC236}">
+                <a16:creationId xmlns:a16="http://schemas.microsoft.com/office/drawing/2014/main" id="{D8E2D311-1179-757F-BEAD-9E8B8B5A02A7}"/>
+              </a:ext>
+            </a:extLst>
+          </p:cNvPr>
+          <p:cNvSpPr txBox="1">
+            <a:spLocks/>
+          </p:cNvSpPr>
+          <p:nvPr/>
+        </p:nvSpPr>
+        <p:spPr>
+          <a:xfrm>
+            <a:off x="607091" y="1298753"/>
+            <a:ext cx="1689542" cy="486333"/>
+          </a:xfrm>
+          <a:prstGeom prst="rect">
+            <a:avLst/>
+          </a:prstGeom>
+          <a:noFill/>
+          <a:ln>
+            <a:noFill/>
+          </a:ln>
+        </p:spPr>
+        <p:txBody>
+          <a:bodyPr spcFirstLastPara="1" wrap="square" lIns="91425" tIns="91425" rIns="91425" bIns="91425" anchor="b" anchorCtr="0">
+            <a:noAutofit/>
+          </a:bodyPr>
+          <a:lstStyle>
+            <a:defPPr marR="0" lvl="0" algn="l" rtl="0">
+              <a:lnSpc>
+                <a:spcPct val="100000"/>
+              </a:lnSpc>
+              <a:spcBef>
+                <a:spcPts val="0"/>
+              </a:spcBef>
+              <a:spcAft>
+                <a:spcPts val="0"/>
+              </a:spcAft>
+            </a:defPPr>
+            <a:lvl1pPr marR="0" lvl="0" algn="ctr" rtl="0">
+              <a:lnSpc>
+                <a:spcPct val="100000"/>
+              </a:lnSpc>
+              <a:spcBef>
+                <a:spcPts val="0"/>
+              </a:spcBef>
+              <a:spcAft>
+                <a:spcPts val="0"/>
+              </a:spcAft>
+              <a:buClr>
+                <a:schemeClr val="dk1"/>
+              </a:buClr>
+              <a:buSzPts val="3000"/>
+              <a:buFont typeface="Varela Round"/>
+              <a:buNone/>
+              <a:defRPr sz="3000" b="1" i="0" u="none" strike="noStrike" cap="none">
+                <a:solidFill>
+                  <a:schemeClr val="dk1"/>
+                </a:solidFill>
+                <a:latin typeface="Varela Round"/>
+                <a:ea typeface="Varela Round"/>
+                <a:cs typeface="Varela Round"/>
+                <a:sym typeface="Varela Round"/>
+              </a:defRPr>
+            </a:lvl1pPr>
+            <a:lvl2pPr marR="0" lvl="1" algn="l" rtl="0">
+              <a:lnSpc>
+                <a:spcPct val="100000"/>
+              </a:lnSpc>
+              <a:spcBef>
+                <a:spcPts val="0"/>
+              </a:spcBef>
+              <a:spcAft>
+                <a:spcPts val="0"/>
+              </a:spcAft>
+              <a:buClr>
+                <a:schemeClr val="dk1"/>
+              </a:buClr>
+              <a:buSzPts val="3000"/>
+              <a:buFont typeface="Bebas Neue"/>
+              <a:buNone/>
+              <a:defRPr sz="3000" b="0" i="0" u="none" strike="noStrike" cap="none">
+                <a:solidFill>
+                  <a:schemeClr val="dk1"/>
+                </a:solidFill>
+                <a:latin typeface="Bebas Neue"/>
+                <a:ea typeface="Bebas Neue"/>
+                <a:cs typeface="Bebas Neue"/>
+                <a:sym typeface="Bebas Neue"/>
+              </a:defRPr>
+            </a:lvl2pPr>
+            <a:lvl3pPr marR="0" lvl="2" algn="l" rtl="0">
+              <a:lnSpc>
+                <a:spcPct val="100000"/>
+              </a:lnSpc>
+              <a:spcBef>
+                <a:spcPts val="0"/>
+              </a:spcBef>
+              <a:spcAft>
+                <a:spcPts val="0"/>
+              </a:spcAft>
+              <a:buClr>
+                <a:schemeClr val="dk1"/>
+              </a:buClr>
+              <a:buSzPts val="3000"/>
+              <a:buFont typeface="Bebas Neue"/>
+              <a:buNone/>
+              <a:defRPr sz="3000" b="0" i="0" u="none" strike="noStrike" cap="none">
+                <a:solidFill>
+                  <a:schemeClr val="dk1"/>
+                </a:solidFill>
+                <a:latin typeface="Bebas Neue"/>
+                <a:ea typeface="Bebas Neue"/>
+                <a:cs typeface="Bebas Neue"/>
+                <a:sym typeface="Bebas Neue"/>
+              </a:defRPr>
+            </a:lvl3pPr>
+            <a:lvl4pPr marR="0" lvl="3" algn="l" rtl="0">
+              <a:lnSpc>
+                <a:spcPct val="100000"/>
+              </a:lnSpc>
+              <a:spcBef>
+                <a:spcPts val="0"/>
+              </a:spcBef>
+              <a:spcAft>
+                <a:spcPts val="0"/>
+              </a:spcAft>
+              <a:buClr>
+                <a:schemeClr val="dk1"/>
+              </a:buClr>
+              <a:buSzPts val="3000"/>
+              <a:buFont typeface="Bebas Neue"/>
+              <a:buNone/>
+              <a:defRPr sz="3000" b="0" i="0" u="none" strike="noStrike" cap="none">
+                <a:solidFill>
+                  <a:schemeClr val="dk1"/>
+                </a:solidFill>
+                <a:latin typeface="Bebas Neue"/>
+                <a:ea typeface="Bebas Neue"/>
+                <a:cs typeface="Bebas Neue"/>
+                <a:sym typeface="Bebas Neue"/>
+              </a:defRPr>
+            </a:lvl4pPr>
+            <a:lvl5pPr marR="0" lvl="4" algn="l" rtl="0">
+              <a:lnSpc>
+                <a:spcPct val="100000"/>
+              </a:lnSpc>
+              <a:spcBef>
+                <a:spcPts val="0"/>
+              </a:spcBef>
+              <a:spcAft>
+                <a:spcPts val="0"/>
+              </a:spcAft>
+              <a:buClr>
+                <a:schemeClr val="dk1"/>
+              </a:buClr>
+              <a:buSzPts val="3000"/>
+              <a:buFont typeface="Bebas Neue"/>
+              <a:buNone/>
+              <a:defRPr sz="3000" b="0" i="0" u="none" strike="noStrike" cap="none">
+                <a:solidFill>
+                  <a:schemeClr val="dk1"/>
+                </a:solidFill>
+                <a:latin typeface="Bebas Neue"/>
+                <a:ea typeface="Bebas Neue"/>
+                <a:cs typeface="Bebas Neue"/>
+                <a:sym typeface="Bebas Neue"/>
+              </a:defRPr>
+            </a:lvl5pPr>
+            <a:lvl6pPr marR="0" lvl="5" algn="l" rtl="0">
+              <a:lnSpc>
+                <a:spcPct val="100000"/>
+              </a:lnSpc>
+              <a:spcBef>
+                <a:spcPts val="0"/>
+              </a:spcBef>
+              <a:spcAft>
+                <a:spcPts val="0"/>
+              </a:spcAft>
+              <a:buClr>
+                <a:schemeClr val="dk1"/>
+              </a:buClr>
+              <a:buSzPts val="3000"/>
+              <a:buFont typeface="Bebas Neue"/>
+              <a:buNone/>
+              <a:defRPr sz="3000" b="0" i="0" u="none" strike="noStrike" cap="none">
+                <a:solidFill>
+                  <a:schemeClr val="dk1"/>
+                </a:solidFill>
+                <a:latin typeface="Bebas Neue"/>
+                <a:ea typeface="Bebas Neue"/>
+                <a:cs typeface="Bebas Neue"/>
+                <a:sym typeface="Bebas Neue"/>
+              </a:defRPr>
+            </a:lvl6pPr>
+            <a:lvl7pPr marR="0" lvl="6" algn="l" rtl="0">
+              <a:lnSpc>
+                <a:spcPct val="100000"/>
+              </a:lnSpc>
+              <a:spcBef>
+                <a:spcPts val="0"/>
+              </a:spcBef>
+              <a:spcAft>
+                <a:spcPts val="0"/>
+              </a:spcAft>
+              <a:buClr>
+                <a:schemeClr val="dk1"/>
+              </a:buClr>
+              <a:buSzPts val="3000"/>
+              <a:buFont typeface="Bebas Neue"/>
+              <a:buNone/>
+              <a:defRPr sz="3000" b="0" i="0" u="none" strike="noStrike" cap="none">
+                <a:solidFill>
+                  <a:schemeClr val="dk1"/>
+                </a:solidFill>
+                <a:latin typeface="Bebas Neue"/>
+                <a:ea typeface="Bebas Neue"/>
+                <a:cs typeface="Bebas Neue"/>
+                <a:sym typeface="Bebas Neue"/>
+              </a:defRPr>
+            </a:lvl7pPr>
+            <a:lvl8pPr marR="0" lvl="7" algn="l" rtl="0">
+              <a:lnSpc>
+                <a:spcPct val="100000"/>
+              </a:lnSpc>
+              <a:spcBef>
+                <a:spcPts val="0"/>
+              </a:spcBef>
+              <a:spcAft>
+                <a:spcPts val="0"/>
+              </a:spcAft>
+              <a:buClr>
+                <a:schemeClr val="dk1"/>
+              </a:buClr>
+              <a:buSzPts val="3000"/>
+              <a:buFont typeface="Bebas Neue"/>
+              <a:buNone/>
+              <a:defRPr sz="3000" b="0" i="0" u="none" strike="noStrike" cap="none">
+                <a:solidFill>
+                  <a:schemeClr val="dk1"/>
+                </a:solidFill>
+                <a:latin typeface="Bebas Neue"/>
+                <a:ea typeface="Bebas Neue"/>
+                <a:cs typeface="Bebas Neue"/>
+                <a:sym typeface="Bebas Neue"/>
+              </a:defRPr>
+            </a:lvl8pPr>
+            <a:lvl9pPr marR="0" lvl="8" algn="l" rtl="0">
+              <a:lnSpc>
+                <a:spcPct val="100000"/>
+              </a:lnSpc>
+              <a:spcBef>
+                <a:spcPts val="0"/>
+              </a:spcBef>
+              <a:spcAft>
+                <a:spcPts val="0"/>
+              </a:spcAft>
+              <a:buClr>
+                <a:schemeClr val="dk1"/>
+              </a:buClr>
+              <a:buSzPts val="3000"/>
+              <a:buFont typeface="Bebas Neue"/>
+              <a:buNone/>
+              <a:defRPr sz="3000" b="0" i="0" u="none" strike="noStrike" cap="none">
+                <a:solidFill>
+                  <a:schemeClr val="dk1"/>
+                </a:solidFill>
+                <a:latin typeface="Bebas Neue"/>
+                <a:ea typeface="Bebas Neue"/>
+                <a:cs typeface="Bebas Neue"/>
+                <a:sym typeface="Bebas Neue"/>
+              </a:defRPr>
+            </a:lvl9pPr>
+          </a:lstStyle>
+          <a:p>
+            <a:r>
+              <a:rPr lang="fr-FR" sz="1400" dirty="0"/>
+              <a:t>SCATTER</a:t>
+            </a:r>
+          </a:p>
+        </p:txBody>
+      </p:sp>
+      <p:sp>
+        <p:nvSpPr>
+          <p:cNvPr id="2" name="Google Shape;621;p42">
+            <a:extLst>
+              <a:ext uri="{FF2B5EF4-FFF2-40B4-BE49-F238E27FC236}">
+                <a16:creationId xmlns:a16="http://schemas.microsoft.com/office/drawing/2014/main" id="{B25BA44B-7585-E0C5-9332-A2826F7649FF}"/>
+              </a:ext>
+            </a:extLst>
+          </p:cNvPr>
+          <p:cNvSpPr txBox="1"/>
+          <p:nvPr/>
+        </p:nvSpPr>
+        <p:spPr>
+          <a:xfrm>
+            <a:off x="2033587" y="1283667"/>
+            <a:ext cx="6823334" cy="519569"/>
+          </a:xfrm>
+          <a:prstGeom prst="rect">
+            <a:avLst/>
+          </a:prstGeom>
+          <a:noFill/>
+          <a:ln>
+            <a:noFill/>
+          </a:ln>
+        </p:spPr>
+        <p:txBody>
+          <a:bodyPr spcFirstLastPara="1" wrap="square" lIns="91425" tIns="91425" rIns="91425" bIns="91425" anchor="ctr" anchorCtr="0">
+            <a:noAutofit/>
+          </a:bodyPr>
+          <a:lstStyle/>
+          <a:p>
+            <a:pPr marL="285750" lvl="2" indent="-285750">
+              <a:buFont typeface="Arial" panose="020B0604020202020204" pitchFamily="34" charset="0"/>
+              <a:buChar char="•"/>
+            </a:pPr>
+            <a:r>
+              <a:rPr lang="fr-FR" b="1" dirty="0">
+                <a:solidFill>
+                  <a:schemeClr val="dk2"/>
+                </a:solidFill>
+                <a:latin typeface="Lato"/>
+                <a:ea typeface="Lato"/>
+                <a:cs typeface="Lato"/>
+                <a:sym typeface="Lato"/>
+              </a:rPr>
+              <a:t> Idéal pour dévoiler la relation entre deux variables à l'aide de nuages de points.</a:t>
+            </a:r>
+            <a:endParaRPr lang="en-US" b="1" dirty="0">
+              <a:solidFill>
+                <a:schemeClr val="dk2"/>
+              </a:solidFill>
+              <a:latin typeface="Lato"/>
+              <a:ea typeface="Lato"/>
+              <a:cs typeface="Lato"/>
+              <a:sym typeface="Lato"/>
+            </a:endParaRPr>
+          </a:p>
+        </p:txBody>
+      </p:sp>
+      <p:pic>
+        <p:nvPicPr>
+          <p:cNvPr id="5" name="Image 4">
+            <a:extLst>
+              <a:ext uri="{FF2B5EF4-FFF2-40B4-BE49-F238E27FC236}">
+                <a16:creationId xmlns:a16="http://schemas.microsoft.com/office/drawing/2014/main" id="{75CE39FF-EF8E-55D9-66AF-2B49B8206309}"/>
+              </a:ext>
+            </a:extLst>
+          </p:cNvPr>
+          <p:cNvPicPr>
+            <a:picLocks noChangeAspect="1"/>
+          </p:cNvPicPr>
+          <p:nvPr/>
+        </p:nvPicPr>
+        <p:blipFill>
+          <a:blip r:embed="rId3"/>
+          <a:stretch>
+            <a:fillRect/>
+          </a:stretch>
+        </p:blipFill>
+        <p:spPr>
+          <a:xfrm>
+            <a:off x="2651845" y="1784206"/>
+            <a:ext cx="3759588" cy="2819691"/>
+          </a:xfrm>
+          <a:prstGeom prst="rect">
+            <a:avLst/>
+          </a:prstGeom>
+        </p:spPr>
+      </p:pic>
+    </p:spTree>
+    <p:extLst>
+      <p:ext uri="{BB962C8B-B14F-4D97-AF65-F5344CB8AC3E}">
+        <p14:creationId xmlns:p14="http://schemas.microsoft.com/office/powerpoint/2010/main" val="413557681"/>
+      </p:ext>
+    </p:extLst>
+  </p:cSld>
+  <p:clrMapOvr>
+    <a:masterClrMapping/>
+  </p:clrMapOvr>
+</p:sld>
+</file>
+
+<file path=ppt/slides/slide48.xml><?xml version="1.0" encoding="utf-8"?>
+<p:sld xmlns:a="http://schemas.openxmlformats.org/drawingml/2006/main" xmlns:r="http://schemas.openxmlformats.org/officeDocument/2006/relationships" xmlns:p="http://schemas.openxmlformats.org/presentationml/2006/main">
+  <p:cSld>
+    <p:spTree>
+      <p:nvGrpSpPr>
+        <p:cNvPr id="1" name="Shape 945"/>
+        <p:cNvGrpSpPr/>
+        <p:nvPr/>
+      </p:nvGrpSpPr>
+      <p:grpSpPr>
+        <a:xfrm>
+          <a:off x="0" y="0"/>
+          <a:ext cx="0" cy="0"/>
+          <a:chOff x="0" y="0"/>
+          <a:chExt cx="0" cy="0"/>
+        </a:xfrm>
+      </p:grpSpPr>
+      <p:sp>
+        <p:nvSpPr>
+          <p:cNvPr id="7" name="Google Shape;946;p54">
+            <a:extLst>
+              <a:ext uri="{FF2B5EF4-FFF2-40B4-BE49-F238E27FC236}">
+                <a16:creationId xmlns:a16="http://schemas.microsoft.com/office/drawing/2014/main" id="{32FCF576-D072-76B0-16AF-46AF98856AB8}"/>
+              </a:ext>
+            </a:extLst>
+          </p:cNvPr>
+          <p:cNvSpPr/>
+          <p:nvPr/>
+        </p:nvSpPr>
+        <p:spPr>
+          <a:xfrm>
+            <a:off x="2833950" y="369574"/>
+            <a:ext cx="3476099" cy="735963"/>
+          </a:xfrm>
+          <a:prstGeom prst="roundRect">
+            <a:avLst>
+              <a:gd name="adj" fmla="val 6740"/>
+            </a:avLst>
+          </a:prstGeom>
+          <a:solidFill>
+            <a:schemeClr val="lt2"/>
+          </a:solidFill>
+          <a:ln w="28575" cap="flat" cmpd="sng">
+            <a:solidFill>
+              <a:schemeClr val="dk1"/>
+            </a:solidFill>
+            <a:prstDash val="solid"/>
+            <a:round/>
+            <a:headEnd type="none" w="sm" len="sm"/>
+            <a:tailEnd type="none" w="sm" len="sm"/>
+          </a:ln>
+          <a:effectLst>
+            <a:outerShdw dist="85725" dir="3960000" algn="bl" rotWithShape="0">
+              <a:schemeClr val="dk1"/>
+            </a:outerShdw>
+          </a:effectLst>
+        </p:spPr>
+        <p:txBody>
+          <a:bodyPr spcFirstLastPara="1" wrap="square" lIns="91425" tIns="91425" rIns="91425" bIns="91425" anchor="ctr" anchorCtr="0">
+            <a:noAutofit/>
+          </a:bodyPr>
+          <a:lstStyle/>
+          <a:p>
+            <a:pPr marL="0" lvl="0" indent="0" algn="l" rtl="0">
+              <a:spcBef>
+                <a:spcPts val="0"/>
+              </a:spcBef>
+              <a:spcAft>
+                <a:spcPts val="0"/>
+              </a:spcAft>
+              <a:buNone/>
+            </a:pPr>
+            <a:endParaRPr/>
+          </a:p>
+        </p:txBody>
+      </p:sp>
+      <p:sp>
+        <p:nvSpPr>
+          <p:cNvPr id="8" name="Google Shape;948;p54">
+            <a:extLst>
+              <a:ext uri="{FF2B5EF4-FFF2-40B4-BE49-F238E27FC236}">
+                <a16:creationId xmlns:a16="http://schemas.microsoft.com/office/drawing/2014/main" id="{84C74B68-B822-7701-D63F-0AA4D63644E2}"/>
+              </a:ext>
+            </a:extLst>
+          </p:cNvPr>
+          <p:cNvSpPr txBox="1">
+            <a:spLocks/>
+          </p:cNvSpPr>
+          <p:nvPr/>
+        </p:nvSpPr>
+        <p:spPr>
+          <a:xfrm>
+            <a:off x="3042744" y="418539"/>
+            <a:ext cx="3058510" cy="816163"/>
+          </a:xfrm>
+          <a:prstGeom prst="rect">
+            <a:avLst/>
+          </a:prstGeom>
+          <a:noFill/>
+          <a:ln>
+            <a:noFill/>
+          </a:ln>
+        </p:spPr>
+        <p:txBody>
+          <a:bodyPr spcFirstLastPara="1" wrap="square" lIns="91425" tIns="91425" rIns="91425" bIns="91425" anchor="b" anchorCtr="0">
+            <a:noAutofit/>
+          </a:bodyPr>
+          <a:lstStyle>
+            <a:defPPr marR="0" lvl="0" algn="l" rtl="0">
+              <a:lnSpc>
+                <a:spcPct val="100000"/>
+              </a:lnSpc>
+              <a:spcBef>
+                <a:spcPts val="0"/>
+              </a:spcBef>
+              <a:spcAft>
+                <a:spcPts val="0"/>
+              </a:spcAft>
+            </a:defPPr>
+            <a:lvl1pPr marR="0" lvl="0" algn="ctr" rtl="0">
+              <a:lnSpc>
+                <a:spcPct val="100000"/>
+              </a:lnSpc>
+              <a:spcBef>
+                <a:spcPts val="0"/>
+              </a:spcBef>
+              <a:spcAft>
+                <a:spcPts val="0"/>
+              </a:spcAft>
+              <a:buClr>
+                <a:schemeClr val="dk1"/>
+              </a:buClr>
+              <a:buSzPts val="3000"/>
+              <a:buFont typeface="Varela Round"/>
+              <a:buNone/>
+              <a:defRPr sz="3000" b="1" i="0" u="none" strike="noStrike" cap="none">
+                <a:solidFill>
+                  <a:schemeClr val="dk1"/>
+                </a:solidFill>
+                <a:latin typeface="Varela Round"/>
+                <a:ea typeface="Varela Round"/>
+                <a:cs typeface="Varela Round"/>
+                <a:sym typeface="Varela Round"/>
+              </a:defRPr>
+            </a:lvl1pPr>
+            <a:lvl2pPr marR="0" lvl="1" algn="l" rtl="0">
+              <a:lnSpc>
+                <a:spcPct val="100000"/>
+              </a:lnSpc>
+              <a:spcBef>
+                <a:spcPts val="0"/>
+              </a:spcBef>
+              <a:spcAft>
+                <a:spcPts val="0"/>
+              </a:spcAft>
+              <a:buClr>
+                <a:schemeClr val="dk1"/>
+              </a:buClr>
+              <a:buSzPts val="3000"/>
+              <a:buFont typeface="Bebas Neue"/>
+              <a:buNone/>
+              <a:defRPr sz="3000" b="0" i="0" u="none" strike="noStrike" cap="none">
+                <a:solidFill>
+                  <a:schemeClr val="dk1"/>
+                </a:solidFill>
+                <a:latin typeface="Bebas Neue"/>
+                <a:ea typeface="Bebas Neue"/>
+                <a:cs typeface="Bebas Neue"/>
+                <a:sym typeface="Bebas Neue"/>
+              </a:defRPr>
+            </a:lvl2pPr>
+            <a:lvl3pPr marR="0" lvl="2" algn="l" rtl="0">
+              <a:lnSpc>
+                <a:spcPct val="100000"/>
+              </a:lnSpc>
+              <a:spcBef>
+                <a:spcPts val="0"/>
+              </a:spcBef>
+              <a:spcAft>
+                <a:spcPts val="0"/>
+              </a:spcAft>
+              <a:buClr>
+                <a:schemeClr val="dk1"/>
+              </a:buClr>
+              <a:buSzPts val="3000"/>
+              <a:buFont typeface="Bebas Neue"/>
+              <a:buNone/>
+              <a:defRPr sz="3000" b="0" i="0" u="none" strike="noStrike" cap="none">
+                <a:solidFill>
+                  <a:schemeClr val="dk1"/>
+                </a:solidFill>
+                <a:latin typeface="Bebas Neue"/>
+                <a:ea typeface="Bebas Neue"/>
+                <a:cs typeface="Bebas Neue"/>
+                <a:sym typeface="Bebas Neue"/>
+              </a:defRPr>
+            </a:lvl3pPr>
+            <a:lvl4pPr marR="0" lvl="3" algn="l" rtl="0">
+              <a:lnSpc>
+                <a:spcPct val="100000"/>
+              </a:lnSpc>
+              <a:spcBef>
+                <a:spcPts val="0"/>
+              </a:spcBef>
+              <a:spcAft>
+                <a:spcPts val="0"/>
+              </a:spcAft>
+              <a:buClr>
+                <a:schemeClr val="dk1"/>
+              </a:buClr>
+              <a:buSzPts val="3000"/>
+              <a:buFont typeface="Bebas Neue"/>
+              <a:buNone/>
+              <a:defRPr sz="3000" b="0" i="0" u="none" strike="noStrike" cap="none">
+                <a:solidFill>
+                  <a:schemeClr val="dk1"/>
+                </a:solidFill>
+                <a:latin typeface="Bebas Neue"/>
+                <a:ea typeface="Bebas Neue"/>
+                <a:cs typeface="Bebas Neue"/>
+                <a:sym typeface="Bebas Neue"/>
+              </a:defRPr>
+            </a:lvl4pPr>
+            <a:lvl5pPr marR="0" lvl="4" algn="l" rtl="0">
+              <a:lnSpc>
+                <a:spcPct val="100000"/>
+              </a:lnSpc>
+              <a:spcBef>
+                <a:spcPts val="0"/>
+              </a:spcBef>
+              <a:spcAft>
+                <a:spcPts val="0"/>
+              </a:spcAft>
+              <a:buClr>
+                <a:schemeClr val="dk1"/>
+              </a:buClr>
+              <a:buSzPts val="3000"/>
+              <a:buFont typeface="Bebas Neue"/>
+              <a:buNone/>
+              <a:defRPr sz="3000" b="0" i="0" u="none" strike="noStrike" cap="none">
+                <a:solidFill>
+                  <a:schemeClr val="dk1"/>
+                </a:solidFill>
+                <a:latin typeface="Bebas Neue"/>
+                <a:ea typeface="Bebas Neue"/>
+                <a:cs typeface="Bebas Neue"/>
+                <a:sym typeface="Bebas Neue"/>
+              </a:defRPr>
+            </a:lvl5pPr>
+            <a:lvl6pPr marR="0" lvl="5" algn="l" rtl="0">
+              <a:lnSpc>
+                <a:spcPct val="100000"/>
+              </a:lnSpc>
+              <a:spcBef>
+                <a:spcPts val="0"/>
+              </a:spcBef>
+              <a:spcAft>
+                <a:spcPts val="0"/>
+              </a:spcAft>
+              <a:buClr>
+                <a:schemeClr val="dk1"/>
+              </a:buClr>
+              <a:buSzPts val="3000"/>
+              <a:buFont typeface="Bebas Neue"/>
+              <a:buNone/>
+              <a:defRPr sz="3000" b="0" i="0" u="none" strike="noStrike" cap="none">
+                <a:solidFill>
+                  <a:schemeClr val="dk1"/>
+                </a:solidFill>
+                <a:latin typeface="Bebas Neue"/>
+                <a:ea typeface="Bebas Neue"/>
+                <a:cs typeface="Bebas Neue"/>
+                <a:sym typeface="Bebas Neue"/>
+              </a:defRPr>
+            </a:lvl6pPr>
+            <a:lvl7pPr marR="0" lvl="6" algn="l" rtl="0">
+              <a:lnSpc>
+                <a:spcPct val="100000"/>
+              </a:lnSpc>
+              <a:spcBef>
+                <a:spcPts val="0"/>
+              </a:spcBef>
+              <a:spcAft>
+                <a:spcPts val="0"/>
+              </a:spcAft>
+              <a:buClr>
+                <a:schemeClr val="dk1"/>
+              </a:buClr>
+              <a:buSzPts val="3000"/>
+              <a:buFont typeface="Bebas Neue"/>
+              <a:buNone/>
+              <a:defRPr sz="3000" b="0" i="0" u="none" strike="noStrike" cap="none">
+                <a:solidFill>
+                  <a:schemeClr val="dk1"/>
+                </a:solidFill>
+                <a:latin typeface="Bebas Neue"/>
+                <a:ea typeface="Bebas Neue"/>
+                <a:cs typeface="Bebas Neue"/>
+                <a:sym typeface="Bebas Neue"/>
+              </a:defRPr>
+            </a:lvl7pPr>
+            <a:lvl8pPr marR="0" lvl="7" algn="l" rtl="0">
+              <a:lnSpc>
+                <a:spcPct val="100000"/>
+              </a:lnSpc>
+              <a:spcBef>
+                <a:spcPts val="0"/>
+              </a:spcBef>
+              <a:spcAft>
+                <a:spcPts val="0"/>
+              </a:spcAft>
+              <a:buClr>
+                <a:schemeClr val="dk1"/>
+              </a:buClr>
+              <a:buSzPts val="3000"/>
+              <a:buFont typeface="Bebas Neue"/>
+              <a:buNone/>
+              <a:defRPr sz="3000" b="0" i="0" u="none" strike="noStrike" cap="none">
+                <a:solidFill>
+                  <a:schemeClr val="dk1"/>
+                </a:solidFill>
+                <a:latin typeface="Bebas Neue"/>
+                <a:ea typeface="Bebas Neue"/>
+                <a:cs typeface="Bebas Neue"/>
+                <a:sym typeface="Bebas Neue"/>
+              </a:defRPr>
+            </a:lvl8pPr>
+            <a:lvl9pPr marR="0" lvl="8" algn="l" rtl="0">
+              <a:lnSpc>
+                <a:spcPct val="100000"/>
+              </a:lnSpc>
+              <a:spcBef>
+                <a:spcPts val="0"/>
+              </a:spcBef>
+              <a:spcAft>
+                <a:spcPts val="0"/>
+              </a:spcAft>
+              <a:buClr>
+                <a:schemeClr val="dk1"/>
+              </a:buClr>
+              <a:buSzPts val="3000"/>
+              <a:buFont typeface="Bebas Neue"/>
+              <a:buNone/>
+              <a:defRPr sz="3000" b="0" i="0" u="none" strike="noStrike" cap="none">
+                <a:solidFill>
+                  <a:schemeClr val="dk1"/>
+                </a:solidFill>
+                <a:latin typeface="Bebas Neue"/>
+                <a:ea typeface="Bebas Neue"/>
+                <a:cs typeface="Bebas Neue"/>
+                <a:sym typeface="Bebas Neue"/>
+              </a:defRPr>
+            </a:lvl9pPr>
+          </a:lstStyle>
+          <a:p>
+            <a:r>
+              <a:rPr lang="fr-FR" sz="2400" b="1" i="0" dirty="0">
+                <a:effectLst/>
+                <a:latin typeface="Söhne"/>
+              </a:rPr>
+              <a:t>Types de Graphiques Disponibles</a:t>
+            </a:r>
+            <a:endParaRPr lang="fr-FR" sz="2400" dirty="0"/>
+          </a:p>
+        </p:txBody>
+      </p:sp>
+      <p:sp>
+        <p:nvSpPr>
+          <p:cNvPr id="3" name="Google Shape;946;p54">
+            <a:extLst>
+              <a:ext uri="{FF2B5EF4-FFF2-40B4-BE49-F238E27FC236}">
+                <a16:creationId xmlns:a16="http://schemas.microsoft.com/office/drawing/2014/main" id="{63E33E90-6FF6-DC6E-DC6C-6E86948BB43E}"/>
+              </a:ext>
+            </a:extLst>
+          </p:cNvPr>
+          <p:cNvSpPr/>
+          <p:nvPr/>
+        </p:nvSpPr>
+        <p:spPr>
+          <a:xfrm>
+            <a:off x="748084" y="1318437"/>
+            <a:ext cx="1426496" cy="419918"/>
+          </a:xfrm>
+          <a:prstGeom prst="roundRect">
+            <a:avLst>
+              <a:gd name="adj" fmla="val 6740"/>
+            </a:avLst>
+          </a:prstGeom>
+          <a:solidFill>
+            <a:schemeClr val="lt2"/>
+          </a:solidFill>
+          <a:ln w="28575" cap="flat" cmpd="sng">
+            <a:solidFill>
+              <a:schemeClr val="dk1"/>
+            </a:solidFill>
+            <a:prstDash val="solid"/>
+            <a:round/>
+            <a:headEnd type="none" w="sm" len="sm"/>
+            <a:tailEnd type="none" w="sm" len="sm"/>
+          </a:ln>
+          <a:effectLst>
+            <a:outerShdw dist="85725" dir="3960000" algn="bl" rotWithShape="0">
+              <a:schemeClr val="dk1"/>
+            </a:outerShdw>
+          </a:effectLst>
+        </p:spPr>
+        <p:txBody>
+          <a:bodyPr spcFirstLastPara="1" wrap="square" lIns="91425" tIns="91425" rIns="91425" bIns="91425" anchor="ctr" anchorCtr="0">
+            <a:noAutofit/>
+          </a:bodyPr>
+          <a:lstStyle/>
+          <a:p>
+            <a:pPr marL="0" lvl="0" indent="0" algn="l" rtl="0">
+              <a:spcBef>
+                <a:spcPts val="0"/>
+              </a:spcBef>
+              <a:spcAft>
+                <a:spcPts val="0"/>
+              </a:spcAft>
+              <a:buNone/>
+            </a:pPr>
+            <a:endParaRPr/>
+          </a:p>
+        </p:txBody>
+      </p:sp>
+      <p:sp>
+        <p:nvSpPr>
+          <p:cNvPr id="4" name="Google Shape;948;p54">
+            <a:extLst>
+              <a:ext uri="{FF2B5EF4-FFF2-40B4-BE49-F238E27FC236}">
+                <a16:creationId xmlns:a16="http://schemas.microsoft.com/office/drawing/2014/main" id="{D8E2D311-1179-757F-BEAD-9E8B8B5A02A7}"/>
+              </a:ext>
+            </a:extLst>
+          </p:cNvPr>
+          <p:cNvSpPr txBox="1">
+            <a:spLocks/>
+          </p:cNvSpPr>
+          <p:nvPr/>
+        </p:nvSpPr>
+        <p:spPr>
+          <a:xfrm>
+            <a:off x="607091" y="1298753"/>
+            <a:ext cx="1689542" cy="486333"/>
+          </a:xfrm>
+          <a:prstGeom prst="rect">
+            <a:avLst/>
+          </a:prstGeom>
+          <a:noFill/>
+          <a:ln>
+            <a:noFill/>
+          </a:ln>
+        </p:spPr>
+        <p:txBody>
+          <a:bodyPr spcFirstLastPara="1" wrap="square" lIns="91425" tIns="91425" rIns="91425" bIns="91425" anchor="b" anchorCtr="0">
+            <a:noAutofit/>
+          </a:bodyPr>
+          <a:lstStyle>
+            <a:defPPr marR="0" lvl="0" algn="l" rtl="0">
+              <a:lnSpc>
+                <a:spcPct val="100000"/>
+              </a:lnSpc>
+              <a:spcBef>
+                <a:spcPts val="0"/>
+              </a:spcBef>
+              <a:spcAft>
+                <a:spcPts val="0"/>
+              </a:spcAft>
+            </a:defPPr>
+            <a:lvl1pPr marR="0" lvl="0" algn="ctr" rtl="0">
+              <a:lnSpc>
+                <a:spcPct val="100000"/>
+              </a:lnSpc>
+              <a:spcBef>
+                <a:spcPts val="0"/>
+              </a:spcBef>
+              <a:spcAft>
+                <a:spcPts val="0"/>
+              </a:spcAft>
+              <a:buClr>
+                <a:schemeClr val="dk1"/>
+              </a:buClr>
+              <a:buSzPts val="3000"/>
+              <a:buFont typeface="Varela Round"/>
+              <a:buNone/>
+              <a:defRPr sz="3000" b="1" i="0" u="none" strike="noStrike" cap="none">
+                <a:solidFill>
+                  <a:schemeClr val="dk1"/>
+                </a:solidFill>
+                <a:latin typeface="Varela Round"/>
+                <a:ea typeface="Varela Round"/>
+                <a:cs typeface="Varela Round"/>
+                <a:sym typeface="Varela Round"/>
+              </a:defRPr>
+            </a:lvl1pPr>
+            <a:lvl2pPr marR="0" lvl="1" algn="l" rtl="0">
+              <a:lnSpc>
+                <a:spcPct val="100000"/>
+              </a:lnSpc>
+              <a:spcBef>
+                <a:spcPts val="0"/>
+              </a:spcBef>
+              <a:spcAft>
+                <a:spcPts val="0"/>
+              </a:spcAft>
+              <a:buClr>
+                <a:schemeClr val="dk1"/>
+              </a:buClr>
+              <a:buSzPts val="3000"/>
+              <a:buFont typeface="Bebas Neue"/>
+              <a:buNone/>
+              <a:defRPr sz="3000" b="0" i="0" u="none" strike="noStrike" cap="none">
+                <a:solidFill>
+                  <a:schemeClr val="dk1"/>
+                </a:solidFill>
+                <a:latin typeface="Bebas Neue"/>
+                <a:ea typeface="Bebas Neue"/>
+                <a:cs typeface="Bebas Neue"/>
+                <a:sym typeface="Bebas Neue"/>
+              </a:defRPr>
+            </a:lvl2pPr>
+            <a:lvl3pPr marR="0" lvl="2" algn="l" rtl="0">
+              <a:lnSpc>
+                <a:spcPct val="100000"/>
+              </a:lnSpc>
+              <a:spcBef>
+                <a:spcPts val="0"/>
+              </a:spcBef>
+              <a:spcAft>
+                <a:spcPts val="0"/>
+              </a:spcAft>
+              <a:buClr>
+                <a:schemeClr val="dk1"/>
+              </a:buClr>
+              <a:buSzPts val="3000"/>
+              <a:buFont typeface="Bebas Neue"/>
+              <a:buNone/>
+              <a:defRPr sz="3000" b="0" i="0" u="none" strike="noStrike" cap="none">
+                <a:solidFill>
+                  <a:schemeClr val="dk1"/>
+                </a:solidFill>
+                <a:latin typeface="Bebas Neue"/>
+                <a:ea typeface="Bebas Neue"/>
+                <a:cs typeface="Bebas Neue"/>
+                <a:sym typeface="Bebas Neue"/>
+              </a:defRPr>
+            </a:lvl3pPr>
+            <a:lvl4pPr marR="0" lvl="3" algn="l" rtl="0">
+              <a:lnSpc>
+                <a:spcPct val="100000"/>
+              </a:lnSpc>
+              <a:spcBef>
+                <a:spcPts val="0"/>
+              </a:spcBef>
+              <a:spcAft>
+                <a:spcPts val="0"/>
+              </a:spcAft>
+              <a:buClr>
+                <a:schemeClr val="dk1"/>
+              </a:buClr>
+              <a:buSzPts val="3000"/>
+              <a:buFont typeface="Bebas Neue"/>
+              <a:buNone/>
+              <a:defRPr sz="3000" b="0" i="0" u="none" strike="noStrike" cap="none">
+                <a:solidFill>
+                  <a:schemeClr val="dk1"/>
+                </a:solidFill>
+                <a:latin typeface="Bebas Neue"/>
+                <a:ea typeface="Bebas Neue"/>
+                <a:cs typeface="Bebas Neue"/>
+                <a:sym typeface="Bebas Neue"/>
+              </a:defRPr>
+            </a:lvl4pPr>
+            <a:lvl5pPr marR="0" lvl="4" algn="l" rtl="0">
+              <a:lnSpc>
+                <a:spcPct val="100000"/>
+              </a:lnSpc>
+              <a:spcBef>
+                <a:spcPts val="0"/>
+              </a:spcBef>
+              <a:spcAft>
+                <a:spcPts val="0"/>
+              </a:spcAft>
+              <a:buClr>
+                <a:schemeClr val="dk1"/>
+              </a:buClr>
+              <a:buSzPts val="3000"/>
+              <a:buFont typeface="Bebas Neue"/>
+              <a:buNone/>
+              <a:defRPr sz="3000" b="0" i="0" u="none" strike="noStrike" cap="none">
+                <a:solidFill>
+                  <a:schemeClr val="dk1"/>
+                </a:solidFill>
+                <a:latin typeface="Bebas Neue"/>
+                <a:ea typeface="Bebas Neue"/>
+                <a:cs typeface="Bebas Neue"/>
+                <a:sym typeface="Bebas Neue"/>
+              </a:defRPr>
+            </a:lvl5pPr>
+            <a:lvl6pPr marR="0" lvl="5" algn="l" rtl="0">
+              <a:lnSpc>
+                <a:spcPct val="100000"/>
+              </a:lnSpc>
+              <a:spcBef>
+                <a:spcPts val="0"/>
+              </a:spcBef>
+              <a:spcAft>
+                <a:spcPts val="0"/>
+              </a:spcAft>
+              <a:buClr>
+                <a:schemeClr val="dk1"/>
+              </a:buClr>
+              <a:buSzPts val="3000"/>
+              <a:buFont typeface="Bebas Neue"/>
+              <a:buNone/>
+              <a:defRPr sz="3000" b="0" i="0" u="none" strike="noStrike" cap="none">
+                <a:solidFill>
+                  <a:schemeClr val="dk1"/>
+                </a:solidFill>
+                <a:latin typeface="Bebas Neue"/>
+                <a:ea typeface="Bebas Neue"/>
+                <a:cs typeface="Bebas Neue"/>
+                <a:sym typeface="Bebas Neue"/>
+              </a:defRPr>
+            </a:lvl6pPr>
+            <a:lvl7pPr marR="0" lvl="6" algn="l" rtl="0">
+              <a:lnSpc>
+                <a:spcPct val="100000"/>
+              </a:lnSpc>
+              <a:spcBef>
+                <a:spcPts val="0"/>
+              </a:spcBef>
+              <a:spcAft>
+                <a:spcPts val="0"/>
+              </a:spcAft>
+              <a:buClr>
+                <a:schemeClr val="dk1"/>
+              </a:buClr>
+              <a:buSzPts val="3000"/>
+              <a:buFont typeface="Bebas Neue"/>
+              <a:buNone/>
+              <a:defRPr sz="3000" b="0" i="0" u="none" strike="noStrike" cap="none">
+                <a:solidFill>
+                  <a:schemeClr val="dk1"/>
+                </a:solidFill>
+                <a:latin typeface="Bebas Neue"/>
+                <a:ea typeface="Bebas Neue"/>
+                <a:cs typeface="Bebas Neue"/>
+                <a:sym typeface="Bebas Neue"/>
+              </a:defRPr>
+            </a:lvl7pPr>
+            <a:lvl8pPr marR="0" lvl="7" algn="l" rtl="0">
+              <a:lnSpc>
+                <a:spcPct val="100000"/>
+              </a:lnSpc>
+              <a:spcBef>
+                <a:spcPts val="0"/>
+              </a:spcBef>
+              <a:spcAft>
+                <a:spcPts val="0"/>
+              </a:spcAft>
+              <a:buClr>
+                <a:schemeClr val="dk1"/>
+              </a:buClr>
+              <a:buSzPts val="3000"/>
+              <a:buFont typeface="Bebas Neue"/>
+              <a:buNone/>
+              <a:defRPr sz="3000" b="0" i="0" u="none" strike="noStrike" cap="none">
+                <a:solidFill>
+                  <a:schemeClr val="dk1"/>
+                </a:solidFill>
+                <a:latin typeface="Bebas Neue"/>
+                <a:ea typeface="Bebas Neue"/>
+                <a:cs typeface="Bebas Neue"/>
+                <a:sym typeface="Bebas Neue"/>
+              </a:defRPr>
+            </a:lvl8pPr>
+            <a:lvl9pPr marR="0" lvl="8" algn="l" rtl="0">
+              <a:lnSpc>
+                <a:spcPct val="100000"/>
+              </a:lnSpc>
+              <a:spcBef>
+                <a:spcPts val="0"/>
+              </a:spcBef>
+              <a:spcAft>
+                <a:spcPts val="0"/>
+              </a:spcAft>
+              <a:buClr>
+                <a:schemeClr val="dk1"/>
+              </a:buClr>
+              <a:buSzPts val="3000"/>
+              <a:buFont typeface="Bebas Neue"/>
+              <a:buNone/>
+              <a:defRPr sz="3000" b="0" i="0" u="none" strike="noStrike" cap="none">
+                <a:solidFill>
+                  <a:schemeClr val="dk1"/>
+                </a:solidFill>
+                <a:latin typeface="Bebas Neue"/>
+                <a:ea typeface="Bebas Neue"/>
+                <a:cs typeface="Bebas Neue"/>
+                <a:sym typeface="Bebas Neue"/>
+              </a:defRPr>
+            </a:lvl9pPr>
+          </a:lstStyle>
+          <a:p>
+            <a:r>
+              <a:rPr lang="fr-FR" sz="1400" dirty="0"/>
+              <a:t>HEXBIN</a:t>
+            </a:r>
+          </a:p>
+        </p:txBody>
+      </p:sp>
+      <p:sp>
+        <p:nvSpPr>
+          <p:cNvPr id="2" name="Google Shape;621;p42">
+            <a:extLst>
+              <a:ext uri="{FF2B5EF4-FFF2-40B4-BE49-F238E27FC236}">
+                <a16:creationId xmlns:a16="http://schemas.microsoft.com/office/drawing/2014/main" id="{B25BA44B-7585-E0C5-9332-A2826F7649FF}"/>
+              </a:ext>
+            </a:extLst>
+          </p:cNvPr>
+          <p:cNvSpPr txBox="1"/>
+          <p:nvPr/>
+        </p:nvSpPr>
+        <p:spPr>
+          <a:xfrm>
+            <a:off x="2320666" y="1318437"/>
+            <a:ext cx="6823334" cy="519569"/>
+          </a:xfrm>
+          <a:prstGeom prst="rect">
+            <a:avLst/>
+          </a:prstGeom>
+          <a:noFill/>
+          <a:ln>
+            <a:noFill/>
+          </a:ln>
+        </p:spPr>
+        <p:txBody>
+          <a:bodyPr spcFirstLastPara="1" wrap="square" lIns="91425" tIns="91425" rIns="91425" bIns="91425" anchor="ctr" anchorCtr="0">
+            <a:noAutofit/>
+          </a:bodyPr>
+          <a:lstStyle/>
+          <a:p>
+            <a:pPr marL="285750" lvl="2" indent="-285750">
+              <a:buFont typeface="Arial" panose="020B0604020202020204" pitchFamily="34" charset="0"/>
+              <a:buChar char="•"/>
+            </a:pPr>
+            <a:r>
+              <a:rPr lang="fr-FR" b="1" dirty="0">
+                <a:solidFill>
+                  <a:schemeClr val="dk2"/>
+                </a:solidFill>
+                <a:latin typeface="Lato"/>
+                <a:ea typeface="Lato"/>
+                <a:cs typeface="Lato"/>
+                <a:sym typeface="Lato"/>
+              </a:rPr>
+              <a:t>Offre une alternative visuelle avec des bines hexagonaux pour explorer la relation entre deux variables.</a:t>
+            </a:r>
+            <a:endParaRPr lang="en-US" b="1" dirty="0">
+              <a:solidFill>
+                <a:schemeClr val="dk2"/>
+              </a:solidFill>
+              <a:latin typeface="Lato"/>
+              <a:ea typeface="Lato"/>
+              <a:cs typeface="Lato"/>
+              <a:sym typeface="Lato"/>
+            </a:endParaRPr>
+          </a:p>
+        </p:txBody>
+      </p:sp>
+      <p:pic>
+        <p:nvPicPr>
+          <p:cNvPr id="5" name="Image 4">
+            <a:extLst>
+              <a:ext uri="{FF2B5EF4-FFF2-40B4-BE49-F238E27FC236}">
+                <a16:creationId xmlns:a16="http://schemas.microsoft.com/office/drawing/2014/main" id="{D277C2C1-47D2-DDAF-A4DA-756E20936883}"/>
+              </a:ext>
+            </a:extLst>
+          </p:cNvPr>
+          <p:cNvPicPr>
+            <a:picLocks noChangeAspect="1"/>
+          </p:cNvPicPr>
+          <p:nvPr/>
+        </p:nvPicPr>
+        <p:blipFill>
+          <a:blip r:embed="rId3"/>
+          <a:stretch>
+            <a:fillRect/>
+          </a:stretch>
+        </p:blipFill>
+        <p:spPr>
+          <a:xfrm>
+            <a:off x="2727250" y="1920412"/>
+            <a:ext cx="3689498" cy="2767124"/>
+          </a:xfrm>
+          <a:prstGeom prst="rect">
+            <a:avLst/>
+          </a:prstGeom>
+        </p:spPr>
+      </p:pic>
+    </p:spTree>
+    <p:extLst>
+      <p:ext uri="{BB962C8B-B14F-4D97-AF65-F5344CB8AC3E}">
+        <p14:creationId xmlns:p14="http://schemas.microsoft.com/office/powerpoint/2010/main" val="2819826588"/>
+      </p:ext>
+    </p:extLst>
+  </p:cSld>
+  <p:clrMapOvr>
+    <a:masterClrMapping/>
+  </p:clrMapOvr>
+</p:sld>
+</file>
+
+<file path=ppt/slides/slide49.xml><?xml version="1.0" encoding="utf-8"?>
+<p:sld xmlns:a="http://schemas.openxmlformats.org/drawingml/2006/main" xmlns:r="http://schemas.openxmlformats.org/officeDocument/2006/relationships" xmlns:p="http://schemas.openxmlformats.org/presentationml/2006/main">
+  <p:cSld>
+    <p:spTree>
+      <p:nvGrpSpPr>
+        <p:cNvPr id="1" name="Shape 945"/>
+        <p:cNvGrpSpPr/>
+        <p:nvPr/>
+      </p:nvGrpSpPr>
+      <p:grpSpPr>
+        <a:xfrm>
+          <a:off x="0" y="0"/>
+          <a:ext cx="0" cy="0"/>
+          <a:chOff x="0" y="0"/>
+          <a:chExt cx="0" cy="0"/>
+        </a:xfrm>
+      </p:grpSpPr>
+      <p:sp>
+        <p:nvSpPr>
+          <p:cNvPr id="7" name="Google Shape;946;p54">
+            <a:extLst>
+              <a:ext uri="{FF2B5EF4-FFF2-40B4-BE49-F238E27FC236}">
+                <a16:creationId xmlns:a16="http://schemas.microsoft.com/office/drawing/2014/main" id="{32FCF576-D072-76B0-16AF-46AF98856AB8}"/>
+              </a:ext>
+            </a:extLst>
+          </p:cNvPr>
+          <p:cNvSpPr/>
+          <p:nvPr/>
+        </p:nvSpPr>
+        <p:spPr>
+          <a:xfrm>
+            <a:off x="2833950" y="369574"/>
+            <a:ext cx="3476099" cy="735963"/>
+          </a:xfrm>
+          <a:prstGeom prst="roundRect">
+            <a:avLst>
+              <a:gd name="adj" fmla="val 6740"/>
+            </a:avLst>
+          </a:prstGeom>
+          <a:solidFill>
+            <a:schemeClr val="lt2"/>
+          </a:solidFill>
+          <a:ln w="28575" cap="flat" cmpd="sng">
+            <a:solidFill>
+              <a:schemeClr val="dk1"/>
+            </a:solidFill>
+            <a:prstDash val="solid"/>
+            <a:round/>
+            <a:headEnd type="none" w="sm" len="sm"/>
+            <a:tailEnd type="none" w="sm" len="sm"/>
+          </a:ln>
+          <a:effectLst>
+            <a:outerShdw dist="85725" dir="3960000" algn="bl" rotWithShape="0">
+              <a:schemeClr val="dk1"/>
+            </a:outerShdw>
+          </a:effectLst>
+        </p:spPr>
+        <p:txBody>
+          <a:bodyPr spcFirstLastPara="1" wrap="square" lIns="91425" tIns="91425" rIns="91425" bIns="91425" anchor="ctr" anchorCtr="0">
+            <a:noAutofit/>
+          </a:bodyPr>
+          <a:lstStyle/>
+          <a:p>
+            <a:pPr marL="0" lvl="0" indent="0" algn="l" rtl="0">
+              <a:spcBef>
+                <a:spcPts val="0"/>
+              </a:spcBef>
+              <a:spcAft>
+                <a:spcPts val="0"/>
+              </a:spcAft>
+              <a:buNone/>
+            </a:pPr>
+            <a:endParaRPr/>
+          </a:p>
+        </p:txBody>
+      </p:sp>
+      <p:sp>
+        <p:nvSpPr>
+          <p:cNvPr id="8" name="Google Shape;948;p54">
+            <a:extLst>
+              <a:ext uri="{FF2B5EF4-FFF2-40B4-BE49-F238E27FC236}">
+                <a16:creationId xmlns:a16="http://schemas.microsoft.com/office/drawing/2014/main" id="{84C74B68-B822-7701-D63F-0AA4D63644E2}"/>
+              </a:ext>
+            </a:extLst>
+          </p:cNvPr>
+          <p:cNvSpPr txBox="1">
+            <a:spLocks/>
+          </p:cNvSpPr>
+          <p:nvPr/>
+        </p:nvSpPr>
+        <p:spPr>
+          <a:xfrm>
+            <a:off x="3042744" y="418539"/>
+            <a:ext cx="3058510" cy="816163"/>
+          </a:xfrm>
+          <a:prstGeom prst="rect">
+            <a:avLst/>
+          </a:prstGeom>
+          <a:noFill/>
+          <a:ln>
+            <a:noFill/>
+          </a:ln>
+        </p:spPr>
+        <p:txBody>
+          <a:bodyPr spcFirstLastPara="1" wrap="square" lIns="91425" tIns="91425" rIns="91425" bIns="91425" anchor="b" anchorCtr="0">
+            <a:noAutofit/>
+          </a:bodyPr>
+          <a:lstStyle>
+            <a:defPPr marR="0" lvl="0" algn="l" rtl="0">
+              <a:lnSpc>
+                <a:spcPct val="100000"/>
+              </a:lnSpc>
+              <a:spcBef>
+                <a:spcPts val="0"/>
+              </a:spcBef>
+              <a:spcAft>
+                <a:spcPts val="0"/>
+              </a:spcAft>
+            </a:defPPr>
+            <a:lvl1pPr marR="0" lvl="0" algn="ctr" rtl="0">
+              <a:lnSpc>
+                <a:spcPct val="100000"/>
+              </a:lnSpc>
+              <a:spcBef>
+                <a:spcPts val="0"/>
+              </a:spcBef>
+              <a:spcAft>
+                <a:spcPts val="0"/>
+              </a:spcAft>
+              <a:buClr>
+                <a:schemeClr val="dk1"/>
+              </a:buClr>
+              <a:buSzPts val="3000"/>
+              <a:buFont typeface="Varela Round"/>
+              <a:buNone/>
+              <a:defRPr sz="3000" b="1" i="0" u="none" strike="noStrike" cap="none">
+                <a:solidFill>
+                  <a:schemeClr val="dk1"/>
+                </a:solidFill>
+                <a:latin typeface="Varela Round"/>
+                <a:ea typeface="Varela Round"/>
+                <a:cs typeface="Varela Round"/>
+                <a:sym typeface="Varela Round"/>
+              </a:defRPr>
+            </a:lvl1pPr>
+            <a:lvl2pPr marR="0" lvl="1" algn="l" rtl="0">
+              <a:lnSpc>
+                <a:spcPct val="100000"/>
+              </a:lnSpc>
+              <a:spcBef>
+                <a:spcPts val="0"/>
+              </a:spcBef>
+              <a:spcAft>
+                <a:spcPts val="0"/>
+              </a:spcAft>
+              <a:buClr>
+                <a:schemeClr val="dk1"/>
+              </a:buClr>
+              <a:buSzPts val="3000"/>
+              <a:buFont typeface="Bebas Neue"/>
+              <a:buNone/>
+              <a:defRPr sz="3000" b="0" i="0" u="none" strike="noStrike" cap="none">
+                <a:solidFill>
+                  <a:schemeClr val="dk1"/>
+                </a:solidFill>
+                <a:latin typeface="Bebas Neue"/>
+                <a:ea typeface="Bebas Neue"/>
+                <a:cs typeface="Bebas Neue"/>
+                <a:sym typeface="Bebas Neue"/>
+              </a:defRPr>
+            </a:lvl2pPr>
+            <a:lvl3pPr marR="0" lvl="2" algn="l" rtl="0">
+              <a:lnSpc>
+                <a:spcPct val="100000"/>
+              </a:lnSpc>
+              <a:spcBef>
+                <a:spcPts val="0"/>
+              </a:spcBef>
+              <a:spcAft>
+                <a:spcPts val="0"/>
+              </a:spcAft>
+              <a:buClr>
+                <a:schemeClr val="dk1"/>
+              </a:buClr>
+              <a:buSzPts val="3000"/>
+              <a:buFont typeface="Bebas Neue"/>
+              <a:buNone/>
+              <a:defRPr sz="3000" b="0" i="0" u="none" strike="noStrike" cap="none">
+                <a:solidFill>
+                  <a:schemeClr val="dk1"/>
+                </a:solidFill>
+                <a:latin typeface="Bebas Neue"/>
+                <a:ea typeface="Bebas Neue"/>
+                <a:cs typeface="Bebas Neue"/>
+                <a:sym typeface="Bebas Neue"/>
+              </a:defRPr>
+            </a:lvl3pPr>
+            <a:lvl4pPr marR="0" lvl="3" algn="l" rtl="0">
+              <a:lnSpc>
+                <a:spcPct val="100000"/>
+              </a:lnSpc>
+              <a:spcBef>
+                <a:spcPts val="0"/>
+              </a:spcBef>
+              <a:spcAft>
+                <a:spcPts val="0"/>
+              </a:spcAft>
+              <a:buClr>
+                <a:schemeClr val="dk1"/>
+              </a:buClr>
+              <a:buSzPts val="3000"/>
+              <a:buFont typeface="Bebas Neue"/>
+              <a:buNone/>
+              <a:defRPr sz="3000" b="0" i="0" u="none" strike="noStrike" cap="none">
+                <a:solidFill>
+                  <a:schemeClr val="dk1"/>
+                </a:solidFill>
+                <a:latin typeface="Bebas Neue"/>
+                <a:ea typeface="Bebas Neue"/>
+                <a:cs typeface="Bebas Neue"/>
+                <a:sym typeface="Bebas Neue"/>
+              </a:defRPr>
+            </a:lvl4pPr>
+            <a:lvl5pPr marR="0" lvl="4" algn="l" rtl="0">
+              <a:lnSpc>
+                <a:spcPct val="100000"/>
+              </a:lnSpc>
+              <a:spcBef>
+                <a:spcPts val="0"/>
+              </a:spcBef>
+              <a:spcAft>
+                <a:spcPts val="0"/>
+              </a:spcAft>
+              <a:buClr>
+                <a:schemeClr val="dk1"/>
+              </a:buClr>
+              <a:buSzPts val="3000"/>
+              <a:buFont typeface="Bebas Neue"/>
+              <a:buNone/>
+              <a:defRPr sz="3000" b="0" i="0" u="none" strike="noStrike" cap="none">
+                <a:solidFill>
+                  <a:schemeClr val="dk1"/>
+                </a:solidFill>
+                <a:latin typeface="Bebas Neue"/>
+                <a:ea typeface="Bebas Neue"/>
+                <a:cs typeface="Bebas Neue"/>
+                <a:sym typeface="Bebas Neue"/>
+              </a:defRPr>
+            </a:lvl5pPr>
+            <a:lvl6pPr marR="0" lvl="5" algn="l" rtl="0">
+              <a:lnSpc>
+                <a:spcPct val="100000"/>
+              </a:lnSpc>
+              <a:spcBef>
+                <a:spcPts val="0"/>
+              </a:spcBef>
+              <a:spcAft>
+                <a:spcPts val="0"/>
+              </a:spcAft>
+              <a:buClr>
+                <a:schemeClr val="dk1"/>
+              </a:buClr>
+              <a:buSzPts val="3000"/>
+              <a:buFont typeface="Bebas Neue"/>
+              <a:buNone/>
+              <a:defRPr sz="3000" b="0" i="0" u="none" strike="noStrike" cap="none">
+                <a:solidFill>
+                  <a:schemeClr val="dk1"/>
+                </a:solidFill>
+                <a:latin typeface="Bebas Neue"/>
+                <a:ea typeface="Bebas Neue"/>
+                <a:cs typeface="Bebas Neue"/>
+                <a:sym typeface="Bebas Neue"/>
+              </a:defRPr>
+            </a:lvl6pPr>
+            <a:lvl7pPr marR="0" lvl="6" algn="l" rtl="0">
+              <a:lnSpc>
+                <a:spcPct val="100000"/>
+              </a:lnSpc>
+              <a:spcBef>
+                <a:spcPts val="0"/>
+              </a:spcBef>
+              <a:spcAft>
+                <a:spcPts val="0"/>
+              </a:spcAft>
+              <a:buClr>
+                <a:schemeClr val="dk1"/>
+              </a:buClr>
+              <a:buSzPts val="3000"/>
+              <a:buFont typeface="Bebas Neue"/>
+              <a:buNone/>
+              <a:defRPr sz="3000" b="0" i="0" u="none" strike="noStrike" cap="none">
+                <a:solidFill>
+                  <a:schemeClr val="dk1"/>
+                </a:solidFill>
+                <a:latin typeface="Bebas Neue"/>
+                <a:ea typeface="Bebas Neue"/>
+                <a:cs typeface="Bebas Neue"/>
+                <a:sym typeface="Bebas Neue"/>
+              </a:defRPr>
+            </a:lvl7pPr>
+            <a:lvl8pPr marR="0" lvl="7" algn="l" rtl="0">
+              <a:lnSpc>
+                <a:spcPct val="100000"/>
+              </a:lnSpc>
+              <a:spcBef>
+                <a:spcPts val="0"/>
+              </a:spcBef>
+              <a:spcAft>
+                <a:spcPts val="0"/>
+              </a:spcAft>
+              <a:buClr>
+                <a:schemeClr val="dk1"/>
+              </a:buClr>
+              <a:buSzPts val="3000"/>
+              <a:buFont typeface="Bebas Neue"/>
+              <a:buNone/>
+              <a:defRPr sz="3000" b="0" i="0" u="none" strike="noStrike" cap="none">
+                <a:solidFill>
+                  <a:schemeClr val="dk1"/>
+                </a:solidFill>
+                <a:latin typeface="Bebas Neue"/>
+                <a:ea typeface="Bebas Neue"/>
+                <a:cs typeface="Bebas Neue"/>
+                <a:sym typeface="Bebas Neue"/>
+              </a:defRPr>
+            </a:lvl8pPr>
+            <a:lvl9pPr marR="0" lvl="8" algn="l" rtl="0">
+              <a:lnSpc>
+                <a:spcPct val="100000"/>
+              </a:lnSpc>
+              <a:spcBef>
+                <a:spcPts val="0"/>
+              </a:spcBef>
+              <a:spcAft>
+                <a:spcPts val="0"/>
+              </a:spcAft>
+              <a:buClr>
+                <a:schemeClr val="dk1"/>
+              </a:buClr>
+              <a:buSzPts val="3000"/>
+              <a:buFont typeface="Bebas Neue"/>
+              <a:buNone/>
+              <a:defRPr sz="3000" b="0" i="0" u="none" strike="noStrike" cap="none">
+                <a:solidFill>
+                  <a:schemeClr val="dk1"/>
+                </a:solidFill>
+                <a:latin typeface="Bebas Neue"/>
+                <a:ea typeface="Bebas Neue"/>
+                <a:cs typeface="Bebas Neue"/>
+                <a:sym typeface="Bebas Neue"/>
+              </a:defRPr>
+            </a:lvl9pPr>
+          </a:lstStyle>
+          <a:p>
+            <a:r>
+              <a:rPr lang="fr-FR" sz="2400" b="1" i="0" dirty="0">
+                <a:effectLst/>
+                <a:latin typeface="Söhne"/>
+              </a:rPr>
+              <a:t>Types de Graphiques Disponibles</a:t>
+            </a:r>
+            <a:endParaRPr lang="fr-FR" sz="2400" dirty="0"/>
+          </a:p>
+        </p:txBody>
+      </p:sp>
+      <p:sp>
+        <p:nvSpPr>
+          <p:cNvPr id="3" name="Google Shape;946;p54">
+            <a:extLst>
+              <a:ext uri="{FF2B5EF4-FFF2-40B4-BE49-F238E27FC236}">
+                <a16:creationId xmlns:a16="http://schemas.microsoft.com/office/drawing/2014/main" id="{63E33E90-6FF6-DC6E-DC6C-6E86948BB43E}"/>
+              </a:ext>
+            </a:extLst>
+          </p:cNvPr>
+          <p:cNvSpPr/>
+          <p:nvPr/>
+        </p:nvSpPr>
+        <p:spPr>
+          <a:xfrm>
+            <a:off x="748084" y="1318437"/>
+            <a:ext cx="1426496" cy="419918"/>
+          </a:xfrm>
+          <a:prstGeom prst="roundRect">
+            <a:avLst>
+              <a:gd name="adj" fmla="val 6740"/>
+            </a:avLst>
+          </a:prstGeom>
+          <a:solidFill>
+            <a:schemeClr val="lt2"/>
+          </a:solidFill>
+          <a:ln w="28575" cap="flat" cmpd="sng">
+            <a:solidFill>
+              <a:schemeClr val="dk1"/>
+            </a:solidFill>
+            <a:prstDash val="solid"/>
+            <a:round/>
+            <a:headEnd type="none" w="sm" len="sm"/>
+            <a:tailEnd type="none" w="sm" len="sm"/>
+          </a:ln>
+          <a:effectLst>
+            <a:outerShdw dist="85725" dir="3960000" algn="bl" rotWithShape="0">
+              <a:schemeClr val="dk1"/>
+            </a:outerShdw>
+          </a:effectLst>
+        </p:spPr>
+        <p:txBody>
+          <a:bodyPr spcFirstLastPara="1" wrap="square" lIns="91425" tIns="91425" rIns="91425" bIns="91425" anchor="ctr" anchorCtr="0">
+            <a:noAutofit/>
+          </a:bodyPr>
+          <a:lstStyle/>
+          <a:p>
+            <a:pPr marL="0" lvl="0" indent="0" algn="l" rtl="0">
+              <a:spcBef>
+                <a:spcPts val="0"/>
+              </a:spcBef>
+              <a:spcAft>
+                <a:spcPts val="0"/>
+              </a:spcAft>
+              <a:buNone/>
+            </a:pPr>
+            <a:endParaRPr/>
+          </a:p>
+        </p:txBody>
+      </p:sp>
+      <p:sp>
+        <p:nvSpPr>
+          <p:cNvPr id="4" name="Google Shape;948;p54">
+            <a:extLst>
+              <a:ext uri="{FF2B5EF4-FFF2-40B4-BE49-F238E27FC236}">
+                <a16:creationId xmlns:a16="http://schemas.microsoft.com/office/drawing/2014/main" id="{D8E2D311-1179-757F-BEAD-9E8B8B5A02A7}"/>
+              </a:ext>
+            </a:extLst>
+          </p:cNvPr>
+          <p:cNvSpPr txBox="1">
+            <a:spLocks/>
+          </p:cNvSpPr>
+          <p:nvPr/>
+        </p:nvSpPr>
+        <p:spPr>
+          <a:xfrm>
+            <a:off x="607091" y="1298753"/>
+            <a:ext cx="1689542" cy="486333"/>
+          </a:xfrm>
+          <a:prstGeom prst="rect">
+            <a:avLst/>
+          </a:prstGeom>
+          <a:noFill/>
+          <a:ln>
+            <a:noFill/>
+          </a:ln>
+        </p:spPr>
+        <p:txBody>
+          <a:bodyPr spcFirstLastPara="1" wrap="square" lIns="91425" tIns="91425" rIns="91425" bIns="91425" anchor="b" anchorCtr="0">
+            <a:noAutofit/>
+          </a:bodyPr>
+          <a:lstStyle>
+            <a:defPPr marR="0" lvl="0" algn="l" rtl="0">
+              <a:lnSpc>
+                <a:spcPct val="100000"/>
+              </a:lnSpc>
+              <a:spcBef>
+                <a:spcPts val="0"/>
+              </a:spcBef>
+              <a:spcAft>
+                <a:spcPts val="0"/>
+              </a:spcAft>
+            </a:defPPr>
+            <a:lvl1pPr marR="0" lvl="0" algn="ctr" rtl="0">
+              <a:lnSpc>
+                <a:spcPct val="100000"/>
+              </a:lnSpc>
+              <a:spcBef>
+                <a:spcPts val="0"/>
+              </a:spcBef>
+              <a:spcAft>
+                <a:spcPts val="0"/>
+              </a:spcAft>
+              <a:buClr>
+                <a:schemeClr val="dk1"/>
+              </a:buClr>
+              <a:buSzPts val="3000"/>
+              <a:buFont typeface="Varela Round"/>
+              <a:buNone/>
+              <a:defRPr sz="3000" b="1" i="0" u="none" strike="noStrike" cap="none">
+                <a:solidFill>
+                  <a:schemeClr val="dk1"/>
+                </a:solidFill>
+                <a:latin typeface="Varela Round"/>
+                <a:ea typeface="Varela Round"/>
+                <a:cs typeface="Varela Round"/>
+                <a:sym typeface="Varela Round"/>
+              </a:defRPr>
+            </a:lvl1pPr>
+            <a:lvl2pPr marR="0" lvl="1" algn="l" rtl="0">
+              <a:lnSpc>
+                <a:spcPct val="100000"/>
+              </a:lnSpc>
+              <a:spcBef>
+                <a:spcPts val="0"/>
+              </a:spcBef>
+              <a:spcAft>
+                <a:spcPts val="0"/>
+              </a:spcAft>
+              <a:buClr>
+                <a:schemeClr val="dk1"/>
+              </a:buClr>
+              <a:buSzPts val="3000"/>
+              <a:buFont typeface="Bebas Neue"/>
+              <a:buNone/>
+              <a:defRPr sz="3000" b="0" i="0" u="none" strike="noStrike" cap="none">
+                <a:solidFill>
+                  <a:schemeClr val="dk1"/>
+                </a:solidFill>
+                <a:latin typeface="Bebas Neue"/>
+                <a:ea typeface="Bebas Neue"/>
+                <a:cs typeface="Bebas Neue"/>
+                <a:sym typeface="Bebas Neue"/>
+              </a:defRPr>
+            </a:lvl2pPr>
+            <a:lvl3pPr marR="0" lvl="2" algn="l" rtl="0">
+              <a:lnSpc>
+                <a:spcPct val="100000"/>
+              </a:lnSpc>
+              <a:spcBef>
+                <a:spcPts val="0"/>
+              </a:spcBef>
+              <a:spcAft>
+                <a:spcPts val="0"/>
+              </a:spcAft>
+              <a:buClr>
+                <a:schemeClr val="dk1"/>
+              </a:buClr>
+              <a:buSzPts val="3000"/>
+              <a:buFont typeface="Bebas Neue"/>
+              <a:buNone/>
+              <a:defRPr sz="3000" b="0" i="0" u="none" strike="noStrike" cap="none">
+                <a:solidFill>
+                  <a:schemeClr val="dk1"/>
+                </a:solidFill>
+                <a:latin typeface="Bebas Neue"/>
+                <a:ea typeface="Bebas Neue"/>
+                <a:cs typeface="Bebas Neue"/>
+                <a:sym typeface="Bebas Neue"/>
+              </a:defRPr>
+            </a:lvl3pPr>
+            <a:lvl4pPr marR="0" lvl="3" algn="l" rtl="0">
+              <a:lnSpc>
+                <a:spcPct val="100000"/>
+              </a:lnSpc>
+              <a:spcBef>
+                <a:spcPts val="0"/>
+              </a:spcBef>
+              <a:spcAft>
+                <a:spcPts val="0"/>
+              </a:spcAft>
+              <a:buClr>
+                <a:schemeClr val="dk1"/>
+              </a:buClr>
+              <a:buSzPts val="3000"/>
+              <a:buFont typeface="Bebas Neue"/>
+              <a:buNone/>
+              <a:defRPr sz="3000" b="0" i="0" u="none" strike="noStrike" cap="none">
+                <a:solidFill>
+                  <a:schemeClr val="dk1"/>
+                </a:solidFill>
+                <a:latin typeface="Bebas Neue"/>
+                <a:ea typeface="Bebas Neue"/>
+                <a:cs typeface="Bebas Neue"/>
+                <a:sym typeface="Bebas Neue"/>
+              </a:defRPr>
+            </a:lvl4pPr>
+            <a:lvl5pPr marR="0" lvl="4" algn="l" rtl="0">
+              <a:lnSpc>
+                <a:spcPct val="100000"/>
+              </a:lnSpc>
+              <a:spcBef>
+                <a:spcPts val="0"/>
+              </a:spcBef>
+              <a:spcAft>
+                <a:spcPts val="0"/>
+              </a:spcAft>
+              <a:buClr>
+                <a:schemeClr val="dk1"/>
+              </a:buClr>
+              <a:buSzPts val="3000"/>
+              <a:buFont typeface="Bebas Neue"/>
+              <a:buNone/>
+              <a:defRPr sz="3000" b="0" i="0" u="none" strike="noStrike" cap="none">
+                <a:solidFill>
+                  <a:schemeClr val="dk1"/>
+                </a:solidFill>
+                <a:latin typeface="Bebas Neue"/>
+                <a:ea typeface="Bebas Neue"/>
+                <a:cs typeface="Bebas Neue"/>
+                <a:sym typeface="Bebas Neue"/>
+              </a:defRPr>
+            </a:lvl5pPr>
+            <a:lvl6pPr marR="0" lvl="5" algn="l" rtl="0">
+              <a:lnSpc>
+                <a:spcPct val="100000"/>
+              </a:lnSpc>
+              <a:spcBef>
+                <a:spcPts val="0"/>
+              </a:spcBef>
+              <a:spcAft>
+                <a:spcPts val="0"/>
+              </a:spcAft>
+              <a:buClr>
+                <a:schemeClr val="dk1"/>
+              </a:buClr>
+              <a:buSzPts val="3000"/>
+              <a:buFont typeface="Bebas Neue"/>
+              <a:buNone/>
+              <a:defRPr sz="3000" b="0" i="0" u="none" strike="noStrike" cap="none">
+                <a:solidFill>
+                  <a:schemeClr val="dk1"/>
+                </a:solidFill>
+                <a:latin typeface="Bebas Neue"/>
+                <a:ea typeface="Bebas Neue"/>
+                <a:cs typeface="Bebas Neue"/>
+                <a:sym typeface="Bebas Neue"/>
+              </a:defRPr>
+            </a:lvl6pPr>
+            <a:lvl7pPr marR="0" lvl="6" algn="l" rtl="0">
+              <a:lnSpc>
+                <a:spcPct val="100000"/>
+              </a:lnSpc>
+              <a:spcBef>
+                <a:spcPts val="0"/>
+              </a:spcBef>
+              <a:spcAft>
+                <a:spcPts val="0"/>
+              </a:spcAft>
+              <a:buClr>
+                <a:schemeClr val="dk1"/>
+              </a:buClr>
+              <a:buSzPts val="3000"/>
+              <a:buFont typeface="Bebas Neue"/>
+              <a:buNone/>
+              <a:defRPr sz="3000" b="0" i="0" u="none" strike="noStrike" cap="none">
+                <a:solidFill>
+                  <a:schemeClr val="dk1"/>
+                </a:solidFill>
+                <a:latin typeface="Bebas Neue"/>
+                <a:ea typeface="Bebas Neue"/>
+                <a:cs typeface="Bebas Neue"/>
+                <a:sym typeface="Bebas Neue"/>
+              </a:defRPr>
+            </a:lvl7pPr>
+            <a:lvl8pPr marR="0" lvl="7" algn="l" rtl="0">
+              <a:lnSpc>
+                <a:spcPct val="100000"/>
+              </a:lnSpc>
+              <a:spcBef>
+                <a:spcPts val="0"/>
+              </a:spcBef>
+              <a:spcAft>
+                <a:spcPts val="0"/>
+              </a:spcAft>
+              <a:buClr>
+                <a:schemeClr val="dk1"/>
+              </a:buClr>
+              <a:buSzPts val="3000"/>
+              <a:buFont typeface="Bebas Neue"/>
+              <a:buNone/>
+              <a:defRPr sz="3000" b="0" i="0" u="none" strike="noStrike" cap="none">
+                <a:solidFill>
+                  <a:schemeClr val="dk1"/>
+                </a:solidFill>
+                <a:latin typeface="Bebas Neue"/>
+                <a:ea typeface="Bebas Neue"/>
+                <a:cs typeface="Bebas Neue"/>
+                <a:sym typeface="Bebas Neue"/>
+              </a:defRPr>
+            </a:lvl8pPr>
+            <a:lvl9pPr marR="0" lvl="8" algn="l" rtl="0">
+              <a:lnSpc>
+                <a:spcPct val="100000"/>
+              </a:lnSpc>
+              <a:spcBef>
+                <a:spcPts val="0"/>
+              </a:spcBef>
+              <a:spcAft>
+                <a:spcPts val="0"/>
+              </a:spcAft>
+              <a:buClr>
+                <a:schemeClr val="dk1"/>
+              </a:buClr>
+              <a:buSzPts val="3000"/>
+              <a:buFont typeface="Bebas Neue"/>
+              <a:buNone/>
+              <a:defRPr sz="3000" b="0" i="0" u="none" strike="noStrike" cap="none">
+                <a:solidFill>
+                  <a:schemeClr val="dk1"/>
+                </a:solidFill>
+                <a:latin typeface="Bebas Neue"/>
+                <a:ea typeface="Bebas Neue"/>
+                <a:cs typeface="Bebas Neue"/>
+                <a:sym typeface="Bebas Neue"/>
+              </a:defRPr>
+            </a:lvl9pPr>
+          </a:lstStyle>
+          <a:p>
+            <a:r>
+              <a:rPr lang="fr-FR" sz="1400" dirty="0"/>
+              <a:t>PIE</a:t>
+            </a:r>
+          </a:p>
+        </p:txBody>
+      </p:sp>
+      <p:sp>
+        <p:nvSpPr>
+          <p:cNvPr id="2" name="Google Shape;621;p42">
+            <a:extLst>
+              <a:ext uri="{FF2B5EF4-FFF2-40B4-BE49-F238E27FC236}">
+                <a16:creationId xmlns:a16="http://schemas.microsoft.com/office/drawing/2014/main" id="{B25BA44B-7585-E0C5-9332-A2826F7649FF}"/>
+              </a:ext>
+            </a:extLst>
+          </p:cNvPr>
+          <p:cNvSpPr txBox="1"/>
+          <p:nvPr/>
+        </p:nvSpPr>
+        <p:spPr>
+          <a:xfrm>
+            <a:off x="2320666" y="1318437"/>
+            <a:ext cx="6823334" cy="519569"/>
+          </a:xfrm>
+          <a:prstGeom prst="rect">
+            <a:avLst/>
+          </a:prstGeom>
+          <a:noFill/>
+          <a:ln>
+            <a:noFill/>
+          </a:ln>
+        </p:spPr>
+        <p:txBody>
+          <a:bodyPr spcFirstLastPara="1" wrap="square" lIns="91425" tIns="91425" rIns="91425" bIns="91425" anchor="ctr" anchorCtr="0">
+            <a:noAutofit/>
+          </a:bodyPr>
+          <a:lstStyle/>
+          <a:p>
+            <a:pPr marL="285750" lvl="2" indent="-285750">
+              <a:buFont typeface="Arial" panose="020B0604020202020204" pitchFamily="34" charset="0"/>
+              <a:buChar char="•"/>
+            </a:pPr>
+            <a:r>
+              <a:rPr lang="fr-FR" b="1" dirty="0">
+                <a:solidFill>
+                  <a:schemeClr val="dk2"/>
+                </a:solidFill>
+                <a:latin typeface="Lato"/>
+                <a:ea typeface="Lato"/>
+                <a:cs typeface="Lato"/>
+                <a:sym typeface="Lato"/>
+              </a:rPr>
+              <a:t>Pratique pour afficher la proportion de données catégorielles sous forme de graphiques en camembert.</a:t>
+            </a:r>
+            <a:endParaRPr lang="en-US" b="1" dirty="0">
+              <a:solidFill>
+                <a:schemeClr val="dk2"/>
+              </a:solidFill>
+              <a:latin typeface="Lato"/>
+              <a:ea typeface="Lato"/>
+              <a:cs typeface="Lato"/>
+              <a:sym typeface="Lato"/>
+            </a:endParaRPr>
+          </a:p>
+        </p:txBody>
+      </p:sp>
+      <p:pic>
+        <p:nvPicPr>
+          <p:cNvPr id="5" name="Image 4">
+            <a:extLst>
+              <a:ext uri="{FF2B5EF4-FFF2-40B4-BE49-F238E27FC236}">
+                <a16:creationId xmlns:a16="http://schemas.microsoft.com/office/drawing/2014/main" id="{9B1F675C-CDFC-FE43-1BA5-8F2624CB0828}"/>
+              </a:ext>
+            </a:extLst>
+          </p:cNvPr>
+          <p:cNvPicPr>
+            <a:picLocks noChangeAspect="1"/>
+          </p:cNvPicPr>
+          <p:nvPr/>
+        </p:nvPicPr>
+        <p:blipFill>
+          <a:blip r:embed="rId3"/>
+          <a:stretch>
+            <a:fillRect/>
+          </a:stretch>
+        </p:blipFill>
+        <p:spPr>
+          <a:xfrm>
+            <a:off x="3175432" y="1908928"/>
+            <a:ext cx="2793134" cy="2793134"/>
+          </a:xfrm>
+          <a:prstGeom prst="rect">
+            <a:avLst/>
+          </a:prstGeom>
+        </p:spPr>
+      </p:pic>
+    </p:spTree>
+    <p:extLst>
+      <p:ext uri="{BB962C8B-B14F-4D97-AF65-F5344CB8AC3E}">
+        <p14:creationId xmlns:p14="http://schemas.microsoft.com/office/powerpoint/2010/main" val="2866175465"/>
+      </p:ext>
+    </p:extLst>
   </p:cSld>
   <p:clrMapOvr>
     <a:masterClrMapping/>

--- a/SEMESTER 1/Modélisation avec Python/M- Pandas/Presentation/Pandas.pptx
+++ b/SEMESTER 1/Modélisation avec Python/M- Pandas/Presentation/Pandas.pptx
@@ -5,7 +5,7 @@
     <p:sldMasterId id="2147483674" r:id="rId1"/>
   </p:sldMasterIdLst>
   <p:notesMasterIdLst>
-    <p:notesMasterId r:id="rId51"/>
+    <p:notesMasterId r:id="rId53"/>
   </p:notesMasterIdLst>
   <p:sldIdLst>
     <p:sldId id="308" r:id="rId2"/>
@@ -57,6 +57,8 @@
     <p:sldId id="358" r:id="rId48"/>
     <p:sldId id="359" r:id="rId49"/>
     <p:sldId id="360" r:id="rId50"/>
+    <p:sldId id="361" r:id="rId51"/>
+    <p:sldId id="280" r:id="rId52"/>
   </p:sldIdLst>
   <p:sldSz cx="9144000" cy="5143500" type="screen16x9"/>
   <p:notesSz cx="6858000" cy="9144000"/>
@@ -5400,6 +5402,115 @@
 </p:notes>
 </file>
 
+<file path=ppt/notesSlides/notesSlide49.xml><?xml version="1.0" encoding="utf-8"?>
+<p:notes xmlns:a="http://schemas.openxmlformats.org/drawingml/2006/main" xmlns:r="http://schemas.openxmlformats.org/officeDocument/2006/relationships" xmlns:p="http://schemas.openxmlformats.org/presentationml/2006/main" showMasterSp="0" showMasterPhAnim="0">
+  <p:cSld>
+    <p:spTree>
+      <p:nvGrpSpPr>
+        <p:cNvPr id="1" name="Shape 503"/>
+        <p:cNvGrpSpPr/>
+        <p:nvPr/>
+      </p:nvGrpSpPr>
+      <p:grpSpPr>
+        <a:xfrm>
+          <a:off x="0" y="0"/>
+          <a:ext cx="0" cy="0"/>
+          <a:chOff x="0" y="0"/>
+          <a:chExt cx="0" cy="0"/>
+        </a:xfrm>
+      </p:grpSpPr>
+      <p:sp>
+        <p:nvSpPr>
+          <p:cNvPr id="504" name="Google Shape;504;gdd09e57de2_0_36:notes"/>
+          <p:cNvSpPr>
+            <a:spLocks noGrp="1" noRot="1" noChangeAspect="1"/>
+          </p:cNvSpPr>
+          <p:nvPr>
+            <p:ph type="sldImg" idx="2"/>
+          </p:nvPr>
+        </p:nvSpPr>
+        <p:spPr>
+          <a:xfrm>
+            <a:off x="381000" y="685800"/>
+            <a:ext cx="6096000" cy="3429000"/>
+          </a:xfrm>
+          <a:custGeom>
+            <a:avLst/>
+            <a:gdLst/>
+            <a:ahLst/>
+            <a:cxnLst/>
+            <a:rect l="l" t="t" r="r" b="b"/>
+            <a:pathLst>
+              <a:path w="120000" h="120000" extrusionOk="0">
+                <a:moveTo>
+                  <a:pt x="0" y="0"/>
+                </a:moveTo>
+                <a:lnTo>
+                  <a:pt x="120000" y="0"/>
+                </a:lnTo>
+                <a:lnTo>
+                  <a:pt x="120000" y="120000"/>
+                </a:lnTo>
+                <a:lnTo>
+                  <a:pt x="0" y="120000"/>
+                </a:lnTo>
+                <a:close/>
+              </a:path>
+            </a:pathLst>
+          </a:custGeom>
+        </p:spPr>
+      </p:sp>
+      <p:sp>
+        <p:nvSpPr>
+          <p:cNvPr id="505" name="Google Shape;505;gdd09e57de2_0_36:notes"/>
+          <p:cNvSpPr txBox="1">
+            <a:spLocks noGrp="1"/>
+          </p:cNvSpPr>
+          <p:nvPr>
+            <p:ph type="body" idx="1"/>
+          </p:nvPr>
+        </p:nvSpPr>
+        <p:spPr>
+          <a:xfrm>
+            <a:off x="685800" y="4343400"/>
+            <a:ext cx="5486400" cy="4114800"/>
+          </a:xfrm>
+          <a:prstGeom prst="rect">
+            <a:avLst/>
+          </a:prstGeom>
+        </p:spPr>
+        <p:txBody>
+          <a:bodyPr spcFirstLastPara="1" wrap="square" lIns="91425" tIns="91425" rIns="91425" bIns="91425" anchor="t" anchorCtr="0">
+            <a:noAutofit/>
+          </a:bodyPr>
+          <a:lstStyle/>
+          <a:p>
+            <a:pPr marL="0" lvl="0" indent="0" algn="l" rtl="0">
+              <a:spcBef>
+                <a:spcPts val="0"/>
+              </a:spcBef>
+              <a:spcAft>
+                <a:spcPts val="0"/>
+              </a:spcAft>
+              <a:buNone/>
+            </a:pPr>
+            <a:endParaRPr/>
+          </a:p>
+        </p:txBody>
+      </p:sp>
+    </p:spTree>
+    <p:extLst>
+      <p:ext uri="{BB962C8B-B14F-4D97-AF65-F5344CB8AC3E}">
+        <p14:creationId xmlns:p14="http://schemas.microsoft.com/office/powerpoint/2010/main" val="2012551550"/>
+      </p:ext>
+    </p:extLst>
+  </p:cSld>
+  <p:clrMapOvr>
+    <a:masterClrMapping/>
+  </p:clrMapOvr>
+</p:notes>
+</file>
+
 <file path=ppt/notesSlides/notesSlide5.xml><?xml version="1.0" encoding="utf-8"?>
 <p:notes xmlns:a="http://schemas.openxmlformats.org/drawingml/2006/main" xmlns:r="http://schemas.openxmlformats.org/officeDocument/2006/relationships" xmlns:p="http://schemas.openxmlformats.org/presentationml/2006/main" showMasterSp="0" showMasterPhAnim="0">
   <p:cSld>
@@ -5461,6 +5572,110 @@
       <p:sp>
         <p:nvSpPr>
           <p:cNvPr id="944" name="Google Shape;944;gbd6c00e730_0_21:notes"/>
+          <p:cNvSpPr txBox="1">
+            <a:spLocks noGrp="1"/>
+          </p:cNvSpPr>
+          <p:nvPr>
+            <p:ph type="body" idx="1"/>
+          </p:nvPr>
+        </p:nvSpPr>
+        <p:spPr>
+          <a:xfrm>
+            <a:off x="685800" y="4343400"/>
+            <a:ext cx="5486400" cy="4114800"/>
+          </a:xfrm>
+          <a:prstGeom prst="rect">
+            <a:avLst/>
+          </a:prstGeom>
+        </p:spPr>
+        <p:txBody>
+          <a:bodyPr spcFirstLastPara="1" wrap="square" lIns="91425" tIns="91425" rIns="91425" bIns="91425" anchor="t" anchorCtr="0">
+            <a:noAutofit/>
+          </a:bodyPr>
+          <a:lstStyle/>
+          <a:p>
+            <a:pPr marL="0" lvl="0" indent="0" algn="l" rtl="0">
+              <a:spcBef>
+                <a:spcPts val="0"/>
+              </a:spcBef>
+              <a:spcAft>
+                <a:spcPts val="0"/>
+              </a:spcAft>
+              <a:buNone/>
+            </a:pPr>
+            <a:endParaRPr/>
+          </a:p>
+        </p:txBody>
+      </p:sp>
+    </p:spTree>
+  </p:cSld>
+  <p:clrMapOvr>
+    <a:masterClrMapping/>
+  </p:clrMapOvr>
+</p:notes>
+</file>
+
+<file path=ppt/notesSlides/notesSlide50.xml><?xml version="1.0" encoding="utf-8"?>
+<p:notes xmlns:a="http://schemas.openxmlformats.org/drawingml/2006/main" xmlns:r="http://schemas.openxmlformats.org/officeDocument/2006/relationships" xmlns:p="http://schemas.openxmlformats.org/presentationml/2006/main" showMasterSp="0" showMasterPhAnim="0">
+  <p:cSld>
+    <p:spTree>
+      <p:nvGrpSpPr>
+        <p:cNvPr id="1" name="Shape 922"/>
+        <p:cNvGrpSpPr/>
+        <p:nvPr/>
+      </p:nvGrpSpPr>
+      <p:grpSpPr>
+        <a:xfrm>
+          <a:off x="0" y="0"/>
+          <a:ext cx="0" cy="0"/>
+          <a:chOff x="0" y="0"/>
+          <a:chExt cx="0" cy="0"/>
+        </a:xfrm>
+      </p:grpSpPr>
+      <p:sp>
+        <p:nvSpPr>
+          <p:cNvPr id="923" name="Google Shape;923;gde263b0cd2_0_16:notes"/>
+          <p:cNvSpPr>
+            <a:spLocks noGrp="1" noRot="1" noChangeAspect="1"/>
+          </p:cNvSpPr>
+          <p:nvPr>
+            <p:ph type="sldImg" idx="2"/>
+          </p:nvPr>
+        </p:nvSpPr>
+        <p:spPr>
+          <a:xfrm>
+            <a:off x="381000" y="685800"/>
+            <a:ext cx="6096000" cy="3429000"/>
+          </a:xfrm>
+          <a:custGeom>
+            <a:avLst/>
+            <a:gdLst/>
+            <a:ahLst/>
+            <a:cxnLst/>
+            <a:rect l="l" t="t" r="r" b="b"/>
+            <a:pathLst>
+              <a:path w="120000" h="120000" extrusionOk="0">
+                <a:moveTo>
+                  <a:pt x="0" y="0"/>
+                </a:moveTo>
+                <a:lnTo>
+                  <a:pt x="120000" y="0"/>
+                </a:lnTo>
+                <a:lnTo>
+                  <a:pt x="120000" y="120000"/>
+                </a:lnTo>
+                <a:lnTo>
+                  <a:pt x="0" y="120000"/>
+                </a:lnTo>
+                <a:close/>
+              </a:path>
+            </a:pathLst>
+          </a:custGeom>
+        </p:spPr>
+      </p:sp>
+      <p:sp>
+        <p:nvSpPr>
+          <p:cNvPr id="924" name="Google Shape;924;gde263b0cd2_0_16:notes"/>
           <p:cNvSpPr txBox="1">
             <a:spLocks noGrp="1"/>
           </p:cNvSpPr>
@@ -18263,343 +18478,6 @@
       </p:sp>
       <p:grpSp>
         <p:nvGrpSpPr>
-          <p:cNvPr id="642" name="Google Shape;642;p42"/>
-          <p:cNvGrpSpPr/>
-          <p:nvPr/>
-        </p:nvGrpSpPr>
-        <p:grpSpPr>
-          <a:xfrm>
-            <a:off x="1541194" y="1576211"/>
-            <a:ext cx="355049" cy="355049"/>
-            <a:chOff x="1487200" y="4993750"/>
-            <a:chExt cx="483125" cy="483125"/>
-          </a:xfrm>
-        </p:grpSpPr>
-        <p:sp>
-          <p:nvSpPr>
-            <p:cNvPr id="643" name="Google Shape;643;p42"/>
-            <p:cNvSpPr/>
-            <p:nvPr/>
-          </p:nvSpPr>
-          <p:spPr>
-            <a:xfrm>
-              <a:off x="1487200" y="4993750"/>
-              <a:ext cx="483125" cy="483125"/>
-            </a:xfrm>
-            <a:custGeom>
-              <a:avLst/>
-              <a:gdLst/>
-              <a:ahLst/>
-              <a:cxnLst/>
-              <a:rect l="l" t="t" r="r" b="b"/>
-              <a:pathLst>
-                <a:path w="19325" h="19325" extrusionOk="0">
-                  <a:moveTo>
-                    <a:pt x="9662" y="1133"/>
-                  </a:moveTo>
-                  <a:cubicBezTo>
-                    <a:pt x="11824" y="1133"/>
-                    <a:pt x="13983" y="1975"/>
-                    <a:pt x="15668" y="3657"/>
-                  </a:cubicBezTo>
-                  <a:cubicBezTo>
-                    <a:pt x="19035" y="7027"/>
-                    <a:pt x="19035" y="12302"/>
-                    <a:pt x="15668" y="15668"/>
-                  </a:cubicBezTo>
-                  <a:cubicBezTo>
-                    <a:pt x="13983" y="17352"/>
-                    <a:pt x="11822" y="18193"/>
-                    <a:pt x="9661" y="18193"/>
-                  </a:cubicBezTo>
-                  <a:cubicBezTo>
-                    <a:pt x="7500" y="18193"/>
-                    <a:pt x="5340" y="17352"/>
-                    <a:pt x="3657" y="15668"/>
-                  </a:cubicBezTo>
-                  <a:cubicBezTo>
-                    <a:pt x="290" y="12302"/>
-                    <a:pt x="290" y="7024"/>
-                    <a:pt x="3657" y="3657"/>
-                  </a:cubicBezTo>
-                  <a:cubicBezTo>
-                    <a:pt x="5342" y="1975"/>
-                    <a:pt x="7500" y="1133"/>
-                    <a:pt x="9662" y="1133"/>
-                  </a:cubicBezTo>
-                  <a:close/>
-                  <a:moveTo>
-                    <a:pt x="9662" y="1"/>
-                  </a:moveTo>
-                  <a:cubicBezTo>
-                    <a:pt x="7117" y="1"/>
-                    <a:pt x="4698" y="1015"/>
-                    <a:pt x="2857" y="2857"/>
-                  </a:cubicBezTo>
-                  <a:cubicBezTo>
-                    <a:pt x="1015" y="4699"/>
-                    <a:pt x="0" y="7117"/>
-                    <a:pt x="0" y="9663"/>
-                  </a:cubicBezTo>
-                  <a:cubicBezTo>
-                    <a:pt x="0" y="12208"/>
-                    <a:pt x="1015" y="14627"/>
-                    <a:pt x="2857" y="16469"/>
-                  </a:cubicBezTo>
-                  <a:cubicBezTo>
-                    <a:pt x="4698" y="18310"/>
-                    <a:pt x="7117" y="19325"/>
-                    <a:pt x="9662" y="19325"/>
-                  </a:cubicBezTo>
-                  <a:cubicBezTo>
-                    <a:pt x="12208" y="19325"/>
-                    <a:pt x="14626" y="18310"/>
-                    <a:pt x="16468" y="16469"/>
-                  </a:cubicBezTo>
-                  <a:cubicBezTo>
-                    <a:pt x="18310" y="14627"/>
-                    <a:pt x="19325" y="12208"/>
-                    <a:pt x="19325" y="9663"/>
-                  </a:cubicBezTo>
-                  <a:cubicBezTo>
-                    <a:pt x="19325" y="7117"/>
-                    <a:pt x="18310" y="4699"/>
-                    <a:pt x="16468" y="2857"/>
-                  </a:cubicBezTo>
-                  <a:cubicBezTo>
-                    <a:pt x="14626" y="1015"/>
-                    <a:pt x="12208" y="1"/>
-                    <a:pt x="9662" y="1"/>
-                  </a:cubicBezTo>
-                  <a:close/>
-                </a:path>
-              </a:pathLst>
-            </a:custGeom>
-            <a:solidFill>
-              <a:schemeClr val="dk1"/>
-            </a:solidFill>
-            <a:ln>
-              <a:noFill/>
-            </a:ln>
-          </p:spPr>
-          <p:txBody>
-            <a:bodyPr spcFirstLastPara="1" wrap="square" lIns="91425" tIns="91425" rIns="91425" bIns="91425" anchor="ctr" anchorCtr="0">
-              <a:noAutofit/>
-            </a:bodyPr>
-            <a:lstStyle/>
-            <a:p>
-              <a:pPr marL="0" lvl="0" indent="0" algn="l" rtl="0">
-                <a:spcBef>
-                  <a:spcPts val="0"/>
-                </a:spcBef>
-                <a:spcAft>
-                  <a:spcPts val="0"/>
-                </a:spcAft>
-                <a:buNone/>
-              </a:pPr>
-              <a:endParaRPr>
-                <a:solidFill>
-                  <a:srgbClr val="435D74"/>
-                </a:solidFill>
-              </a:endParaRPr>
-            </a:p>
-          </p:txBody>
-        </p:sp>
-        <p:sp>
-          <p:nvSpPr>
-            <p:cNvPr id="644" name="Google Shape;644;p42"/>
-            <p:cNvSpPr/>
-            <p:nvPr/>
-          </p:nvSpPr>
-          <p:spPr>
-            <a:xfrm>
-              <a:off x="1602600" y="5143950"/>
-              <a:ext cx="250350" cy="182725"/>
-            </a:xfrm>
-            <a:custGeom>
-              <a:avLst/>
-              <a:gdLst/>
-              <a:ahLst/>
-              <a:cxnLst/>
-              <a:rect l="l" t="t" r="r" b="b"/>
-              <a:pathLst>
-                <a:path w="10014" h="7309" extrusionOk="0">
-                  <a:moveTo>
-                    <a:pt x="8149" y="1134"/>
-                  </a:moveTo>
-                  <a:cubicBezTo>
-                    <a:pt x="8294" y="1134"/>
-                    <a:pt x="8439" y="1189"/>
-                    <a:pt x="8549" y="1300"/>
-                  </a:cubicBezTo>
-                  <a:cubicBezTo>
-                    <a:pt x="8769" y="1520"/>
-                    <a:pt x="8769" y="1879"/>
-                    <a:pt x="8549" y="2100"/>
-                  </a:cubicBezTo>
-                  <a:lnTo>
-                    <a:pt x="4639" y="6007"/>
-                  </a:lnTo>
-                  <a:cubicBezTo>
-                    <a:pt x="4527" y="6120"/>
-                    <a:pt x="4377" y="6177"/>
-                    <a:pt x="4227" y="6177"/>
-                  </a:cubicBezTo>
-                  <a:cubicBezTo>
-                    <a:pt x="4081" y="6177"/>
-                    <a:pt x="3937" y="6123"/>
-                    <a:pt x="3830" y="6016"/>
-                  </a:cubicBezTo>
-                  <a:lnTo>
-                    <a:pt x="1547" y="3748"/>
-                  </a:lnTo>
-                  <a:cubicBezTo>
-                    <a:pt x="1296" y="3534"/>
-                    <a:pt x="1281" y="3151"/>
-                    <a:pt x="1514" y="2918"/>
-                  </a:cubicBezTo>
-                  <a:cubicBezTo>
-                    <a:pt x="1626" y="2806"/>
-                    <a:pt x="1771" y="2750"/>
-                    <a:pt x="1916" y="2750"/>
-                  </a:cubicBezTo>
-                  <a:cubicBezTo>
-                    <a:pt x="2074" y="2750"/>
-                    <a:pt x="2232" y="2817"/>
-                    <a:pt x="2344" y="2948"/>
-                  </a:cubicBezTo>
-                  <a:lnTo>
-                    <a:pt x="3784" y="4388"/>
-                  </a:lnTo>
-                  <a:cubicBezTo>
-                    <a:pt x="3793" y="4401"/>
-                    <a:pt x="3805" y="4410"/>
-                    <a:pt x="3817" y="4419"/>
-                  </a:cubicBezTo>
-                  <a:cubicBezTo>
-                    <a:pt x="3817" y="4422"/>
-                    <a:pt x="3820" y="4422"/>
-                    <a:pt x="3823" y="4425"/>
-                  </a:cubicBezTo>
-                  <a:cubicBezTo>
-                    <a:pt x="3934" y="4535"/>
-                    <a:pt x="4078" y="4590"/>
-                    <a:pt x="4222" y="4590"/>
-                  </a:cubicBezTo>
-                  <a:cubicBezTo>
-                    <a:pt x="4367" y="4590"/>
-                    <a:pt x="4512" y="4535"/>
-                    <a:pt x="4624" y="4425"/>
-                  </a:cubicBezTo>
-                  <a:lnTo>
-                    <a:pt x="7749" y="1300"/>
-                  </a:lnTo>
-                  <a:cubicBezTo>
-                    <a:pt x="7859" y="1189"/>
-                    <a:pt x="8004" y="1134"/>
-                    <a:pt x="8149" y="1134"/>
-                  </a:cubicBezTo>
-                  <a:close/>
-                  <a:moveTo>
-                    <a:pt x="8146" y="1"/>
-                  </a:moveTo>
-                  <a:cubicBezTo>
-                    <a:pt x="7712" y="1"/>
-                    <a:pt x="7279" y="166"/>
-                    <a:pt x="6949" y="496"/>
-                  </a:cubicBezTo>
-                  <a:lnTo>
-                    <a:pt x="6946" y="496"/>
-                  </a:lnTo>
-                  <a:lnTo>
-                    <a:pt x="4219" y="3223"/>
-                  </a:lnTo>
-                  <a:lnTo>
-                    <a:pt x="3144" y="2148"/>
-                  </a:lnTo>
-                  <a:cubicBezTo>
-                    <a:pt x="2808" y="1779"/>
-                    <a:pt x="2348" y="1594"/>
-                    <a:pt x="1887" y="1594"/>
-                  </a:cubicBezTo>
-                  <a:cubicBezTo>
-                    <a:pt x="1453" y="1594"/>
-                    <a:pt x="1019" y="1758"/>
-                    <a:pt x="686" y="2091"/>
-                  </a:cubicBezTo>
-                  <a:cubicBezTo>
-                    <a:pt x="1" y="2776"/>
-                    <a:pt x="28" y="3896"/>
-                    <a:pt x="747" y="4549"/>
-                  </a:cubicBezTo>
-                  <a:lnTo>
-                    <a:pt x="3029" y="6819"/>
-                  </a:lnTo>
-                  <a:cubicBezTo>
-                    <a:pt x="3344" y="7131"/>
-                    <a:pt x="3768" y="7308"/>
-                    <a:pt x="4214" y="7308"/>
-                  </a:cubicBezTo>
-                  <a:cubicBezTo>
-                    <a:pt x="4218" y="7308"/>
-                    <a:pt x="4221" y="7308"/>
-                    <a:pt x="4225" y="7308"/>
-                  </a:cubicBezTo>
-                  <a:cubicBezTo>
-                    <a:pt x="4678" y="7308"/>
-                    <a:pt x="5116" y="7127"/>
-                    <a:pt x="5439" y="6807"/>
-                  </a:cubicBezTo>
-                  <a:lnTo>
-                    <a:pt x="9349" y="2900"/>
-                  </a:lnTo>
-                  <a:cubicBezTo>
-                    <a:pt x="10013" y="2236"/>
-                    <a:pt x="10013" y="1161"/>
-                    <a:pt x="9349" y="499"/>
-                  </a:cubicBezTo>
-                  <a:cubicBezTo>
-                    <a:pt x="9017" y="167"/>
-                    <a:pt x="8581" y="1"/>
-                    <a:pt x="8146" y="1"/>
-                  </a:cubicBezTo>
-                  <a:close/>
-                </a:path>
-              </a:pathLst>
-            </a:custGeom>
-            <a:solidFill>
-              <a:schemeClr val="dk1"/>
-            </a:solidFill>
-            <a:ln>
-              <a:noFill/>
-            </a:ln>
-          </p:spPr>
-          <p:txBody>
-            <a:bodyPr spcFirstLastPara="1" wrap="square" lIns="91425" tIns="91425" rIns="91425" bIns="91425" anchor="ctr" anchorCtr="0">
-              <a:noAutofit/>
-            </a:bodyPr>
-            <a:lstStyle/>
-            <a:p>
-              <a:pPr marL="0" lvl="0" indent="0" algn="l" rtl="0">
-                <a:spcBef>
-                  <a:spcPts val="0"/>
-                </a:spcBef>
-                <a:spcAft>
-                  <a:spcPts val="0"/>
-                </a:spcAft>
-                <a:buNone/>
-              </a:pPr>
-              <a:endParaRPr>
-                <a:solidFill>
-                  <a:srgbClr val="435D74"/>
-                </a:solidFill>
-              </a:endParaRPr>
-            </a:p>
-          </p:txBody>
-        </p:sp>
-      </p:grpSp>
-      <p:grpSp>
-        <p:nvGrpSpPr>
           <p:cNvPr id="2" name="Google Shape;618;p42">
             <a:extLst>
               <a:ext uri="{FF2B5EF4-FFF2-40B4-BE49-F238E27FC236}">
@@ -18734,7 +18612,7 @@
                 </a:spcAft>
                 <a:buNone/>
               </a:pPr>
-              <a:endParaRPr/>
+              <a:endParaRPr dirty="0"/>
             </a:p>
           </p:txBody>
         </p:sp>
@@ -18847,361 +18725,6 @@
           </a:p>
         </p:txBody>
       </p:sp>
-      <p:grpSp>
-        <p:nvGrpSpPr>
-          <p:cNvPr id="6" name="Google Shape;642;p42">
-            <a:extLst>
-              <a:ext uri="{FF2B5EF4-FFF2-40B4-BE49-F238E27FC236}">
-                <a16:creationId xmlns:a16="http://schemas.microsoft.com/office/drawing/2014/main" id="{E0E34250-47C5-36CE-09CE-E40E7BBD6AE0}"/>
-              </a:ext>
-            </a:extLst>
-          </p:cNvPr>
-          <p:cNvGrpSpPr/>
-          <p:nvPr/>
-        </p:nvGrpSpPr>
-        <p:grpSpPr>
-          <a:xfrm>
-            <a:off x="1541194" y="2789422"/>
-            <a:ext cx="355049" cy="355049"/>
-            <a:chOff x="1487200" y="4993750"/>
-            <a:chExt cx="483125" cy="483125"/>
-          </a:xfrm>
-        </p:grpSpPr>
-        <p:sp>
-          <p:nvSpPr>
-            <p:cNvPr id="7" name="Google Shape;643;p42">
-              <a:extLst>
-                <a:ext uri="{FF2B5EF4-FFF2-40B4-BE49-F238E27FC236}">
-                  <a16:creationId xmlns:a16="http://schemas.microsoft.com/office/drawing/2014/main" id="{0817E89D-BFA5-FDF2-1204-82D1EB782A02}"/>
-                </a:ext>
-              </a:extLst>
-            </p:cNvPr>
-            <p:cNvSpPr/>
-            <p:nvPr/>
-          </p:nvSpPr>
-          <p:spPr>
-            <a:xfrm>
-              <a:off x="1487200" y="4993750"/>
-              <a:ext cx="483125" cy="483125"/>
-            </a:xfrm>
-            <a:custGeom>
-              <a:avLst/>
-              <a:gdLst/>
-              <a:ahLst/>
-              <a:cxnLst/>
-              <a:rect l="l" t="t" r="r" b="b"/>
-              <a:pathLst>
-                <a:path w="19325" h="19325" extrusionOk="0">
-                  <a:moveTo>
-                    <a:pt x="9662" y="1133"/>
-                  </a:moveTo>
-                  <a:cubicBezTo>
-                    <a:pt x="11824" y="1133"/>
-                    <a:pt x="13983" y="1975"/>
-                    <a:pt x="15668" y="3657"/>
-                  </a:cubicBezTo>
-                  <a:cubicBezTo>
-                    <a:pt x="19035" y="7027"/>
-                    <a:pt x="19035" y="12302"/>
-                    <a:pt x="15668" y="15668"/>
-                  </a:cubicBezTo>
-                  <a:cubicBezTo>
-                    <a:pt x="13983" y="17352"/>
-                    <a:pt x="11822" y="18193"/>
-                    <a:pt x="9661" y="18193"/>
-                  </a:cubicBezTo>
-                  <a:cubicBezTo>
-                    <a:pt x="7500" y="18193"/>
-                    <a:pt x="5340" y="17352"/>
-                    <a:pt x="3657" y="15668"/>
-                  </a:cubicBezTo>
-                  <a:cubicBezTo>
-                    <a:pt x="290" y="12302"/>
-                    <a:pt x="290" y="7024"/>
-                    <a:pt x="3657" y="3657"/>
-                  </a:cubicBezTo>
-                  <a:cubicBezTo>
-                    <a:pt x="5342" y="1975"/>
-                    <a:pt x="7500" y="1133"/>
-                    <a:pt x="9662" y="1133"/>
-                  </a:cubicBezTo>
-                  <a:close/>
-                  <a:moveTo>
-                    <a:pt x="9662" y="1"/>
-                  </a:moveTo>
-                  <a:cubicBezTo>
-                    <a:pt x="7117" y="1"/>
-                    <a:pt x="4698" y="1015"/>
-                    <a:pt x="2857" y="2857"/>
-                  </a:cubicBezTo>
-                  <a:cubicBezTo>
-                    <a:pt x="1015" y="4699"/>
-                    <a:pt x="0" y="7117"/>
-                    <a:pt x="0" y="9663"/>
-                  </a:cubicBezTo>
-                  <a:cubicBezTo>
-                    <a:pt x="0" y="12208"/>
-                    <a:pt x="1015" y="14627"/>
-                    <a:pt x="2857" y="16469"/>
-                  </a:cubicBezTo>
-                  <a:cubicBezTo>
-                    <a:pt x="4698" y="18310"/>
-                    <a:pt x="7117" y="19325"/>
-                    <a:pt x="9662" y="19325"/>
-                  </a:cubicBezTo>
-                  <a:cubicBezTo>
-                    <a:pt x="12208" y="19325"/>
-                    <a:pt x="14626" y="18310"/>
-                    <a:pt x="16468" y="16469"/>
-                  </a:cubicBezTo>
-                  <a:cubicBezTo>
-                    <a:pt x="18310" y="14627"/>
-                    <a:pt x="19325" y="12208"/>
-                    <a:pt x="19325" y="9663"/>
-                  </a:cubicBezTo>
-                  <a:cubicBezTo>
-                    <a:pt x="19325" y="7117"/>
-                    <a:pt x="18310" y="4699"/>
-                    <a:pt x="16468" y="2857"/>
-                  </a:cubicBezTo>
-                  <a:cubicBezTo>
-                    <a:pt x="14626" y="1015"/>
-                    <a:pt x="12208" y="1"/>
-                    <a:pt x="9662" y="1"/>
-                  </a:cubicBezTo>
-                  <a:close/>
-                </a:path>
-              </a:pathLst>
-            </a:custGeom>
-            <a:solidFill>
-              <a:schemeClr val="dk1"/>
-            </a:solidFill>
-            <a:ln>
-              <a:noFill/>
-            </a:ln>
-          </p:spPr>
-          <p:txBody>
-            <a:bodyPr spcFirstLastPara="1" wrap="square" lIns="91425" tIns="91425" rIns="91425" bIns="91425" anchor="ctr" anchorCtr="0">
-              <a:noAutofit/>
-            </a:bodyPr>
-            <a:lstStyle/>
-            <a:p>
-              <a:pPr marL="0" lvl="0" indent="0" algn="l" rtl="0">
-                <a:spcBef>
-                  <a:spcPts val="0"/>
-                </a:spcBef>
-                <a:spcAft>
-                  <a:spcPts val="0"/>
-                </a:spcAft>
-                <a:buNone/>
-              </a:pPr>
-              <a:endParaRPr>
-                <a:solidFill>
-                  <a:srgbClr val="435D74"/>
-                </a:solidFill>
-              </a:endParaRPr>
-            </a:p>
-          </p:txBody>
-        </p:sp>
-        <p:sp>
-          <p:nvSpPr>
-            <p:cNvPr id="8" name="Google Shape;644;p42">
-              <a:extLst>
-                <a:ext uri="{FF2B5EF4-FFF2-40B4-BE49-F238E27FC236}">
-                  <a16:creationId xmlns:a16="http://schemas.microsoft.com/office/drawing/2014/main" id="{8832B9C9-CA1C-A86B-429C-3FA333E90697}"/>
-                </a:ext>
-              </a:extLst>
-            </p:cNvPr>
-            <p:cNvSpPr/>
-            <p:nvPr/>
-          </p:nvSpPr>
-          <p:spPr>
-            <a:xfrm>
-              <a:off x="1602600" y="5143950"/>
-              <a:ext cx="250350" cy="182725"/>
-            </a:xfrm>
-            <a:custGeom>
-              <a:avLst/>
-              <a:gdLst/>
-              <a:ahLst/>
-              <a:cxnLst/>
-              <a:rect l="l" t="t" r="r" b="b"/>
-              <a:pathLst>
-                <a:path w="10014" h="7309" extrusionOk="0">
-                  <a:moveTo>
-                    <a:pt x="8149" y="1134"/>
-                  </a:moveTo>
-                  <a:cubicBezTo>
-                    <a:pt x="8294" y="1134"/>
-                    <a:pt x="8439" y="1189"/>
-                    <a:pt x="8549" y="1300"/>
-                  </a:cubicBezTo>
-                  <a:cubicBezTo>
-                    <a:pt x="8769" y="1520"/>
-                    <a:pt x="8769" y="1879"/>
-                    <a:pt x="8549" y="2100"/>
-                  </a:cubicBezTo>
-                  <a:lnTo>
-                    <a:pt x="4639" y="6007"/>
-                  </a:lnTo>
-                  <a:cubicBezTo>
-                    <a:pt x="4527" y="6120"/>
-                    <a:pt x="4377" y="6177"/>
-                    <a:pt x="4227" y="6177"/>
-                  </a:cubicBezTo>
-                  <a:cubicBezTo>
-                    <a:pt x="4081" y="6177"/>
-                    <a:pt x="3937" y="6123"/>
-                    <a:pt x="3830" y="6016"/>
-                  </a:cubicBezTo>
-                  <a:lnTo>
-                    <a:pt x="1547" y="3748"/>
-                  </a:lnTo>
-                  <a:cubicBezTo>
-                    <a:pt x="1296" y="3534"/>
-                    <a:pt x="1281" y="3151"/>
-                    <a:pt x="1514" y="2918"/>
-                  </a:cubicBezTo>
-                  <a:cubicBezTo>
-                    <a:pt x="1626" y="2806"/>
-                    <a:pt x="1771" y="2750"/>
-                    <a:pt x="1916" y="2750"/>
-                  </a:cubicBezTo>
-                  <a:cubicBezTo>
-                    <a:pt x="2074" y="2750"/>
-                    <a:pt x="2232" y="2817"/>
-                    <a:pt x="2344" y="2948"/>
-                  </a:cubicBezTo>
-                  <a:lnTo>
-                    <a:pt x="3784" y="4388"/>
-                  </a:lnTo>
-                  <a:cubicBezTo>
-                    <a:pt x="3793" y="4401"/>
-                    <a:pt x="3805" y="4410"/>
-                    <a:pt x="3817" y="4419"/>
-                  </a:cubicBezTo>
-                  <a:cubicBezTo>
-                    <a:pt x="3817" y="4422"/>
-                    <a:pt x="3820" y="4422"/>
-                    <a:pt x="3823" y="4425"/>
-                  </a:cubicBezTo>
-                  <a:cubicBezTo>
-                    <a:pt x="3934" y="4535"/>
-                    <a:pt x="4078" y="4590"/>
-                    <a:pt x="4222" y="4590"/>
-                  </a:cubicBezTo>
-                  <a:cubicBezTo>
-                    <a:pt x="4367" y="4590"/>
-                    <a:pt x="4512" y="4535"/>
-                    <a:pt x="4624" y="4425"/>
-                  </a:cubicBezTo>
-                  <a:lnTo>
-                    <a:pt x="7749" y="1300"/>
-                  </a:lnTo>
-                  <a:cubicBezTo>
-                    <a:pt x="7859" y="1189"/>
-                    <a:pt x="8004" y="1134"/>
-                    <a:pt x="8149" y="1134"/>
-                  </a:cubicBezTo>
-                  <a:close/>
-                  <a:moveTo>
-                    <a:pt x="8146" y="1"/>
-                  </a:moveTo>
-                  <a:cubicBezTo>
-                    <a:pt x="7712" y="1"/>
-                    <a:pt x="7279" y="166"/>
-                    <a:pt x="6949" y="496"/>
-                  </a:cubicBezTo>
-                  <a:lnTo>
-                    <a:pt x="6946" y="496"/>
-                  </a:lnTo>
-                  <a:lnTo>
-                    <a:pt x="4219" y="3223"/>
-                  </a:lnTo>
-                  <a:lnTo>
-                    <a:pt x="3144" y="2148"/>
-                  </a:lnTo>
-                  <a:cubicBezTo>
-                    <a:pt x="2808" y="1779"/>
-                    <a:pt x="2348" y="1594"/>
-                    <a:pt x="1887" y="1594"/>
-                  </a:cubicBezTo>
-                  <a:cubicBezTo>
-                    <a:pt x="1453" y="1594"/>
-                    <a:pt x="1019" y="1758"/>
-                    <a:pt x="686" y="2091"/>
-                  </a:cubicBezTo>
-                  <a:cubicBezTo>
-                    <a:pt x="1" y="2776"/>
-                    <a:pt x="28" y="3896"/>
-                    <a:pt x="747" y="4549"/>
-                  </a:cubicBezTo>
-                  <a:lnTo>
-                    <a:pt x="3029" y="6819"/>
-                  </a:lnTo>
-                  <a:cubicBezTo>
-                    <a:pt x="3344" y="7131"/>
-                    <a:pt x="3768" y="7308"/>
-                    <a:pt x="4214" y="7308"/>
-                  </a:cubicBezTo>
-                  <a:cubicBezTo>
-                    <a:pt x="4218" y="7308"/>
-                    <a:pt x="4221" y="7308"/>
-                    <a:pt x="4225" y="7308"/>
-                  </a:cubicBezTo>
-                  <a:cubicBezTo>
-                    <a:pt x="4678" y="7308"/>
-                    <a:pt x="5116" y="7127"/>
-                    <a:pt x="5439" y="6807"/>
-                  </a:cubicBezTo>
-                  <a:lnTo>
-                    <a:pt x="9349" y="2900"/>
-                  </a:lnTo>
-                  <a:cubicBezTo>
-                    <a:pt x="10013" y="2236"/>
-                    <a:pt x="10013" y="1161"/>
-                    <a:pt x="9349" y="499"/>
-                  </a:cubicBezTo>
-                  <a:cubicBezTo>
-                    <a:pt x="9017" y="167"/>
-                    <a:pt x="8581" y="1"/>
-                    <a:pt x="8146" y="1"/>
-                  </a:cubicBezTo>
-                  <a:close/>
-                </a:path>
-              </a:pathLst>
-            </a:custGeom>
-            <a:solidFill>
-              <a:schemeClr val="dk1"/>
-            </a:solidFill>
-            <a:ln>
-              <a:noFill/>
-            </a:ln>
-          </p:spPr>
-          <p:txBody>
-            <a:bodyPr spcFirstLastPara="1" wrap="square" lIns="91425" tIns="91425" rIns="91425" bIns="91425" anchor="ctr" anchorCtr="0">
-              <a:noAutofit/>
-            </a:bodyPr>
-            <a:lstStyle/>
-            <a:p>
-              <a:pPr marL="0" lvl="0" indent="0" algn="l" rtl="0">
-                <a:spcBef>
-                  <a:spcPts val="0"/>
-                </a:spcBef>
-                <a:spcAft>
-                  <a:spcPts val="0"/>
-                </a:spcAft>
-                <a:buNone/>
-              </a:pPr>
-              <a:endParaRPr>
-                <a:solidFill>
-                  <a:srgbClr val="435D74"/>
-                </a:solidFill>
-              </a:endParaRPr>
-            </a:p>
-          </p:txBody>
-        </p:sp>
-      </p:grpSp>
       <p:grpSp>
         <p:nvGrpSpPr>
           <p:cNvPr id="9" name="Google Shape;618;p42">
@@ -19475,361 +18998,190 @@
           </a:p>
         </p:txBody>
       </p:sp>
-      <p:grpSp>
-        <p:nvGrpSpPr>
-          <p:cNvPr id="13" name="Google Shape;642;p42">
+      <p:pic>
+        <p:nvPicPr>
+          <p:cNvPr id="1026" name="Picture 2" descr="anaconda logo | Mr. Mint : Apprendre le Machine Learning de A à Z">
             <a:extLst>
               <a:ext uri="{FF2B5EF4-FFF2-40B4-BE49-F238E27FC236}">
-                <a16:creationId xmlns:a16="http://schemas.microsoft.com/office/drawing/2014/main" id="{8DB2D2D4-9C06-DD23-E7A9-0789A2F8F46D}"/>
+                <a16:creationId xmlns:a16="http://schemas.microsoft.com/office/drawing/2014/main" id="{DF3AE1AB-A344-847A-456D-E50F8CEF32B4}"/>
               </a:ext>
             </a:extLst>
           </p:cNvPr>
-          <p:cNvGrpSpPr/>
+          <p:cNvPicPr>
+            <a:picLocks noChangeAspect="1" noChangeArrowheads="1"/>
+          </p:cNvPicPr>
           <p:nvPr/>
-        </p:nvGrpSpPr>
-        <p:grpSpPr>
+        </p:nvPicPr>
+        <p:blipFill>
+          <a:blip r:embed="rId3">
+            <a:extLst>
+              <a:ext uri="{28A0092B-C50C-407E-A947-70E740481C1C}">
+                <a14:useLocalDpi xmlns:a14="http://schemas.microsoft.com/office/drawing/2010/main" val="0"/>
+              </a:ext>
+            </a:extLst>
+          </a:blip>
+          <a:srcRect/>
+          <a:stretch>
+            <a:fillRect/>
+          </a:stretch>
+        </p:blipFill>
+        <p:spPr bwMode="auto">
           <a:xfrm>
-            <a:off x="1541194" y="4004078"/>
-            <a:ext cx="355049" cy="355049"/>
-            <a:chOff x="1487200" y="4993750"/>
-            <a:chExt cx="483125" cy="483125"/>
+            <a:off x="1315294" y="1591887"/>
+            <a:ext cx="805398" cy="402699"/>
           </a:xfrm>
-        </p:grpSpPr>
-        <p:sp>
-          <p:nvSpPr>
-            <p:cNvPr id="14" name="Google Shape;643;p42">
-              <a:extLst>
-                <a:ext uri="{FF2B5EF4-FFF2-40B4-BE49-F238E27FC236}">
-                  <a16:creationId xmlns:a16="http://schemas.microsoft.com/office/drawing/2014/main" id="{5A9996D7-24CF-2866-F5A0-FF0FCF8B581F}"/>
-                </a:ext>
-              </a:extLst>
-            </p:cNvPr>
-            <p:cNvSpPr/>
-            <p:nvPr/>
-          </p:nvSpPr>
-          <p:spPr>
-            <a:xfrm>
-              <a:off x="1487200" y="4993750"/>
-              <a:ext cx="483125" cy="483125"/>
-            </a:xfrm>
-            <a:custGeom>
+          <a:prstGeom prst="rect">
+            <a:avLst/>
+          </a:prstGeom>
+          <a:noFill/>
+          <a:extLst>
+            <a:ext uri="{909E8E84-426E-40DD-AFC4-6F175D3DCCD1}">
+              <a14:hiddenFill xmlns:a14="http://schemas.microsoft.com/office/drawing/2010/main">
+                <a:solidFill>
+                  <a:srgbClr val="FFFFFF"/>
+                </a:solidFill>
+              </a14:hiddenFill>
+            </a:ext>
+          </a:extLst>
+        </p:spPr>
+      </p:pic>
+      <p:sp>
+        <p:nvSpPr>
+          <p:cNvPr id="16" name="AutoShape 6" descr="Getting your computer ready for machine learning: How, what and why you  should use Anaconda, Miniconda">
+            <a:extLst>
+              <a:ext uri="{FF2B5EF4-FFF2-40B4-BE49-F238E27FC236}">
+                <a16:creationId xmlns:a16="http://schemas.microsoft.com/office/drawing/2014/main" id="{08F00F5E-9464-A6E7-0436-29D5FB0BA45B}"/>
+              </a:ext>
+            </a:extLst>
+          </p:cNvPr>
+          <p:cNvSpPr>
+            <a:spLocks noChangeAspect="1" noChangeArrowheads="1"/>
+          </p:cNvSpPr>
+          <p:nvPr/>
+        </p:nvSpPr>
+        <p:spPr bwMode="auto">
+          <a:xfrm>
+            <a:off x="5463381" y="2034928"/>
+            <a:ext cx="190950" cy="190950"/>
+          </a:xfrm>
+          <a:prstGeom prst="rect">
+            <a:avLst/>
+          </a:prstGeom>
+          <a:noFill/>
+          <a:extLst>
+            <a:ext uri="{909E8E84-426E-40DD-AFC4-6F175D3DCCD1}">
+              <a14:hiddenFill xmlns:a14="http://schemas.microsoft.com/office/drawing/2010/main">
+                <a:solidFill>
+                  <a:srgbClr val="FFFFFF"/>
+                </a:solidFill>
+              </a14:hiddenFill>
+            </a:ext>
+          </a:extLst>
+        </p:spPr>
+        <p:txBody>
+          <a:bodyPr vert="horz" wrap="square" lIns="91440" tIns="45720" rIns="91440" bIns="45720" numCol="1" anchor="t" anchorCtr="0" compatLnSpc="1">
+            <a:prstTxWarp prst="textNoShape">
               <a:avLst/>
-              <a:gdLst/>
-              <a:ahLst/>
-              <a:cxnLst/>
-              <a:rect l="l" t="t" r="r" b="b"/>
-              <a:pathLst>
-                <a:path w="19325" h="19325" extrusionOk="0">
-                  <a:moveTo>
-                    <a:pt x="9662" y="1133"/>
-                  </a:moveTo>
-                  <a:cubicBezTo>
-                    <a:pt x="11824" y="1133"/>
-                    <a:pt x="13983" y="1975"/>
-                    <a:pt x="15668" y="3657"/>
-                  </a:cubicBezTo>
-                  <a:cubicBezTo>
-                    <a:pt x="19035" y="7027"/>
-                    <a:pt x="19035" y="12302"/>
-                    <a:pt x="15668" y="15668"/>
-                  </a:cubicBezTo>
-                  <a:cubicBezTo>
-                    <a:pt x="13983" y="17352"/>
-                    <a:pt x="11822" y="18193"/>
-                    <a:pt x="9661" y="18193"/>
-                  </a:cubicBezTo>
-                  <a:cubicBezTo>
-                    <a:pt x="7500" y="18193"/>
-                    <a:pt x="5340" y="17352"/>
-                    <a:pt x="3657" y="15668"/>
-                  </a:cubicBezTo>
-                  <a:cubicBezTo>
-                    <a:pt x="290" y="12302"/>
-                    <a:pt x="290" y="7024"/>
-                    <a:pt x="3657" y="3657"/>
-                  </a:cubicBezTo>
-                  <a:cubicBezTo>
-                    <a:pt x="5342" y="1975"/>
-                    <a:pt x="7500" y="1133"/>
-                    <a:pt x="9662" y="1133"/>
-                  </a:cubicBezTo>
-                  <a:close/>
-                  <a:moveTo>
-                    <a:pt x="9662" y="1"/>
-                  </a:moveTo>
-                  <a:cubicBezTo>
-                    <a:pt x="7117" y="1"/>
-                    <a:pt x="4698" y="1015"/>
-                    <a:pt x="2857" y="2857"/>
-                  </a:cubicBezTo>
-                  <a:cubicBezTo>
-                    <a:pt x="1015" y="4699"/>
-                    <a:pt x="0" y="7117"/>
-                    <a:pt x="0" y="9663"/>
-                  </a:cubicBezTo>
-                  <a:cubicBezTo>
-                    <a:pt x="0" y="12208"/>
-                    <a:pt x="1015" y="14627"/>
-                    <a:pt x="2857" y="16469"/>
-                  </a:cubicBezTo>
-                  <a:cubicBezTo>
-                    <a:pt x="4698" y="18310"/>
-                    <a:pt x="7117" y="19325"/>
-                    <a:pt x="9662" y="19325"/>
-                  </a:cubicBezTo>
-                  <a:cubicBezTo>
-                    <a:pt x="12208" y="19325"/>
-                    <a:pt x="14626" y="18310"/>
-                    <a:pt x="16468" y="16469"/>
-                  </a:cubicBezTo>
-                  <a:cubicBezTo>
-                    <a:pt x="18310" y="14627"/>
-                    <a:pt x="19325" y="12208"/>
-                    <a:pt x="19325" y="9663"/>
-                  </a:cubicBezTo>
-                  <a:cubicBezTo>
-                    <a:pt x="19325" y="7117"/>
-                    <a:pt x="18310" y="4699"/>
-                    <a:pt x="16468" y="2857"/>
-                  </a:cubicBezTo>
-                  <a:cubicBezTo>
-                    <a:pt x="14626" y="1015"/>
-                    <a:pt x="12208" y="1"/>
-                    <a:pt x="9662" y="1"/>
-                  </a:cubicBezTo>
-                  <a:close/>
-                </a:path>
-              </a:pathLst>
-            </a:custGeom>
-            <a:solidFill>
-              <a:schemeClr val="dk1"/>
-            </a:solidFill>
-            <a:ln>
-              <a:noFill/>
-            </a:ln>
-          </p:spPr>
-          <p:txBody>
-            <a:bodyPr spcFirstLastPara="1" wrap="square" lIns="91425" tIns="91425" rIns="91425" bIns="91425" anchor="ctr" anchorCtr="0">
-              <a:noAutofit/>
-            </a:bodyPr>
-            <a:lstStyle/>
-            <a:p>
-              <a:pPr marL="0" lvl="0" indent="0" algn="l" rtl="0">
-                <a:spcBef>
-                  <a:spcPts val="0"/>
-                </a:spcBef>
-                <a:spcAft>
-                  <a:spcPts val="0"/>
-                </a:spcAft>
-                <a:buNone/>
-              </a:pPr>
-              <a:endParaRPr>
-                <a:solidFill>
-                  <a:srgbClr val="435D74"/>
-                </a:solidFill>
-              </a:endParaRPr>
-            </a:p>
-          </p:txBody>
-        </p:sp>
-        <p:sp>
-          <p:nvSpPr>
-            <p:cNvPr id="15" name="Google Shape;644;p42">
-              <a:extLst>
-                <a:ext uri="{FF2B5EF4-FFF2-40B4-BE49-F238E27FC236}">
-                  <a16:creationId xmlns:a16="http://schemas.microsoft.com/office/drawing/2014/main" id="{E6A6A39E-8A42-6FE2-0350-EA7330CC6365}"/>
-                </a:ext>
-              </a:extLst>
-            </p:cNvPr>
-            <p:cNvSpPr/>
-            <p:nvPr/>
-          </p:nvSpPr>
-          <p:spPr>
-            <a:xfrm>
-              <a:off x="1602600" y="5143950"/>
-              <a:ext cx="250350" cy="182725"/>
-            </a:xfrm>
-            <a:custGeom>
-              <a:avLst/>
-              <a:gdLst/>
-              <a:ahLst/>
-              <a:cxnLst/>
-              <a:rect l="l" t="t" r="r" b="b"/>
-              <a:pathLst>
-                <a:path w="10014" h="7309" extrusionOk="0">
-                  <a:moveTo>
-                    <a:pt x="8149" y="1134"/>
-                  </a:moveTo>
-                  <a:cubicBezTo>
-                    <a:pt x="8294" y="1134"/>
-                    <a:pt x="8439" y="1189"/>
-                    <a:pt x="8549" y="1300"/>
-                  </a:cubicBezTo>
-                  <a:cubicBezTo>
-                    <a:pt x="8769" y="1520"/>
-                    <a:pt x="8769" y="1879"/>
-                    <a:pt x="8549" y="2100"/>
-                  </a:cubicBezTo>
-                  <a:lnTo>
-                    <a:pt x="4639" y="6007"/>
-                  </a:lnTo>
-                  <a:cubicBezTo>
-                    <a:pt x="4527" y="6120"/>
-                    <a:pt x="4377" y="6177"/>
-                    <a:pt x="4227" y="6177"/>
-                  </a:cubicBezTo>
-                  <a:cubicBezTo>
-                    <a:pt x="4081" y="6177"/>
-                    <a:pt x="3937" y="6123"/>
-                    <a:pt x="3830" y="6016"/>
-                  </a:cubicBezTo>
-                  <a:lnTo>
-                    <a:pt x="1547" y="3748"/>
-                  </a:lnTo>
-                  <a:cubicBezTo>
-                    <a:pt x="1296" y="3534"/>
-                    <a:pt x="1281" y="3151"/>
-                    <a:pt x="1514" y="2918"/>
-                  </a:cubicBezTo>
-                  <a:cubicBezTo>
-                    <a:pt x="1626" y="2806"/>
-                    <a:pt x="1771" y="2750"/>
-                    <a:pt x="1916" y="2750"/>
-                  </a:cubicBezTo>
-                  <a:cubicBezTo>
-                    <a:pt x="2074" y="2750"/>
-                    <a:pt x="2232" y="2817"/>
-                    <a:pt x="2344" y="2948"/>
-                  </a:cubicBezTo>
-                  <a:lnTo>
-                    <a:pt x="3784" y="4388"/>
-                  </a:lnTo>
-                  <a:cubicBezTo>
-                    <a:pt x="3793" y="4401"/>
-                    <a:pt x="3805" y="4410"/>
-                    <a:pt x="3817" y="4419"/>
-                  </a:cubicBezTo>
-                  <a:cubicBezTo>
-                    <a:pt x="3817" y="4422"/>
-                    <a:pt x="3820" y="4422"/>
-                    <a:pt x="3823" y="4425"/>
-                  </a:cubicBezTo>
-                  <a:cubicBezTo>
-                    <a:pt x="3934" y="4535"/>
-                    <a:pt x="4078" y="4590"/>
-                    <a:pt x="4222" y="4590"/>
-                  </a:cubicBezTo>
-                  <a:cubicBezTo>
-                    <a:pt x="4367" y="4590"/>
-                    <a:pt x="4512" y="4535"/>
-                    <a:pt x="4624" y="4425"/>
-                  </a:cubicBezTo>
-                  <a:lnTo>
-                    <a:pt x="7749" y="1300"/>
-                  </a:lnTo>
-                  <a:cubicBezTo>
-                    <a:pt x="7859" y="1189"/>
-                    <a:pt x="8004" y="1134"/>
-                    <a:pt x="8149" y="1134"/>
-                  </a:cubicBezTo>
-                  <a:close/>
-                  <a:moveTo>
-                    <a:pt x="8146" y="1"/>
-                  </a:moveTo>
-                  <a:cubicBezTo>
-                    <a:pt x="7712" y="1"/>
-                    <a:pt x="7279" y="166"/>
-                    <a:pt x="6949" y="496"/>
-                  </a:cubicBezTo>
-                  <a:lnTo>
-                    <a:pt x="6946" y="496"/>
-                  </a:lnTo>
-                  <a:lnTo>
-                    <a:pt x="4219" y="3223"/>
-                  </a:lnTo>
-                  <a:lnTo>
-                    <a:pt x="3144" y="2148"/>
-                  </a:lnTo>
-                  <a:cubicBezTo>
-                    <a:pt x="2808" y="1779"/>
-                    <a:pt x="2348" y="1594"/>
-                    <a:pt x="1887" y="1594"/>
-                  </a:cubicBezTo>
-                  <a:cubicBezTo>
-                    <a:pt x="1453" y="1594"/>
-                    <a:pt x="1019" y="1758"/>
-                    <a:pt x="686" y="2091"/>
-                  </a:cubicBezTo>
-                  <a:cubicBezTo>
-                    <a:pt x="1" y="2776"/>
-                    <a:pt x="28" y="3896"/>
-                    <a:pt x="747" y="4549"/>
-                  </a:cubicBezTo>
-                  <a:lnTo>
-                    <a:pt x="3029" y="6819"/>
-                  </a:lnTo>
-                  <a:cubicBezTo>
-                    <a:pt x="3344" y="7131"/>
-                    <a:pt x="3768" y="7308"/>
-                    <a:pt x="4214" y="7308"/>
-                  </a:cubicBezTo>
-                  <a:cubicBezTo>
-                    <a:pt x="4218" y="7308"/>
-                    <a:pt x="4221" y="7308"/>
-                    <a:pt x="4225" y="7308"/>
-                  </a:cubicBezTo>
-                  <a:cubicBezTo>
-                    <a:pt x="4678" y="7308"/>
-                    <a:pt x="5116" y="7127"/>
-                    <a:pt x="5439" y="6807"/>
-                  </a:cubicBezTo>
-                  <a:lnTo>
-                    <a:pt x="9349" y="2900"/>
-                  </a:lnTo>
-                  <a:cubicBezTo>
-                    <a:pt x="10013" y="2236"/>
-                    <a:pt x="10013" y="1161"/>
-                    <a:pt x="9349" y="499"/>
-                  </a:cubicBezTo>
-                  <a:cubicBezTo>
-                    <a:pt x="9017" y="167"/>
-                    <a:pt x="8581" y="1"/>
-                    <a:pt x="8146" y="1"/>
-                  </a:cubicBezTo>
-                  <a:close/>
-                </a:path>
-              </a:pathLst>
-            </a:custGeom>
-            <a:solidFill>
-              <a:schemeClr val="dk1"/>
-            </a:solidFill>
-            <a:ln>
-              <a:noFill/>
-            </a:ln>
-          </p:spPr>
-          <p:txBody>
-            <a:bodyPr spcFirstLastPara="1" wrap="square" lIns="91425" tIns="91425" rIns="91425" bIns="91425" anchor="ctr" anchorCtr="0">
-              <a:noAutofit/>
-            </a:bodyPr>
-            <a:lstStyle/>
-            <a:p>
-              <a:pPr marL="0" lvl="0" indent="0" algn="l" rtl="0">
-                <a:spcBef>
-                  <a:spcPts val="0"/>
-                </a:spcBef>
-                <a:spcAft>
-                  <a:spcPts val="0"/>
-                </a:spcAft>
-                <a:buNone/>
-              </a:pPr>
-              <a:endParaRPr>
-                <a:solidFill>
-                  <a:srgbClr val="435D74"/>
-                </a:solidFill>
-              </a:endParaRPr>
-            </a:p>
-          </p:txBody>
-        </p:sp>
-      </p:grpSp>
+            </a:prstTxWarp>
+          </a:bodyPr>
+          <a:lstStyle/>
+          <a:p>
+            <a:endParaRPr lang="fr-FR"/>
+          </a:p>
+        </p:txBody>
+      </p:sp>
+      <p:pic>
+        <p:nvPicPr>
+          <p:cNvPr id="1032" name="Picture 8" descr="Getting your computer ready for machine learning: How, what and why you  should use Anaconda, Miniconda">
+            <a:extLst>
+              <a:ext uri="{FF2B5EF4-FFF2-40B4-BE49-F238E27FC236}">
+                <a16:creationId xmlns:a16="http://schemas.microsoft.com/office/drawing/2014/main" id="{48A2F1C5-CB0A-BBDB-3CD3-B3A51154589A}"/>
+              </a:ext>
+            </a:extLst>
+          </p:cNvPr>
+          <p:cNvPicPr>
+            <a:picLocks noChangeAspect="1" noChangeArrowheads="1"/>
+          </p:cNvPicPr>
+          <p:nvPr/>
+        </p:nvPicPr>
+        <p:blipFill rotWithShape="1">
+          <a:blip r:embed="rId4">
+            <a:extLst>
+              <a:ext uri="{28A0092B-C50C-407E-A947-70E740481C1C}">
+                <a14:useLocalDpi xmlns:a14="http://schemas.microsoft.com/office/drawing/2010/main" val="0"/>
+              </a:ext>
+            </a:extLst>
+          </a:blip>
+          <a:srcRect l="21215" t="53426" r="39709" b="32358"/>
+          <a:stretch/>
+        </p:blipFill>
+        <p:spPr bwMode="auto">
+          <a:xfrm>
+            <a:off x="1315294" y="2909581"/>
+            <a:ext cx="805398" cy="164812"/>
+          </a:xfrm>
+          <a:prstGeom prst="rect">
+            <a:avLst/>
+          </a:prstGeom>
+          <a:noFill/>
+          <a:extLst>
+            <a:ext uri="{909E8E84-426E-40DD-AFC4-6F175D3DCCD1}">
+              <a14:hiddenFill xmlns:a14="http://schemas.microsoft.com/office/drawing/2010/main">
+                <a:solidFill>
+                  <a:srgbClr val="FFFFFF"/>
+                </a:solidFill>
+              </a14:hiddenFill>
+            </a:ext>
+          </a:extLst>
+        </p:spPr>
+      </p:pic>
+      <p:pic>
+        <p:nvPicPr>
+          <p:cNvPr id="1034" name="Picture 10" descr="PIP for Python (Python PIP) - Python - telecomHall Forum">
+            <a:extLst>
+              <a:ext uri="{FF2B5EF4-FFF2-40B4-BE49-F238E27FC236}">
+                <a16:creationId xmlns:a16="http://schemas.microsoft.com/office/drawing/2014/main" id="{8D6B975F-6A0F-9C44-A952-FAD5AFB5B4A3}"/>
+              </a:ext>
+            </a:extLst>
+          </p:cNvPr>
+          <p:cNvPicPr>
+            <a:picLocks noChangeAspect="1" noChangeArrowheads="1"/>
+          </p:cNvPicPr>
+          <p:nvPr/>
+        </p:nvPicPr>
+        <p:blipFill>
+          <a:blip r:embed="rId5">
+            <a:extLst>
+              <a:ext uri="{28A0092B-C50C-407E-A947-70E740481C1C}">
+                <a14:useLocalDpi xmlns:a14="http://schemas.microsoft.com/office/drawing/2010/main" val="0"/>
+              </a:ext>
+            </a:extLst>
+          </a:blip>
+          <a:srcRect/>
+          <a:stretch>
+            <a:fillRect/>
+          </a:stretch>
+        </p:blipFill>
+        <p:spPr bwMode="auto">
+          <a:xfrm>
+            <a:off x="1409464" y="3885702"/>
+            <a:ext cx="567513" cy="567513"/>
+          </a:xfrm>
+          <a:prstGeom prst="rect">
+            <a:avLst/>
+          </a:prstGeom>
+          <a:noFill/>
+          <a:extLst>
+            <a:ext uri="{909E8E84-426E-40DD-AFC4-6F175D3DCCD1}">
+              <a14:hiddenFill xmlns:a14="http://schemas.microsoft.com/office/drawing/2010/main">
+                <a:solidFill>
+                  <a:srgbClr val="FFFFFF"/>
+                </a:solidFill>
+              </a14:hiddenFill>
+            </a:ext>
+          </a:extLst>
+        </p:spPr>
+      </p:pic>
     </p:spTree>
   </p:cSld>
   <p:clrMapOvr>
@@ -20917,16 +20269,14 @@
           <p:nvPr/>
         </p:nvPicPr>
         <p:blipFill rotWithShape="1">
-          <a:blip r:embed="rId3">
-            <a:alphaModFix amt="72000"/>
-          </a:blip>
-          <a:srcRect l="18989" t="2061" r="1291" b="2070"/>
+          <a:blip r:embed="rId3"/>
+          <a:srcRect l="22123" r="552"/>
           <a:stretch/>
         </p:blipFill>
         <p:spPr>
           <a:xfrm>
-            <a:off x="4532825" y="1483952"/>
-            <a:ext cx="3569400" cy="2829600"/>
+            <a:off x="2010174" y="1437788"/>
+            <a:ext cx="6581554" cy="2829600"/>
           </a:xfrm>
           <a:prstGeom prst="roundRect">
             <a:avLst>
@@ -27266,16 +26616,14 @@
           <p:nvPr/>
         </p:nvPicPr>
         <p:blipFill rotWithShape="1">
-          <a:blip r:embed="rId3">
-            <a:alphaModFix amt="72000"/>
-          </a:blip>
-          <a:srcRect l="18989" t="2061" r="1291" b="2070"/>
+          <a:blip r:embed="rId3"/>
+          <a:srcRect l="1061" r="1886"/>
           <a:stretch/>
         </p:blipFill>
         <p:spPr>
           <a:xfrm>
-            <a:off x="4532825" y="1483952"/>
-            <a:ext cx="3569400" cy="2829600"/>
+            <a:off x="4572000" y="1483952"/>
+            <a:ext cx="4109761" cy="2854132"/>
           </a:xfrm>
           <a:prstGeom prst="roundRect">
             <a:avLst>
@@ -30452,10 +29800,10 @@
       </p:sp>
       <p:pic>
         <p:nvPicPr>
-          <p:cNvPr id="10" name="Image 9">
+          <p:cNvPr id="3" name="Image 2">
             <a:extLst>
               <a:ext uri="{FF2B5EF4-FFF2-40B4-BE49-F238E27FC236}">
-                <a16:creationId xmlns:a16="http://schemas.microsoft.com/office/drawing/2014/main" id="{723129E0-0C89-CFBF-B27A-DCE2298C1BBF}"/>
+                <a16:creationId xmlns:a16="http://schemas.microsoft.com/office/drawing/2014/main" id="{E98DF5E3-54AA-63FF-FEEC-E032CDE63B09}"/>
               </a:ext>
             </a:extLst>
           </p:cNvPr>
@@ -30472,8 +29820,8 @@
         </p:blipFill>
         <p:spPr>
           <a:xfrm>
-            <a:off x="1940909" y="1724580"/>
-            <a:ext cx="5262181" cy="2286443"/>
+            <a:off x="2173368" y="1723656"/>
+            <a:ext cx="4797264" cy="2128364"/>
           </a:xfrm>
           <a:prstGeom prst="rect">
             <a:avLst/>
@@ -31628,16 +30976,14 @@
           <p:nvPr/>
         </p:nvPicPr>
         <p:blipFill rotWithShape="1">
-          <a:blip r:embed="rId3">
-            <a:alphaModFix amt="72000"/>
-          </a:blip>
-          <a:srcRect l="18989" t="2061" r="1291" b="2070"/>
+          <a:blip r:embed="rId3"/>
+          <a:srcRect l="-463" t="-2099" r="-250" b="2099"/>
           <a:stretch/>
         </p:blipFill>
         <p:spPr>
           <a:xfrm>
-            <a:off x="4532825" y="1483952"/>
-            <a:ext cx="3569400" cy="2829600"/>
+            <a:off x="4460637" y="1745261"/>
+            <a:ext cx="4221125" cy="2472594"/>
           </a:xfrm>
           <a:prstGeom prst="roundRect">
             <a:avLst>
@@ -40966,17 +40312,15 @@
           <p:cNvPicPr preferRelativeResize="0"/>
           <p:nvPr/>
         </p:nvPicPr>
-        <p:blipFill rotWithShape="1">
-          <a:blip r:embed="rId3">
-            <a:alphaModFix amt="72000"/>
-          </a:blip>
-          <a:srcRect l="18989" t="2061" r="1291" b="2070"/>
+        <p:blipFill>
+          <a:blip r:embed="rId3"/>
+          <a:srcRect l="5452" r="5452"/>
           <a:stretch/>
         </p:blipFill>
         <p:spPr>
           <a:xfrm>
-            <a:off x="4532825" y="1483952"/>
-            <a:ext cx="3569400" cy="2829600"/>
+            <a:off x="4532824" y="1290053"/>
+            <a:ext cx="3920059" cy="3023499"/>
           </a:xfrm>
           <a:prstGeom prst="roundRect">
             <a:avLst>
@@ -41411,41 +40755,6 @@
           <a:chExt cx="0" cy="0"/>
         </a:xfrm>
       </p:grpSpPr>
-      <p:pic>
-        <p:nvPicPr>
-          <p:cNvPr id="507" name="Google Shape;507;p35"/>
-          <p:cNvPicPr preferRelativeResize="0"/>
-          <p:nvPr/>
-        </p:nvPicPr>
-        <p:blipFill rotWithShape="1">
-          <a:blip r:embed="rId3">
-            <a:alphaModFix amt="72000"/>
-          </a:blip>
-          <a:srcRect l="18989" t="2061" r="1291" b="2070"/>
-          <a:stretch/>
-        </p:blipFill>
-        <p:spPr>
-          <a:xfrm>
-            <a:off x="4532825" y="1483952"/>
-            <a:ext cx="3569400" cy="2829600"/>
-          </a:xfrm>
-          <a:prstGeom prst="roundRect">
-            <a:avLst>
-              <a:gd name="adj" fmla="val 4744"/>
-            </a:avLst>
-          </a:prstGeom>
-          <a:noFill/>
-          <a:ln w="28575" cap="flat" cmpd="sng">
-            <a:solidFill>
-              <a:schemeClr val="dk1"/>
-            </a:solidFill>
-            <a:prstDash val="solid"/>
-            <a:round/>
-            <a:headEnd type="none" w="sm" len="sm"/>
-            <a:tailEnd type="none" w="sm" len="sm"/>
-          </a:ln>
-        </p:spPr>
-      </p:pic>
       <p:grpSp>
         <p:nvGrpSpPr>
           <p:cNvPr id="508" name="Google Shape;508;p35"/>
@@ -41699,6 +41008,39 @@
           </a:p>
         </p:txBody>
       </p:sp>
+      <p:pic>
+        <p:nvPicPr>
+          <p:cNvPr id="507" name="Google Shape;507;p35"/>
+          <p:cNvPicPr preferRelativeResize="0"/>
+          <p:nvPr/>
+        </p:nvPicPr>
+        <p:blipFill rotWithShape="1">
+          <a:blip r:embed="rId3"/>
+          <a:srcRect t="-779" b="-2383"/>
+          <a:stretch/>
+        </p:blipFill>
+        <p:spPr>
+          <a:xfrm>
+            <a:off x="4869427" y="1290053"/>
+            <a:ext cx="3122617" cy="3200400"/>
+          </a:xfrm>
+          <a:prstGeom prst="roundRect">
+            <a:avLst>
+              <a:gd name="adj" fmla="val 4744"/>
+            </a:avLst>
+          </a:prstGeom>
+          <a:noFill/>
+          <a:ln w="28575" cap="flat" cmpd="sng">
+            <a:solidFill>
+              <a:schemeClr val="dk1"/>
+            </a:solidFill>
+            <a:prstDash val="solid"/>
+            <a:round/>
+            <a:headEnd type="none" w="sm" len="sm"/>
+            <a:tailEnd type="none" w="sm" len="sm"/>
+          </a:ln>
+        </p:spPr>
+      </p:pic>
     </p:spTree>
   </p:cSld>
   <p:clrMapOvr>
@@ -50158,6 +49500,435 @@
 </p:sld>
 </file>
 
+<file path=ppt/slides/slide50.xml><?xml version="1.0" encoding="utf-8"?>
+<p:sld xmlns:a="http://schemas.openxmlformats.org/drawingml/2006/main" xmlns:r="http://schemas.openxmlformats.org/officeDocument/2006/relationships" xmlns:p="http://schemas.openxmlformats.org/presentationml/2006/main">
+  <p:cSld>
+    <p:spTree>
+      <p:nvGrpSpPr>
+        <p:cNvPr id="1" name="Shape 506"/>
+        <p:cNvGrpSpPr/>
+        <p:nvPr/>
+      </p:nvGrpSpPr>
+      <p:grpSpPr>
+        <a:xfrm>
+          <a:off x="0" y="0"/>
+          <a:ext cx="0" cy="0"/>
+          <a:chOff x="0" y="0"/>
+          <a:chExt cx="0" cy="0"/>
+        </a:xfrm>
+      </p:grpSpPr>
+      <p:pic>
+        <p:nvPicPr>
+          <p:cNvPr id="507" name="Google Shape;507;p35"/>
+          <p:cNvPicPr preferRelativeResize="0"/>
+          <p:nvPr/>
+        </p:nvPicPr>
+        <p:blipFill rotWithShape="1">
+          <a:blip r:embed="rId3"/>
+          <a:srcRect t="-587" b="232"/>
+          <a:stretch/>
+        </p:blipFill>
+        <p:spPr>
+          <a:xfrm>
+            <a:off x="4681673" y="1219499"/>
+            <a:ext cx="3546097" cy="3381153"/>
+          </a:xfrm>
+          <a:prstGeom prst="roundRect">
+            <a:avLst>
+              <a:gd name="adj" fmla="val 4744"/>
+            </a:avLst>
+          </a:prstGeom>
+          <a:noFill/>
+          <a:ln w="28575" cap="flat" cmpd="sng">
+            <a:solidFill>
+              <a:schemeClr val="dk1"/>
+            </a:solidFill>
+            <a:prstDash val="solid"/>
+            <a:round/>
+            <a:headEnd type="none" w="sm" len="sm"/>
+            <a:tailEnd type="none" w="sm" len="sm"/>
+          </a:ln>
+        </p:spPr>
+      </p:pic>
+      <p:grpSp>
+        <p:nvGrpSpPr>
+          <p:cNvPr id="508" name="Google Shape;508;p35"/>
+          <p:cNvGrpSpPr/>
+          <p:nvPr/>
+        </p:nvGrpSpPr>
+        <p:grpSpPr>
+          <a:xfrm>
+            <a:off x="462238" y="1118895"/>
+            <a:ext cx="1547936" cy="1172018"/>
+            <a:chOff x="1556995" y="948473"/>
+            <a:chExt cx="1797000" cy="1360597"/>
+          </a:xfrm>
+        </p:grpSpPr>
+        <p:sp>
+          <p:nvSpPr>
+            <p:cNvPr id="509" name="Google Shape;509;p35"/>
+            <p:cNvSpPr/>
+            <p:nvPr/>
+          </p:nvSpPr>
+          <p:spPr>
+            <a:xfrm>
+              <a:off x="1556995" y="948473"/>
+              <a:ext cx="851400" cy="996300"/>
+            </a:xfrm>
+            <a:prstGeom prst="roundRect">
+              <a:avLst>
+                <a:gd name="adj" fmla="val 6278"/>
+              </a:avLst>
+            </a:prstGeom>
+            <a:solidFill>
+              <a:srgbClr val="F6F2E3"/>
+            </a:solidFill>
+            <a:ln w="28575" cap="flat" cmpd="sng">
+              <a:solidFill>
+                <a:schemeClr val="dk1"/>
+              </a:solidFill>
+              <a:prstDash val="solid"/>
+              <a:round/>
+              <a:headEnd type="none" w="sm" len="sm"/>
+              <a:tailEnd type="none" w="sm" len="sm"/>
+            </a:ln>
+          </p:spPr>
+          <p:txBody>
+            <a:bodyPr spcFirstLastPara="1" wrap="square" lIns="91425" tIns="91425" rIns="91425" bIns="91425" anchor="ctr" anchorCtr="0">
+              <a:noAutofit/>
+            </a:bodyPr>
+            <a:lstStyle/>
+            <a:p>
+              <a:pPr marL="0" lvl="0" indent="0" algn="l" rtl="0">
+                <a:spcBef>
+                  <a:spcPts val="0"/>
+                </a:spcBef>
+                <a:spcAft>
+                  <a:spcPts val="0"/>
+                </a:spcAft>
+                <a:buNone/>
+              </a:pPr>
+              <a:endParaRPr/>
+            </a:p>
+          </p:txBody>
+        </p:sp>
+        <p:sp>
+          <p:nvSpPr>
+            <p:cNvPr id="510" name="Google Shape;510;p35"/>
+            <p:cNvSpPr/>
+            <p:nvPr/>
+          </p:nvSpPr>
+          <p:spPr>
+            <a:xfrm>
+              <a:off x="1556995" y="1147170"/>
+              <a:ext cx="1797000" cy="1161900"/>
+            </a:xfrm>
+            <a:prstGeom prst="roundRect">
+              <a:avLst>
+                <a:gd name="adj" fmla="val 5762"/>
+              </a:avLst>
+            </a:prstGeom>
+            <a:solidFill>
+              <a:srgbClr val="F6F2E3"/>
+            </a:solidFill>
+            <a:ln w="28575" cap="flat" cmpd="sng">
+              <a:solidFill>
+                <a:schemeClr val="dk1"/>
+              </a:solidFill>
+              <a:prstDash val="solid"/>
+              <a:round/>
+              <a:headEnd type="none" w="sm" len="sm"/>
+              <a:tailEnd type="none" w="sm" len="sm"/>
+            </a:ln>
+            <a:effectLst>
+              <a:outerShdw dist="57150" dir="2940000" algn="bl" rotWithShape="0">
+                <a:schemeClr val="dk1"/>
+              </a:outerShdw>
+            </a:effectLst>
+          </p:spPr>
+          <p:txBody>
+            <a:bodyPr spcFirstLastPara="1" wrap="square" lIns="91425" tIns="91425" rIns="91425" bIns="91425" anchor="ctr" anchorCtr="0">
+              <a:noAutofit/>
+            </a:bodyPr>
+            <a:lstStyle/>
+            <a:p>
+              <a:pPr marL="0" lvl="0" indent="0" algn="l" rtl="0">
+                <a:spcBef>
+                  <a:spcPts val="0"/>
+                </a:spcBef>
+                <a:spcAft>
+                  <a:spcPts val="0"/>
+                </a:spcAft>
+                <a:buNone/>
+              </a:pPr>
+              <a:endParaRPr/>
+            </a:p>
+          </p:txBody>
+        </p:sp>
+      </p:grpSp>
+      <p:sp>
+        <p:nvSpPr>
+          <p:cNvPr id="511" name="Google Shape;511;p35"/>
+          <p:cNvSpPr txBox="1">
+            <a:spLocks noGrp="1"/>
+          </p:cNvSpPr>
+          <p:nvPr>
+            <p:ph type="title" idx="2"/>
+          </p:nvPr>
+        </p:nvSpPr>
+        <p:spPr>
+          <a:xfrm>
+            <a:off x="403125" y="1384975"/>
+            <a:ext cx="1666200" cy="841800"/>
+          </a:xfrm>
+          <a:prstGeom prst="rect">
+            <a:avLst/>
+          </a:prstGeom>
+        </p:spPr>
+        <p:txBody>
+          <a:bodyPr spcFirstLastPara="1" wrap="square" lIns="91425" tIns="91425" rIns="91425" bIns="91425" anchor="ctr" anchorCtr="0">
+            <a:noAutofit/>
+          </a:bodyPr>
+          <a:lstStyle/>
+          <a:p>
+            <a:pPr marL="0" lvl="0" indent="0" algn="ctr" rtl="0">
+              <a:spcBef>
+                <a:spcPts val="0"/>
+              </a:spcBef>
+              <a:spcAft>
+                <a:spcPts val="0"/>
+              </a:spcAft>
+              <a:buNone/>
+            </a:pPr>
+            <a:r>
+              <a:rPr lang="en" dirty="0"/>
+              <a:t>07</a:t>
+            </a:r>
+            <a:endParaRPr dirty="0"/>
+          </a:p>
+        </p:txBody>
+      </p:sp>
+      <p:sp>
+        <p:nvSpPr>
+          <p:cNvPr id="512" name="Google Shape;512;p35"/>
+          <p:cNvSpPr/>
+          <p:nvPr/>
+        </p:nvSpPr>
+        <p:spPr>
+          <a:xfrm>
+            <a:off x="818706" y="2537937"/>
+            <a:ext cx="3418510" cy="1289784"/>
+          </a:xfrm>
+          <a:prstGeom prst="roundRect">
+            <a:avLst>
+              <a:gd name="adj" fmla="val 6740"/>
+            </a:avLst>
+          </a:prstGeom>
+          <a:solidFill>
+            <a:schemeClr val="lt2"/>
+          </a:solidFill>
+          <a:ln w="28575" cap="flat" cmpd="sng">
+            <a:solidFill>
+              <a:schemeClr val="dk1"/>
+            </a:solidFill>
+            <a:prstDash val="solid"/>
+            <a:round/>
+            <a:headEnd type="none" w="sm" len="sm"/>
+            <a:tailEnd type="none" w="sm" len="sm"/>
+          </a:ln>
+          <a:effectLst>
+            <a:outerShdw dist="85725" dir="3960000" algn="bl" rotWithShape="0">
+              <a:schemeClr val="dk1"/>
+            </a:outerShdw>
+          </a:effectLst>
+        </p:spPr>
+        <p:txBody>
+          <a:bodyPr spcFirstLastPara="1" wrap="square" lIns="91425" tIns="91425" rIns="91425" bIns="91425" anchor="ctr" anchorCtr="0">
+            <a:noAutofit/>
+          </a:bodyPr>
+          <a:lstStyle/>
+          <a:p>
+            <a:pPr marL="0" lvl="0" indent="0" algn="l" rtl="0">
+              <a:spcBef>
+                <a:spcPts val="0"/>
+              </a:spcBef>
+              <a:spcAft>
+                <a:spcPts val="0"/>
+              </a:spcAft>
+              <a:buNone/>
+            </a:pPr>
+            <a:endParaRPr/>
+          </a:p>
+        </p:txBody>
+      </p:sp>
+      <p:sp>
+        <p:nvSpPr>
+          <p:cNvPr id="513" name="Google Shape;513;p35"/>
+          <p:cNvSpPr txBox="1">
+            <a:spLocks noGrp="1"/>
+          </p:cNvSpPr>
+          <p:nvPr>
+            <p:ph type="title"/>
+          </p:nvPr>
+        </p:nvSpPr>
+        <p:spPr>
+          <a:xfrm>
+            <a:off x="781348" y="2629380"/>
+            <a:ext cx="3455868" cy="1069500"/>
+          </a:xfrm>
+          <a:prstGeom prst="rect">
+            <a:avLst/>
+          </a:prstGeom>
+        </p:spPr>
+        <p:txBody>
+          <a:bodyPr spcFirstLastPara="1" wrap="square" lIns="91425" tIns="91425" rIns="91425" bIns="91425" anchor="ctr" anchorCtr="0">
+            <a:noAutofit/>
+          </a:bodyPr>
+          <a:lstStyle/>
+          <a:p>
+            <a:pPr marL="0" lvl="0" indent="0" algn="ctr" rtl="0">
+              <a:spcBef>
+                <a:spcPts val="0"/>
+              </a:spcBef>
+              <a:spcAft>
+                <a:spcPts val="0"/>
+              </a:spcAft>
+              <a:buNone/>
+            </a:pPr>
+            <a:r>
+              <a:rPr lang="fr-FR" sz="2400" dirty="0"/>
+              <a:t>CONCLUSION</a:t>
+            </a:r>
+          </a:p>
+        </p:txBody>
+      </p:sp>
+    </p:spTree>
+    <p:extLst>
+      <p:ext uri="{BB962C8B-B14F-4D97-AF65-F5344CB8AC3E}">
+        <p14:creationId xmlns:p14="http://schemas.microsoft.com/office/powerpoint/2010/main" val="2032492625"/>
+      </p:ext>
+    </p:extLst>
+  </p:cSld>
+  <p:clrMapOvr>
+    <a:masterClrMapping/>
+  </p:clrMapOvr>
+</p:sld>
+</file>
+
+<file path=ppt/slides/slide51.xml><?xml version="1.0" encoding="utf-8"?>
+<p:sld xmlns:a="http://schemas.openxmlformats.org/drawingml/2006/main" xmlns:r="http://schemas.openxmlformats.org/officeDocument/2006/relationships" xmlns:p="http://schemas.openxmlformats.org/presentationml/2006/main">
+  <p:cSld>
+    <p:bg>
+      <p:bgPr>
+        <a:solidFill>
+          <a:schemeClr val="lt1"/>
+        </a:solidFill>
+        <a:effectLst/>
+      </p:bgPr>
+    </p:bg>
+    <p:spTree>
+      <p:nvGrpSpPr>
+        <p:cNvPr id="1" name="Shape 925"/>
+        <p:cNvGrpSpPr/>
+        <p:nvPr/>
+      </p:nvGrpSpPr>
+      <p:grpSpPr>
+        <a:xfrm>
+          <a:off x="0" y="0"/>
+          <a:ext cx="0" cy="0"/>
+          <a:chOff x="0" y="0"/>
+          <a:chExt cx="0" cy="0"/>
+        </a:xfrm>
+      </p:grpSpPr>
+      <p:sp>
+        <p:nvSpPr>
+          <p:cNvPr id="928" name="Google Shape;928;p53"/>
+          <p:cNvSpPr txBox="1">
+            <a:spLocks noGrp="1"/>
+          </p:cNvSpPr>
+          <p:nvPr>
+            <p:ph type="title"/>
+          </p:nvPr>
+        </p:nvSpPr>
+        <p:spPr>
+          <a:prstGeom prst="rect">
+            <a:avLst/>
+          </a:prstGeom>
+        </p:spPr>
+        <p:txBody>
+          <a:bodyPr spcFirstLastPara="1" wrap="square" lIns="91425" tIns="91425" rIns="91425" bIns="91425" anchor="b" anchorCtr="0">
+            <a:noAutofit/>
+          </a:bodyPr>
+          <a:lstStyle/>
+          <a:p>
+            <a:pPr marL="0" lvl="0" indent="0" algn="ctr" rtl="0">
+              <a:spcBef>
+                <a:spcPts val="0"/>
+              </a:spcBef>
+              <a:spcAft>
+                <a:spcPts val="0"/>
+              </a:spcAft>
+              <a:buNone/>
+            </a:pPr>
+            <a:r>
+              <a:rPr lang="en" dirty="0"/>
+              <a:t>Thanks!</a:t>
+            </a:r>
+            <a:endParaRPr dirty="0"/>
+          </a:p>
+        </p:txBody>
+      </p:sp>
+      <p:sp>
+        <p:nvSpPr>
+          <p:cNvPr id="926" name="Google Shape;926;p53"/>
+          <p:cNvSpPr txBox="1">
+            <a:spLocks noGrp="1"/>
+          </p:cNvSpPr>
+          <p:nvPr>
+            <p:ph type="subTitle" idx="1"/>
+          </p:nvPr>
+        </p:nvSpPr>
+        <p:spPr>
+          <a:prstGeom prst="rect">
+            <a:avLst/>
+          </a:prstGeom>
+        </p:spPr>
+        <p:txBody>
+          <a:bodyPr spcFirstLastPara="1" wrap="square" lIns="91425" tIns="91425" rIns="91425" bIns="91425" anchor="t" anchorCtr="0">
+            <a:noAutofit/>
+          </a:bodyPr>
+          <a:lstStyle/>
+          <a:p>
+            <a:pPr marL="0" lvl="0" indent="0" algn="ctr" rtl="0">
+              <a:spcBef>
+                <a:spcPts val="0"/>
+              </a:spcBef>
+              <a:spcAft>
+                <a:spcPts val="0"/>
+              </a:spcAft>
+              <a:buClr>
+                <a:schemeClr val="lt1"/>
+              </a:buClr>
+              <a:buSzPts val="1100"/>
+              <a:buFont typeface="Arial"/>
+              <a:buNone/>
+            </a:pPr>
+            <a:r>
+              <a:rPr lang="en" dirty="0"/>
+              <a:t>Do you have any questions?</a:t>
+            </a:r>
+            <a:endParaRPr dirty="0"/>
+          </a:p>
+        </p:txBody>
+      </p:sp>
+    </p:spTree>
+  </p:cSld>
+  <p:clrMapOvr>
+    <a:masterClrMapping/>
+  </p:clrMapOvr>
+</p:sld>
+</file>
+
 <file path=ppt/slides/slide6.xml><?xml version="1.0" encoding="utf-8"?>
 <p:sld xmlns:a="http://schemas.openxmlformats.org/drawingml/2006/main" xmlns:r="http://schemas.openxmlformats.org/officeDocument/2006/relationships" xmlns:p="http://schemas.openxmlformats.org/presentationml/2006/main">
   <p:cSld>
@@ -51947,11 +51718,9 @@
           <p:cNvPicPr preferRelativeResize="0"/>
           <p:nvPr/>
         </p:nvPicPr>
-        <p:blipFill rotWithShape="1">
-          <a:blip r:embed="rId3">
-            <a:alphaModFix amt="72000"/>
-          </a:blip>
-          <a:srcRect l="18989" t="2061" r="1291" b="2070"/>
+        <p:blipFill>
+          <a:blip r:embed="rId3"/>
+          <a:srcRect l="8028" r="8028"/>
           <a:stretch/>
         </p:blipFill>
         <p:spPr>

--- a/SEMESTER 1/Modélisation avec Python/M- Pandas/Presentation/Pandas.pptx
+++ b/SEMESTER 1/Modélisation avec Python/M- Pandas/Presentation/Pandas.pptx
@@ -5,7 +5,7 @@
     <p:sldMasterId id="2147483674" r:id="rId1"/>
   </p:sldMasterIdLst>
   <p:notesMasterIdLst>
-    <p:notesMasterId r:id="rId53"/>
+    <p:notesMasterId r:id="rId50"/>
   </p:notesMasterIdLst>
   <p:sldIdLst>
     <p:sldId id="308" r:id="rId2"/>
@@ -52,13 +52,10 @@
     <p:sldId id="353" r:id="rId43"/>
     <p:sldId id="354" r:id="rId44"/>
     <p:sldId id="355" r:id="rId45"/>
-    <p:sldId id="356" r:id="rId46"/>
-    <p:sldId id="357" r:id="rId47"/>
-    <p:sldId id="358" r:id="rId48"/>
-    <p:sldId id="359" r:id="rId49"/>
-    <p:sldId id="360" r:id="rId50"/>
-    <p:sldId id="361" r:id="rId51"/>
-    <p:sldId id="280" r:id="rId52"/>
+    <p:sldId id="357" r:id="rId46"/>
+    <p:sldId id="360" r:id="rId47"/>
+    <p:sldId id="361" r:id="rId48"/>
+    <p:sldId id="280" r:id="rId49"/>
   </p:sldIdLst>
   <p:sldSz cx="9144000" cy="5143500" type="screen16x9"/>
   <p:notesSz cx="6858000" cy="9144000"/>
@@ -4956,7 +4953,7 @@
     </p:spTree>
     <p:extLst>
       <p:ext uri="{BB962C8B-B14F-4D97-AF65-F5344CB8AC3E}">
-        <p14:creationId xmlns:p14="http://schemas.microsoft.com/office/powerpoint/2010/main" val="3277916099"/>
+        <p14:creationId xmlns:p14="http://schemas.microsoft.com/office/powerpoint/2010/main" val="1931141458"/>
       </p:ext>
     </p:extLst>
   </p:cSld>
@@ -5065,7 +5062,7 @@
     </p:spTree>
     <p:extLst>
       <p:ext uri="{BB962C8B-B14F-4D97-AF65-F5344CB8AC3E}">
-        <p14:creationId xmlns:p14="http://schemas.microsoft.com/office/powerpoint/2010/main" val="1931141458"/>
+        <p14:creationId xmlns:p14="http://schemas.microsoft.com/office/powerpoint/2010/main" val="2998683969"/>
       </p:ext>
     </p:extLst>
   </p:cSld>
@@ -5076,333 +5073,6 @@
 </file>
 
 <file path=ppt/notesSlides/notesSlide46.xml><?xml version="1.0" encoding="utf-8"?>
-<p:notes xmlns:a="http://schemas.openxmlformats.org/drawingml/2006/main" xmlns:r="http://schemas.openxmlformats.org/officeDocument/2006/relationships" xmlns:p="http://schemas.openxmlformats.org/presentationml/2006/main" showMasterSp="0" showMasterPhAnim="0">
-  <p:cSld>
-    <p:spTree>
-      <p:nvGrpSpPr>
-        <p:cNvPr id="1" name="Shape 942"/>
-        <p:cNvGrpSpPr/>
-        <p:nvPr/>
-      </p:nvGrpSpPr>
-      <p:grpSpPr>
-        <a:xfrm>
-          <a:off x="0" y="0"/>
-          <a:ext cx="0" cy="0"/>
-          <a:chOff x="0" y="0"/>
-          <a:chExt cx="0" cy="0"/>
-        </a:xfrm>
-      </p:grpSpPr>
-      <p:sp>
-        <p:nvSpPr>
-          <p:cNvPr id="943" name="Google Shape;943;gbd6c00e730_0_21:notes"/>
-          <p:cNvSpPr>
-            <a:spLocks noGrp="1" noRot="1" noChangeAspect="1"/>
-          </p:cNvSpPr>
-          <p:nvPr>
-            <p:ph type="sldImg" idx="2"/>
-          </p:nvPr>
-        </p:nvSpPr>
-        <p:spPr>
-          <a:xfrm>
-            <a:off x="381000" y="685800"/>
-            <a:ext cx="6096000" cy="3429000"/>
-          </a:xfrm>
-          <a:custGeom>
-            <a:avLst/>
-            <a:gdLst/>
-            <a:ahLst/>
-            <a:cxnLst/>
-            <a:rect l="l" t="t" r="r" b="b"/>
-            <a:pathLst>
-              <a:path w="120000" h="120000" extrusionOk="0">
-                <a:moveTo>
-                  <a:pt x="0" y="0"/>
-                </a:moveTo>
-                <a:lnTo>
-                  <a:pt x="120000" y="0"/>
-                </a:lnTo>
-                <a:lnTo>
-                  <a:pt x="120000" y="120000"/>
-                </a:lnTo>
-                <a:lnTo>
-                  <a:pt x="0" y="120000"/>
-                </a:lnTo>
-                <a:close/>
-              </a:path>
-            </a:pathLst>
-          </a:custGeom>
-        </p:spPr>
-      </p:sp>
-      <p:sp>
-        <p:nvSpPr>
-          <p:cNvPr id="944" name="Google Shape;944;gbd6c00e730_0_21:notes"/>
-          <p:cNvSpPr txBox="1">
-            <a:spLocks noGrp="1"/>
-          </p:cNvSpPr>
-          <p:nvPr>
-            <p:ph type="body" idx="1"/>
-          </p:nvPr>
-        </p:nvSpPr>
-        <p:spPr>
-          <a:xfrm>
-            <a:off x="685800" y="4343400"/>
-            <a:ext cx="5486400" cy="4114800"/>
-          </a:xfrm>
-          <a:prstGeom prst="rect">
-            <a:avLst/>
-          </a:prstGeom>
-        </p:spPr>
-        <p:txBody>
-          <a:bodyPr spcFirstLastPara="1" wrap="square" lIns="91425" tIns="91425" rIns="91425" bIns="91425" anchor="t" anchorCtr="0">
-            <a:noAutofit/>
-          </a:bodyPr>
-          <a:lstStyle/>
-          <a:p>
-            <a:pPr marL="0" lvl="0" indent="0" algn="l" rtl="0">
-              <a:spcBef>
-                <a:spcPts val="0"/>
-              </a:spcBef>
-              <a:spcAft>
-                <a:spcPts val="0"/>
-              </a:spcAft>
-              <a:buNone/>
-            </a:pPr>
-            <a:endParaRPr/>
-          </a:p>
-        </p:txBody>
-      </p:sp>
-    </p:spTree>
-    <p:extLst>
-      <p:ext uri="{BB962C8B-B14F-4D97-AF65-F5344CB8AC3E}">
-        <p14:creationId xmlns:p14="http://schemas.microsoft.com/office/powerpoint/2010/main" val="4136469111"/>
-      </p:ext>
-    </p:extLst>
-  </p:cSld>
-  <p:clrMapOvr>
-    <a:masterClrMapping/>
-  </p:clrMapOvr>
-</p:notes>
-</file>
-
-<file path=ppt/notesSlides/notesSlide47.xml><?xml version="1.0" encoding="utf-8"?>
-<p:notes xmlns:a="http://schemas.openxmlformats.org/drawingml/2006/main" xmlns:r="http://schemas.openxmlformats.org/officeDocument/2006/relationships" xmlns:p="http://schemas.openxmlformats.org/presentationml/2006/main" showMasterSp="0" showMasterPhAnim="0">
-  <p:cSld>
-    <p:spTree>
-      <p:nvGrpSpPr>
-        <p:cNvPr id="1" name="Shape 942"/>
-        <p:cNvGrpSpPr/>
-        <p:nvPr/>
-      </p:nvGrpSpPr>
-      <p:grpSpPr>
-        <a:xfrm>
-          <a:off x="0" y="0"/>
-          <a:ext cx="0" cy="0"/>
-          <a:chOff x="0" y="0"/>
-          <a:chExt cx="0" cy="0"/>
-        </a:xfrm>
-      </p:grpSpPr>
-      <p:sp>
-        <p:nvSpPr>
-          <p:cNvPr id="943" name="Google Shape;943;gbd6c00e730_0_21:notes"/>
-          <p:cNvSpPr>
-            <a:spLocks noGrp="1" noRot="1" noChangeAspect="1"/>
-          </p:cNvSpPr>
-          <p:nvPr>
-            <p:ph type="sldImg" idx="2"/>
-          </p:nvPr>
-        </p:nvSpPr>
-        <p:spPr>
-          <a:xfrm>
-            <a:off x="381000" y="685800"/>
-            <a:ext cx="6096000" cy="3429000"/>
-          </a:xfrm>
-          <a:custGeom>
-            <a:avLst/>
-            <a:gdLst/>
-            <a:ahLst/>
-            <a:cxnLst/>
-            <a:rect l="l" t="t" r="r" b="b"/>
-            <a:pathLst>
-              <a:path w="120000" h="120000" extrusionOk="0">
-                <a:moveTo>
-                  <a:pt x="0" y="0"/>
-                </a:moveTo>
-                <a:lnTo>
-                  <a:pt x="120000" y="0"/>
-                </a:lnTo>
-                <a:lnTo>
-                  <a:pt x="120000" y="120000"/>
-                </a:lnTo>
-                <a:lnTo>
-                  <a:pt x="0" y="120000"/>
-                </a:lnTo>
-                <a:close/>
-              </a:path>
-            </a:pathLst>
-          </a:custGeom>
-        </p:spPr>
-      </p:sp>
-      <p:sp>
-        <p:nvSpPr>
-          <p:cNvPr id="944" name="Google Shape;944;gbd6c00e730_0_21:notes"/>
-          <p:cNvSpPr txBox="1">
-            <a:spLocks noGrp="1"/>
-          </p:cNvSpPr>
-          <p:nvPr>
-            <p:ph type="body" idx="1"/>
-          </p:nvPr>
-        </p:nvSpPr>
-        <p:spPr>
-          <a:xfrm>
-            <a:off x="685800" y="4343400"/>
-            <a:ext cx="5486400" cy="4114800"/>
-          </a:xfrm>
-          <a:prstGeom prst="rect">
-            <a:avLst/>
-          </a:prstGeom>
-        </p:spPr>
-        <p:txBody>
-          <a:bodyPr spcFirstLastPara="1" wrap="square" lIns="91425" tIns="91425" rIns="91425" bIns="91425" anchor="t" anchorCtr="0">
-            <a:noAutofit/>
-          </a:bodyPr>
-          <a:lstStyle/>
-          <a:p>
-            <a:pPr marL="0" lvl="0" indent="0" algn="l" rtl="0">
-              <a:spcBef>
-                <a:spcPts val="0"/>
-              </a:spcBef>
-              <a:spcAft>
-                <a:spcPts val="0"/>
-              </a:spcAft>
-              <a:buNone/>
-            </a:pPr>
-            <a:endParaRPr/>
-          </a:p>
-        </p:txBody>
-      </p:sp>
-    </p:spTree>
-    <p:extLst>
-      <p:ext uri="{BB962C8B-B14F-4D97-AF65-F5344CB8AC3E}">
-        <p14:creationId xmlns:p14="http://schemas.microsoft.com/office/powerpoint/2010/main" val="1669288058"/>
-      </p:ext>
-    </p:extLst>
-  </p:cSld>
-  <p:clrMapOvr>
-    <a:masterClrMapping/>
-  </p:clrMapOvr>
-</p:notes>
-</file>
-
-<file path=ppt/notesSlides/notesSlide48.xml><?xml version="1.0" encoding="utf-8"?>
-<p:notes xmlns:a="http://schemas.openxmlformats.org/drawingml/2006/main" xmlns:r="http://schemas.openxmlformats.org/officeDocument/2006/relationships" xmlns:p="http://schemas.openxmlformats.org/presentationml/2006/main" showMasterSp="0" showMasterPhAnim="0">
-  <p:cSld>
-    <p:spTree>
-      <p:nvGrpSpPr>
-        <p:cNvPr id="1" name="Shape 942"/>
-        <p:cNvGrpSpPr/>
-        <p:nvPr/>
-      </p:nvGrpSpPr>
-      <p:grpSpPr>
-        <a:xfrm>
-          <a:off x="0" y="0"/>
-          <a:ext cx="0" cy="0"/>
-          <a:chOff x="0" y="0"/>
-          <a:chExt cx="0" cy="0"/>
-        </a:xfrm>
-      </p:grpSpPr>
-      <p:sp>
-        <p:nvSpPr>
-          <p:cNvPr id="943" name="Google Shape;943;gbd6c00e730_0_21:notes"/>
-          <p:cNvSpPr>
-            <a:spLocks noGrp="1" noRot="1" noChangeAspect="1"/>
-          </p:cNvSpPr>
-          <p:nvPr>
-            <p:ph type="sldImg" idx="2"/>
-          </p:nvPr>
-        </p:nvSpPr>
-        <p:spPr>
-          <a:xfrm>
-            <a:off x="381000" y="685800"/>
-            <a:ext cx="6096000" cy="3429000"/>
-          </a:xfrm>
-          <a:custGeom>
-            <a:avLst/>
-            <a:gdLst/>
-            <a:ahLst/>
-            <a:cxnLst/>
-            <a:rect l="l" t="t" r="r" b="b"/>
-            <a:pathLst>
-              <a:path w="120000" h="120000" extrusionOk="0">
-                <a:moveTo>
-                  <a:pt x="0" y="0"/>
-                </a:moveTo>
-                <a:lnTo>
-                  <a:pt x="120000" y="0"/>
-                </a:lnTo>
-                <a:lnTo>
-                  <a:pt x="120000" y="120000"/>
-                </a:lnTo>
-                <a:lnTo>
-                  <a:pt x="0" y="120000"/>
-                </a:lnTo>
-                <a:close/>
-              </a:path>
-            </a:pathLst>
-          </a:custGeom>
-        </p:spPr>
-      </p:sp>
-      <p:sp>
-        <p:nvSpPr>
-          <p:cNvPr id="944" name="Google Shape;944;gbd6c00e730_0_21:notes"/>
-          <p:cNvSpPr txBox="1">
-            <a:spLocks noGrp="1"/>
-          </p:cNvSpPr>
-          <p:nvPr>
-            <p:ph type="body" idx="1"/>
-          </p:nvPr>
-        </p:nvSpPr>
-        <p:spPr>
-          <a:xfrm>
-            <a:off x="685800" y="4343400"/>
-            <a:ext cx="5486400" cy="4114800"/>
-          </a:xfrm>
-          <a:prstGeom prst="rect">
-            <a:avLst/>
-          </a:prstGeom>
-        </p:spPr>
-        <p:txBody>
-          <a:bodyPr spcFirstLastPara="1" wrap="square" lIns="91425" tIns="91425" rIns="91425" bIns="91425" anchor="t" anchorCtr="0">
-            <a:noAutofit/>
-          </a:bodyPr>
-          <a:lstStyle/>
-          <a:p>
-            <a:pPr marL="0" lvl="0" indent="0" algn="l" rtl="0">
-              <a:spcBef>
-                <a:spcPts val="0"/>
-              </a:spcBef>
-              <a:spcAft>
-                <a:spcPts val="0"/>
-              </a:spcAft>
-              <a:buNone/>
-            </a:pPr>
-            <a:endParaRPr/>
-          </a:p>
-        </p:txBody>
-      </p:sp>
-    </p:spTree>
-    <p:extLst>
-      <p:ext uri="{BB962C8B-B14F-4D97-AF65-F5344CB8AC3E}">
-        <p14:creationId xmlns:p14="http://schemas.microsoft.com/office/powerpoint/2010/main" val="2998683969"/>
-      </p:ext>
-    </p:extLst>
-  </p:cSld>
-  <p:clrMapOvr>
-    <a:masterClrMapping/>
-  </p:clrMapOvr>
-</p:notes>
-</file>
-
-<file path=ppt/notesSlides/notesSlide49.xml><?xml version="1.0" encoding="utf-8"?>
 <p:notes xmlns:a="http://schemas.openxmlformats.org/drawingml/2006/main" xmlns:r="http://schemas.openxmlformats.org/officeDocument/2006/relationships" xmlns:p="http://schemas.openxmlformats.org/presentationml/2006/main" showMasterSp="0" showMasterPhAnim="0">
   <p:cSld>
     <p:spTree>
@@ -5511,6 +5181,110 @@
 </p:notes>
 </file>
 
+<file path=ppt/notesSlides/notesSlide47.xml><?xml version="1.0" encoding="utf-8"?>
+<p:notes xmlns:a="http://schemas.openxmlformats.org/drawingml/2006/main" xmlns:r="http://schemas.openxmlformats.org/officeDocument/2006/relationships" xmlns:p="http://schemas.openxmlformats.org/presentationml/2006/main" showMasterSp="0" showMasterPhAnim="0">
+  <p:cSld>
+    <p:spTree>
+      <p:nvGrpSpPr>
+        <p:cNvPr id="1" name="Shape 922"/>
+        <p:cNvGrpSpPr/>
+        <p:nvPr/>
+      </p:nvGrpSpPr>
+      <p:grpSpPr>
+        <a:xfrm>
+          <a:off x="0" y="0"/>
+          <a:ext cx="0" cy="0"/>
+          <a:chOff x="0" y="0"/>
+          <a:chExt cx="0" cy="0"/>
+        </a:xfrm>
+      </p:grpSpPr>
+      <p:sp>
+        <p:nvSpPr>
+          <p:cNvPr id="923" name="Google Shape;923;gde263b0cd2_0_16:notes"/>
+          <p:cNvSpPr>
+            <a:spLocks noGrp="1" noRot="1" noChangeAspect="1"/>
+          </p:cNvSpPr>
+          <p:nvPr>
+            <p:ph type="sldImg" idx="2"/>
+          </p:nvPr>
+        </p:nvSpPr>
+        <p:spPr>
+          <a:xfrm>
+            <a:off x="381000" y="685800"/>
+            <a:ext cx="6096000" cy="3429000"/>
+          </a:xfrm>
+          <a:custGeom>
+            <a:avLst/>
+            <a:gdLst/>
+            <a:ahLst/>
+            <a:cxnLst/>
+            <a:rect l="l" t="t" r="r" b="b"/>
+            <a:pathLst>
+              <a:path w="120000" h="120000" extrusionOk="0">
+                <a:moveTo>
+                  <a:pt x="0" y="0"/>
+                </a:moveTo>
+                <a:lnTo>
+                  <a:pt x="120000" y="0"/>
+                </a:lnTo>
+                <a:lnTo>
+                  <a:pt x="120000" y="120000"/>
+                </a:lnTo>
+                <a:lnTo>
+                  <a:pt x="0" y="120000"/>
+                </a:lnTo>
+                <a:close/>
+              </a:path>
+            </a:pathLst>
+          </a:custGeom>
+        </p:spPr>
+      </p:sp>
+      <p:sp>
+        <p:nvSpPr>
+          <p:cNvPr id="924" name="Google Shape;924;gde263b0cd2_0_16:notes"/>
+          <p:cNvSpPr txBox="1">
+            <a:spLocks noGrp="1"/>
+          </p:cNvSpPr>
+          <p:nvPr>
+            <p:ph type="body" idx="1"/>
+          </p:nvPr>
+        </p:nvSpPr>
+        <p:spPr>
+          <a:xfrm>
+            <a:off x="685800" y="4343400"/>
+            <a:ext cx="5486400" cy="4114800"/>
+          </a:xfrm>
+          <a:prstGeom prst="rect">
+            <a:avLst/>
+          </a:prstGeom>
+        </p:spPr>
+        <p:txBody>
+          <a:bodyPr spcFirstLastPara="1" wrap="square" lIns="91425" tIns="91425" rIns="91425" bIns="91425" anchor="t" anchorCtr="0">
+            <a:noAutofit/>
+          </a:bodyPr>
+          <a:lstStyle/>
+          <a:p>
+            <a:pPr marL="0" lvl="0" indent="0" algn="l" rtl="0">
+              <a:spcBef>
+                <a:spcPts val="0"/>
+              </a:spcBef>
+              <a:spcAft>
+                <a:spcPts val="0"/>
+              </a:spcAft>
+              <a:buNone/>
+            </a:pPr>
+            <a:endParaRPr/>
+          </a:p>
+        </p:txBody>
+      </p:sp>
+    </p:spTree>
+  </p:cSld>
+  <p:clrMapOvr>
+    <a:masterClrMapping/>
+  </p:clrMapOvr>
+</p:notes>
+</file>
+
 <file path=ppt/notesSlides/notesSlide5.xml><?xml version="1.0" encoding="utf-8"?>
 <p:notes xmlns:a="http://schemas.openxmlformats.org/drawingml/2006/main" xmlns:r="http://schemas.openxmlformats.org/officeDocument/2006/relationships" xmlns:p="http://schemas.openxmlformats.org/presentationml/2006/main" showMasterSp="0" showMasterPhAnim="0">
   <p:cSld>
@@ -5572,110 +5346,6 @@
       <p:sp>
         <p:nvSpPr>
           <p:cNvPr id="944" name="Google Shape;944;gbd6c00e730_0_21:notes"/>
-          <p:cNvSpPr txBox="1">
-            <a:spLocks noGrp="1"/>
-          </p:cNvSpPr>
-          <p:nvPr>
-            <p:ph type="body" idx="1"/>
-          </p:nvPr>
-        </p:nvSpPr>
-        <p:spPr>
-          <a:xfrm>
-            <a:off x="685800" y="4343400"/>
-            <a:ext cx="5486400" cy="4114800"/>
-          </a:xfrm>
-          <a:prstGeom prst="rect">
-            <a:avLst/>
-          </a:prstGeom>
-        </p:spPr>
-        <p:txBody>
-          <a:bodyPr spcFirstLastPara="1" wrap="square" lIns="91425" tIns="91425" rIns="91425" bIns="91425" anchor="t" anchorCtr="0">
-            <a:noAutofit/>
-          </a:bodyPr>
-          <a:lstStyle/>
-          <a:p>
-            <a:pPr marL="0" lvl="0" indent="0" algn="l" rtl="0">
-              <a:spcBef>
-                <a:spcPts val="0"/>
-              </a:spcBef>
-              <a:spcAft>
-                <a:spcPts val="0"/>
-              </a:spcAft>
-              <a:buNone/>
-            </a:pPr>
-            <a:endParaRPr/>
-          </a:p>
-        </p:txBody>
-      </p:sp>
-    </p:spTree>
-  </p:cSld>
-  <p:clrMapOvr>
-    <a:masterClrMapping/>
-  </p:clrMapOvr>
-</p:notes>
-</file>
-
-<file path=ppt/notesSlides/notesSlide50.xml><?xml version="1.0" encoding="utf-8"?>
-<p:notes xmlns:a="http://schemas.openxmlformats.org/drawingml/2006/main" xmlns:r="http://schemas.openxmlformats.org/officeDocument/2006/relationships" xmlns:p="http://schemas.openxmlformats.org/presentationml/2006/main" showMasterSp="0" showMasterPhAnim="0">
-  <p:cSld>
-    <p:spTree>
-      <p:nvGrpSpPr>
-        <p:cNvPr id="1" name="Shape 922"/>
-        <p:cNvGrpSpPr/>
-        <p:nvPr/>
-      </p:nvGrpSpPr>
-      <p:grpSpPr>
-        <a:xfrm>
-          <a:off x="0" y="0"/>
-          <a:ext cx="0" cy="0"/>
-          <a:chOff x="0" y="0"/>
-          <a:chExt cx="0" cy="0"/>
-        </a:xfrm>
-      </p:grpSpPr>
-      <p:sp>
-        <p:nvSpPr>
-          <p:cNvPr id="923" name="Google Shape;923;gde263b0cd2_0_16:notes"/>
-          <p:cNvSpPr>
-            <a:spLocks noGrp="1" noRot="1" noChangeAspect="1"/>
-          </p:cNvSpPr>
-          <p:nvPr>
-            <p:ph type="sldImg" idx="2"/>
-          </p:nvPr>
-        </p:nvSpPr>
-        <p:spPr>
-          <a:xfrm>
-            <a:off x="381000" y="685800"/>
-            <a:ext cx="6096000" cy="3429000"/>
-          </a:xfrm>
-          <a:custGeom>
-            <a:avLst/>
-            <a:gdLst/>
-            <a:ahLst/>
-            <a:cxnLst/>
-            <a:rect l="l" t="t" r="r" b="b"/>
-            <a:pathLst>
-              <a:path w="120000" h="120000" extrusionOk="0">
-                <a:moveTo>
-                  <a:pt x="0" y="0"/>
-                </a:moveTo>
-                <a:lnTo>
-                  <a:pt x="120000" y="0"/>
-                </a:lnTo>
-                <a:lnTo>
-                  <a:pt x="120000" y="120000"/>
-                </a:lnTo>
-                <a:lnTo>
-                  <a:pt x="0" y="120000"/>
-                </a:lnTo>
-                <a:close/>
-              </a:path>
-            </a:pathLst>
-          </a:custGeom>
-        </p:spPr>
-      </p:sp>
-      <p:sp>
-        <p:nvSpPr>
-          <p:cNvPr id="924" name="Google Shape;924;gde263b0cd2_0_16:notes"/>
           <p:cNvSpPr txBox="1">
             <a:spLocks noGrp="1"/>
           </p:cNvSpPr>
@@ -20275,8 +19945,8 @@
         </p:blipFill>
         <p:spPr>
           <a:xfrm>
-            <a:off x="2010174" y="1437788"/>
-            <a:ext cx="6581554" cy="2829600"/>
+            <a:off x="4572000" y="1437788"/>
+            <a:ext cx="4019728" cy="2829600"/>
           </a:xfrm>
           <a:prstGeom prst="roundRect">
             <a:avLst>
@@ -45245,8 +44915,8 @@
         </p:nvSpPr>
         <p:spPr>
           <a:xfrm>
-            <a:off x="748084" y="1218786"/>
-            <a:ext cx="1426496" cy="519569"/>
+            <a:off x="748084" y="1318437"/>
+            <a:ext cx="921228" cy="419918"/>
           </a:xfrm>
           <a:prstGeom prst="roundRect">
             <a:avLst>
@@ -45307,7 +44977,7 @@
         <p:spPr>
           <a:xfrm>
             <a:off x="607091" y="1298753"/>
-            <a:ext cx="1689542" cy="486333"/>
+            <a:ext cx="1211076" cy="486333"/>
           </a:xfrm>
           <a:prstGeom prst="rect">
             <a:avLst/>
@@ -45571,7 +45241,7 @@
           <a:p>
             <a:r>
               <a:rPr lang="fr-FR" sz="1400" dirty="0"/>
-              <a:t>KDE OU DENSITY</a:t>
+              <a:t>AREA</a:t>
             </a:r>
           </a:p>
         </p:txBody>
@@ -45590,8 +45260,8 @@
         </p:nvSpPr>
         <p:spPr>
           <a:xfrm>
-            <a:off x="2033587" y="1283667"/>
-            <a:ext cx="5962097" cy="519569"/>
+            <a:off x="1669313" y="1283667"/>
+            <a:ext cx="6326372" cy="519569"/>
           </a:xfrm>
           <a:prstGeom prst="rect">
             <a:avLst/>
@@ -45621,7 +45291,7 @@
                 <a:cs typeface="Lato"/>
                 <a:sym typeface="Lato"/>
               </a:rPr>
-              <a:t>Produit des graphiques de densité lissés.</a:t>
+              <a:t>Utile pour observer l'évolution cumulée dans le temps.</a:t>
             </a:r>
             <a:endParaRPr lang="en-US" b="1" dirty="0">
               <a:solidFill>
@@ -45637,10 +45307,10 @@
       </p:sp>
       <p:pic>
         <p:nvPicPr>
-          <p:cNvPr id="6" name="Image 5">
+          <p:cNvPr id="5" name="Image 4">
             <a:extLst>
               <a:ext uri="{FF2B5EF4-FFF2-40B4-BE49-F238E27FC236}">
-                <a16:creationId xmlns:a16="http://schemas.microsoft.com/office/drawing/2014/main" id="{90CC19B3-9AB2-8E14-E357-CF7692270D7D}"/>
+                <a16:creationId xmlns:a16="http://schemas.microsoft.com/office/drawing/2014/main" id="{11F6DD4A-6EF8-6087-5B86-7CD360696F45}"/>
               </a:ext>
             </a:extLst>
           </p:cNvPr>
@@ -45657,8 +45327,8 @@
         </p:blipFill>
         <p:spPr>
           <a:xfrm>
-            <a:off x="2721936" y="1809920"/>
-            <a:ext cx="3965944" cy="2974458"/>
+            <a:off x="2658138" y="1854170"/>
+            <a:ext cx="3827721" cy="2870791"/>
           </a:xfrm>
           <a:prstGeom prst="rect">
             <a:avLst/>
@@ -45668,7 +45338,7 @@
     </p:spTree>
     <p:extLst>
       <p:ext uri="{BB962C8B-B14F-4D97-AF65-F5344CB8AC3E}">
-        <p14:creationId xmlns:p14="http://schemas.microsoft.com/office/powerpoint/2010/main" val="3249097663"/>
+        <p14:creationId xmlns:p14="http://schemas.microsoft.com/office/powerpoint/2010/main" val="4166266066"/>
       </p:ext>
     </p:extLst>
   </p:cSld>
@@ -46059,2445 +45729,6 @@
         <p:spPr>
           <a:xfrm>
             <a:off x="748084" y="1318437"/>
-            <a:ext cx="921228" cy="419918"/>
-          </a:xfrm>
-          <a:prstGeom prst="roundRect">
-            <a:avLst>
-              <a:gd name="adj" fmla="val 6740"/>
-            </a:avLst>
-          </a:prstGeom>
-          <a:solidFill>
-            <a:schemeClr val="lt2"/>
-          </a:solidFill>
-          <a:ln w="28575" cap="flat" cmpd="sng">
-            <a:solidFill>
-              <a:schemeClr val="dk1"/>
-            </a:solidFill>
-            <a:prstDash val="solid"/>
-            <a:round/>
-            <a:headEnd type="none" w="sm" len="sm"/>
-            <a:tailEnd type="none" w="sm" len="sm"/>
-          </a:ln>
-          <a:effectLst>
-            <a:outerShdw dist="85725" dir="3960000" algn="bl" rotWithShape="0">
-              <a:schemeClr val="dk1"/>
-            </a:outerShdw>
-          </a:effectLst>
-        </p:spPr>
-        <p:txBody>
-          <a:bodyPr spcFirstLastPara="1" wrap="square" lIns="91425" tIns="91425" rIns="91425" bIns="91425" anchor="ctr" anchorCtr="0">
-            <a:noAutofit/>
-          </a:bodyPr>
-          <a:lstStyle/>
-          <a:p>
-            <a:pPr marL="0" lvl="0" indent="0" algn="l" rtl="0">
-              <a:spcBef>
-                <a:spcPts val="0"/>
-              </a:spcBef>
-              <a:spcAft>
-                <a:spcPts val="0"/>
-              </a:spcAft>
-              <a:buNone/>
-            </a:pPr>
-            <a:endParaRPr/>
-          </a:p>
-        </p:txBody>
-      </p:sp>
-      <p:sp>
-        <p:nvSpPr>
-          <p:cNvPr id="4" name="Google Shape;948;p54">
-            <a:extLst>
-              <a:ext uri="{FF2B5EF4-FFF2-40B4-BE49-F238E27FC236}">
-                <a16:creationId xmlns:a16="http://schemas.microsoft.com/office/drawing/2014/main" id="{D8E2D311-1179-757F-BEAD-9E8B8B5A02A7}"/>
-              </a:ext>
-            </a:extLst>
-          </p:cNvPr>
-          <p:cNvSpPr txBox="1">
-            <a:spLocks/>
-          </p:cNvSpPr>
-          <p:nvPr/>
-        </p:nvSpPr>
-        <p:spPr>
-          <a:xfrm>
-            <a:off x="607091" y="1298753"/>
-            <a:ext cx="1211076" cy="486333"/>
-          </a:xfrm>
-          <a:prstGeom prst="rect">
-            <a:avLst/>
-          </a:prstGeom>
-          <a:noFill/>
-          <a:ln>
-            <a:noFill/>
-          </a:ln>
-        </p:spPr>
-        <p:txBody>
-          <a:bodyPr spcFirstLastPara="1" wrap="square" lIns="91425" tIns="91425" rIns="91425" bIns="91425" anchor="b" anchorCtr="0">
-            <a:noAutofit/>
-          </a:bodyPr>
-          <a:lstStyle>
-            <a:defPPr marR="0" lvl="0" algn="l" rtl="0">
-              <a:lnSpc>
-                <a:spcPct val="100000"/>
-              </a:lnSpc>
-              <a:spcBef>
-                <a:spcPts val="0"/>
-              </a:spcBef>
-              <a:spcAft>
-                <a:spcPts val="0"/>
-              </a:spcAft>
-            </a:defPPr>
-            <a:lvl1pPr marR="0" lvl="0" algn="ctr" rtl="0">
-              <a:lnSpc>
-                <a:spcPct val="100000"/>
-              </a:lnSpc>
-              <a:spcBef>
-                <a:spcPts val="0"/>
-              </a:spcBef>
-              <a:spcAft>
-                <a:spcPts val="0"/>
-              </a:spcAft>
-              <a:buClr>
-                <a:schemeClr val="dk1"/>
-              </a:buClr>
-              <a:buSzPts val="3000"/>
-              <a:buFont typeface="Varela Round"/>
-              <a:buNone/>
-              <a:defRPr sz="3000" b="1" i="0" u="none" strike="noStrike" cap="none">
-                <a:solidFill>
-                  <a:schemeClr val="dk1"/>
-                </a:solidFill>
-                <a:latin typeface="Varela Round"/>
-                <a:ea typeface="Varela Round"/>
-                <a:cs typeface="Varela Round"/>
-                <a:sym typeface="Varela Round"/>
-              </a:defRPr>
-            </a:lvl1pPr>
-            <a:lvl2pPr marR="0" lvl="1" algn="l" rtl="0">
-              <a:lnSpc>
-                <a:spcPct val="100000"/>
-              </a:lnSpc>
-              <a:spcBef>
-                <a:spcPts val="0"/>
-              </a:spcBef>
-              <a:spcAft>
-                <a:spcPts val="0"/>
-              </a:spcAft>
-              <a:buClr>
-                <a:schemeClr val="dk1"/>
-              </a:buClr>
-              <a:buSzPts val="3000"/>
-              <a:buFont typeface="Bebas Neue"/>
-              <a:buNone/>
-              <a:defRPr sz="3000" b="0" i="0" u="none" strike="noStrike" cap="none">
-                <a:solidFill>
-                  <a:schemeClr val="dk1"/>
-                </a:solidFill>
-                <a:latin typeface="Bebas Neue"/>
-                <a:ea typeface="Bebas Neue"/>
-                <a:cs typeface="Bebas Neue"/>
-                <a:sym typeface="Bebas Neue"/>
-              </a:defRPr>
-            </a:lvl2pPr>
-            <a:lvl3pPr marR="0" lvl="2" algn="l" rtl="0">
-              <a:lnSpc>
-                <a:spcPct val="100000"/>
-              </a:lnSpc>
-              <a:spcBef>
-                <a:spcPts val="0"/>
-              </a:spcBef>
-              <a:spcAft>
-                <a:spcPts val="0"/>
-              </a:spcAft>
-              <a:buClr>
-                <a:schemeClr val="dk1"/>
-              </a:buClr>
-              <a:buSzPts val="3000"/>
-              <a:buFont typeface="Bebas Neue"/>
-              <a:buNone/>
-              <a:defRPr sz="3000" b="0" i="0" u="none" strike="noStrike" cap="none">
-                <a:solidFill>
-                  <a:schemeClr val="dk1"/>
-                </a:solidFill>
-                <a:latin typeface="Bebas Neue"/>
-                <a:ea typeface="Bebas Neue"/>
-                <a:cs typeface="Bebas Neue"/>
-                <a:sym typeface="Bebas Neue"/>
-              </a:defRPr>
-            </a:lvl3pPr>
-            <a:lvl4pPr marR="0" lvl="3" algn="l" rtl="0">
-              <a:lnSpc>
-                <a:spcPct val="100000"/>
-              </a:lnSpc>
-              <a:spcBef>
-                <a:spcPts val="0"/>
-              </a:spcBef>
-              <a:spcAft>
-                <a:spcPts val="0"/>
-              </a:spcAft>
-              <a:buClr>
-                <a:schemeClr val="dk1"/>
-              </a:buClr>
-              <a:buSzPts val="3000"/>
-              <a:buFont typeface="Bebas Neue"/>
-              <a:buNone/>
-              <a:defRPr sz="3000" b="0" i="0" u="none" strike="noStrike" cap="none">
-                <a:solidFill>
-                  <a:schemeClr val="dk1"/>
-                </a:solidFill>
-                <a:latin typeface="Bebas Neue"/>
-                <a:ea typeface="Bebas Neue"/>
-                <a:cs typeface="Bebas Neue"/>
-                <a:sym typeface="Bebas Neue"/>
-              </a:defRPr>
-            </a:lvl4pPr>
-            <a:lvl5pPr marR="0" lvl="4" algn="l" rtl="0">
-              <a:lnSpc>
-                <a:spcPct val="100000"/>
-              </a:lnSpc>
-              <a:spcBef>
-                <a:spcPts val="0"/>
-              </a:spcBef>
-              <a:spcAft>
-                <a:spcPts val="0"/>
-              </a:spcAft>
-              <a:buClr>
-                <a:schemeClr val="dk1"/>
-              </a:buClr>
-              <a:buSzPts val="3000"/>
-              <a:buFont typeface="Bebas Neue"/>
-              <a:buNone/>
-              <a:defRPr sz="3000" b="0" i="0" u="none" strike="noStrike" cap="none">
-                <a:solidFill>
-                  <a:schemeClr val="dk1"/>
-                </a:solidFill>
-                <a:latin typeface="Bebas Neue"/>
-                <a:ea typeface="Bebas Neue"/>
-                <a:cs typeface="Bebas Neue"/>
-                <a:sym typeface="Bebas Neue"/>
-              </a:defRPr>
-            </a:lvl5pPr>
-            <a:lvl6pPr marR="0" lvl="5" algn="l" rtl="0">
-              <a:lnSpc>
-                <a:spcPct val="100000"/>
-              </a:lnSpc>
-              <a:spcBef>
-                <a:spcPts val="0"/>
-              </a:spcBef>
-              <a:spcAft>
-                <a:spcPts val="0"/>
-              </a:spcAft>
-              <a:buClr>
-                <a:schemeClr val="dk1"/>
-              </a:buClr>
-              <a:buSzPts val="3000"/>
-              <a:buFont typeface="Bebas Neue"/>
-              <a:buNone/>
-              <a:defRPr sz="3000" b="0" i="0" u="none" strike="noStrike" cap="none">
-                <a:solidFill>
-                  <a:schemeClr val="dk1"/>
-                </a:solidFill>
-                <a:latin typeface="Bebas Neue"/>
-                <a:ea typeface="Bebas Neue"/>
-                <a:cs typeface="Bebas Neue"/>
-                <a:sym typeface="Bebas Neue"/>
-              </a:defRPr>
-            </a:lvl6pPr>
-            <a:lvl7pPr marR="0" lvl="6" algn="l" rtl="0">
-              <a:lnSpc>
-                <a:spcPct val="100000"/>
-              </a:lnSpc>
-              <a:spcBef>
-                <a:spcPts val="0"/>
-              </a:spcBef>
-              <a:spcAft>
-                <a:spcPts val="0"/>
-              </a:spcAft>
-              <a:buClr>
-                <a:schemeClr val="dk1"/>
-              </a:buClr>
-              <a:buSzPts val="3000"/>
-              <a:buFont typeface="Bebas Neue"/>
-              <a:buNone/>
-              <a:defRPr sz="3000" b="0" i="0" u="none" strike="noStrike" cap="none">
-                <a:solidFill>
-                  <a:schemeClr val="dk1"/>
-                </a:solidFill>
-                <a:latin typeface="Bebas Neue"/>
-                <a:ea typeface="Bebas Neue"/>
-                <a:cs typeface="Bebas Neue"/>
-                <a:sym typeface="Bebas Neue"/>
-              </a:defRPr>
-            </a:lvl7pPr>
-            <a:lvl8pPr marR="0" lvl="7" algn="l" rtl="0">
-              <a:lnSpc>
-                <a:spcPct val="100000"/>
-              </a:lnSpc>
-              <a:spcBef>
-                <a:spcPts val="0"/>
-              </a:spcBef>
-              <a:spcAft>
-                <a:spcPts val="0"/>
-              </a:spcAft>
-              <a:buClr>
-                <a:schemeClr val="dk1"/>
-              </a:buClr>
-              <a:buSzPts val="3000"/>
-              <a:buFont typeface="Bebas Neue"/>
-              <a:buNone/>
-              <a:defRPr sz="3000" b="0" i="0" u="none" strike="noStrike" cap="none">
-                <a:solidFill>
-                  <a:schemeClr val="dk1"/>
-                </a:solidFill>
-                <a:latin typeface="Bebas Neue"/>
-                <a:ea typeface="Bebas Neue"/>
-                <a:cs typeface="Bebas Neue"/>
-                <a:sym typeface="Bebas Neue"/>
-              </a:defRPr>
-            </a:lvl8pPr>
-            <a:lvl9pPr marR="0" lvl="8" algn="l" rtl="0">
-              <a:lnSpc>
-                <a:spcPct val="100000"/>
-              </a:lnSpc>
-              <a:spcBef>
-                <a:spcPts val="0"/>
-              </a:spcBef>
-              <a:spcAft>
-                <a:spcPts val="0"/>
-              </a:spcAft>
-              <a:buClr>
-                <a:schemeClr val="dk1"/>
-              </a:buClr>
-              <a:buSzPts val="3000"/>
-              <a:buFont typeface="Bebas Neue"/>
-              <a:buNone/>
-              <a:defRPr sz="3000" b="0" i="0" u="none" strike="noStrike" cap="none">
-                <a:solidFill>
-                  <a:schemeClr val="dk1"/>
-                </a:solidFill>
-                <a:latin typeface="Bebas Neue"/>
-                <a:ea typeface="Bebas Neue"/>
-                <a:cs typeface="Bebas Neue"/>
-                <a:sym typeface="Bebas Neue"/>
-              </a:defRPr>
-            </a:lvl9pPr>
-          </a:lstStyle>
-          <a:p>
-            <a:r>
-              <a:rPr lang="fr-FR" sz="1400" dirty="0"/>
-              <a:t>AREA</a:t>
-            </a:r>
-          </a:p>
-        </p:txBody>
-      </p:sp>
-      <p:sp>
-        <p:nvSpPr>
-          <p:cNvPr id="2" name="Google Shape;621;p42">
-            <a:extLst>
-              <a:ext uri="{FF2B5EF4-FFF2-40B4-BE49-F238E27FC236}">
-                <a16:creationId xmlns:a16="http://schemas.microsoft.com/office/drawing/2014/main" id="{B25BA44B-7585-E0C5-9332-A2826F7649FF}"/>
-              </a:ext>
-            </a:extLst>
-          </p:cNvPr>
-          <p:cNvSpPr txBox="1"/>
-          <p:nvPr/>
-        </p:nvSpPr>
-        <p:spPr>
-          <a:xfrm>
-            <a:off x="1669313" y="1283667"/>
-            <a:ext cx="6326372" cy="519569"/>
-          </a:xfrm>
-          <a:prstGeom prst="rect">
-            <a:avLst/>
-          </a:prstGeom>
-          <a:noFill/>
-          <a:ln>
-            <a:noFill/>
-          </a:ln>
-        </p:spPr>
-        <p:txBody>
-          <a:bodyPr spcFirstLastPara="1" wrap="square" lIns="91425" tIns="91425" rIns="91425" bIns="91425" anchor="ctr" anchorCtr="0">
-            <a:noAutofit/>
-          </a:bodyPr>
-          <a:lstStyle/>
-          <a:p>
-            <a:pPr marL="285750" lvl="2" indent="-285750">
-              <a:buFont typeface="Arial" panose="020B0604020202020204" pitchFamily="34" charset="0"/>
-              <a:buChar char="•"/>
-            </a:pPr>
-            <a:r>
-              <a:rPr lang="fr-FR" b="1" dirty="0">
-                <a:solidFill>
-                  <a:schemeClr val="dk2"/>
-                </a:solidFill>
-                <a:latin typeface="Lato"/>
-                <a:ea typeface="Lato"/>
-                <a:cs typeface="Lato"/>
-                <a:sym typeface="Lato"/>
-              </a:rPr>
-              <a:t>Utile pour observer l'évolution cumulée dans le temps.</a:t>
-            </a:r>
-            <a:endParaRPr lang="en-US" b="1" dirty="0">
-              <a:solidFill>
-                <a:schemeClr val="dk2"/>
-              </a:solidFill>
-              <a:latin typeface="Lato"/>
-              <a:ea typeface="Lato"/>
-              <a:cs typeface="Lato"/>
-              <a:sym typeface="Lato"/>
-            </a:endParaRPr>
-          </a:p>
-        </p:txBody>
-      </p:sp>
-      <p:pic>
-        <p:nvPicPr>
-          <p:cNvPr id="5" name="Image 4">
-            <a:extLst>
-              <a:ext uri="{FF2B5EF4-FFF2-40B4-BE49-F238E27FC236}">
-                <a16:creationId xmlns:a16="http://schemas.microsoft.com/office/drawing/2014/main" id="{11F6DD4A-6EF8-6087-5B86-7CD360696F45}"/>
-              </a:ext>
-            </a:extLst>
-          </p:cNvPr>
-          <p:cNvPicPr>
-            <a:picLocks noChangeAspect="1"/>
-          </p:cNvPicPr>
-          <p:nvPr/>
-        </p:nvPicPr>
-        <p:blipFill>
-          <a:blip r:embed="rId3"/>
-          <a:stretch>
-            <a:fillRect/>
-          </a:stretch>
-        </p:blipFill>
-        <p:spPr>
-          <a:xfrm>
-            <a:off x="2658138" y="1854170"/>
-            <a:ext cx="3827721" cy="2870791"/>
-          </a:xfrm>
-          <a:prstGeom prst="rect">
-            <a:avLst/>
-          </a:prstGeom>
-        </p:spPr>
-      </p:pic>
-    </p:spTree>
-    <p:extLst>
-      <p:ext uri="{BB962C8B-B14F-4D97-AF65-F5344CB8AC3E}">
-        <p14:creationId xmlns:p14="http://schemas.microsoft.com/office/powerpoint/2010/main" val="4166266066"/>
-      </p:ext>
-    </p:extLst>
-  </p:cSld>
-  <p:clrMapOvr>
-    <a:masterClrMapping/>
-  </p:clrMapOvr>
-</p:sld>
-</file>
-
-<file path=ppt/slides/slide47.xml><?xml version="1.0" encoding="utf-8"?>
-<p:sld xmlns:a="http://schemas.openxmlformats.org/drawingml/2006/main" xmlns:r="http://schemas.openxmlformats.org/officeDocument/2006/relationships" xmlns:p="http://schemas.openxmlformats.org/presentationml/2006/main">
-  <p:cSld>
-    <p:spTree>
-      <p:nvGrpSpPr>
-        <p:cNvPr id="1" name="Shape 945"/>
-        <p:cNvGrpSpPr/>
-        <p:nvPr/>
-      </p:nvGrpSpPr>
-      <p:grpSpPr>
-        <a:xfrm>
-          <a:off x="0" y="0"/>
-          <a:ext cx="0" cy="0"/>
-          <a:chOff x="0" y="0"/>
-          <a:chExt cx="0" cy="0"/>
-        </a:xfrm>
-      </p:grpSpPr>
-      <p:sp>
-        <p:nvSpPr>
-          <p:cNvPr id="7" name="Google Shape;946;p54">
-            <a:extLst>
-              <a:ext uri="{FF2B5EF4-FFF2-40B4-BE49-F238E27FC236}">
-                <a16:creationId xmlns:a16="http://schemas.microsoft.com/office/drawing/2014/main" id="{32FCF576-D072-76B0-16AF-46AF98856AB8}"/>
-              </a:ext>
-            </a:extLst>
-          </p:cNvPr>
-          <p:cNvSpPr/>
-          <p:nvPr/>
-        </p:nvSpPr>
-        <p:spPr>
-          <a:xfrm>
-            <a:off x="2833950" y="369574"/>
-            <a:ext cx="3476099" cy="735963"/>
-          </a:xfrm>
-          <a:prstGeom prst="roundRect">
-            <a:avLst>
-              <a:gd name="adj" fmla="val 6740"/>
-            </a:avLst>
-          </a:prstGeom>
-          <a:solidFill>
-            <a:schemeClr val="lt2"/>
-          </a:solidFill>
-          <a:ln w="28575" cap="flat" cmpd="sng">
-            <a:solidFill>
-              <a:schemeClr val="dk1"/>
-            </a:solidFill>
-            <a:prstDash val="solid"/>
-            <a:round/>
-            <a:headEnd type="none" w="sm" len="sm"/>
-            <a:tailEnd type="none" w="sm" len="sm"/>
-          </a:ln>
-          <a:effectLst>
-            <a:outerShdw dist="85725" dir="3960000" algn="bl" rotWithShape="0">
-              <a:schemeClr val="dk1"/>
-            </a:outerShdw>
-          </a:effectLst>
-        </p:spPr>
-        <p:txBody>
-          <a:bodyPr spcFirstLastPara="1" wrap="square" lIns="91425" tIns="91425" rIns="91425" bIns="91425" anchor="ctr" anchorCtr="0">
-            <a:noAutofit/>
-          </a:bodyPr>
-          <a:lstStyle/>
-          <a:p>
-            <a:pPr marL="0" lvl="0" indent="0" algn="l" rtl="0">
-              <a:spcBef>
-                <a:spcPts val="0"/>
-              </a:spcBef>
-              <a:spcAft>
-                <a:spcPts val="0"/>
-              </a:spcAft>
-              <a:buNone/>
-            </a:pPr>
-            <a:endParaRPr/>
-          </a:p>
-        </p:txBody>
-      </p:sp>
-      <p:sp>
-        <p:nvSpPr>
-          <p:cNvPr id="8" name="Google Shape;948;p54">
-            <a:extLst>
-              <a:ext uri="{FF2B5EF4-FFF2-40B4-BE49-F238E27FC236}">
-                <a16:creationId xmlns:a16="http://schemas.microsoft.com/office/drawing/2014/main" id="{84C74B68-B822-7701-D63F-0AA4D63644E2}"/>
-              </a:ext>
-            </a:extLst>
-          </p:cNvPr>
-          <p:cNvSpPr txBox="1">
-            <a:spLocks/>
-          </p:cNvSpPr>
-          <p:nvPr/>
-        </p:nvSpPr>
-        <p:spPr>
-          <a:xfrm>
-            <a:off x="3042744" y="418539"/>
-            <a:ext cx="3058510" cy="816163"/>
-          </a:xfrm>
-          <a:prstGeom prst="rect">
-            <a:avLst/>
-          </a:prstGeom>
-          <a:noFill/>
-          <a:ln>
-            <a:noFill/>
-          </a:ln>
-        </p:spPr>
-        <p:txBody>
-          <a:bodyPr spcFirstLastPara="1" wrap="square" lIns="91425" tIns="91425" rIns="91425" bIns="91425" anchor="b" anchorCtr="0">
-            <a:noAutofit/>
-          </a:bodyPr>
-          <a:lstStyle>
-            <a:defPPr marR="0" lvl="0" algn="l" rtl="0">
-              <a:lnSpc>
-                <a:spcPct val="100000"/>
-              </a:lnSpc>
-              <a:spcBef>
-                <a:spcPts val="0"/>
-              </a:spcBef>
-              <a:spcAft>
-                <a:spcPts val="0"/>
-              </a:spcAft>
-            </a:defPPr>
-            <a:lvl1pPr marR="0" lvl="0" algn="ctr" rtl="0">
-              <a:lnSpc>
-                <a:spcPct val="100000"/>
-              </a:lnSpc>
-              <a:spcBef>
-                <a:spcPts val="0"/>
-              </a:spcBef>
-              <a:spcAft>
-                <a:spcPts val="0"/>
-              </a:spcAft>
-              <a:buClr>
-                <a:schemeClr val="dk1"/>
-              </a:buClr>
-              <a:buSzPts val="3000"/>
-              <a:buFont typeface="Varela Round"/>
-              <a:buNone/>
-              <a:defRPr sz="3000" b="1" i="0" u="none" strike="noStrike" cap="none">
-                <a:solidFill>
-                  <a:schemeClr val="dk1"/>
-                </a:solidFill>
-                <a:latin typeface="Varela Round"/>
-                <a:ea typeface="Varela Round"/>
-                <a:cs typeface="Varela Round"/>
-                <a:sym typeface="Varela Round"/>
-              </a:defRPr>
-            </a:lvl1pPr>
-            <a:lvl2pPr marR="0" lvl="1" algn="l" rtl="0">
-              <a:lnSpc>
-                <a:spcPct val="100000"/>
-              </a:lnSpc>
-              <a:spcBef>
-                <a:spcPts val="0"/>
-              </a:spcBef>
-              <a:spcAft>
-                <a:spcPts val="0"/>
-              </a:spcAft>
-              <a:buClr>
-                <a:schemeClr val="dk1"/>
-              </a:buClr>
-              <a:buSzPts val="3000"/>
-              <a:buFont typeface="Bebas Neue"/>
-              <a:buNone/>
-              <a:defRPr sz="3000" b="0" i="0" u="none" strike="noStrike" cap="none">
-                <a:solidFill>
-                  <a:schemeClr val="dk1"/>
-                </a:solidFill>
-                <a:latin typeface="Bebas Neue"/>
-                <a:ea typeface="Bebas Neue"/>
-                <a:cs typeface="Bebas Neue"/>
-                <a:sym typeface="Bebas Neue"/>
-              </a:defRPr>
-            </a:lvl2pPr>
-            <a:lvl3pPr marR="0" lvl="2" algn="l" rtl="0">
-              <a:lnSpc>
-                <a:spcPct val="100000"/>
-              </a:lnSpc>
-              <a:spcBef>
-                <a:spcPts val="0"/>
-              </a:spcBef>
-              <a:spcAft>
-                <a:spcPts val="0"/>
-              </a:spcAft>
-              <a:buClr>
-                <a:schemeClr val="dk1"/>
-              </a:buClr>
-              <a:buSzPts val="3000"/>
-              <a:buFont typeface="Bebas Neue"/>
-              <a:buNone/>
-              <a:defRPr sz="3000" b="0" i="0" u="none" strike="noStrike" cap="none">
-                <a:solidFill>
-                  <a:schemeClr val="dk1"/>
-                </a:solidFill>
-                <a:latin typeface="Bebas Neue"/>
-                <a:ea typeface="Bebas Neue"/>
-                <a:cs typeface="Bebas Neue"/>
-                <a:sym typeface="Bebas Neue"/>
-              </a:defRPr>
-            </a:lvl3pPr>
-            <a:lvl4pPr marR="0" lvl="3" algn="l" rtl="0">
-              <a:lnSpc>
-                <a:spcPct val="100000"/>
-              </a:lnSpc>
-              <a:spcBef>
-                <a:spcPts val="0"/>
-              </a:spcBef>
-              <a:spcAft>
-                <a:spcPts val="0"/>
-              </a:spcAft>
-              <a:buClr>
-                <a:schemeClr val="dk1"/>
-              </a:buClr>
-              <a:buSzPts val="3000"/>
-              <a:buFont typeface="Bebas Neue"/>
-              <a:buNone/>
-              <a:defRPr sz="3000" b="0" i="0" u="none" strike="noStrike" cap="none">
-                <a:solidFill>
-                  <a:schemeClr val="dk1"/>
-                </a:solidFill>
-                <a:latin typeface="Bebas Neue"/>
-                <a:ea typeface="Bebas Neue"/>
-                <a:cs typeface="Bebas Neue"/>
-                <a:sym typeface="Bebas Neue"/>
-              </a:defRPr>
-            </a:lvl4pPr>
-            <a:lvl5pPr marR="0" lvl="4" algn="l" rtl="0">
-              <a:lnSpc>
-                <a:spcPct val="100000"/>
-              </a:lnSpc>
-              <a:spcBef>
-                <a:spcPts val="0"/>
-              </a:spcBef>
-              <a:spcAft>
-                <a:spcPts val="0"/>
-              </a:spcAft>
-              <a:buClr>
-                <a:schemeClr val="dk1"/>
-              </a:buClr>
-              <a:buSzPts val="3000"/>
-              <a:buFont typeface="Bebas Neue"/>
-              <a:buNone/>
-              <a:defRPr sz="3000" b="0" i="0" u="none" strike="noStrike" cap="none">
-                <a:solidFill>
-                  <a:schemeClr val="dk1"/>
-                </a:solidFill>
-                <a:latin typeface="Bebas Neue"/>
-                <a:ea typeface="Bebas Neue"/>
-                <a:cs typeface="Bebas Neue"/>
-                <a:sym typeface="Bebas Neue"/>
-              </a:defRPr>
-            </a:lvl5pPr>
-            <a:lvl6pPr marR="0" lvl="5" algn="l" rtl="0">
-              <a:lnSpc>
-                <a:spcPct val="100000"/>
-              </a:lnSpc>
-              <a:spcBef>
-                <a:spcPts val="0"/>
-              </a:spcBef>
-              <a:spcAft>
-                <a:spcPts val="0"/>
-              </a:spcAft>
-              <a:buClr>
-                <a:schemeClr val="dk1"/>
-              </a:buClr>
-              <a:buSzPts val="3000"/>
-              <a:buFont typeface="Bebas Neue"/>
-              <a:buNone/>
-              <a:defRPr sz="3000" b="0" i="0" u="none" strike="noStrike" cap="none">
-                <a:solidFill>
-                  <a:schemeClr val="dk1"/>
-                </a:solidFill>
-                <a:latin typeface="Bebas Neue"/>
-                <a:ea typeface="Bebas Neue"/>
-                <a:cs typeface="Bebas Neue"/>
-                <a:sym typeface="Bebas Neue"/>
-              </a:defRPr>
-            </a:lvl6pPr>
-            <a:lvl7pPr marR="0" lvl="6" algn="l" rtl="0">
-              <a:lnSpc>
-                <a:spcPct val="100000"/>
-              </a:lnSpc>
-              <a:spcBef>
-                <a:spcPts val="0"/>
-              </a:spcBef>
-              <a:spcAft>
-                <a:spcPts val="0"/>
-              </a:spcAft>
-              <a:buClr>
-                <a:schemeClr val="dk1"/>
-              </a:buClr>
-              <a:buSzPts val="3000"/>
-              <a:buFont typeface="Bebas Neue"/>
-              <a:buNone/>
-              <a:defRPr sz="3000" b="0" i="0" u="none" strike="noStrike" cap="none">
-                <a:solidFill>
-                  <a:schemeClr val="dk1"/>
-                </a:solidFill>
-                <a:latin typeface="Bebas Neue"/>
-                <a:ea typeface="Bebas Neue"/>
-                <a:cs typeface="Bebas Neue"/>
-                <a:sym typeface="Bebas Neue"/>
-              </a:defRPr>
-            </a:lvl7pPr>
-            <a:lvl8pPr marR="0" lvl="7" algn="l" rtl="0">
-              <a:lnSpc>
-                <a:spcPct val="100000"/>
-              </a:lnSpc>
-              <a:spcBef>
-                <a:spcPts val="0"/>
-              </a:spcBef>
-              <a:spcAft>
-                <a:spcPts val="0"/>
-              </a:spcAft>
-              <a:buClr>
-                <a:schemeClr val="dk1"/>
-              </a:buClr>
-              <a:buSzPts val="3000"/>
-              <a:buFont typeface="Bebas Neue"/>
-              <a:buNone/>
-              <a:defRPr sz="3000" b="0" i="0" u="none" strike="noStrike" cap="none">
-                <a:solidFill>
-                  <a:schemeClr val="dk1"/>
-                </a:solidFill>
-                <a:latin typeface="Bebas Neue"/>
-                <a:ea typeface="Bebas Neue"/>
-                <a:cs typeface="Bebas Neue"/>
-                <a:sym typeface="Bebas Neue"/>
-              </a:defRPr>
-            </a:lvl8pPr>
-            <a:lvl9pPr marR="0" lvl="8" algn="l" rtl="0">
-              <a:lnSpc>
-                <a:spcPct val="100000"/>
-              </a:lnSpc>
-              <a:spcBef>
-                <a:spcPts val="0"/>
-              </a:spcBef>
-              <a:spcAft>
-                <a:spcPts val="0"/>
-              </a:spcAft>
-              <a:buClr>
-                <a:schemeClr val="dk1"/>
-              </a:buClr>
-              <a:buSzPts val="3000"/>
-              <a:buFont typeface="Bebas Neue"/>
-              <a:buNone/>
-              <a:defRPr sz="3000" b="0" i="0" u="none" strike="noStrike" cap="none">
-                <a:solidFill>
-                  <a:schemeClr val="dk1"/>
-                </a:solidFill>
-                <a:latin typeface="Bebas Neue"/>
-                <a:ea typeface="Bebas Neue"/>
-                <a:cs typeface="Bebas Neue"/>
-                <a:sym typeface="Bebas Neue"/>
-              </a:defRPr>
-            </a:lvl9pPr>
-          </a:lstStyle>
-          <a:p>
-            <a:r>
-              <a:rPr lang="fr-FR" sz="2400" b="1" i="0" dirty="0">
-                <a:effectLst/>
-                <a:latin typeface="Söhne"/>
-              </a:rPr>
-              <a:t>Types de Graphiques Disponibles</a:t>
-            </a:r>
-            <a:endParaRPr lang="fr-FR" sz="2400" dirty="0"/>
-          </a:p>
-        </p:txBody>
-      </p:sp>
-      <p:sp>
-        <p:nvSpPr>
-          <p:cNvPr id="3" name="Google Shape;946;p54">
-            <a:extLst>
-              <a:ext uri="{FF2B5EF4-FFF2-40B4-BE49-F238E27FC236}">
-                <a16:creationId xmlns:a16="http://schemas.microsoft.com/office/drawing/2014/main" id="{63E33E90-6FF6-DC6E-DC6C-6E86948BB43E}"/>
-              </a:ext>
-            </a:extLst>
-          </p:cNvPr>
-          <p:cNvSpPr/>
-          <p:nvPr/>
-        </p:nvSpPr>
-        <p:spPr>
-          <a:xfrm>
-            <a:off x="748084" y="1318437"/>
-            <a:ext cx="1426496" cy="419918"/>
-          </a:xfrm>
-          <a:prstGeom prst="roundRect">
-            <a:avLst>
-              <a:gd name="adj" fmla="val 6740"/>
-            </a:avLst>
-          </a:prstGeom>
-          <a:solidFill>
-            <a:schemeClr val="lt2"/>
-          </a:solidFill>
-          <a:ln w="28575" cap="flat" cmpd="sng">
-            <a:solidFill>
-              <a:schemeClr val="dk1"/>
-            </a:solidFill>
-            <a:prstDash val="solid"/>
-            <a:round/>
-            <a:headEnd type="none" w="sm" len="sm"/>
-            <a:tailEnd type="none" w="sm" len="sm"/>
-          </a:ln>
-          <a:effectLst>
-            <a:outerShdw dist="85725" dir="3960000" algn="bl" rotWithShape="0">
-              <a:schemeClr val="dk1"/>
-            </a:outerShdw>
-          </a:effectLst>
-        </p:spPr>
-        <p:txBody>
-          <a:bodyPr spcFirstLastPara="1" wrap="square" lIns="91425" tIns="91425" rIns="91425" bIns="91425" anchor="ctr" anchorCtr="0">
-            <a:noAutofit/>
-          </a:bodyPr>
-          <a:lstStyle/>
-          <a:p>
-            <a:pPr marL="0" lvl="0" indent="0" algn="l" rtl="0">
-              <a:spcBef>
-                <a:spcPts val="0"/>
-              </a:spcBef>
-              <a:spcAft>
-                <a:spcPts val="0"/>
-              </a:spcAft>
-              <a:buNone/>
-            </a:pPr>
-            <a:endParaRPr/>
-          </a:p>
-        </p:txBody>
-      </p:sp>
-      <p:sp>
-        <p:nvSpPr>
-          <p:cNvPr id="4" name="Google Shape;948;p54">
-            <a:extLst>
-              <a:ext uri="{FF2B5EF4-FFF2-40B4-BE49-F238E27FC236}">
-                <a16:creationId xmlns:a16="http://schemas.microsoft.com/office/drawing/2014/main" id="{D8E2D311-1179-757F-BEAD-9E8B8B5A02A7}"/>
-              </a:ext>
-            </a:extLst>
-          </p:cNvPr>
-          <p:cNvSpPr txBox="1">
-            <a:spLocks/>
-          </p:cNvSpPr>
-          <p:nvPr/>
-        </p:nvSpPr>
-        <p:spPr>
-          <a:xfrm>
-            <a:off x="607091" y="1298753"/>
-            <a:ext cx="1689542" cy="486333"/>
-          </a:xfrm>
-          <a:prstGeom prst="rect">
-            <a:avLst/>
-          </a:prstGeom>
-          <a:noFill/>
-          <a:ln>
-            <a:noFill/>
-          </a:ln>
-        </p:spPr>
-        <p:txBody>
-          <a:bodyPr spcFirstLastPara="1" wrap="square" lIns="91425" tIns="91425" rIns="91425" bIns="91425" anchor="b" anchorCtr="0">
-            <a:noAutofit/>
-          </a:bodyPr>
-          <a:lstStyle>
-            <a:defPPr marR="0" lvl="0" algn="l" rtl="0">
-              <a:lnSpc>
-                <a:spcPct val="100000"/>
-              </a:lnSpc>
-              <a:spcBef>
-                <a:spcPts val="0"/>
-              </a:spcBef>
-              <a:spcAft>
-                <a:spcPts val="0"/>
-              </a:spcAft>
-            </a:defPPr>
-            <a:lvl1pPr marR="0" lvl="0" algn="ctr" rtl="0">
-              <a:lnSpc>
-                <a:spcPct val="100000"/>
-              </a:lnSpc>
-              <a:spcBef>
-                <a:spcPts val="0"/>
-              </a:spcBef>
-              <a:spcAft>
-                <a:spcPts val="0"/>
-              </a:spcAft>
-              <a:buClr>
-                <a:schemeClr val="dk1"/>
-              </a:buClr>
-              <a:buSzPts val="3000"/>
-              <a:buFont typeface="Varela Round"/>
-              <a:buNone/>
-              <a:defRPr sz="3000" b="1" i="0" u="none" strike="noStrike" cap="none">
-                <a:solidFill>
-                  <a:schemeClr val="dk1"/>
-                </a:solidFill>
-                <a:latin typeface="Varela Round"/>
-                <a:ea typeface="Varela Round"/>
-                <a:cs typeface="Varela Round"/>
-                <a:sym typeface="Varela Round"/>
-              </a:defRPr>
-            </a:lvl1pPr>
-            <a:lvl2pPr marR="0" lvl="1" algn="l" rtl="0">
-              <a:lnSpc>
-                <a:spcPct val="100000"/>
-              </a:lnSpc>
-              <a:spcBef>
-                <a:spcPts val="0"/>
-              </a:spcBef>
-              <a:spcAft>
-                <a:spcPts val="0"/>
-              </a:spcAft>
-              <a:buClr>
-                <a:schemeClr val="dk1"/>
-              </a:buClr>
-              <a:buSzPts val="3000"/>
-              <a:buFont typeface="Bebas Neue"/>
-              <a:buNone/>
-              <a:defRPr sz="3000" b="0" i="0" u="none" strike="noStrike" cap="none">
-                <a:solidFill>
-                  <a:schemeClr val="dk1"/>
-                </a:solidFill>
-                <a:latin typeface="Bebas Neue"/>
-                <a:ea typeface="Bebas Neue"/>
-                <a:cs typeface="Bebas Neue"/>
-                <a:sym typeface="Bebas Neue"/>
-              </a:defRPr>
-            </a:lvl2pPr>
-            <a:lvl3pPr marR="0" lvl="2" algn="l" rtl="0">
-              <a:lnSpc>
-                <a:spcPct val="100000"/>
-              </a:lnSpc>
-              <a:spcBef>
-                <a:spcPts val="0"/>
-              </a:spcBef>
-              <a:spcAft>
-                <a:spcPts val="0"/>
-              </a:spcAft>
-              <a:buClr>
-                <a:schemeClr val="dk1"/>
-              </a:buClr>
-              <a:buSzPts val="3000"/>
-              <a:buFont typeface="Bebas Neue"/>
-              <a:buNone/>
-              <a:defRPr sz="3000" b="0" i="0" u="none" strike="noStrike" cap="none">
-                <a:solidFill>
-                  <a:schemeClr val="dk1"/>
-                </a:solidFill>
-                <a:latin typeface="Bebas Neue"/>
-                <a:ea typeface="Bebas Neue"/>
-                <a:cs typeface="Bebas Neue"/>
-                <a:sym typeface="Bebas Neue"/>
-              </a:defRPr>
-            </a:lvl3pPr>
-            <a:lvl4pPr marR="0" lvl="3" algn="l" rtl="0">
-              <a:lnSpc>
-                <a:spcPct val="100000"/>
-              </a:lnSpc>
-              <a:spcBef>
-                <a:spcPts val="0"/>
-              </a:spcBef>
-              <a:spcAft>
-                <a:spcPts val="0"/>
-              </a:spcAft>
-              <a:buClr>
-                <a:schemeClr val="dk1"/>
-              </a:buClr>
-              <a:buSzPts val="3000"/>
-              <a:buFont typeface="Bebas Neue"/>
-              <a:buNone/>
-              <a:defRPr sz="3000" b="0" i="0" u="none" strike="noStrike" cap="none">
-                <a:solidFill>
-                  <a:schemeClr val="dk1"/>
-                </a:solidFill>
-                <a:latin typeface="Bebas Neue"/>
-                <a:ea typeface="Bebas Neue"/>
-                <a:cs typeface="Bebas Neue"/>
-                <a:sym typeface="Bebas Neue"/>
-              </a:defRPr>
-            </a:lvl4pPr>
-            <a:lvl5pPr marR="0" lvl="4" algn="l" rtl="0">
-              <a:lnSpc>
-                <a:spcPct val="100000"/>
-              </a:lnSpc>
-              <a:spcBef>
-                <a:spcPts val="0"/>
-              </a:spcBef>
-              <a:spcAft>
-                <a:spcPts val="0"/>
-              </a:spcAft>
-              <a:buClr>
-                <a:schemeClr val="dk1"/>
-              </a:buClr>
-              <a:buSzPts val="3000"/>
-              <a:buFont typeface="Bebas Neue"/>
-              <a:buNone/>
-              <a:defRPr sz="3000" b="0" i="0" u="none" strike="noStrike" cap="none">
-                <a:solidFill>
-                  <a:schemeClr val="dk1"/>
-                </a:solidFill>
-                <a:latin typeface="Bebas Neue"/>
-                <a:ea typeface="Bebas Neue"/>
-                <a:cs typeface="Bebas Neue"/>
-                <a:sym typeface="Bebas Neue"/>
-              </a:defRPr>
-            </a:lvl5pPr>
-            <a:lvl6pPr marR="0" lvl="5" algn="l" rtl="0">
-              <a:lnSpc>
-                <a:spcPct val="100000"/>
-              </a:lnSpc>
-              <a:spcBef>
-                <a:spcPts val="0"/>
-              </a:spcBef>
-              <a:spcAft>
-                <a:spcPts val="0"/>
-              </a:spcAft>
-              <a:buClr>
-                <a:schemeClr val="dk1"/>
-              </a:buClr>
-              <a:buSzPts val="3000"/>
-              <a:buFont typeface="Bebas Neue"/>
-              <a:buNone/>
-              <a:defRPr sz="3000" b="0" i="0" u="none" strike="noStrike" cap="none">
-                <a:solidFill>
-                  <a:schemeClr val="dk1"/>
-                </a:solidFill>
-                <a:latin typeface="Bebas Neue"/>
-                <a:ea typeface="Bebas Neue"/>
-                <a:cs typeface="Bebas Neue"/>
-                <a:sym typeface="Bebas Neue"/>
-              </a:defRPr>
-            </a:lvl6pPr>
-            <a:lvl7pPr marR="0" lvl="6" algn="l" rtl="0">
-              <a:lnSpc>
-                <a:spcPct val="100000"/>
-              </a:lnSpc>
-              <a:spcBef>
-                <a:spcPts val="0"/>
-              </a:spcBef>
-              <a:spcAft>
-                <a:spcPts val="0"/>
-              </a:spcAft>
-              <a:buClr>
-                <a:schemeClr val="dk1"/>
-              </a:buClr>
-              <a:buSzPts val="3000"/>
-              <a:buFont typeface="Bebas Neue"/>
-              <a:buNone/>
-              <a:defRPr sz="3000" b="0" i="0" u="none" strike="noStrike" cap="none">
-                <a:solidFill>
-                  <a:schemeClr val="dk1"/>
-                </a:solidFill>
-                <a:latin typeface="Bebas Neue"/>
-                <a:ea typeface="Bebas Neue"/>
-                <a:cs typeface="Bebas Neue"/>
-                <a:sym typeface="Bebas Neue"/>
-              </a:defRPr>
-            </a:lvl7pPr>
-            <a:lvl8pPr marR="0" lvl="7" algn="l" rtl="0">
-              <a:lnSpc>
-                <a:spcPct val="100000"/>
-              </a:lnSpc>
-              <a:spcBef>
-                <a:spcPts val="0"/>
-              </a:spcBef>
-              <a:spcAft>
-                <a:spcPts val="0"/>
-              </a:spcAft>
-              <a:buClr>
-                <a:schemeClr val="dk1"/>
-              </a:buClr>
-              <a:buSzPts val="3000"/>
-              <a:buFont typeface="Bebas Neue"/>
-              <a:buNone/>
-              <a:defRPr sz="3000" b="0" i="0" u="none" strike="noStrike" cap="none">
-                <a:solidFill>
-                  <a:schemeClr val="dk1"/>
-                </a:solidFill>
-                <a:latin typeface="Bebas Neue"/>
-                <a:ea typeface="Bebas Neue"/>
-                <a:cs typeface="Bebas Neue"/>
-                <a:sym typeface="Bebas Neue"/>
-              </a:defRPr>
-            </a:lvl8pPr>
-            <a:lvl9pPr marR="0" lvl="8" algn="l" rtl="0">
-              <a:lnSpc>
-                <a:spcPct val="100000"/>
-              </a:lnSpc>
-              <a:spcBef>
-                <a:spcPts val="0"/>
-              </a:spcBef>
-              <a:spcAft>
-                <a:spcPts val="0"/>
-              </a:spcAft>
-              <a:buClr>
-                <a:schemeClr val="dk1"/>
-              </a:buClr>
-              <a:buSzPts val="3000"/>
-              <a:buFont typeface="Bebas Neue"/>
-              <a:buNone/>
-              <a:defRPr sz="3000" b="0" i="0" u="none" strike="noStrike" cap="none">
-                <a:solidFill>
-                  <a:schemeClr val="dk1"/>
-                </a:solidFill>
-                <a:latin typeface="Bebas Neue"/>
-                <a:ea typeface="Bebas Neue"/>
-                <a:cs typeface="Bebas Neue"/>
-                <a:sym typeface="Bebas Neue"/>
-              </a:defRPr>
-            </a:lvl9pPr>
-          </a:lstStyle>
-          <a:p>
-            <a:r>
-              <a:rPr lang="fr-FR" sz="1400" dirty="0"/>
-              <a:t>SCATTER</a:t>
-            </a:r>
-          </a:p>
-        </p:txBody>
-      </p:sp>
-      <p:sp>
-        <p:nvSpPr>
-          <p:cNvPr id="2" name="Google Shape;621;p42">
-            <a:extLst>
-              <a:ext uri="{FF2B5EF4-FFF2-40B4-BE49-F238E27FC236}">
-                <a16:creationId xmlns:a16="http://schemas.microsoft.com/office/drawing/2014/main" id="{B25BA44B-7585-E0C5-9332-A2826F7649FF}"/>
-              </a:ext>
-            </a:extLst>
-          </p:cNvPr>
-          <p:cNvSpPr txBox="1"/>
-          <p:nvPr/>
-        </p:nvSpPr>
-        <p:spPr>
-          <a:xfrm>
-            <a:off x="2033587" y="1283667"/>
-            <a:ext cx="6823334" cy="519569"/>
-          </a:xfrm>
-          <a:prstGeom prst="rect">
-            <a:avLst/>
-          </a:prstGeom>
-          <a:noFill/>
-          <a:ln>
-            <a:noFill/>
-          </a:ln>
-        </p:spPr>
-        <p:txBody>
-          <a:bodyPr spcFirstLastPara="1" wrap="square" lIns="91425" tIns="91425" rIns="91425" bIns="91425" anchor="ctr" anchorCtr="0">
-            <a:noAutofit/>
-          </a:bodyPr>
-          <a:lstStyle/>
-          <a:p>
-            <a:pPr marL="285750" lvl="2" indent="-285750">
-              <a:buFont typeface="Arial" panose="020B0604020202020204" pitchFamily="34" charset="0"/>
-              <a:buChar char="•"/>
-            </a:pPr>
-            <a:r>
-              <a:rPr lang="fr-FR" b="1" dirty="0">
-                <a:solidFill>
-                  <a:schemeClr val="dk2"/>
-                </a:solidFill>
-                <a:latin typeface="Lato"/>
-                <a:ea typeface="Lato"/>
-                <a:cs typeface="Lato"/>
-                <a:sym typeface="Lato"/>
-              </a:rPr>
-              <a:t> Idéal pour dévoiler la relation entre deux variables à l'aide de nuages de points.</a:t>
-            </a:r>
-            <a:endParaRPr lang="en-US" b="1" dirty="0">
-              <a:solidFill>
-                <a:schemeClr val="dk2"/>
-              </a:solidFill>
-              <a:latin typeface="Lato"/>
-              <a:ea typeface="Lato"/>
-              <a:cs typeface="Lato"/>
-              <a:sym typeface="Lato"/>
-            </a:endParaRPr>
-          </a:p>
-        </p:txBody>
-      </p:sp>
-      <p:pic>
-        <p:nvPicPr>
-          <p:cNvPr id="5" name="Image 4">
-            <a:extLst>
-              <a:ext uri="{FF2B5EF4-FFF2-40B4-BE49-F238E27FC236}">
-                <a16:creationId xmlns:a16="http://schemas.microsoft.com/office/drawing/2014/main" id="{75CE39FF-EF8E-55D9-66AF-2B49B8206309}"/>
-              </a:ext>
-            </a:extLst>
-          </p:cNvPr>
-          <p:cNvPicPr>
-            <a:picLocks noChangeAspect="1"/>
-          </p:cNvPicPr>
-          <p:nvPr/>
-        </p:nvPicPr>
-        <p:blipFill>
-          <a:blip r:embed="rId3"/>
-          <a:stretch>
-            <a:fillRect/>
-          </a:stretch>
-        </p:blipFill>
-        <p:spPr>
-          <a:xfrm>
-            <a:off x="2651845" y="1784206"/>
-            <a:ext cx="3759588" cy="2819691"/>
-          </a:xfrm>
-          <a:prstGeom prst="rect">
-            <a:avLst/>
-          </a:prstGeom>
-        </p:spPr>
-      </p:pic>
-    </p:spTree>
-    <p:extLst>
-      <p:ext uri="{BB962C8B-B14F-4D97-AF65-F5344CB8AC3E}">
-        <p14:creationId xmlns:p14="http://schemas.microsoft.com/office/powerpoint/2010/main" val="413557681"/>
-      </p:ext>
-    </p:extLst>
-  </p:cSld>
-  <p:clrMapOvr>
-    <a:masterClrMapping/>
-  </p:clrMapOvr>
-</p:sld>
-</file>
-
-<file path=ppt/slides/slide48.xml><?xml version="1.0" encoding="utf-8"?>
-<p:sld xmlns:a="http://schemas.openxmlformats.org/drawingml/2006/main" xmlns:r="http://schemas.openxmlformats.org/officeDocument/2006/relationships" xmlns:p="http://schemas.openxmlformats.org/presentationml/2006/main">
-  <p:cSld>
-    <p:spTree>
-      <p:nvGrpSpPr>
-        <p:cNvPr id="1" name="Shape 945"/>
-        <p:cNvGrpSpPr/>
-        <p:nvPr/>
-      </p:nvGrpSpPr>
-      <p:grpSpPr>
-        <a:xfrm>
-          <a:off x="0" y="0"/>
-          <a:ext cx="0" cy="0"/>
-          <a:chOff x="0" y="0"/>
-          <a:chExt cx="0" cy="0"/>
-        </a:xfrm>
-      </p:grpSpPr>
-      <p:sp>
-        <p:nvSpPr>
-          <p:cNvPr id="7" name="Google Shape;946;p54">
-            <a:extLst>
-              <a:ext uri="{FF2B5EF4-FFF2-40B4-BE49-F238E27FC236}">
-                <a16:creationId xmlns:a16="http://schemas.microsoft.com/office/drawing/2014/main" id="{32FCF576-D072-76B0-16AF-46AF98856AB8}"/>
-              </a:ext>
-            </a:extLst>
-          </p:cNvPr>
-          <p:cNvSpPr/>
-          <p:nvPr/>
-        </p:nvSpPr>
-        <p:spPr>
-          <a:xfrm>
-            <a:off x="2833950" y="369574"/>
-            <a:ext cx="3476099" cy="735963"/>
-          </a:xfrm>
-          <a:prstGeom prst="roundRect">
-            <a:avLst>
-              <a:gd name="adj" fmla="val 6740"/>
-            </a:avLst>
-          </a:prstGeom>
-          <a:solidFill>
-            <a:schemeClr val="lt2"/>
-          </a:solidFill>
-          <a:ln w="28575" cap="flat" cmpd="sng">
-            <a:solidFill>
-              <a:schemeClr val="dk1"/>
-            </a:solidFill>
-            <a:prstDash val="solid"/>
-            <a:round/>
-            <a:headEnd type="none" w="sm" len="sm"/>
-            <a:tailEnd type="none" w="sm" len="sm"/>
-          </a:ln>
-          <a:effectLst>
-            <a:outerShdw dist="85725" dir="3960000" algn="bl" rotWithShape="0">
-              <a:schemeClr val="dk1"/>
-            </a:outerShdw>
-          </a:effectLst>
-        </p:spPr>
-        <p:txBody>
-          <a:bodyPr spcFirstLastPara="1" wrap="square" lIns="91425" tIns="91425" rIns="91425" bIns="91425" anchor="ctr" anchorCtr="0">
-            <a:noAutofit/>
-          </a:bodyPr>
-          <a:lstStyle/>
-          <a:p>
-            <a:pPr marL="0" lvl="0" indent="0" algn="l" rtl="0">
-              <a:spcBef>
-                <a:spcPts val="0"/>
-              </a:spcBef>
-              <a:spcAft>
-                <a:spcPts val="0"/>
-              </a:spcAft>
-              <a:buNone/>
-            </a:pPr>
-            <a:endParaRPr/>
-          </a:p>
-        </p:txBody>
-      </p:sp>
-      <p:sp>
-        <p:nvSpPr>
-          <p:cNvPr id="8" name="Google Shape;948;p54">
-            <a:extLst>
-              <a:ext uri="{FF2B5EF4-FFF2-40B4-BE49-F238E27FC236}">
-                <a16:creationId xmlns:a16="http://schemas.microsoft.com/office/drawing/2014/main" id="{84C74B68-B822-7701-D63F-0AA4D63644E2}"/>
-              </a:ext>
-            </a:extLst>
-          </p:cNvPr>
-          <p:cNvSpPr txBox="1">
-            <a:spLocks/>
-          </p:cNvSpPr>
-          <p:nvPr/>
-        </p:nvSpPr>
-        <p:spPr>
-          <a:xfrm>
-            <a:off x="3042744" y="418539"/>
-            <a:ext cx="3058510" cy="816163"/>
-          </a:xfrm>
-          <a:prstGeom prst="rect">
-            <a:avLst/>
-          </a:prstGeom>
-          <a:noFill/>
-          <a:ln>
-            <a:noFill/>
-          </a:ln>
-        </p:spPr>
-        <p:txBody>
-          <a:bodyPr spcFirstLastPara="1" wrap="square" lIns="91425" tIns="91425" rIns="91425" bIns="91425" anchor="b" anchorCtr="0">
-            <a:noAutofit/>
-          </a:bodyPr>
-          <a:lstStyle>
-            <a:defPPr marR="0" lvl="0" algn="l" rtl="0">
-              <a:lnSpc>
-                <a:spcPct val="100000"/>
-              </a:lnSpc>
-              <a:spcBef>
-                <a:spcPts val="0"/>
-              </a:spcBef>
-              <a:spcAft>
-                <a:spcPts val="0"/>
-              </a:spcAft>
-            </a:defPPr>
-            <a:lvl1pPr marR="0" lvl="0" algn="ctr" rtl="0">
-              <a:lnSpc>
-                <a:spcPct val="100000"/>
-              </a:lnSpc>
-              <a:spcBef>
-                <a:spcPts val="0"/>
-              </a:spcBef>
-              <a:spcAft>
-                <a:spcPts val="0"/>
-              </a:spcAft>
-              <a:buClr>
-                <a:schemeClr val="dk1"/>
-              </a:buClr>
-              <a:buSzPts val="3000"/>
-              <a:buFont typeface="Varela Round"/>
-              <a:buNone/>
-              <a:defRPr sz="3000" b="1" i="0" u="none" strike="noStrike" cap="none">
-                <a:solidFill>
-                  <a:schemeClr val="dk1"/>
-                </a:solidFill>
-                <a:latin typeface="Varela Round"/>
-                <a:ea typeface="Varela Round"/>
-                <a:cs typeface="Varela Round"/>
-                <a:sym typeface="Varela Round"/>
-              </a:defRPr>
-            </a:lvl1pPr>
-            <a:lvl2pPr marR="0" lvl="1" algn="l" rtl="0">
-              <a:lnSpc>
-                <a:spcPct val="100000"/>
-              </a:lnSpc>
-              <a:spcBef>
-                <a:spcPts val="0"/>
-              </a:spcBef>
-              <a:spcAft>
-                <a:spcPts val="0"/>
-              </a:spcAft>
-              <a:buClr>
-                <a:schemeClr val="dk1"/>
-              </a:buClr>
-              <a:buSzPts val="3000"/>
-              <a:buFont typeface="Bebas Neue"/>
-              <a:buNone/>
-              <a:defRPr sz="3000" b="0" i="0" u="none" strike="noStrike" cap="none">
-                <a:solidFill>
-                  <a:schemeClr val="dk1"/>
-                </a:solidFill>
-                <a:latin typeface="Bebas Neue"/>
-                <a:ea typeface="Bebas Neue"/>
-                <a:cs typeface="Bebas Neue"/>
-                <a:sym typeface="Bebas Neue"/>
-              </a:defRPr>
-            </a:lvl2pPr>
-            <a:lvl3pPr marR="0" lvl="2" algn="l" rtl="0">
-              <a:lnSpc>
-                <a:spcPct val="100000"/>
-              </a:lnSpc>
-              <a:spcBef>
-                <a:spcPts val="0"/>
-              </a:spcBef>
-              <a:spcAft>
-                <a:spcPts val="0"/>
-              </a:spcAft>
-              <a:buClr>
-                <a:schemeClr val="dk1"/>
-              </a:buClr>
-              <a:buSzPts val="3000"/>
-              <a:buFont typeface="Bebas Neue"/>
-              <a:buNone/>
-              <a:defRPr sz="3000" b="0" i="0" u="none" strike="noStrike" cap="none">
-                <a:solidFill>
-                  <a:schemeClr val="dk1"/>
-                </a:solidFill>
-                <a:latin typeface="Bebas Neue"/>
-                <a:ea typeface="Bebas Neue"/>
-                <a:cs typeface="Bebas Neue"/>
-                <a:sym typeface="Bebas Neue"/>
-              </a:defRPr>
-            </a:lvl3pPr>
-            <a:lvl4pPr marR="0" lvl="3" algn="l" rtl="0">
-              <a:lnSpc>
-                <a:spcPct val="100000"/>
-              </a:lnSpc>
-              <a:spcBef>
-                <a:spcPts val="0"/>
-              </a:spcBef>
-              <a:spcAft>
-                <a:spcPts val="0"/>
-              </a:spcAft>
-              <a:buClr>
-                <a:schemeClr val="dk1"/>
-              </a:buClr>
-              <a:buSzPts val="3000"/>
-              <a:buFont typeface="Bebas Neue"/>
-              <a:buNone/>
-              <a:defRPr sz="3000" b="0" i="0" u="none" strike="noStrike" cap="none">
-                <a:solidFill>
-                  <a:schemeClr val="dk1"/>
-                </a:solidFill>
-                <a:latin typeface="Bebas Neue"/>
-                <a:ea typeface="Bebas Neue"/>
-                <a:cs typeface="Bebas Neue"/>
-                <a:sym typeface="Bebas Neue"/>
-              </a:defRPr>
-            </a:lvl4pPr>
-            <a:lvl5pPr marR="0" lvl="4" algn="l" rtl="0">
-              <a:lnSpc>
-                <a:spcPct val="100000"/>
-              </a:lnSpc>
-              <a:spcBef>
-                <a:spcPts val="0"/>
-              </a:spcBef>
-              <a:spcAft>
-                <a:spcPts val="0"/>
-              </a:spcAft>
-              <a:buClr>
-                <a:schemeClr val="dk1"/>
-              </a:buClr>
-              <a:buSzPts val="3000"/>
-              <a:buFont typeface="Bebas Neue"/>
-              <a:buNone/>
-              <a:defRPr sz="3000" b="0" i="0" u="none" strike="noStrike" cap="none">
-                <a:solidFill>
-                  <a:schemeClr val="dk1"/>
-                </a:solidFill>
-                <a:latin typeface="Bebas Neue"/>
-                <a:ea typeface="Bebas Neue"/>
-                <a:cs typeface="Bebas Neue"/>
-                <a:sym typeface="Bebas Neue"/>
-              </a:defRPr>
-            </a:lvl5pPr>
-            <a:lvl6pPr marR="0" lvl="5" algn="l" rtl="0">
-              <a:lnSpc>
-                <a:spcPct val="100000"/>
-              </a:lnSpc>
-              <a:spcBef>
-                <a:spcPts val="0"/>
-              </a:spcBef>
-              <a:spcAft>
-                <a:spcPts val="0"/>
-              </a:spcAft>
-              <a:buClr>
-                <a:schemeClr val="dk1"/>
-              </a:buClr>
-              <a:buSzPts val="3000"/>
-              <a:buFont typeface="Bebas Neue"/>
-              <a:buNone/>
-              <a:defRPr sz="3000" b="0" i="0" u="none" strike="noStrike" cap="none">
-                <a:solidFill>
-                  <a:schemeClr val="dk1"/>
-                </a:solidFill>
-                <a:latin typeface="Bebas Neue"/>
-                <a:ea typeface="Bebas Neue"/>
-                <a:cs typeface="Bebas Neue"/>
-                <a:sym typeface="Bebas Neue"/>
-              </a:defRPr>
-            </a:lvl6pPr>
-            <a:lvl7pPr marR="0" lvl="6" algn="l" rtl="0">
-              <a:lnSpc>
-                <a:spcPct val="100000"/>
-              </a:lnSpc>
-              <a:spcBef>
-                <a:spcPts val="0"/>
-              </a:spcBef>
-              <a:spcAft>
-                <a:spcPts val="0"/>
-              </a:spcAft>
-              <a:buClr>
-                <a:schemeClr val="dk1"/>
-              </a:buClr>
-              <a:buSzPts val="3000"/>
-              <a:buFont typeface="Bebas Neue"/>
-              <a:buNone/>
-              <a:defRPr sz="3000" b="0" i="0" u="none" strike="noStrike" cap="none">
-                <a:solidFill>
-                  <a:schemeClr val="dk1"/>
-                </a:solidFill>
-                <a:latin typeface="Bebas Neue"/>
-                <a:ea typeface="Bebas Neue"/>
-                <a:cs typeface="Bebas Neue"/>
-                <a:sym typeface="Bebas Neue"/>
-              </a:defRPr>
-            </a:lvl7pPr>
-            <a:lvl8pPr marR="0" lvl="7" algn="l" rtl="0">
-              <a:lnSpc>
-                <a:spcPct val="100000"/>
-              </a:lnSpc>
-              <a:spcBef>
-                <a:spcPts val="0"/>
-              </a:spcBef>
-              <a:spcAft>
-                <a:spcPts val="0"/>
-              </a:spcAft>
-              <a:buClr>
-                <a:schemeClr val="dk1"/>
-              </a:buClr>
-              <a:buSzPts val="3000"/>
-              <a:buFont typeface="Bebas Neue"/>
-              <a:buNone/>
-              <a:defRPr sz="3000" b="0" i="0" u="none" strike="noStrike" cap="none">
-                <a:solidFill>
-                  <a:schemeClr val="dk1"/>
-                </a:solidFill>
-                <a:latin typeface="Bebas Neue"/>
-                <a:ea typeface="Bebas Neue"/>
-                <a:cs typeface="Bebas Neue"/>
-                <a:sym typeface="Bebas Neue"/>
-              </a:defRPr>
-            </a:lvl8pPr>
-            <a:lvl9pPr marR="0" lvl="8" algn="l" rtl="0">
-              <a:lnSpc>
-                <a:spcPct val="100000"/>
-              </a:lnSpc>
-              <a:spcBef>
-                <a:spcPts val="0"/>
-              </a:spcBef>
-              <a:spcAft>
-                <a:spcPts val="0"/>
-              </a:spcAft>
-              <a:buClr>
-                <a:schemeClr val="dk1"/>
-              </a:buClr>
-              <a:buSzPts val="3000"/>
-              <a:buFont typeface="Bebas Neue"/>
-              <a:buNone/>
-              <a:defRPr sz="3000" b="0" i="0" u="none" strike="noStrike" cap="none">
-                <a:solidFill>
-                  <a:schemeClr val="dk1"/>
-                </a:solidFill>
-                <a:latin typeface="Bebas Neue"/>
-                <a:ea typeface="Bebas Neue"/>
-                <a:cs typeface="Bebas Neue"/>
-                <a:sym typeface="Bebas Neue"/>
-              </a:defRPr>
-            </a:lvl9pPr>
-          </a:lstStyle>
-          <a:p>
-            <a:r>
-              <a:rPr lang="fr-FR" sz="2400" b="1" i="0" dirty="0">
-                <a:effectLst/>
-                <a:latin typeface="Söhne"/>
-              </a:rPr>
-              <a:t>Types de Graphiques Disponibles</a:t>
-            </a:r>
-            <a:endParaRPr lang="fr-FR" sz="2400" dirty="0"/>
-          </a:p>
-        </p:txBody>
-      </p:sp>
-      <p:sp>
-        <p:nvSpPr>
-          <p:cNvPr id="3" name="Google Shape;946;p54">
-            <a:extLst>
-              <a:ext uri="{FF2B5EF4-FFF2-40B4-BE49-F238E27FC236}">
-                <a16:creationId xmlns:a16="http://schemas.microsoft.com/office/drawing/2014/main" id="{63E33E90-6FF6-DC6E-DC6C-6E86948BB43E}"/>
-              </a:ext>
-            </a:extLst>
-          </p:cNvPr>
-          <p:cNvSpPr/>
-          <p:nvPr/>
-        </p:nvSpPr>
-        <p:spPr>
-          <a:xfrm>
-            <a:off x="748084" y="1318437"/>
-            <a:ext cx="1426496" cy="419918"/>
-          </a:xfrm>
-          <a:prstGeom prst="roundRect">
-            <a:avLst>
-              <a:gd name="adj" fmla="val 6740"/>
-            </a:avLst>
-          </a:prstGeom>
-          <a:solidFill>
-            <a:schemeClr val="lt2"/>
-          </a:solidFill>
-          <a:ln w="28575" cap="flat" cmpd="sng">
-            <a:solidFill>
-              <a:schemeClr val="dk1"/>
-            </a:solidFill>
-            <a:prstDash val="solid"/>
-            <a:round/>
-            <a:headEnd type="none" w="sm" len="sm"/>
-            <a:tailEnd type="none" w="sm" len="sm"/>
-          </a:ln>
-          <a:effectLst>
-            <a:outerShdw dist="85725" dir="3960000" algn="bl" rotWithShape="0">
-              <a:schemeClr val="dk1"/>
-            </a:outerShdw>
-          </a:effectLst>
-        </p:spPr>
-        <p:txBody>
-          <a:bodyPr spcFirstLastPara="1" wrap="square" lIns="91425" tIns="91425" rIns="91425" bIns="91425" anchor="ctr" anchorCtr="0">
-            <a:noAutofit/>
-          </a:bodyPr>
-          <a:lstStyle/>
-          <a:p>
-            <a:pPr marL="0" lvl="0" indent="0" algn="l" rtl="0">
-              <a:spcBef>
-                <a:spcPts val="0"/>
-              </a:spcBef>
-              <a:spcAft>
-                <a:spcPts val="0"/>
-              </a:spcAft>
-              <a:buNone/>
-            </a:pPr>
-            <a:endParaRPr/>
-          </a:p>
-        </p:txBody>
-      </p:sp>
-      <p:sp>
-        <p:nvSpPr>
-          <p:cNvPr id="4" name="Google Shape;948;p54">
-            <a:extLst>
-              <a:ext uri="{FF2B5EF4-FFF2-40B4-BE49-F238E27FC236}">
-                <a16:creationId xmlns:a16="http://schemas.microsoft.com/office/drawing/2014/main" id="{D8E2D311-1179-757F-BEAD-9E8B8B5A02A7}"/>
-              </a:ext>
-            </a:extLst>
-          </p:cNvPr>
-          <p:cNvSpPr txBox="1">
-            <a:spLocks/>
-          </p:cNvSpPr>
-          <p:nvPr/>
-        </p:nvSpPr>
-        <p:spPr>
-          <a:xfrm>
-            <a:off x="607091" y="1298753"/>
-            <a:ext cx="1689542" cy="486333"/>
-          </a:xfrm>
-          <a:prstGeom prst="rect">
-            <a:avLst/>
-          </a:prstGeom>
-          <a:noFill/>
-          <a:ln>
-            <a:noFill/>
-          </a:ln>
-        </p:spPr>
-        <p:txBody>
-          <a:bodyPr spcFirstLastPara="1" wrap="square" lIns="91425" tIns="91425" rIns="91425" bIns="91425" anchor="b" anchorCtr="0">
-            <a:noAutofit/>
-          </a:bodyPr>
-          <a:lstStyle>
-            <a:defPPr marR="0" lvl="0" algn="l" rtl="0">
-              <a:lnSpc>
-                <a:spcPct val="100000"/>
-              </a:lnSpc>
-              <a:spcBef>
-                <a:spcPts val="0"/>
-              </a:spcBef>
-              <a:spcAft>
-                <a:spcPts val="0"/>
-              </a:spcAft>
-            </a:defPPr>
-            <a:lvl1pPr marR="0" lvl="0" algn="ctr" rtl="0">
-              <a:lnSpc>
-                <a:spcPct val="100000"/>
-              </a:lnSpc>
-              <a:spcBef>
-                <a:spcPts val="0"/>
-              </a:spcBef>
-              <a:spcAft>
-                <a:spcPts val="0"/>
-              </a:spcAft>
-              <a:buClr>
-                <a:schemeClr val="dk1"/>
-              </a:buClr>
-              <a:buSzPts val="3000"/>
-              <a:buFont typeface="Varela Round"/>
-              <a:buNone/>
-              <a:defRPr sz="3000" b="1" i="0" u="none" strike="noStrike" cap="none">
-                <a:solidFill>
-                  <a:schemeClr val="dk1"/>
-                </a:solidFill>
-                <a:latin typeface="Varela Round"/>
-                <a:ea typeface="Varela Round"/>
-                <a:cs typeface="Varela Round"/>
-                <a:sym typeface="Varela Round"/>
-              </a:defRPr>
-            </a:lvl1pPr>
-            <a:lvl2pPr marR="0" lvl="1" algn="l" rtl="0">
-              <a:lnSpc>
-                <a:spcPct val="100000"/>
-              </a:lnSpc>
-              <a:spcBef>
-                <a:spcPts val="0"/>
-              </a:spcBef>
-              <a:spcAft>
-                <a:spcPts val="0"/>
-              </a:spcAft>
-              <a:buClr>
-                <a:schemeClr val="dk1"/>
-              </a:buClr>
-              <a:buSzPts val="3000"/>
-              <a:buFont typeface="Bebas Neue"/>
-              <a:buNone/>
-              <a:defRPr sz="3000" b="0" i="0" u="none" strike="noStrike" cap="none">
-                <a:solidFill>
-                  <a:schemeClr val="dk1"/>
-                </a:solidFill>
-                <a:latin typeface="Bebas Neue"/>
-                <a:ea typeface="Bebas Neue"/>
-                <a:cs typeface="Bebas Neue"/>
-                <a:sym typeface="Bebas Neue"/>
-              </a:defRPr>
-            </a:lvl2pPr>
-            <a:lvl3pPr marR="0" lvl="2" algn="l" rtl="0">
-              <a:lnSpc>
-                <a:spcPct val="100000"/>
-              </a:lnSpc>
-              <a:spcBef>
-                <a:spcPts val="0"/>
-              </a:spcBef>
-              <a:spcAft>
-                <a:spcPts val="0"/>
-              </a:spcAft>
-              <a:buClr>
-                <a:schemeClr val="dk1"/>
-              </a:buClr>
-              <a:buSzPts val="3000"/>
-              <a:buFont typeface="Bebas Neue"/>
-              <a:buNone/>
-              <a:defRPr sz="3000" b="0" i="0" u="none" strike="noStrike" cap="none">
-                <a:solidFill>
-                  <a:schemeClr val="dk1"/>
-                </a:solidFill>
-                <a:latin typeface="Bebas Neue"/>
-                <a:ea typeface="Bebas Neue"/>
-                <a:cs typeface="Bebas Neue"/>
-                <a:sym typeface="Bebas Neue"/>
-              </a:defRPr>
-            </a:lvl3pPr>
-            <a:lvl4pPr marR="0" lvl="3" algn="l" rtl="0">
-              <a:lnSpc>
-                <a:spcPct val="100000"/>
-              </a:lnSpc>
-              <a:spcBef>
-                <a:spcPts val="0"/>
-              </a:spcBef>
-              <a:spcAft>
-                <a:spcPts val="0"/>
-              </a:spcAft>
-              <a:buClr>
-                <a:schemeClr val="dk1"/>
-              </a:buClr>
-              <a:buSzPts val="3000"/>
-              <a:buFont typeface="Bebas Neue"/>
-              <a:buNone/>
-              <a:defRPr sz="3000" b="0" i="0" u="none" strike="noStrike" cap="none">
-                <a:solidFill>
-                  <a:schemeClr val="dk1"/>
-                </a:solidFill>
-                <a:latin typeface="Bebas Neue"/>
-                <a:ea typeface="Bebas Neue"/>
-                <a:cs typeface="Bebas Neue"/>
-                <a:sym typeface="Bebas Neue"/>
-              </a:defRPr>
-            </a:lvl4pPr>
-            <a:lvl5pPr marR="0" lvl="4" algn="l" rtl="0">
-              <a:lnSpc>
-                <a:spcPct val="100000"/>
-              </a:lnSpc>
-              <a:spcBef>
-                <a:spcPts val="0"/>
-              </a:spcBef>
-              <a:spcAft>
-                <a:spcPts val="0"/>
-              </a:spcAft>
-              <a:buClr>
-                <a:schemeClr val="dk1"/>
-              </a:buClr>
-              <a:buSzPts val="3000"/>
-              <a:buFont typeface="Bebas Neue"/>
-              <a:buNone/>
-              <a:defRPr sz="3000" b="0" i="0" u="none" strike="noStrike" cap="none">
-                <a:solidFill>
-                  <a:schemeClr val="dk1"/>
-                </a:solidFill>
-                <a:latin typeface="Bebas Neue"/>
-                <a:ea typeface="Bebas Neue"/>
-                <a:cs typeface="Bebas Neue"/>
-                <a:sym typeface="Bebas Neue"/>
-              </a:defRPr>
-            </a:lvl5pPr>
-            <a:lvl6pPr marR="0" lvl="5" algn="l" rtl="0">
-              <a:lnSpc>
-                <a:spcPct val="100000"/>
-              </a:lnSpc>
-              <a:spcBef>
-                <a:spcPts val="0"/>
-              </a:spcBef>
-              <a:spcAft>
-                <a:spcPts val="0"/>
-              </a:spcAft>
-              <a:buClr>
-                <a:schemeClr val="dk1"/>
-              </a:buClr>
-              <a:buSzPts val="3000"/>
-              <a:buFont typeface="Bebas Neue"/>
-              <a:buNone/>
-              <a:defRPr sz="3000" b="0" i="0" u="none" strike="noStrike" cap="none">
-                <a:solidFill>
-                  <a:schemeClr val="dk1"/>
-                </a:solidFill>
-                <a:latin typeface="Bebas Neue"/>
-                <a:ea typeface="Bebas Neue"/>
-                <a:cs typeface="Bebas Neue"/>
-                <a:sym typeface="Bebas Neue"/>
-              </a:defRPr>
-            </a:lvl6pPr>
-            <a:lvl7pPr marR="0" lvl="6" algn="l" rtl="0">
-              <a:lnSpc>
-                <a:spcPct val="100000"/>
-              </a:lnSpc>
-              <a:spcBef>
-                <a:spcPts val="0"/>
-              </a:spcBef>
-              <a:spcAft>
-                <a:spcPts val="0"/>
-              </a:spcAft>
-              <a:buClr>
-                <a:schemeClr val="dk1"/>
-              </a:buClr>
-              <a:buSzPts val="3000"/>
-              <a:buFont typeface="Bebas Neue"/>
-              <a:buNone/>
-              <a:defRPr sz="3000" b="0" i="0" u="none" strike="noStrike" cap="none">
-                <a:solidFill>
-                  <a:schemeClr val="dk1"/>
-                </a:solidFill>
-                <a:latin typeface="Bebas Neue"/>
-                <a:ea typeface="Bebas Neue"/>
-                <a:cs typeface="Bebas Neue"/>
-                <a:sym typeface="Bebas Neue"/>
-              </a:defRPr>
-            </a:lvl7pPr>
-            <a:lvl8pPr marR="0" lvl="7" algn="l" rtl="0">
-              <a:lnSpc>
-                <a:spcPct val="100000"/>
-              </a:lnSpc>
-              <a:spcBef>
-                <a:spcPts val="0"/>
-              </a:spcBef>
-              <a:spcAft>
-                <a:spcPts val="0"/>
-              </a:spcAft>
-              <a:buClr>
-                <a:schemeClr val="dk1"/>
-              </a:buClr>
-              <a:buSzPts val="3000"/>
-              <a:buFont typeface="Bebas Neue"/>
-              <a:buNone/>
-              <a:defRPr sz="3000" b="0" i="0" u="none" strike="noStrike" cap="none">
-                <a:solidFill>
-                  <a:schemeClr val="dk1"/>
-                </a:solidFill>
-                <a:latin typeface="Bebas Neue"/>
-                <a:ea typeface="Bebas Neue"/>
-                <a:cs typeface="Bebas Neue"/>
-                <a:sym typeface="Bebas Neue"/>
-              </a:defRPr>
-            </a:lvl8pPr>
-            <a:lvl9pPr marR="0" lvl="8" algn="l" rtl="0">
-              <a:lnSpc>
-                <a:spcPct val="100000"/>
-              </a:lnSpc>
-              <a:spcBef>
-                <a:spcPts val="0"/>
-              </a:spcBef>
-              <a:spcAft>
-                <a:spcPts val="0"/>
-              </a:spcAft>
-              <a:buClr>
-                <a:schemeClr val="dk1"/>
-              </a:buClr>
-              <a:buSzPts val="3000"/>
-              <a:buFont typeface="Bebas Neue"/>
-              <a:buNone/>
-              <a:defRPr sz="3000" b="0" i="0" u="none" strike="noStrike" cap="none">
-                <a:solidFill>
-                  <a:schemeClr val="dk1"/>
-                </a:solidFill>
-                <a:latin typeface="Bebas Neue"/>
-                <a:ea typeface="Bebas Neue"/>
-                <a:cs typeface="Bebas Neue"/>
-                <a:sym typeface="Bebas Neue"/>
-              </a:defRPr>
-            </a:lvl9pPr>
-          </a:lstStyle>
-          <a:p>
-            <a:r>
-              <a:rPr lang="fr-FR" sz="1400" dirty="0"/>
-              <a:t>HEXBIN</a:t>
-            </a:r>
-          </a:p>
-        </p:txBody>
-      </p:sp>
-      <p:sp>
-        <p:nvSpPr>
-          <p:cNvPr id="2" name="Google Shape;621;p42">
-            <a:extLst>
-              <a:ext uri="{FF2B5EF4-FFF2-40B4-BE49-F238E27FC236}">
-                <a16:creationId xmlns:a16="http://schemas.microsoft.com/office/drawing/2014/main" id="{B25BA44B-7585-E0C5-9332-A2826F7649FF}"/>
-              </a:ext>
-            </a:extLst>
-          </p:cNvPr>
-          <p:cNvSpPr txBox="1"/>
-          <p:nvPr/>
-        </p:nvSpPr>
-        <p:spPr>
-          <a:xfrm>
-            <a:off x="2320666" y="1318437"/>
-            <a:ext cx="6823334" cy="519569"/>
-          </a:xfrm>
-          <a:prstGeom prst="rect">
-            <a:avLst/>
-          </a:prstGeom>
-          <a:noFill/>
-          <a:ln>
-            <a:noFill/>
-          </a:ln>
-        </p:spPr>
-        <p:txBody>
-          <a:bodyPr spcFirstLastPara="1" wrap="square" lIns="91425" tIns="91425" rIns="91425" bIns="91425" anchor="ctr" anchorCtr="0">
-            <a:noAutofit/>
-          </a:bodyPr>
-          <a:lstStyle/>
-          <a:p>
-            <a:pPr marL="285750" lvl="2" indent="-285750">
-              <a:buFont typeface="Arial" panose="020B0604020202020204" pitchFamily="34" charset="0"/>
-              <a:buChar char="•"/>
-            </a:pPr>
-            <a:r>
-              <a:rPr lang="fr-FR" b="1" dirty="0">
-                <a:solidFill>
-                  <a:schemeClr val="dk2"/>
-                </a:solidFill>
-                <a:latin typeface="Lato"/>
-                <a:ea typeface="Lato"/>
-                <a:cs typeface="Lato"/>
-                <a:sym typeface="Lato"/>
-              </a:rPr>
-              <a:t>Offre une alternative visuelle avec des bines hexagonaux pour explorer la relation entre deux variables.</a:t>
-            </a:r>
-            <a:endParaRPr lang="en-US" b="1" dirty="0">
-              <a:solidFill>
-                <a:schemeClr val="dk2"/>
-              </a:solidFill>
-              <a:latin typeface="Lato"/>
-              <a:ea typeface="Lato"/>
-              <a:cs typeface="Lato"/>
-              <a:sym typeface="Lato"/>
-            </a:endParaRPr>
-          </a:p>
-        </p:txBody>
-      </p:sp>
-      <p:pic>
-        <p:nvPicPr>
-          <p:cNvPr id="5" name="Image 4">
-            <a:extLst>
-              <a:ext uri="{FF2B5EF4-FFF2-40B4-BE49-F238E27FC236}">
-                <a16:creationId xmlns:a16="http://schemas.microsoft.com/office/drawing/2014/main" id="{D277C2C1-47D2-DDAF-A4DA-756E20936883}"/>
-              </a:ext>
-            </a:extLst>
-          </p:cNvPr>
-          <p:cNvPicPr>
-            <a:picLocks noChangeAspect="1"/>
-          </p:cNvPicPr>
-          <p:nvPr/>
-        </p:nvPicPr>
-        <p:blipFill>
-          <a:blip r:embed="rId3"/>
-          <a:stretch>
-            <a:fillRect/>
-          </a:stretch>
-        </p:blipFill>
-        <p:spPr>
-          <a:xfrm>
-            <a:off x="2727250" y="1920412"/>
-            <a:ext cx="3689498" cy="2767124"/>
-          </a:xfrm>
-          <a:prstGeom prst="rect">
-            <a:avLst/>
-          </a:prstGeom>
-        </p:spPr>
-      </p:pic>
-    </p:spTree>
-    <p:extLst>
-      <p:ext uri="{BB962C8B-B14F-4D97-AF65-F5344CB8AC3E}">
-        <p14:creationId xmlns:p14="http://schemas.microsoft.com/office/powerpoint/2010/main" val="2819826588"/>
-      </p:ext>
-    </p:extLst>
-  </p:cSld>
-  <p:clrMapOvr>
-    <a:masterClrMapping/>
-  </p:clrMapOvr>
-</p:sld>
-</file>
-
-<file path=ppt/slides/slide49.xml><?xml version="1.0" encoding="utf-8"?>
-<p:sld xmlns:a="http://schemas.openxmlformats.org/drawingml/2006/main" xmlns:r="http://schemas.openxmlformats.org/officeDocument/2006/relationships" xmlns:p="http://schemas.openxmlformats.org/presentationml/2006/main">
-  <p:cSld>
-    <p:spTree>
-      <p:nvGrpSpPr>
-        <p:cNvPr id="1" name="Shape 945"/>
-        <p:cNvGrpSpPr/>
-        <p:nvPr/>
-      </p:nvGrpSpPr>
-      <p:grpSpPr>
-        <a:xfrm>
-          <a:off x="0" y="0"/>
-          <a:ext cx="0" cy="0"/>
-          <a:chOff x="0" y="0"/>
-          <a:chExt cx="0" cy="0"/>
-        </a:xfrm>
-      </p:grpSpPr>
-      <p:sp>
-        <p:nvSpPr>
-          <p:cNvPr id="7" name="Google Shape;946;p54">
-            <a:extLst>
-              <a:ext uri="{FF2B5EF4-FFF2-40B4-BE49-F238E27FC236}">
-                <a16:creationId xmlns:a16="http://schemas.microsoft.com/office/drawing/2014/main" id="{32FCF576-D072-76B0-16AF-46AF98856AB8}"/>
-              </a:ext>
-            </a:extLst>
-          </p:cNvPr>
-          <p:cNvSpPr/>
-          <p:nvPr/>
-        </p:nvSpPr>
-        <p:spPr>
-          <a:xfrm>
-            <a:off x="2833950" y="369574"/>
-            <a:ext cx="3476099" cy="735963"/>
-          </a:xfrm>
-          <a:prstGeom prst="roundRect">
-            <a:avLst>
-              <a:gd name="adj" fmla="val 6740"/>
-            </a:avLst>
-          </a:prstGeom>
-          <a:solidFill>
-            <a:schemeClr val="lt2"/>
-          </a:solidFill>
-          <a:ln w="28575" cap="flat" cmpd="sng">
-            <a:solidFill>
-              <a:schemeClr val="dk1"/>
-            </a:solidFill>
-            <a:prstDash val="solid"/>
-            <a:round/>
-            <a:headEnd type="none" w="sm" len="sm"/>
-            <a:tailEnd type="none" w="sm" len="sm"/>
-          </a:ln>
-          <a:effectLst>
-            <a:outerShdw dist="85725" dir="3960000" algn="bl" rotWithShape="0">
-              <a:schemeClr val="dk1"/>
-            </a:outerShdw>
-          </a:effectLst>
-        </p:spPr>
-        <p:txBody>
-          <a:bodyPr spcFirstLastPara="1" wrap="square" lIns="91425" tIns="91425" rIns="91425" bIns="91425" anchor="ctr" anchorCtr="0">
-            <a:noAutofit/>
-          </a:bodyPr>
-          <a:lstStyle/>
-          <a:p>
-            <a:pPr marL="0" lvl="0" indent="0" algn="l" rtl="0">
-              <a:spcBef>
-                <a:spcPts val="0"/>
-              </a:spcBef>
-              <a:spcAft>
-                <a:spcPts val="0"/>
-              </a:spcAft>
-              <a:buNone/>
-            </a:pPr>
-            <a:endParaRPr/>
-          </a:p>
-        </p:txBody>
-      </p:sp>
-      <p:sp>
-        <p:nvSpPr>
-          <p:cNvPr id="8" name="Google Shape;948;p54">
-            <a:extLst>
-              <a:ext uri="{FF2B5EF4-FFF2-40B4-BE49-F238E27FC236}">
-                <a16:creationId xmlns:a16="http://schemas.microsoft.com/office/drawing/2014/main" id="{84C74B68-B822-7701-D63F-0AA4D63644E2}"/>
-              </a:ext>
-            </a:extLst>
-          </p:cNvPr>
-          <p:cNvSpPr txBox="1">
-            <a:spLocks/>
-          </p:cNvSpPr>
-          <p:nvPr/>
-        </p:nvSpPr>
-        <p:spPr>
-          <a:xfrm>
-            <a:off x="3042744" y="418539"/>
-            <a:ext cx="3058510" cy="816163"/>
-          </a:xfrm>
-          <a:prstGeom prst="rect">
-            <a:avLst/>
-          </a:prstGeom>
-          <a:noFill/>
-          <a:ln>
-            <a:noFill/>
-          </a:ln>
-        </p:spPr>
-        <p:txBody>
-          <a:bodyPr spcFirstLastPara="1" wrap="square" lIns="91425" tIns="91425" rIns="91425" bIns="91425" anchor="b" anchorCtr="0">
-            <a:noAutofit/>
-          </a:bodyPr>
-          <a:lstStyle>
-            <a:defPPr marR="0" lvl="0" algn="l" rtl="0">
-              <a:lnSpc>
-                <a:spcPct val="100000"/>
-              </a:lnSpc>
-              <a:spcBef>
-                <a:spcPts val="0"/>
-              </a:spcBef>
-              <a:spcAft>
-                <a:spcPts val="0"/>
-              </a:spcAft>
-            </a:defPPr>
-            <a:lvl1pPr marR="0" lvl="0" algn="ctr" rtl="0">
-              <a:lnSpc>
-                <a:spcPct val="100000"/>
-              </a:lnSpc>
-              <a:spcBef>
-                <a:spcPts val="0"/>
-              </a:spcBef>
-              <a:spcAft>
-                <a:spcPts val="0"/>
-              </a:spcAft>
-              <a:buClr>
-                <a:schemeClr val="dk1"/>
-              </a:buClr>
-              <a:buSzPts val="3000"/>
-              <a:buFont typeface="Varela Round"/>
-              <a:buNone/>
-              <a:defRPr sz="3000" b="1" i="0" u="none" strike="noStrike" cap="none">
-                <a:solidFill>
-                  <a:schemeClr val="dk1"/>
-                </a:solidFill>
-                <a:latin typeface="Varela Round"/>
-                <a:ea typeface="Varela Round"/>
-                <a:cs typeface="Varela Round"/>
-                <a:sym typeface="Varela Round"/>
-              </a:defRPr>
-            </a:lvl1pPr>
-            <a:lvl2pPr marR="0" lvl="1" algn="l" rtl="0">
-              <a:lnSpc>
-                <a:spcPct val="100000"/>
-              </a:lnSpc>
-              <a:spcBef>
-                <a:spcPts val="0"/>
-              </a:spcBef>
-              <a:spcAft>
-                <a:spcPts val="0"/>
-              </a:spcAft>
-              <a:buClr>
-                <a:schemeClr val="dk1"/>
-              </a:buClr>
-              <a:buSzPts val="3000"/>
-              <a:buFont typeface="Bebas Neue"/>
-              <a:buNone/>
-              <a:defRPr sz="3000" b="0" i="0" u="none" strike="noStrike" cap="none">
-                <a:solidFill>
-                  <a:schemeClr val="dk1"/>
-                </a:solidFill>
-                <a:latin typeface="Bebas Neue"/>
-                <a:ea typeface="Bebas Neue"/>
-                <a:cs typeface="Bebas Neue"/>
-                <a:sym typeface="Bebas Neue"/>
-              </a:defRPr>
-            </a:lvl2pPr>
-            <a:lvl3pPr marR="0" lvl="2" algn="l" rtl="0">
-              <a:lnSpc>
-                <a:spcPct val="100000"/>
-              </a:lnSpc>
-              <a:spcBef>
-                <a:spcPts val="0"/>
-              </a:spcBef>
-              <a:spcAft>
-                <a:spcPts val="0"/>
-              </a:spcAft>
-              <a:buClr>
-                <a:schemeClr val="dk1"/>
-              </a:buClr>
-              <a:buSzPts val="3000"/>
-              <a:buFont typeface="Bebas Neue"/>
-              <a:buNone/>
-              <a:defRPr sz="3000" b="0" i="0" u="none" strike="noStrike" cap="none">
-                <a:solidFill>
-                  <a:schemeClr val="dk1"/>
-                </a:solidFill>
-                <a:latin typeface="Bebas Neue"/>
-                <a:ea typeface="Bebas Neue"/>
-                <a:cs typeface="Bebas Neue"/>
-                <a:sym typeface="Bebas Neue"/>
-              </a:defRPr>
-            </a:lvl3pPr>
-            <a:lvl4pPr marR="0" lvl="3" algn="l" rtl="0">
-              <a:lnSpc>
-                <a:spcPct val="100000"/>
-              </a:lnSpc>
-              <a:spcBef>
-                <a:spcPts val="0"/>
-              </a:spcBef>
-              <a:spcAft>
-                <a:spcPts val="0"/>
-              </a:spcAft>
-              <a:buClr>
-                <a:schemeClr val="dk1"/>
-              </a:buClr>
-              <a:buSzPts val="3000"/>
-              <a:buFont typeface="Bebas Neue"/>
-              <a:buNone/>
-              <a:defRPr sz="3000" b="0" i="0" u="none" strike="noStrike" cap="none">
-                <a:solidFill>
-                  <a:schemeClr val="dk1"/>
-                </a:solidFill>
-                <a:latin typeface="Bebas Neue"/>
-                <a:ea typeface="Bebas Neue"/>
-                <a:cs typeface="Bebas Neue"/>
-                <a:sym typeface="Bebas Neue"/>
-              </a:defRPr>
-            </a:lvl4pPr>
-            <a:lvl5pPr marR="0" lvl="4" algn="l" rtl="0">
-              <a:lnSpc>
-                <a:spcPct val="100000"/>
-              </a:lnSpc>
-              <a:spcBef>
-                <a:spcPts val="0"/>
-              </a:spcBef>
-              <a:spcAft>
-                <a:spcPts val="0"/>
-              </a:spcAft>
-              <a:buClr>
-                <a:schemeClr val="dk1"/>
-              </a:buClr>
-              <a:buSzPts val="3000"/>
-              <a:buFont typeface="Bebas Neue"/>
-              <a:buNone/>
-              <a:defRPr sz="3000" b="0" i="0" u="none" strike="noStrike" cap="none">
-                <a:solidFill>
-                  <a:schemeClr val="dk1"/>
-                </a:solidFill>
-                <a:latin typeface="Bebas Neue"/>
-                <a:ea typeface="Bebas Neue"/>
-                <a:cs typeface="Bebas Neue"/>
-                <a:sym typeface="Bebas Neue"/>
-              </a:defRPr>
-            </a:lvl5pPr>
-            <a:lvl6pPr marR="0" lvl="5" algn="l" rtl="0">
-              <a:lnSpc>
-                <a:spcPct val="100000"/>
-              </a:lnSpc>
-              <a:spcBef>
-                <a:spcPts val="0"/>
-              </a:spcBef>
-              <a:spcAft>
-                <a:spcPts val="0"/>
-              </a:spcAft>
-              <a:buClr>
-                <a:schemeClr val="dk1"/>
-              </a:buClr>
-              <a:buSzPts val="3000"/>
-              <a:buFont typeface="Bebas Neue"/>
-              <a:buNone/>
-              <a:defRPr sz="3000" b="0" i="0" u="none" strike="noStrike" cap="none">
-                <a:solidFill>
-                  <a:schemeClr val="dk1"/>
-                </a:solidFill>
-                <a:latin typeface="Bebas Neue"/>
-                <a:ea typeface="Bebas Neue"/>
-                <a:cs typeface="Bebas Neue"/>
-                <a:sym typeface="Bebas Neue"/>
-              </a:defRPr>
-            </a:lvl6pPr>
-            <a:lvl7pPr marR="0" lvl="6" algn="l" rtl="0">
-              <a:lnSpc>
-                <a:spcPct val="100000"/>
-              </a:lnSpc>
-              <a:spcBef>
-                <a:spcPts val="0"/>
-              </a:spcBef>
-              <a:spcAft>
-                <a:spcPts val="0"/>
-              </a:spcAft>
-              <a:buClr>
-                <a:schemeClr val="dk1"/>
-              </a:buClr>
-              <a:buSzPts val="3000"/>
-              <a:buFont typeface="Bebas Neue"/>
-              <a:buNone/>
-              <a:defRPr sz="3000" b="0" i="0" u="none" strike="noStrike" cap="none">
-                <a:solidFill>
-                  <a:schemeClr val="dk1"/>
-                </a:solidFill>
-                <a:latin typeface="Bebas Neue"/>
-                <a:ea typeface="Bebas Neue"/>
-                <a:cs typeface="Bebas Neue"/>
-                <a:sym typeface="Bebas Neue"/>
-              </a:defRPr>
-            </a:lvl7pPr>
-            <a:lvl8pPr marR="0" lvl="7" algn="l" rtl="0">
-              <a:lnSpc>
-                <a:spcPct val="100000"/>
-              </a:lnSpc>
-              <a:spcBef>
-                <a:spcPts val="0"/>
-              </a:spcBef>
-              <a:spcAft>
-                <a:spcPts val="0"/>
-              </a:spcAft>
-              <a:buClr>
-                <a:schemeClr val="dk1"/>
-              </a:buClr>
-              <a:buSzPts val="3000"/>
-              <a:buFont typeface="Bebas Neue"/>
-              <a:buNone/>
-              <a:defRPr sz="3000" b="0" i="0" u="none" strike="noStrike" cap="none">
-                <a:solidFill>
-                  <a:schemeClr val="dk1"/>
-                </a:solidFill>
-                <a:latin typeface="Bebas Neue"/>
-                <a:ea typeface="Bebas Neue"/>
-                <a:cs typeface="Bebas Neue"/>
-                <a:sym typeface="Bebas Neue"/>
-              </a:defRPr>
-            </a:lvl8pPr>
-            <a:lvl9pPr marR="0" lvl="8" algn="l" rtl="0">
-              <a:lnSpc>
-                <a:spcPct val="100000"/>
-              </a:lnSpc>
-              <a:spcBef>
-                <a:spcPts val="0"/>
-              </a:spcBef>
-              <a:spcAft>
-                <a:spcPts val="0"/>
-              </a:spcAft>
-              <a:buClr>
-                <a:schemeClr val="dk1"/>
-              </a:buClr>
-              <a:buSzPts val="3000"/>
-              <a:buFont typeface="Bebas Neue"/>
-              <a:buNone/>
-              <a:defRPr sz="3000" b="0" i="0" u="none" strike="noStrike" cap="none">
-                <a:solidFill>
-                  <a:schemeClr val="dk1"/>
-                </a:solidFill>
-                <a:latin typeface="Bebas Neue"/>
-                <a:ea typeface="Bebas Neue"/>
-                <a:cs typeface="Bebas Neue"/>
-                <a:sym typeface="Bebas Neue"/>
-              </a:defRPr>
-            </a:lvl9pPr>
-          </a:lstStyle>
-          <a:p>
-            <a:r>
-              <a:rPr lang="fr-FR" sz="2400" b="1" i="0" dirty="0">
-                <a:effectLst/>
-                <a:latin typeface="Söhne"/>
-              </a:rPr>
-              <a:t>Types de Graphiques Disponibles</a:t>
-            </a:r>
-            <a:endParaRPr lang="fr-FR" sz="2400" dirty="0"/>
-          </a:p>
-        </p:txBody>
-      </p:sp>
-      <p:sp>
-        <p:nvSpPr>
-          <p:cNvPr id="3" name="Google Shape;946;p54">
-            <a:extLst>
-              <a:ext uri="{FF2B5EF4-FFF2-40B4-BE49-F238E27FC236}">
-                <a16:creationId xmlns:a16="http://schemas.microsoft.com/office/drawing/2014/main" id="{63E33E90-6FF6-DC6E-DC6C-6E86948BB43E}"/>
-              </a:ext>
-            </a:extLst>
-          </p:cNvPr>
-          <p:cNvSpPr/>
-          <p:nvPr/>
-        </p:nvSpPr>
-        <p:spPr>
-          <a:xfrm>
-            <a:off x="748084" y="1318437"/>
             <a:ext cx="1426496" cy="419918"/>
           </a:xfrm>
           <a:prstGeom prst="roundRect">
@@ -48930,577 +46161,7 @@
 </p:sld>
 </file>
 
-<file path=ppt/slides/slide5.xml><?xml version="1.0" encoding="utf-8"?>
-<p:sld xmlns:a="http://schemas.openxmlformats.org/drawingml/2006/main" xmlns:r="http://schemas.openxmlformats.org/officeDocument/2006/relationships" xmlns:p="http://schemas.openxmlformats.org/presentationml/2006/main">
-  <p:cSld>
-    <p:spTree>
-      <p:nvGrpSpPr>
-        <p:cNvPr id="1" name="Shape 945"/>
-        <p:cNvGrpSpPr/>
-        <p:nvPr/>
-      </p:nvGrpSpPr>
-      <p:grpSpPr>
-        <a:xfrm>
-          <a:off x="0" y="0"/>
-          <a:ext cx="0" cy="0"/>
-          <a:chOff x="0" y="0"/>
-          <a:chExt cx="0" cy="0"/>
-        </a:xfrm>
-      </p:grpSpPr>
-      <p:sp>
-        <p:nvSpPr>
-          <p:cNvPr id="946" name="Google Shape;946;p54"/>
-          <p:cNvSpPr/>
-          <p:nvPr/>
-        </p:nvSpPr>
-        <p:spPr>
-          <a:xfrm>
-            <a:off x="1478425" y="1113940"/>
-            <a:ext cx="1671900" cy="441000"/>
-          </a:xfrm>
-          <a:prstGeom prst="roundRect">
-            <a:avLst>
-              <a:gd name="adj" fmla="val 6740"/>
-            </a:avLst>
-          </a:prstGeom>
-          <a:solidFill>
-            <a:schemeClr val="lt2"/>
-          </a:solidFill>
-          <a:ln w="28575" cap="flat" cmpd="sng">
-            <a:solidFill>
-              <a:schemeClr val="dk1"/>
-            </a:solidFill>
-            <a:prstDash val="solid"/>
-            <a:round/>
-            <a:headEnd type="none" w="sm" len="sm"/>
-            <a:tailEnd type="none" w="sm" len="sm"/>
-          </a:ln>
-          <a:effectLst>
-            <a:outerShdw dist="85725" dir="3960000" algn="bl" rotWithShape="0">
-              <a:schemeClr val="dk1"/>
-            </a:outerShdw>
-          </a:effectLst>
-        </p:spPr>
-        <p:txBody>
-          <a:bodyPr spcFirstLastPara="1" wrap="square" lIns="91425" tIns="91425" rIns="91425" bIns="91425" anchor="ctr" anchorCtr="0">
-            <a:noAutofit/>
-          </a:bodyPr>
-          <a:lstStyle/>
-          <a:p>
-            <a:pPr marL="0" lvl="0" indent="0" algn="l" rtl="0">
-              <a:spcBef>
-                <a:spcPts val="0"/>
-              </a:spcBef>
-              <a:spcAft>
-                <a:spcPts val="0"/>
-              </a:spcAft>
-              <a:buNone/>
-            </a:pPr>
-            <a:endParaRPr/>
-          </a:p>
-        </p:txBody>
-      </p:sp>
-      <p:sp>
-        <p:nvSpPr>
-          <p:cNvPr id="947" name="Google Shape;947;p54"/>
-          <p:cNvSpPr txBox="1">
-            <a:spLocks noGrp="1"/>
-          </p:cNvSpPr>
-          <p:nvPr>
-            <p:ph type="body" idx="1"/>
-          </p:nvPr>
-        </p:nvSpPr>
-        <p:spPr>
-          <a:xfrm>
-            <a:off x="1746883" y="1368825"/>
-            <a:ext cx="6549391" cy="2466600"/>
-          </a:xfrm>
-          <a:prstGeom prst="rect">
-            <a:avLst/>
-          </a:prstGeom>
-        </p:spPr>
-        <p:txBody>
-          <a:bodyPr spcFirstLastPara="1" wrap="square" lIns="91425" tIns="182875" rIns="0" bIns="91425" anchor="t" anchorCtr="0">
-            <a:noAutofit/>
-          </a:bodyPr>
-          <a:lstStyle/>
-          <a:p>
-            <a:pPr marL="0" lvl="0" indent="0" algn="l" rtl="0">
-              <a:lnSpc>
-                <a:spcPct val="100000"/>
-              </a:lnSpc>
-              <a:spcBef>
-                <a:spcPts val="0"/>
-              </a:spcBef>
-              <a:spcAft>
-                <a:spcPts val="0"/>
-              </a:spcAft>
-              <a:buNone/>
-            </a:pPr>
-            <a:endParaRPr sz="1800" b="1" dirty="0">
-              <a:solidFill>
-                <a:schemeClr val="dk1"/>
-              </a:solidFill>
-              <a:latin typeface="Varela Round"/>
-              <a:ea typeface="Varela Round"/>
-              <a:cs typeface="Varela Round"/>
-              <a:sym typeface="Varela Round"/>
-            </a:endParaRPr>
-          </a:p>
-          <a:p>
-            <a:pPr marL="457200" lvl="0" indent="-317500" algn="l" rtl="0">
-              <a:lnSpc>
-                <a:spcPct val="150000"/>
-              </a:lnSpc>
-              <a:spcBef>
-                <a:spcPts val="0"/>
-              </a:spcBef>
-              <a:spcAft>
-                <a:spcPts val="0"/>
-              </a:spcAft>
-              <a:buSzPts val="1400"/>
-              <a:buChar char="●"/>
-            </a:pPr>
-            <a:r>
-              <a:rPr lang="fr-FR" sz="1800" dirty="0">
-                <a:solidFill>
-                  <a:schemeClr val="hlink"/>
-                </a:solidFill>
-                <a:uFill>
-                  <a:noFill/>
-                </a:uFill>
-              </a:rPr>
-              <a:t>Librairie Python pour la manipulation de données.</a:t>
-            </a:r>
-          </a:p>
-          <a:p>
-            <a:pPr marL="457200" lvl="0" indent="-317500" algn="l" rtl="0">
-              <a:lnSpc>
-                <a:spcPct val="150000"/>
-              </a:lnSpc>
-              <a:spcBef>
-                <a:spcPts val="0"/>
-              </a:spcBef>
-              <a:spcAft>
-                <a:spcPts val="0"/>
-              </a:spcAft>
-              <a:buSzPts val="1400"/>
-              <a:buChar char="●"/>
-            </a:pPr>
-            <a:r>
-              <a:rPr lang="fr-FR" sz="1800" dirty="0">
-                <a:solidFill>
-                  <a:schemeClr val="hlink"/>
-                </a:solidFill>
-                <a:uFill>
-                  <a:noFill/>
-                </a:uFill>
-              </a:rPr>
-              <a:t>Basée sur </a:t>
-            </a:r>
-            <a:r>
-              <a:rPr lang="fr-FR" sz="1800" dirty="0" err="1">
-                <a:solidFill>
-                  <a:schemeClr val="hlink"/>
-                </a:solidFill>
-                <a:uFill>
-                  <a:noFill/>
-                </a:uFill>
-              </a:rPr>
-              <a:t>NumPy</a:t>
-            </a:r>
-            <a:r>
-              <a:rPr lang="fr-FR" sz="1800" dirty="0">
-                <a:solidFill>
-                  <a:schemeClr val="hlink"/>
-                </a:solidFill>
-                <a:uFill>
-                  <a:noFill/>
-                </a:uFill>
-              </a:rPr>
-              <a:t> pour des fonctionnalités de calcul scientifique.</a:t>
-            </a:r>
-          </a:p>
-          <a:p>
-            <a:pPr marL="457200" lvl="0" indent="-317500" algn="l" rtl="0">
-              <a:lnSpc>
-                <a:spcPct val="150000"/>
-              </a:lnSpc>
-              <a:spcBef>
-                <a:spcPts val="0"/>
-              </a:spcBef>
-              <a:spcAft>
-                <a:spcPts val="0"/>
-              </a:spcAft>
-              <a:buSzPts val="1400"/>
-              <a:buChar char="●"/>
-            </a:pPr>
-            <a:r>
-              <a:rPr lang="fr-FR" sz="1800" dirty="0"/>
-              <a:t>Utilise le concept de </a:t>
-            </a:r>
-            <a:r>
-              <a:rPr lang="fr-FR" sz="1800" dirty="0" err="1"/>
-              <a:t>DataFrame</a:t>
-            </a:r>
-            <a:r>
-              <a:rPr lang="fr-FR" sz="1800" dirty="0"/>
-              <a:t> (structure de données en deux dimensions).</a:t>
-            </a:r>
-          </a:p>
-        </p:txBody>
-      </p:sp>
-      <p:sp>
-        <p:nvSpPr>
-          <p:cNvPr id="948" name="Google Shape;948;p54"/>
-          <p:cNvSpPr txBox="1">
-            <a:spLocks noGrp="1"/>
-          </p:cNvSpPr>
-          <p:nvPr>
-            <p:ph type="title"/>
-          </p:nvPr>
-        </p:nvSpPr>
-        <p:spPr>
-          <a:xfrm>
-            <a:off x="720025" y="529923"/>
-            <a:ext cx="7704000" cy="484800"/>
-          </a:xfrm>
-          <a:prstGeom prst="rect">
-            <a:avLst/>
-          </a:prstGeom>
-        </p:spPr>
-        <p:txBody>
-          <a:bodyPr spcFirstLastPara="1" wrap="square" lIns="91425" tIns="91425" rIns="91425" bIns="91425" anchor="b" anchorCtr="0">
-            <a:noAutofit/>
-          </a:bodyPr>
-          <a:lstStyle/>
-          <a:p>
-            <a:pPr marL="0" lvl="0" indent="0" algn="ctr" rtl="0">
-              <a:spcBef>
-                <a:spcPts val="0"/>
-              </a:spcBef>
-              <a:spcAft>
-                <a:spcPts val="0"/>
-              </a:spcAft>
-              <a:buNone/>
-            </a:pPr>
-            <a:r>
-              <a:rPr lang="fr-FR" b="0" i="0" dirty="0">
-                <a:solidFill>
-                  <a:srgbClr val="374151"/>
-                </a:solidFill>
-                <a:effectLst/>
-                <a:latin typeface="Söhne"/>
-              </a:rPr>
-              <a:t>Qu'est-ce que Pandas ?</a:t>
-            </a:r>
-            <a:endParaRPr dirty="0"/>
-          </a:p>
-        </p:txBody>
-      </p:sp>
-      <p:sp>
-        <p:nvSpPr>
-          <p:cNvPr id="2" name="Google Shape;948;p54">
-            <a:extLst>
-              <a:ext uri="{FF2B5EF4-FFF2-40B4-BE49-F238E27FC236}">
-                <a16:creationId xmlns:a16="http://schemas.microsoft.com/office/drawing/2014/main" id="{A21C1093-C878-9031-95BD-E421ACB8FF81}"/>
-              </a:ext>
-            </a:extLst>
-          </p:cNvPr>
-          <p:cNvSpPr txBox="1">
-            <a:spLocks/>
-          </p:cNvSpPr>
-          <p:nvPr/>
-        </p:nvSpPr>
-        <p:spPr>
-          <a:xfrm>
-            <a:off x="1746884" y="1081308"/>
-            <a:ext cx="1998365" cy="484800"/>
-          </a:xfrm>
-          <a:prstGeom prst="rect">
-            <a:avLst/>
-          </a:prstGeom>
-          <a:noFill/>
-          <a:ln>
-            <a:noFill/>
-          </a:ln>
-        </p:spPr>
-        <p:txBody>
-          <a:bodyPr spcFirstLastPara="1" wrap="square" lIns="91425" tIns="91425" rIns="91425" bIns="91425" anchor="b" anchorCtr="0">
-            <a:noAutofit/>
-          </a:bodyPr>
-          <a:lstStyle>
-            <a:defPPr marR="0" lvl="0" algn="l" rtl="0">
-              <a:lnSpc>
-                <a:spcPct val="100000"/>
-              </a:lnSpc>
-              <a:spcBef>
-                <a:spcPts val="0"/>
-              </a:spcBef>
-              <a:spcAft>
-                <a:spcPts val="0"/>
-              </a:spcAft>
-            </a:defPPr>
-            <a:lvl1pPr marR="0" lvl="0" algn="ctr" rtl="0">
-              <a:lnSpc>
-                <a:spcPct val="100000"/>
-              </a:lnSpc>
-              <a:spcBef>
-                <a:spcPts val="0"/>
-              </a:spcBef>
-              <a:spcAft>
-                <a:spcPts val="0"/>
-              </a:spcAft>
-              <a:buClr>
-                <a:schemeClr val="dk1"/>
-              </a:buClr>
-              <a:buSzPts val="3000"/>
-              <a:buFont typeface="Varela Round"/>
-              <a:buNone/>
-              <a:defRPr sz="3000" b="1" i="0" u="none" strike="noStrike" cap="none">
-                <a:solidFill>
-                  <a:schemeClr val="dk1"/>
-                </a:solidFill>
-                <a:latin typeface="Varela Round"/>
-                <a:ea typeface="Varela Round"/>
-                <a:cs typeface="Varela Round"/>
-                <a:sym typeface="Varela Round"/>
-              </a:defRPr>
-            </a:lvl1pPr>
-            <a:lvl2pPr marR="0" lvl="1" algn="l" rtl="0">
-              <a:lnSpc>
-                <a:spcPct val="100000"/>
-              </a:lnSpc>
-              <a:spcBef>
-                <a:spcPts val="0"/>
-              </a:spcBef>
-              <a:spcAft>
-                <a:spcPts val="0"/>
-              </a:spcAft>
-              <a:buClr>
-                <a:schemeClr val="dk1"/>
-              </a:buClr>
-              <a:buSzPts val="3000"/>
-              <a:buFont typeface="Bebas Neue"/>
-              <a:buNone/>
-              <a:defRPr sz="3000" b="0" i="0" u="none" strike="noStrike" cap="none">
-                <a:solidFill>
-                  <a:schemeClr val="dk1"/>
-                </a:solidFill>
-                <a:latin typeface="Bebas Neue"/>
-                <a:ea typeface="Bebas Neue"/>
-                <a:cs typeface="Bebas Neue"/>
-                <a:sym typeface="Bebas Neue"/>
-              </a:defRPr>
-            </a:lvl2pPr>
-            <a:lvl3pPr marR="0" lvl="2" algn="l" rtl="0">
-              <a:lnSpc>
-                <a:spcPct val="100000"/>
-              </a:lnSpc>
-              <a:spcBef>
-                <a:spcPts val="0"/>
-              </a:spcBef>
-              <a:spcAft>
-                <a:spcPts val="0"/>
-              </a:spcAft>
-              <a:buClr>
-                <a:schemeClr val="dk1"/>
-              </a:buClr>
-              <a:buSzPts val="3000"/>
-              <a:buFont typeface="Bebas Neue"/>
-              <a:buNone/>
-              <a:defRPr sz="3000" b="0" i="0" u="none" strike="noStrike" cap="none">
-                <a:solidFill>
-                  <a:schemeClr val="dk1"/>
-                </a:solidFill>
-                <a:latin typeface="Bebas Neue"/>
-                <a:ea typeface="Bebas Neue"/>
-                <a:cs typeface="Bebas Neue"/>
-                <a:sym typeface="Bebas Neue"/>
-              </a:defRPr>
-            </a:lvl3pPr>
-            <a:lvl4pPr marR="0" lvl="3" algn="l" rtl="0">
-              <a:lnSpc>
-                <a:spcPct val="100000"/>
-              </a:lnSpc>
-              <a:spcBef>
-                <a:spcPts val="0"/>
-              </a:spcBef>
-              <a:spcAft>
-                <a:spcPts val="0"/>
-              </a:spcAft>
-              <a:buClr>
-                <a:schemeClr val="dk1"/>
-              </a:buClr>
-              <a:buSzPts val="3000"/>
-              <a:buFont typeface="Bebas Neue"/>
-              <a:buNone/>
-              <a:defRPr sz="3000" b="0" i="0" u="none" strike="noStrike" cap="none">
-                <a:solidFill>
-                  <a:schemeClr val="dk1"/>
-                </a:solidFill>
-                <a:latin typeface="Bebas Neue"/>
-                <a:ea typeface="Bebas Neue"/>
-                <a:cs typeface="Bebas Neue"/>
-                <a:sym typeface="Bebas Neue"/>
-              </a:defRPr>
-            </a:lvl4pPr>
-            <a:lvl5pPr marR="0" lvl="4" algn="l" rtl="0">
-              <a:lnSpc>
-                <a:spcPct val="100000"/>
-              </a:lnSpc>
-              <a:spcBef>
-                <a:spcPts val="0"/>
-              </a:spcBef>
-              <a:spcAft>
-                <a:spcPts val="0"/>
-              </a:spcAft>
-              <a:buClr>
-                <a:schemeClr val="dk1"/>
-              </a:buClr>
-              <a:buSzPts val="3000"/>
-              <a:buFont typeface="Bebas Neue"/>
-              <a:buNone/>
-              <a:defRPr sz="3000" b="0" i="0" u="none" strike="noStrike" cap="none">
-                <a:solidFill>
-                  <a:schemeClr val="dk1"/>
-                </a:solidFill>
-                <a:latin typeface="Bebas Neue"/>
-                <a:ea typeface="Bebas Neue"/>
-                <a:cs typeface="Bebas Neue"/>
-                <a:sym typeface="Bebas Neue"/>
-              </a:defRPr>
-            </a:lvl5pPr>
-            <a:lvl6pPr marR="0" lvl="5" algn="l" rtl="0">
-              <a:lnSpc>
-                <a:spcPct val="100000"/>
-              </a:lnSpc>
-              <a:spcBef>
-                <a:spcPts val="0"/>
-              </a:spcBef>
-              <a:spcAft>
-                <a:spcPts val="0"/>
-              </a:spcAft>
-              <a:buClr>
-                <a:schemeClr val="dk1"/>
-              </a:buClr>
-              <a:buSzPts val="3000"/>
-              <a:buFont typeface="Bebas Neue"/>
-              <a:buNone/>
-              <a:defRPr sz="3000" b="0" i="0" u="none" strike="noStrike" cap="none">
-                <a:solidFill>
-                  <a:schemeClr val="dk1"/>
-                </a:solidFill>
-                <a:latin typeface="Bebas Neue"/>
-                <a:ea typeface="Bebas Neue"/>
-                <a:cs typeface="Bebas Neue"/>
-                <a:sym typeface="Bebas Neue"/>
-              </a:defRPr>
-            </a:lvl6pPr>
-            <a:lvl7pPr marR="0" lvl="6" algn="l" rtl="0">
-              <a:lnSpc>
-                <a:spcPct val="100000"/>
-              </a:lnSpc>
-              <a:spcBef>
-                <a:spcPts val="0"/>
-              </a:spcBef>
-              <a:spcAft>
-                <a:spcPts val="0"/>
-              </a:spcAft>
-              <a:buClr>
-                <a:schemeClr val="dk1"/>
-              </a:buClr>
-              <a:buSzPts val="3000"/>
-              <a:buFont typeface="Bebas Neue"/>
-              <a:buNone/>
-              <a:defRPr sz="3000" b="0" i="0" u="none" strike="noStrike" cap="none">
-                <a:solidFill>
-                  <a:schemeClr val="dk1"/>
-                </a:solidFill>
-                <a:latin typeface="Bebas Neue"/>
-                <a:ea typeface="Bebas Neue"/>
-                <a:cs typeface="Bebas Neue"/>
-                <a:sym typeface="Bebas Neue"/>
-              </a:defRPr>
-            </a:lvl7pPr>
-            <a:lvl8pPr marR="0" lvl="7" algn="l" rtl="0">
-              <a:lnSpc>
-                <a:spcPct val="100000"/>
-              </a:lnSpc>
-              <a:spcBef>
-                <a:spcPts val="0"/>
-              </a:spcBef>
-              <a:spcAft>
-                <a:spcPts val="0"/>
-              </a:spcAft>
-              <a:buClr>
-                <a:schemeClr val="dk1"/>
-              </a:buClr>
-              <a:buSzPts val="3000"/>
-              <a:buFont typeface="Bebas Neue"/>
-              <a:buNone/>
-              <a:defRPr sz="3000" b="0" i="0" u="none" strike="noStrike" cap="none">
-                <a:solidFill>
-                  <a:schemeClr val="dk1"/>
-                </a:solidFill>
-                <a:latin typeface="Bebas Neue"/>
-                <a:ea typeface="Bebas Neue"/>
-                <a:cs typeface="Bebas Neue"/>
-                <a:sym typeface="Bebas Neue"/>
-              </a:defRPr>
-            </a:lvl8pPr>
-            <a:lvl9pPr marR="0" lvl="8" algn="l" rtl="0">
-              <a:lnSpc>
-                <a:spcPct val="100000"/>
-              </a:lnSpc>
-              <a:spcBef>
-                <a:spcPts val="0"/>
-              </a:spcBef>
-              <a:spcAft>
-                <a:spcPts val="0"/>
-              </a:spcAft>
-              <a:buClr>
-                <a:schemeClr val="dk1"/>
-              </a:buClr>
-              <a:buSzPts val="3000"/>
-              <a:buFont typeface="Bebas Neue"/>
-              <a:buNone/>
-              <a:defRPr sz="3000" b="0" i="0" u="none" strike="noStrike" cap="none">
-                <a:solidFill>
-                  <a:schemeClr val="dk1"/>
-                </a:solidFill>
-                <a:latin typeface="Bebas Neue"/>
-                <a:ea typeface="Bebas Neue"/>
-                <a:cs typeface="Bebas Neue"/>
-                <a:sym typeface="Bebas Neue"/>
-              </a:defRPr>
-            </a:lvl9pPr>
-          </a:lstStyle>
-          <a:p>
-            <a:pPr algn="l">
-              <a:buClr>
-                <a:schemeClr val="dk2"/>
-              </a:buClr>
-              <a:buSzPts val="1400"/>
-            </a:pPr>
-            <a:r>
-              <a:rPr lang="fr-FR" sz="1800" dirty="0">
-                <a:sym typeface="Lato"/>
-              </a:rPr>
-              <a:t>Pandas </a:t>
-            </a:r>
-          </a:p>
-        </p:txBody>
-      </p:sp>
-    </p:spTree>
-  </p:cSld>
-  <p:clrMapOvr>
-    <a:masterClrMapping/>
-  </p:clrMapOvr>
-</p:sld>
-</file>
-
-<file path=ppt/slides/slide50.xml><?xml version="1.0" encoding="utf-8"?>
+<file path=ppt/slides/slide47.xml><?xml version="1.0" encoding="utf-8"?>
 <p:sld xmlns:a="http://schemas.openxmlformats.org/drawingml/2006/main" xmlns:r="http://schemas.openxmlformats.org/officeDocument/2006/relationships" xmlns:p="http://schemas.openxmlformats.org/presentationml/2006/main">
   <p:cSld>
     <p:spTree>
@@ -49815,7 +46476,7 @@
 </p:sld>
 </file>
 
-<file path=ppt/slides/slide51.xml><?xml version="1.0" encoding="utf-8"?>
+<file path=ppt/slides/slide48.xml><?xml version="1.0" encoding="utf-8"?>
 <p:sld xmlns:a="http://schemas.openxmlformats.org/drawingml/2006/main" xmlns:r="http://schemas.openxmlformats.org/officeDocument/2006/relationships" xmlns:p="http://schemas.openxmlformats.org/presentationml/2006/main">
   <p:cSld>
     <p:bg>
@@ -49918,6 +46579,576 @@
               <a:t>Do you have any questions?</a:t>
             </a:r>
             <a:endParaRPr dirty="0"/>
+          </a:p>
+        </p:txBody>
+      </p:sp>
+    </p:spTree>
+  </p:cSld>
+  <p:clrMapOvr>
+    <a:masterClrMapping/>
+  </p:clrMapOvr>
+</p:sld>
+</file>
+
+<file path=ppt/slides/slide5.xml><?xml version="1.0" encoding="utf-8"?>
+<p:sld xmlns:a="http://schemas.openxmlformats.org/drawingml/2006/main" xmlns:r="http://schemas.openxmlformats.org/officeDocument/2006/relationships" xmlns:p="http://schemas.openxmlformats.org/presentationml/2006/main">
+  <p:cSld>
+    <p:spTree>
+      <p:nvGrpSpPr>
+        <p:cNvPr id="1" name="Shape 945"/>
+        <p:cNvGrpSpPr/>
+        <p:nvPr/>
+      </p:nvGrpSpPr>
+      <p:grpSpPr>
+        <a:xfrm>
+          <a:off x="0" y="0"/>
+          <a:ext cx="0" cy="0"/>
+          <a:chOff x="0" y="0"/>
+          <a:chExt cx="0" cy="0"/>
+        </a:xfrm>
+      </p:grpSpPr>
+      <p:sp>
+        <p:nvSpPr>
+          <p:cNvPr id="946" name="Google Shape;946;p54"/>
+          <p:cNvSpPr/>
+          <p:nvPr/>
+        </p:nvSpPr>
+        <p:spPr>
+          <a:xfrm>
+            <a:off x="1478425" y="1113940"/>
+            <a:ext cx="1671900" cy="441000"/>
+          </a:xfrm>
+          <a:prstGeom prst="roundRect">
+            <a:avLst>
+              <a:gd name="adj" fmla="val 6740"/>
+            </a:avLst>
+          </a:prstGeom>
+          <a:solidFill>
+            <a:schemeClr val="lt2"/>
+          </a:solidFill>
+          <a:ln w="28575" cap="flat" cmpd="sng">
+            <a:solidFill>
+              <a:schemeClr val="dk1"/>
+            </a:solidFill>
+            <a:prstDash val="solid"/>
+            <a:round/>
+            <a:headEnd type="none" w="sm" len="sm"/>
+            <a:tailEnd type="none" w="sm" len="sm"/>
+          </a:ln>
+          <a:effectLst>
+            <a:outerShdw dist="85725" dir="3960000" algn="bl" rotWithShape="0">
+              <a:schemeClr val="dk1"/>
+            </a:outerShdw>
+          </a:effectLst>
+        </p:spPr>
+        <p:txBody>
+          <a:bodyPr spcFirstLastPara="1" wrap="square" lIns="91425" tIns="91425" rIns="91425" bIns="91425" anchor="ctr" anchorCtr="0">
+            <a:noAutofit/>
+          </a:bodyPr>
+          <a:lstStyle/>
+          <a:p>
+            <a:pPr marL="0" lvl="0" indent="0" algn="l" rtl="0">
+              <a:spcBef>
+                <a:spcPts val="0"/>
+              </a:spcBef>
+              <a:spcAft>
+                <a:spcPts val="0"/>
+              </a:spcAft>
+              <a:buNone/>
+            </a:pPr>
+            <a:endParaRPr/>
+          </a:p>
+        </p:txBody>
+      </p:sp>
+      <p:sp>
+        <p:nvSpPr>
+          <p:cNvPr id="947" name="Google Shape;947;p54"/>
+          <p:cNvSpPr txBox="1">
+            <a:spLocks noGrp="1"/>
+          </p:cNvSpPr>
+          <p:nvPr>
+            <p:ph type="body" idx="1"/>
+          </p:nvPr>
+        </p:nvSpPr>
+        <p:spPr>
+          <a:xfrm>
+            <a:off x="1746883" y="1368825"/>
+            <a:ext cx="6549391" cy="2466600"/>
+          </a:xfrm>
+          <a:prstGeom prst="rect">
+            <a:avLst/>
+          </a:prstGeom>
+        </p:spPr>
+        <p:txBody>
+          <a:bodyPr spcFirstLastPara="1" wrap="square" lIns="91425" tIns="182875" rIns="0" bIns="91425" anchor="t" anchorCtr="0">
+            <a:noAutofit/>
+          </a:bodyPr>
+          <a:lstStyle/>
+          <a:p>
+            <a:pPr marL="0" lvl="0" indent="0" algn="l" rtl="0">
+              <a:lnSpc>
+                <a:spcPct val="100000"/>
+              </a:lnSpc>
+              <a:spcBef>
+                <a:spcPts val="0"/>
+              </a:spcBef>
+              <a:spcAft>
+                <a:spcPts val="0"/>
+              </a:spcAft>
+              <a:buNone/>
+            </a:pPr>
+            <a:endParaRPr sz="1800" b="1" dirty="0">
+              <a:solidFill>
+                <a:schemeClr val="dk1"/>
+              </a:solidFill>
+              <a:latin typeface="Varela Round"/>
+              <a:ea typeface="Varela Round"/>
+              <a:cs typeface="Varela Round"/>
+              <a:sym typeface="Varela Round"/>
+            </a:endParaRPr>
+          </a:p>
+          <a:p>
+            <a:pPr marL="457200" lvl="0" indent="-317500" algn="l" rtl="0">
+              <a:lnSpc>
+                <a:spcPct val="150000"/>
+              </a:lnSpc>
+              <a:spcBef>
+                <a:spcPts val="0"/>
+              </a:spcBef>
+              <a:spcAft>
+                <a:spcPts val="0"/>
+              </a:spcAft>
+              <a:buSzPts val="1400"/>
+              <a:buChar char="●"/>
+            </a:pPr>
+            <a:r>
+              <a:rPr lang="fr-FR" sz="1800" dirty="0">
+                <a:solidFill>
+                  <a:schemeClr val="hlink"/>
+                </a:solidFill>
+                <a:uFill>
+                  <a:noFill/>
+                </a:uFill>
+              </a:rPr>
+              <a:t>Librairie Python pour la manipulation de données.</a:t>
+            </a:r>
+          </a:p>
+          <a:p>
+            <a:pPr marL="457200" lvl="0" indent="-317500" algn="l" rtl="0">
+              <a:lnSpc>
+                <a:spcPct val="150000"/>
+              </a:lnSpc>
+              <a:spcBef>
+                <a:spcPts val="0"/>
+              </a:spcBef>
+              <a:spcAft>
+                <a:spcPts val="0"/>
+              </a:spcAft>
+              <a:buSzPts val="1400"/>
+              <a:buChar char="●"/>
+            </a:pPr>
+            <a:r>
+              <a:rPr lang="fr-FR" sz="1800" dirty="0">
+                <a:solidFill>
+                  <a:schemeClr val="hlink"/>
+                </a:solidFill>
+                <a:uFill>
+                  <a:noFill/>
+                </a:uFill>
+              </a:rPr>
+              <a:t>Basée sur </a:t>
+            </a:r>
+            <a:r>
+              <a:rPr lang="fr-FR" sz="1800" dirty="0" err="1">
+                <a:solidFill>
+                  <a:schemeClr val="hlink"/>
+                </a:solidFill>
+                <a:uFill>
+                  <a:noFill/>
+                </a:uFill>
+              </a:rPr>
+              <a:t>NumPy</a:t>
+            </a:r>
+            <a:r>
+              <a:rPr lang="fr-FR" sz="1800" dirty="0">
+                <a:solidFill>
+                  <a:schemeClr val="hlink"/>
+                </a:solidFill>
+                <a:uFill>
+                  <a:noFill/>
+                </a:uFill>
+              </a:rPr>
+              <a:t> pour des fonctionnalités de calcul scientifique.</a:t>
+            </a:r>
+          </a:p>
+          <a:p>
+            <a:pPr marL="457200" lvl="0" indent="-317500" algn="l" rtl="0">
+              <a:lnSpc>
+                <a:spcPct val="150000"/>
+              </a:lnSpc>
+              <a:spcBef>
+                <a:spcPts val="0"/>
+              </a:spcBef>
+              <a:spcAft>
+                <a:spcPts val="0"/>
+              </a:spcAft>
+              <a:buSzPts val="1400"/>
+              <a:buChar char="●"/>
+            </a:pPr>
+            <a:r>
+              <a:rPr lang="fr-FR" sz="1800" dirty="0"/>
+              <a:t>Utilise le concept de </a:t>
+            </a:r>
+            <a:r>
+              <a:rPr lang="fr-FR" sz="1800" dirty="0" err="1"/>
+              <a:t>DataFrame</a:t>
+            </a:r>
+            <a:r>
+              <a:rPr lang="fr-FR" sz="1800" dirty="0"/>
+              <a:t> (structure de données en deux dimensions).</a:t>
+            </a:r>
+          </a:p>
+        </p:txBody>
+      </p:sp>
+      <p:sp>
+        <p:nvSpPr>
+          <p:cNvPr id="948" name="Google Shape;948;p54"/>
+          <p:cNvSpPr txBox="1">
+            <a:spLocks noGrp="1"/>
+          </p:cNvSpPr>
+          <p:nvPr>
+            <p:ph type="title"/>
+          </p:nvPr>
+        </p:nvSpPr>
+        <p:spPr>
+          <a:xfrm>
+            <a:off x="720025" y="529923"/>
+            <a:ext cx="7704000" cy="484800"/>
+          </a:xfrm>
+          <a:prstGeom prst="rect">
+            <a:avLst/>
+          </a:prstGeom>
+        </p:spPr>
+        <p:txBody>
+          <a:bodyPr spcFirstLastPara="1" wrap="square" lIns="91425" tIns="91425" rIns="91425" bIns="91425" anchor="b" anchorCtr="0">
+            <a:noAutofit/>
+          </a:bodyPr>
+          <a:lstStyle/>
+          <a:p>
+            <a:pPr marL="0" lvl="0" indent="0" algn="ctr" rtl="0">
+              <a:spcBef>
+                <a:spcPts val="0"/>
+              </a:spcBef>
+              <a:spcAft>
+                <a:spcPts val="0"/>
+              </a:spcAft>
+              <a:buNone/>
+            </a:pPr>
+            <a:r>
+              <a:rPr lang="fr-FR" b="0" i="0" dirty="0">
+                <a:solidFill>
+                  <a:srgbClr val="374151"/>
+                </a:solidFill>
+                <a:effectLst/>
+                <a:latin typeface="Söhne"/>
+              </a:rPr>
+              <a:t>Qu'est-ce que Pandas ?</a:t>
+            </a:r>
+            <a:endParaRPr dirty="0"/>
+          </a:p>
+        </p:txBody>
+      </p:sp>
+      <p:sp>
+        <p:nvSpPr>
+          <p:cNvPr id="2" name="Google Shape;948;p54">
+            <a:extLst>
+              <a:ext uri="{FF2B5EF4-FFF2-40B4-BE49-F238E27FC236}">
+                <a16:creationId xmlns:a16="http://schemas.microsoft.com/office/drawing/2014/main" id="{A21C1093-C878-9031-95BD-E421ACB8FF81}"/>
+              </a:ext>
+            </a:extLst>
+          </p:cNvPr>
+          <p:cNvSpPr txBox="1">
+            <a:spLocks/>
+          </p:cNvSpPr>
+          <p:nvPr/>
+        </p:nvSpPr>
+        <p:spPr>
+          <a:xfrm>
+            <a:off x="1746884" y="1081308"/>
+            <a:ext cx="1998365" cy="484800"/>
+          </a:xfrm>
+          <a:prstGeom prst="rect">
+            <a:avLst/>
+          </a:prstGeom>
+          <a:noFill/>
+          <a:ln>
+            <a:noFill/>
+          </a:ln>
+        </p:spPr>
+        <p:txBody>
+          <a:bodyPr spcFirstLastPara="1" wrap="square" lIns="91425" tIns="91425" rIns="91425" bIns="91425" anchor="b" anchorCtr="0">
+            <a:noAutofit/>
+          </a:bodyPr>
+          <a:lstStyle>
+            <a:defPPr marR="0" lvl="0" algn="l" rtl="0">
+              <a:lnSpc>
+                <a:spcPct val="100000"/>
+              </a:lnSpc>
+              <a:spcBef>
+                <a:spcPts val="0"/>
+              </a:spcBef>
+              <a:spcAft>
+                <a:spcPts val="0"/>
+              </a:spcAft>
+            </a:defPPr>
+            <a:lvl1pPr marR="0" lvl="0" algn="ctr" rtl="0">
+              <a:lnSpc>
+                <a:spcPct val="100000"/>
+              </a:lnSpc>
+              <a:spcBef>
+                <a:spcPts val="0"/>
+              </a:spcBef>
+              <a:spcAft>
+                <a:spcPts val="0"/>
+              </a:spcAft>
+              <a:buClr>
+                <a:schemeClr val="dk1"/>
+              </a:buClr>
+              <a:buSzPts val="3000"/>
+              <a:buFont typeface="Varela Round"/>
+              <a:buNone/>
+              <a:defRPr sz="3000" b="1" i="0" u="none" strike="noStrike" cap="none">
+                <a:solidFill>
+                  <a:schemeClr val="dk1"/>
+                </a:solidFill>
+                <a:latin typeface="Varela Round"/>
+                <a:ea typeface="Varela Round"/>
+                <a:cs typeface="Varela Round"/>
+                <a:sym typeface="Varela Round"/>
+              </a:defRPr>
+            </a:lvl1pPr>
+            <a:lvl2pPr marR="0" lvl="1" algn="l" rtl="0">
+              <a:lnSpc>
+                <a:spcPct val="100000"/>
+              </a:lnSpc>
+              <a:spcBef>
+                <a:spcPts val="0"/>
+              </a:spcBef>
+              <a:spcAft>
+                <a:spcPts val="0"/>
+              </a:spcAft>
+              <a:buClr>
+                <a:schemeClr val="dk1"/>
+              </a:buClr>
+              <a:buSzPts val="3000"/>
+              <a:buFont typeface="Bebas Neue"/>
+              <a:buNone/>
+              <a:defRPr sz="3000" b="0" i="0" u="none" strike="noStrike" cap="none">
+                <a:solidFill>
+                  <a:schemeClr val="dk1"/>
+                </a:solidFill>
+                <a:latin typeface="Bebas Neue"/>
+                <a:ea typeface="Bebas Neue"/>
+                <a:cs typeface="Bebas Neue"/>
+                <a:sym typeface="Bebas Neue"/>
+              </a:defRPr>
+            </a:lvl2pPr>
+            <a:lvl3pPr marR="0" lvl="2" algn="l" rtl="0">
+              <a:lnSpc>
+                <a:spcPct val="100000"/>
+              </a:lnSpc>
+              <a:spcBef>
+                <a:spcPts val="0"/>
+              </a:spcBef>
+              <a:spcAft>
+                <a:spcPts val="0"/>
+              </a:spcAft>
+              <a:buClr>
+                <a:schemeClr val="dk1"/>
+              </a:buClr>
+              <a:buSzPts val="3000"/>
+              <a:buFont typeface="Bebas Neue"/>
+              <a:buNone/>
+              <a:defRPr sz="3000" b="0" i="0" u="none" strike="noStrike" cap="none">
+                <a:solidFill>
+                  <a:schemeClr val="dk1"/>
+                </a:solidFill>
+                <a:latin typeface="Bebas Neue"/>
+                <a:ea typeface="Bebas Neue"/>
+                <a:cs typeface="Bebas Neue"/>
+                <a:sym typeface="Bebas Neue"/>
+              </a:defRPr>
+            </a:lvl3pPr>
+            <a:lvl4pPr marR="0" lvl="3" algn="l" rtl="0">
+              <a:lnSpc>
+                <a:spcPct val="100000"/>
+              </a:lnSpc>
+              <a:spcBef>
+                <a:spcPts val="0"/>
+              </a:spcBef>
+              <a:spcAft>
+                <a:spcPts val="0"/>
+              </a:spcAft>
+              <a:buClr>
+                <a:schemeClr val="dk1"/>
+              </a:buClr>
+              <a:buSzPts val="3000"/>
+              <a:buFont typeface="Bebas Neue"/>
+              <a:buNone/>
+              <a:defRPr sz="3000" b="0" i="0" u="none" strike="noStrike" cap="none">
+                <a:solidFill>
+                  <a:schemeClr val="dk1"/>
+                </a:solidFill>
+                <a:latin typeface="Bebas Neue"/>
+                <a:ea typeface="Bebas Neue"/>
+                <a:cs typeface="Bebas Neue"/>
+                <a:sym typeface="Bebas Neue"/>
+              </a:defRPr>
+            </a:lvl4pPr>
+            <a:lvl5pPr marR="0" lvl="4" algn="l" rtl="0">
+              <a:lnSpc>
+                <a:spcPct val="100000"/>
+              </a:lnSpc>
+              <a:spcBef>
+                <a:spcPts val="0"/>
+              </a:spcBef>
+              <a:spcAft>
+                <a:spcPts val="0"/>
+              </a:spcAft>
+              <a:buClr>
+                <a:schemeClr val="dk1"/>
+              </a:buClr>
+              <a:buSzPts val="3000"/>
+              <a:buFont typeface="Bebas Neue"/>
+              <a:buNone/>
+              <a:defRPr sz="3000" b="0" i="0" u="none" strike="noStrike" cap="none">
+                <a:solidFill>
+                  <a:schemeClr val="dk1"/>
+                </a:solidFill>
+                <a:latin typeface="Bebas Neue"/>
+                <a:ea typeface="Bebas Neue"/>
+                <a:cs typeface="Bebas Neue"/>
+                <a:sym typeface="Bebas Neue"/>
+              </a:defRPr>
+            </a:lvl5pPr>
+            <a:lvl6pPr marR="0" lvl="5" algn="l" rtl="0">
+              <a:lnSpc>
+                <a:spcPct val="100000"/>
+              </a:lnSpc>
+              <a:spcBef>
+                <a:spcPts val="0"/>
+              </a:spcBef>
+              <a:spcAft>
+                <a:spcPts val="0"/>
+              </a:spcAft>
+              <a:buClr>
+                <a:schemeClr val="dk1"/>
+              </a:buClr>
+              <a:buSzPts val="3000"/>
+              <a:buFont typeface="Bebas Neue"/>
+              <a:buNone/>
+              <a:defRPr sz="3000" b="0" i="0" u="none" strike="noStrike" cap="none">
+                <a:solidFill>
+                  <a:schemeClr val="dk1"/>
+                </a:solidFill>
+                <a:latin typeface="Bebas Neue"/>
+                <a:ea typeface="Bebas Neue"/>
+                <a:cs typeface="Bebas Neue"/>
+                <a:sym typeface="Bebas Neue"/>
+              </a:defRPr>
+            </a:lvl6pPr>
+            <a:lvl7pPr marR="0" lvl="6" algn="l" rtl="0">
+              <a:lnSpc>
+                <a:spcPct val="100000"/>
+              </a:lnSpc>
+              <a:spcBef>
+                <a:spcPts val="0"/>
+              </a:spcBef>
+              <a:spcAft>
+                <a:spcPts val="0"/>
+              </a:spcAft>
+              <a:buClr>
+                <a:schemeClr val="dk1"/>
+              </a:buClr>
+              <a:buSzPts val="3000"/>
+              <a:buFont typeface="Bebas Neue"/>
+              <a:buNone/>
+              <a:defRPr sz="3000" b="0" i="0" u="none" strike="noStrike" cap="none">
+                <a:solidFill>
+                  <a:schemeClr val="dk1"/>
+                </a:solidFill>
+                <a:latin typeface="Bebas Neue"/>
+                <a:ea typeface="Bebas Neue"/>
+                <a:cs typeface="Bebas Neue"/>
+                <a:sym typeface="Bebas Neue"/>
+              </a:defRPr>
+            </a:lvl7pPr>
+            <a:lvl8pPr marR="0" lvl="7" algn="l" rtl="0">
+              <a:lnSpc>
+                <a:spcPct val="100000"/>
+              </a:lnSpc>
+              <a:spcBef>
+                <a:spcPts val="0"/>
+              </a:spcBef>
+              <a:spcAft>
+                <a:spcPts val="0"/>
+              </a:spcAft>
+              <a:buClr>
+                <a:schemeClr val="dk1"/>
+              </a:buClr>
+              <a:buSzPts val="3000"/>
+              <a:buFont typeface="Bebas Neue"/>
+              <a:buNone/>
+              <a:defRPr sz="3000" b="0" i="0" u="none" strike="noStrike" cap="none">
+                <a:solidFill>
+                  <a:schemeClr val="dk1"/>
+                </a:solidFill>
+                <a:latin typeface="Bebas Neue"/>
+                <a:ea typeface="Bebas Neue"/>
+                <a:cs typeface="Bebas Neue"/>
+                <a:sym typeface="Bebas Neue"/>
+              </a:defRPr>
+            </a:lvl8pPr>
+            <a:lvl9pPr marR="0" lvl="8" algn="l" rtl="0">
+              <a:lnSpc>
+                <a:spcPct val="100000"/>
+              </a:lnSpc>
+              <a:spcBef>
+                <a:spcPts val="0"/>
+              </a:spcBef>
+              <a:spcAft>
+                <a:spcPts val="0"/>
+              </a:spcAft>
+              <a:buClr>
+                <a:schemeClr val="dk1"/>
+              </a:buClr>
+              <a:buSzPts val="3000"/>
+              <a:buFont typeface="Bebas Neue"/>
+              <a:buNone/>
+              <a:defRPr sz="3000" b="0" i="0" u="none" strike="noStrike" cap="none">
+                <a:solidFill>
+                  <a:schemeClr val="dk1"/>
+                </a:solidFill>
+                <a:latin typeface="Bebas Neue"/>
+                <a:ea typeface="Bebas Neue"/>
+                <a:cs typeface="Bebas Neue"/>
+                <a:sym typeface="Bebas Neue"/>
+              </a:defRPr>
+            </a:lvl9pPr>
+          </a:lstStyle>
+          <a:p>
+            <a:pPr algn="l">
+              <a:buClr>
+                <a:schemeClr val="dk2"/>
+              </a:buClr>
+              <a:buSzPts val="1400"/>
+            </a:pPr>
+            <a:r>
+              <a:rPr lang="fr-FR" sz="1800" dirty="0">
+                <a:sym typeface="Lato"/>
+              </a:rPr>
+              <a:t>Pandas </a:t>
+            </a:r>
           </a:p>
         </p:txBody>
       </p:sp>
